--- a/Planung/projektskizze_nad.pptx
+++ b/Planung/projektskizze_nad.pptx
@@ -5,14 +5,18 @@
     <p:sldMasterId id="2147483648" r:id="rId1"/>
   </p:sldMasterIdLst>
   <p:notesMasterIdLst>
-    <p:notesMasterId r:id="rId7"/>
+    <p:notesMasterId r:id="rId11"/>
   </p:notesMasterIdLst>
   <p:sldIdLst>
     <p:sldId id="256" r:id="rId2"/>
-    <p:sldId id="257" r:id="rId3"/>
-    <p:sldId id="258" r:id="rId4"/>
-    <p:sldId id="259" r:id="rId5"/>
-    <p:sldId id="260" r:id="rId6"/>
+    <p:sldId id="263" r:id="rId3"/>
+    <p:sldId id="264" r:id="rId4"/>
+    <p:sldId id="265" r:id="rId5"/>
+    <p:sldId id="257" r:id="rId6"/>
+    <p:sldId id="258" r:id="rId7"/>
+    <p:sldId id="259" r:id="rId8"/>
+    <p:sldId id="260" r:id="rId9"/>
+    <p:sldId id="266" r:id="rId10"/>
   </p:sldIdLst>
   <p:sldSz cx="10080625" cy="7559675"/>
   <p:notesSz cx="7559675" cy="10691813"/>
@@ -181,6 +185,36 @@
       </a:defRPr>
     </a:lvl9pPr>
   </p:defaultTextStyle>
+  <p:extLst>
+    <p:ext uri="{EFAFB233-063F-42B5-8137-9DF3F51BA10A}">
+      <p15:sldGuideLst xmlns:p15="http://schemas.microsoft.com/office/powerpoint/2012/main">
+        <p15:guide id="1" orient="horz" pos="2160">
+          <p15:clr>
+            <a:srgbClr val="A4A3A4"/>
+          </p15:clr>
+        </p15:guide>
+        <p15:guide id="2" pos="2880">
+          <p15:clr>
+            <a:srgbClr val="A4A3A4"/>
+          </p15:clr>
+        </p15:guide>
+      </p15:sldGuideLst>
+    </p:ext>
+    <p:ext uri="{2D200454-40CA-4A62-9FC3-DE9A4176ACB9}">
+      <p15:notesGuideLst xmlns:p15="http://schemas.microsoft.com/office/powerpoint/2012/main">
+        <p15:guide id="1" orient="horz" pos="2880">
+          <p15:clr>
+            <a:srgbClr val="A4A3A4"/>
+          </p15:clr>
+        </p15:guide>
+        <p15:guide id="2" pos="2160">
+          <p15:clr>
+            <a:srgbClr val="A4A3A4"/>
+          </p15:clr>
+        </p15:guide>
+      </p15:notesGuideLst>
+    </p:ext>
+  </p:extLst>
 </p:presentation>
 </file>
 
@@ -234,14 +268,14 @@
           <a:effectLst/>
           <a:extLst>
             <a:ext uri="{909E8E84-426E-40dd-AFC4-6F175D3DCCD1}">
-              <a14:hiddenFill xmlns:a14="http://schemas.microsoft.com/office/drawing/2010/main">
+              <a14:hiddenFill xmlns:a14="http://schemas.microsoft.com/office/drawing/2010/main" xmlns="">
                 <a:solidFill>
                   <a:srgbClr val="FFFFFF"/>
                 </a:solidFill>
               </a14:hiddenFill>
             </a:ext>
             <a:ext uri="{91240B29-F687-4f45-9708-019B960494DF}">
-              <a14:hiddenLine xmlns:a14="http://schemas.microsoft.com/office/drawing/2010/main" w="9525">
+              <a14:hiddenLine xmlns:a14="http://schemas.microsoft.com/office/drawing/2010/main" xmlns="" w="9525">
                 <a:solidFill>
                   <a:srgbClr val="808080"/>
                 </a:solidFill>
@@ -251,7 +285,7 @@
               </a14:hiddenLine>
             </a:ext>
             <a:ext uri="{AF507438-7753-43e0-B8FC-AC1667EBCBE1}">
-              <a14:hiddenEffects xmlns:a14="http://schemas.microsoft.com/office/drawing/2010/main">
+              <a14:hiddenEffects xmlns:a14="http://schemas.microsoft.com/office/drawing/2010/main" xmlns="">
                 <a:effectLst>
                   <a:outerShdw blurRad="63500" dist="38099" dir="2700000" algn="ctr" rotWithShape="0">
                     <a:schemeClr val="bg2">
@@ -262,7 +296,7 @@
               </a14:hiddenEffects>
             </a:ext>
             <a:ext uri="{FAA26D3D-D897-4be2-8F04-BA451C77F1D7}">
-              <ma14:placeholderFlag xmlns:ma14="http://schemas.microsoft.com/office/mac/drawingml/2011/main" val="1"/>
+              <ma14:placeholderFlag xmlns:ma14="http://schemas.microsoft.com/office/mac/drawingml/2011/main" xmlns="" val="1"/>
             </a:ext>
           </a:extLst>
         </p:spPr>
@@ -292,14 +326,14 @@
           <a:effectLst/>
           <a:extLst>
             <a:ext uri="{909E8E84-426E-40dd-AFC4-6F175D3DCCD1}">
-              <a14:hiddenFill xmlns:a14="http://schemas.microsoft.com/office/drawing/2010/main">
+              <a14:hiddenFill xmlns:a14="http://schemas.microsoft.com/office/drawing/2010/main" xmlns="">
                 <a:solidFill>
                   <a:srgbClr val="FFFFFF"/>
                 </a:solidFill>
               </a14:hiddenFill>
             </a:ext>
             <a:ext uri="{91240B29-F687-4f45-9708-019B960494DF}">
-              <a14:hiddenLine xmlns:a14="http://schemas.microsoft.com/office/drawing/2010/main" w="9525">
+              <a14:hiddenLine xmlns:a14="http://schemas.microsoft.com/office/drawing/2010/main" xmlns="" w="9525">
                 <a:solidFill>
                   <a:srgbClr val="808080"/>
                 </a:solidFill>
@@ -309,7 +343,7 @@
               </a14:hiddenLine>
             </a:ext>
             <a:ext uri="{AF507438-7753-43e0-B8FC-AC1667EBCBE1}">
-              <a14:hiddenEffects xmlns:a14="http://schemas.microsoft.com/office/drawing/2010/main">
+              <a14:hiddenEffects xmlns:a14="http://schemas.microsoft.com/office/drawing/2010/main" xmlns="">
                 <a:effectLst>
                   <a:outerShdw blurRad="63500" dist="38099" dir="2700000" algn="ctr" rotWithShape="0">
                     <a:schemeClr val="bg2">
@@ -320,7 +354,7 @@
               </a14:hiddenEffects>
             </a:ext>
             <a:ext uri="{FAA26D3D-D897-4be2-8F04-BA451C77F1D7}">
-              <ma14:placeholderFlag xmlns:ma14="http://schemas.microsoft.com/office/mac/drawingml/2011/main" val="1"/>
+              <ma14:placeholderFlag xmlns:ma14="http://schemas.microsoft.com/office/mac/drawingml/2011/main" xmlns="" val="1"/>
             </a:ext>
           </a:extLst>
         </p:spPr>
@@ -362,14 +396,14 @@
           <a:effectLst/>
           <a:extLst>
             <a:ext uri="{909E8E84-426E-40dd-AFC4-6F175D3DCCD1}">
-              <a14:hiddenFill xmlns:a14="http://schemas.microsoft.com/office/drawing/2010/main">
+              <a14:hiddenFill xmlns:a14="http://schemas.microsoft.com/office/drawing/2010/main" xmlns="">
                 <a:solidFill>
                   <a:srgbClr val="FFFFFF"/>
                 </a:solidFill>
               </a14:hiddenFill>
             </a:ext>
             <a:ext uri="{91240B29-F687-4f45-9708-019B960494DF}">
-              <a14:hiddenLine xmlns:a14="http://schemas.microsoft.com/office/drawing/2010/main" w="9525">
+              <a14:hiddenLine xmlns:a14="http://schemas.microsoft.com/office/drawing/2010/main" xmlns="" w="9525">
                 <a:solidFill>
                   <a:srgbClr val="808080"/>
                 </a:solidFill>
@@ -379,7 +413,7 @@
               </a14:hiddenLine>
             </a:ext>
             <a:ext uri="{AF507438-7753-43e0-B8FC-AC1667EBCBE1}">
-              <a14:hiddenEffects xmlns:a14="http://schemas.microsoft.com/office/drawing/2010/main">
+              <a14:hiddenEffects xmlns:a14="http://schemas.microsoft.com/office/drawing/2010/main" xmlns="">
                 <a:effectLst>
                   <a:outerShdw blurRad="63500" dist="38099" dir="2700000" algn="ctr" rotWithShape="0">
                     <a:schemeClr val="bg2">
@@ -390,7 +424,7 @@
               </a14:hiddenEffects>
             </a:ext>
             <a:ext uri="{FAA26D3D-D897-4be2-8F04-BA451C77F1D7}">
-              <ma14:placeholderFlag xmlns:ma14="http://schemas.microsoft.com/office/mac/drawingml/2011/main" val="1"/>
+              <ma14:placeholderFlag xmlns:ma14="http://schemas.microsoft.com/office/mac/drawingml/2011/main" xmlns="" val="1"/>
             </a:ext>
           </a:extLst>
         </p:spPr>
@@ -446,14 +480,14 @@
           <a:effectLst/>
           <a:extLst>
             <a:ext uri="{909E8E84-426E-40dd-AFC4-6F175D3DCCD1}">
-              <a14:hiddenFill xmlns:a14="http://schemas.microsoft.com/office/drawing/2010/main">
+              <a14:hiddenFill xmlns:a14="http://schemas.microsoft.com/office/drawing/2010/main" xmlns="">
                 <a:solidFill>
                   <a:srgbClr val="FFFFFF"/>
                 </a:solidFill>
               </a14:hiddenFill>
             </a:ext>
             <a:ext uri="{91240B29-F687-4f45-9708-019B960494DF}">
-              <a14:hiddenLine xmlns:a14="http://schemas.microsoft.com/office/drawing/2010/main" w="9525">
+              <a14:hiddenLine xmlns:a14="http://schemas.microsoft.com/office/drawing/2010/main" xmlns="" w="9525">
                 <a:solidFill>
                   <a:srgbClr val="808080"/>
                 </a:solidFill>
@@ -463,7 +497,7 @@
               </a14:hiddenLine>
             </a:ext>
             <a:ext uri="{AF507438-7753-43e0-B8FC-AC1667EBCBE1}">
-              <a14:hiddenEffects xmlns:a14="http://schemas.microsoft.com/office/drawing/2010/main">
+              <a14:hiddenEffects xmlns:a14="http://schemas.microsoft.com/office/drawing/2010/main" xmlns="">
                 <a:effectLst>
                   <a:outerShdw blurRad="63500" dist="38099" dir="2700000" algn="ctr" rotWithShape="0">
                     <a:schemeClr val="bg2">
@@ -474,7 +508,7 @@
               </a14:hiddenEffects>
             </a:ext>
             <a:ext uri="{FAA26D3D-D897-4be2-8F04-BA451C77F1D7}">
-              <ma14:placeholderFlag xmlns:ma14="http://schemas.microsoft.com/office/mac/drawingml/2011/main" val="1"/>
+              <ma14:placeholderFlag xmlns:ma14="http://schemas.microsoft.com/office/mac/drawingml/2011/main" xmlns="" val="1"/>
             </a:ext>
           </a:extLst>
         </p:spPr>
@@ -530,14 +564,14 @@
           <a:effectLst/>
           <a:extLst>
             <a:ext uri="{909E8E84-426E-40dd-AFC4-6F175D3DCCD1}">
-              <a14:hiddenFill xmlns:a14="http://schemas.microsoft.com/office/drawing/2010/main">
+              <a14:hiddenFill xmlns:a14="http://schemas.microsoft.com/office/drawing/2010/main" xmlns="">
                 <a:solidFill>
                   <a:srgbClr val="FFFFFF"/>
                 </a:solidFill>
               </a14:hiddenFill>
             </a:ext>
             <a:ext uri="{91240B29-F687-4f45-9708-019B960494DF}">
-              <a14:hiddenLine xmlns:a14="http://schemas.microsoft.com/office/drawing/2010/main" w="9525">
+              <a14:hiddenLine xmlns:a14="http://schemas.microsoft.com/office/drawing/2010/main" xmlns="" w="9525">
                 <a:solidFill>
                   <a:srgbClr val="808080"/>
                 </a:solidFill>
@@ -547,7 +581,7 @@
               </a14:hiddenLine>
             </a:ext>
             <a:ext uri="{AF507438-7753-43e0-B8FC-AC1667EBCBE1}">
-              <a14:hiddenEffects xmlns:a14="http://schemas.microsoft.com/office/drawing/2010/main">
+              <a14:hiddenEffects xmlns:a14="http://schemas.microsoft.com/office/drawing/2010/main" xmlns="">
                 <a:effectLst>
                   <a:outerShdw blurRad="63500" dist="38099" dir="2700000" algn="ctr" rotWithShape="0">
                     <a:schemeClr val="bg2">
@@ -558,7 +592,7 @@
               </a14:hiddenEffects>
             </a:ext>
             <a:ext uri="{FAA26D3D-D897-4be2-8F04-BA451C77F1D7}">
-              <ma14:placeholderFlag xmlns:ma14="http://schemas.microsoft.com/office/mac/drawingml/2011/main" val="1"/>
+              <ma14:placeholderFlag xmlns:ma14="http://schemas.microsoft.com/office/mac/drawingml/2011/main" xmlns="" val="1"/>
             </a:ext>
           </a:extLst>
         </p:spPr>
@@ -614,14 +648,14 @@
           <a:effectLst/>
           <a:extLst>
             <a:ext uri="{909E8E84-426E-40dd-AFC4-6F175D3DCCD1}">
-              <a14:hiddenFill xmlns:a14="http://schemas.microsoft.com/office/drawing/2010/main">
+              <a14:hiddenFill xmlns:a14="http://schemas.microsoft.com/office/drawing/2010/main" xmlns="">
                 <a:solidFill>
                   <a:srgbClr val="FFFFFF"/>
                 </a:solidFill>
               </a14:hiddenFill>
             </a:ext>
             <a:ext uri="{91240B29-F687-4f45-9708-019B960494DF}">
-              <a14:hiddenLine xmlns:a14="http://schemas.microsoft.com/office/drawing/2010/main" w="9525">
+              <a14:hiddenLine xmlns:a14="http://schemas.microsoft.com/office/drawing/2010/main" xmlns="" w="9525">
                 <a:solidFill>
                   <a:srgbClr val="808080"/>
                 </a:solidFill>
@@ -631,7 +665,7 @@
               </a14:hiddenLine>
             </a:ext>
             <a:ext uri="{AF507438-7753-43e0-B8FC-AC1667EBCBE1}">
-              <a14:hiddenEffects xmlns:a14="http://schemas.microsoft.com/office/drawing/2010/main">
+              <a14:hiddenEffects xmlns:a14="http://schemas.microsoft.com/office/drawing/2010/main" xmlns="">
                 <a:effectLst>
                   <a:outerShdw blurRad="63500" dist="38099" dir="2700000" algn="ctr" rotWithShape="0">
                     <a:schemeClr val="bg2">
@@ -642,7 +676,7 @@
               </a14:hiddenEffects>
             </a:ext>
             <a:ext uri="{FAA26D3D-D897-4be2-8F04-BA451C77F1D7}">
-              <ma14:placeholderFlag xmlns:ma14="http://schemas.microsoft.com/office/mac/drawingml/2011/main" val="1"/>
+              <ma14:placeholderFlag xmlns:ma14="http://schemas.microsoft.com/office/mac/drawingml/2011/main" xmlns="" val="1"/>
             </a:ext>
           </a:extLst>
         </p:spPr>
@@ -672,7 +706,7 @@
             <a:fld id="{759A24F2-03E5-AD4B-98CB-4B6B1551B266}" type="slidenum">
               <a:rPr lang="en-US"/>
               <a:pPr/>
-              <a:t>‹Nr.›</a:t>
+              <a:t>‹#›</a:t>
             </a:fld>
             <a:endParaRPr lang="en-US"/>
           </a:p>
@@ -918,7 +952,7 @@
           </a:ln>
           <a:extLst>
             <a:ext uri="{AF507438-7753-43e0-B8FC-AC1667EBCBE1}">
-              <a14:hiddenEffects xmlns:a14="http://schemas.microsoft.com/office/drawing/2010/main">
+              <a14:hiddenEffects xmlns:a14="http://schemas.microsoft.com/office/drawing/2010/main" xmlns="">
                 <a:effectLst>
                   <a:outerShdw blurRad="63500" dist="38099" dir="2700000" algn="ctr" rotWithShape="0">
                     <a:srgbClr val="000000">
@@ -953,14 +987,14 @@
           <a:ln/>
           <a:extLst>
             <a:ext uri="{909E8E84-426E-40dd-AFC4-6F175D3DCCD1}">
-              <a14:hiddenFill xmlns:a14="http://schemas.microsoft.com/office/drawing/2010/main">
+              <a14:hiddenFill xmlns:a14="http://schemas.microsoft.com/office/drawing/2010/main" xmlns="">
                 <a:solidFill>
                   <a:srgbClr val="FFFFFF"/>
                 </a:solidFill>
               </a14:hiddenFill>
             </a:ext>
             <a:ext uri="{91240B29-F687-4f45-9708-019B960494DF}">
-              <a14:hiddenLine xmlns:a14="http://schemas.microsoft.com/office/drawing/2010/main" w="9525">
+              <a14:hiddenLine xmlns:a14="http://schemas.microsoft.com/office/drawing/2010/main" xmlns="" w="9525">
                 <a:solidFill>
                   <a:srgbClr val="808080"/>
                 </a:solidFill>
@@ -970,7 +1004,7 @@
               </a14:hiddenLine>
             </a:ext>
             <a:ext uri="{AF507438-7753-43e0-B8FC-AC1667EBCBE1}">
-              <a14:hiddenEffects xmlns:a14="http://schemas.microsoft.com/office/drawing/2010/main">
+              <a14:hiddenEffects xmlns:a14="http://schemas.microsoft.com/office/drawing/2010/main" xmlns="">
                 <a:effectLst>
                   <a:outerShdw blurRad="63500" dist="38099" dir="2700000" algn="ctr" rotWithShape="0">
                     <a:srgbClr val="000000">
@@ -991,6 +1025,11 @@
         </p:txBody>
       </p:sp>
     </p:spTree>
+    <p:extLst>
+      <p:ext uri="{BB962C8B-B14F-4D97-AF65-F5344CB8AC3E}">
+        <p14:creationId xmlns:p14="http://schemas.microsoft.com/office/powerpoint/2010/main" val="2871305888"/>
+      </p:ext>
+    </p:extLst>
   </p:cSld>
   <p:clrMapOvr>
     <a:masterClrMapping/>
@@ -1176,7 +1215,7 @@
             <a:fld id="{5F5A8052-D477-544A-AB0D-848BBBD6B0CF}" type="slidenum">
               <a:rPr lang="en-US"/>
               <a:pPr/>
-              <a:t>‹Nr.›</a:t>
+              <a:t>‹#›</a:t>
             </a:fld>
             <a:endParaRPr lang="en-US"/>
           </a:p>
@@ -1355,7 +1394,7 @@
             <a:fld id="{B2967EBE-35BC-E84D-8881-9876F786AE5A}" type="slidenum">
               <a:rPr lang="en-US"/>
               <a:pPr/>
-              <a:t>‹Nr.›</a:t>
+              <a:t>‹#›</a:t>
             </a:fld>
             <a:endParaRPr lang="en-US"/>
           </a:p>
@@ -1544,7 +1583,7 @@
             <a:fld id="{138864AB-7166-544C-B585-C6F7B5A93DC3}" type="slidenum">
               <a:rPr lang="en-US"/>
               <a:pPr/>
-              <a:t>‹Nr.›</a:t>
+              <a:t>‹#›</a:t>
             </a:fld>
             <a:endParaRPr lang="en-US"/>
           </a:p>
@@ -1691,7 +1730,7 @@
             <a:fld id="{31565884-69F6-B244-9CD6-FBB84CD4B4FE}" type="slidenum">
               <a:rPr lang="en-US"/>
               <a:pPr/>
-              <a:t>‹Nr.›</a:t>
+              <a:t>‹#›</a:t>
             </a:fld>
             <a:endParaRPr lang="en-US"/>
           </a:p>
@@ -1870,7 +1909,7 @@
             <a:fld id="{C07E8DC2-405D-9749-AF85-D27B8B1FCFFD}" type="slidenum">
               <a:rPr lang="en-US"/>
               <a:pPr/>
-              <a:t>‹Nr.›</a:t>
+              <a:t>‹#›</a:t>
             </a:fld>
             <a:endParaRPr lang="en-US"/>
           </a:p>
@@ -2071,7 +2110,7 @@
             <a:fld id="{3F91F4C8-C6A7-134E-8016-4F28EE8B578B}" type="slidenum">
               <a:rPr lang="en-US"/>
               <a:pPr/>
-              <a:t>‹Nr.›</a:t>
+              <a:t>‹#›</a:t>
             </a:fld>
             <a:endParaRPr lang="en-US"/>
           </a:p>
@@ -2368,7 +2407,7 @@
             <a:fld id="{7C63571E-1D00-C745-8D96-D34E3203BB46}" type="slidenum">
               <a:rPr lang="en-US"/>
               <a:pPr/>
-              <a:t>‹Nr.›</a:t>
+              <a:t>‹#›</a:t>
             </a:fld>
             <a:endParaRPr lang="en-US"/>
           </a:p>
@@ -2804,7 +2843,7 @@
             <a:fld id="{734CE838-1F0A-4740-97F3-2F17A06A3A39}" type="slidenum">
               <a:rPr lang="en-US"/>
               <a:pPr/>
-              <a:t>‹Nr.›</a:t>
+              <a:t>‹#›</a:t>
             </a:fld>
             <a:endParaRPr lang="en-US"/>
           </a:p>
@@ -2931,7 +2970,7 @@
             <a:fld id="{78F6048A-94CB-E54E-83BF-FDFB0D0276BA}" type="slidenum">
               <a:rPr lang="en-US"/>
               <a:pPr/>
-              <a:t>‹Nr.›</a:t>
+              <a:t>‹#›</a:t>
             </a:fld>
             <a:endParaRPr lang="en-US"/>
           </a:p>
@@ -3035,7 +3074,7 @@
             <a:fld id="{BAB9C0BE-5E7B-B440-AF19-1270DDC367E7}" type="slidenum">
               <a:rPr lang="en-US"/>
               <a:pPr/>
-              <a:t>‹Nr.›</a:t>
+              <a:t>‹#›</a:t>
             </a:fld>
             <a:endParaRPr lang="en-US"/>
           </a:p>
@@ -3321,7 +3360,7 @@
             <a:fld id="{049D816E-57E9-F449-A7E3-85A45A58FF45}" type="slidenum">
               <a:rPr lang="en-US"/>
               <a:pPr/>
-              <a:t>‹Nr.›</a:t>
+              <a:t>‹#›</a:t>
             </a:fld>
             <a:endParaRPr lang="en-US"/>
           </a:p>
@@ -3583,7 +3622,7 @@
             <a:fld id="{C9E24F3E-EFB2-1C42-A072-A2D267BEF8AB}" type="slidenum">
               <a:rPr lang="en-US"/>
               <a:pPr/>
-              <a:t>‹Nr.›</a:t>
+              <a:t>‹#›</a:t>
             </a:fld>
             <a:endParaRPr lang="en-US"/>
           </a:p>
@@ -3656,14 +3695,14 @@
           <a:effectLst/>
           <a:extLst>
             <a:ext uri="{909E8E84-426E-40dd-AFC4-6F175D3DCCD1}">
-              <a14:hiddenFill xmlns:a14="http://schemas.microsoft.com/office/drawing/2010/main">
+              <a14:hiddenFill xmlns:a14="http://schemas.microsoft.com/office/drawing/2010/main" xmlns="">
                 <a:solidFill>
                   <a:srgbClr val="FFFFFF"/>
                 </a:solidFill>
               </a14:hiddenFill>
             </a:ext>
             <a:ext uri="{91240B29-F687-4f45-9708-019B960494DF}">
-              <a14:hiddenLine xmlns:a14="http://schemas.microsoft.com/office/drawing/2010/main" w="9525">
+              <a14:hiddenLine xmlns:a14="http://schemas.microsoft.com/office/drawing/2010/main" xmlns="" w="9525">
                 <a:solidFill>
                   <a:srgbClr val="808080"/>
                 </a:solidFill>
@@ -3673,7 +3712,7 @@
               </a14:hiddenLine>
             </a:ext>
             <a:ext uri="{AF507438-7753-43e0-B8FC-AC1667EBCBE1}">
-              <a14:hiddenEffects xmlns:a14="http://schemas.microsoft.com/office/drawing/2010/main">
+              <a14:hiddenEffects xmlns:a14="http://schemas.microsoft.com/office/drawing/2010/main" xmlns="">
                 <a:effectLst>
                   <a:outerShdw blurRad="63500" dist="38099" dir="2700000" algn="ctr" rotWithShape="0">
                     <a:schemeClr val="bg2">
@@ -3684,7 +3723,7 @@
               </a14:hiddenEffects>
             </a:ext>
             <a:ext uri="{FAA26D3D-D897-4be2-8F04-BA451C77F1D7}">
-              <ma14:placeholderFlag xmlns:ma14="http://schemas.microsoft.com/office/mac/drawingml/2011/main" val="1"/>
+              <ma14:placeholderFlag xmlns:ma14="http://schemas.microsoft.com/office/mac/drawingml/2011/main" xmlns="" val="1"/>
             </a:ext>
           </a:extLst>
         </p:spPr>
@@ -3729,14 +3768,14 @@
           <a:effectLst/>
           <a:extLst>
             <a:ext uri="{909E8E84-426E-40dd-AFC4-6F175D3DCCD1}">
-              <a14:hiddenFill xmlns:a14="http://schemas.microsoft.com/office/drawing/2010/main">
+              <a14:hiddenFill xmlns:a14="http://schemas.microsoft.com/office/drawing/2010/main" xmlns="">
                 <a:solidFill>
                   <a:srgbClr val="FFFFFF"/>
                 </a:solidFill>
               </a14:hiddenFill>
             </a:ext>
             <a:ext uri="{91240B29-F687-4f45-9708-019B960494DF}">
-              <a14:hiddenLine xmlns:a14="http://schemas.microsoft.com/office/drawing/2010/main" w="9525">
+              <a14:hiddenLine xmlns:a14="http://schemas.microsoft.com/office/drawing/2010/main" xmlns="" w="9525">
                 <a:solidFill>
                   <a:srgbClr val="808080"/>
                 </a:solidFill>
@@ -3746,7 +3785,7 @@
               </a14:hiddenLine>
             </a:ext>
             <a:ext uri="{AF507438-7753-43e0-B8FC-AC1667EBCBE1}">
-              <a14:hiddenEffects xmlns:a14="http://schemas.microsoft.com/office/drawing/2010/main">
+              <a14:hiddenEffects xmlns:a14="http://schemas.microsoft.com/office/drawing/2010/main" xmlns="">
                 <a:effectLst>
                   <a:outerShdw blurRad="63500" dist="38099" dir="2700000" algn="ctr" rotWithShape="0">
                     <a:schemeClr val="bg2">
@@ -3757,7 +3796,7 @@
               </a14:hiddenEffects>
             </a:ext>
             <a:ext uri="{FAA26D3D-D897-4be2-8F04-BA451C77F1D7}">
-              <ma14:placeholderFlag xmlns:ma14="http://schemas.microsoft.com/office/mac/drawingml/2011/main" val="1"/>
+              <ma14:placeholderFlag xmlns:ma14="http://schemas.microsoft.com/office/mac/drawingml/2011/main" xmlns="" val="1"/>
             </a:ext>
           </a:extLst>
         </p:spPr>
@@ -3858,14 +3897,14 @@
           <a:effectLst/>
           <a:extLst>
             <a:ext uri="{909E8E84-426E-40dd-AFC4-6F175D3DCCD1}">
-              <a14:hiddenFill xmlns:a14="http://schemas.microsoft.com/office/drawing/2010/main">
+              <a14:hiddenFill xmlns:a14="http://schemas.microsoft.com/office/drawing/2010/main" xmlns="">
                 <a:solidFill>
                   <a:srgbClr val="FFFFFF"/>
                 </a:solidFill>
               </a14:hiddenFill>
             </a:ext>
             <a:ext uri="{91240B29-F687-4f45-9708-019B960494DF}">
-              <a14:hiddenLine xmlns:a14="http://schemas.microsoft.com/office/drawing/2010/main" w="9525">
+              <a14:hiddenLine xmlns:a14="http://schemas.microsoft.com/office/drawing/2010/main" xmlns="" w="9525">
                 <a:solidFill>
                   <a:srgbClr val="808080"/>
                 </a:solidFill>
@@ -3875,7 +3914,7 @@
               </a14:hiddenLine>
             </a:ext>
             <a:ext uri="{AF507438-7753-43e0-B8FC-AC1667EBCBE1}">
-              <a14:hiddenEffects xmlns:a14="http://schemas.microsoft.com/office/drawing/2010/main">
+              <a14:hiddenEffects xmlns:a14="http://schemas.microsoft.com/office/drawing/2010/main" xmlns="">
                 <a:effectLst>
                   <a:outerShdw blurRad="63500" dist="38099" dir="2700000" algn="ctr" rotWithShape="0">
                     <a:schemeClr val="bg2">
@@ -3886,7 +3925,7 @@
               </a14:hiddenEffects>
             </a:ext>
             <a:ext uri="{FAA26D3D-D897-4be2-8F04-BA451C77F1D7}">
-              <ma14:placeholderFlag xmlns:ma14="http://schemas.microsoft.com/office/mac/drawingml/2011/main" val="1"/>
+              <ma14:placeholderFlag xmlns:ma14="http://schemas.microsoft.com/office/mac/drawingml/2011/main" xmlns="" val="1"/>
             </a:ext>
           </a:extLst>
         </p:spPr>
@@ -3941,14 +3980,14 @@
           <a:effectLst/>
           <a:extLst>
             <a:ext uri="{909E8E84-426E-40dd-AFC4-6F175D3DCCD1}">
-              <a14:hiddenFill xmlns:a14="http://schemas.microsoft.com/office/drawing/2010/main">
+              <a14:hiddenFill xmlns:a14="http://schemas.microsoft.com/office/drawing/2010/main" xmlns="">
                 <a:solidFill>
                   <a:srgbClr val="FFFFFF"/>
                 </a:solidFill>
               </a14:hiddenFill>
             </a:ext>
             <a:ext uri="{91240B29-F687-4f45-9708-019B960494DF}">
-              <a14:hiddenLine xmlns:a14="http://schemas.microsoft.com/office/drawing/2010/main" w="9525">
+              <a14:hiddenLine xmlns:a14="http://schemas.microsoft.com/office/drawing/2010/main" xmlns="" w="9525">
                 <a:solidFill>
                   <a:srgbClr val="808080"/>
                 </a:solidFill>
@@ -3958,7 +3997,7 @@
               </a14:hiddenLine>
             </a:ext>
             <a:ext uri="{AF507438-7753-43e0-B8FC-AC1667EBCBE1}">
-              <a14:hiddenEffects xmlns:a14="http://schemas.microsoft.com/office/drawing/2010/main">
+              <a14:hiddenEffects xmlns:a14="http://schemas.microsoft.com/office/drawing/2010/main" xmlns="">
                 <a:effectLst>
                   <a:outerShdw blurRad="63500" dist="38099" dir="2700000" algn="ctr" rotWithShape="0">
                     <a:schemeClr val="bg2">
@@ -3969,7 +4008,7 @@
               </a14:hiddenEffects>
             </a:ext>
             <a:ext uri="{FAA26D3D-D897-4be2-8F04-BA451C77F1D7}">
-              <ma14:placeholderFlag xmlns:ma14="http://schemas.microsoft.com/office/mac/drawingml/2011/main" val="1"/>
+              <ma14:placeholderFlag xmlns:ma14="http://schemas.microsoft.com/office/mac/drawingml/2011/main" xmlns="" val="1"/>
             </a:ext>
           </a:extLst>
         </p:spPr>
@@ -4025,14 +4064,14 @@
           <a:effectLst/>
           <a:extLst>
             <a:ext uri="{909E8E84-426E-40dd-AFC4-6F175D3DCCD1}">
-              <a14:hiddenFill xmlns:a14="http://schemas.microsoft.com/office/drawing/2010/main">
+              <a14:hiddenFill xmlns:a14="http://schemas.microsoft.com/office/drawing/2010/main" xmlns="">
                 <a:solidFill>
                   <a:srgbClr val="FFFFFF"/>
                 </a:solidFill>
               </a14:hiddenFill>
             </a:ext>
             <a:ext uri="{91240B29-F687-4f45-9708-019B960494DF}">
-              <a14:hiddenLine xmlns:a14="http://schemas.microsoft.com/office/drawing/2010/main" w="9525">
+              <a14:hiddenLine xmlns:a14="http://schemas.microsoft.com/office/drawing/2010/main" xmlns="" w="9525">
                 <a:solidFill>
                   <a:srgbClr val="808080"/>
                 </a:solidFill>
@@ -4042,7 +4081,7 @@
               </a14:hiddenLine>
             </a:ext>
             <a:ext uri="{AF507438-7753-43e0-B8FC-AC1667EBCBE1}">
-              <a14:hiddenEffects xmlns:a14="http://schemas.microsoft.com/office/drawing/2010/main">
+              <a14:hiddenEffects xmlns:a14="http://schemas.microsoft.com/office/drawing/2010/main" xmlns="">
                 <a:effectLst>
                   <a:outerShdw blurRad="63500" dist="38099" dir="2700000" algn="ctr" rotWithShape="0">
                     <a:schemeClr val="bg2">
@@ -4053,7 +4092,7 @@
               </a14:hiddenEffects>
             </a:ext>
             <a:ext uri="{FAA26D3D-D897-4be2-8F04-BA451C77F1D7}">
-              <ma14:placeholderFlag xmlns:ma14="http://schemas.microsoft.com/office/mac/drawingml/2011/main" val="1"/>
+              <ma14:placeholderFlag xmlns:ma14="http://schemas.microsoft.com/office/mac/drawingml/2011/main" xmlns="" val="1"/>
             </a:ext>
           </a:extLst>
         </p:spPr>
@@ -4082,7 +4121,7 @@
             <a:fld id="{5C6DD839-2E5C-A142-A315-95906FA82491}" type="slidenum">
               <a:rPr lang="en-US"/>
               <a:pPr/>
-              <a:t>‹Nr.›</a:t>
+              <a:t>‹#›</a:t>
             </a:fld>
             <a:endParaRPr lang="en-US"/>
           </a:p>
@@ -4746,292 +4785,16 @@
           </a:p>
         </p:txBody>
       </p:sp>
-      <p:sp>
-        <p:nvSpPr>
-          <p:cNvPr id="3074" name="Text Box 2"/>
-          <p:cNvSpPr txBox="1">
-            <a:spLocks noChangeArrowheads="1"/>
-          </p:cNvSpPr>
-          <p:nvPr/>
-        </p:nvSpPr>
-        <p:spPr bwMode="auto">
-          <a:xfrm>
-            <a:off x="6530975" y="7150100"/>
-            <a:ext cx="3478213" cy="601663"/>
-          </a:xfrm>
-          <a:prstGeom prst="rect">
-            <a:avLst/>
-          </a:prstGeom>
-          <a:noFill/>
-          <a:ln>
-            <a:noFill/>
-          </a:ln>
-          <a:effectLst/>
-          <a:extLst>
-            <a:ext uri="{909E8E84-426E-40dd-AFC4-6F175D3DCCD1}">
-              <a14:hiddenFill xmlns:a14="http://schemas.microsoft.com/office/drawing/2010/main">
-                <a:solidFill>
-                  <a:srgbClr val="FFFFFF"/>
-                </a:solidFill>
-              </a14:hiddenFill>
-            </a:ext>
-            <a:ext uri="{91240B29-F687-4f45-9708-019B960494DF}">
-              <a14:hiddenLine xmlns:a14="http://schemas.microsoft.com/office/drawing/2010/main" w="9525">
-                <a:solidFill>
-                  <a:srgbClr val="000000"/>
-                </a:solidFill>
-                <a:round/>
-                <a:headEnd/>
-                <a:tailEnd/>
-              </a14:hiddenLine>
-            </a:ext>
-            <a:ext uri="{AF507438-7753-43e0-B8FC-AC1667EBCBE1}">
-              <a14:hiddenEffects xmlns:a14="http://schemas.microsoft.com/office/drawing/2010/main">
-                <a:effectLst>
-                  <a:outerShdw blurRad="63500" dist="38099" dir="2700000" algn="ctr" rotWithShape="0">
-                    <a:srgbClr val="000000">
-                      <a:alpha val="74998"/>
-                    </a:srgbClr>
-                  </a:outerShdw>
-                </a:effectLst>
-              </a14:hiddenEffects>
-            </a:ext>
-          </a:extLst>
-        </p:spPr>
-        <p:txBody>
-          <a:bodyPr lIns="90000" tIns="60876" rIns="90000" bIns="45000"/>
-          <a:lstStyle>
-            <a:lvl1pPr>
-              <a:tabLst>
-                <a:tab pos="723900" algn="l"/>
-                <a:tab pos="1447800" algn="l"/>
-                <a:tab pos="2171700" algn="l"/>
-                <a:tab pos="2895600" algn="l"/>
-              </a:tabLst>
-              <a:defRPr>
-                <a:solidFill>
-                  <a:srgbClr val="000000"/>
-                </a:solidFill>
-                <a:latin typeface="Arial" charset="0"/>
-                <a:ea typeface="宋体" charset="0"/>
-                <a:cs typeface="宋体" charset="0"/>
-              </a:defRPr>
-            </a:lvl1pPr>
-            <a:lvl2pPr>
-              <a:tabLst>
-                <a:tab pos="723900" algn="l"/>
-                <a:tab pos="1447800" algn="l"/>
-                <a:tab pos="2171700" algn="l"/>
-                <a:tab pos="2895600" algn="l"/>
-              </a:tabLst>
-              <a:defRPr>
-                <a:solidFill>
-                  <a:srgbClr val="000000"/>
-                </a:solidFill>
-                <a:latin typeface="Arial" charset="0"/>
-                <a:ea typeface="宋体" charset="0"/>
-                <a:cs typeface="宋体" charset="0"/>
-              </a:defRPr>
-            </a:lvl2pPr>
-            <a:lvl3pPr>
-              <a:tabLst>
-                <a:tab pos="723900" algn="l"/>
-                <a:tab pos="1447800" algn="l"/>
-                <a:tab pos="2171700" algn="l"/>
-                <a:tab pos="2895600" algn="l"/>
-              </a:tabLst>
-              <a:defRPr>
-                <a:solidFill>
-                  <a:srgbClr val="000000"/>
-                </a:solidFill>
-                <a:latin typeface="Arial" charset="0"/>
-                <a:ea typeface="宋体" charset="0"/>
-                <a:cs typeface="宋体" charset="0"/>
-              </a:defRPr>
-            </a:lvl3pPr>
-            <a:lvl4pPr>
-              <a:tabLst>
-                <a:tab pos="723900" algn="l"/>
-                <a:tab pos="1447800" algn="l"/>
-                <a:tab pos="2171700" algn="l"/>
-                <a:tab pos="2895600" algn="l"/>
-              </a:tabLst>
-              <a:defRPr>
-                <a:solidFill>
-                  <a:srgbClr val="000000"/>
-                </a:solidFill>
-                <a:latin typeface="Arial" charset="0"/>
-                <a:ea typeface="宋体" charset="0"/>
-                <a:cs typeface="宋体" charset="0"/>
-              </a:defRPr>
-            </a:lvl4pPr>
-            <a:lvl5pPr>
-              <a:tabLst>
-                <a:tab pos="723900" algn="l"/>
-                <a:tab pos="1447800" algn="l"/>
-                <a:tab pos="2171700" algn="l"/>
-                <a:tab pos="2895600" algn="l"/>
-              </a:tabLst>
-              <a:defRPr>
-                <a:solidFill>
-                  <a:srgbClr val="000000"/>
-                </a:solidFill>
-                <a:latin typeface="Arial" charset="0"/>
-                <a:ea typeface="宋体" charset="0"/>
-                <a:cs typeface="宋体" charset="0"/>
-              </a:defRPr>
-            </a:lvl5pPr>
-            <a:lvl6pPr marL="2514600" indent="-228600" defTabSz="449263" fontAlgn="base" hangingPunct="0">
-              <a:lnSpc>
-                <a:spcPct val="93000"/>
-              </a:lnSpc>
-              <a:spcBef>
-                <a:spcPct val="0"/>
-              </a:spcBef>
-              <a:spcAft>
-                <a:spcPct val="0"/>
-              </a:spcAft>
-              <a:buClr>
-                <a:srgbClr val="000000"/>
-              </a:buClr>
-              <a:buSzPct val="100000"/>
-              <a:buFont typeface="Times New Roman" charset="0"/>
-              <a:tabLst>
-                <a:tab pos="723900" algn="l"/>
-                <a:tab pos="1447800" algn="l"/>
-                <a:tab pos="2171700" algn="l"/>
-                <a:tab pos="2895600" algn="l"/>
-              </a:tabLst>
-              <a:defRPr>
-                <a:solidFill>
-                  <a:srgbClr val="000000"/>
-                </a:solidFill>
-                <a:latin typeface="Arial" charset="0"/>
-                <a:ea typeface="宋体" charset="0"/>
-                <a:cs typeface="宋体" charset="0"/>
-              </a:defRPr>
-            </a:lvl6pPr>
-            <a:lvl7pPr marL="2971800" indent="-228600" defTabSz="449263" fontAlgn="base" hangingPunct="0">
-              <a:lnSpc>
-                <a:spcPct val="93000"/>
-              </a:lnSpc>
-              <a:spcBef>
-                <a:spcPct val="0"/>
-              </a:spcBef>
-              <a:spcAft>
-                <a:spcPct val="0"/>
-              </a:spcAft>
-              <a:buClr>
-                <a:srgbClr val="000000"/>
-              </a:buClr>
-              <a:buSzPct val="100000"/>
-              <a:buFont typeface="Times New Roman" charset="0"/>
-              <a:tabLst>
-                <a:tab pos="723900" algn="l"/>
-                <a:tab pos="1447800" algn="l"/>
-                <a:tab pos="2171700" algn="l"/>
-                <a:tab pos="2895600" algn="l"/>
-              </a:tabLst>
-              <a:defRPr>
-                <a:solidFill>
-                  <a:srgbClr val="000000"/>
-                </a:solidFill>
-                <a:latin typeface="Arial" charset="0"/>
-                <a:ea typeface="宋体" charset="0"/>
-                <a:cs typeface="宋体" charset="0"/>
-              </a:defRPr>
-            </a:lvl7pPr>
-            <a:lvl8pPr marL="3429000" indent="-228600" defTabSz="449263" fontAlgn="base" hangingPunct="0">
-              <a:lnSpc>
-                <a:spcPct val="93000"/>
-              </a:lnSpc>
-              <a:spcBef>
-                <a:spcPct val="0"/>
-              </a:spcBef>
-              <a:spcAft>
-                <a:spcPct val="0"/>
-              </a:spcAft>
-              <a:buClr>
-                <a:srgbClr val="000000"/>
-              </a:buClr>
-              <a:buSzPct val="100000"/>
-              <a:buFont typeface="Times New Roman" charset="0"/>
-              <a:tabLst>
-                <a:tab pos="723900" algn="l"/>
-                <a:tab pos="1447800" algn="l"/>
-                <a:tab pos="2171700" algn="l"/>
-                <a:tab pos="2895600" algn="l"/>
-              </a:tabLst>
-              <a:defRPr>
-                <a:solidFill>
-                  <a:srgbClr val="000000"/>
-                </a:solidFill>
-                <a:latin typeface="Arial" charset="0"/>
-                <a:ea typeface="宋体" charset="0"/>
-                <a:cs typeface="宋体" charset="0"/>
-              </a:defRPr>
-            </a:lvl8pPr>
-            <a:lvl9pPr marL="3886200" indent="-228600" defTabSz="449263" fontAlgn="base" hangingPunct="0">
-              <a:lnSpc>
-                <a:spcPct val="93000"/>
-              </a:lnSpc>
-              <a:spcBef>
-                <a:spcPct val="0"/>
-              </a:spcBef>
-              <a:spcAft>
-                <a:spcPct val="0"/>
-              </a:spcAft>
-              <a:buClr>
-                <a:srgbClr val="000000"/>
-              </a:buClr>
-              <a:buSzPct val="100000"/>
-              <a:buFont typeface="Times New Roman" charset="0"/>
-              <a:tabLst>
-                <a:tab pos="723900" algn="l"/>
-                <a:tab pos="1447800" algn="l"/>
-                <a:tab pos="2171700" algn="l"/>
-                <a:tab pos="2895600" algn="l"/>
-              </a:tabLst>
-              <a:defRPr>
-                <a:solidFill>
-                  <a:srgbClr val="000000"/>
-                </a:solidFill>
-                <a:latin typeface="Arial" charset="0"/>
-                <a:ea typeface="宋体" charset="0"/>
-                <a:cs typeface="宋体" charset="0"/>
-              </a:defRPr>
-            </a:lvl9pPr>
-          </a:lstStyle>
-          <a:p>
-            <a:r>
-              <a:rPr lang="en-US"/>
-              <a:t>Powered by www.</a:t>
-            </a:r>
-            <a:r>
-              <a:rPr lang="en-US">
-                <a:solidFill>
-                  <a:srgbClr val="FF0000"/>
-                </a:solidFill>
-              </a:rPr>
-              <a:t>Red</a:t>
-            </a:r>
-            <a:r>
-              <a:rPr lang="en-US"/>
-              <a:t>Office.com</a:t>
-            </a:r>
-          </a:p>
-        </p:txBody>
-      </p:sp>
     </p:spTree>
   </p:cSld>
   <p:clrMapOvr>
     <a:masterClrMapping/>
   </p:clrMapOvr>
-  <p:transition xmlns:p14="http://schemas.microsoft.com/office/powerpoint/2010/main" spd="med"/>
+  <p:transition spd="med"/>
   <p:timing>
     <p:tnLst>
       <p:par>
-        <p:cTn xmlns:p14="http://schemas.microsoft.com/office/powerpoint/2010/main" id="1" dur="indefinite" restart="never" nodeType="tmRoot">
+        <p:cTn id="1" dur="indefinite" restart="never" nodeType="tmRoot">
           <p:childTnLst>
             <p:seq concurrent="1" nextAc="seek">
               <p:cTn id="2" dur="0" nodeType="mainSeq"/>
@@ -5077,7 +4840,7 @@
       </p:grpSpPr>
       <p:sp>
         <p:nvSpPr>
-          <p:cNvPr id="2" name="Titel 1"/>
+          <p:cNvPr id="2" name="Title 1"/>
           <p:cNvSpPr>
             <a:spLocks noGrp="1"/>
           </p:cNvSpPr>
@@ -5085,290 +4848,66 @@
             <p:ph type="title"/>
           </p:nvPr>
         </p:nvSpPr>
-        <p:spPr/>
+        <p:spPr>
+          <a:xfrm>
+            <a:off x="1727944" y="301625"/>
+            <a:ext cx="7844681" cy="1260475"/>
+          </a:xfrm>
+        </p:spPr>
         <p:txBody>
           <a:bodyPr/>
           <a:lstStyle/>
           <a:p>
             <a:r>
-              <a:rPr lang="de-DE" dirty="0" err="1" smtClean="0"/>
-              <a:t>Ressouren</a:t>
-            </a:r>
-            <a:endParaRPr lang="de-DE" dirty="0"/>
-          </a:p>
-        </p:txBody>
-      </p:sp>
-      <p:sp>
-        <p:nvSpPr>
-          <p:cNvPr id="6" name="Textfeld 5"/>
-          <p:cNvSpPr txBox="1"/>
-          <p:nvPr/>
+              <a:rPr lang="de-CH" dirty="0" smtClean="0"/>
+              <a:t>Idee</a:t>
+            </a:r>
+            <a:endParaRPr lang="de-CH" dirty="0"/>
+          </a:p>
+        </p:txBody>
+      </p:sp>
+      <p:sp>
+        <p:nvSpPr>
+          <p:cNvPr id="3" name="Content Placeholder 2"/>
+          <p:cNvSpPr>
+            <a:spLocks noGrp="1"/>
+          </p:cNvSpPr>
+          <p:nvPr>
+            <p:ph idx="1"/>
+          </p:nvPr>
         </p:nvSpPr>
         <p:spPr>
           <a:xfrm>
-            <a:off x="3044379" y="1847079"/>
-            <a:ext cx="4941076" cy="353174"/>
+            <a:off x="1727944" y="1768475"/>
+            <a:ext cx="7844681" cy="4987925"/>
           </a:xfrm>
-          <a:prstGeom prst="rect">
-            <a:avLst/>
-          </a:prstGeom>
-          <a:noFill/>
         </p:spPr>
         <p:txBody>
-          <a:bodyPr wrap="none" rtlCol="0">
-            <a:spAutoFit/>
-          </a:bodyPr>
+          <a:bodyPr/>
           <a:lstStyle/>
           <a:p>
-            <a:r>
-              <a:rPr lang="de-DE" dirty="0" smtClean="0"/>
-              <a:t>- Team bestehend aus 4 Informatikingenieuren</a:t>
-            </a:r>
-            <a:endParaRPr lang="de-DE" dirty="0"/>
-          </a:p>
-        </p:txBody>
-      </p:sp>
-      <p:sp>
-        <p:nvSpPr>
-          <p:cNvPr id="7" name="Textfeld 6"/>
-          <p:cNvSpPr txBox="1"/>
-          <p:nvPr/>
-        </p:nvSpPr>
-        <p:spPr>
-          <a:xfrm>
-            <a:off x="3051564" y="2202527"/>
-            <a:ext cx="1736924" cy="353174"/>
-          </a:xfrm>
-          <a:prstGeom prst="rect">
-            <a:avLst/>
-          </a:prstGeom>
-          <a:noFill/>
-        </p:spPr>
-        <p:txBody>
-          <a:bodyPr wrap="none" rtlCol="0">
-            <a:spAutoFit/>
-          </a:bodyPr>
-          <a:lstStyle/>
-          <a:p>
-            <a:r>
-              <a:rPr lang="de-DE" dirty="0" smtClean="0"/>
-              <a:t>- 1 Projektleiter</a:t>
-            </a:r>
-            <a:endParaRPr lang="de-DE" dirty="0"/>
-          </a:p>
-        </p:txBody>
-      </p:sp>
-      <p:sp>
-        <p:nvSpPr>
-          <p:cNvPr id="9" name="Textfeld 8"/>
-          <p:cNvSpPr txBox="1"/>
-          <p:nvPr/>
-        </p:nvSpPr>
-        <p:spPr>
-          <a:xfrm>
-            <a:off x="3051564" y="2562567"/>
-            <a:ext cx="1519053" cy="353174"/>
-          </a:xfrm>
-          <a:prstGeom prst="rect">
-            <a:avLst/>
-          </a:prstGeom>
-          <a:noFill/>
-        </p:spPr>
-        <p:txBody>
-          <a:bodyPr wrap="none" rtlCol="0">
-            <a:spAutoFit/>
-          </a:bodyPr>
-          <a:lstStyle/>
-          <a:p>
-            <a:r>
-              <a:rPr lang="de-DE" dirty="0" smtClean="0"/>
-              <a:t>- Fähigkeiten</a:t>
-            </a:r>
-          </a:p>
-        </p:txBody>
-      </p:sp>
-      <p:sp>
-        <p:nvSpPr>
-          <p:cNvPr id="10" name="Textfeld 9"/>
-          <p:cNvSpPr txBox="1"/>
-          <p:nvPr/>
-        </p:nvSpPr>
-        <p:spPr>
-          <a:xfrm>
-            <a:off x="4677027" y="2922607"/>
-            <a:ext cx="2326278" cy="353174"/>
-          </a:xfrm>
-          <a:prstGeom prst="rect">
-            <a:avLst/>
-          </a:prstGeom>
-          <a:noFill/>
-        </p:spPr>
-        <p:txBody>
-          <a:bodyPr wrap="none" rtlCol="0">
-            <a:spAutoFit/>
-          </a:bodyPr>
-          <a:lstStyle/>
-          <a:p>
-            <a:pPr marL="285750" indent="-285750">
-              <a:buFontTx/>
-              <a:buChar char="-"/>
+            <a:pPr marL="457200" indent="-457200">
+              <a:buFont typeface="Arial" panose="020B0604020202020204" pitchFamily="34" charset="0"/>
+              <a:buChar char="•"/>
             </a:pPr>
             <a:r>
-              <a:rPr lang="de-DE" dirty="0" smtClean="0"/>
-              <a:t>Systemarchitektur</a:t>
-            </a:r>
-          </a:p>
-        </p:txBody>
-      </p:sp>
-      <p:sp>
-        <p:nvSpPr>
-          <p:cNvPr id="11" name="Textfeld 10"/>
-          <p:cNvSpPr txBox="1"/>
-          <p:nvPr/>
-        </p:nvSpPr>
-        <p:spPr>
-          <a:xfrm>
-            <a:off x="4680272" y="3282647"/>
-            <a:ext cx="3942105" cy="353174"/>
-          </a:xfrm>
-          <a:prstGeom prst="rect">
-            <a:avLst/>
-          </a:prstGeom>
-          <a:noFill/>
-        </p:spPr>
-        <p:txBody>
-          <a:bodyPr wrap="none" rtlCol="0">
-            <a:spAutoFit/>
-          </a:bodyPr>
-          <a:lstStyle/>
-          <a:p>
-            <a:pPr marL="285750" indent="-285750">
-              <a:buFontTx/>
-              <a:buChar char="-"/>
-            </a:pPr>
-            <a:r>
-              <a:rPr lang="de-DE" dirty="0" smtClean="0"/>
-              <a:t>Objektorientierte Programmierung</a:t>
-            </a:r>
-          </a:p>
-        </p:txBody>
-      </p:sp>
-      <p:sp>
-        <p:nvSpPr>
-          <p:cNvPr id="12" name="Textfeld 11"/>
-          <p:cNvSpPr txBox="1"/>
-          <p:nvPr/>
-        </p:nvSpPr>
-        <p:spPr>
-          <a:xfrm>
-            <a:off x="4680272" y="3642687"/>
-            <a:ext cx="3057247" cy="353174"/>
-          </a:xfrm>
-          <a:prstGeom prst="rect">
-            <a:avLst/>
-          </a:prstGeom>
-          <a:noFill/>
-        </p:spPr>
-        <p:txBody>
-          <a:bodyPr wrap="none" rtlCol="0">
-            <a:spAutoFit/>
-          </a:bodyPr>
-          <a:lstStyle/>
-          <a:p>
-            <a:pPr marL="285750" indent="-285750">
-              <a:buFontTx/>
-              <a:buChar char="-"/>
-            </a:pPr>
-            <a:r>
-              <a:rPr lang="de-DE" dirty="0" smtClean="0"/>
-              <a:t>Objektorientiertes Design</a:t>
-            </a:r>
-          </a:p>
-        </p:txBody>
-      </p:sp>
-      <p:sp>
-        <p:nvSpPr>
-          <p:cNvPr id="13" name="Textfeld 12"/>
-          <p:cNvSpPr txBox="1"/>
-          <p:nvPr/>
-        </p:nvSpPr>
-        <p:spPr>
-          <a:xfrm>
-            <a:off x="3096096" y="4074735"/>
-            <a:ext cx="5047588" cy="353174"/>
-          </a:xfrm>
-          <a:prstGeom prst="rect">
-            <a:avLst/>
-          </a:prstGeom>
-          <a:noFill/>
-        </p:spPr>
-        <p:txBody>
-          <a:bodyPr wrap="none" rtlCol="0">
-            <a:spAutoFit/>
-          </a:bodyPr>
-          <a:lstStyle/>
-          <a:p>
-            <a:r>
-              <a:rPr lang="de-DE" dirty="0" smtClean="0"/>
-              <a:t>- Wissen zur Entwicklung von Spielen aneignen</a:t>
-            </a:r>
-          </a:p>
-        </p:txBody>
-      </p:sp>
-      <p:sp>
-        <p:nvSpPr>
-          <p:cNvPr id="14" name="Textfeld 13"/>
-          <p:cNvSpPr txBox="1"/>
-          <p:nvPr/>
-        </p:nvSpPr>
-        <p:spPr>
-          <a:xfrm>
-            <a:off x="3096096" y="4434775"/>
-            <a:ext cx="4701565" cy="353174"/>
-          </a:xfrm>
-          <a:prstGeom prst="rect">
-            <a:avLst/>
-          </a:prstGeom>
-          <a:noFill/>
-        </p:spPr>
-        <p:txBody>
-          <a:bodyPr wrap="none" rtlCol="0">
-            <a:spAutoFit/>
-          </a:bodyPr>
-          <a:lstStyle/>
-          <a:p>
-            <a:r>
-              <a:rPr lang="de-DE" dirty="0" smtClean="0"/>
-              <a:t>- Gesamtaufwand ca. 250 Personenstunden</a:t>
-            </a:r>
+              <a:rPr lang="de-CH" dirty="0" smtClean="0"/>
+              <a:t>Namen</a:t>
+            </a:r>
+            <a:endParaRPr lang="de-CH" dirty="0"/>
           </a:p>
         </p:txBody>
       </p:sp>
     </p:spTree>
     <p:extLst>
       <p:ext uri="{BB962C8B-B14F-4D97-AF65-F5344CB8AC3E}">
-        <p14:creationId xmlns:p14="http://schemas.microsoft.com/office/powerpoint/2010/main" val="2876731778"/>
+        <p14:creationId xmlns:p14="http://schemas.microsoft.com/office/powerpoint/2010/main" val="2436569743"/>
       </p:ext>
     </p:extLst>
   </p:cSld>
   <p:clrMapOvr>
     <a:masterClrMapping/>
   </p:clrMapOvr>
-  <mc:AlternateContent xmlns:mc="http://schemas.openxmlformats.org/markup-compatibility/2006">
-    <mc:Choice xmlns:p14="http://schemas.microsoft.com/office/powerpoint/2010/main" Requires="p14">
-      <p:transition spd="slow" p14:dur="2000"/>
-    </mc:Choice>
-    <mc:Fallback>
-      <p:transition xmlns:p14="http://schemas.microsoft.com/office/powerpoint/2010/main" spd="slow"/>
-    </mc:Fallback>
-  </mc:AlternateContent>
-  <p:timing>
-    <p:tnLst>
-      <p:par>
-        <p:cTn xmlns:p14="http://schemas.microsoft.com/office/powerpoint/2010/main" id="1" dur="indefinite" restart="never" nodeType="tmRoot"/>
-      </p:par>
-    </p:tnLst>
-  </p:timing>
 </p:sld>
 </file>
 
@@ -5391,7 +4930,7 @@
       </p:grpSpPr>
       <p:sp>
         <p:nvSpPr>
-          <p:cNvPr id="2" name="Titel 1"/>
+          <p:cNvPr id="2" name="Title 1"/>
           <p:cNvSpPr>
             <a:spLocks noGrp="1"/>
           </p:cNvSpPr>
@@ -5399,116 +4938,71 @@
             <p:ph type="title"/>
           </p:nvPr>
         </p:nvSpPr>
-        <p:spPr/>
+        <p:spPr>
+          <a:xfrm>
+            <a:off x="1727944" y="301625"/>
+            <a:ext cx="7844681" cy="1260475"/>
+          </a:xfrm>
+        </p:spPr>
         <p:txBody>
           <a:bodyPr/>
           <a:lstStyle/>
           <a:p>
             <a:r>
-              <a:rPr lang="de-DE" dirty="0" smtClean="0"/>
-              <a:t>Risiken</a:t>
-            </a:r>
-            <a:endParaRPr lang="de-DE" dirty="0"/>
-          </a:p>
-        </p:txBody>
-      </p:sp>
-      <p:sp>
-        <p:nvSpPr>
-          <p:cNvPr id="6" name="Textfeld 5"/>
-          <p:cNvSpPr txBox="1"/>
-          <p:nvPr/>
-        </p:nvSpPr>
+              <a:rPr lang="de-CH" dirty="0" smtClean="0"/>
+              <a:t>Hauptanwendungsfall</a:t>
+            </a:r>
+            <a:endParaRPr lang="de-CH" dirty="0"/>
+          </a:p>
+        </p:txBody>
+      </p:sp>
+      <p:pic>
+        <p:nvPicPr>
+          <p:cNvPr id="4" name="Content Placeholder 3"/>
+          <p:cNvPicPr>
+            <a:picLocks noGrp="1"/>
+          </p:cNvPicPr>
+          <p:nvPr>
+            <p:ph idx="1"/>
+          </p:nvPr>
+        </p:nvPicPr>
+        <p:blipFill>
+          <a:blip r:embed="rId2">
+            <a:clrChange>
+              <a:clrFrom>
+                <a:srgbClr val="FFFFFF"/>
+              </a:clrFrom>
+              <a:clrTo>
+                <a:srgbClr val="FFFFFF">
+                  <a:alpha val="0"/>
+                </a:srgbClr>
+              </a:clrTo>
+            </a:clrChange>
+          </a:blip>
+          <a:stretch>
+            <a:fillRect/>
+          </a:stretch>
+        </p:blipFill>
         <p:spPr>
           <a:xfrm>
-            <a:off x="3044379" y="1847079"/>
-            <a:ext cx="5098534" cy="353174"/>
+            <a:off x="2231999" y="1562100"/>
+            <a:ext cx="7340625" cy="5458097"/>
           </a:xfrm>
           <a:prstGeom prst="rect">
             <a:avLst/>
           </a:prstGeom>
-          <a:noFill/>
         </p:spPr>
-        <p:txBody>
-          <a:bodyPr wrap="none" rtlCol="0">
-            <a:spAutoFit/>
-          </a:bodyPr>
-          <a:lstStyle/>
-          <a:p>
-            <a:pPr lvl="0"/>
-            <a:r>
-              <a:rPr lang="de-DE" dirty="0" smtClean="0"/>
-              <a:t>- </a:t>
-            </a:r>
-            <a:r>
-              <a:rPr lang="de-DE" dirty="0"/>
-              <a:t>Fehlende Erfahrung in Game-Programmierung</a:t>
-            </a:r>
-          </a:p>
-        </p:txBody>
-      </p:sp>
-      <p:sp>
-        <p:nvSpPr>
-          <p:cNvPr id="7" name="Textfeld 6"/>
-          <p:cNvSpPr txBox="1"/>
-          <p:nvPr/>
-        </p:nvSpPr>
-        <p:spPr>
-          <a:xfrm>
-            <a:off x="3051564" y="2202527"/>
-            <a:ext cx="5688915" cy="353174"/>
-          </a:xfrm>
-          <a:prstGeom prst="rect">
-            <a:avLst/>
-          </a:prstGeom>
-          <a:noFill/>
-        </p:spPr>
-        <p:txBody>
-          <a:bodyPr wrap="none" rtlCol="0">
-            <a:spAutoFit/>
-          </a:bodyPr>
-          <a:lstStyle/>
-          <a:p>
-            <a:pPr lvl="0"/>
-            <a:r>
-              <a:rPr lang="de-DE" dirty="0" smtClean="0"/>
-              <a:t>- </a:t>
-            </a:r>
-            <a:r>
-              <a:rPr lang="de-DE" dirty="0" err="1"/>
-              <a:t>Grosser</a:t>
-            </a:r>
-            <a:r>
-              <a:rPr lang="de-DE" dirty="0"/>
-              <a:t> Umfang für die zur Verfügung stehende Zeit</a:t>
-            </a:r>
-          </a:p>
-        </p:txBody>
-      </p:sp>
+      </p:pic>
     </p:spTree>
     <p:extLst>
       <p:ext uri="{BB962C8B-B14F-4D97-AF65-F5344CB8AC3E}">
-        <p14:creationId xmlns:p14="http://schemas.microsoft.com/office/powerpoint/2010/main" val="1010235464"/>
+        <p14:creationId xmlns:p14="http://schemas.microsoft.com/office/powerpoint/2010/main" val="3428895994"/>
       </p:ext>
     </p:extLst>
   </p:cSld>
   <p:clrMapOvr>
     <a:masterClrMapping/>
   </p:clrMapOvr>
-  <mc:AlternateContent xmlns:mc="http://schemas.openxmlformats.org/markup-compatibility/2006">
-    <mc:Choice xmlns:p14="http://schemas.microsoft.com/office/powerpoint/2010/main" Requires="p14">
-      <p:transition spd="slow" p14:dur="2000"/>
-    </mc:Choice>
-    <mc:Fallback>
-      <p:transition xmlns:p14="http://schemas.microsoft.com/office/powerpoint/2010/main" spd="slow"/>
-    </mc:Fallback>
-  </mc:AlternateContent>
-  <p:timing>
-    <p:tnLst>
-      <p:par>
-        <p:cTn xmlns:p14="http://schemas.microsoft.com/office/powerpoint/2010/main" id="1" dur="indefinite" restart="never" nodeType="tmRoot"/>
-      </p:par>
-    </p:tnLst>
-  </p:timing>
 </p:sld>
 </file>
 
@@ -5531,7 +5025,7 @@
       </p:grpSpPr>
       <p:sp>
         <p:nvSpPr>
-          <p:cNvPr id="2" name="Titel 1"/>
+          <p:cNvPr id="2" name="Title 1"/>
           <p:cNvSpPr>
             <a:spLocks noGrp="1"/>
           </p:cNvSpPr>
@@ -5539,163 +5033,62 @@
             <p:ph type="title"/>
           </p:nvPr>
         </p:nvSpPr>
-        <p:spPr/>
+        <p:spPr>
+          <a:xfrm>
+            <a:off x="1727944" y="301625"/>
+            <a:ext cx="7844681" cy="1260475"/>
+          </a:xfrm>
+        </p:spPr>
         <p:txBody>
           <a:bodyPr/>
           <a:lstStyle/>
           <a:p>
             <a:r>
-              <a:rPr lang="de-DE" dirty="0" smtClean="0"/>
-              <a:t>Grobplanung</a:t>
-            </a:r>
-            <a:endParaRPr lang="de-DE" dirty="0"/>
-          </a:p>
-        </p:txBody>
-      </p:sp>
-      <p:sp>
-        <p:nvSpPr>
-          <p:cNvPr id="6" name="Textfeld 5"/>
-          <p:cNvSpPr txBox="1"/>
-          <p:nvPr/>
+              <a:rPr lang="de-CH" dirty="0" smtClean="0"/>
+              <a:t>Weitere Anforderungen</a:t>
+            </a:r>
+            <a:endParaRPr lang="de-CH" dirty="0"/>
+          </a:p>
+        </p:txBody>
+      </p:sp>
+      <p:sp>
+        <p:nvSpPr>
+          <p:cNvPr id="3" name="Content Placeholder 2"/>
+          <p:cNvSpPr>
+            <a:spLocks noGrp="1"/>
+          </p:cNvSpPr>
+          <p:nvPr>
+            <p:ph idx="1"/>
+          </p:nvPr>
         </p:nvSpPr>
         <p:spPr>
           <a:xfrm>
-            <a:off x="3044379" y="1847079"/>
-            <a:ext cx="4286112" cy="353174"/>
+            <a:off x="1727944" y="1768475"/>
+            <a:ext cx="7844681" cy="4987925"/>
           </a:xfrm>
-          <a:prstGeom prst="rect">
-            <a:avLst/>
-          </a:prstGeom>
-          <a:noFill/>
         </p:spPr>
         <p:txBody>
-          <a:bodyPr wrap="none" rtlCol="0">
-            <a:spAutoFit/>
-          </a:bodyPr>
+          <a:bodyPr/>
           <a:lstStyle/>
           <a:p>
-            <a:pPr lvl="0"/>
-            <a:r>
-              <a:rPr lang="de-DE" dirty="0" smtClean="0"/>
-              <a:t>- Gesamtdauer des Projekts 14 Wochen</a:t>
-            </a:r>
-            <a:endParaRPr lang="de-DE" dirty="0"/>
-          </a:p>
-        </p:txBody>
-      </p:sp>
-      <p:sp>
-        <p:nvSpPr>
-          <p:cNvPr id="7" name="Textfeld 6"/>
-          <p:cNvSpPr txBox="1"/>
-          <p:nvPr/>
-        </p:nvSpPr>
-        <p:spPr>
-          <a:xfrm>
-            <a:off x="3051564" y="2202527"/>
-            <a:ext cx="3657634" cy="353174"/>
-          </a:xfrm>
-          <a:prstGeom prst="rect">
-            <a:avLst/>
-          </a:prstGeom>
-          <a:noFill/>
-        </p:spPr>
-        <p:txBody>
-          <a:bodyPr wrap="none" rtlCol="0">
-            <a:spAutoFit/>
-          </a:bodyPr>
-          <a:lstStyle/>
-          <a:p>
-            <a:pPr lvl="0"/>
-            <a:r>
-              <a:rPr lang="de-DE" dirty="0" smtClean="0"/>
-              <a:t>- Iterationsdauer von einer Woche</a:t>
-            </a:r>
-            <a:endParaRPr lang="de-DE" dirty="0"/>
-          </a:p>
-        </p:txBody>
-      </p:sp>
-      <p:graphicFrame>
-        <p:nvGraphicFramePr>
-          <p:cNvPr id="3" name="Objekt 2"/>
-          <p:cNvGraphicFramePr>
-            <a:graphicFrameLocks noChangeAspect="1"/>
-          </p:cNvGraphicFramePr>
-          <p:nvPr>
-            <p:extLst>
-              <p:ext uri="{D42A27DB-BD31-4B8C-83A1-F6EECF244321}">
-                <p14:modId xmlns:p14="http://schemas.microsoft.com/office/powerpoint/2010/main" val="2376220250"/>
-              </p:ext>
-            </p:extLst>
-          </p:nvPr>
-        </p:nvGraphicFramePr>
-        <p:xfrm>
-          <a:off x="2056703" y="2627709"/>
-          <a:ext cx="7736137" cy="4774777"/>
-        </p:xfrm>
-        <a:graphic>
-          <a:graphicData uri="http://schemas.openxmlformats.org/presentationml/2006/ole">
-            <mc:AlternateContent xmlns:mc="http://schemas.openxmlformats.org/markup-compatibility/2006">
-              <mc:Choice xmlns:v="urn:schemas-microsoft-com:vml" Requires="v">
-                <p:oleObj spid="_x0000_s1025" name="Dokument" r:id="rId3" imgW="5905500" imgH="3644900" progId="Word.Document.12">
-                  <p:embed/>
-                </p:oleObj>
-              </mc:Choice>
-              <mc:Fallback>
-                <p:oleObj name="Dokument" r:id="rId3" imgW="5905500" imgH="3644900" progId="Word.Document.12">
-                  <p:embed/>
-                  <p:pic>
-                    <p:nvPicPr>
-                      <p:cNvPr id="0" name=""/>
-                      <p:cNvPicPr/>
-                      <p:nvPr/>
-                    </p:nvPicPr>
-                    <p:blipFill>
-                      <a:blip r:embed="rId4"/>
-                      <a:stretch>
-                        <a:fillRect/>
-                      </a:stretch>
-                    </p:blipFill>
-                    <p:spPr>
-                      <a:xfrm>
-                        <a:off x="2056703" y="2627709"/>
-                        <a:ext cx="7736137" cy="4774777"/>
-                      </a:xfrm>
-                      <a:prstGeom prst="rect">
-                        <a:avLst/>
-                      </a:prstGeom>
-                    </p:spPr>
-                  </p:pic>
-                </p:oleObj>
-              </mc:Fallback>
-            </mc:AlternateContent>
-          </a:graphicData>
-        </a:graphic>
-      </p:graphicFrame>
+            <a:pPr marL="457200" indent="-457200">
+              <a:buFont typeface="Arial" panose="020B0604020202020204" pitchFamily="34" charset="0"/>
+              <a:buChar char="•"/>
+            </a:pPr>
+            <a:endParaRPr lang="de-CH" dirty="0"/>
+          </a:p>
+        </p:txBody>
+      </p:sp>
     </p:spTree>
     <p:extLst>
       <p:ext uri="{BB962C8B-B14F-4D97-AF65-F5344CB8AC3E}">
-        <p14:creationId xmlns:p14="http://schemas.microsoft.com/office/powerpoint/2010/main" val="4126107018"/>
+        <p14:creationId xmlns:p14="http://schemas.microsoft.com/office/powerpoint/2010/main" val="213647772"/>
       </p:ext>
     </p:extLst>
   </p:cSld>
   <p:clrMapOvr>
     <a:masterClrMapping/>
   </p:clrMapOvr>
-  <mc:AlternateContent xmlns:mc="http://schemas.openxmlformats.org/markup-compatibility/2006">
-    <mc:Choice xmlns:p14="http://schemas.microsoft.com/office/powerpoint/2010/main" Requires="p14">
-      <p:transition spd="slow" p14:dur="2000"/>
-    </mc:Choice>
-    <mc:Fallback>
-      <p:transition xmlns:p14="http://schemas.microsoft.com/office/powerpoint/2010/main" spd="slow"/>
-    </mc:Fallback>
-  </mc:AlternateContent>
-  <p:timing>
-    <p:tnLst>
-      <p:par>
-        <p:cTn xmlns:p14="http://schemas.microsoft.com/office/powerpoint/2010/main" id="1" dur="indefinite" restart="never" nodeType="tmRoot"/>
-      </p:par>
-    </p:tnLst>
-  </p:timing>
 </p:sld>
 </file>
 
@@ -5732,6 +5125,1743 @@
           <a:lstStyle/>
           <a:p>
             <a:r>
+              <a:rPr lang="de-DE" dirty="0" err="1" smtClean="0"/>
+              <a:t>Ressouren</a:t>
+            </a:r>
+            <a:endParaRPr lang="de-DE" dirty="0"/>
+          </a:p>
+        </p:txBody>
+      </p:sp>
+      <p:sp>
+        <p:nvSpPr>
+          <p:cNvPr id="6" name="Textfeld 5"/>
+          <p:cNvSpPr txBox="1"/>
+          <p:nvPr/>
+        </p:nvSpPr>
+        <p:spPr>
+          <a:xfrm>
+            <a:off x="3044379" y="1847079"/>
+            <a:ext cx="4941076" cy="353174"/>
+          </a:xfrm>
+          <a:prstGeom prst="rect">
+            <a:avLst/>
+          </a:prstGeom>
+          <a:noFill/>
+        </p:spPr>
+        <p:txBody>
+          <a:bodyPr wrap="none" rtlCol="0">
+            <a:spAutoFit/>
+          </a:bodyPr>
+          <a:lstStyle/>
+          <a:p>
+            <a:r>
+              <a:rPr lang="de-DE" dirty="0" smtClean="0"/>
+              <a:t>- Team bestehend aus 4 Informatikingenieuren</a:t>
+            </a:r>
+            <a:endParaRPr lang="de-DE" dirty="0"/>
+          </a:p>
+        </p:txBody>
+      </p:sp>
+      <p:sp>
+        <p:nvSpPr>
+          <p:cNvPr id="7" name="Textfeld 6"/>
+          <p:cNvSpPr txBox="1"/>
+          <p:nvPr/>
+        </p:nvSpPr>
+        <p:spPr>
+          <a:xfrm>
+            <a:off x="3051564" y="2202527"/>
+            <a:ext cx="1736924" cy="353174"/>
+          </a:xfrm>
+          <a:prstGeom prst="rect">
+            <a:avLst/>
+          </a:prstGeom>
+          <a:noFill/>
+        </p:spPr>
+        <p:txBody>
+          <a:bodyPr wrap="none" rtlCol="0">
+            <a:spAutoFit/>
+          </a:bodyPr>
+          <a:lstStyle/>
+          <a:p>
+            <a:r>
+              <a:rPr lang="de-DE" dirty="0" smtClean="0"/>
+              <a:t>- 1 Projektleiter</a:t>
+            </a:r>
+            <a:endParaRPr lang="de-DE" dirty="0"/>
+          </a:p>
+        </p:txBody>
+      </p:sp>
+      <p:sp>
+        <p:nvSpPr>
+          <p:cNvPr id="9" name="Textfeld 8"/>
+          <p:cNvSpPr txBox="1"/>
+          <p:nvPr/>
+        </p:nvSpPr>
+        <p:spPr>
+          <a:xfrm>
+            <a:off x="3051564" y="2562567"/>
+            <a:ext cx="1519053" cy="353174"/>
+          </a:xfrm>
+          <a:prstGeom prst="rect">
+            <a:avLst/>
+          </a:prstGeom>
+          <a:noFill/>
+        </p:spPr>
+        <p:txBody>
+          <a:bodyPr wrap="none" rtlCol="0">
+            <a:spAutoFit/>
+          </a:bodyPr>
+          <a:lstStyle/>
+          <a:p>
+            <a:r>
+              <a:rPr lang="de-DE" dirty="0" smtClean="0"/>
+              <a:t>- Fähigkeiten</a:t>
+            </a:r>
+          </a:p>
+        </p:txBody>
+      </p:sp>
+      <p:sp>
+        <p:nvSpPr>
+          <p:cNvPr id="10" name="Textfeld 9"/>
+          <p:cNvSpPr txBox="1"/>
+          <p:nvPr/>
+        </p:nvSpPr>
+        <p:spPr>
+          <a:xfrm>
+            <a:off x="4677027" y="2922607"/>
+            <a:ext cx="2326278" cy="353174"/>
+          </a:xfrm>
+          <a:prstGeom prst="rect">
+            <a:avLst/>
+          </a:prstGeom>
+          <a:noFill/>
+        </p:spPr>
+        <p:txBody>
+          <a:bodyPr wrap="none" rtlCol="0">
+            <a:spAutoFit/>
+          </a:bodyPr>
+          <a:lstStyle/>
+          <a:p>
+            <a:pPr marL="285750" indent="-285750">
+              <a:buFontTx/>
+              <a:buChar char="-"/>
+            </a:pPr>
+            <a:r>
+              <a:rPr lang="de-DE" dirty="0" smtClean="0"/>
+              <a:t>Systemarchitektur</a:t>
+            </a:r>
+          </a:p>
+        </p:txBody>
+      </p:sp>
+      <p:sp>
+        <p:nvSpPr>
+          <p:cNvPr id="11" name="Textfeld 10"/>
+          <p:cNvSpPr txBox="1"/>
+          <p:nvPr/>
+        </p:nvSpPr>
+        <p:spPr>
+          <a:xfrm>
+            <a:off x="4680272" y="3282647"/>
+            <a:ext cx="3942105" cy="353174"/>
+          </a:xfrm>
+          <a:prstGeom prst="rect">
+            <a:avLst/>
+          </a:prstGeom>
+          <a:noFill/>
+        </p:spPr>
+        <p:txBody>
+          <a:bodyPr wrap="none" rtlCol="0">
+            <a:spAutoFit/>
+          </a:bodyPr>
+          <a:lstStyle/>
+          <a:p>
+            <a:pPr marL="285750" indent="-285750">
+              <a:buFontTx/>
+              <a:buChar char="-"/>
+            </a:pPr>
+            <a:r>
+              <a:rPr lang="de-DE" dirty="0" smtClean="0"/>
+              <a:t>Objektorientierte Programmierung</a:t>
+            </a:r>
+          </a:p>
+        </p:txBody>
+      </p:sp>
+      <p:sp>
+        <p:nvSpPr>
+          <p:cNvPr id="12" name="Textfeld 11"/>
+          <p:cNvSpPr txBox="1"/>
+          <p:nvPr/>
+        </p:nvSpPr>
+        <p:spPr>
+          <a:xfrm>
+            <a:off x="4680272" y="3642687"/>
+            <a:ext cx="3057247" cy="353174"/>
+          </a:xfrm>
+          <a:prstGeom prst="rect">
+            <a:avLst/>
+          </a:prstGeom>
+          <a:noFill/>
+        </p:spPr>
+        <p:txBody>
+          <a:bodyPr wrap="none" rtlCol="0">
+            <a:spAutoFit/>
+          </a:bodyPr>
+          <a:lstStyle/>
+          <a:p>
+            <a:pPr marL="285750" indent="-285750">
+              <a:buFontTx/>
+              <a:buChar char="-"/>
+            </a:pPr>
+            <a:r>
+              <a:rPr lang="de-DE" dirty="0" smtClean="0"/>
+              <a:t>Objektorientiertes Design</a:t>
+            </a:r>
+          </a:p>
+        </p:txBody>
+      </p:sp>
+      <p:sp>
+        <p:nvSpPr>
+          <p:cNvPr id="13" name="Textfeld 12"/>
+          <p:cNvSpPr txBox="1"/>
+          <p:nvPr/>
+        </p:nvSpPr>
+        <p:spPr>
+          <a:xfrm>
+            <a:off x="3096096" y="4074735"/>
+            <a:ext cx="5047588" cy="353174"/>
+          </a:xfrm>
+          <a:prstGeom prst="rect">
+            <a:avLst/>
+          </a:prstGeom>
+          <a:noFill/>
+        </p:spPr>
+        <p:txBody>
+          <a:bodyPr wrap="none" rtlCol="0">
+            <a:spAutoFit/>
+          </a:bodyPr>
+          <a:lstStyle/>
+          <a:p>
+            <a:r>
+              <a:rPr lang="de-DE" dirty="0" smtClean="0"/>
+              <a:t>- Wissen zur Entwicklung von Spielen aneignen</a:t>
+            </a:r>
+          </a:p>
+        </p:txBody>
+      </p:sp>
+      <p:sp>
+        <p:nvSpPr>
+          <p:cNvPr id="14" name="Textfeld 13"/>
+          <p:cNvSpPr txBox="1"/>
+          <p:nvPr/>
+        </p:nvSpPr>
+        <p:spPr>
+          <a:xfrm>
+            <a:off x="3096096" y="4434775"/>
+            <a:ext cx="4701565" cy="353174"/>
+          </a:xfrm>
+          <a:prstGeom prst="rect">
+            <a:avLst/>
+          </a:prstGeom>
+          <a:noFill/>
+        </p:spPr>
+        <p:txBody>
+          <a:bodyPr wrap="none" rtlCol="0">
+            <a:spAutoFit/>
+          </a:bodyPr>
+          <a:lstStyle/>
+          <a:p>
+            <a:r>
+              <a:rPr lang="de-DE" dirty="0" smtClean="0"/>
+              <a:t>- Gesamtaufwand ca. 250 Personenstunden</a:t>
+            </a:r>
+          </a:p>
+        </p:txBody>
+      </p:sp>
+    </p:spTree>
+    <p:extLst>
+      <p:ext uri="{BB962C8B-B14F-4D97-AF65-F5344CB8AC3E}">
+        <p14:creationId xmlns:p14="http://schemas.microsoft.com/office/powerpoint/2010/main" val="2876731778"/>
+      </p:ext>
+    </p:extLst>
+  </p:cSld>
+  <p:clrMapOvr>
+    <a:masterClrMapping/>
+  </p:clrMapOvr>
+  <mc:AlternateContent xmlns:mc="http://schemas.openxmlformats.org/markup-compatibility/2006" xmlns:p14="http://schemas.microsoft.com/office/powerpoint/2010/main">
+    <mc:Choice Requires="p14">
+      <p:transition spd="slow" p14:dur="2000"/>
+    </mc:Choice>
+    <mc:Fallback xmlns="">
+      <p:transition xmlns:p14="http://schemas.microsoft.com/office/powerpoint/2010/main" spd="slow"/>
+    </mc:Fallback>
+  </mc:AlternateContent>
+  <p:timing>
+    <p:tnLst>
+      <p:par>
+        <p:cTn id="1" dur="indefinite" restart="never" nodeType="tmRoot"/>
+      </p:par>
+    </p:tnLst>
+  </p:timing>
+</p:sld>
+</file>
+
+<file path=ppt/slides/slide6.xml><?xml version="1.0" encoding="utf-8"?>
+<p:sld xmlns:a="http://schemas.openxmlformats.org/drawingml/2006/main" xmlns:r="http://schemas.openxmlformats.org/officeDocument/2006/relationships" xmlns:p="http://schemas.openxmlformats.org/presentationml/2006/main">
+  <p:cSld>
+    <p:spTree>
+      <p:nvGrpSpPr>
+        <p:cNvPr id="1" name=""/>
+        <p:cNvGrpSpPr/>
+        <p:nvPr/>
+      </p:nvGrpSpPr>
+      <p:grpSpPr>
+        <a:xfrm>
+          <a:off x="0" y="0"/>
+          <a:ext cx="0" cy="0"/>
+          <a:chOff x="0" y="0"/>
+          <a:chExt cx="0" cy="0"/>
+        </a:xfrm>
+      </p:grpSpPr>
+      <p:sp>
+        <p:nvSpPr>
+          <p:cNvPr id="2" name="Titel 1"/>
+          <p:cNvSpPr>
+            <a:spLocks noGrp="1"/>
+          </p:cNvSpPr>
+          <p:nvPr>
+            <p:ph type="title"/>
+          </p:nvPr>
+        </p:nvSpPr>
+        <p:spPr/>
+        <p:txBody>
+          <a:bodyPr/>
+          <a:lstStyle/>
+          <a:p>
+            <a:r>
+              <a:rPr lang="de-DE" dirty="0" smtClean="0"/>
+              <a:t>Risiken</a:t>
+            </a:r>
+            <a:endParaRPr lang="de-DE" dirty="0"/>
+          </a:p>
+        </p:txBody>
+      </p:sp>
+      <p:sp>
+        <p:nvSpPr>
+          <p:cNvPr id="6" name="Textfeld 5"/>
+          <p:cNvSpPr txBox="1"/>
+          <p:nvPr/>
+        </p:nvSpPr>
+        <p:spPr>
+          <a:xfrm>
+            <a:off x="3044379" y="1847079"/>
+            <a:ext cx="5098534" cy="353174"/>
+          </a:xfrm>
+          <a:prstGeom prst="rect">
+            <a:avLst/>
+          </a:prstGeom>
+          <a:noFill/>
+        </p:spPr>
+        <p:txBody>
+          <a:bodyPr wrap="none" rtlCol="0">
+            <a:spAutoFit/>
+          </a:bodyPr>
+          <a:lstStyle/>
+          <a:p>
+            <a:pPr lvl="0"/>
+            <a:r>
+              <a:rPr lang="de-DE" dirty="0" smtClean="0"/>
+              <a:t>- </a:t>
+            </a:r>
+            <a:r>
+              <a:rPr lang="de-DE" dirty="0"/>
+              <a:t>Fehlende Erfahrung in Game-Programmierung</a:t>
+            </a:r>
+          </a:p>
+        </p:txBody>
+      </p:sp>
+      <p:sp>
+        <p:nvSpPr>
+          <p:cNvPr id="7" name="Textfeld 6"/>
+          <p:cNvSpPr txBox="1"/>
+          <p:nvPr/>
+        </p:nvSpPr>
+        <p:spPr>
+          <a:xfrm>
+            <a:off x="3051564" y="2202527"/>
+            <a:ext cx="5688915" cy="353174"/>
+          </a:xfrm>
+          <a:prstGeom prst="rect">
+            <a:avLst/>
+          </a:prstGeom>
+          <a:noFill/>
+        </p:spPr>
+        <p:txBody>
+          <a:bodyPr wrap="none" rtlCol="0">
+            <a:spAutoFit/>
+          </a:bodyPr>
+          <a:lstStyle/>
+          <a:p>
+            <a:pPr lvl="0"/>
+            <a:r>
+              <a:rPr lang="de-DE" dirty="0" smtClean="0"/>
+              <a:t>- </a:t>
+            </a:r>
+            <a:r>
+              <a:rPr lang="de-DE" dirty="0" err="1"/>
+              <a:t>Grosser</a:t>
+            </a:r>
+            <a:r>
+              <a:rPr lang="de-DE" dirty="0"/>
+              <a:t> Umfang für die zur Verfügung stehende Zeit</a:t>
+            </a:r>
+          </a:p>
+        </p:txBody>
+      </p:sp>
+    </p:spTree>
+    <p:extLst>
+      <p:ext uri="{BB962C8B-B14F-4D97-AF65-F5344CB8AC3E}">
+        <p14:creationId xmlns:p14="http://schemas.microsoft.com/office/powerpoint/2010/main" val="1010235464"/>
+      </p:ext>
+    </p:extLst>
+  </p:cSld>
+  <p:clrMapOvr>
+    <a:masterClrMapping/>
+  </p:clrMapOvr>
+  <mc:AlternateContent xmlns:mc="http://schemas.openxmlformats.org/markup-compatibility/2006" xmlns:p14="http://schemas.microsoft.com/office/powerpoint/2010/main">
+    <mc:Choice Requires="p14">
+      <p:transition spd="slow" p14:dur="2000"/>
+    </mc:Choice>
+    <mc:Fallback xmlns="">
+      <p:transition xmlns:p14="http://schemas.microsoft.com/office/powerpoint/2010/main" spd="slow"/>
+    </mc:Fallback>
+  </mc:AlternateContent>
+  <p:timing>
+    <p:tnLst>
+      <p:par>
+        <p:cTn id="1" dur="indefinite" restart="never" nodeType="tmRoot"/>
+      </p:par>
+    </p:tnLst>
+  </p:timing>
+</p:sld>
+</file>
+
+<file path=ppt/slides/slide7.xml><?xml version="1.0" encoding="utf-8"?>
+<p:sld xmlns:a="http://schemas.openxmlformats.org/drawingml/2006/main" xmlns:r="http://schemas.openxmlformats.org/officeDocument/2006/relationships" xmlns:p="http://schemas.openxmlformats.org/presentationml/2006/main">
+  <p:cSld>
+    <p:spTree>
+      <p:nvGrpSpPr>
+        <p:cNvPr id="1" name=""/>
+        <p:cNvGrpSpPr/>
+        <p:nvPr/>
+      </p:nvGrpSpPr>
+      <p:grpSpPr>
+        <a:xfrm>
+          <a:off x="0" y="0"/>
+          <a:ext cx="0" cy="0"/>
+          <a:chOff x="0" y="0"/>
+          <a:chExt cx="0" cy="0"/>
+        </a:xfrm>
+      </p:grpSpPr>
+      <p:sp>
+        <p:nvSpPr>
+          <p:cNvPr id="2" name="Titel 1"/>
+          <p:cNvSpPr>
+            <a:spLocks noGrp="1"/>
+          </p:cNvSpPr>
+          <p:nvPr>
+            <p:ph type="title"/>
+          </p:nvPr>
+        </p:nvSpPr>
+        <p:spPr/>
+        <p:txBody>
+          <a:bodyPr/>
+          <a:lstStyle/>
+          <a:p>
+            <a:r>
+              <a:rPr lang="de-DE" dirty="0" smtClean="0"/>
+              <a:t>Grobplanung</a:t>
+            </a:r>
+            <a:endParaRPr lang="de-DE" dirty="0"/>
+          </a:p>
+        </p:txBody>
+      </p:sp>
+      <p:sp>
+        <p:nvSpPr>
+          <p:cNvPr id="6" name="Textfeld 5"/>
+          <p:cNvSpPr txBox="1"/>
+          <p:nvPr/>
+        </p:nvSpPr>
+        <p:spPr>
+          <a:xfrm>
+            <a:off x="3044379" y="1847079"/>
+            <a:ext cx="4286112" cy="353174"/>
+          </a:xfrm>
+          <a:prstGeom prst="rect">
+            <a:avLst/>
+          </a:prstGeom>
+          <a:noFill/>
+        </p:spPr>
+        <p:txBody>
+          <a:bodyPr wrap="none" rtlCol="0">
+            <a:spAutoFit/>
+          </a:bodyPr>
+          <a:lstStyle/>
+          <a:p>
+            <a:pPr lvl="0"/>
+            <a:r>
+              <a:rPr lang="de-DE" dirty="0" smtClean="0"/>
+              <a:t>- Gesamtdauer des Projekts 14 Wochen</a:t>
+            </a:r>
+            <a:endParaRPr lang="de-DE" dirty="0"/>
+          </a:p>
+        </p:txBody>
+      </p:sp>
+      <p:sp>
+        <p:nvSpPr>
+          <p:cNvPr id="7" name="Textfeld 6"/>
+          <p:cNvSpPr txBox="1"/>
+          <p:nvPr/>
+        </p:nvSpPr>
+        <p:spPr>
+          <a:xfrm>
+            <a:off x="3051564" y="2202527"/>
+            <a:ext cx="3657634" cy="353174"/>
+          </a:xfrm>
+          <a:prstGeom prst="rect">
+            <a:avLst/>
+          </a:prstGeom>
+          <a:noFill/>
+        </p:spPr>
+        <p:txBody>
+          <a:bodyPr wrap="none" rtlCol="0">
+            <a:spAutoFit/>
+          </a:bodyPr>
+          <a:lstStyle/>
+          <a:p>
+            <a:pPr lvl="0"/>
+            <a:r>
+              <a:rPr lang="de-DE" dirty="0" smtClean="0"/>
+              <a:t>- Iterationsdauer von einer Woche</a:t>
+            </a:r>
+            <a:endParaRPr lang="de-DE" dirty="0"/>
+          </a:p>
+        </p:txBody>
+      </p:sp>
+      <p:graphicFrame>
+        <p:nvGraphicFramePr>
+          <p:cNvPr id="4" name="Table 3"/>
+          <p:cNvGraphicFramePr>
+            <a:graphicFrameLocks noGrp="1"/>
+          </p:cNvGraphicFramePr>
+          <p:nvPr>
+            <p:extLst>
+              <p:ext uri="{D42A27DB-BD31-4B8C-83A1-F6EECF244321}">
+                <p14:modId xmlns:p14="http://schemas.microsoft.com/office/powerpoint/2010/main" val="3218044784"/>
+              </p:ext>
+            </p:extLst>
+          </p:nvPr>
+        </p:nvGraphicFramePr>
+        <p:xfrm>
+          <a:off x="2083793" y="2699717"/>
+          <a:ext cx="7488832" cy="4392491"/>
+        </p:xfrm>
+        <a:graphic>
+          <a:graphicData uri="http://schemas.openxmlformats.org/drawingml/2006/table">
+            <a:tbl>
+              <a:tblPr firstRow="1" firstCol="1" bandRow="1">
+                <a:tableStyleId>{9D7B26C5-4107-4FEC-AEDC-1716B250A1EF}</a:tableStyleId>
+              </a:tblPr>
+              <a:tblGrid>
+                <a:gridCol w="1444351"/>
+                <a:gridCol w="1296239"/>
+                <a:gridCol w="4748242"/>
+              </a:tblGrid>
+              <a:tr h="462367">
+                <a:tc>
+                  <a:txBody>
+                    <a:bodyPr/>
+                    <a:lstStyle/>
+                    <a:p>
+                      <a:pPr algn="l">
+                        <a:spcAft>
+                          <a:spcPts val="0"/>
+                        </a:spcAft>
+                      </a:pPr>
+                      <a:r>
+                        <a:rPr lang="de-DE" sz="1400" dirty="0">
+                          <a:effectLst/>
+                        </a:rPr>
+                        <a:t>Phase</a:t>
+                      </a:r>
+                      <a:endParaRPr lang="de-CH" sz="1400" dirty="0">
+                        <a:effectLst/>
+                        <a:latin typeface="Cambria" panose="02040503050406030204" pitchFamily="18" charset="0"/>
+                        <a:ea typeface="MS Mincho" panose="02020609040205080304" pitchFamily="49" charset="-128"/>
+                        <a:cs typeface="Times New Roman" panose="02020603050405020304" pitchFamily="18" charset="0"/>
+                      </a:endParaRPr>
+                    </a:p>
+                  </a:txBody>
+                  <a:tcPr marL="68580" marR="68580" marT="0" marB="0"/>
+                </a:tc>
+                <a:tc>
+                  <a:txBody>
+                    <a:bodyPr/>
+                    <a:lstStyle/>
+                    <a:p>
+                      <a:pPr indent="327660" algn="l">
+                        <a:spcAft>
+                          <a:spcPts val="0"/>
+                        </a:spcAft>
+                      </a:pPr>
+                      <a:r>
+                        <a:rPr lang="de-DE" sz="1400" dirty="0">
+                          <a:effectLst/>
+                        </a:rPr>
+                        <a:t>Iteration</a:t>
+                      </a:r>
+                      <a:endParaRPr lang="de-CH" sz="1400" dirty="0">
+                        <a:effectLst/>
+                        <a:latin typeface="Cambria" panose="02040503050406030204" pitchFamily="18" charset="0"/>
+                        <a:ea typeface="MS Mincho" panose="02020609040205080304" pitchFamily="49" charset="-128"/>
+                        <a:cs typeface="Times New Roman" panose="02020603050405020304" pitchFamily="18" charset="0"/>
+                      </a:endParaRPr>
+                    </a:p>
+                  </a:txBody>
+                  <a:tcPr marL="68580" marR="68580" marT="0" marB="0"/>
+                </a:tc>
+                <a:tc>
+                  <a:txBody>
+                    <a:bodyPr/>
+                    <a:lstStyle/>
+                    <a:p>
+                      <a:pPr algn="l">
+                        <a:spcAft>
+                          <a:spcPts val="0"/>
+                        </a:spcAft>
+                      </a:pPr>
+                      <a:r>
+                        <a:rPr lang="de-DE" sz="1400" dirty="0">
+                          <a:effectLst/>
+                        </a:rPr>
+                        <a:t>Ziel</a:t>
+                      </a:r>
+                      <a:endParaRPr lang="de-CH" sz="1400" dirty="0">
+                        <a:effectLst/>
+                        <a:latin typeface="Cambria" panose="02040503050406030204" pitchFamily="18" charset="0"/>
+                        <a:ea typeface="MS Mincho" panose="02020609040205080304" pitchFamily="49" charset="-128"/>
+                        <a:cs typeface="Times New Roman" panose="02020603050405020304" pitchFamily="18" charset="0"/>
+                      </a:endParaRPr>
+                    </a:p>
+                  </a:txBody>
+                  <a:tcPr marL="68580" marR="68580" marT="0" marB="0"/>
+                </a:tc>
+              </a:tr>
+              <a:tr h="231184">
+                <a:tc>
+                  <a:txBody>
+                    <a:bodyPr/>
+                    <a:lstStyle/>
+                    <a:p>
+                      <a:pPr>
+                        <a:spcAft>
+                          <a:spcPts val="0"/>
+                        </a:spcAft>
+                      </a:pPr>
+                      <a:r>
+                        <a:rPr lang="de-DE" sz="1200">
+                          <a:effectLst/>
+                        </a:rPr>
+                        <a:t>Inception</a:t>
+                      </a:r>
+                      <a:endParaRPr lang="de-CH" sz="1200">
+                        <a:effectLst/>
+                        <a:latin typeface="Cambria" panose="02040503050406030204" pitchFamily="18" charset="0"/>
+                        <a:ea typeface="MS Mincho" panose="02020609040205080304" pitchFamily="49" charset="-128"/>
+                        <a:cs typeface="Times New Roman" panose="02020603050405020304" pitchFamily="18" charset="0"/>
+                      </a:endParaRPr>
+                    </a:p>
+                  </a:txBody>
+                  <a:tcPr marL="68580" marR="68580" marT="0" marB="0"/>
+                </a:tc>
+                <a:tc>
+                  <a:txBody>
+                    <a:bodyPr/>
+                    <a:lstStyle/>
+                    <a:p>
+                      <a:pPr>
+                        <a:spcAft>
+                          <a:spcPts val="0"/>
+                        </a:spcAft>
+                      </a:pPr>
+                      <a:r>
+                        <a:rPr lang="de-DE" sz="1200">
+                          <a:effectLst/>
+                        </a:rPr>
+                        <a:t>1</a:t>
+                      </a:r>
+                      <a:endParaRPr lang="de-CH" sz="1200">
+                        <a:effectLst/>
+                        <a:latin typeface="Cambria" panose="02040503050406030204" pitchFamily="18" charset="0"/>
+                        <a:ea typeface="MS Mincho" panose="02020609040205080304" pitchFamily="49" charset="-128"/>
+                        <a:cs typeface="Times New Roman" panose="02020603050405020304" pitchFamily="18" charset="0"/>
+                      </a:endParaRPr>
+                    </a:p>
+                  </a:txBody>
+                  <a:tcPr marL="68580" marR="68580" marT="0" marB="0"/>
+                </a:tc>
+                <a:tc>
+                  <a:txBody>
+                    <a:bodyPr/>
+                    <a:lstStyle/>
+                    <a:p>
+                      <a:pPr>
+                        <a:spcAft>
+                          <a:spcPts val="0"/>
+                        </a:spcAft>
+                      </a:pPr>
+                      <a:r>
+                        <a:rPr lang="de-DE" sz="1200">
+                          <a:effectLst/>
+                        </a:rPr>
+                        <a:t>Gruppenbildung, Themeneruierung, Wahl des PL</a:t>
+                      </a:r>
+                      <a:endParaRPr lang="de-CH" sz="1200">
+                        <a:effectLst/>
+                        <a:latin typeface="Cambria" panose="02040503050406030204" pitchFamily="18" charset="0"/>
+                        <a:ea typeface="MS Mincho" panose="02020609040205080304" pitchFamily="49" charset="-128"/>
+                        <a:cs typeface="Times New Roman" panose="02020603050405020304" pitchFamily="18" charset="0"/>
+                      </a:endParaRPr>
+                    </a:p>
+                  </a:txBody>
+                  <a:tcPr marL="68580" marR="68580" marT="0" marB="0"/>
+                </a:tc>
+              </a:tr>
+              <a:tr h="231184">
+                <a:tc>
+                  <a:txBody>
+                    <a:bodyPr/>
+                    <a:lstStyle/>
+                    <a:p>
+                      <a:pPr>
+                        <a:spcAft>
+                          <a:spcPts val="0"/>
+                        </a:spcAft>
+                      </a:pPr>
+                      <a:r>
+                        <a:rPr lang="de-DE" sz="1200">
+                          <a:effectLst/>
+                        </a:rPr>
+                        <a:t> </a:t>
+                      </a:r>
+                      <a:endParaRPr lang="de-CH" sz="1200">
+                        <a:effectLst/>
+                        <a:latin typeface="Cambria" panose="02040503050406030204" pitchFamily="18" charset="0"/>
+                        <a:ea typeface="MS Mincho" panose="02020609040205080304" pitchFamily="49" charset="-128"/>
+                        <a:cs typeface="Times New Roman" panose="02020603050405020304" pitchFamily="18" charset="0"/>
+                      </a:endParaRPr>
+                    </a:p>
+                  </a:txBody>
+                  <a:tcPr marL="68580" marR="68580" marT="0" marB="0"/>
+                </a:tc>
+                <a:tc>
+                  <a:txBody>
+                    <a:bodyPr/>
+                    <a:lstStyle/>
+                    <a:p>
+                      <a:pPr>
+                        <a:spcAft>
+                          <a:spcPts val="0"/>
+                        </a:spcAft>
+                      </a:pPr>
+                      <a:r>
+                        <a:rPr lang="de-DE" sz="1200">
+                          <a:effectLst/>
+                        </a:rPr>
+                        <a:t>2</a:t>
+                      </a:r>
+                      <a:endParaRPr lang="de-CH" sz="1200">
+                        <a:effectLst/>
+                        <a:latin typeface="Cambria" panose="02040503050406030204" pitchFamily="18" charset="0"/>
+                        <a:ea typeface="MS Mincho" panose="02020609040205080304" pitchFamily="49" charset="-128"/>
+                        <a:cs typeface="Times New Roman" panose="02020603050405020304" pitchFamily="18" charset="0"/>
+                      </a:endParaRPr>
+                    </a:p>
+                  </a:txBody>
+                  <a:tcPr marL="68580" marR="68580" marT="0" marB="0"/>
+                </a:tc>
+                <a:tc>
+                  <a:txBody>
+                    <a:bodyPr/>
+                    <a:lstStyle/>
+                    <a:p>
+                      <a:pPr>
+                        <a:spcAft>
+                          <a:spcPts val="0"/>
+                        </a:spcAft>
+                      </a:pPr>
+                      <a:r>
+                        <a:rPr lang="de-DE" sz="1200">
+                          <a:effectLst/>
+                        </a:rPr>
+                        <a:t>Projektskizze erstellt,  Präsentation erstellt</a:t>
+                      </a:r>
+                      <a:endParaRPr lang="de-CH" sz="1200">
+                        <a:effectLst/>
+                        <a:latin typeface="Cambria" panose="02040503050406030204" pitchFamily="18" charset="0"/>
+                        <a:ea typeface="MS Mincho" panose="02020609040205080304" pitchFamily="49" charset="-128"/>
+                        <a:cs typeface="Times New Roman" panose="02020603050405020304" pitchFamily="18" charset="0"/>
+                      </a:endParaRPr>
+                    </a:p>
+                  </a:txBody>
+                  <a:tcPr marL="68580" marR="68580" marT="0" marB="0"/>
+                </a:tc>
+              </a:tr>
+              <a:tr h="462367">
+                <a:tc>
+                  <a:txBody>
+                    <a:bodyPr/>
+                    <a:lstStyle/>
+                    <a:p>
+                      <a:pPr>
+                        <a:spcAft>
+                          <a:spcPts val="0"/>
+                        </a:spcAft>
+                      </a:pPr>
+                      <a:r>
+                        <a:rPr lang="de-DE" sz="1200">
+                          <a:effectLst/>
+                        </a:rPr>
+                        <a:t>Elaboration</a:t>
+                      </a:r>
+                      <a:endParaRPr lang="de-CH" sz="1200">
+                        <a:effectLst/>
+                        <a:latin typeface="Cambria" panose="02040503050406030204" pitchFamily="18" charset="0"/>
+                        <a:ea typeface="MS Mincho" panose="02020609040205080304" pitchFamily="49" charset="-128"/>
+                        <a:cs typeface="Times New Roman" panose="02020603050405020304" pitchFamily="18" charset="0"/>
+                      </a:endParaRPr>
+                    </a:p>
+                  </a:txBody>
+                  <a:tcPr marL="68580" marR="68580" marT="0" marB="0"/>
+                </a:tc>
+                <a:tc>
+                  <a:txBody>
+                    <a:bodyPr/>
+                    <a:lstStyle/>
+                    <a:p>
+                      <a:pPr>
+                        <a:spcAft>
+                          <a:spcPts val="0"/>
+                        </a:spcAft>
+                      </a:pPr>
+                      <a:r>
+                        <a:rPr lang="de-DE" sz="1200">
+                          <a:effectLst/>
+                        </a:rPr>
+                        <a:t>3</a:t>
+                      </a:r>
+                      <a:endParaRPr lang="de-CH" sz="1200">
+                        <a:effectLst/>
+                        <a:latin typeface="Cambria" panose="02040503050406030204" pitchFamily="18" charset="0"/>
+                        <a:ea typeface="MS Mincho" panose="02020609040205080304" pitchFamily="49" charset="-128"/>
+                        <a:cs typeface="Times New Roman" panose="02020603050405020304" pitchFamily="18" charset="0"/>
+                      </a:endParaRPr>
+                    </a:p>
+                  </a:txBody>
+                  <a:tcPr marL="68580" marR="68580" marT="0" marB="0"/>
+                </a:tc>
+                <a:tc>
+                  <a:txBody>
+                    <a:bodyPr/>
+                    <a:lstStyle/>
+                    <a:p>
+                      <a:pPr>
+                        <a:spcAft>
+                          <a:spcPts val="1200"/>
+                        </a:spcAft>
+                      </a:pPr>
+                      <a:r>
+                        <a:rPr lang="de-DE" sz="1200">
+                          <a:effectLst/>
+                        </a:rPr>
+                        <a:t>50 % der Anwendungsfälle detailliert ausformuliert, Rest identifiziert und priorisiert</a:t>
+                      </a:r>
+                      <a:endParaRPr lang="de-CH" sz="1200">
+                        <a:effectLst/>
+                        <a:latin typeface="Cambria" panose="02040503050406030204" pitchFamily="18" charset="0"/>
+                        <a:ea typeface="MS Mincho" panose="02020609040205080304" pitchFamily="49" charset="-128"/>
+                        <a:cs typeface="Times New Roman" panose="02020603050405020304" pitchFamily="18" charset="0"/>
+                      </a:endParaRPr>
+                    </a:p>
+                  </a:txBody>
+                  <a:tcPr marL="68580" marR="68580" marT="0" marB="0"/>
+                </a:tc>
+              </a:tr>
+              <a:tr h="462367">
+                <a:tc>
+                  <a:txBody>
+                    <a:bodyPr/>
+                    <a:lstStyle/>
+                    <a:p>
+                      <a:pPr>
+                        <a:spcAft>
+                          <a:spcPts val="0"/>
+                        </a:spcAft>
+                      </a:pPr>
+                      <a:r>
+                        <a:rPr lang="de-DE" sz="1200">
+                          <a:effectLst/>
+                        </a:rPr>
+                        <a:t> </a:t>
+                      </a:r>
+                      <a:endParaRPr lang="de-CH" sz="1200">
+                        <a:effectLst/>
+                        <a:latin typeface="Cambria" panose="02040503050406030204" pitchFamily="18" charset="0"/>
+                        <a:ea typeface="MS Mincho" panose="02020609040205080304" pitchFamily="49" charset="-128"/>
+                        <a:cs typeface="Times New Roman" panose="02020603050405020304" pitchFamily="18" charset="0"/>
+                      </a:endParaRPr>
+                    </a:p>
+                  </a:txBody>
+                  <a:tcPr marL="68580" marR="68580" marT="0" marB="0"/>
+                </a:tc>
+                <a:tc>
+                  <a:txBody>
+                    <a:bodyPr/>
+                    <a:lstStyle/>
+                    <a:p>
+                      <a:pPr>
+                        <a:spcAft>
+                          <a:spcPts val="0"/>
+                        </a:spcAft>
+                      </a:pPr>
+                      <a:r>
+                        <a:rPr lang="de-DE" sz="1200">
+                          <a:effectLst/>
+                        </a:rPr>
+                        <a:t>4</a:t>
+                      </a:r>
+                      <a:endParaRPr lang="de-CH" sz="1200">
+                        <a:effectLst/>
+                        <a:latin typeface="Cambria" panose="02040503050406030204" pitchFamily="18" charset="0"/>
+                        <a:ea typeface="MS Mincho" panose="02020609040205080304" pitchFamily="49" charset="-128"/>
+                        <a:cs typeface="Times New Roman" panose="02020603050405020304" pitchFamily="18" charset="0"/>
+                      </a:endParaRPr>
+                    </a:p>
+                  </a:txBody>
+                  <a:tcPr marL="68580" marR="68580" marT="0" marB="0"/>
+                </a:tc>
+                <a:tc>
+                  <a:txBody>
+                    <a:bodyPr/>
+                    <a:lstStyle/>
+                    <a:p>
+                      <a:pPr>
+                        <a:spcAft>
+                          <a:spcPts val="0"/>
+                        </a:spcAft>
+                      </a:pPr>
+                      <a:r>
+                        <a:rPr lang="de-DE" sz="1200">
+                          <a:effectLst/>
+                        </a:rPr>
+                        <a:t>80 % der Anwendungsfälle detailliert ausformuliert, eine erste Architektur wurde erstellt</a:t>
+                      </a:r>
+                      <a:endParaRPr lang="de-CH" sz="1200">
+                        <a:effectLst/>
+                        <a:latin typeface="Cambria" panose="02040503050406030204" pitchFamily="18" charset="0"/>
+                        <a:ea typeface="MS Mincho" panose="02020609040205080304" pitchFamily="49" charset="-128"/>
+                        <a:cs typeface="Times New Roman" panose="02020603050405020304" pitchFamily="18" charset="0"/>
+                      </a:endParaRPr>
+                    </a:p>
+                  </a:txBody>
+                  <a:tcPr marL="68580" marR="68580" marT="0" marB="0"/>
+                </a:tc>
+              </a:tr>
+              <a:tr h="462367">
+                <a:tc>
+                  <a:txBody>
+                    <a:bodyPr/>
+                    <a:lstStyle/>
+                    <a:p>
+                      <a:pPr>
+                        <a:spcAft>
+                          <a:spcPts val="0"/>
+                        </a:spcAft>
+                      </a:pPr>
+                      <a:r>
+                        <a:rPr lang="de-DE" sz="1200">
+                          <a:effectLst/>
+                        </a:rPr>
+                        <a:t> </a:t>
+                      </a:r>
+                      <a:endParaRPr lang="de-CH" sz="1200">
+                        <a:effectLst/>
+                        <a:latin typeface="Cambria" panose="02040503050406030204" pitchFamily="18" charset="0"/>
+                        <a:ea typeface="MS Mincho" panose="02020609040205080304" pitchFamily="49" charset="-128"/>
+                        <a:cs typeface="Times New Roman" panose="02020603050405020304" pitchFamily="18" charset="0"/>
+                      </a:endParaRPr>
+                    </a:p>
+                  </a:txBody>
+                  <a:tcPr marL="68580" marR="68580" marT="0" marB="0"/>
+                </a:tc>
+                <a:tc>
+                  <a:txBody>
+                    <a:bodyPr/>
+                    <a:lstStyle/>
+                    <a:p>
+                      <a:pPr>
+                        <a:spcAft>
+                          <a:spcPts val="0"/>
+                        </a:spcAft>
+                      </a:pPr>
+                      <a:r>
+                        <a:rPr lang="de-DE" sz="1200">
+                          <a:effectLst/>
+                        </a:rPr>
+                        <a:t>5</a:t>
+                      </a:r>
+                      <a:endParaRPr lang="de-CH" sz="1200">
+                        <a:effectLst/>
+                        <a:latin typeface="Cambria" panose="02040503050406030204" pitchFamily="18" charset="0"/>
+                        <a:ea typeface="MS Mincho" panose="02020609040205080304" pitchFamily="49" charset="-128"/>
+                        <a:cs typeface="Times New Roman" panose="02020603050405020304" pitchFamily="18" charset="0"/>
+                      </a:endParaRPr>
+                    </a:p>
+                  </a:txBody>
+                  <a:tcPr marL="68580" marR="68580" marT="0" marB="0"/>
+                </a:tc>
+                <a:tc>
+                  <a:txBody>
+                    <a:bodyPr/>
+                    <a:lstStyle/>
+                    <a:p>
+                      <a:pPr>
+                        <a:spcAft>
+                          <a:spcPts val="0"/>
+                        </a:spcAft>
+                      </a:pPr>
+                      <a:r>
+                        <a:rPr lang="de-DE" sz="1200">
+                          <a:effectLst/>
+                        </a:rPr>
+                        <a:t>Zusätzliche Spezifikationen definiert, Anwendungsfalldiagramm erstellt</a:t>
+                      </a:r>
+                      <a:endParaRPr lang="de-CH" sz="1200">
+                        <a:effectLst/>
+                        <a:latin typeface="Cambria" panose="02040503050406030204" pitchFamily="18" charset="0"/>
+                        <a:ea typeface="MS Mincho" panose="02020609040205080304" pitchFamily="49" charset="-128"/>
+                        <a:cs typeface="Times New Roman" panose="02020603050405020304" pitchFamily="18" charset="0"/>
+                      </a:endParaRPr>
+                    </a:p>
+                  </a:txBody>
+                  <a:tcPr marL="68580" marR="68580" marT="0" marB="0"/>
+                </a:tc>
+              </a:tr>
+              <a:tr h="462367">
+                <a:tc>
+                  <a:txBody>
+                    <a:bodyPr/>
+                    <a:lstStyle/>
+                    <a:p>
+                      <a:pPr>
+                        <a:spcAft>
+                          <a:spcPts val="0"/>
+                        </a:spcAft>
+                      </a:pPr>
+                      <a:r>
+                        <a:rPr lang="de-DE" sz="1200">
+                          <a:effectLst/>
+                        </a:rPr>
+                        <a:t> </a:t>
+                      </a:r>
+                      <a:endParaRPr lang="de-CH" sz="1200">
+                        <a:effectLst/>
+                        <a:latin typeface="Cambria" panose="02040503050406030204" pitchFamily="18" charset="0"/>
+                        <a:ea typeface="MS Mincho" panose="02020609040205080304" pitchFamily="49" charset="-128"/>
+                        <a:cs typeface="Times New Roman" panose="02020603050405020304" pitchFamily="18" charset="0"/>
+                      </a:endParaRPr>
+                    </a:p>
+                  </a:txBody>
+                  <a:tcPr marL="68580" marR="68580" marT="0" marB="0"/>
+                </a:tc>
+                <a:tc>
+                  <a:txBody>
+                    <a:bodyPr/>
+                    <a:lstStyle/>
+                    <a:p>
+                      <a:pPr>
+                        <a:spcAft>
+                          <a:spcPts val="0"/>
+                        </a:spcAft>
+                      </a:pPr>
+                      <a:r>
+                        <a:rPr lang="de-DE" sz="1200">
+                          <a:effectLst/>
+                        </a:rPr>
+                        <a:t>6</a:t>
+                      </a:r>
+                      <a:endParaRPr lang="de-CH" sz="1200">
+                        <a:effectLst/>
+                        <a:latin typeface="Cambria" panose="02040503050406030204" pitchFamily="18" charset="0"/>
+                        <a:ea typeface="MS Mincho" panose="02020609040205080304" pitchFamily="49" charset="-128"/>
+                        <a:cs typeface="Times New Roman" panose="02020603050405020304" pitchFamily="18" charset="0"/>
+                      </a:endParaRPr>
+                    </a:p>
+                  </a:txBody>
+                  <a:tcPr marL="68580" marR="68580" marT="0" marB="0"/>
+                </a:tc>
+                <a:tc>
+                  <a:txBody>
+                    <a:bodyPr/>
+                    <a:lstStyle/>
+                    <a:p>
+                      <a:pPr>
+                        <a:spcAft>
+                          <a:spcPts val="0"/>
+                        </a:spcAft>
+                      </a:pPr>
+                      <a:r>
+                        <a:rPr lang="de-DE" sz="1200">
+                          <a:effectLst/>
+                        </a:rPr>
+                        <a:t>System-Sequenzdiagramm und Systemverträge Domänenmodell und Glossar erstellt</a:t>
+                      </a:r>
+                      <a:endParaRPr lang="de-CH" sz="1200">
+                        <a:effectLst/>
+                        <a:latin typeface="Cambria" panose="02040503050406030204" pitchFamily="18" charset="0"/>
+                        <a:ea typeface="MS Mincho" panose="02020609040205080304" pitchFamily="49" charset="-128"/>
+                        <a:cs typeface="Times New Roman" panose="02020603050405020304" pitchFamily="18" charset="0"/>
+                      </a:endParaRPr>
+                    </a:p>
+                  </a:txBody>
+                  <a:tcPr marL="68580" marR="68580" marT="0" marB="0"/>
+                </a:tc>
+              </a:tr>
+              <a:tr h="231184">
+                <a:tc>
+                  <a:txBody>
+                    <a:bodyPr/>
+                    <a:lstStyle/>
+                    <a:p>
+                      <a:pPr>
+                        <a:spcAft>
+                          <a:spcPts val="0"/>
+                        </a:spcAft>
+                      </a:pPr>
+                      <a:r>
+                        <a:rPr lang="de-DE" sz="1200">
+                          <a:effectLst/>
+                        </a:rPr>
+                        <a:t>Construction</a:t>
+                      </a:r>
+                      <a:endParaRPr lang="de-CH" sz="1200">
+                        <a:effectLst/>
+                        <a:latin typeface="Cambria" panose="02040503050406030204" pitchFamily="18" charset="0"/>
+                        <a:ea typeface="MS Mincho" panose="02020609040205080304" pitchFamily="49" charset="-128"/>
+                        <a:cs typeface="Times New Roman" panose="02020603050405020304" pitchFamily="18" charset="0"/>
+                      </a:endParaRPr>
+                    </a:p>
+                  </a:txBody>
+                  <a:tcPr marL="68580" marR="68580" marT="0" marB="0"/>
+                </a:tc>
+                <a:tc>
+                  <a:txBody>
+                    <a:bodyPr/>
+                    <a:lstStyle/>
+                    <a:p>
+                      <a:pPr>
+                        <a:spcAft>
+                          <a:spcPts val="0"/>
+                        </a:spcAft>
+                      </a:pPr>
+                      <a:r>
+                        <a:rPr lang="de-DE" sz="1200">
+                          <a:effectLst/>
+                        </a:rPr>
+                        <a:t>7</a:t>
+                      </a:r>
+                      <a:endParaRPr lang="de-CH" sz="1200">
+                        <a:effectLst/>
+                        <a:latin typeface="Cambria" panose="02040503050406030204" pitchFamily="18" charset="0"/>
+                        <a:ea typeface="MS Mincho" panose="02020609040205080304" pitchFamily="49" charset="-128"/>
+                        <a:cs typeface="Times New Roman" panose="02020603050405020304" pitchFamily="18" charset="0"/>
+                      </a:endParaRPr>
+                    </a:p>
+                  </a:txBody>
+                  <a:tcPr marL="68580" marR="68580" marT="0" marB="0"/>
+                </a:tc>
+                <a:tc>
+                  <a:txBody>
+                    <a:bodyPr/>
+                    <a:lstStyle/>
+                    <a:p>
+                      <a:pPr>
+                        <a:spcAft>
+                          <a:spcPts val="0"/>
+                        </a:spcAft>
+                      </a:pPr>
+                      <a:r>
+                        <a:rPr lang="de-DE" sz="1200">
+                          <a:effectLst/>
+                        </a:rPr>
+                        <a:t>20 % der UCs realisiert und getestet, UI Prototyp</a:t>
+                      </a:r>
+                      <a:endParaRPr lang="de-CH" sz="1200">
+                        <a:effectLst/>
+                        <a:latin typeface="Cambria" panose="02040503050406030204" pitchFamily="18" charset="0"/>
+                        <a:ea typeface="MS Mincho" panose="02020609040205080304" pitchFamily="49" charset="-128"/>
+                        <a:cs typeface="Times New Roman" panose="02020603050405020304" pitchFamily="18" charset="0"/>
+                      </a:endParaRPr>
+                    </a:p>
+                  </a:txBody>
+                  <a:tcPr marL="68580" marR="68580" marT="0" marB="0"/>
+                </a:tc>
+              </a:tr>
+              <a:tr h="231184">
+                <a:tc>
+                  <a:txBody>
+                    <a:bodyPr/>
+                    <a:lstStyle/>
+                    <a:p>
+                      <a:pPr>
+                        <a:spcAft>
+                          <a:spcPts val="0"/>
+                        </a:spcAft>
+                      </a:pPr>
+                      <a:r>
+                        <a:rPr lang="de-DE" sz="1200">
+                          <a:effectLst/>
+                        </a:rPr>
+                        <a:t> </a:t>
+                      </a:r>
+                      <a:endParaRPr lang="de-CH" sz="1200">
+                        <a:effectLst/>
+                        <a:latin typeface="Cambria" panose="02040503050406030204" pitchFamily="18" charset="0"/>
+                        <a:ea typeface="MS Mincho" panose="02020609040205080304" pitchFamily="49" charset="-128"/>
+                        <a:cs typeface="Times New Roman" panose="02020603050405020304" pitchFamily="18" charset="0"/>
+                      </a:endParaRPr>
+                    </a:p>
+                  </a:txBody>
+                  <a:tcPr marL="68580" marR="68580" marT="0" marB="0"/>
+                </a:tc>
+                <a:tc>
+                  <a:txBody>
+                    <a:bodyPr/>
+                    <a:lstStyle/>
+                    <a:p>
+                      <a:pPr>
+                        <a:spcAft>
+                          <a:spcPts val="0"/>
+                        </a:spcAft>
+                      </a:pPr>
+                      <a:r>
+                        <a:rPr lang="de-DE" sz="1200">
+                          <a:effectLst/>
+                        </a:rPr>
+                        <a:t>8</a:t>
+                      </a:r>
+                      <a:endParaRPr lang="de-CH" sz="1200">
+                        <a:effectLst/>
+                        <a:latin typeface="Cambria" panose="02040503050406030204" pitchFamily="18" charset="0"/>
+                        <a:ea typeface="MS Mincho" panose="02020609040205080304" pitchFamily="49" charset="-128"/>
+                        <a:cs typeface="Times New Roman" panose="02020603050405020304" pitchFamily="18" charset="0"/>
+                      </a:endParaRPr>
+                    </a:p>
+                  </a:txBody>
+                  <a:tcPr marL="68580" marR="68580" marT="0" marB="0"/>
+                </a:tc>
+                <a:tc>
+                  <a:txBody>
+                    <a:bodyPr/>
+                    <a:lstStyle/>
+                    <a:p>
+                      <a:pPr>
+                        <a:spcAft>
+                          <a:spcPts val="0"/>
+                        </a:spcAft>
+                      </a:pPr>
+                      <a:r>
+                        <a:rPr lang="de-DE" sz="1200">
+                          <a:effectLst/>
+                        </a:rPr>
+                        <a:t>40 % der UCs realisiert und getestet</a:t>
+                      </a:r>
+                      <a:endParaRPr lang="de-CH" sz="1200">
+                        <a:effectLst/>
+                        <a:latin typeface="Cambria" panose="02040503050406030204" pitchFamily="18" charset="0"/>
+                        <a:ea typeface="MS Mincho" panose="02020609040205080304" pitchFamily="49" charset="-128"/>
+                        <a:cs typeface="Times New Roman" panose="02020603050405020304" pitchFamily="18" charset="0"/>
+                      </a:endParaRPr>
+                    </a:p>
+                  </a:txBody>
+                  <a:tcPr marL="68580" marR="68580" marT="0" marB="0"/>
+                </a:tc>
+              </a:tr>
+              <a:tr h="231184">
+                <a:tc>
+                  <a:txBody>
+                    <a:bodyPr/>
+                    <a:lstStyle/>
+                    <a:p>
+                      <a:pPr>
+                        <a:spcAft>
+                          <a:spcPts val="0"/>
+                        </a:spcAft>
+                      </a:pPr>
+                      <a:r>
+                        <a:rPr lang="de-DE" sz="1200">
+                          <a:effectLst/>
+                        </a:rPr>
+                        <a:t> </a:t>
+                      </a:r>
+                      <a:endParaRPr lang="de-CH" sz="1200">
+                        <a:effectLst/>
+                        <a:latin typeface="Cambria" panose="02040503050406030204" pitchFamily="18" charset="0"/>
+                        <a:ea typeface="MS Mincho" panose="02020609040205080304" pitchFamily="49" charset="-128"/>
+                        <a:cs typeface="Times New Roman" panose="02020603050405020304" pitchFamily="18" charset="0"/>
+                      </a:endParaRPr>
+                    </a:p>
+                  </a:txBody>
+                  <a:tcPr marL="68580" marR="68580" marT="0" marB="0"/>
+                </a:tc>
+                <a:tc>
+                  <a:txBody>
+                    <a:bodyPr/>
+                    <a:lstStyle/>
+                    <a:p>
+                      <a:pPr>
+                        <a:spcAft>
+                          <a:spcPts val="0"/>
+                        </a:spcAft>
+                      </a:pPr>
+                      <a:r>
+                        <a:rPr lang="de-DE" sz="1200">
+                          <a:effectLst/>
+                        </a:rPr>
+                        <a:t>9</a:t>
+                      </a:r>
+                      <a:endParaRPr lang="de-CH" sz="1200">
+                        <a:effectLst/>
+                        <a:latin typeface="Cambria" panose="02040503050406030204" pitchFamily="18" charset="0"/>
+                        <a:ea typeface="MS Mincho" panose="02020609040205080304" pitchFamily="49" charset="-128"/>
+                        <a:cs typeface="Times New Roman" panose="02020603050405020304" pitchFamily="18" charset="0"/>
+                      </a:endParaRPr>
+                    </a:p>
+                  </a:txBody>
+                  <a:tcPr marL="68580" marR="68580" marT="0" marB="0"/>
+                </a:tc>
+                <a:tc>
+                  <a:txBody>
+                    <a:bodyPr/>
+                    <a:lstStyle/>
+                    <a:p>
+                      <a:pPr>
+                        <a:spcAft>
+                          <a:spcPts val="0"/>
+                        </a:spcAft>
+                      </a:pPr>
+                      <a:r>
+                        <a:rPr lang="de-DE" sz="1200">
+                          <a:effectLst/>
+                        </a:rPr>
+                        <a:t>70 % der UCs realisiert und getestet</a:t>
+                      </a:r>
+                      <a:endParaRPr lang="de-CH" sz="1200">
+                        <a:effectLst/>
+                        <a:latin typeface="Cambria" panose="02040503050406030204" pitchFamily="18" charset="0"/>
+                        <a:ea typeface="MS Mincho" panose="02020609040205080304" pitchFamily="49" charset="-128"/>
+                        <a:cs typeface="Times New Roman" panose="02020603050405020304" pitchFamily="18" charset="0"/>
+                      </a:endParaRPr>
+                    </a:p>
+                  </a:txBody>
+                  <a:tcPr marL="68580" marR="68580" marT="0" marB="0"/>
+                </a:tc>
+              </a:tr>
+              <a:tr h="231184">
+                <a:tc>
+                  <a:txBody>
+                    <a:bodyPr/>
+                    <a:lstStyle/>
+                    <a:p>
+                      <a:pPr>
+                        <a:spcAft>
+                          <a:spcPts val="0"/>
+                        </a:spcAft>
+                      </a:pPr>
+                      <a:r>
+                        <a:rPr lang="de-DE" sz="1200">
+                          <a:effectLst/>
+                        </a:rPr>
+                        <a:t> </a:t>
+                      </a:r>
+                      <a:endParaRPr lang="de-CH" sz="1200">
+                        <a:effectLst/>
+                        <a:latin typeface="Cambria" panose="02040503050406030204" pitchFamily="18" charset="0"/>
+                        <a:ea typeface="MS Mincho" panose="02020609040205080304" pitchFamily="49" charset="-128"/>
+                        <a:cs typeface="Times New Roman" panose="02020603050405020304" pitchFamily="18" charset="0"/>
+                      </a:endParaRPr>
+                    </a:p>
+                  </a:txBody>
+                  <a:tcPr marL="68580" marR="68580" marT="0" marB="0"/>
+                </a:tc>
+                <a:tc>
+                  <a:txBody>
+                    <a:bodyPr/>
+                    <a:lstStyle/>
+                    <a:p>
+                      <a:pPr>
+                        <a:spcAft>
+                          <a:spcPts val="0"/>
+                        </a:spcAft>
+                      </a:pPr>
+                      <a:r>
+                        <a:rPr lang="de-DE" sz="1200">
+                          <a:effectLst/>
+                        </a:rPr>
+                        <a:t>10</a:t>
+                      </a:r>
+                      <a:endParaRPr lang="de-CH" sz="1200">
+                        <a:effectLst/>
+                        <a:latin typeface="Cambria" panose="02040503050406030204" pitchFamily="18" charset="0"/>
+                        <a:ea typeface="MS Mincho" panose="02020609040205080304" pitchFamily="49" charset="-128"/>
+                        <a:cs typeface="Times New Roman" panose="02020603050405020304" pitchFamily="18" charset="0"/>
+                      </a:endParaRPr>
+                    </a:p>
+                  </a:txBody>
+                  <a:tcPr marL="68580" marR="68580" marT="0" marB="0"/>
+                </a:tc>
+                <a:tc>
+                  <a:txBody>
+                    <a:bodyPr/>
+                    <a:lstStyle/>
+                    <a:p>
+                      <a:pPr>
+                        <a:spcAft>
+                          <a:spcPts val="0"/>
+                        </a:spcAft>
+                      </a:pPr>
+                      <a:r>
+                        <a:rPr lang="de-DE" sz="1200">
+                          <a:effectLst/>
+                        </a:rPr>
+                        <a:t>85 % der UCs realisiert und getestet</a:t>
+                      </a:r>
+                      <a:endParaRPr lang="de-CH" sz="1200">
+                        <a:effectLst/>
+                        <a:latin typeface="Cambria" panose="02040503050406030204" pitchFamily="18" charset="0"/>
+                        <a:ea typeface="MS Mincho" panose="02020609040205080304" pitchFamily="49" charset="-128"/>
+                        <a:cs typeface="Times New Roman" panose="02020603050405020304" pitchFamily="18" charset="0"/>
+                      </a:endParaRPr>
+                    </a:p>
+                  </a:txBody>
+                  <a:tcPr marL="68580" marR="68580" marT="0" marB="0"/>
+                </a:tc>
+              </a:tr>
+              <a:tr h="231184">
+                <a:tc>
+                  <a:txBody>
+                    <a:bodyPr/>
+                    <a:lstStyle/>
+                    <a:p>
+                      <a:pPr>
+                        <a:spcAft>
+                          <a:spcPts val="0"/>
+                        </a:spcAft>
+                      </a:pPr>
+                      <a:r>
+                        <a:rPr lang="de-DE" sz="1200">
+                          <a:effectLst/>
+                        </a:rPr>
+                        <a:t> </a:t>
+                      </a:r>
+                      <a:endParaRPr lang="de-CH" sz="1200">
+                        <a:effectLst/>
+                        <a:latin typeface="Cambria" panose="02040503050406030204" pitchFamily="18" charset="0"/>
+                        <a:ea typeface="MS Mincho" panose="02020609040205080304" pitchFamily="49" charset="-128"/>
+                        <a:cs typeface="Times New Roman" panose="02020603050405020304" pitchFamily="18" charset="0"/>
+                      </a:endParaRPr>
+                    </a:p>
+                  </a:txBody>
+                  <a:tcPr marL="68580" marR="68580" marT="0" marB="0"/>
+                </a:tc>
+                <a:tc>
+                  <a:txBody>
+                    <a:bodyPr/>
+                    <a:lstStyle/>
+                    <a:p>
+                      <a:pPr>
+                        <a:spcAft>
+                          <a:spcPts val="0"/>
+                        </a:spcAft>
+                      </a:pPr>
+                      <a:r>
+                        <a:rPr lang="de-DE" sz="1200">
+                          <a:effectLst/>
+                        </a:rPr>
+                        <a:t>11</a:t>
+                      </a:r>
+                      <a:endParaRPr lang="de-CH" sz="1200">
+                        <a:effectLst/>
+                        <a:latin typeface="Cambria" panose="02040503050406030204" pitchFamily="18" charset="0"/>
+                        <a:ea typeface="MS Mincho" panose="02020609040205080304" pitchFamily="49" charset="-128"/>
+                        <a:cs typeface="Times New Roman" panose="02020603050405020304" pitchFamily="18" charset="0"/>
+                      </a:endParaRPr>
+                    </a:p>
+                  </a:txBody>
+                  <a:tcPr marL="68580" marR="68580" marT="0" marB="0"/>
+                </a:tc>
+                <a:tc>
+                  <a:txBody>
+                    <a:bodyPr/>
+                    <a:lstStyle/>
+                    <a:p>
+                      <a:pPr>
+                        <a:spcAft>
+                          <a:spcPts val="0"/>
+                        </a:spcAft>
+                      </a:pPr>
+                      <a:r>
+                        <a:rPr lang="de-DE" sz="1200">
+                          <a:effectLst/>
+                        </a:rPr>
+                        <a:t>100 % der UCs realisiert und getestet, UI fertig</a:t>
+                      </a:r>
+                      <a:endParaRPr lang="de-CH" sz="1200">
+                        <a:effectLst/>
+                        <a:latin typeface="Cambria" panose="02040503050406030204" pitchFamily="18" charset="0"/>
+                        <a:ea typeface="MS Mincho" panose="02020609040205080304" pitchFamily="49" charset="-128"/>
+                        <a:cs typeface="Times New Roman" panose="02020603050405020304" pitchFamily="18" charset="0"/>
+                      </a:endParaRPr>
+                    </a:p>
+                  </a:txBody>
+                  <a:tcPr marL="68580" marR="68580" marT="0" marB="0"/>
+                </a:tc>
+              </a:tr>
+              <a:tr h="231184">
+                <a:tc>
+                  <a:txBody>
+                    <a:bodyPr/>
+                    <a:lstStyle/>
+                    <a:p>
+                      <a:pPr>
+                        <a:spcAft>
+                          <a:spcPts val="0"/>
+                        </a:spcAft>
+                      </a:pPr>
+                      <a:r>
+                        <a:rPr lang="de-DE" sz="1200">
+                          <a:effectLst/>
+                        </a:rPr>
+                        <a:t>Transition</a:t>
+                      </a:r>
+                      <a:endParaRPr lang="de-CH" sz="1200">
+                        <a:effectLst/>
+                        <a:latin typeface="Cambria" panose="02040503050406030204" pitchFamily="18" charset="0"/>
+                        <a:ea typeface="MS Mincho" panose="02020609040205080304" pitchFamily="49" charset="-128"/>
+                        <a:cs typeface="Times New Roman" panose="02020603050405020304" pitchFamily="18" charset="0"/>
+                      </a:endParaRPr>
+                    </a:p>
+                  </a:txBody>
+                  <a:tcPr marL="68580" marR="68580" marT="0" marB="0"/>
+                </a:tc>
+                <a:tc>
+                  <a:txBody>
+                    <a:bodyPr/>
+                    <a:lstStyle/>
+                    <a:p>
+                      <a:pPr>
+                        <a:spcAft>
+                          <a:spcPts val="0"/>
+                        </a:spcAft>
+                      </a:pPr>
+                      <a:r>
+                        <a:rPr lang="de-DE" sz="1200">
+                          <a:effectLst/>
+                        </a:rPr>
+                        <a:t>12</a:t>
+                      </a:r>
+                      <a:endParaRPr lang="de-CH" sz="1200">
+                        <a:effectLst/>
+                        <a:latin typeface="Cambria" panose="02040503050406030204" pitchFamily="18" charset="0"/>
+                        <a:ea typeface="MS Mincho" panose="02020609040205080304" pitchFamily="49" charset="-128"/>
+                        <a:cs typeface="Times New Roman" panose="02020603050405020304" pitchFamily="18" charset="0"/>
+                      </a:endParaRPr>
+                    </a:p>
+                  </a:txBody>
+                  <a:tcPr marL="68580" marR="68580" marT="0" marB="0"/>
+                </a:tc>
+                <a:tc>
+                  <a:txBody>
+                    <a:bodyPr/>
+                    <a:lstStyle/>
+                    <a:p>
+                      <a:pPr>
+                        <a:spcAft>
+                          <a:spcPts val="0"/>
+                        </a:spcAft>
+                      </a:pPr>
+                      <a:r>
+                        <a:rPr lang="de-DE" sz="1200">
+                          <a:effectLst/>
+                        </a:rPr>
+                        <a:t>Systemtest und Dokumentation </a:t>
+                      </a:r>
+                      <a:endParaRPr lang="de-CH" sz="1200">
+                        <a:effectLst/>
+                        <a:latin typeface="Cambria" panose="02040503050406030204" pitchFamily="18" charset="0"/>
+                        <a:ea typeface="MS Mincho" panose="02020609040205080304" pitchFamily="49" charset="-128"/>
+                        <a:cs typeface="Times New Roman" panose="02020603050405020304" pitchFamily="18" charset="0"/>
+                      </a:endParaRPr>
+                    </a:p>
+                  </a:txBody>
+                  <a:tcPr marL="68580" marR="68580" marT="0" marB="0"/>
+                </a:tc>
+              </a:tr>
+              <a:tr h="231184">
+                <a:tc>
+                  <a:txBody>
+                    <a:bodyPr/>
+                    <a:lstStyle/>
+                    <a:p>
+                      <a:pPr>
+                        <a:spcAft>
+                          <a:spcPts val="0"/>
+                        </a:spcAft>
+                      </a:pPr>
+                      <a:r>
+                        <a:rPr lang="de-DE" sz="1200">
+                          <a:effectLst/>
+                        </a:rPr>
+                        <a:t> </a:t>
+                      </a:r>
+                      <a:endParaRPr lang="de-CH" sz="1200">
+                        <a:effectLst/>
+                        <a:latin typeface="Cambria" panose="02040503050406030204" pitchFamily="18" charset="0"/>
+                        <a:ea typeface="MS Mincho" panose="02020609040205080304" pitchFamily="49" charset="-128"/>
+                        <a:cs typeface="Times New Roman" panose="02020603050405020304" pitchFamily="18" charset="0"/>
+                      </a:endParaRPr>
+                    </a:p>
+                  </a:txBody>
+                  <a:tcPr marL="68580" marR="68580" marT="0" marB="0"/>
+                </a:tc>
+                <a:tc>
+                  <a:txBody>
+                    <a:bodyPr/>
+                    <a:lstStyle/>
+                    <a:p>
+                      <a:pPr>
+                        <a:spcAft>
+                          <a:spcPts val="0"/>
+                        </a:spcAft>
+                      </a:pPr>
+                      <a:r>
+                        <a:rPr lang="de-DE" sz="1200">
+                          <a:effectLst/>
+                        </a:rPr>
+                        <a:t>13</a:t>
+                      </a:r>
+                      <a:endParaRPr lang="de-CH" sz="1200">
+                        <a:effectLst/>
+                        <a:latin typeface="Cambria" panose="02040503050406030204" pitchFamily="18" charset="0"/>
+                        <a:ea typeface="MS Mincho" panose="02020609040205080304" pitchFamily="49" charset="-128"/>
+                        <a:cs typeface="Times New Roman" panose="02020603050405020304" pitchFamily="18" charset="0"/>
+                      </a:endParaRPr>
+                    </a:p>
+                  </a:txBody>
+                  <a:tcPr marL="68580" marR="68580" marT="0" marB="0"/>
+                </a:tc>
+                <a:tc>
+                  <a:txBody>
+                    <a:bodyPr/>
+                    <a:lstStyle/>
+                    <a:p>
+                      <a:pPr>
+                        <a:spcAft>
+                          <a:spcPts val="0"/>
+                        </a:spcAft>
+                      </a:pPr>
+                      <a:r>
+                        <a:rPr lang="de-DE" sz="1200" dirty="0">
+                          <a:effectLst/>
+                        </a:rPr>
+                        <a:t>Schlusspräsentation</a:t>
+                      </a:r>
+                      <a:endParaRPr lang="de-CH" sz="1200" dirty="0">
+                        <a:effectLst/>
+                        <a:latin typeface="Cambria" panose="02040503050406030204" pitchFamily="18" charset="0"/>
+                        <a:ea typeface="MS Mincho" panose="02020609040205080304" pitchFamily="49" charset="-128"/>
+                        <a:cs typeface="Times New Roman" panose="02020603050405020304" pitchFamily="18" charset="0"/>
+                      </a:endParaRPr>
+                    </a:p>
+                  </a:txBody>
+                  <a:tcPr marL="68580" marR="68580" marT="0" marB="0"/>
+                </a:tc>
+              </a:tr>
+            </a:tbl>
+          </a:graphicData>
+        </a:graphic>
+      </p:graphicFrame>
+    </p:spTree>
+    <p:extLst>
+      <p:ext uri="{BB962C8B-B14F-4D97-AF65-F5344CB8AC3E}">
+        <p14:creationId xmlns:p14="http://schemas.microsoft.com/office/powerpoint/2010/main" val="4126107018"/>
+      </p:ext>
+    </p:extLst>
+  </p:cSld>
+  <p:clrMapOvr>
+    <a:masterClrMapping/>
+  </p:clrMapOvr>
+  <mc:AlternateContent xmlns:mc="http://schemas.openxmlformats.org/markup-compatibility/2006" xmlns:p14="http://schemas.microsoft.com/office/powerpoint/2010/main">
+    <mc:Choice Requires="p14">
+      <p:transition spd="slow" p14:dur="2000"/>
+    </mc:Choice>
+    <mc:Fallback xmlns="">
+      <p:transition xmlns:p14="http://schemas.microsoft.com/office/powerpoint/2010/main" spd="slow"/>
+    </mc:Fallback>
+  </mc:AlternateContent>
+  <p:timing>
+    <p:tnLst>
+      <p:par>
+        <p:cTn id="1" dur="indefinite" restart="never" nodeType="tmRoot"/>
+      </p:par>
+    </p:tnLst>
+  </p:timing>
+</p:sld>
+</file>
+
+<file path=ppt/slides/slide8.xml><?xml version="1.0" encoding="utf-8"?>
+<p:sld xmlns:a="http://schemas.openxmlformats.org/drawingml/2006/main" xmlns:r="http://schemas.openxmlformats.org/officeDocument/2006/relationships" xmlns:p="http://schemas.openxmlformats.org/presentationml/2006/main">
+  <p:cSld>
+    <p:spTree>
+      <p:nvGrpSpPr>
+        <p:cNvPr id="1" name=""/>
+        <p:cNvGrpSpPr/>
+        <p:nvPr/>
+      </p:nvGrpSpPr>
+      <p:grpSpPr>
+        <a:xfrm>
+          <a:off x="0" y="0"/>
+          <a:ext cx="0" cy="0"/>
+          <a:chOff x="0" y="0"/>
+          <a:chExt cx="0" cy="0"/>
+        </a:xfrm>
+      </p:grpSpPr>
+      <p:sp>
+        <p:nvSpPr>
+          <p:cNvPr id="2" name="Titel 1"/>
+          <p:cNvSpPr>
+            <a:spLocks noGrp="1"/>
+          </p:cNvSpPr>
+          <p:nvPr>
+            <p:ph type="title"/>
+          </p:nvPr>
+        </p:nvSpPr>
+        <p:spPr/>
+        <p:txBody>
+          <a:bodyPr/>
+          <a:lstStyle/>
+          <a:p>
+            <a:r>
               <a:rPr lang="de-DE" dirty="0" smtClean="0"/>
               <a:t>Kundennutzen</a:t>
             </a:r>
@@ -5925,21 +7055,107 @@
   <p:clrMapOvr>
     <a:masterClrMapping/>
   </p:clrMapOvr>
-  <mc:AlternateContent xmlns:mc="http://schemas.openxmlformats.org/markup-compatibility/2006">
-    <mc:Choice xmlns:p14="http://schemas.microsoft.com/office/powerpoint/2010/main" Requires="p14">
+  <mc:AlternateContent xmlns:mc="http://schemas.openxmlformats.org/markup-compatibility/2006" xmlns:p14="http://schemas.microsoft.com/office/powerpoint/2010/main">
+    <mc:Choice Requires="p14">
       <p:transition spd="slow" p14:dur="2000"/>
     </mc:Choice>
-    <mc:Fallback>
+    <mc:Fallback xmlns="">
       <p:transition xmlns:p14="http://schemas.microsoft.com/office/powerpoint/2010/main" spd="slow"/>
     </mc:Fallback>
   </mc:AlternateContent>
   <p:timing>
     <p:tnLst>
       <p:par>
-        <p:cTn xmlns:p14="http://schemas.microsoft.com/office/powerpoint/2010/main" id="1" dur="indefinite" restart="never" nodeType="tmRoot"/>
+        <p:cTn id="1" dur="indefinite" restart="never" nodeType="tmRoot"/>
       </p:par>
     </p:tnLst>
   </p:timing>
+</p:sld>
+</file>
+
+<file path=ppt/slides/slide9.xml><?xml version="1.0" encoding="utf-8"?>
+<p:sld xmlns:a="http://schemas.openxmlformats.org/drawingml/2006/main" xmlns:r="http://schemas.openxmlformats.org/officeDocument/2006/relationships" xmlns:p="http://schemas.openxmlformats.org/presentationml/2006/main">
+  <p:cSld>
+    <p:spTree>
+      <p:nvGrpSpPr>
+        <p:cNvPr id="1" name=""/>
+        <p:cNvGrpSpPr/>
+        <p:nvPr/>
+      </p:nvGrpSpPr>
+      <p:grpSpPr>
+        <a:xfrm>
+          <a:off x="0" y="0"/>
+          <a:ext cx="0" cy="0"/>
+          <a:chOff x="0" y="0"/>
+          <a:chExt cx="0" cy="0"/>
+        </a:xfrm>
+      </p:grpSpPr>
+      <p:sp>
+        <p:nvSpPr>
+          <p:cNvPr id="2" name="Title 1"/>
+          <p:cNvSpPr>
+            <a:spLocks noGrp="1"/>
+          </p:cNvSpPr>
+          <p:nvPr>
+            <p:ph type="title"/>
+          </p:nvPr>
+        </p:nvSpPr>
+        <p:spPr>
+          <a:xfrm>
+            <a:off x="1727944" y="301625"/>
+            <a:ext cx="7844681" cy="1260475"/>
+          </a:xfrm>
+        </p:spPr>
+        <p:txBody>
+          <a:bodyPr/>
+          <a:lstStyle/>
+          <a:p>
+            <a:r>
+              <a:rPr lang="de-CH" dirty="0" smtClean="0"/>
+              <a:t>Wirtschaftlichkeit</a:t>
+            </a:r>
+            <a:endParaRPr lang="de-CH" dirty="0"/>
+          </a:p>
+        </p:txBody>
+      </p:sp>
+      <p:sp>
+        <p:nvSpPr>
+          <p:cNvPr id="3" name="Content Placeholder 2"/>
+          <p:cNvSpPr>
+            <a:spLocks noGrp="1"/>
+          </p:cNvSpPr>
+          <p:nvPr>
+            <p:ph idx="1"/>
+          </p:nvPr>
+        </p:nvSpPr>
+        <p:spPr>
+          <a:xfrm>
+            <a:off x="1727944" y="1768475"/>
+            <a:ext cx="7844681" cy="4987925"/>
+          </a:xfrm>
+        </p:spPr>
+        <p:txBody>
+          <a:bodyPr/>
+          <a:lstStyle/>
+          <a:p>
+            <a:pPr marL="457200" indent="-457200">
+              <a:buFont typeface="Arial" panose="020B0604020202020204" pitchFamily="34" charset="0"/>
+              <a:buChar char="•"/>
+            </a:pPr>
+            <a:endParaRPr lang="de-CH" dirty="0"/>
+          </a:p>
+        </p:txBody>
+      </p:sp>
+    </p:spTree>
+    <p:extLst>
+      <p:ext uri="{BB962C8B-B14F-4D97-AF65-F5344CB8AC3E}">
+        <p14:creationId xmlns:p14="http://schemas.microsoft.com/office/powerpoint/2010/main" val="303706923"/>
+      </p:ext>
+    </p:extLst>
+  </p:cSld>
+  <p:clrMapOvr>
+    <a:masterClrMapping/>
+  </p:clrMapOvr>
 </p:sld>
 </file>
 
@@ -6189,7 +7405,7 @@
         <a:effectLst/>
         <a:extLst>
           <a:ext uri="{AF507438-7753-43e0-B8FC-AC1667EBCBE1}">
-            <a14:hiddenEffects xmlns:a14="http://schemas.microsoft.com/office/drawing/2010/main">
+            <a14:hiddenEffects xmlns:a14="http://schemas.microsoft.com/office/drawing/2010/main" xmlns="">
               <a:effectLst>
                 <a:outerShdw blurRad="63500" dist="38099" dir="2700000" algn="ctr" rotWithShape="0">
                   <a:schemeClr val="bg2">
@@ -6265,7 +7481,7 @@
         <a:effectLst/>
         <a:extLst>
           <a:ext uri="{AF507438-7753-43e0-B8FC-AC1667EBCBE1}">
-            <a14:hiddenEffects xmlns:a14="http://schemas.microsoft.com/office/drawing/2010/main">
+            <a14:hiddenEffects xmlns:a14="http://schemas.microsoft.com/office/drawing/2010/main" xmlns="">
               <a:effectLst>
                 <a:outerShdw blurRad="63500" dist="38099" dir="2700000" algn="ctr" rotWithShape="0">
                   <a:schemeClr val="bg2">

--- a/Planung/projektskizze_nad.pptx
+++ b/Planung/projektskizze_nad.pptx
@@ -268,14 +268,14 @@
           <a:effectLst/>
           <a:extLst>
             <a:ext uri="{909E8E84-426E-40dd-AFC4-6F175D3DCCD1}">
-              <a14:hiddenFill xmlns:a14="http://schemas.microsoft.com/office/drawing/2010/main" xmlns="">
+              <a14:hiddenFill xmlns="" xmlns:a14="http://schemas.microsoft.com/office/drawing/2010/main">
                 <a:solidFill>
                   <a:srgbClr val="FFFFFF"/>
                 </a:solidFill>
               </a14:hiddenFill>
             </a:ext>
             <a:ext uri="{91240B29-F687-4f45-9708-019B960494DF}">
-              <a14:hiddenLine xmlns:a14="http://schemas.microsoft.com/office/drawing/2010/main" xmlns="" w="9525">
+              <a14:hiddenLine xmlns="" xmlns:a14="http://schemas.microsoft.com/office/drawing/2010/main" w="9525">
                 <a:solidFill>
                   <a:srgbClr val="808080"/>
                 </a:solidFill>
@@ -285,7 +285,7 @@
               </a14:hiddenLine>
             </a:ext>
             <a:ext uri="{AF507438-7753-43e0-B8FC-AC1667EBCBE1}">
-              <a14:hiddenEffects xmlns:a14="http://schemas.microsoft.com/office/drawing/2010/main" xmlns="">
+              <a14:hiddenEffects xmlns="" xmlns:a14="http://schemas.microsoft.com/office/drawing/2010/main">
                 <a:effectLst>
                   <a:outerShdw blurRad="63500" dist="38099" dir="2700000" algn="ctr" rotWithShape="0">
                     <a:schemeClr val="bg2">
@@ -296,7 +296,7 @@
               </a14:hiddenEffects>
             </a:ext>
             <a:ext uri="{FAA26D3D-D897-4be2-8F04-BA451C77F1D7}">
-              <ma14:placeholderFlag xmlns:ma14="http://schemas.microsoft.com/office/mac/drawingml/2011/main" xmlns="" val="1"/>
+              <ma14:placeholderFlag xmlns="" xmlns:ma14="http://schemas.microsoft.com/office/mac/drawingml/2011/main" val="1"/>
             </a:ext>
           </a:extLst>
         </p:spPr>
@@ -326,14 +326,14 @@
           <a:effectLst/>
           <a:extLst>
             <a:ext uri="{909E8E84-426E-40dd-AFC4-6F175D3DCCD1}">
-              <a14:hiddenFill xmlns:a14="http://schemas.microsoft.com/office/drawing/2010/main" xmlns="">
+              <a14:hiddenFill xmlns="" xmlns:a14="http://schemas.microsoft.com/office/drawing/2010/main">
                 <a:solidFill>
                   <a:srgbClr val="FFFFFF"/>
                 </a:solidFill>
               </a14:hiddenFill>
             </a:ext>
             <a:ext uri="{91240B29-F687-4f45-9708-019B960494DF}">
-              <a14:hiddenLine xmlns:a14="http://schemas.microsoft.com/office/drawing/2010/main" xmlns="" w="9525">
+              <a14:hiddenLine xmlns="" xmlns:a14="http://schemas.microsoft.com/office/drawing/2010/main" w="9525">
                 <a:solidFill>
                   <a:srgbClr val="808080"/>
                 </a:solidFill>
@@ -343,7 +343,7 @@
               </a14:hiddenLine>
             </a:ext>
             <a:ext uri="{AF507438-7753-43e0-B8FC-AC1667EBCBE1}">
-              <a14:hiddenEffects xmlns:a14="http://schemas.microsoft.com/office/drawing/2010/main" xmlns="">
+              <a14:hiddenEffects xmlns="" xmlns:a14="http://schemas.microsoft.com/office/drawing/2010/main">
                 <a:effectLst>
                   <a:outerShdw blurRad="63500" dist="38099" dir="2700000" algn="ctr" rotWithShape="0">
                     <a:schemeClr val="bg2">
@@ -354,7 +354,7 @@
               </a14:hiddenEffects>
             </a:ext>
             <a:ext uri="{FAA26D3D-D897-4be2-8F04-BA451C77F1D7}">
-              <ma14:placeholderFlag xmlns:ma14="http://schemas.microsoft.com/office/mac/drawingml/2011/main" xmlns="" val="1"/>
+              <ma14:placeholderFlag xmlns="" xmlns:ma14="http://schemas.microsoft.com/office/mac/drawingml/2011/main" val="1"/>
             </a:ext>
           </a:extLst>
         </p:spPr>
@@ -396,14 +396,14 @@
           <a:effectLst/>
           <a:extLst>
             <a:ext uri="{909E8E84-426E-40dd-AFC4-6F175D3DCCD1}">
-              <a14:hiddenFill xmlns:a14="http://schemas.microsoft.com/office/drawing/2010/main" xmlns="">
+              <a14:hiddenFill xmlns="" xmlns:a14="http://schemas.microsoft.com/office/drawing/2010/main">
                 <a:solidFill>
                   <a:srgbClr val="FFFFFF"/>
                 </a:solidFill>
               </a14:hiddenFill>
             </a:ext>
             <a:ext uri="{91240B29-F687-4f45-9708-019B960494DF}">
-              <a14:hiddenLine xmlns:a14="http://schemas.microsoft.com/office/drawing/2010/main" xmlns="" w="9525">
+              <a14:hiddenLine xmlns="" xmlns:a14="http://schemas.microsoft.com/office/drawing/2010/main" w="9525">
                 <a:solidFill>
                   <a:srgbClr val="808080"/>
                 </a:solidFill>
@@ -413,7 +413,7 @@
               </a14:hiddenLine>
             </a:ext>
             <a:ext uri="{AF507438-7753-43e0-B8FC-AC1667EBCBE1}">
-              <a14:hiddenEffects xmlns:a14="http://schemas.microsoft.com/office/drawing/2010/main" xmlns="">
+              <a14:hiddenEffects xmlns="" xmlns:a14="http://schemas.microsoft.com/office/drawing/2010/main">
                 <a:effectLst>
                   <a:outerShdw blurRad="63500" dist="38099" dir="2700000" algn="ctr" rotWithShape="0">
                     <a:schemeClr val="bg2">
@@ -424,7 +424,7 @@
               </a14:hiddenEffects>
             </a:ext>
             <a:ext uri="{FAA26D3D-D897-4be2-8F04-BA451C77F1D7}">
-              <ma14:placeholderFlag xmlns:ma14="http://schemas.microsoft.com/office/mac/drawingml/2011/main" xmlns="" val="1"/>
+              <ma14:placeholderFlag xmlns="" xmlns:ma14="http://schemas.microsoft.com/office/mac/drawingml/2011/main" val="1"/>
             </a:ext>
           </a:extLst>
         </p:spPr>
@@ -480,14 +480,14 @@
           <a:effectLst/>
           <a:extLst>
             <a:ext uri="{909E8E84-426E-40dd-AFC4-6F175D3DCCD1}">
-              <a14:hiddenFill xmlns:a14="http://schemas.microsoft.com/office/drawing/2010/main" xmlns="">
+              <a14:hiddenFill xmlns="" xmlns:a14="http://schemas.microsoft.com/office/drawing/2010/main">
                 <a:solidFill>
                   <a:srgbClr val="FFFFFF"/>
                 </a:solidFill>
               </a14:hiddenFill>
             </a:ext>
             <a:ext uri="{91240B29-F687-4f45-9708-019B960494DF}">
-              <a14:hiddenLine xmlns:a14="http://schemas.microsoft.com/office/drawing/2010/main" xmlns="" w="9525">
+              <a14:hiddenLine xmlns="" xmlns:a14="http://schemas.microsoft.com/office/drawing/2010/main" w="9525">
                 <a:solidFill>
                   <a:srgbClr val="808080"/>
                 </a:solidFill>
@@ -497,7 +497,7 @@
               </a14:hiddenLine>
             </a:ext>
             <a:ext uri="{AF507438-7753-43e0-B8FC-AC1667EBCBE1}">
-              <a14:hiddenEffects xmlns:a14="http://schemas.microsoft.com/office/drawing/2010/main" xmlns="">
+              <a14:hiddenEffects xmlns="" xmlns:a14="http://schemas.microsoft.com/office/drawing/2010/main">
                 <a:effectLst>
                   <a:outerShdw blurRad="63500" dist="38099" dir="2700000" algn="ctr" rotWithShape="0">
                     <a:schemeClr val="bg2">
@@ -508,7 +508,7 @@
               </a14:hiddenEffects>
             </a:ext>
             <a:ext uri="{FAA26D3D-D897-4be2-8F04-BA451C77F1D7}">
-              <ma14:placeholderFlag xmlns:ma14="http://schemas.microsoft.com/office/mac/drawingml/2011/main" xmlns="" val="1"/>
+              <ma14:placeholderFlag xmlns="" xmlns:ma14="http://schemas.microsoft.com/office/mac/drawingml/2011/main" val="1"/>
             </a:ext>
           </a:extLst>
         </p:spPr>
@@ -564,14 +564,14 @@
           <a:effectLst/>
           <a:extLst>
             <a:ext uri="{909E8E84-426E-40dd-AFC4-6F175D3DCCD1}">
-              <a14:hiddenFill xmlns:a14="http://schemas.microsoft.com/office/drawing/2010/main" xmlns="">
+              <a14:hiddenFill xmlns="" xmlns:a14="http://schemas.microsoft.com/office/drawing/2010/main">
                 <a:solidFill>
                   <a:srgbClr val="FFFFFF"/>
                 </a:solidFill>
               </a14:hiddenFill>
             </a:ext>
             <a:ext uri="{91240B29-F687-4f45-9708-019B960494DF}">
-              <a14:hiddenLine xmlns:a14="http://schemas.microsoft.com/office/drawing/2010/main" xmlns="" w="9525">
+              <a14:hiddenLine xmlns="" xmlns:a14="http://schemas.microsoft.com/office/drawing/2010/main" w="9525">
                 <a:solidFill>
                   <a:srgbClr val="808080"/>
                 </a:solidFill>
@@ -581,7 +581,7 @@
               </a14:hiddenLine>
             </a:ext>
             <a:ext uri="{AF507438-7753-43e0-B8FC-AC1667EBCBE1}">
-              <a14:hiddenEffects xmlns:a14="http://schemas.microsoft.com/office/drawing/2010/main" xmlns="">
+              <a14:hiddenEffects xmlns="" xmlns:a14="http://schemas.microsoft.com/office/drawing/2010/main">
                 <a:effectLst>
                   <a:outerShdw blurRad="63500" dist="38099" dir="2700000" algn="ctr" rotWithShape="0">
                     <a:schemeClr val="bg2">
@@ -592,7 +592,7 @@
               </a14:hiddenEffects>
             </a:ext>
             <a:ext uri="{FAA26D3D-D897-4be2-8F04-BA451C77F1D7}">
-              <ma14:placeholderFlag xmlns:ma14="http://schemas.microsoft.com/office/mac/drawingml/2011/main" xmlns="" val="1"/>
+              <ma14:placeholderFlag xmlns="" xmlns:ma14="http://schemas.microsoft.com/office/mac/drawingml/2011/main" val="1"/>
             </a:ext>
           </a:extLst>
         </p:spPr>
@@ -648,14 +648,14 @@
           <a:effectLst/>
           <a:extLst>
             <a:ext uri="{909E8E84-426E-40dd-AFC4-6F175D3DCCD1}">
-              <a14:hiddenFill xmlns:a14="http://schemas.microsoft.com/office/drawing/2010/main" xmlns="">
+              <a14:hiddenFill xmlns="" xmlns:a14="http://schemas.microsoft.com/office/drawing/2010/main">
                 <a:solidFill>
                   <a:srgbClr val="FFFFFF"/>
                 </a:solidFill>
               </a14:hiddenFill>
             </a:ext>
             <a:ext uri="{91240B29-F687-4f45-9708-019B960494DF}">
-              <a14:hiddenLine xmlns:a14="http://schemas.microsoft.com/office/drawing/2010/main" xmlns="" w="9525">
+              <a14:hiddenLine xmlns="" xmlns:a14="http://schemas.microsoft.com/office/drawing/2010/main" w="9525">
                 <a:solidFill>
                   <a:srgbClr val="808080"/>
                 </a:solidFill>
@@ -665,7 +665,7 @@
               </a14:hiddenLine>
             </a:ext>
             <a:ext uri="{AF507438-7753-43e0-B8FC-AC1667EBCBE1}">
-              <a14:hiddenEffects xmlns:a14="http://schemas.microsoft.com/office/drawing/2010/main" xmlns="">
+              <a14:hiddenEffects xmlns="" xmlns:a14="http://schemas.microsoft.com/office/drawing/2010/main">
                 <a:effectLst>
                   <a:outerShdw blurRad="63500" dist="38099" dir="2700000" algn="ctr" rotWithShape="0">
                     <a:schemeClr val="bg2">
@@ -676,7 +676,7 @@
               </a14:hiddenEffects>
             </a:ext>
             <a:ext uri="{FAA26D3D-D897-4be2-8F04-BA451C77F1D7}">
-              <ma14:placeholderFlag xmlns:ma14="http://schemas.microsoft.com/office/mac/drawingml/2011/main" xmlns="" val="1"/>
+              <ma14:placeholderFlag xmlns="" xmlns:ma14="http://schemas.microsoft.com/office/mac/drawingml/2011/main" val="1"/>
             </a:ext>
           </a:extLst>
         </p:spPr>
@@ -952,7 +952,7 @@
           </a:ln>
           <a:extLst>
             <a:ext uri="{AF507438-7753-43e0-B8FC-AC1667EBCBE1}">
-              <a14:hiddenEffects xmlns:a14="http://schemas.microsoft.com/office/drawing/2010/main" xmlns="">
+              <a14:hiddenEffects xmlns="" xmlns:a14="http://schemas.microsoft.com/office/drawing/2010/main">
                 <a:effectLst>
                   <a:outerShdw blurRad="63500" dist="38099" dir="2700000" algn="ctr" rotWithShape="0">
                     <a:srgbClr val="000000">
@@ -987,14 +987,14 @@
           <a:ln/>
           <a:extLst>
             <a:ext uri="{909E8E84-426E-40dd-AFC4-6F175D3DCCD1}">
-              <a14:hiddenFill xmlns:a14="http://schemas.microsoft.com/office/drawing/2010/main" xmlns="">
+              <a14:hiddenFill xmlns="" xmlns:a14="http://schemas.microsoft.com/office/drawing/2010/main">
                 <a:solidFill>
                   <a:srgbClr val="FFFFFF"/>
                 </a:solidFill>
               </a14:hiddenFill>
             </a:ext>
             <a:ext uri="{91240B29-F687-4f45-9708-019B960494DF}">
-              <a14:hiddenLine xmlns:a14="http://schemas.microsoft.com/office/drawing/2010/main" xmlns="" w="9525">
+              <a14:hiddenLine xmlns="" xmlns:a14="http://schemas.microsoft.com/office/drawing/2010/main" w="9525">
                 <a:solidFill>
                   <a:srgbClr val="808080"/>
                 </a:solidFill>
@@ -1004,7 +1004,7 @@
               </a14:hiddenLine>
             </a:ext>
             <a:ext uri="{AF507438-7753-43e0-B8FC-AC1667EBCBE1}">
-              <a14:hiddenEffects xmlns:a14="http://schemas.microsoft.com/office/drawing/2010/main" xmlns="">
+              <a14:hiddenEffects xmlns="" xmlns:a14="http://schemas.microsoft.com/office/drawing/2010/main">
                 <a:effectLst>
                   <a:outerShdw blurRad="63500" dist="38099" dir="2700000" algn="ctr" rotWithShape="0">
                     <a:srgbClr val="000000">
@@ -3695,14 +3695,14 @@
           <a:effectLst/>
           <a:extLst>
             <a:ext uri="{909E8E84-426E-40dd-AFC4-6F175D3DCCD1}">
-              <a14:hiddenFill xmlns:a14="http://schemas.microsoft.com/office/drawing/2010/main" xmlns="">
+              <a14:hiddenFill xmlns="" xmlns:a14="http://schemas.microsoft.com/office/drawing/2010/main">
                 <a:solidFill>
                   <a:srgbClr val="FFFFFF"/>
                 </a:solidFill>
               </a14:hiddenFill>
             </a:ext>
             <a:ext uri="{91240B29-F687-4f45-9708-019B960494DF}">
-              <a14:hiddenLine xmlns:a14="http://schemas.microsoft.com/office/drawing/2010/main" xmlns="" w="9525">
+              <a14:hiddenLine xmlns="" xmlns:a14="http://schemas.microsoft.com/office/drawing/2010/main" w="9525">
                 <a:solidFill>
                   <a:srgbClr val="808080"/>
                 </a:solidFill>
@@ -3712,7 +3712,7 @@
               </a14:hiddenLine>
             </a:ext>
             <a:ext uri="{AF507438-7753-43e0-B8FC-AC1667EBCBE1}">
-              <a14:hiddenEffects xmlns:a14="http://schemas.microsoft.com/office/drawing/2010/main" xmlns="">
+              <a14:hiddenEffects xmlns="" xmlns:a14="http://schemas.microsoft.com/office/drawing/2010/main">
                 <a:effectLst>
                   <a:outerShdw blurRad="63500" dist="38099" dir="2700000" algn="ctr" rotWithShape="0">
                     <a:schemeClr val="bg2">
@@ -3723,7 +3723,7 @@
               </a14:hiddenEffects>
             </a:ext>
             <a:ext uri="{FAA26D3D-D897-4be2-8F04-BA451C77F1D7}">
-              <ma14:placeholderFlag xmlns:ma14="http://schemas.microsoft.com/office/mac/drawingml/2011/main" xmlns="" val="1"/>
+              <ma14:placeholderFlag xmlns="" xmlns:ma14="http://schemas.microsoft.com/office/mac/drawingml/2011/main" val="1"/>
             </a:ext>
           </a:extLst>
         </p:spPr>
@@ -3768,14 +3768,14 @@
           <a:effectLst/>
           <a:extLst>
             <a:ext uri="{909E8E84-426E-40dd-AFC4-6F175D3DCCD1}">
-              <a14:hiddenFill xmlns:a14="http://schemas.microsoft.com/office/drawing/2010/main" xmlns="">
+              <a14:hiddenFill xmlns="" xmlns:a14="http://schemas.microsoft.com/office/drawing/2010/main">
                 <a:solidFill>
                   <a:srgbClr val="FFFFFF"/>
                 </a:solidFill>
               </a14:hiddenFill>
             </a:ext>
             <a:ext uri="{91240B29-F687-4f45-9708-019B960494DF}">
-              <a14:hiddenLine xmlns:a14="http://schemas.microsoft.com/office/drawing/2010/main" xmlns="" w="9525">
+              <a14:hiddenLine xmlns="" xmlns:a14="http://schemas.microsoft.com/office/drawing/2010/main" w="9525">
                 <a:solidFill>
                   <a:srgbClr val="808080"/>
                 </a:solidFill>
@@ -3785,7 +3785,7 @@
               </a14:hiddenLine>
             </a:ext>
             <a:ext uri="{AF507438-7753-43e0-B8FC-AC1667EBCBE1}">
-              <a14:hiddenEffects xmlns:a14="http://schemas.microsoft.com/office/drawing/2010/main" xmlns="">
+              <a14:hiddenEffects xmlns="" xmlns:a14="http://schemas.microsoft.com/office/drawing/2010/main">
                 <a:effectLst>
                   <a:outerShdw blurRad="63500" dist="38099" dir="2700000" algn="ctr" rotWithShape="0">
                     <a:schemeClr val="bg2">
@@ -3796,7 +3796,7 @@
               </a14:hiddenEffects>
             </a:ext>
             <a:ext uri="{FAA26D3D-D897-4be2-8F04-BA451C77F1D7}">
-              <ma14:placeholderFlag xmlns:ma14="http://schemas.microsoft.com/office/mac/drawingml/2011/main" xmlns="" val="1"/>
+              <ma14:placeholderFlag xmlns="" xmlns:ma14="http://schemas.microsoft.com/office/mac/drawingml/2011/main" val="1"/>
             </a:ext>
           </a:extLst>
         </p:spPr>
@@ -3897,14 +3897,14 @@
           <a:effectLst/>
           <a:extLst>
             <a:ext uri="{909E8E84-426E-40dd-AFC4-6F175D3DCCD1}">
-              <a14:hiddenFill xmlns:a14="http://schemas.microsoft.com/office/drawing/2010/main" xmlns="">
+              <a14:hiddenFill xmlns="" xmlns:a14="http://schemas.microsoft.com/office/drawing/2010/main">
                 <a:solidFill>
                   <a:srgbClr val="FFFFFF"/>
                 </a:solidFill>
               </a14:hiddenFill>
             </a:ext>
             <a:ext uri="{91240B29-F687-4f45-9708-019B960494DF}">
-              <a14:hiddenLine xmlns:a14="http://schemas.microsoft.com/office/drawing/2010/main" xmlns="" w="9525">
+              <a14:hiddenLine xmlns="" xmlns:a14="http://schemas.microsoft.com/office/drawing/2010/main" w="9525">
                 <a:solidFill>
                   <a:srgbClr val="808080"/>
                 </a:solidFill>
@@ -3914,7 +3914,7 @@
               </a14:hiddenLine>
             </a:ext>
             <a:ext uri="{AF507438-7753-43e0-B8FC-AC1667EBCBE1}">
-              <a14:hiddenEffects xmlns:a14="http://schemas.microsoft.com/office/drawing/2010/main" xmlns="">
+              <a14:hiddenEffects xmlns="" xmlns:a14="http://schemas.microsoft.com/office/drawing/2010/main">
                 <a:effectLst>
                   <a:outerShdw blurRad="63500" dist="38099" dir="2700000" algn="ctr" rotWithShape="0">
                     <a:schemeClr val="bg2">
@@ -3925,7 +3925,7 @@
               </a14:hiddenEffects>
             </a:ext>
             <a:ext uri="{FAA26D3D-D897-4be2-8F04-BA451C77F1D7}">
-              <ma14:placeholderFlag xmlns:ma14="http://schemas.microsoft.com/office/mac/drawingml/2011/main" xmlns="" val="1"/>
+              <ma14:placeholderFlag xmlns="" xmlns:ma14="http://schemas.microsoft.com/office/mac/drawingml/2011/main" val="1"/>
             </a:ext>
           </a:extLst>
         </p:spPr>
@@ -3980,14 +3980,14 @@
           <a:effectLst/>
           <a:extLst>
             <a:ext uri="{909E8E84-426E-40dd-AFC4-6F175D3DCCD1}">
-              <a14:hiddenFill xmlns:a14="http://schemas.microsoft.com/office/drawing/2010/main" xmlns="">
+              <a14:hiddenFill xmlns="" xmlns:a14="http://schemas.microsoft.com/office/drawing/2010/main">
                 <a:solidFill>
                   <a:srgbClr val="FFFFFF"/>
                 </a:solidFill>
               </a14:hiddenFill>
             </a:ext>
             <a:ext uri="{91240B29-F687-4f45-9708-019B960494DF}">
-              <a14:hiddenLine xmlns:a14="http://schemas.microsoft.com/office/drawing/2010/main" xmlns="" w="9525">
+              <a14:hiddenLine xmlns="" xmlns:a14="http://schemas.microsoft.com/office/drawing/2010/main" w="9525">
                 <a:solidFill>
                   <a:srgbClr val="808080"/>
                 </a:solidFill>
@@ -3997,7 +3997,7 @@
               </a14:hiddenLine>
             </a:ext>
             <a:ext uri="{AF507438-7753-43e0-B8FC-AC1667EBCBE1}">
-              <a14:hiddenEffects xmlns:a14="http://schemas.microsoft.com/office/drawing/2010/main" xmlns="">
+              <a14:hiddenEffects xmlns="" xmlns:a14="http://schemas.microsoft.com/office/drawing/2010/main">
                 <a:effectLst>
                   <a:outerShdw blurRad="63500" dist="38099" dir="2700000" algn="ctr" rotWithShape="0">
                     <a:schemeClr val="bg2">
@@ -4008,7 +4008,7 @@
               </a14:hiddenEffects>
             </a:ext>
             <a:ext uri="{FAA26D3D-D897-4be2-8F04-BA451C77F1D7}">
-              <ma14:placeholderFlag xmlns:ma14="http://schemas.microsoft.com/office/mac/drawingml/2011/main" xmlns="" val="1"/>
+              <ma14:placeholderFlag xmlns="" xmlns:ma14="http://schemas.microsoft.com/office/mac/drawingml/2011/main" val="1"/>
             </a:ext>
           </a:extLst>
         </p:spPr>
@@ -4064,14 +4064,14 @@
           <a:effectLst/>
           <a:extLst>
             <a:ext uri="{909E8E84-426E-40dd-AFC4-6F175D3DCCD1}">
-              <a14:hiddenFill xmlns:a14="http://schemas.microsoft.com/office/drawing/2010/main" xmlns="">
+              <a14:hiddenFill xmlns="" xmlns:a14="http://schemas.microsoft.com/office/drawing/2010/main">
                 <a:solidFill>
                   <a:srgbClr val="FFFFFF"/>
                 </a:solidFill>
               </a14:hiddenFill>
             </a:ext>
             <a:ext uri="{91240B29-F687-4f45-9708-019B960494DF}">
-              <a14:hiddenLine xmlns:a14="http://schemas.microsoft.com/office/drawing/2010/main" xmlns="" w="9525">
+              <a14:hiddenLine xmlns="" xmlns:a14="http://schemas.microsoft.com/office/drawing/2010/main" w="9525">
                 <a:solidFill>
                   <a:srgbClr val="808080"/>
                 </a:solidFill>
@@ -4081,7 +4081,7 @@
               </a14:hiddenLine>
             </a:ext>
             <a:ext uri="{AF507438-7753-43e0-B8FC-AC1667EBCBE1}">
-              <a14:hiddenEffects xmlns:a14="http://schemas.microsoft.com/office/drawing/2010/main" xmlns="">
+              <a14:hiddenEffects xmlns="" xmlns:a14="http://schemas.microsoft.com/office/drawing/2010/main">
                 <a:effectLst>
                   <a:outerShdw blurRad="63500" dist="38099" dir="2700000" algn="ctr" rotWithShape="0">
                     <a:schemeClr val="bg2">
@@ -4092,7 +4092,7 @@
               </a14:hiddenEffects>
             </a:ext>
             <a:ext uri="{FAA26D3D-D897-4be2-8F04-BA451C77F1D7}">
-              <ma14:placeholderFlag xmlns:ma14="http://schemas.microsoft.com/office/mac/drawingml/2011/main" xmlns="" val="1"/>
+              <ma14:placeholderFlag xmlns="" xmlns:ma14="http://schemas.microsoft.com/office/mac/drawingml/2011/main" val="1"/>
             </a:ext>
           </a:extLst>
         </p:spPr>
@@ -5650,34 +5650,35 @@
       </p:sp>
       <p:graphicFrame>
         <p:nvGraphicFramePr>
-          <p:cNvPr id="4" name="Table 3"/>
+          <p:cNvPr id="3" name="Table 2"/>
           <p:cNvGraphicFramePr>
             <a:graphicFrameLocks noGrp="1"/>
           </p:cNvGraphicFramePr>
           <p:nvPr>
             <p:extLst>
               <p:ext uri="{D42A27DB-BD31-4B8C-83A1-F6EECF244321}">
-                <p14:modId xmlns:p14="http://schemas.microsoft.com/office/powerpoint/2010/main" val="3218044784"/>
+                <p14:modId xmlns:p14="http://schemas.microsoft.com/office/powerpoint/2010/main" val="436540243"/>
               </p:ext>
             </p:extLst>
           </p:nvPr>
         </p:nvGraphicFramePr>
         <p:xfrm>
-          <a:off x="2083793" y="2699717"/>
-          <a:ext cx="7488832" cy="4392491"/>
+          <a:off x="2520032" y="2699717"/>
+          <a:ext cx="6879072" cy="4608511"/>
         </p:xfrm>
         <a:graphic>
           <a:graphicData uri="http://schemas.openxmlformats.org/drawingml/2006/table">
             <a:tbl>
               <a:tblPr firstRow="1" firstCol="1" bandRow="1">
-                <a:tableStyleId>{9D7B26C5-4107-4FEC-AEDC-1716B250A1EF}</a:tableStyleId>
+                <a:tableStyleId>{D27102A9-8310-4765-A935-A1911B00CA55}</a:tableStyleId>
               </a:tblPr>
               <a:tblGrid>
-                <a:gridCol w="1444351"/>
-                <a:gridCol w="1296239"/>
-                <a:gridCol w="4748242"/>
+                <a:gridCol w="1037273"/>
+                <a:gridCol w="1045461"/>
+                <a:gridCol w="1277330"/>
+                <a:gridCol w="3519008"/>
               </a:tblGrid>
-              <a:tr h="462367">
+              <a:tr h="393518">
                 <a:tc>
                   <a:txBody>
                     <a:bodyPr/>
@@ -5689,12 +5690,15 @@
                         </a:spcAft>
                       </a:pPr>
                       <a:r>
-                        <a:rPr lang="de-DE" sz="1400" dirty="0">
+                        <a:rPr lang="de-DE" sz="1100" dirty="0">
                           <a:effectLst/>
                         </a:rPr>
                         <a:t>Phase</a:t>
                       </a:r>
-                      <a:endParaRPr lang="de-CH" sz="1400" dirty="0">
+                      <a:endParaRPr lang="de-CH" sz="1200" dirty="0">
+                        <a:solidFill>
+                          <a:srgbClr val="365F91"/>
+                        </a:solidFill>
                         <a:effectLst/>
                         <a:latin typeface="Cambria" panose="02040503050406030204" pitchFamily="18" charset="0"/>
                         <a:ea typeface="MS Mincho" panose="02020609040205080304" pitchFamily="49" charset="-128"/>
@@ -5715,12 +5719,44 @@
                         </a:spcAft>
                       </a:pPr>
                       <a:r>
-                        <a:rPr lang="de-DE" sz="1400" dirty="0">
+                        <a:rPr lang="de-DE" sz="1100" dirty="0">
                           <a:effectLst/>
                         </a:rPr>
                         <a:t>Iteration</a:t>
                       </a:r>
-                      <a:endParaRPr lang="de-CH" sz="1400" dirty="0">
+                      <a:endParaRPr lang="de-CH" sz="1200" dirty="0">
+                        <a:solidFill>
+                          <a:srgbClr val="365F91"/>
+                        </a:solidFill>
+                        <a:effectLst/>
+                        <a:latin typeface="Cambria" panose="02040503050406030204" pitchFamily="18" charset="0"/>
+                        <a:ea typeface="MS Mincho" panose="02020609040205080304" pitchFamily="49" charset="-128"/>
+                        <a:cs typeface="Times New Roman" panose="02020603050405020304" pitchFamily="18" charset="0"/>
+                      </a:endParaRPr>
+                    </a:p>
+                  </a:txBody>
+                  <a:tcPr marL="68580" marR="68580" marT="0" marB="0"/>
+                </a:tc>
+                <a:tc>
+                  <a:txBody>
+                    <a:bodyPr/>
+                    <a:lstStyle/>
+                    <a:p>
+                      <a:pPr indent="327660" algn="l">
+                        <a:spcAft>
+                          <a:spcPts val="0"/>
+                        </a:spcAft>
+                      </a:pPr>
+                      <a:r>
+                        <a:rPr lang="de-DE" sz="1100" dirty="0">
+                          <a:effectLst/>
+                        </a:rPr>
+                        <a:t>Meilenstein</a:t>
+                      </a:r>
+                      <a:endParaRPr lang="de-CH" sz="1200" dirty="0">
+                        <a:solidFill>
+                          <a:srgbClr val="365F91"/>
+                        </a:solidFill>
                         <a:effectLst/>
                         <a:latin typeface="Cambria" panose="02040503050406030204" pitchFamily="18" charset="0"/>
                         <a:ea typeface="MS Mincho" panose="02020609040205080304" pitchFamily="49" charset="-128"/>
@@ -5741,12 +5777,15 @@
                         </a:spcAft>
                       </a:pPr>
                       <a:r>
-                        <a:rPr lang="de-DE" sz="1400" dirty="0">
+                        <a:rPr lang="de-DE" sz="1100" dirty="0">
                           <a:effectLst/>
                         </a:rPr>
                         <a:t>Ziel</a:t>
                       </a:r>
-                      <a:endParaRPr lang="de-CH" sz="1400" dirty="0">
+                      <a:endParaRPr lang="de-CH" sz="1200" dirty="0">
+                        <a:solidFill>
+                          <a:srgbClr val="365F91"/>
+                        </a:solidFill>
                         <a:effectLst/>
                         <a:latin typeface="Cambria" panose="02040503050406030204" pitchFamily="18" charset="0"/>
                         <a:ea typeface="MS Mincho" panose="02020609040205080304" pitchFamily="49" charset="-128"/>
@@ -5757,7 +5796,7 @@
                   <a:tcPr marL="68580" marR="68580" marT="0" marB="0"/>
                 </a:tc>
               </a:tr>
-              <a:tr h="231184">
+              <a:tr h="351249">
                 <a:tc>
                   <a:txBody>
                     <a:bodyPr/>
@@ -5769,12 +5808,15 @@
                         </a:spcAft>
                       </a:pPr>
                       <a:r>
-                        <a:rPr lang="de-DE" sz="1200">
+                        <a:rPr lang="de-DE" sz="1100">
                           <a:effectLst/>
                         </a:rPr>
                         <a:t>Inception</a:t>
                       </a:r>
                       <a:endParaRPr lang="de-CH" sz="1200">
+                        <a:solidFill>
+                          <a:srgbClr val="365F91"/>
+                        </a:solidFill>
                         <a:effectLst/>
                         <a:latin typeface="Cambria" panose="02040503050406030204" pitchFamily="18" charset="0"/>
                         <a:ea typeface="MS Mincho" panose="02020609040205080304" pitchFamily="49" charset="-128"/>
@@ -5795,12 +5837,15 @@
                         </a:spcAft>
                       </a:pPr>
                       <a:r>
-                        <a:rPr lang="de-DE" sz="1200">
+                        <a:rPr lang="de-DE" sz="1100">
                           <a:effectLst/>
                         </a:rPr>
                         <a:t>1</a:t>
                       </a:r>
                       <a:endParaRPr lang="de-CH" sz="1200">
+                        <a:solidFill>
+                          <a:srgbClr val="365F91"/>
+                        </a:solidFill>
                         <a:effectLst/>
                         <a:latin typeface="Cambria" panose="02040503050406030204" pitchFamily="18" charset="0"/>
                         <a:ea typeface="MS Mincho" panose="02020609040205080304" pitchFamily="49" charset="-128"/>
@@ -5821,40 +5866,15 @@
                         </a:spcAft>
                       </a:pPr>
                       <a:r>
-                        <a:rPr lang="de-DE" sz="1200">
-                          <a:effectLst/>
-                        </a:rPr>
-                        <a:t>Gruppenbildung, Themeneruierung, Wahl des PL</a:t>
-                      </a:r>
-                      <a:endParaRPr lang="de-CH" sz="1200">
-                        <a:effectLst/>
-                        <a:latin typeface="Cambria" panose="02040503050406030204" pitchFamily="18" charset="0"/>
-                        <a:ea typeface="MS Mincho" panose="02020609040205080304" pitchFamily="49" charset="-128"/>
-                        <a:cs typeface="Times New Roman" panose="02020603050405020304" pitchFamily="18" charset="0"/>
-                      </a:endParaRPr>
-                    </a:p>
-                  </a:txBody>
-                  <a:tcPr marL="68580" marR="68580" marT="0" marB="0"/>
-                </a:tc>
-              </a:tr>
-              <a:tr h="231184">
-                <a:tc>
-                  <a:txBody>
-                    <a:bodyPr/>
-                    <a:lstStyle/>
-                    <a:p>
-                      <a:pPr>
-                        <a:spcAft>
-                          <a:spcPts val="0"/>
-                        </a:spcAft>
-                      </a:pPr>
-                      <a:r>
-                        <a:rPr lang="de-DE" sz="1200">
+                        <a:rPr lang="de-DE" sz="1100">
                           <a:effectLst/>
                         </a:rPr>
                         <a:t> </a:t>
                       </a:r>
                       <a:endParaRPr lang="de-CH" sz="1200">
+                        <a:solidFill>
+                          <a:srgbClr val="365F91"/>
+                        </a:solidFill>
                         <a:effectLst/>
                         <a:latin typeface="Cambria" panose="02040503050406030204" pitchFamily="18" charset="0"/>
                         <a:ea typeface="MS Mincho" panose="02020609040205080304" pitchFamily="49" charset="-128"/>
@@ -5875,12 +5895,46 @@
                         </a:spcAft>
                       </a:pPr>
                       <a:r>
-                        <a:rPr lang="de-DE" sz="1200">
+                        <a:rPr lang="de-DE" sz="1100">
                           <a:effectLst/>
                         </a:rPr>
-                        <a:t>2</a:t>
+                        <a:t>Gruppenbildung, Themeneruierung, Wahl des PL</a:t>
                       </a:r>
                       <a:endParaRPr lang="de-CH" sz="1200">
+                        <a:solidFill>
+                          <a:srgbClr val="365F91"/>
+                        </a:solidFill>
+                        <a:effectLst/>
+                        <a:latin typeface="Cambria" panose="02040503050406030204" pitchFamily="18" charset="0"/>
+                        <a:ea typeface="MS Mincho" panose="02020609040205080304" pitchFamily="49" charset="-128"/>
+                        <a:cs typeface="Times New Roman" panose="02020603050405020304" pitchFamily="18" charset="0"/>
+                      </a:endParaRPr>
+                    </a:p>
+                  </a:txBody>
+                  <a:tcPr marL="68580" marR="68580" marT="0" marB="0"/>
+                </a:tc>
+              </a:tr>
+              <a:tr h="351249">
+                <a:tc>
+                  <a:txBody>
+                    <a:bodyPr/>
+                    <a:lstStyle/>
+                    <a:p>
+                      <a:pPr>
+                        <a:spcAft>
+                          <a:spcPts val="0"/>
+                        </a:spcAft>
+                      </a:pPr>
+                      <a:r>
+                        <a:rPr lang="de-DE" sz="1100">
+                          <a:effectLst/>
+                        </a:rPr>
+                        <a:t> </a:t>
+                      </a:r>
+                      <a:endParaRPr lang="de-CH" sz="1200">
+                        <a:solidFill>
+                          <a:srgbClr val="365F91"/>
+                        </a:solidFill>
                         <a:effectLst/>
                         <a:latin typeface="Cambria" panose="02040503050406030204" pitchFamily="18" charset="0"/>
                         <a:ea typeface="MS Mincho" panose="02020609040205080304" pitchFamily="49" charset="-128"/>
@@ -5901,40 +5955,15 @@
                         </a:spcAft>
                       </a:pPr>
                       <a:r>
-                        <a:rPr lang="de-DE" sz="1200">
+                        <a:rPr lang="de-DE" sz="1100">
                           <a:effectLst/>
                         </a:rPr>
-                        <a:t>Projektskizze erstellt,  Präsentation erstellt</a:t>
+                        <a:t>2</a:t>
                       </a:r>
                       <a:endParaRPr lang="de-CH" sz="1200">
-                        <a:effectLst/>
-                        <a:latin typeface="Cambria" panose="02040503050406030204" pitchFamily="18" charset="0"/>
-                        <a:ea typeface="MS Mincho" panose="02020609040205080304" pitchFamily="49" charset="-128"/>
-                        <a:cs typeface="Times New Roman" panose="02020603050405020304" pitchFamily="18" charset="0"/>
-                      </a:endParaRPr>
-                    </a:p>
-                  </a:txBody>
-                  <a:tcPr marL="68580" marR="68580" marT="0" marB="0"/>
-                </a:tc>
-              </a:tr>
-              <a:tr h="462367">
-                <a:tc>
-                  <a:txBody>
-                    <a:bodyPr/>
-                    <a:lstStyle/>
-                    <a:p>
-                      <a:pPr>
-                        <a:spcAft>
-                          <a:spcPts val="0"/>
-                        </a:spcAft>
-                      </a:pPr>
-                      <a:r>
-                        <a:rPr lang="de-DE" sz="1200">
-                          <a:effectLst/>
-                        </a:rPr>
-                        <a:t>Elaboration</a:t>
-                      </a:r>
-                      <a:endParaRPr lang="de-CH" sz="1200">
+                        <a:solidFill>
+                          <a:srgbClr val="365F91"/>
+                        </a:solidFill>
                         <a:effectLst/>
                         <a:latin typeface="Cambria" panose="02040503050406030204" pitchFamily="18" charset="0"/>
                         <a:ea typeface="MS Mincho" panose="02020609040205080304" pitchFamily="49" charset="-128"/>
@@ -5955,12 +5984,133 @@
                         </a:spcAft>
                       </a:pPr>
                       <a:r>
-                        <a:rPr lang="de-DE" sz="1200">
+                        <a:rPr lang="de-DE" sz="1100">
+                          <a:effectLst/>
+                        </a:rPr>
+                        <a:t>01.10.2012</a:t>
+                      </a:r>
+                      <a:endParaRPr lang="de-CH" sz="1200">
+                        <a:solidFill>
+                          <a:srgbClr val="365F91"/>
+                        </a:solidFill>
+                        <a:effectLst/>
+                        <a:latin typeface="Cambria" panose="02040503050406030204" pitchFamily="18" charset="0"/>
+                        <a:ea typeface="MS Mincho" panose="02020609040205080304" pitchFamily="49" charset="-128"/>
+                        <a:cs typeface="Times New Roman" panose="02020603050405020304" pitchFamily="18" charset="0"/>
+                      </a:endParaRPr>
+                    </a:p>
+                  </a:txBody>
+                  <a:tcPr marL="68580" marR="68580" marT="0" marB="0"/>
+                </a:tc>
+                <a:tc>
+                  <a:txBody>
+                    <a:bodyPr/>
+                    <a:lstStyle/>
+                    <a:p>
+                      <a:pPr>
+                        <a:spcAft>
+                          <a:spcPts val="0"/>
+                        </a:spcAft>
+                      </a:pPr>
+                      <a:r>
+                        <a:rPr lang="de-DE" sz="1100">
+                          <a:effectLst/>
+                        </a:rPr>
+                        <a:t>Projektskizze erstellt,  Präsentation erstellt</a:t>
+                      </a:r>
+                      <a:endParaRPr lang="de-CH" sz="1200">
+                        <a:solidFill>
+                          <a:srgbClr val="365F91"/>
+                        </a:solidFill>
+                        <a:effectLst/>
+                        <a:latin typeface="Cambria" panose="02040503050406030204" pitchFamily="18" charset="0"/>
+                        <a:ea typeface="MS Mincho" panose="02020609040205080304" pitchFamily="49" charset="-128"/>
+                        <a:cs typeface="Times New Roman" panose="02020603050405020304" pitchFamily="18" charset="0"/>
+                      </a:endParaRPr>
+                    </a:p>
+                  </a:txBody>
+                  <a:tcPr marL="68580" marR="68580" marT="0" marB="0"/>
+                </a:tc>
+              </a:tr>
+              <a:tr h="526874">
+                <a:tc>
+                  <a:txBody>
+                    <a:bodyPr/>
+                    <a:lstStyle/>
+                    <a:p>
+                      <a:pPr>
+                        <a:spcAft>
+                          <a:spcPts val="0"/>
+                        </a:spcAft>
+                      </a:pPr>
+                      <a:r>
+                        <a:rPr lang="de-DE" sz="1100">
+                          <a:effectLst/>
+                        </a:rPr>
+                        <a:t>Elaboration</a:t>
+                      </a:r>
+                      <a:endParaRPr lang="de-CH" sz="1200">
+                        <a:solidFill>
+                          <a:srgbClr val="365F91"/>
+                        </a:solidFill>
+                        <a:effectLst/>
+                        <a:latin typeface="Cambria" panose="02040503050406030204" pitchFamily="18" charset="0"/>
+                        <a:ea typeface="MS Mincho" panose="02020609040205080304" pitchFamily="49" charset="-128"/>
+                        <a:cs typeface="Times New Roman" panose="02020603050405020304" pitchFamily="18" charset="0"/>
+                      </a:endParaRPr>
+                    </a:p>
+                  </a:txBody>
+                  <a:tcPr marL="68580" marR="68580" marT="0" marB="0"/>
+                </a:tc>
+                <a:tc>
+                  <a:txBody>
+                    <a:bodyPr/>
+                    <a:lstStyle/>
+                    <a:p>
+                      <a:pPr>
+                        <a:spcAft>
+                          <a:spcPts val="0"/>
+                        </a:spcAft>
+                      </a:pPr>
+                      <a:r>
+                        <a:rPr lang="de-DE" sz="1100">
                           <a:effectLst/>
                         </a:rPr>
                         <a:t>3</a:t>
                       </a:r>
                       <a:endParaRPr lang="de-CH" sz="1200">
+                        <a:solidFill>
+                          <a:srgbClr val="365F91"/>
+                        </a:solidFill>
+                        <a:effectLst/>
+                        <a:latin typeface="Cambria" panose="02040503050406030204" pitchFamily="18" charset="0"/>
+                        <a:ea typeface="MS Mincho" panose="02020609040205080304" pitchFamily="49" charset="-128"/>
+                        <a:cs typeface="Times New Roman" panose="02020603050405020304" pitchFamily="18" charset="0"/>
+                      </a:endParaRPr>
+                    </a:p>
+                  </a:txBody>
+                  <a:tcPr marL="68580" marR="68580" marT="0" marB="0"/>
+                </a:tc>
+                <a:tc>
+                  <a:txBody>
+                    <a:bodyPr/>
+                    <a:lstStyle/>
+                    <a:p>
+                      <a:pPr>
+                        <a:spcAft>
+                          <a:spcPts val="0"/>
+                        </a:spcAft>
+                      </a:pPr>
+                      <a:r>
+                        <a:rPr lang="de-DE" sz="1100">
+                          <a:effectLst/>
+                        </a:rPr>
+                        <a:t> </a:t>
+                      </a:r>
+                      <a:endParaRPr lang="de-CH" sz="1200">
+                        <a:solidFill>
+                          <a:srgbClr val="365F91"/>
+                        </a:solidFill>
                         <a:effectLst/>
                         <a:latin typeface="Cambria" panose="02040503050406030204" pitchFamily="18" charset="0"/>
                         <a:ea typeface="MS Mincho" panose="02020609040205080304" pitchFamily="49" charset="-128"/>
@@ -5981,12 +6131,15 @@
                         </a:spcAft>
                       </a:pPr>
                       <a:r>
-                        <a:rPr lang="de-DE" sz="1200">
+                        <a:rPr lang="de-DE" sz="1100">
                           <a:effectLst/>
                         </a:rPr>
                         <a:t>50 % der Anwendungsfälle detailliert ausformuliert, Rest identifiziert und priorisiert</a:t>
                       </a:r>
                       <a:endParaRPr lang="de-CH" sz="1200">
+                        <a:solidFill>
+                          <a:srgbClr val="365F91"/>
+                        </a:solidFill>
                         <a:effectLst/>
                         <a:latin typeface="Cambria" panose="02040503050406030204" pitchFamily="18" charset="0"/>
                         <a:ea typeface="MS Mincho" panose="02020609040205080304" pitchFamily="49" charset="-128"/>
@@ -5997,7 +6150,7 @@
                   <a:tcPr marL="68580" marR="68580" marT="0" marB="0"/>
                 </a:tc>
               </a:tr>
-              <a:tr h="462367">
+              <a:tr h="878124">
                 <a:tc>
                   <a:txBody>
                     <a:bodyPr/>
@@ -6009,12 +6162,15 @@
                         </a:spcAft>
                       </a:pPr>
                       <a:r>
-                        <a:rPr lang="de-DE" sz="1200">
+                        <a:rPr lang="de-DE" sz="1100">
                           <a:effectLst/>
                         </a:rPr>
                         <a:t> </a:t>
                       </a:r>
                       <a:endParaRPr lang="de-CH" sz="1200">
+                        <a:solidFill>
+                          <a:srgbClr val="365F91"/>
+                        </a:solidFill>
                         <a:effectLst/>
                         <a:latin typeface="Cambria" panose="02040503050406030204" pitchFamily="18" charset="0"/>
                         <a:ea typeface="MS Mincho" panose="02020609040205080304" pitchFamily="49" charset="-128"/>
@@ -6035,12 +6191,15 @@
                         </a:spcAft>
                       </a:pPr>
                       <a:r>
-                        <a:rPr lang="de-DE" sz="1200">
+                        <a:rPr lang="de-DE" sz="1100">
                           <a:effectLst/>
                         </a:rPr>
                         <a:t>4</a:t>
                       </a:r>
                       <a:endParaRPr lang="de-CH" sz="1200">
+                        <a:solidFill>
+                          <a:srgbClr val="365F91"/>
+                        </a:solidFill>
                         <a:effectLst/>
                         <a:latin typeface="Cambria" panose="02040503050406030204" pitchFamily="18" charset="0"/>
                         <a:ea typeface="MS Mincho" panose="02020609040205080304" pitchFamily="49" charset="-128"/>
@@ -6061,40 +6220,15 @@
                         </a:spcAft>
                       </a:pPr>
                       <a:r>
-                        <a:rPr lang="de-DE" sz="1200">
-                          <a:effectLst/>
-                        </a:rPr>
-                        <a:t>80 % der Anwendungsfälle detailliert ausformuliert, eine erste Architektur wurde erstellt</a:t>
-                      </a:r>
-                      <a:endParaRPr lang="de-CH" sz="1200">
-                        <a:effectLst/>
-                        <a:latin typeface="Cambria" panose="02040503050406030204" pitchFamily="18" charset="0"/>
-                        <a:ea typeface="MS Mincho" panose="02020609040205080304" pitchFamily="49" charset="-128"/>
-                        <a:cs typeface="Times New Roman" panose="02020603050405020304" pitchFamily="18" charset="0"/>
-                      </a:endParaRPr>
-                    </a:p>
-                  </a:txBody>
-                  <a:tcPr marL="68580" marR="68580" marT="0" marB="0"/>
-                </a:tc>
-              </a:tr>
-              <a:tr h="462367">
-                <a:tc>
-                  <a:txBody>
-                    <a:bodyPr/>
-                    <a:lstStyle/>
-                    <a:p>
-                      <a:pPr>
-                        <a:spcAft>
-                          <a:spcPts val="0"/>
-                        </a:spcAft>
-                      </a:pPr>
-                      <a:r>
-                        <a:rPr lang="de-DE" sz="1200">
+                        <a:rPr lang="de-DE" sz="1100">
                           <a:effectLst/>
                         </a:rPr>
                         <a:t> </a:t>
                       </a:r>
                       <a:endParaRPr lang="de-CH" sz="1200">
+                        <a:solidFill>
+                          <a:srgbClr val="365F91"/>
+                        </a:solidFill>
                         <a:effectLst/>
                         <a:latin typeface="Cambria" panose="02040503050406030204" pitchFamily="18" charset="0"/>
                         <a:ea typeface="MS Mincho" panose="02020609040205080304" pitchFamily="49" charset="-128"/>
@@ -6115,12 +6249,62 @@
                         </a:spcAft>
                       </a:pPr>
                       <a:r>
-                        <a:rPr lang="de-DE" sz="1200">
+                        <a:rPr lang="de-DE" sz="1100">
                           <a:effectLst/>
                         </a:rPr>
-                        <a:t>5</a:t>
+                        <a:t>80 % der Anwendungsfälle detailliert ausformuliert, eine erste Architektur wurde erstellt,</a:t>
                       </a:r>
                       <a:endParaRPr lang="de-CH" sz="1200">
+                        <a:effectLst/>
+                      </a:endParaRPr>
+                    </a:p>
+                    <a:p>
+                      <a:pPr>
+                        <a:spcAft>
+                          <a:spcPts val="0"/>
+                        </a:spcAft>
+                      </a:pPr>
+                      <a:r>
+                        <a:rPr lang="de-DE" sz="1100">
+                          <a:effectLst/>
+                        </a:rPr>
+                        <a:t>Zusätzliche Spezifikationen definiert, Anwendungsfalldiagramm erstellt</a:t>
+                      </a:r>
+                      <a:endParaRPr lang="de-CH" sz="1200">
+                        <a:solidFill>
+                          <a:srgbClr val="365F91"/>
+                        </a:solidFill>
+                        <a:effectLst/>
+                        <a:latin typeface="Cambria" panose="02040503050406030204" pitchFamily="18" charset="0"/>
+                        <a:ea typeface="MS Mincho" panose="02020609040205080304" pitchFamily="49" charset="-128"/>
+                        <a:cs typeface="Times New Roman" panose="02020603050405020304" pitchFamily="18" charset="0"/>
+                      </a:endParaRPr>
+                    </a:p>
+                  </a:txBody>
+                  <a:tcPr marL="68580" marR="68580" marT="0" marB="0"/>
+                </a:tc>
+              </a:tr>
+              <a:tr h="526874">
+                <a:tc>
+                  <a:txBody>
+                    <a:bodyPr/>
+                    <a:lstStyle/>
+                    <a:p>
+                      <a:pPr>
+                        <a:spcAft>
+                          <a:spcPts val="0"/>
+                        </a:spcAft>
+                      </a:pPr>
+                      <a:r>
+                        <a:rPr lang="de-DE" sz="1100">
+                          <a:effectLst/>
+                        </a:rPr>
+                        <a:t> </a:t>
+                      </a:r>
+                      <a:endParaRPr lang="de-CH" sz="1200">
+                        <a:solidFill>
+                          <a:srgbClr val="365F91"/>
+                        </a:solidFill>
                         <a:effectLst/>
                         <a:latin typeface="Cambria" panose="02040503050406030204" pitchFamily="18" charset="0"/>
                         <a:ea typeface="MS Mincho" panose="02020609040205080304" pitchFamily="49" charset="-128"/>
@@ -6141,40 +6325,15 @@
                         </a:spcAft>
                       </a:pPr>
                       <a:r>
-                        <a:rPr lang="de-DE" sz="1200">
+                        <a:rPr lang="de-DE" sz="1100">
                           <a:effectLst/>
                         </a:rPr>
-                        <a:t>Zusätzliche Spezifikationen definiert, Anwendungsfalldiagramm erstellt</a:t>
+                        <a:t>5</a:t>
                       </a:r>
                       <a:endParaRPr lang="de-CH" sz="1200">
-                        <a:effectLst/>
-                        <a:latin typeface="Cambria" panose="02040503050406030204" pitchFamily="18" charset="0"/>
-                        <a:ea typeface="MS Mincho" panose="02020609040205080304" pitchFamily="49" charset="-128"/>
-                        <a:cs typeface="Times New Roman" panose="02020603050405020304" pitchFamily="18" charset="0"/>
-                      </a:endParaRPr>
-                    </a:p>
-                  </a:txBody>
-                  <a:tcPr marL="68580" marR="68580" marT="0" marB="0"/>
-                </a:tc>
-              </a:tr>
-              <a:tr h="462367">
-                <a:tc>
-                  <a:txBody>
-                    <a:bodyPr/>
-                    <a:lstStyle/>
-                    <a:p>
-                      <a:pPr>
-                        <a:spcAft>
-                          <a:spcPts val="0"/>
-                        </a:spcAft>
-                      </a:pPr>
-                      <a:r>
-                        <a:rPr lang="de-DE" sz="1200">
-                          <a:effectLst/>
-                        </a:rPr>
-                        <a:t> </a:t>
-                      </a:r>
-                      <a:endParaRPr lang="de-CH" sz="1200">
+                        <a:solidFill>
+                          <a:srgbClr val="365F91"/>
+                        </a:solidFill>
                         <a:effectLst/>
                         <a:latin typeface="Cambria" panose="02040503050406030204" pitchFamily="18" charset="0"/>
                         <a:ea typeface="MS Mincho" panose="02020609040205080304" pitchFamily="49" charset="-128"/>
@@ -6195,12 +6354,15 @@
                         </a:spcAft>
                       </a:pPr>
                       <a:r>
-                        <a:rPr lang="de-DE" sz="1200">
+                        <a:rPr lang="de-DE" sz="1100">
                           <a:effectLst/>
                         </a:rPr>
-                        <a:t>6</a:t>
+                        <a:t>23.10.2012</a:t>
                       </a:r>
                       <a:endParaRPr lang="de-CH" sz="1200">
+                        <a:solidFill>
+                          <a:srgbClr val="365F91"/>
+                        </a:solidFill>
                         <a:effectLst/>
                         <a:latin typeface="Cambria" panose="02040503050406030204" pitchFamily="18" charset="0"/>
                         <a:ea typeface="MS Mincho" panose="02020609040205080304" pitchFamily="49" charset="-128"/>
@@ -6221,12 +6383,15 @@
                         </a:spcAft>
                       </a:pPr>
                       <a:r>
-                        <a:rPr lang="de-DE" sz="1200">
+                        <a:rPr lang="de-DE" sz="1100">
                           <a:effectLst/>
                         </a:rPr>
                         <a:t>System-Sequenzdiagramm und Systemverträge Domänenmodell und Glossar erstellt</a:t>
                       </a:r>
                       <a:endParaRPr lang="de-CH" sz="1200">
+                        <a:solidFill>
+                          <a:srgbClr val="365F91"/>
+                        </a:solidFill>
                         <a:effectLst/>
                         <a:latin typeface="Cambria" panose="02040503050406030204" pitchFamily="18" charset="0"/>
                         <a:ea typeface="MS Mincho" panose="02020609040205080304" pitchFamily="49" charset="-128"/>
@@ -6237,7 +6402,7 @@
                   <a:tcPr marL="68580" marR="68580" marT="0" marB="0"/>
                 </a:tc>
               </a:tr>
-              <a:tr h="231184">
+              <a:tr h="351249">
                 <a:tc>
                   <a:txBody>
                     <a:bodyPr/>
@@ -6249,12 +6414,15 @@
                         </a:spcAft>
                       </a:pPr>
                       <a:r>
-                        <a:rPr lang="de-DE" sz="1200">
+                        <a:rPr lang="de-DE" sz="1100">
                           <a:effectLst/>
                         </a:rPr>
                         <a:t>Construction</a:t>
                       </a:r>
                       <a:endParaRPr lang="de-CH" sz="1200">
+                        <a:solidFill>
+                          <a:srgbClr val="365F91"/>
+                        </a:solidFill>
                         <a:effectLst/>
                         <a:latin typeface="Cambria" panose="02040503050406030204" pitchFamily="18" charset="0"/>
                         <a:ea typeface="MS Mincho" panose="02020609040205080304" pitchFamily="49" charset="-128"/>
@@ -6275,12 +6443,15 @@
                         </a:spcAft>
                       </a:pPr>
                       <a:r>
-                        <a:rPr lang="de-DE" sz="1200">
+                        <a:rPr lang="de-DE" sz="1100">
                           <a:effectLst/>
                         </a:rPr>
-                        <a:t>7</a:t>
+                        <a:t>6</a:t>
                       </a:r>
                       <a:endParaRPr lang="de-CH" sz="1200">
+                        <a:solidFill>
+                          <a:srgbClr val="365F91"/>
+                        </a:solidFill>
                         <a:effectLst/>
                         <a:latin typeface="Cambria" panose="02040503050406030204" pitchFamily="18" charset="0"/>
                         <a:ea typeface="MS Mincho" panose="02020609040205080304" pitchFamily="49" charset="-128"/>
@@ -6301,40 +6472,15 @@
                         </a:spcAft>
                       </a:pPr>
                       <a:r>
-                        <a:rPr lang="de-DE" sz="1200">
-                          <a:effectLst/>
-                        </a:rPr>
-                        <a:t>20 % der UCs realisiert und getestet, UI Prototyp</a:t>
-                      </a:r>
-                      <a:endParaRPr lang="de-CH" sz="1200">
-                        <a:effectLst/>
-                        <a:latin typeface="Cambria" panose="02040503050406030204" pitchFamily="18" charset="0"/>
-                        <a:ea typeface="MS Mincho" panose="02020609040205080304" pitchFamily="49" charset="-128"/>
-                        <a:cs typeface="Times New Roman" panose="02020603050405020304" pitchFamily="18" charset="0"/>
-                      </a:endParaRPr>
-                    </a:p>
-                  </a:txBody>
-                  <a:tcPr marL="68580" marR="68580" marT="0" marB="0"/>
-                </a:tc>
-              </a:tr>
-              <a:tr h="231184">
-                <a:tc>
-                  <a:txBody>
-                    <a:bodyPr/>
-                    <a:lstStyle/>
-                    <a:p>
-                      <a:pPr>
-                        <a:spcAft>
-                          <a:spcPts val="0"/>
-                        </a:spcAft>
-                      </a:pPr>
-                      <a:r>
-                        <a:rPr lang="de-DE" sz="1200">
+                        <a:rPr lang="de-DE" sz="1100">
                           <a:effectLst/>
                         </a:rPr>
                         <a:t> </a:t>
                       </a:r>
                       <a:endParaRPr lang="de-CH" sz="1200">
+                        <a:solidFill>
+                          <a:srgbClr val="365F91"/>
+                        </a:solidFill>
                         <a:effectLst/>
                         <a:latin typeface="Cambria" panose="02040503050406030204" pitchFamily="18" charset="0"/>
                         <a:ea typeface="MS Mincho" panose="02020609040205080304" pitchFamily="49" charset="-128"/>
@@ -6355,12 +6501,46 @@
                         </a:spcAft>
                       </a:pPr>
                       <a:r>
-                        <a:rPr lang="de-DE" sz="1200">
+                        <a:rPr lang="de-DE" sz="1100">
                           <a:effectLst/>
                         </a:rPr>
-                        <a:t>8</a:t>
+                        <a:t>20 % der UCs realisiert und getestet, UI Prototyp</a:t>
                       </a:r>
                       <a:endParaRPr lang="de-CH" sz="1200">
+                        <a:solidFill>
+                          <a:srgbClr val="365F91"/>
+                        </a:solidFill>
+                        <a:effectLst/>
+                        <a:latin typeface="Cambria" panose="02040503050406030204" pitchFamily="18" charset="0"/>
+                        <a:ea typeface="MS Mincho" panose="02020609040205080304" pitchFamily="49" charset="-128"/>
+                        <a:cs typeface="Times New Roman" panose="02020603050405020304" pitchFamily="18" charset="0"/>
+                      </a:endParaRPr>
+                    </a:p>
+                  </a:txBody>
+                  <a:tcPr marL="68580" marR="68580" marT="0" marB="0"/>
+                </a:tc>
+              </a:tr>
+              <a:tr h="175625">
+                <a:tc>
+                  <a:txBody>
+                    <a:bodyPr/>
+                    <a:lstStyle/>
+                    <a:p>
+                      <a:pPr>
+                        <a:spcAft>
+                          <a:spcPts val="0"/>
+                        </a:spcAft>
+                      </a:pPr>
+                      <a:r>
+                        <a:rPr lang="de-DE" sz="1100">
+                          <a:effectLst/>
+                        </a:rPr>
+                        <a:t> </a:t>
+                      </a:r>
+                      <a:endParaRPr lang="de-CH" sz="1200">
+                        <a:solidFill>
+                          <a:srgbClr val="365F91"/>
+                        </a:solidFill>
                         <a:effectLst/>
                         <a:latin typeface="Cambria" panose="02040503050406030204" pitchFamily="18" charset="0"/>
                         <a:ea typeface="MS Mincho" panose="02020609040205080304" pitchFamily="49" charset="-128"/>
@@ -6381,40 +6561,15 @@
                         </a:spcAft>
                       </a:pPr>
                       <a:r>
-                        <a:rPr lang="de-DE" sz="1200">
+                        <a:rPr lang="de-DE" sz="1100">
                           <a:effectLst/>
                         </a:rPr>
-                        <a:t>40 % der UCs realisiert und getestet</a:t>
+                        <a:t>7</a:t>
                       </a:r>
                       <a:endParaRPr lang="de-CH" sz="1200">
-                        <a:effectLst/>
-                        <a:latin typeface="Cambria" panose="02040503050406030204" pitchFamily="18" charset="0"/>
-                        <a:ea typeface="MS Mincho" panose="02020609040205080304" pitchFamily="49" charset="-128"/>
-                        <a:cs typeface="Times New Roman" panose="02020603050405020304" pitchFamily="18" charset="0"/>
-                      </a:endParaRPr>
-                    </a:p>
-                  </a:txBody>
-                  <a:tcPr marL="68580" marR="68580" marT="0" marB="0"/>
-                </a:tc>
-              </a:tr>
-              <a:tr h="231184">
-                <a:tc>
-                  <a:txBody>
-                    <a:bodyPr/>
-                    <a:lstStyle/>
-                    <a:p>
-                      <a:pPr>
-                        <a:spcAft>
-                          <a:spcPts val="0"/>
-                        </a:spcAft>
-                      </a:pPr>
-                      <a:r>
-                        <a:rPr lang="de-DE" sz="1200">
-                          <a:effectLst/>
-                        </a:rPr>
-                        <a:t> </a:t>
-                      </a:r>
-                      <a:endParaRPr lang="de-CH" sz="1200">
+                        <a:solidFill>
+                          <a:srgbClr val="365F91"/>
+                        </a:solidFill>
                         <a:effectLst/>
                         <a:latin typeface="Cambria" panose="02040503050406030204" pitchFamily="18" charset="0"/>
                         <a:ea typeface="MS Mincho" panose="02020609040205080304" pitchFamily="49" charset="-128"/>
@@ -6435,12 +6590,15 @@
                         </a:spcAft>
                       </a:pPr>
                       <a:r>
-                        <a:rPr lang="de-DE" sz="1200">
+                        <a:rPr lang="de-DE" sz="1100">
                           <a:effectLst/>
                         </a:rPr>
-                        <a:t>9</a:t>
+                        <a:t> </a:t>
                       </a:r>
                       <a:endParaRPr lang="de-CH" sz="1200">
+                        <a:solidFill>
+                          <a:srgbClr val="365F91"/>
+                        </a:solidFill>
                         <a:effectLst/>
                         <a:latin typeface="Cambria" panose="02040503050406030204" pitchFamily="18" charset="0"/>
                         <a:ea typeface="MS Mincho" panose="02020609040205080304" pitchFamily="49" charset="-128"/>
@@ -6461,12 +6619,15 @@
                         </a:spcAft>
                       </a:pPr>
                       <a:r>
-                        <a:rPr lang="de-DE" sz="1200">
+                        <a:rPr lang="de-DE" sz="1100">
                           <a:effectLst/>
                         </a:rPr>
-                        <a:t>70 % der UCs realisiert und getestet</a:t>
+                        <a:t>40 % der UCs realisiert und getestet</a:t>
                       </a:r>
                       <a:endParaRPr lang="de-CH" sz="1200">
+                        <a:solidFill>
+                          <a:srgbClr val="365F91"/>
+                        </a:solidFill>
                         <a:effectLst/>
                         <a:latin typeface="Cambria" panose="02040503050406030204" pitchFamily="18" charset="0"/>
                         <a:ea typeface="MS Mincho" panose="02020609040205080304" pitchFamily="49" charset="-128"/>
@@ -6477,7 +6638,7 @@
                   <a:tcPr marL="68580" marR="68580" marT="0" marB="0"/>
                 </a:tc>
               </a:tr>
-              <a:tr h="231184">
+              <a:tr h="175625">
                 <a:tc>
                   <a:txBody>
                     <a:bodyPr/>
@@ -6489,12 +6650,15 @@
                         </a:spcAft>
                       </a:pPr>
                       <a:r>
-                        <a:rPr lang="de-DE" sz="1200">
+                        <a:rPr lang="de-DE" sz="1100">
                           <a:effectLst/>
                         </a:rPr>
                         <a:t> </a:t>
                       </a:r>
                       <a:endParaRPr lang="de-CH" sz="1200">
+                        <a:solidFill>
+                          <a:srgbClr val="365F91"/>
+                        </a:solidFill>
                         <a:effectLst/>
                         <a:latin typeface="Cambria" panose="02040503050406030204" pitchFamily="18" charset="0"/>
                         <a:ea typeface="MS Mincho" panose="02020609040205080304" pitchFamily="49" charset="-128"/>
@@ -6515,12 +6679,15 @@
                         </a:spcAft>
                       </a:pPr>
                       <a:r>
-                        <a:rPr lang="de-DE" sz="1200">
+                        <a:rPr lang="de-DE" sz="1100">
                           <a:effectLst/>
                         </a:rPr>
-                        <a:t>10</a:t>
+                        <a:t>8</a:t>
                       </a:r>
                       <a:endParaRPr lang="de-CH" sz="1200">
+                        <a:solidFill>
+                          <a:srgbClr val="365F91"/>
+                        </a:solidFill>
                         <a:effectLst/>
                         <a:latin typeface="Cambria" panose="02040503050406030204" pitchFamily="18" charset="0"/>
                         <a:ea typeface="MS Mincho" panose="02020609040205080304" pitchFamily="49" charset="-128"/>
@@ -6541,40 +6708,15 @@
                         </a:spcAft>
                       </a:pPr>
                       <a:r>
-                        <a:rPr lang="de-DE" sz="1200">
+                        <a:rPr lang="de-DE" sz="1100">
                           <a:effectLst/>
                         </a:rPr>
-                        <a:t>85 % der UCs realisiert und getestet</a:t>
+                        <a:t>13.11.2012</a:t>
                       </a:r>
                       <a:endParaRPr lang="de-CH" sz="1200">
-                        <a:effectLst/>
-                        <a:latin typeface="Cambria" panose="02040503050406030204" pitchFamily="18" charset="0"/>
-                        <a:ea typeface="MS Mincho" panose="02020609040205080304" pitchFamily="49" charset="-128"/>
-                        <a:cs typeface="Times New Roman" panose="02020603050405020304" pitchFamily="18" charset="0"/>
-                      </a:endParaRPr>
-                    </a:p>
-                  </a:txBody>
-                  <a:tcPr marL="68580" marR="68580" marT="0" marB="0"/>
-                </a:tc>
-              </a:tr>
-              <a:tr h="231184">
-                <a:tc>
-                  <a:txBody>
-                    <a:bodyPr/>
-                    <a:lstStyle/>
-                    <a:p>
-                      <a:pPr>
-                        <a:spcAft>
-                          <a:spcPts val="0"/>
-                        </a:spcAft>
-                      </a:pPr>
-                      <a:r>
-                        <a:rPr lang="de-DE" sz="1200">
-                          <a:effectLst/>
-                        </a:rPr>
-                        <a:t> </a:t>
-                      </a:r>
-                      <a:endParaRPr lang="de-CH" sz="1200">
+                        <a:solidFill>
+                          <a:srgbClr val="365F91"/>
+                        </a:solidFill>
                         <a:effectLst/>
                         <a:latin typeface="Cambria" panose="02040503050406030204" pitchFamily="18" charset="0"/>
                         <a:ea typeface="MS Mincho" panose="02020609040205080304" pitchFamily="49" charset="-128"/>
@@ -6595,12 +6737,46 @@
                         </a:spcAft>
                       </a:pPr>
                       <a:r>
-                        <a:rPr lang="de-DE" sz="1200">
+                        <a:rPr lang="de-DE" sz="1100">
                           <a:effectLst/>
                         </a:rPr>
-                        <a:t>11</a:t>
+                        <a:t>70 % der UCs realisiert und getestet</a:t>
                       </a:r>
                       <a:endParaRPr lang="de-CH" sz="1200">
+                        <a:solidFill>
+                          <a:srgbClr val="365F91"/>
+                        </a:solidFill>
+                        <a:effectLst/>
+                        <a:latin typeface="Cambria" panose="02040503050406030204" pitchFamily="18" charset="0"/>
+                        <a:ea typeface="MS Mincho" panose="02020609040205080304" pitchFamily="49" charset="-128"/>
+                        <a:cs typeface="Times New Roman" panose="02020603050405020304" pitchFamily="18" charset="0"/>
+                      </a:endParaRPr>
+                    </a:p>
+                  </a:txBody>
+                  <a:tcPr marL="68580" marR="68580" marT="0" marB="0"/>
+                </a:tc>
+              </a:tr>
+              <a:tr h="175625">
+                <a:tc>
+                  <a:txBody>
+                    <a:bodyPr/>
+                    <a:lstStyle/>
+                    <a:p>
+                      <a:pPr>
+                        <a:spcAft>
+                          <a:spcPts val="0"/>
+                        </a:spcAft>
+                      </a:pPr>
+                      <a:r>
+                        <a:rPr lang="de-DE" sz="1100">
+                          <a:effectLst/>
+                        </a:rPr>
+                        <a:t> </a:t>
+                      </a:r>
+                      <a:endParaRPr lang="de-CH" sz="1200">
+                        <a:solidFill>
+                          <a:srgbClr val="365F91"/>
+                        </a:solidFill>
                         <a:effectLst/>
                         <a:latin typeface="Cambria" panose="02040503050406030204" pitchFamily="18" charset="0"/>
                         <a:ea typeface="MS Mincho" panose="02020609040205080304" pitchFamily="49" charset="-128"/>
@@ -6621,40 +6797,15 @@
                         </a:spcAft>
                       </a:pPr>
                       <a:r>
-                        <a:rPr lang="de-DE" sz="1200">
+                        <a:rPr lang="de-DE" sz="1100">
                           <a:effectLst/>
                         </a:rPr>
-                        <a:t>100 % der UCs realisiert und getestet, UI fertig</a:t>
+                        <a:t>9</a:t>
                       </a:r>
                       <a:endParaRPr lang="de-CH" sz="1200">
-                        <a:effectLst/>
-                        <a:latin typeface="Cambria" panose="02040503050406030204" pitchFamily="18" charset="0"/>
-                        <a:ea typeface="MS Mincho" panose="02020609040205080304" pitchFamily="49" charset="-128"/>
-                        <a:cs typeface="Times New Roman" panose="02020603050405020304" pitchFamily="18" charset="0"/>
-                      </a:endParaRPr>
-                    </a:p>
-                  </a:txBody>
-                  <a:tcPr marL="68580" marR="68580" marT="0" marB="0"/>
-                </a:tc>
-              </a:tr>
-              <a:tr h="231184">
-                <a:tc>
-                  <a:txBody>
-                    <a:bodyPr/>
-                    <a:lstStyle/>
-                    <a:p>
-                      <a:pPr>
-                        <a:spcAft>
-                          <a:spcPts val="0"/>
-                        </a:spcAft>
-                      </a:pPr>
-                      <a:r>
-                        <a:rPr lang="de-DE" sz="1200">
-                          <a:effectLst/>
-                        </a:rPr>
-                        <a:t>Transition</a:t>
-                      </a:r>
-                      <a:endParaRPr lang="de-CH" sz="1200">
+                        <a:solidFill>
+                          <a:srgbClr val="365F91"/>
+                        </a:solidFill>
                         <a:effectLst/>
                         <a:latin typeface="Cambria" panose="02040503050406030204" pitchFamily="18" charset="0"/>
                         <a:ea typeface="MS Mincho" panose="02020609040205080304" pitchFamily="49" charset="-128"/>
@@ -6675,12 +6826,15 @@
                         </a:spcAft>
                       </a:pPr>
                       <a:r>
-                        <a:rPr lang="de-DE" sz="1200">
+                        <a:rPr lang="de-DE" sz="1100">
                           <a:effectLst/>
                         </a:rPr>
-                        <a:t>12</a:t>
+                        <a:t> </a:t>
                       </a:r>
                       <a:endParaRPr lang="de-CH" sz="1200">
+                        <a:solidFill>
+                          <a:srgbClr val="365F91"/>
+                        </a:solidFill>
                         <a:effectLst/>
                         <a:latin typeface="Cambria" panose="02040503050406030204" pitchFamily="18" charset="0"/>
                         <a:ea typeface="MS Mincho" panose="02020609040205080304" pitchFamily="49" charset="-128"/>
@@ -6701,12 +6855,15 @@
                         </a:spcAft>
                       </a:pPr>
                       <a:r>
-                        <a:rPr lang="de-DE" sz="1200">
+                        <a:rPr lang="de-DE" sz="1100">
                           <a:effectLst/>
                         </a:rPr>
-                        <a:t>Systemtest und Dokumentation </a:t>
+                        <a:t>85 % der UCs realisiert und getestet</a:t>
                       </a:r>
                       <a:endParaRPr lang="de-CH" sz="1200">
+                        <a:solidFill>
+                          <a:srgbClr val="365F91"/>
+                        </a:solidFill>
                         <a:effectLst/>
                         <a:latin typeface="Cambria" panose="02040503050406030204" pitchFamily="18" charset="0"/>
                         <a:ea typeface="MS Mincho" panose="02020609040205080304" pitchFamily="49" charset="-128"/>
@@ -6717,7 +6874,7 @@
                   <a:tcPr marL="68580" marR="68580" marT="0" marB="0"/>
                 </a:tc>
               </a:tr>
-              <a:tr h="231184">
+              <a:tr h="351249">
                 <a:tc>
                   <a:txBody>
                     <a:bodyPr/>
@@ -6729,12 +6886,15 @@
                         </a:spcAft>
                       </a:pPr>
                       <a:r>
-                        <a:rPr lang="de-DE" sz="1200">
+                        <a:rPr lang="de-DE" sz="1100">
                           <a:effectLst/>
                         </a:rPr>
                         <a:t> </a:t>
                       </a:r>
                       <a:endParaRPr lang="de-CH" sz="1200">
+                        <a:solidFill>
+                          <a:srgbClr val="365F91"/>
+                        </a:solidFill>
                         <a:effectLst/>
                         <a:latin typeface="Cambria" panose="02040503050406030204" pitchFamily="18" charset="0"/>
                         <a:ea typeface="MS Mincho" panose="02020609040205080304" pitchFamily="49" charset="-128"/>
@@ -6755,12 +6915,15 @@
                         </a:spcAft>
                       </a:pPr>
                       <a:r>
-                        <a:rPr lang="de-DE" sz="1200">
+                        <a:rPr lang="de-DE" sz="1100">
                           <a:effectLst/>
                         </a:rPr>
-                        <a:t>13</a:t>
+                        <a:t>10</a:t>
                       </a:r>
                       <a:endParaRPr lang="de-CH" sz="1200">
+                        <a:solidFill>
+                          <a:srgbClr val="365F91"/>
+                        </a:solidFill>
                         <a:effectLst/>
                         <a:latin typeface="Cambria" panose="02040503050406030204" pitchFamily="18" charset="0"/>
                         <a:ea typeface="MS Mincho" panose="02020609040205080304" pitchFamily="49" charset="-128"/>
@@ -6781,12 +6944,280 @@
                         </a:spcAft>
                       </a:pPr>
                       <a:r>
-                        <a:rPr lang="de-DE" sz="1200" dirty="0">
+                        <a:rPr lang="de-DE" sz="1100">
+                          <a:effectLst/>
+                        </a:rPr>
+                        <a:t> </a:t>
+                      </a:r>
+                      <a:endParaRPr lang="de-CH" sz="1200">
+                        <a:solidFill>
+                          <a:srgbClr val="365F91"/>
+                        </a:solidFill>
+                        <a:effectLst/>
+                        <a:latin typeface="Cambria" panose="02040503050406030204" pitchFamily="18" charset="0"/>
+                        <a:ea typeface="MS Mincho" panose="02020609040205080304" pitchFamily="49" charset="-128"/>
+                        <a:cs typeface="Times New Roman" panose="02020603050405020304" pitchFamily="18" charset="0"/>
+                      </a:endParaRPr>
+                    </a:p>
+                  </a:txBody>
+                  <a:tcPr marL="68580" marR="68580" marT="0" marB="0"/>
+                </a:tc>
+                <a:tc>
+                  <a:txBody>
+                    <a:bodyPr/>
+                    <a:lstStyle/>
+                    <a:p>
+                      <a:pPr>
+                        <a:spcAft>
+                          <a:spcPts val="0"/>
+                        </a:spcAft>
+                      </a:pPr>
+                      <a:r>
+                        <a:rPr lang="de-DE" sz="1100">
+                          <a:effectLst/>
+                        </a:rPr>
+                        <a:t>100 % der UCs realisiert und getestet, UI fertig</a:t>
+                      </a:r>
+                      <a:endParaRPr lang="de-CH" sz="1200">
+                        <a:solidFill>
+                          <a:srgbClr val="365F91"/>
+                        </a:solidFill>
+                        <a:effectLst/>
+                        <a:latin typeface="Cambria" panose="02040503050406030204" pitchFamily="18" charset="0"/>
+                        <a:ea typeface="MS Mincho" panose="02020609040205080304" pitchFamily="49" charset="-128"/>
+                        <a:cs typeface="Times New Roman" panose="02020603050405020304" pitchFamily="18" charset="0"/>
+                      </a:endParaRPr>
+                    </a:p>
+                  </a:txBody>
+                  <a:tcPr marL="68580" marR="68580" marT="0" marB="0"/>
+                </a:tc>
+              </a:tr>
+              <a:tr h="175625">
+                <a:tc>
+                  <a:txBody>
+                    <a:bodyPr/>
+                    <a:lstStyle/>
+                    <a:p>
+                      <a:pPr>
+                        <a:spcAft>
+                          <a:spcPts val="0"/>
+                        </a:spcAft>
+                      </a:pPr>
+                      <a:r>
+                        <a:rPr lang="de-DE" sz="1100">
+                          <a:effectLst/>
+                        </a:rPr>
+                        <a:t>Transition</a:t>
+                      </a:r>
+                      <a:endParaRPr lang="de-CH" sz="1200">
+                        <a:solidFill>
+                          <a:srgbClr val="365F91"/>
+                        </a:solidFill>
+                        <a:effectLst/>
+                        <a:latin typeface="Cambria" panose="02040503050406030204" pitchFamily="18" charset="0"/>
+                        <a:ea typeface="MS Mincho" panose="02020609040205080304" pitchFamily="49" charset="-128"/>
+                        <a:cs typeface="Times New Roman" panose="02020603050405020304" pitchFamily="18" charset="0"/>
+                      </a:endParaRPr>
+                    </a:p>
+                  </a:txBody>
+                  <a:tcPr marL="68580" marR="68580" marT="0" marB="0"/>
+                </a:tc>
+                <a:tc>
+                  <a:txBody>
+                    <a:bodyPr/>
+                    <a:lstStyle/>
+                    <a:p>
+                      <a:pPr>
+                        <a:spcAft>
+                          <a:spcPts val="0"/>
+                        </a:spcAft>
+                      </a:pPr>
+                      <a:r>
+                        <a:rPr lang="de-DE" sz="1100">
+                          <a:effectLst/>
+                        </a:rPr>
+                        <a:t>11</a:t>
+                      </a:r>
+                      <a:endParaRPr lang="de-CH" sz="1200">
+                        <a:solidFill>
+                          <a:srgbClr val="365F91"/>
+                        </a:solidFill>
+                        <a:effectLst/>
+                        <a:latin typeface="Cambria" panose="02040503050406030204" pitchFamily="18" charset="0"/>
+                        <a:ea typeface="MS Mincho" panose="02020609040205080304" pitchFamily="49" charset="-128"/>
+                        <a:cs typeface="Times New Roman" panose="02020603050405020304" pitchFamily="18" charset="0"/>
+                      </a:endParaRPr>
+                    </a:p>
+                  </a:txBody>
+                  <a:tcPr marL="68580" marR="68580" marT="0" marB="0"/>
+                </a:tc>
+                <a:tc>
+                  <a:txBody>
+                    <a:bodyPr/>
+                    <a:lstStyle/>
+                    <a:p>
+                      <a:pPr>
+                        <a:spcAft>
+                          <a:spcPts val="0"/>
+                        </a:spcAft>
+                      </a:pPr>
+                      <a:r>
+                        <a:rPr lang="de-DE" sz="1100">
+                          <a:effectLst/>
+                        </a:rPr>
+                        <a:t> </a:t>
+                      </a:r>
+                      <a:endParaRPr lang="de-CH" sz="1200">
+                        <a:solidFill>
+                          <a:srgbClr val="365F91"/>
+                        </a:solidFill>
+                        <a:effectLst/>
+                        <a:latin typeface="Cambria" panose="02040503050406030204" pitchFamily="18" charset="0"/>
+                        <a:ea typeface="MS Mincho" panose="02020609040205080304" pitchFamily="49" charset="-128"/>
+                        <a:cs typeface="Times New Roman" panose="02020603050405020304" pitchFamily="18" charset="0"/>
+                      </a:endParaRPr>
+                    </a:p>
+                  </a:txBody>
+                  <a:tcPr marL="68580" marR="68580" marT="0" marB="0"/>
+                </a:tc>
+                <a:tc>
+                  <a:txBody>
+                    <a:bodyPr/>
+                    <a:lstStyle/>
+                    <a:p>
+                      <a:pPr>
+                        <a:spcAft>
+                          <a:spcPts val="0"/>
+                        </a:spcAft>
+                      </a:pPr>
+                      <a:r>
+                        <a:rPr lang="de-DE" sz="1100">
+                          <a:effectLst/>
+                        </a:rPr>
+                        <a:t>Systemtest und Dokumentation </a:t>
+                      </a:r>
+                      <a:endParaRPr lang="de-CH" sz="1200">
+                        <a:solidFill>
+                          <a:srgbClr val="365F91"/>
+                        </a:solidFill>
+                        <a:effectLst/>
+                        <a:latin typeface="Cambria" panose="02040503050406030204" pitchFamily="18" charset="0"/>
+                        <a:ea typeface="MS Mincho" panose="02020609040205080304" pitchFamily="49" charset="-128"/>
+                        <a:cs typeface="Times New Roman" panose="02020603050405020304" pitchFamily="18" charset="0"/>
+                      </a:endParaRPr>
+                    </a:p>
+                  </a:txBody>
+                  <a:tcPr marL="68580" marR="68580" marT="0" marB="0"/>
+                </a:tc>
+              </a:tr>
+              <a:tr h="175625">
+                <a:tc>
+                  <a:txBody>
+                    <a:bodyPr/>
+                    <a:lstStyle/>
+                    <a:p>
+                      <a:pPr>
+                        <a:spcAft>
+                          <a:spcPts val="0"/>
+                        </a:spcAft>
+                      </a:pPr>
+                      <a:r>
+                        <a:rPr lang="de-DE" sz="1100">
+                          <a:effectLst/>
+                        </a:rPr>
+                        <a:t> </a:t>
+                      </a:r>
+                      <a:endParaRPr lang="de-CH" sz="1200">
+                        <a:solidFill>
+                          <a:srgbClr val="365F91"/>
+                        </a:solidFill>
+                        <a:effectLst/>
+                        <a:latin typeface="Cambria" panose="02040503050406030204" pitchFamily="18" charset="0"/>
+                        <a:ea typeface="MS Mincho" panose="02020609040205080304" pitchFamily="49" charset="-128"/>
+                        <a:cs typeface="Times New Roman" panose="02020603050405020304" pitchFamily="18" charset="0"/>
+                      </a:endParaRPr>
+                    </a:p>
+                  </a:txBody>
+                  <a:tcPr marL="68580" marR="68580" marT="0" marB="0"/>
+                </a:tc>
+                <a:tc>
+                  <a:txBody>
+                    <a:bodyPr/>
+                    <a:lstStyle/>
+                    <a:p>
+                      <a:pPr>
+                        <a:spcAft>
+                          <a:spcPts val="0"/>
+                        </a:spcAft>
+                      </a:pPr>
+                      <a:r>
+                        <a:rPr lang="de-DE" sz="1100">
+                          <a:effectLst/>
+                        </a:rPr>
+                        <a:t>12</a:t>
+                      </a:r>
+                      <a:endParaRPr lang="de-CH" sz="1200">
+                        <a:solidFill>
+                          <a:srgbClr val="365F91"/>
+                        </a:solidFill>
+                        <a:effectLst/>
+                        <a:latin typeface="Cambria" panose="02040503050406030204" pitchFamily="18" charset="0"/>
+                        <a:ea typeface="MS Mincho" panose="02020609040205080304" pitchFamily="49" charset="-128"/>
+                        <a:cs typeface="Times New Roman" panose="02020603050405020304" pitchFamily="18" charset="0"/>
+                      </a:endParaRPr>
+                    </a:p>
+                  </a:txBody>
+                  <a:tcPr marL="68580" marR="68580" marT="0" marB="0"/>
+                </a:tc>
+                <a:tc>
+                  <a:txBody>
+                    <a:bodyPr/>
+                    <a:lstStyle/>
+                    <a:p>
+                      <a:pPr>
+                        <a:spcAft>
+                          <a:spcPts val="0"/>
+                        </a:spcAft>
+                      </a:pPr>
+                      <a:r>
+                        <a:rPr lang="de-DE" sz="1100">
+                          <a:effectLst/>
+                        </a:rPr>
+                        <a:t>11.12.12</a:t>
+                      </a:r>
+                      <a:endParaRPr lang="de-CH" sz="1200">
+                        <a:solidFill>
+                          <a:srgbClr val="365F91"/>
+                        </a:solidFill>
+                        <a:effectLst/>
+                        <a:latin typeface="Cambria" panose="02040503050406030204" pitchFamily="18" charset="0"/>
+                        <a:ea typeface="MS Mincho" panose="02020609040205080304" pitchFamily="49" charset="-128"/>
+                        <a:cs typeface="Times New Roman" panose="02020603050405020304" pitchFamily="18" charset="0"/>
+                      </a:endParaRPr>
+                    </a:p>
+                  </a:txBody>
+                  <a:tcPr marL="68580" marR="68580" marT="0" marB="0"/>
+                </a:tc>
+                <a:tc>
+                  <a:txBody>
+                    <a:bodyPr/>
+                    <a:lstStyle/>
+                    <a:p>
+                      <a:pPr>
+                        <a:spcAft>
+                          <a:spcPts val="0"/>
+                        </a:spcAft>
+                      </a:pPr>
+                      <a:r>
+                        <a:rPr lang="de-DE" sz="1100" dirty="0">
                           <a:effectLst/>
                         </a:rPr>
                         <a:t>Schlusspräsentation</a:t>
                       </a:r>
                       <a:endParaRPr lang="de-CH" sz="1200" dirty="0">
+                        <a:solidFill>
+                          <a:srgbClr val="365F91"/>
+                        </a:solidFill>
                         <a:effectLst/>
                         <a:latin typeface="Cambria" panose="02040503050406030204" pitchFamily="18" charset="0"/>
                         <a:ea typeface="MS Mincho" panose="02020609040205080304" pitchFamily="49" charset="-128"/>
@@ -7405,7 +7836,7 @@
         <a:effectLst/>
         <a:extLst>
           <a:ext uri="{AF507438-7753-43e0-B8FC-AC1667EBCBE1}">
-            <a14:hiddenEffects xmlns:a14="http://schemas.microsoft.com/office/drawing/2010/main" xmlns="">
+            <a14:hiddenEffects xmlns="" xmlns:a14="http://schemas.microsoft.com/office/drawing/2010/main">
               <a:effectLst>
                 <a:outerShdw blurRad="63500" dist="38099" dir="2700000" algn="ctr" rotWithShape="0">
                   <a:schemeClr val="bg2">
@@ -7481,7 +7912,7 @@
         <a:effectLst/>
         <a:extLst>
           <a:ext uri="{AF507438-7753-43e0-B8FC-AC1667EBCBE1}">
-            <a14:hiddenEffects xmlns:a14="http://schemas.microsoft.com/office/drawing/2010/main" xmlns="">
+            <a14:hiddenEffects xmlns="" xmlns:a14="http://schemas.microsoft.com/office/drawing/2010/main">
               <a:effectLst>
                 <a:outerShdw blurRad="63500" dist="38099" dir="2700000" algn="ctr" rotWithShape="0">
                   <a:schemeClr val="bg2">

--- a/Planung/projektskizze_nad.pptx
+++ b/Planung/projektskizze_nad.pptx
@@ -5,18 +5,20 @@
     <p:sldMasterId id="2147483648" r:id="rId1"/>
   </p:sldMasterIdLst>
   <p:notesMasterIdLst>
-    <p:notesMasterId r:id="rId11"/>
+    <p:notesMasterId r:id="rId13"/>
   </p:notesMasterIdLst>
   <p:sldIdLst>
     <p:sldId id="256" r:id="rId2"/>
     <p:sldId id="263" r:id="rId3"/>
-    <p:sldId id="264" r:id="rId4"/>
-    <p:sldId id="265" r:id="rId5"/>
-    <p:sldId id="257" r:id="rId6"/>
-    <p:sldId id="258" r:id="rId7"/>
-    <p:sldId id="259" r:id="rId8"/>
-    <p:sldId id="260" r:id="rId9"/>
-    <p:sldId id="266" r:id="rId10"/>
+    <p:sldId id="269" r:id="rId4"/>
+    <p:sldId id="264" r:id="rId5"/>
+    <p:sldId id="265" r:id="rId6"/>
+    <p:sldId id="257" r:id="rId7"/>
+    <p:sldId id="258" r:id="rId8"/>
+    <p:sldId id="259" r:id="rId9"/>
+    <p:sldId id="260" r:id="rId10"/>
+    <p:sldId id="266" r:id="rId11"/>
+    <p:sldId id="268" r:id="rId12"/>
   </p:sldIdLst>
   <p:sldSz cx="10080625" cy="7559675"/>
   <p:notesSz cx="7559675" cy="10691813"/>
@@ -187,7 +189,7 @@
   </p:defaultTextStyle>
   <p:extLst>
     <p:ext uri="{EFAFB233-063F-42B5-8137-9DF3F51BA10A}">
-      <p15:sldGuideLst xmlns:p15="http://schemas.microsoft.com/office/powerpoint/2012/main">
+      <p15:sldGuideLst xmlns:p15="http://schemas.microsoft.com/office/powerpoint/2012/main" xmlns="">
         <p15:guide id="1" orient="horz" pos="2160">
           <p15:clr>
             <a:srgbClr val="A4A3A4"/>
@@ -201,7 +203,7 @@
       </p15:sldGuideLst>
     </p:ext>
     <p:ext uri="{2D200454-40CA-4A62-9FC3-DE9A4176ACB9}">
-      <p15:notesGuideLst xmlns:p15="http://schemas.microsoft.com/office/powerpoint/2012/main">
+      <p15:notesGuideLst xmlns:p15="http://schemas.microsoft.com/office/powerpoint/2012/main" xmlns="">
         <p15:guide id="1" orient="horz" pos="2880">
           <p15:clr>
             <a:srgbClr val="A4A3A4"/>
@@ -267,15 +269,15 @@
           </a:ln>
           <a:effectLst/>
           <a:extLst>
-            <a:ext uri="{909E8E84-426E-40dd-AFC4-6F175D3DCCD1}">
-              <a14:hiddenFill xmlns="" xmlns:a14="http://schemas.microsoft.com/office/drawing/2010/main">
+            <a:ext uri="{909E8E84-426E-40DD-AFC4-6F175D3DCCD1}">
+              <a14:hiddenFill xmlns:a14="http://schemas.microsoft.com/office/drawing/2010/main">
                 <a:solidFill>
                   <a:srgbClr val="FFFFFF"/>
                 </a:solidFill>
               </a14:hiddenFill>
             </a:ext>
-            <a:ext uri="{91240B29-F687-4f45-9708-019B960494DF}">
-              <a14:hiddenLine xmlns="" xmlns:a14="http://schemas.microsoft.com/office/drawing/2010/main" w="9525">
+            <a:ext uri="{91240B29-F687-4F45-9708-019B960494DF}">
+              <a14:hiddenLine xmlns:a14="http://schemas.microsoft.com/office/drawing/2010/main" w="9525">
                 <a:solidFill>
                   <a:srgbClr val="808080"/>
                 </a:solidFill>
@@ -284,8 +286,8 @@
                 <a:tailEnd/>
               </a14:hiddenLine>
             </a:ext>
-            <a:ext uri="{AF507438-7753-43e0-B8FC-AC1667EBCBE1}">
-              <a14:hiddenEffects xmlns="" xmlns:a14="http://schemas.microsoft.com/office/drawing/2010/main">
+            <a:ext uri="{AF507438-7753-43E0-B8FC-AC1667EBCBE1}">
+              <a14:hiddenEffects xmlns:a14="http://schemas.microsoft.com/office/drawing/2010/main">
                 <a:effectLst>
                   <a:outerShdw blurRad="63500" dist="38099" dir="2700000" algn="ctr" rotWithShape="0">
                     <a:schemeClr val="bg2">
@@ -296,7 +298,7 @@
               </a14:hiddenEffects>
             </a:ext>
             <a:ext uri="{FAA26D3D-D897-4be2-8F04-BA451C77F1D7}">
-              <ma14:placeholderFlag xmlns="" xmlns:ma14="http://schemas.microsoft.com/office/mac/drawingml/2011/main" val="1"/>
+              <ma14:placeholderFlag xmlns:ma14="http://schemas.microsoft.com/office/mac/drawingml/2011/main" xmlns="" val="1"/>
             </a:ext>
           </a:extLst>
         </p:spPr>
@@ -325,15 +327,15 @@
           </a:ln>
           <a:effectLst/>
           <a:extLst>
-            <a:ext uri="{909E8E84-426E-40dd-AFC4-6F175D3DCCD1}">
-              <a14:hiddenFill xmlns="" xmlns:a14="http://schemas.microsoft.com/office/drawing/2010/main">
+            <a:ext uri="{909E8E84-426E-40DD-AFC4-6F175D3DCCD1}">
+              <a14:hiddenFill xmlns:a14="http://schemas.microsoft.com/office/drawing/2010/main">
                 <a:solidFill>
                   <a:srgbClr val="FFFFFF"/>
                 </a:solidFill>
               </a14:hiddenFill>
             </a:ext>
-            <a:ext uri="{91240B29-F687-4f45-9708-019B960494DF}">
-              <a14:hiddenLine xmlns="" xmlns:a14="http://schemas.microsoft.com/office/drawing/2010/main" w="9525">
+            <a:ext uri="{91240B29-F687-4F45-9708-019B960494DF}">
+              <a14:hiddenLine xmlns:a14="http://schemas.microsoft.com/office/drawing/2010/main" w="9525">
                 <a:solidFill>
                   <a:srgbClr val="808080"/>
                 </a:solidFill>
@@ -342,8 +344,8 @@
                 <a:tailEnd/>
               </a14:hiddenLine>
             </a:ext>
-            <a:ext uri="{AF507438-7753-43e0-B8FC-AC1667EBCBE1}">
-              <a14:hiddenEffects xmlns="" xmlns:a14="http://schemas.microsoft.com/office/drawing/2010/main">
+            <a:ext uri="{AF507438-7753-43E0-B8FC-AC1667EBCBE1}">
+              <a14:hiddenEffects xmlns:a14="http://schemas.microsoft.com/office/drawing/2010/main">
                 <a:effectLst>
                   <a:outerShdw blurRad="63500" dist="38099" dir="2700000" algn="ctr" rotWithShape="0">
                     <a:schemeClr val="bg2">
@@ -354,7 +356,7 @@
               </a14:hiddenEffects>
             </a:ext>
             <a:ext uri="{FAA26D3D-D897-4be2-8F04-BA451C77F1D7}">
-              <ma14:placeholderFlag xmlns="" xmlns:ma14="http://schemas.microsoft.com/office/mac/drawingml/2011/main" val="1"/>
+              <ma14:placeholderFlag xmlns:ma14="http://schemas.microsoft.com/office/mac/drawingml/2011/main" xmlns="" val="1"/>
             </a:ext>
           </a:extLst>
         </p:spPr>
@@ -395,15 +397,15 @@
           </a:ln>
           <a:effectLst/>
           <a:extLst>
-            <a:ext uri="{909E8E84-426E-40dd-AFC4-6F175D3DCCD1}">
-              <a14:hiddenFill xmlns="" xmlns:a14="http://schemas.microsoft.com/office/drawing/2010/main">
+            <a:ext uri="{909E8E84-426E-40DD-AFC4-6F175D3DCCD1}">
+              <a14:hiddenFill xmlns:a14="http://schemas.microsoft.com/office/drawing/2010/main">
                 <a:solidFill>
                   <a:srgbClr val="FFFFFF"/>
                 </a:solidFill>
               </a14:hiddenFill>
             </a:ext>
-            <a:ext uri="{91240B29-F687-4f45-9708-019B960494DF}">
-              <a14:hiddenLine xmlns="" xmlns:a14="http://schemas.microsoft.com/office/drawing/2010/main" w="9525">
+            <a:ext uri="{91240B29-F687-4F45-9708-019B960494DF}">
+              <a14:hiddenLine xmlns:a14="http://schemas.microsoft.com/office/drawing/2010/main" w="9525">
                 <a:solidFill>
                   <a:srgbClr val="808080"/>
                 </a:solidFill>
@@ -412,8 +414,8 @@
                 <a:tailEnd/>
               </a14:hiddenLine>
             </a:ext>
-            <a:ext uri="{AF507438-7753-43e0-B8FC-AC1667EBCBE1}">
-              <a14:hiddenEffects xmlns="" xmlns:a14="http://schemas.microsoft.com/office/drawing/2010/main">
+            <a:ext uri="{AF507438-7753-43E0-B8FC-AC1667EBCBE1}">
+              <a14:hiddenEffects xmlns:a14="http://schemas.microsoft.com/office/drawing/2010/main">
                 <a:effectLst>
                   <a:outerShdw blurRad="63500" dist="38099" dir="2700000" algn="ctr" rotWithShape="0">
                     <a:schemeClr val="bg2">
@@ -424,7 +426,7 @@
               </a14:hiddenEffects>
             </a:ext>
             <a:ext uri="{FAA26D3D-D897-4be2-8F04-BA451C77F1D7}">
-              <ma14:placeholderFlag xmlns="" xmlns:ma14="http://schemas.microsoft.com/office/mac/drawingml/2011/main" val="1"/>
+              <ma14:placeholderFlag xmlns:ma14="http://schemas.microsoft.com/office/mac/drawingml/2011/main" xmlns="" val="1"/>
             </a:ext>
           </a:extLst>
         </p:spPr>
@@ -479,15 +481,15 @@
           </a:ln>
           <a:effectLst/>
           <a:extLst>
-            <a:ext uri="{909E8E84-426E-40dd-AFC4-6F175D3DCCD1}">
-              <a14:hiddenFill xmlns="" xmlns:a14="http://schemas.microsoft.com/office/drawing/2010/main">
+            <a:ext uri="{909E8E84-426E-40DD-AFC4-6F175D3DCCD1}">
+              <a14:hiddenFill xmlns:a14="http://schemas.microsoft.com/office/drawing/2010/main">
                 <a:solidFill>
                   <a:srgbClr val="FFFFFF"/>
                 </a:solidFill>
               </a14:hiddenFill>
             </a:ext>
-            <a:ext uri="{91240B29-F687-4f45-9708-019B960494DF}">
-              <a14:hiddenLine xmlns="" xmlns:a14="http://schemas.microsoft.com/office/drawing/2010/main" w="9525">
+            <a:ext uri="{91240B29-F687-4F45-9708-019B960494DF}">
+              <a14:hiddenLine xmlns:a14="http://schemas.microsoft.com/office/drawing/2010/main" w="9525">
                 <a:solidFill>
                   <a:srgbClr val="808080"/>
                 </a:solidFill>
@@ -496,8 +498,8 @@
                 <a:tailEnd/>
               </a14:hiddenLine>
             </a:ext>
-            <a:ext uri="{AF507438-7753-43e0-B8FC-AC1667EBCBE1}">
-              <a14:hiddenEffects xmlns="" xmlns:a14="http://schemas.microsoft.com/office/drawing/2010/main">
+            <a:ext uri="{AF507438-7753-43E0-B8FC-AC1667EBCBE1}">
+              <a14:hiddenEffects xmlns:a14="http://schemas.microsoft.com/office/drawing/2010/main">
                 <a:effectLst>
                   <a:outerShdw blurRad="63500" dist="38099" dir="2700000" algn="ctr" rotWithShape="0">
                     <a:schemeClr val="bg2">
@@ -508,7 +510,7 @@
               </a14:hiddenEffects>
             </a:ext>
             <a:ext uri="{FAA26D3D-D897-4be2-8F04-BA451C77F1D7}">
-              <ma14:placeholderFlag xmlns="" xmlns:ma14="http://schemas.microsoft.com/office/mac/drawingml/2011/main" val="1"/>
+              <ma14:placeholderFlag xmlns:ma14="http://schemas.microsoft.com/office/mac/drawingml/2011/main" xmlns="" val="1"/>
             </a:ext>
           </a:extLst>
         </p:spPr>
@@ -563,15 +565,15 @@
           </a:ln>
           <a:effectLst/>
           <a:extLst>
-            <a:ext uri="{909E8E84-426E-40dd-AFC4-6F175D3DCCD1}">
-              <a14:hiddenFill xmlns="" xmlns:a14="http://schemas.microsoft.com/office/drawing/2010/main">
+            <a:ext uri="{909E8E84-426E-40DD-AFC4-6F175D3DCCD1}">
+              <a14:hiddenFill xmlns:a14="http://schemas.microsoft.com/office/drawing/2010/main">
                 <a:solidFill>
                   <a:srgbClr val="FFFFFF"/>
                 </a:solidFill>
               </a14:hiddenFill>
             </a:ext>
-            <a:ext uri="{91240B29-F687-4f45-9708-019B960494DF}">
-              <a14:hiddenLine xmlns="" xmlns:a14="http://schemas.microsoft.com/office/drawing/2010/main" w="9525">
+            <a:ext uri="{91240B29-F687-4F45-9708-019B960494DF}">
+              <a14:hiddenLine xmlns:a14="http://schemas.microsoft.com/office/drawing/2010/main" w="9525">
                 <a:solidFill>
                   <a:srgbClr val="808080"/>
                 </a:solidFill>
@@ -580,8 +582,8 @@
                 <a:tailEnd/>
               </a14:hiddenLine>
             </a:ext>
-            <a:ext uri="{AF507438-7753-43e0-B8FC-AC1667EBCBE1}">
-              <a14:hiddenEffects xmlns="" xmlns:a14="http://schemas.microsoft.com/office/drawing/2010/main">
+            <a:ext uri="{AF507438-7753-43E0-B8FC-AC1667EBCBE1}">
+              <a14:hiddenEffects xmlns:a14="http://schemas.microsoft.com/office/drawing/2010/main">
                 <a:effectLst>
                   <a:outerShdw blurRad="63500" dist="38099" dir="2700000" algn="ctr" rotWithShape="0">
                     <a:schemeClr val="bg2">
@@ -592,7 +594,7 @@
               </a14:hiddenEffects>
             </a:ext>
             <a:ext uri="{FAA26D3D-D897-4be2-8F04-BA451C77F1D7}">
-              <ma14:placeholderFlag xmlns="" xmlns:ma14="http://schemas.microsoft.com/office/mac/drawingml/2011/main" val="1"/>
+              <ma14:placeholderFlag xmlns:ma14="http://schemas.microsoft.com/office/mac/drawingml/2011/main" xmlns="" val="1"/>
             </a:ext>
           </a:extLst>
         </p:spPr>
@@ -647,15 +649,15 @@
           </a:ln>
           <a:effectLst/>
           <a:extLst>
-            <a:ext uri="{909E8E84-426E-40dd-AFC4-6F175D3DCCD1}">
-              <a14:hiddenFill xmlns="" xmlns:a14="http://schemas.microsoft.com/office/drawing/2010/main">
+            <a:ext uri="{909E8E84-426E-40DD-AFC4-6F175D3DCCD1}">
+              <a14:hiddenFill xmlns:a14="http://schemas.microsoft.com/office/drawing/2010/main">
                 <a:solidFill>
                   <a:srgbClr val="FFFFFF"/>
                 </a:solidFill>
               </a14:hiddenFill>
             </a:ext>
-            <a:ext uri="{91240B29-F687-4f45-9708-019B960494DF}">
-              <a14:hiddenLine xmlns="" xmlns:a14="http://schemas.microsoft.com/office/drawing/2010/main" w="9525">
+            <a:ext uri="{91240B29-F687-4F45-9708-019B960494DF}">
+              <a14:hiddenLine xmlns:a14="http://schemas.microsoft.com/office/drawing/2010/main" w="9525">
                 <a:solidFill>
                   <a:srgbClr val="808080"/>
                 </a:solidFill>
@@ -664,8 +666,8 @@
                 <a:tailEnd/>
               </a14:hiddenLine>
             </a:ext>
-            <a:ext uri="{AF507438-7753-43e0-B8FC-AC1667EBCBE1}">
-              <a14:hiddenEffects xmlns="" xmlns:a14="http://schemas.microsoft.com/office/drawing/2010/main">
+            <a:ext uri="{AF507438-7753-43E0-B8FC-AC1667EBCBE1}">
+              <a14:hiddenEffects xmlns:a14="http://schemas.microsoft.com/office/drawing/2010/main">
                 <a:effectLst>
                   <a:outerShdw blurRad="63500" dist="38099" dir="2700000" algn="ctr" rotWithShape="0">
                     <a:schemeClr val="bg2">
@@ -676,7 +678,7 @@
               </a14:hiddenEffects>
             </a:ext>
             <a:ext uri="{FAA26D3D-D897-4be2-8F04-BA451C77F1D7}">
-              <ma14:placeholderFlag xmlns="" xmlns:ma14="http://schemas.microsoft.com/office/mac/drawingml/2011/main" val="1"/>
+              <ma14:placeholderFlag xmlns:ma14="http://schemas.microsoft.com/office/mac/drawingml/2011/main" xmlns="" val="1"/>
             </a:ext>
           </a:extLst>
         </p:spPr>
@@ -706,7 +708,7 @@
             <a:fld id="{759A24F2-03E5-AD4B-98CB-4B6B1551B266}" type="slidenum">
               <a:rPr lang="en-US"/>
               <a:pPr/>
-              <a:t>‹#›</a:t>
+              <a:t>‹Nr.›</a:t>
             </a:fld>
             <a:endParaRPr lang="en-US"/>
           </a:p>
@@ -951,8 +953,8 @@
             <a:tailEnd/>
           </a:ln>
           <a:extLst>
-            <a:ext uri="{AF507438-7753-43e0-B8FC-AC1667EBCBE1}">
-              <a14:hiddenEffects xmlns="" xmlns:a14="http://schemas.microsoft.com/office/drawing/2010/main">
+            <a:ext uri="{AF507438-7753-43E0-B8FC-AC1667EBCBE1}">
+              <a14:hiddenEffects xmlns:a14="http://schemas.microsoft.com/office/drawing/2010/main">
                 <a:effectLst>
                   <a:outerShdw blurRad="63500" dist="38099" dir="2700000" algn="ctr" rotWithShape="0">
                     <a:srgbClr val="000000">
@@ -986,15 +988,15 @@
           <a:noFill/>
           <a:ln/>
           <a:extLst>
-            <a:ext uri="{909E8E84-426E-40dd-AFC4-6F175D3DCCD1}">
-              <a14:hiddenFill xmlns="" xmlns:a14="http://schemas.microsoft.com/office/drawing/2010/main">
+            <a:ext uri="{909E8E84-426E-40DD-AFC4-6F175D3DCCD1}">
+              <a14:hiddenFill xmlns:a14="http://schemas.microsoft.com/office/drawing/2010/main">
                 <a:solidFill>
                   <a:srgbClr val="FFFFFF"/>
                 </a:solidFill>
               </a14:hiddenFill>
             </a:ext>
-            <a:ext uri="{91240B29-F687-4f45-9708-019B960494DF}">
-              <a14:hiddenLine xmlns="" xmlns:a14="http://schemas.microsoft.com/office/drawing/2010/main" w="9525">
+            <a:ext uri="{91240B29-F687-4F45-9708-019B960494DF}">
+              <a14:hiddenLine xmlns:a14="http://schemas.microsoft.com/office/drawing/2010/main" w="9525">
                 <a:solidFill>
                   <a:srgbClr val="808080"/>
                 </a:solidFill>
@@ -1003,8 +1005,175 @@
                 <a:tailEnd/>
               </a14:hiddenLine>
             </a:ext>
-            <a:ext uri="{AF507438-7753-43e0-B8FC-AC1667EBCBE1}">
-              <a14:hiddenEffects xmlns="" xmlns:a14="http://schemas.microsoft.com/office/drawing/2010/main">
+            <a:ext uri="{AF507438-7753-43E0-B8FC-AC1667EBCBE1}">
+              <a14:hiddenEffects xmlns:a14="http://schemas.microsoft.com/office/drawing/2010/main">
+                <a:effectLst>
+                  <a:outerShdw blurRad="63500" dist="38099" dir="2700000" algn="ctr" rotWithShape="0">
+                    <a:srgbClr val="000000">
+                      <a:alpha val="74998"/>
+                    </a:srgbClr>
+                  </a:outerShdw>
+                </a:effectLst>
+              </a14:hiddenEffects>
+            </a:ext>
+          </a:extLst>
+        </p:spPr>
+        <p:txBody>
+          <a:bodyPr wrap="none" anchor="ctr"/>
+          <a:lstStyle/>
+          <a:p>
+            <a:endParaRPr lang="de-DE"/>
+          </a:p>
+        </p:txBody>
+      </p:sp>
+    </p:spTree>
+    <p:extLst>
+      <p:ext uri="{BB962C8B-B14F-4D97-AF65-F5344CB8AC3E}">
+        <p14:creationId xmlns:p14="http://schemas.microsoft.com/office/powerpoint/2010/main" val="2871305888"/>
+      </p:ext>
+    </p:extLst>
+  </p:cSld>
+  <p:clrMapOvr>
+    <a:masterClrMapping/>
+  </p:clrMapOvr>
+</p:notes>
+</file>
+
+<file path=ppt/notesSlides/notesSlide2.xml><?xml version="1.0" encoding="utf-8"?>
+<p:notes xmlns:a="http://schemas.openxmlformats.org/drawingml/2006/main" xmlns:r="http://schemas.openxmlformats.org/officeDocument/2006/relationships" xmlns:p="http://schemas.openxmlformats.org/presentationml/2006/main">
+  <p:cSld>
+    <p:bg>
+      <p:bgPr>
+        <a:solidFill>
+          <a:srgbClr val="FFFFFF"/>
+        </a:solidFill>
+        <a:effectLst/>
+      </p:bgPr>
+    </p:bg>
+    <p:spTree>
+      <p:nvGrpSpPr>
+        <p:cNvPr id="1" name=""/>
+        <p:cNvGrpSpPr/>
+        <p:nvPr/>
+      </p:nvGrpSpPr>
+      <p:grpSpPr>
+        <a:xfrm>
+          <a:off x="0" y="0"/>
+          <a:ext cx="0" cy="0"/>
+          <a:chOff x="0" y="0"/>
+          <a:chExt cx="0" cy="0"/>
+        </a:xfrm>
+      </p:grpSpPr>
+      <p:sp>
+        <p:nvSpPr>
+          <p:cNvPr id="7" name="Rectangle 6"/>
+          <p:cNvSpPr>
+            <a:spLocks noGrp="1" noChangeArrowheads="1"/>
+          </p:cNvSpPr>
+          <p:nvPr>
+            <p:ph type="sldNum"/>
+          </p:nvPr>
+        </p:nvSpPr>
+        <p:spPr>
+          <a:ln/>
+        </p:spPr>
+        <p:txBody>
+          <a:bodyPr/>
+          <a:lstStyle/>
+          <a:p>
+            <a:fld id="{511573D2-CE3B-B847-B193-A58F98F48F64}" type="slidenum">
+              <a:rPr lang="en-US"/>
+              <a:pPr/>
+              <a:t>11</a:t>
+            </a:fld>
+            <a:endParaRPr lang="en-US"/>
+          </a:p>
+        </p:txBody>
+      </p:sp>
+      <p:sp>
+        <p:nvSpPr>
+          <p:cNvPr id="14337" name="Text Box 1"/>
+          <p:cNvSpPr txBox="1">
+            <a:spLocks noGrp="1" noRot="1" noChangeAspect="1" noChangeArrowheads="1"/>
+          </p:cNvSpPr>
+          <p:nvPr>
+            <p:ph type="sldImg"/>
+          </p:nvPr>
+        </p:nvSpPr>
+        <p:spPr bwMode="auto">
+          <a:xfrm>
+            <a:off x="1106488" y="812800"/>
+            <a:ext cx="5345112" cy="4008438"/>
+          </a:xfrm>
+          <a:prstGeom prst="rect">
+            <a:avLst/>
+          </a:prstGeom>
+          <a:solidFill>
+            <a:srgbClr val="FFFFFF"/>
+          </a:solidFill>
+          <a:ln>
+            <a:solidFill>
+              <a:srgbClr val="000000"/>
+            </a:solidFill>
+            <a:miter lim="800000"/>
+            <a:headEnd/>
+            <a:tailEnd/>
+          </a:ln>
+          <a:extLst>
+            <a:ext uri="{AF507438-7753-43E0-B8FC-AC1667EBCBE1}">
+              <a14:hiddenEffects xmlns:a14="http://schemas.microsoft.com/office/drawing/2010/main">
+                <a:effectLst>
+                  <a:outerShdw blurRad="63500" dist="38099" dir="2700000" algn="ctr" rotWithShape="0">
+                    <a:srgbClr val="000000">
+                      <a:alpha val="74998"/>
+                    </a:srgbClr>
+                  </a:outerShdw>
+                </a:effectLst>
+              </a14:hiddenEffects>
+            </a:ext>
+          </a:extLst>
+        </p:spPr>
+      </p:sp>
+      <p:sp>
+        <p:nvSpPr>
+          <p:cNvPr id="14338" name="Text Box 2"/>
+          <p:cNvSpPr txBox="1">
+            <a:spLocks noGrp="1" noChangeArrowheads="1"/>
+          </p:cNvSpPr>
+          <p:nvPr>
+            <p:ph type="body" idx="1"/>
+          </p:nvPr>
+        </p:nvSpPr>
+        <p:spPr bwMode="auto">
+          <a:xfrm>
+            <a:off x="755650" y="5078413"/>
+            <a:ext cx="6048375" cy="4811712"/>
+          </a:xfrm>
+          <a:prstGeom prst="rect">
+            <a:avLst/>
+          </a:prstGeom>
+          <a:noFill/>
+          <a:ln/>
+          <a:extLst>
+            <a:ext uri="{909E8E84-426E-40DD-AFC4-6F175D3DCCD1}">
+              <a14:hiddenFill xmlns:a14="http://schemas.microsoft.com/office/drawing/2010/main">
+                <a:solidFill>
+                  <a:srgbClr val="FFFFFF"/>
+                </a:solidFill>
+              </a14:hiddenFill>
+            </a:ext>
+            <a:ext uri="{91240B29-F687-4F45-9708-019B960494DF}">
+              <a14:hiddenLine xmlns:a14="http://schemas.microsoft.com/office/drawing/2010/main" w="9525">
+                <a:solidFill>
+                  <a:srgbClr val="808080"/>
+                </a:solidFill>
+                <a:round/>
+                <a:headEnd/>
+                <a:tailEnd/>
+              </a14:hiddenLine>
+            </a:ext>
+            <a:ext uri="{AF507438-7753-43E0-B8FC-AC1667EBCBE1}">
+              <a14:hiddenEffects xmlns:a14="http://schemas.microsoft.com/office/drawing/2010/main">
                 <a:effectLst>
                   <a:outerShdw blurRad="63500" dist="38099" dir="2700000" algn="ctr" rotWithShape="0">
                     <a:srgbClr val="000000">
@@ -1215,7 +1384,7 @@
             <a:fld id="{5F5A8052-D477-544A-AB0D-848BBBD6B0CF}" type="slidenum">
               <a:rPr lang="en-US"/>
               <a:pPr/>
-              <a:t>‹#›</a:t>
+              <a:t>‹Nr.›</a:t>
             </a:fld>
             <a:endParaRPr lang="en-US"/>
           </a:p>
@@ -1394,7 +1563,7 @@
             <a:fld id="{B2967EBE-35BC-E84D-8881-9876F786AE5A}" type="slidenum">
               <a:rPr lang="en-US"/>
               <a:pPr/>
-              <a:t>‹#›</a:t>
+              <a:t>‹Nr.›</a:t>
             </a:fld>
             <a:endParaRPr lang="en-US"/>
           </a:p>
@@ -1583,7 +1752,7 @@
             <a:fld id="{138864AB-7166-544C-B585-C6F7B5A93DC3}" type="slidenum">
               <a:rPr lang="en-US"/>
               <a:pPr/>
-              <a:t>‹#›</a:t>
+              <a:t>‹Nr.›</a:t>
             </a:fld>
             <a:endParaRPr lang="en-US"/>
           </a:p>
@@ -1730,7 +1899,7 @@
             <a:fld id="{31565884-69F6-B244-9CD6-FBB84CD4B4FE}" type="slidenum">
               <a:rPr lang="en-US"/>
               <a:pPr/>
-              <a:t>‹#›</a:t>
+              <a:t>‹Nr.›</a:t>
             </a:fld>
             <a:endParaRPr lang="en-US"/>
           </a:p>
@@ -1909,7 +2078,7 @@
             <a:fld id="{C07E8DC2-405D-9749-AF85-D27B8B1FCFFD}" type="slidenum">
               <a:rPr lang="en-US"/>
               <a:pPr/>
-              <a:t>‹#›</a:t>
+              <a:t>‹Nr.›</a:t>
             </a:fld>
             <a:endParaRPr lang="en-US"/>
           </a:p>
@@ -2110,7 +2279,7 @@
             <a:fld id="{3F91F4C8-C6A7-134E-8016-4F28EE8B578B}" type="slidenum">
               <a:rPr lang="en-US"/>
               <a:pPr/>
-              <a:t>‹#›</a:t>
+              <a:t>‹Nr.›</a:t>
             </a:fld>
             <a:endParaRPr lang="en-US"/>
           </a:p>
@@ -2407,7 +2576,7 @@
             <a:fld id="{7C63571E-1D00-C745-8D96-D34E3203BB46}" type="slidenum">
               <a:rPr lang="en-US"/>
               <a:pPr/>
-              <a:t>‹#›</a:t>
+              <a:t>‹Nr.›</a:t>
             </a:fld>
             <a:endParaRPr lang="en-US"/>
           </a:p>
@@ -2843,7 +3012,7 @@
             <a:fld id="{734CE838-1F0A-4740-97F3-2F17A06A3A39}" type="slidenum">
               <a:rPr lang="en-US"/>
               <a:pPr/>
-              <a:t>‹#›</a:t>
+              <a:t>‹Nr.›</a:t>
             </a:fld>
             <a:endParaRPr lang="en-US"/>
           </a:p>
@@ -2970,7 +3139,7 @@
             <a:fld id="{78F6048A-94CB-E54E-83BF-FDFB0D0276BA}" type="slidenum">
               <a:rPr lang="en-US"/>
               <a:pPr/>
-              <a:t>‹#›</a:t>
+              <a:t>‹Nr.›</a:t>
             </a:fld>
             <a:endParaRPr lang="en-US"/>
           </a:p>
@@ -3074,7 +3243,7 @@
             <a:fld id="{BAB9C0BE-5E7B-B440-AF19-1270DDC367E7}" type="slidenum">
               <a:rPr lang="en-US"/>
               <a:pPr/>
-              <a:t>‹#›</a:t>
+              <a:t>‹Nr.›</a:t>
             </a:fld>
             <a:endParaRPr lang="en-US"/>
           </a:p>
@@ -3360,7 +3529,7 @@
             <a:fld id="{049D816E-57E9-F449-A7E3-85A45A58FF45}" type="slidenum">
               <a:rPr lang="en-US"/>
               <a:pPr/>
-              <a:t>‹#›</a:t>
+              <a:t>‹Nr.›</a:t>
             </a:fld>
             <a:endParaRPr lang="en-US"/>
           </a:p>
@@ -3622,7 +3791,7 @@
             <a:fld id="{C9E24F3E-EFB2-1C42-A072-A2D267BEF8AB}" type="slidenum">
               <a:rPr lang="en-US"/>
               <a:pPr/>
-              <a:t>‹#›</a:t>
+              <a:t>‹Nr.›</a:t>
             </a:fld>
             <a:endParaRPr lang="en-US"/>
           </a:p>
@@ -3694,15 +3863,15 @@
           </a:ln>
           <a:effectLst/>
           <a:extLst>
-            <a:ext uri="{909E8E84-426E-40dd-AFC4-6F175D3DCCD1}">
-              <a14:hiddenFill xmlns="" xmlns:a14="http://schemas.microsoft.com/office/drawing/2010/main">
+            <a:ext uri="{909E8E84-426E-40DD-AFC4-6F175D3DCCD1}">
+              <a14:hiddenFill xmlns:a14="http://schemas.microsoft.com/office/drawing/2010/main">
                 <a:solidFill>
                   <a:srgbClr val="FFFFFF"/>
                 </a:solidFill>
               </a14:hiddenFill>
             </a:ext>
-            <a:ext uri="{91240B29-F687-4f45-9708-019B960494DF}">
-              <a14:hiddenLine xmlns="" xmlns:a14="http://schemas.microsoft.com/office/drawing/2010/main" w="9525">
+            <a:ext uri="{91240B29-F687-4F45-9708-019B960494DF}">
+              <a14:hiddenLine xmlns:a14="http://schemas.microsoft.com/office/drawing/2010/main" w="9525">
                 <a:solidFill>
                   <a:srgbClr val="808080"/>
                 </a:solidFill>
@@ -3711,8 +3880,8 @@
                 <a:tailEnd/>
               </a14:hiddenLine>
             </a:ext>
-            <a:ext uri="{AF507438-7753-43e0-B8FC-AC1667EBCBE1}">
-              <a14:hiddenEffects xmlns="" xmlns:a14="http://schemas.microsoft.com/office/drawing/2010/main">
+            <a:ext uri="{AF507438-7753-43E0-B8FC-AC1667EBCBE1}">
+              <a14:hiddenEffects xmlns:a14="http://schemas.microsoft.com/office/drawing/2010/main">
                 <a:effectLst>
                   <a:outerShdw blurRad="63500" dist="38099" dir="2700000" algn="ctr" rotWithShape="0">
                     <a:schemeClr val="bg2">
@@ -3723,7 +3892,7 @@
               </a14:hiddenEffects>
             </a:ext>
             <a:ext uri="{FAA26D3D-D897-4be2-8F04-BA451C77F1D7}">
-              <ma14:placeholderFlag xmlns="" xmlns:ma14="http://schemas.microsoft.com/office/mac/drawingml/2011/main" val="1"/>
+              <ma14:placeholderFlag xmlns:ma14="http://schemas.microsoft.com/office/mac/drawingml/2011/main" xmlns="" val="1"/>
             </a:ext>
           </a:extLst>
         </p:spPr>
@@ -3767,15 +3936,15 @@
           </a:ln>
           <a:effectLst/>
           <a:extLst>
-            <a:ext uri="{909E8E84-426E-40dd-AFC4-6F175D3DCCD1}">
-              <a14:hiddenFill xmlns="" xmlns:a14="http://schemas.microsoft.com/office/drawing/2010/main">
+            <a:ext uri="{909E8E84-426E-40DD-AFC4-6F175D3DCCD1}">
+              <a14:hiddenFill xmlns:a14="http://schemas.microsoft.com/office/drawing/2010/main">
                 <a:solidFill>
                   <a:srgbClr val="FFFFFF"/>
                 </a:solidFill>
               </a14:hiddenFill>
             </a:ext>
-            <a:ext uri="{91240B29-F687-4f45-9708-019B960494DF}">
-              <a14:hiddenLine xmlns="" xmlns:a14="http://schemas.microsoft.com/office/drawing/2010/main" w="9525">
+            <a:ext uri="{91240B29-F687-4F45-9708-019B960494DF}">
+              <a14:hiddenLine xmlns:a14="http://schemas.microsoft.com/office/drawing/2010/main" w="9525">
                 <a:solidFill>
                   <a:srgbClr val="808080"/>
                 </a:solidFill>
@@ -3784,8 +3953,8 @@
                 <a:tailEnd/>
               </a14:hiddenLine>
             </a:ext>
-            <a:ext uri="{AF507438-7753-43e0-B8FC-AC1667EBCBE1}">
-              <a14:hiddenEffects xmlns="" xmlns:a14="http://schemas.microsoft.com/office/drawing/2010/main">
+            <a:ext uri="{AF507438-7753-43E0-B8FC-AC1667EBCBE1}">
+              <a14:hiddenEffects xmlns:a14="http://schemas.microsoft.com/office/drawing/2010/main">
                 <a:effectLst>
                   <a:outerShdw blurRad="63500" dist="38099" dir="2700000" algn="ctr" rotWithShape="0">
                     <a:schemeClr val="bg2">
@@ -3796,7 +3965,7 @@
               </a14:hiddenEffects>
             </a:ext>
             <a:ext uri="{FAA26D3D-D897-4be2-8F04-BA451C77F1D7}">
-              <ma14:placeholderFlag xmlns="" xmlns:ma14="http://schemas.microsoft.com/office/mac/drawingml/2011/main" val="1"/>
+              <ma14:placeholderFlag xmlns:ma14="http://schemas.microsoft.com/office/mac/drawingml/2011/main" xmlns="" val="1"/>
             </a:ext>
           </a:extLst>
         </p:spPr>
@@ -3896,15 +4065,15 @@
           </a:ln>
           <a:effectLst/>
           <a:extLst>
-            <a:ext uri="{909E8E84-426E-40dd-AFC4-6F175D3DCCD1}">
-              <a14:hiddenFill xmlns="" xmlns:a14="http://schemas.microsoft.com/office/drawing/2010/main">
+            <a:ext uri="{909E8E84-426E-40DD-AFC4-6F175D3DCCD1}">
+              <a14:hiddenFill xmlns:a14="http://schemas.microsoft.com/office/drawing/2010/main">
                 <a:solidFill>
                   <a:srgbClr val="FFFFFF"/>
                 </a:solidFill>
               </a14:hiddenFill>
             </a:ext>
-            <a:ext uri="{91240B29-F687-4f45-9708-019B960494DF}">
-              <a14:hiddenLine xmlns="" xmlns:a14="http://schemas.microsoft.com/office/drawing/2010/main" w="9525">
+            <a:ext uri="{91240B29-F687-4F45-9708-019B960494DF}">
+              <a14:hiddenLine xmlns:a14="http://schemas.microsoft.com/office/drawing/2010/main" w="9525">
                 <a:solidFill>
                   <a:srgbClr val="808080"/>
                 </a:solidFill>
@@ -3913,8 +4082,8 @@
                 <a:tailEnd/>
               </a14:hiddenLine>
             </a:ext>
-            <a:ext uri="{AF507438-7753-43e0-B8FC-AC1667EBCBE1}">
-              <a14:hiddenEffects xmlns="" xmlns:a14="http://schemas.microsoft.com/office/drawing/2010/main">
+            <a:ext uri="{AF507438-7753-43E0-B8FC-AC1667EBCBE1}">
+              <a14:hiddenEffects xmlns:a14="http://schemas.microsoft.com/office/drawing/2010/main">
                 <a:effectLst>
                   <a:outerShdw blurRad="63500" dist="38099" dir="2700000" algn="ctr" rotWithShape="0">
                     <a:schemeClr val="bg2">
@@ -3925,7 +4094,7 @@
               </a14:hiddenEffects>
             </a:ext>
             <a:ext uri="{FAA26D3D-D897-4be2-8F04-BA451C77F1D7}">
-              <ma14:placeholderFlag xmlns="" xmlns:ma14="http://schemas.microsoft.com/office/mac/drawingml/2011/main" val="1"/>
+              <ma14:placeholderFlag xmlns:ma14="http://schemas.microsoft.com/office/mac/drawingml/2011/main" xmlns="" val="1"/>
             </a:ext>
           </a:extLst>
         </p:spPr>
@@ -3979,15 +4148,15 @@
           </a:ln>
           <a:effectLst/>
           <a:extLst>
-            <a:ext uri="{909E8E84-426E-40dd-AFC4-6F175D3DCCD1}">
-              <a14:hiddenFill xmlns="" xmlns:a14="http://schemas.microsoft.com/office/drawing/2010/main">
+            <a:ext uri="{909E8E84-426E-40DD-AFC4-6F175D3DCCD1}">
+              <a14:hiddenFill xmlns:a14="http://schemas.microsoft.com/office/drawing/2010/main">
                 <a:solidFill>
                   <a:srgbClr val="FFFFFF"/>
                 </a:solidFill>
               </a14:hiddenFill>
             </a:ext>
-            <a:ext uri="{91240B29-F687-4f45-9708-019B960494DF}">
-              <a14:hiddenLine xmlns="" xmlns:a14="http://schemas.microsoft.com/office/drawing/2010/main" w="9525">
+            <a:ext uri="{91240B29-F687-4F45-9708-019B960494DF}">
+              <a14:hiddenLine xmlns:a14="http://schemas.microsoft.com/office/drawing/2010/main" w="9525">
                 <a:solidFill>
                   <a:srgbClr val="808080"/>
                 </a:solidFill>
@@ -3996,8 +4165,8 @@
                 <a:tailEnd/>
               </a14:hiddenLine>
             </a:ext>
-            <a:ext uri="{AF507438-7753-43e0-B8FC-AC1667EBCBE1}">
-              <a14:hiddenEffects xmlns="" xmlns:a14="http://schemas.microsoft.com/office/drawing/2010/main">
+            <a:ext uri="{AF507438-7753-43E0-B8FC-AC1667EBCBE1}">
+              <a14:hiddenEffects xmlns:a14="http://schemas.microsoft.com/office/drawing/2010/main">
                 <a:effectLst>
                   <a:outerShdw blurRad="63500" dist="38099" dir="2700000" algn="ctr" rotWithShape="0">
                     <a:schemeClr val="bg2">
@@ -4008,7 +4177,7 @@
               </a14:hiddenEffects>
             </a:ext>
             <a:ext uri="{FAA26D3D-D897-4be2-8F04-BA451C77F1D7}">
-              <ma14:placeholderFlag xmlns="" xmlns:ma14="http://schemas.microsoft.com/office/mac/drawingml/2011/main" val="1"/>
+              <ma14:placeholderFlag xmlns:ma14="http://schemas.microsoft.com/office/mac/drawingml/2011/main" xmlns="" val="1"/>
             </a:ext>
           </a:extLst>
         </p:spPr>
@@ -4063,15 +4232,15 @@
           </a:ln>
           <a:effectLst/>
           <a:extLst>
-            <a:ext uri="{909E8E84-426E-40dd-AFC4-6F175D3DCCD1}">
-              <a14:hiddenFill xmlns="" xmlns:a14="http://schemas.microsoft.com/office/drawing/2010/main">
+            <a:ext uri="{909E8E84-426E-40DD-AFC4-6F175D3DCCD1}">
+              <a14:hiddenFill xmlns:a14="http://schemas.microsoft.com/office/drawing/2010/main">
                 <a:solidFill>
                   <a:srgbClr val="FFFFFF"/>
                 </a:solidFill>
               </a14:hiddenFill>
             </a:ext>
-            <a:ext uri="{91240B29-F687-4f45-9708-019B960494DF}">
-              <a14:hiddenLine xmlns="" xmlns:a14="http://schemas.microsoft.com/office/drawing/2010/main" w="9525">
+            <a:ext uri="{91240B29-F687-4F45-9708-019B960494DF}">
+              <a14:hiddenLine xmlns:a14="http://schemas.microsoft.com/office/drawing/2010/main" w="9525">
                 <a:solidFill>
                   <a:srgbClr val="808080"/>
                 </a:solidFill>
@@ -4080,8 +4249,8 @@
                 <a:tailEnd/>
               </a14:hiddenLine>
             </a:ext>
-            <a:ext uri="{AF507438-7753-43e0-B8FC-AC1667EBCBE1}">
-              <a14:hiddenEffects xmlns="" xmlns:a14="http://schemas.microsoft.com/office/drawing/2010/main">
+            <a:ext uri="{AF507438-7753-43E0-B8FC-AC1667EBCBE1}">
+              <a14:hiddenEffects xmlns:a14="http://schemas.microsoft.com/office/drawing/2010/main">
                 <a:effectLst>
                   <a:outerShdw blurRad="63500" dist="38099" dir="2700000" algn="ctr" rotWithShape="0">
                     <a:schemeClr val="bg2">
@@ -4092,7 +4261,7 @@
               </a14:hiddenEffects>
             </a:ext>
             <a:ext uri="{FAA26D3D-D897-4be2-8F04-BA451C77F1D7}">
-              <ma14:placeholderFlag xmlns="" xmlns:ma14="http://schemas.microsoft.com/office/mac/drawingml/2011/main" val="1"/>
+              <ma14:placeholderFlag xmlns:ma14="http://schemas.microsoft.com/office/mac/drawingml/2011/main" xmlns="" val="1"/>
             </a:ext>
           </a:extLst>
         </p:spPr>
@@ -4121,7 +4290,7 @@
             <a:fld id="{5C6DD839-2E5C-A142-A315-95906FA82491}" type="slidenum">
               <a:rPr lang="en-US"/>
               <a:pPr/>
-              <a:t>‹#›</a:t>
+              <a:t>‹Nr.›</a:t>
             </a:fld>
             <a:endParaRPr lang="en-US"/>
           </a:p>
@@ -4821,6 +4990,1430 @@
 </p:sld>
 </file>
 
+<file path=ppt/slides/slide10.xml><?xml version="1.0" encoding="utf-8"?>
+<p:sld xmlns:a="http://schemas.openxmlformats.org/drawingml/2006/main" xmlns:r="http://schemas.openxmlformats.org/officeDocument/2006/relationships" xmlns:p="http://schemas.openxmlformats.org/presentationml/2006/main">
+  <p:cSld>
+    <p:spTree>
+      <p:nvGrpSpPr>
+        <p:cNvPr id="1" name=""/>
+        <p:cNvGrpSpPr/>
+        <p:nvPr/>
+      </p:nvGrpSpPr>
+      <p:grpSpPr>
+        <a:xfrm>
+          <a:off x="0" y="0"/>
+          <a:ext cx="0" cy="0"/>
+          <a:chOff x="0" y="0"/>
+          <a:chExt cx="0" cy="0"/>
+        </a:xfrm>
+      </p:grpSpPr>
+      <p:sp>
+        <p:nvSpPr>
+          <p:cNvPr id="2" name="Title 1"/>
+          <p:cNvSpPr>
+            <a:spLocks noGrp="1"/>
+          </p:cNvSpPr>
+          <p:nvPr>
+            <p:ph type="title"/>
+          </p:nvPr>
+        </p:nvSpPr>
+        <p:spPr>
+          <a:xfrm>
+            <a:off x="1727944" y="301625"/>
+            <a:ext cx="7844681" cy="1260475"/>
+          </a:xfrm>
+        </p:spPr>
+        <p:txBody>
+          <a:bodyPr/>
+          <a:lstStyle/>
+          <a:p>
+            <a:r>
+              <a:rPr lang="de-CH" dirty="0" smtClean="0"/>
+              <a:t>Wirtschaftlichkeit</a:t>
+            </a:r>
+            <a:endParaRPr lang="de-CH" dirty="0"/>
+          </a:p>
+        </p:txBody>
+      </p:sp>
+      <p:sp>
+        <p:nvSpPr>
+          <p:cNvPr id="4" name="AutoShape 1"/>
+          <p:cNvSpPr>
+            <a:spLocks noChangeArrowheads="1"/>
+          </p:cNvSpPr>
+          <p:nvPr/>
+        </p:nvSpPr>
+        <p:spPr bwMode="auto">
+          <a:xfrm>
+            <a:off x="2147888" y="2257425"/>
+            <a:ext cx="7364412" cy="784225"/>
+          </a:xfrm>
+          <a:prstGeom prst="roundRect">
+            <a:avLst>
+              <a:gd name="adj" fmla="val 11741"/>
+            </a:avLst>
+          </a:prstGeom>
+          <a:solidFill>
+            <a:srgbClr val="7985A9"/>
+          </a:solidFill>
+          <a:ln>
+            <a:noFill/>
+          </a:ln>
+          <a:effectLst/>
+          <a:extLst>
+            <a:ext uri="{91240B29-F687-4F45-9708-019B960494DF}">
+              <a14:hiddenLine xmlns:a14="http://schemas.microsoft.com/office/drawing/2010/main" w="9525">
+                <a:solidFill>
+                  <a:srgbClr val="000000"/>
+                </a:solidFill>
+                <a:round/>
+                <a:headEnd/>
+                <a:tailEnd/>
+              </a14:hiddenLine>
+            </a:ext>
+            <a:ext uri="{AF507438-7753-43E0-B8FC-AC1667EBCBE1}">
+              <a14:hiddenEffects xmlns:a14="http://schemas.microsoft.com/office/drawing/2010/main">
+                <a:effectLst>
+                  <a:outerShdw blurRad="63500" dist="38099" dir="2700000" algn="ctr" rotWithShape="0">
+                    <a:srgbClr val="000000">
+                      <a:alpha val="74998"/>
+                    </a:srgbClr>
+                  </a:outerShdw>
+                </a:effectLst>
+              </a14:hiddenEffects>
+            </a:ext>
+          </a:extLst>
+        </p:spPr>
+        <p:txBody>
+          <a:bodyPr lIns="90000" tIns="64404" rIns="90000" bIns="45000" anchor="ctr"/>
+          <a:lstStyle/>
+          <a:p>
+            <a:pPr algn="ctr">
+              <a:tabLst>
+                <a:tab pos="723900" algn="l"/>
+                <a:tab pos="1447800" algn="l"/>
+                <a:tab pos="2171700" algn="l"/>
+                <a:tab pos="2895600" algn="l"/>
+                <a:tab pos="3619500" algn="l"/>
+                <a:tab pos="4343400" algn="l"/>
+                <a:tab pos="5067300" algn="l"/>
+                <a:tab pos="5791200" algn="l"/>
+                <a:tab pos="6515100" algn="l"/>
+                <a:tab pos="7239000" algn="l"/>
+              </a:tabLst>
+            </a:pPr>
+            <a:r>
+              <a:rPr lang="en-US" sz="2200" dirty="0" err="1" smtClean="0">
+                <a:solidFill>
+                  <a:srgbClr val="000000"/>
+                </a:solidFill>
+              </a:rPr>
+              <a:t>Kosten</a:t>
+            </a:r>
+            <a:endParaRPr lang="en-US" sz="2200" dirty="0">
+              <a:solidFill>
+                <a:srgbClr val="000000"/>
+              </a:solidFill>
+            </a:endParaRPr>
+          </a:p>
+        </p:txBody>
+      </p:sp>
+      <p:sp>
+        <p:nvSpPr>
+          <p:cNvPr id="5" name="AutoShape 2"/>
+          <p:cNvSpPr>
+            <a:spLocks noChangeArrowheads="1"/>
+          </p:cNvSpPr>
+          <p:nvPr/>
+        </p:nvSpPr>
+        <p:spPr bwMode="auto">
+          <a:xfrm>
+            <a:off x="2166938" y="4292600"/>
+            <a:ext cx="7326312" cy="714375"/>
+          </a:xfrm>
+          <a:prstGeom prst="roundRect">
+            <a:avLst>
+              <a:gd name="adj" fmla="val 11741"/>
+            </a:avLst>
+          </a:prstGeom>
+          <a:solidFill>
+            <a:srgbClr val="B2C2F5"/>
+          </a:solidFill>
+          <a:ln>
+            <a:noFill/>
+          </a:ln>
+          <a:effectLst/>
+          <a:extLst>
+            <a:ext uri="{91240B29-F687-4F45-9708-019B960494DF}">
+              <a14:hiddenLine xmlns:a14="http://schemas.microsoft.com/office/drawing/2010/main" w="9525">
+                <a:solidFill>
+                  <a:srgbClr val="000000"/>
+                </a:solidFill>
+                <a:round/>
+                <a:headEnd/>
+                <a:tailEnd/>
+              </a14:hiddenLine>
+            </a:ext>
+            <a:ext uri="{AF507438-7753-43E0-B8FC-AC1667EBCBE1}">
+              <a14:hiddenEffects xmlns:a14="http://schemas.microsoft.com/office/drawing/2010/main">
+                <a:effectLst>
+                  <a:outerShdw blurRad="63500" dist="38099" dir="2700000" algn="ctr" rotWithShape="0">
+                    <a:srgbClr val="000000">
+                      <a:alpha val="74998"/>
+                    </a:srgbClr>
+                  </a:outerShdw>
+                </a:effectLst>
+              </a14:hiddenEffects>
+            </a:ext>
+          </a:extLst>
+        </p:spPr>
+        <p:txBody>
+          <a:bodyPr lIns="90000" tIns="64404" rIns="90000" bIns="45000" anchor="ctr"/>
+          <a:lstStyle/>
+          <a:p>
+            <a:pPr algn="ctr">
+              <a:tabLst>
+                <a:tab pos="723900" algn="l"/>
+                <a:tab pos="1447800" algn="l"/>
+                <a:tab pos="2171700" algn="l"/>
+                <a:tab pos="2895600" algn="l"/>
+                <a:tab pos="3619500" algn="l"/>
+                <a:tab pos="4343400" algn="l"/>
+                <a:tab pos="5067300" algn="l"/>
+                <a:tab pos="5791200" algn="l"/>
+                <a:tab pos="6515100" algn="l"/>
+                <a:tab pos="7239000" algn="l"/>
+              </a:tabLst>
+            </a:pPr>
+            <a:r>
+              <a:rPr lang="en-US" sz="2200" dirty="0" err="1" smtClean="0">
+                <a:solidFill>
+                  <a:srgbClr val="000000"/>
+                </a:solidFill>
+              </a:rPr>
+              <a:t>zu</a:t>
+            </a:r>
+            <a:r>
+              <a:rPr lang="en-US" sz="2200" dirty="0" smtClean="0">
+                <a:solidFill>
+                  <a:srgbClr val="000000"/>
+                </a:solidFill>
+              </a:rPr>
+              <a:t> </a:t>
+            </a:r>
+            <a:r>
+              <a:rPr lang="en-US" sz="2200" dirty="0" err="1" smtClean="0">
+                <a:solidFill>
+                  <a:srgbClr val="000000"/>
+                </a:solidFill>
+              </a:rPr>
+              <a:t>erreichende</a:t>
+            </a:r>
+            <a:r>
+              <a:rPr lang="en-US" sz="2200" dirty="0" smtClean="0">
+                <a:solidFill>
+                  <a:srgbClr val="000000"/>
+                </a:solidFill>
+              </a:rPr>
+              <a:t> </a:t>
+            </a:r>
+            <a:r>
+              <a:rPr lang="en-US" sz="2200" dirty="0" err="1" smtClean="0">
+                <a:solidFill>
+                  <a:srgbClr val="000000"/>
+                </a:solidFill>
+              </a:rPr>
+              <a:t>Verkäufe</a:t>
+            </a:r>
+            <a:endParaRPr lang="en-US" sz="2200" dirty="0">
+              <a:solidFill>
+                <a:srgbClr val="000000"/>
+              </a:solidFill>
+            </a:endParaRPr>
+          </a:p>
+        </p:txBody>
+      </p:sp>
+      <p:sp>
+        <p:nvSpPr>
+          <p:cNvPr id="6" name="Text Box 3"/>
+          <p:cNvSpPr txBox="1">
+            <a:spLocks noChangeArrowheads="1"/>
+          </p:cNvSpPr>
+          <p:nvPr/>
+        </p:nvSpPr>
+        <p:spPr bwMode="auto">
+          <a:xfrm>
+            <a:off x="2224088" y="3187700"/>
+            <a:ext cx="7258050" cy="976313"/>
+          </a:xfrm>
+          <a:prstGeom prst="rect">
+            <a:avLst/>
+          </a:prstGeom>
+          <a:noFill/>
+          <a:ln>
+            <a:noFill/>
+          </a:ln>
+          <a:effectLst/>
+          <a:extLst>
+            <a:ext uri="{909E8E84-426E-40DD-AFC4-6F175D3DCCD1}">
+              <a14:hiddenFill xmlns:a14="http://schemas.microsoft.com/office/drawing/2010/main">
+                <a:solidFill>
+                  <a:srgbClr val="FFFFFF"/>
+                </a:solidFill>
+              </a14:hiddenFill>
+            </a:ext>
+            <a:ext uri="{91240B29-F687-4F45-9708-019B960494DF}">
+              <a14:hiddenLine xmlns:a14="http://schemas.microsoft.com/office/drawing/2010/main" w="9525">
+                <a:solidFill>
+                  <a:srgbClr val="000000"/>
+                </a:solidFill>
+                <a:round/>
+                <a:headEnd type="oval" w="med" len="med"/>
+                <a:tailEnd/>
+              </a14:hiddenLine>
+            </a:ext>
+            <a:ext uri="{AF507438-7753-43E0-B8FC-AC1667EBCBE1}">
+              <a14:hiddenEffects xmlns:a14="http://schemas.microsoft.com/office/drawing/2010/main">
+                <a:effectLst>
+                  <a:outerShdw blurRad="63500" dist="38099" dir="2700000" algn="ctr" rotWithShape="0">
+                    <a:srgbClr val="000000">
+                      <a:alpha val="74998"/>
+                    </a:srgbClr>
+                  </a:outerShdw>
+                </a:effectLst>
+              </a14:hiddenEffects>
+            </a:ext>
+          </a:extLst>
+        </p:spPr>
+        <p:txBody>
+          <a:bodyPr lIns="90000" tIns="45000" rIns="90000" bIns="45000"/>
+          <a:lstStyle>
+            <a:lvl1pPr>
+              <a:tabLst>
+                <a:tab pos="723900" algn="l"/>
+                <a:tab pos="1447800" algn="l"/>
+                <a:tab pos="2171700" algn="l"/>
+                <a:tab pos="2895600" algn="l"/>
+                <a:tab pos="3619500" algn="l"/>
+                <a:tab pos="4343400" algn="l"/>
+                <a:tab pos="5067300" algn="l"/>
+                <a:tab pos="5791200" algn="l"/>
+                <a:tab pos="6515100" algn="l"/>
+                <a:tab pos="7239000" algn="l"/>
+              </a:tabLst>
+              <a:defRPr>
+                <a:solidFill>
+                  <a:srgbClr val="000000"/>
+                </a:solidFill>
+                <a:latin typeface="Arial" charset="0"/>
+                <a:ea typeface="宋体" charset="0"/>
+                <a:cs typeface="宋体" charset="0"/>
+              </a:defRPr>
+            </a:lvl1pPr>
+            <a:lvl2pPr>
+              <a:tabLst>
+                <a:tab pos="723900" algn="l"/>
+                <a:tab pos="1447800" algn="l"/>
+                <a:tab pos="2171700" algn="l"/>
+                <a:tab pos="2895600" algn="l"/>
+                <a:tab pos="3619500" algn="l"/>
+                <a:tab pos="4343400" algn="l"/>
+                <a:tab pos="5067300" algn="l"/>
+                <a:tab pos="5791200" algn="l"/>
+                <a:tab pos="6515100" algn="l"/>
+                <a:tab pos="7239000" algn="l"/>
+              </a:tabLst>
+              <a:defRPr>
+                <a:solidFill>
+                  <a:srgbClr val="000000"/>
+                </a:solidFill>
+                <a:latin typeface="Arial" charset="0"/>
+                <a:ea typeface="宋体" charset="0"/>
+                <a:cs typeface="宋体" charset="0"/>
+              </a:defRPr>
+            </a:lvl2pPr>
+            <a:lvl3pPr>
+              <a:tabLst>
+                <a:tab pos="723900" algn="l"/>
+                <a:tab pos="1447800" algn="l"/>
+                <a:tab pos="2171700" algn="l"/>
+                <a:tab pos="2895600" algn="l"/>
+                <a:tab pos="3619500" algn="l"/>
+                <a:tab pos="4343400" algn="l"/>
+                <a:tab pos="5067300" algn="l"/>
+                <a:tab pos="5791200" algn="l"/>
+                <a:tab pos="6515100" algn="l"/>
+                <a:tab pos="7239000" algn="l"/>
+              </a:tabLst>
+              <a:defRPr>
+                <a:solidFill>
+                  <a:srgbClr val="000000"/>
+                </a:solidFill>
+                <a:latin typeface="Arial" charset="0"/>
+                <a:ea typeface="宋体" charset="0"/>
+                <a:cs typeface="宋体" charset="0"/>
+              </a:defRPr>
+            </a:lvl3pPr>
+            <a:lvl4pPr>
+              <a:tabLst>
+                <a:tab pos="723900" algn="l"/>
+                <a:tab pos="1447800" algn="l"/>
+                <a:tab pos="2171700" algn="l"/>
+                <a:tab pos="2895600" algn="l"/>
+                <a:tab pos="3619500" algn="l"/>
+                <a:tab pos="4343400" algn="l"/>
+                <a:tab pos="5067300" algn="l"/>
+                <a:tab pos="5791200" algn="l"/>
+                <a:tab pos="6515100" algn="l"/>
+                <a:tab pos="7239000" algn="l"/>
+              </a:tabLst>
+              <a:defRPr>
+                <a:solidFill>
+                  <a:srgbClr val="000000"/>
+                </a:solidFill>
+                <a:latin typeface="Arial" charset="0"/>
+                <a:ea typeface="宋体" charset="0"/>
+                <a:cs typeface="宋体" charset="0"/>
+              </a:defRPr>
+            </a:lvl4pPr>
+            <a:lvl5pPr>
+              <a:tabLst>
+                <a:tab pos="723900" algn="l"/>
+                <a:tab pos="1447800" algn="l"/>
+                <a:tab pos="2171700" algn="l"/>
+                <a:tab pos="2895600" algn="l"/>
+                <a:tab pos="3619500" algn="l"/>
+                <a:tab pos="4343400" algn="l"/>
+                <a:tab pos="5067300" algn="l"/>
+                <a:tab pos="5791200" algn="l"/>
+                <a:tab pos="6515100" algn="l"/>
+                <a:tab pos="7239000" algn="l"/>
+              </a:tabLst>
+              <a:defRPr>
+                <a:solidFill>
+                  <a:srgbClr val="000000"/>
+                </a:solidFill>
+                <a:latin typeface="Arial" charset="0"/>
+                <a:ea typeface="宋体" charset="0"/>
+                <a:cs typeface="宋体" charset="0"/>
+              </a:defRPr>
+            </a:lvl5pPr>
+            <a:lvl6pPr marL="2514600" indent="-228600" defTabSz="449263" fontAlgn="base" hangingPunct="0">
+              <a:lnSpc>
+                <a:spcPct val="93000"/>
+              </a:lnSpc>
+              <a:spcBef>
+                <a:spcPct val="0"/>
+              </a:spcBef>
+              <a:spcAft>
+                <a:spcPct val="0"/>
+              </a:spcAft>
+              <a:buClr>
+                <a:srgbClr val="000000"/>
+              </a:buClr>
+              <a:buSzPct val="100000"/>
+              <a:buFont typeface="Times New Roman" charset="0"/>
+              <a:tabLst>
+                <a:tab pos="723900" algn="l"/>
+                <a:tab pos="1447800" algn="l"/>
+                <a:tab pos="2171700" algn="l"/>
+                <a:tab pos="2895600" algn="l"/>
+                <a:tab pos="3619500" algn="l"/>
+                <a:tab pos="4343400" algn="l"/>
+                <a:tab pos="5067300" algn="l"/>
+                <a:tab pos="5791200" algn="l"/>
+                <a:tab pos="6515100" algn="l"/>
+                <a:tab pos="7239000" algn="l"/>
+              </a:tabLst>
+              <a:defRPr>
+                <a:solidFill>
+                  <a:srgbClr val="000000"/>
+                </a:solidFill>
+                <a:latin typeface="Arial" charset="0"/>
+                <a:ea typeface="宋体" charset="0"/>
+                <a:cs typeface="宋体" charset="0"/>
+              </a:defRPr>
+            </a:lvl6pPr>
+            <a:lvl7pPr marL="2971800" indent="-228600" defTabSz="449263" fontAlgn="base" hangingPunct="0">
+              <a:lnSpc>
+                <a:spcPct val="93000"/>
+              </a:lnSpc>
+              <a:spcBef>
+                <a:spcPct val="0"/>
+              </a:spcBef>
+              <a:spcAft>
+                <a:spcPct val="0"/>
+              </a:spcAft>
+              <a:buClr>
+                <a:srgbClr val="000000"/>
+              </a:buClr>
+              <a:buSzPct val="100000"/>
+              <a:buFont typeface="Times New Roman" charset="0"/>
+              <a:tabLst>
+                <a:tab pos="723900" algn="l"/>
+                <a:tab pos="1447800" algn="l"/>
+                <a:tab pos="2171700" algn="l"/>
+                <a:tab pos="2895600" algn="l"/>
+                <a:tab pos="3619500" algn="l"/>
+                <a:tab pos="4343400" algn="l"/>
+                <a:tab pos="5067300" algn="l"/>
+                <a:tab pos="5791200" algn="l"/>
+                <a:tab pos="6515100" algn="l"/>
+                <a:tab pos="7239000" algn="l"/>
+              </a:tabLst>
+              <a:defRPr>
+                <a:solidFill>
+                  <a:srgbClr val="000000"/>
+                </a:solidFill>
+                <a:latin typeface="Arial" charset="0"/>
+                <a:ea typeface="宋体" charset="0"/>
+                <a:cs typeface="宋体" charset="0"/>
+              </a:defRPr>
+            </a:lvl7pPr>
+            <a:lvl8pPr marL="3429000" indent="-228600" defTabSz="449263" fontAlgn="base" hangingPunct="0">
+              <a:lnSpc>
+                <a:spcPct val="93000"/>
+              </a:lnSpc>
+              <a:spcBef>
+                <a:spcPct val="0"/>
+              </a:spcBef>
+              <a:spcAft>
+                <a:spcPct val="0"/>
+              </a:spcAft>
+              <a:buClr>
+                <a:srgbClr val="000000"/>
+              </a:buClr>
+              <a:buSzPct val="100000"/>
+              <a:buFont typeface="Times New Roman" charset="0"/>
+              <a:tabLst>
+                <a:tab pos="723900" algn="l"/>
+                <a:tab pos="1447800" algn="l"/>
+                <a:tab pos="2171700" algn="l"/>
+                <a:tab pos="2895600" algn="l"/>
+                <a:tab pos="3619500" algn="l"/>
+                <a:tab pos="4343400" algn="l"/>
+                <a:tab pos="5067300" algn="l"/>
+                <a:tab pos="5791200" algn="l"/>
+                <a:tab pos="6515100" algn="l"/>
+                <a:tab pos="7239000" algn="l"/>
+              </a:tabLst>
+              <a:defRPr>
+                <a:solidFill>
+                  <a:srgbClr val="000000"/>
+                </a:solidFill>
+                <a:latin typeface="Arial" charset="0"/>
+                <a:ea typeface="宋体" charset="0"/>
+                <a:cs typeface="宋体" charset="0"/>
+              </a:defRPr>
+            </a:lvl8pPr>
+            <a:lvl9pPr marL="3886200" indent="-228600" defTabSz="449263" fontAlgn="base" hangingPunct="0">
+              <a:lnSpc>
+                <a:spcPct val="93000"/>
+              </a:lnSpc>
+              <a:spcBef>
+                <a:spcPct val="0"/>
+              </a:spcBef>
+              <a:spcAft>
+                <a:spcPct val="0"/>
+              </a:spcAft>
+              <a:buClr>
+                <a:srgbClr val="000000"/>
+              </a:buClr>
+              <a:buSzPct val="100000"/>
+              <a:buFont typeface="Times New Roman" charset="0"/>
+              <a:tabLst>
+                <a:tab pos="723900" algn="l"/>
+                <a:tab pos="1447800" algn="l"/>
+                <a:tab pos="2171700" algn="l"/>
+                <a:tab pos="2895600" algn="l"/>
+                <a:tab pos="3619500" algn="l"/>
+                <a:tab pos="4343400" algn="l"/>
+                <a:tab pos="5067300" algn="l"/>
+                <a:tab pos="5791200" algn="l"/>
+                <a:tab pos="6515100" algn="l"/>
+                <a:tab pos="7239000" algn="l"/>
+              </a:tabLst>
+              <a:defRPr>
+                <a:solidFill>
+                  <a:srgbClr val="000000"/>
+                </a:solidFill>
+                <a:latin typeface="Arial" charset="0"/>
+                <a:ea typeface="宋体" charset="0"/>
+                <a:cs typeface="宋体" charset="0"/>
+              </a:defRPr>
+            </a:lvl9pPr>
+          </a:lstStyle>
+          <a:p>
+            <a:r>
+              <a:rPr lang="en-US" dirty="0" smtClean="0">
+                <a:cs typeface="方正宋体" charset="0"/>
+              </a:rPr>
+              <a:t>250 Mann-</a:t>
+            </a:r>
+            <a:r>
+              <a:rPr lang="en-US" dirty="0" err="1" smtClean="0">
+                <a:cs typeface="方正宋体" charset="0"/>
+              </a:rPr>
+              <a:t>Stunden</a:t>
+            </a:r>
+            <a:r>
+              <a:rPr lang="en-US" dirty="0" smtClean="0">
+                <a:cs typeface="方正宋体" charset="0"/>
+              </a:rPr>
+              <a:t>					</a:t>
+            </a:r>
+            <a:r>
+              <a:rPr lang="de-DE" dirty="0"/>
+              <a:t>200'000 </a:t>
+            </a:r>
+            <a:r>
+              <a:rPr lang="de-DE" dirty="0" smtClean="0"/>
+              <a:t>CHF</a:t>
+            </a:r>
+          </a:p>
+          <a:p>
+            <a:r>
+              <a:rPr lang="de-DE" dirty="0" smtClean="0"/>
+              <a:t>externe Leistungen				        +   40'000 CHF</a:t>
+            </a:r>
+          </a:p>
+          <a:p>
+            <a:r>
+              <a:rPr lang="de-CH" dirty="0" smtClean="0">
+                <a:cs typeface="方正宋体" charset="0"/>
+              </a:rPr>
+              <a:t>Aufwand Total					        = </a:t>
+            </a:r>
+            <a:r>
+              <a:rPr lang="de-DE" dirty="0"/>
+              <a:t>240'000 CHF</a:t>
+            </a:r>
+            <a:endParaRPr lang="de-DE" dirty="0">
+              <a:cs typeface="方正宋体" charset="0"/>
+            </a:endParaRPr>
+          </a:p>
+        </p:txBody>
+      </p:sp>
+      <p:sp>
+        <p:nvSpPr>
+          <p:cNvPr id="7" name="Text Box 4"/>
+          <p:cNvSpPr txBox="1">
+            <a:spLocks noChangeArrowheads="1"/>
+          </p:cNvSpPr>
+          <p:nvPr/>
+        </p:nvSpPr>
+        <p:spPr bwMode="auto">
+          <a:xfrm>
+            <a:off x="2224088" y="5168900"/>
+            <a:ext cx="7258050" cy="976313"/>
+          </a:xfrm>
+          <a:prstGeom prst="rect">
+            <a:avLst/>
+          </a:prstGeom>
+          <a:noFill/>
+          <a:ln>
+            <a:noFill/>
+          </a:ln>
+          <a:effectLst/>
+          <a:extLst>
+            <a:ext uri="{909E8E84-426E-40DD-AFC4-6F175D3DCCD1}">
+              <a14:hiddenFill xmlns:a14="http://schemas.microsoft.com/office/drawing/2010/main">
+                <a:solidFill>
+                  <a:srgbClr val="FFFFFF"/>
+                </a:solidFill>
+              </a14:hiddenFill>
+            </a:ext>
+            <a:ext uri="{91240B29-F687-4F45-9708-019B960494DF}">
+              <a14:hiddenLine xmlns:a14="http://schemas.microsoft.com/office/drawing/2010/main" w="9525">
+                <a:solidFill>
+                  <a:srgbClr val="000000"/>
+                </a:solidFill>
+                <a:round/>
+                <a:headEnd type="oval" w="med" len="med"/>
+                <a:tailEnd/>
+              </a14:hiddenLine>
+            </a:ext>
+            <a:ext uri="{AF507438-7753-43E0-B8FC-AC1667EBCBE1}">
+              <a14:hiddenEffects xmlns:a14="http://schemas.microsoft.com/office/drawing/2010/main">
+                <a:effectLst>
+                  <a:outerShdw blurRad="63500" dist="38099" dir="2700000" algn="ctr" rotWithShape="0">
+                    <a:srgbClr val="000000">
+                      <a:alpha val="74998"/>
+                    </a:srgbClr>
+                  </a:outerShdw>
+                </a:effectLst>
+              </a14:hiddenEffects>
+            </a:ext>
+          </a:extLst>
+        </p:spPr>
+        <p:txBody>
+          <a:bodyPr lIns="90000" tIns="45000" rIns="90000" bIns="45000"/>
+          <a:lstStyle>
+            <a:lvl1pPr>
+              <a:tabLst>
+                <a:tab pos="723900" algn="l"/>
+                <a:tab pos="1447800" algn="l"/>
+                <a:tab pos="2171700" algn="l"/>
+                <a:tab pos="2895600" algn="l"/>
+                <a:tab pos="3619500" algn="l"/>
+                <a:tab pos="4343400" algn="l"/>
+                <a:tab pos="5067300" algn="l"/>
+                <a:tab pos="5791200" algn="l"/>
+                <a:tab pos="6515100" algn="l"/>
+                <a:tab pos="7239000" algn="l"/>
+              </a:tabLst>
+              <a:defRPr>
+                <a:solidFill>
+                  <a:srgbClr val="000000"/>
+                </a:solidFill>
+                <a:latin typeface="Arial" charset="0"/>
+                <a:ea typeface="宋体" charset="0"/>
+                <a:cs typeface="宋体" charset="0"/>
+              </a:defRPr>
+            </a:lvl1pPr>
+            <a:lvl2pPr>
+              <a:tabLst>
+                <a:tab pos="723900" algn="l"/>
+                <a:tab pos="1447800" algn="l"/>
+                <a:tab pos="2171700" algn="l"/>
+                <a:tab pos="2895600" algn="l"/>
+                <a:tab pos="3619500" algn="l"/>
+                <a:tab pos="4343400" algn="l"/>
+                <a:tab pos="5067300" algn="l"/>
+                <a:tab pos="5791200" algn="l"/>
+                <a:tab pos="6515100" algn="l"/>
+                <a:tab pos="7239000" algn="l"/>
+              </a:tabLst>
+              <a:defRPr>
+                <a:solidFill>
+                  <a:srgbClr val="000000"/>
+                </a:solidFill>
+                <a:latin typeface="Arial" charset="0"/>
+                <a:ea typeface="宋体" charset="0"/>
+                <a:cs typeface="宋体" charset="0"/>
+              </a:defRPr>
+            </a:lvl2pPr>
+            <a:lvl3pPr>
+              <a:tabLst>
+                <a:tab pos="723900" algn="l"/>
+                <a:tab pos="1447800" algn="l"/>
+                <a:tab pos="2171700" algn="l"/>
+                <a:tab pos="2895600" algn="l"/>
+                <a:tab pos="3619500" algn="l"/>
+                <a:tab pos="4343400" algn="l"/>
+                <a:tab pos="5067300" algn="l"/>
+                <a:tab pos="5791200" algn="l"/>
+                <a:tab pos="6515100" algn="l"/>
+                <a:tab pos="7239000" algn="l"/>
+              </a:tabLst>
+              <a:defRPr>
+                <a:solidFill>
+                  <a:srgbClr val="000000"/>
+                </a:solidFill>
+                <a:latin typeface="Arial" charset="0"/>
+                <a:ea typeface="宋体" charset="0"/>
+                <a:cs typeface="宋体" charset="0"/>
+              </a:defRPr>
+            </a:lvl3pPr>
+            <a:lvl4pPr>
+              <a:tabLst>
+                <a:tab pos="723900" algn="l"/>
+                <a:tab pos="1447800" algn="l"/>
+                <a:tab pos="2171700" algn="l"/>
+                <a:tab pos="2895600" algn="l"/>
+                <a:tab pos="3619500" algn="l"/>
+                <a:tab pos="4343400" algn="l"/>
+                <a:tab pos="5067300" algn="l"/>
+                <a:tab pos="5791200" algn="l"/>
+                <a:tab pos="6515100" algn="l"/>
+                <a:tab pos="7239000" algn="l"/>
+              </a:tabLst>
+              <a:defRPr>
+                <a:solidFill>
+                  <a:srgbClr val="000000"/>
+                </a:solidFill>
+                <a:latin typeface="Arial" charset="0"/>
+                <a:ea typeface="宋体" charset="0"/>
+                <a:cs typeface="宋体" charset="0"/>
+              </a:defRPr>
+            </a:lvl4pPr>
+            <a:lvl5pPr>
+              <a:tabLst>
+                <a:tab pos="723900" algn="l"/>
+                <a:tab pos="1447800" algn="l"/>
+                <a:tab pos="2171700" algn="l"/>
+                <a:tab pos="2895600" algn="l"/>
+                <a:tab pos="3619500" algn="l"/>
+                <a:tab pos="4343400" algn="l"/>
+                <a:tab pos="5067300" algn="l"/>
+                <a:tab pos="5791200" algn="l"/>
+                <a:tab pos="6515100" algn="l"/>
+                <a:tab pos="7239000" algn="l"/>
+              </a:tabLst>
+              <a:defRPr>
+                <a:solidFill>
+                  <a:srgbClr val="000000"/>
+                </a:solidFill>
+                <a:latin typeface="Arial" charset="0"/>
+                <a:ea typeface="宋体" charset="0"/>
+                <a:cs typeface="宋体" charset="0"/>
+              </a:defRPr>
+            </a:lvl5pPr>
+            <a:lvl6pPr marL="2514600" indent="-228600" defTabSz="449263" fontAlgn="base" hangingPunct="0">
+              <a:lnSpc>
+                <a:spcPct val="93000"/>
+              </a:lnSpc>
+              <a:spcBef>
+                <a:spcPct val="0"/>
+              </a:spcBef>
+              <a:spcAft>
+                <a:spcPct val="0"/>
+              </a:spcAft>
+              <a:buClr>
+                <a:srgbClr val="000000"/>
+              </a:buClr>
+              <a:buSzPct val="100000"/>
+              <a:buFont typeface="Times New Roman" charset="0"/>
+              <a:tabLst>
+                <a:tab pos="723900" algn="l"/>
+                <a:tab pos="1447800" algn="l"/>
+                <a:tab pos="2171700" algn="l"/>
+                <a:tab pos="2895600" algn="l"/>
+                <a:tab pos="3619500" algn="l"/>
+                <a:tab pos="4343400" algn="l"/>
+                <a:tab pos="5067300" algn="l"/>
+                <a:tab pos="5791200" algn="l"/>
+                <a:tab pos="6515100" algn="l"/>
+                <a:tab pos="7239000" algn="l"/>
+              </a:tabLst>
+              <a:defRPr>
+                <a:solidFill>
+                  <a:srgbClr val="000000"/>
+                </a:solidFill>
+                <a:latin typeface="Arial" charset="0"/>
+                <a:ea typeface="宋体" charset="0"/>
+                <a:cs typeface="宋体" charset="0"/>
+              </a:defRPr>
+            </a:lvl6pPr>
+            <a:lvl7pPr marL="2971800" indent="-228600" defTabSz="449263" fontAlgn="base" hangingPunct="0">
+              <a:lnSpc>
+                <a:spcPct val="93000"/>
+              </a:lnSpc>
+              <a:spcBef>
+                <a:spcPct val="0"/>
+              </a:spcBef>
+              <a:spcAft>
+                <a:spcPct val="0"/>
+              </a:spcAft>
+              <a:buClr>
+                <a:srgbClr val="000000"/>
+              </a:buClr>
+              <a:buSzPct val="100000"/>
+              <a:buFont typeface="Times New Roman" charset="0"/>
+              <a:tabLst>
+                <a:tab pos="723900" algn="l"/>
+                <a:tab pos="1447800" algn="l"/>
+                <a:tab pos="2171700" algn="l"/>
+                <a:tab pos="2895600" algn="l"/>
+                <a:tab pos="3619500" algn="l"/>
+                <a:tab pos="4343400" algn="l"/>
+                <a:tab pos="5067300" algn="l"/>
+                <a:tab pos="5791200" algn="l"/>
+                <a:tab pos="6515100" algn="l"/>
+                <a:tab pos="7239000" algn="l"/>
+              </a:tabLst>
+              <a:defRPr>
+                <a:solidFill>
+                  <a:srgbClr val="000000"/>
+                </a:solidFill>
+                <a:latin typeface="Arial" charset="0"/>
+                <a:ea typeface="宋体" charset="0"/>
+                <a:cs typeface="宋体" charset="0"/>
+              </a:defRPr>
+            </a:lvl7pPr>
+            <a:lvl8pPr marL="3429000" indent="-228600" defTabSz="449263" fontAlgn="base" hangingPunct="0">
+              <a:lnSpc>
+                <a:spcPct val="93000"/>
+              </a:lnSpc>
+              <a:spcBef>
+                <a:spcPct val="0"/>
+              </a:spcBef>
+              <a:spcAft>
+                <a:spcPct val="0"/>
+              </a:spcAft>
+              <a:buClr>
+                <a:srgbClr val="000000"/>
+              </a:buClr>
+              <a:buSzPct val="100000"/>
+              <a:buFont typeface="Times New Roman" charset="0"/>
+              <a:tabLst>
+                <a:tab pos="723900" algn="l"/>
+                <a:tab pos="1447800" algn="l"/>
+                <a:tab pos="2171700" algn="l"/>
+                <a:tab pos="2895600" algn="l"/>
+                <a:tab pos="3619500" algn="l"/>
+                <a:tab pos="4343400" algn="l"/>
+                <a:tab pos="5067300" algn="l"/>
+                <a:tab pos="5791200" algn="l"/>
+                <a:tab pos="6515100" algn="l"/>
+                <a:tab pos="7239000" algn="l"/>
+              </a:tabLst>
+              <a:defRPr>
+                <a:solidFill>
+                  <a:srgbClr val="000000"/>
+                </a:solidFill>
+                <a:latin typeface="Arial" charset="0"/>
+                <a:ea typeface="宋体" charset="0"/>
+                <a:cs typeface="宋体" charset="0"/>
+              </a:defRPr>
+            </a:lvl8pPr>
+            <a:lvl9pPr marL="3886200" indent="-228600" defTabSz="449263" fontAlgn="base" hangingPunct="0">
+              <a:lnSpc>
+                <a:spcPct val="93000"/>
+              </a:lnSpc>
+              <a:spcBef>
+                <a:spcPct val="0"/>
+              </a:spcBef>
+              <a:spcAft>
+                <a:spcPct val="0"/>
+              </a:spcAft>
+              <a:buClr>
+                <a:srgbClr val="000000"/>
+              </a:buClr>
+              <a:buSzPct val="100000"/>
+              <a:buFont typeface="Times New Roman" charset="0"/>
+              <a:tabLst>
+                <a:tab pos="723900" algn="l"/>
+                <a:tab pos="1447800" algn="l"/>
+                <a:tab pos="2171700" algn="l"/>
+                <a:tab pos="2895600" algn="l"/>
+                <a:tab pos="3619500" algn="l"/>
+                <a:tab pos="4343400" algn="l"/>
+                <a:tab pos="5067300" algn="l"/>
+                <a:tab pos="5791200" algn="l"/>
+                <a:tab pos="6515100" algn="l"/>
+                <a:tab pos="7239000" algn="l"/>
+              </a:tabLst>
+              <a:defRPr>
+                <a:solidFill>
+                  <a:srgbClr val="000000"/>
+                </a:solidFill>
+                <a:latin typeface="Arial" charset="0"/>
+                <a:ea typeface="宋体" charset="0"/>
+                <a:cs typeface="宋体" charset="0"/>
+              </a:defRPr>
+            </a:lvl9pPr>
+          </a:lstStyle>
+          <a:p>
+            <a:r>
+              <a:rPr lang="de-DE" dirty="0" smtClean="0"/>
+              <a:t>Erlös pro Spiel					         20 CHF</a:t>
+            </a:r>
+          </a:p>
+          <a:p>
+            <a:endParaRPr lang="de-DE" dirty="0" smtClean="0"/>
+          </a:p>
+          <a:p>
+            <a:r>
+              <a:rPr lang="de-DE" dirty="0"/>
+              <a:t>Grundentwicklung ist gedeckt bei 	   20'000 verkauften Spielen  </a:t>
+            </a:r>
+          </a:p>
+          <a:p>
+            <a:r>
+              <a:rPr lang="de-DE" dirty="0" smtClean="0"/>
+              <a:t>Investition lohnt sich nach	</a:t>
+            </a:r>
+            <a:r>
+              <a:rPr lang="de-DE" dirty="0"/>
+              <a:t>	   20'000 verkauften Spielen  </a:t>
+            </a:r>
+          </a:p>
+          <a:p>
+            <a:endParaRPr lang="en-US" dirty="0" smtClean="0">
+              <a:cs typeface="方正宋体" charset="0"/>
+            </a:endParaRPr>
+          </a:p>
+        </p:txBody>
+      </p:sp>
+    </p:spTree>
+    <p:extLst>
+      <p:ext uri="{BB962C8B-B14F-4D97-AF65-F5344CB8AC3E}">
+        <p14:creationId xmlns:p14="http://schemas.microsoft.com/office/powerpoint/2010/main" val="303706923"/>
+      </p:ext>
+    </p:extLst>
+  </p:cSld>
+  <p:clrMapOvr>
+    <a:masterClrMapping/>
+  </p:clrMapOvr>
+</p:sld>
+</file>
+
+<file path=ppt/slides/slide11.xml><?xml version="1.0" encoding="utf-8"?>
+<p:sld xmlns:a="http://schemas.openxmlformats.org/drawingml/2006/main" xmlns:r="http://schemas.openxmlformats.org/officeDocument/2006/relationships" xmlns:p="http://schemas.openxmlformats.org/presentationml/2006/main">
+  <p:cSld>
+    <p:bg>
+      <p:bgPr>
+        <a:blipFill dpi="0" rotWithShape="0">
+          <a:blip r:embed="rId3"/>
+          <a:srcRect/>
+          <a:stretch>
+            <a:fillRect/>
+          </a:stretch>
+        </a:blipFill>
+        <a:effectLst/>
+      </p:bgPr>
+    </p:bg>
+    <p:spTree>
+      <p:nvGrpSpPr>
+        <p:cNvPr id="1" name=""/>
+        <p:cNvGrpSpPr/>
+        <p:nvPr/>
+      </p:nvGrpSpPr>
+      <p:grpSpPr>
+        <a:xfrm>
+          <a:off x="0" y="0"/>
+          <a:ext cx="0" cy="0"/>
+          <a:chOff x="0" y="0"/>
+          <a:chExt cx="0" cy="0"/>
+        </a:xfrm>
+      </p:grpSpPr>
+      <p:sp>
+        <p:nvSpPr>
+          <p:cNvPr id="2" name="Titel 1"/>
+          <p:cNvSpPr>
+            <a:spLocks noGrp="1"/>
+          </p:cNvSpPr>
+          <p:nvPr>
+            <p:ph type="title"/>
+          </p:nvPr>
+        </p:nvSpPr>
+        <p:spPr/>
+        <p:txBody>
+          <a:bodyPr/>
+          <a:lstStyle/>
+          <a:p>
+            <a:endParaRPr lang="en-US"/>
+          </a:p>
+        </p:txBody>
+      </p:sp>
+      <p:sp>
+        <p:nvSpPr>
+          <p:cNvPr id="4" name="Text Box 1"/>
+          <p:cNvSpPr txBox="1">
+            <a:spLocks noChangeArrowheads="1"/>
+          </p:cNvSpPr>
+          <p:nvPr/>
+        </p:nvSpPr>
+        <p:spPr bwMode="auto">
+          <a:xfrm>
+            <a:off x="504825" y="266700"/>
+            <a:ext cx="7594600" cy="1262063"/>
+          </a:xfrm>
+          <a:prstGeom prst="rect">
+            <a:avLst/>
+          </a:prstGeom>
+          <a:noFill/>
+          <a:ln>
+            <a:noFill/>
+          </a:ln>
+          <a:effectLst/>
+          <a:extLst>
+            <a:ext uri="{909E8E84-426E-40DD-AFC4-6F175D3DCCD1}">
+              <a14:hiddenFill xmlns:a14="http://schemas.microsoft.com/office/drawing/2010/main">
+                <a:solidFill>
+                  <a:srgbClr val="FFFFFF"/>
+                </a:solidFill>
+              </a14:hiddenFill>
+            </a:ext>
+            <a:ext uri="{91240B29-F687-4F45-9708-019B960494DF}">
+              <a14:hiddenLine xmlns:a14="http://schemas.microsoft.com/office/drawing/2010/main" w="9525">
+                <a:solidFill>
+                  <a:srgbClr val="808080"/>
+                </a:solidFill>
+                <a:round/>
+                <a:headEnd/>
+                <a:tailEnd/>
+              </a14:hiddenLine>
+            </a:ext>
+            <a:ext uri="{AF507438-7753-43E0-B8FC-AC1667EBCBE1}">
+              <a14:hiddenEffects xmlns:a14="http://schemas.microsoft.com/office/drawing/2010/main">
+                <a:effectLst>
+                  <a:outerShdw blurRad="63500" dist="38099" dir="2700000" algn="ctr" rotWithShape="0">
+                    <a:srgbClr val="000000">
+                      <a:alpha val="74998"/>
+                    </a:srgbClr>
+                  </a:outerShdw>
+                </a:effectLst>
+              </a14:hiddenEffects>
+            </a:ext>
+          </a:extLst>
+        </p:spPr>
+        <p:txBody>
+          <a:bodyPr lIns="0" tIns="38808" rIns="0" bIns="0" anchor="ctr"/>
+          <a:lstStyle>
+            <a:lvl1pPr>
+              <a:tabLst>
+                <a:tab pos="723900" algn="l"/>
+                <a:tab pos="1447800" algn="l"/>
+                <a:tab pos="2171700" algn="l"/>
+                <a:tab pos="2895600" algn="l"/>
+                <a:tab pos="3619500" algn="l"/>
+                <a:tab pos="4343400" algn="l"/>
+                <a:tab pos="5067300" algn="l"/>
+                <a:tab pos="5791200" algn="l"/>
+                <a:tab pos="6515100" algn="l"/>
+                <a:tab pos="7239000" algn="l"/>
+              </a:tabLst>
+              <a:defRPr>
+                <a:solidFill>
+                  <a:srgbClr val="000000"/>
+                </a:solidFill>
+                <a:latin typeface="Arial" charset="0"/>
+                <a:ea typeface="宋体" charset="0"/>
+                <a:cs typeface="宋体" charset="0"/>
+              </a:defRPr>
+            </a:lvl1pPr>
+            <a:lvl2pPr>
+              <a:tabLst>
+                <a:tab pos="723900" algn="l"/>
+                <a:tab pos="1447800" algn="l"/>
+                <a:tab pos="2171700" algn="l"/>
+                <a:tab pos="2895600" algn="l"/>
+                <a:tab pos="3619500" algn="l"/>
+                <a:tab pos="4343400" algn="l"/>
+                <a:tab pos="5067300" algn="l"/>
+                <a:tab pos="5791200" algn="l"/>
+                <a:tab pos="6515100" algn="l"/>
+                <a:tab pos="7239000" algn="l"/>
+              </a:tabLst>
+              <a:defRPr>
+                <a:solidFill>
+                  <a:srgbClr val="000000"/>
+                </a:solidFill>
+                <a:latin typeface="Arial" charset="0"/>
+                <a:ea typeface="宋体" charset="0"/>
+                <a:cs typeface="宋体" charset="0"/>
+              </a:defRPr>
+            </a:lvl2pPr>
+            <a:lvl3pPr>
+              <a:tabLst>
+                <a:tab pos="723900" algn="l"/>
+                <a:tab pos="1447800" algn="l"/>
+                <a:tab pos="2171700" algn="l"/>
+                <a:tab pos="2895600" algn="l"/>
+                <a:tab pos="3619500" algn="l"/>
+                <a:tab pos="4343400" algn="l"/>
+                <a:tab pos="5067300" algn="l"/>
+                <a:tab pos="5791200" algn="l"/>
+                <a:tab pos="6515100" algn="l"/>
+                <a:tab pos="7239000" algn="l"/>
+              </a:tabLst>
+              <a:defRPr>
+                <a:solidFill>
+                  <a:srgbClr val="000000"/>
+                </a:solidFill>
+                <a:latin typeface="Arial" charset="0"/>
+                <a:ea typeface="宋体" charset="0"/>
+                <a:cs typeface="宋体" charset="0"/>
+              </a:defRPr>
+            </a:lvl3pPr>
+            <a:lvl4pPr>
+              <a:tabLst>
+                <a:tab pos="723900" algn="l"/>
+                <a:tab pos="1447800" algn="l"/>
+                <a:tab pos="2171700" algn="l"/>
+                <a:tab pos="2895600" algn="l"/>
+                <a:tab pos="3619500" algn="l"/>
+                <a:tab pos="4343400" algn="l"/>
+                <a:tab pos="5067300" algn="l"/>
+                <a:tab pos="5791200" algn="l"/>
+                <a:tab pos="6515100" algn="l"/>
+                <a:tab pos="7239000" algn="l"/>
+              </a:tabLst>
+              <a:defRPr>
+                <a:solidFill>
+                  <a:srgbClr val="000000"/>
+                </a:solidFill>
+                <a:latin typeface="Arial" charset="0"/>
+                <a:ea typeface="宋体" charset="0"/>
+                <a:cs typeface="宋体" charset="0"/>
+              </a:defRPr>
+            </a:lvl4pPr>
+            <a:lvl5pPr>
+              <a:tabLst>
+                <a:tab pos="723900" algn="l"/>
+                <a:tab pos="1447800" algn="l"/>
+                <a:tab pos="2171700" algn="l"/>
+                <a:tab pos="2895600" algn="l"/>
+                <a:tab pos="3619500" algn="l"/>
+                <a:tab pos="4343400" algn="l"/>
+                <a:tab pos="5067300" algn="l"/>
+                <a:tab pos="5791200" algn="l"/>
+                <a:tab pos="6515100" algn="l"/>
+                <a:tab pos="7239000" algn="l"/>
+              </a:tabLst>
+              <a:defRPr>
+                <a:solidFill>
+                  <a:srgbClr val="000000"/>
+                </a:solidFill>
+                <a:latin typeface="Arial" charset="0"/>
+                <a:ea typeface="宋体" charset="0"/>
+                <a:cs typeface="宋体" charset="0"/>
+              </a:defRPr>
+            </a:lvl5pPr>
+            <a:lvl6pPr marL="2514600" indent="-228600" defTabSz="449263" fontAlgn="base" hangingPunct="0">
+              <a:lnSpc>
+                <a:spcPct val="93000"/>
+              </a:lnSpc>
+              <a:spcBef>
+                <a:spcPct val="0"/>
+              </a:spcBef>
+              <a:spcAft>
+                <a:spcPct val="0"/>
+              </a:spcAft>
+              <a:buClr>
+                <a:srgbClr val="000000"/>
+              </a:buClr>
+              <a:buSzPct val="100000"/>
+              <a:buFont typeface="Times New Roman" charset="0"/>
+              <a:tabLst>
+                <a:tab pos="723900" algn="l"/>
+                <a:tab pos="1447800" algn="l"/>
+                <a:tab pos="2171700" algn="l"/>
+                <a:tab pos="2895600" algn="l"/>
+                <a:tab pos="3619500" algn="l"/>
+                <a:tab pos="4343400" algn="l"/>
+                <a:tab pos="5067300" algn="l"/>
+                <a:tab pos="5791200" algn="l"/>
+                <a:tab pos="6515100" algn="l"/>
+                <a:tab pos="7239000" algn="l"/>
+              </a:tabLst>
+              <a:defRPr>
+                <a:solidFill>
+                  <a:srgbClr val="000000"/>
+                </a:solidFill>
+                <a:latin typeface="Arial" charset="0"/>
+                <a:ea typeface="宋体" charset="0"/>
+                <a:cs typeface="宋体" charset="0"/>
+              </a:defRPr>
+            </a:lvl6pPr>
+            <a:lvl7pPr marL="2971800" indent="-228600" defTabSz="449263" fontAlgn="base" hangingPunct="0">
+              <a:lnSpc>
+                <a:spcPct val="93000"/>
+              </a:lnSpc>
+              <a:spcBef>
+                <a:spcPct val="0"/>
+              </a:spcBef>
+              <a:spcAft>
+                <a:spcPct val="0"/>
+              </a:spcAft>
+              <a:buClr>
+                <a:srgbClr val="000000"/>
+              </a:buClr>
+              <a:buSzPct val="100000"/>
+              <a:buFont typeface="Times New Roman" charset="0"/>
+              <a:tabLst>
+                <a:tab pos="723900" algn="l"/>
+                <a:tab pos="1447800" algn="l"/>
+                <a:tab pos="2171700" algn="l"/>
+                <a:tab pos="2895600" algn="l"/>
+                <a:tab pos="3619500" algn="l"/>
+                <a:tab pos="4343400" algn="l"/>
+                <a:tab pos="5067300" algn="l"/>
+                <a:tab pos="5791200" algn="l"/>
+                <a:tab pos="6515100" algn="l"/>
+                <a:tab pos="7239000" algn="l"/>
+              </a:tabLst>
+              <a:defRPr>
+                <a:solidFill>
+                  <a:srgbClr val="000000"/>
+                </a:solidFill>
+                <a:latin typeface="Arial" charset="0"/>
+                <a:ea typeface="宋体" charset="0"/>
+                <a:cs typeface="宋体" charset="0"/>
+              </a:defRPr>
+            </a:lvl7pPr>
+            <a:lvl8pPr marL="3429000" indent="-228600" defTabSz="449263" fontAlgn="base" hangingPunct="0">
+              <a:lnSpc>
+                <a:spcPct val="93000"/>
+              </a:lnSpc>
+              <a:spcBef>
+                <a:spcPct val="0"/>
+              </a:spcBef>
+              <a:spcAft>
+                <a:spcPct val="0"/>
+              </a:spcAft>
+              <a:buClr>
+                <a:srgbClr val="000000"/>
+              </a:buClr>
+              <a:buSzPct val="100000"/>
+              <a:buFont typeface="Times New Roman" charset="0"/>
+              <a:tabLst>
+                <a:tab pos="723900" algn="l"/>
+                <a:tab pos="1447800" algn="l"/>
+                <a:tab pos="2171700" algn="l"/>
+                <a:tab pos="2895600" algn="l"/>
+                <a:tab pos="3619500" algn="l"/>
+                <a:tab pos="4343400" algn="l"/>
+                <a:tab pos="5067300" algn="l"/>
+                <a:tab pos="5791200" algn="l"/>
+                <a:tab pos="6515100" algn="l"/>
+                <a:tab pos="7239000" algn="l"/>
+              </a:tabLst>
+              <a:defRPr>
+                <a:solidFill>
+                  <a:srgbClr val="000000"/>
+                </a:solidFill>
+                <a:latin typeface="Arial" charset="0"/>
+                <a:ea typeface="宋体" charset="0"/>
+                <a:cs typeface="宋体" charset="0"/>
+              </a:defRPr>
+            </a:lvl8pPr>
+            <a:lvl9pPr marL="3886200" indent="-228600" defTabSz="449263" fontAlgn="base" hangingPunct="0">
+              <a:lnSpc>
+                <a:spcPct val="93000"/>
+              </a:lnSpc>
+              <a:spcBef>
+                <a:spcPct val="0"/>
+              </a:spcBef>
+              <a:spcAft>
+                <a:spcPct val="0"/>
+              </a:spcAft>
+              <a:buClr>
+                <a:srgbClr val="000000"/>
+              </a:buClr>
+              <a:buSzPct val="100000"/>
+              <a:buFont typeface="Times New Roman" charset="0"/>
+              <a:tabLst>
+                <a:tab pos="723900" algn="l"/>
+                <a:tab pos="1447800" algn="l"/>
+                <a:tab pos="2171700" algn="l"/>
+                <a:tab pos="2895600" algn="l"/>
+                <a:tab pos="3619500" algn="l"/>
+                <a:tab pos="4343400" algn="l"/>
+                <a:tab pos="5067300" algn="l"/>
+                <a:tab pos="5791200" algn="l"/>
+                <a:tab pos="6515100" algn="l"/>
+                <a:tab pos="7239000" algn="l"/>
+              </a:tabLst>
+              <a:defRPr>
+                <a:solidFill>
+                  <a:srgbClr val="000000"/>
+                </a:solidFill>
+                <a:latin typeface="Arial" charset="0"/>
+                <a:ea typeface="宋体" charset="0"/>
+                <a:cs typeface="宋体" charset="0"/>
+              </a:defRPr>
+            </a:lvl9pPr>
+          </a:lstStyle>
+          <a:p>
+            <a:pPr algn="ctr"/>
+            <a:r>
+              <a:rPr lang="en-US" sz="4400" b="1" dirty="0" err="1" smtClean="0">
+                <a:solidFill>
+                  <a:srgbClr val="FFFFFF"/>
+                </a:solidFill>
+              </a:rPr>
+              <a:t>Danke</a:t>
+            </a:r>
+            <a:r>
+              <a:rPr lang="en-US" sz="4400" b="1" dirty="0" smtClean="0">
+                <a:solidFill>
+                  <a:srgbClr val="FFFFFF"/>
+                </a:solidFill>
+              </a:rPr>
+              <a:t> </a:t>
+            </a:r>
+            <a:r>
+              <a:rPr lang="en-US" sz="4400" b="1" dirty="0" err="1" smtClean="0">
+                <a:solidFill>
+                  <a:srgbClr val="FFFFFF"/>
+                </a:solidFill>
+              </a:rPr>
+              <a:t>für</a:t>
+            </a:r>
+            <a:r>
+              <a:rPr lang="en-US" sz="4400" b="1" dirty="0" smtClean="0">
+                <a:solidFill>
+                  <a:srgbClr val="FFFFFF"/>
+                </a:solidFill>
+              </a:rPr>
+              <a:t> </a:t>
+            </a:r>
+            <a:r>
+              <a:rPr lang="en-US" sz="4400" b="1" dirty="0" err="1" smtClean="0">
+                <a:solidFill>
+                  <a:srgbClr val="FFFFFF"/>
+                </a:solidFill>
+              </a:rPr>
+              <a:t>ihre</a:t>
+            </a:r>
+            <a:r>
+              <a:rPr lang="en-US" sz="4400" b="1" dirty="0" smtClean="0">
+                <a:solidFill>
+                  <a:srgbClr val="FFFFFF"/>
+                </a:solidFill>
+              </a:rPr>
+              <a:t> </a:t>
+            </a:r>
+            <a:r>
+              <a:rPr lang="en-US" sz="4400" b="1" dirty="0" err="1" smtClean="0">
+                <a:solidFill>
+                  <a:srgbClr val="FFFFFF"/>
+                </a:solidFill>
+              </a:rPr>
+              <a:t>Aufmerksamkeit</a:t>
+            </a:r>
+            <a:endParaRPr lang="en-US" sz="4400" b="1" dirty="0">
+              <a:solidFill>
+                <a:srgbClr val="FFFFFF"/>
+              </a:solidFill>
+            </a:endParaRPr>
+          </a:p>
+        </p:txBody>
+      </p:sp>
+    </p:spTree>
+    <p:extLst>
+      <p:ext uri="{BB962C8B-B14F-4D97-AF65-F5344CB8AC3E}">
+        <p14:creationId xmlns:p14="http://schemas.microsoft.com/office/powerpoint/2010/main" val="315967322"/>
+      </p:ext>
+    </p:extLst>
+  </p:cSld>
+  <p:clrMapOvr>
+    <a:masterClrMapping/>
+  </p:clrMapOvr>
+  <p:transition spd="med"/>
+  <p:timing>
+    <p:tnLst>
+      <p:par>
+        <p:cTn id="1" dur="indefinite" restart="never" nodeType="tmRoot">
+          <p:childTnLst>
+            <p:seq concurrent="1" nextAc="seek">
+              <p:cTn id="2" dur="0" nodeType="mainSeq"/>
+              <p:prevCondLst>
+                <p:cond evt="onPrev" delay="0">
+                  <p:tgtEl>
+                    <p:sldTgt/>
+                  </p:tgtEl>
+                </p:cond>
+              </p:prevCondLst>
+              <p:nextCondLst>
+                <p:cond evt="onNext" delay="0">
+                  <p:tgtEl>
+                    <p:sldTgt/>
+                  </p:tgtEl>
+                </p:cond>
+              </p:nextCondLst>
+            </p:seq>
+          </p:childTnLst>
+        </p:cTn>
+      </p:par>
+    </p:tnLst>
+  </p:timing>
+</p:sld>
+</file>
+
 <file path=ppt/slides/slide2.xml><?xml version="1.0" encoding="utf-8"?>
 <p:sld xmlns:a="http://schemas.openxmlformats.org/drawingml/2006/main" xmlns:r="http://schemas.openxmlformats.org/officeDocument/2006/relationships" xmlns:p="http://schemas.openxmlformats.org/presentationml/2006/main">
   <p:cSld>
@@ -4868,33 +6461,540 @@
       </p:sp>
       <p:sp>
         <p:nvSpPr>
-          <p:cNvPr id="3" name="Content Placeholder 2"/>
+          <p:cNvPr id="5" name="Oval 1"/>
           <p:cNvSpPr>
-            <a:spLocks noGrp="1"/>
+            <a:spLocks noChangeArrowheads="1"/>
           </p:cNvSpPr>
-          <p:nvPr>
-            <p:ph idx="1"/>
-          </p:nvPr>
-        </p:nvSpPr>
-        <p:spPr>
+          <p:nvPr/>
+        </p:nvSpPr>
+        <p:spPr bwMode="auto">
           <a:xfrm>
-            <a:off x="1727944" y="1768475"/>
-            <a:ext cx="7844681" cy="4987925"/>
+            <a:off x="1971675" y="3321050"/>
+            <a:ext cx="1685925" cy="1685925"/>
           </a:xfrm>
+          <a:prstGeom prst="ellipse">
+            <a:avLst/>
+          </a:prstGeom>
+          <a:solidFill>
+            <a:srgbClr val="7985A9"/>
+          </a:solidFill>
+          <a:ln>
+            <a:noFill/>
+          </a:ln>
+          <a:effectLst/>
+          <a:extLst>
+            <a:ext uri="{91240B29-F687-4F45-9708-019B960494DF}">
+              <a14:hiddenLine xmlns:a14="http://schemas.microsoft.com/office/drawing/2010/main" w="9525">
+                <a:solidFill>
+                  <a:srgbClr val="000000"/>
+                </a:solidFill>
+                <a:round/>
+                <a:headEnd/>
+                <a:tailEnd/>
+              </a14:hiddenLine>
+            </a:ext>
+            <a:ext uri="{AF507438-7753-43E0-B8FC-AC1667EBCBE1}">
+              <a14:hiddenEffects xmlns:a14="http://schemas.microsoft.com/office/drawing/2010/main">
+                <a:effectLst>
+                  <a:outerShdw blurRad="63500" dist="38099" dir="2700000" algn="ctr" rotWithShape="0">
+                    <a:srgbClr val="000000">
+                      <a:alpha val="74998"/>
+                    </a:srgbClr>
+                  </a:outerShdw>
+                </a:effectLst>
+              </a14:hiddenEffects>
+            </a:ext>
+          </a:extLst>
         </p:spPr>
         <p:txBody>
-          <a:bodyPr/>
+          <a:bodyPr wrap="none" lIns="90000" tIns="67932" rIns="90000" bIns="45000" anchor="ctr"/>
           <a:lstStyle/>
           <a:p>
-            <a:pPr marL="457200" indent="-457200">
-              <a:buFont typeface="Arial" panose="020B0604020202020204" pitchFamily="34" charset="0"/>
-              <a:buChar char="•"/>
+            <a:pPr algn="ctr">
+              <a:tabLst>
+                <a:tab pos="723900" algn="l"/>
+                <a:tab pos="1447800" algn="l"/>
+              </a:tabLst>
             </a:pPr>
             <a:r>
-              <a:rPr lang="de-CH" dirty="0" smtClean="0"/>
-              <a:t>Namen</a:t>
-            </a:r>
-            <a:endParaRPr lang="de-CH" dirty="0"/>
+              <a:rPr lang="en-US" sz="2600" b="1" dirty="0" err="1" smtClean="0">
+                <a:solidFill>
+                  <a:srgbClr val="000000"/>
+                </a:solidFill>
+              </a:rPr>
+              <a:t>Spieler</a:t>
+            </a:r>
+            <a:r>
+              <a:rPr lang="en-US" sz="2600" b="1" dirty="0" smtClean="0">
+                <a:solidFill>
+                  <a:srgbClr val="000000"/>
+                </a:solidFill>
+              </a:rPr>
+              <a:t> </a:t>
+            </a:r>
+            <a:br>
+              <a:rPr lang="en-US" sz="2600" b="1" dirty="0" smtClean="0">
+                <a:solidFill>
+                  <a:srgbClr val="000000"/>
+                </a:solidFill>
+              </a:rPr>
+            </a:br>
+            <a:r>
+              <a:rPr lang="en-US" sz="2600" b="1" dirty="0" err="1" smtClean="0">
+                <a:solidFill>
+                  <a:srgbClr val="000000"/>
+                </a:solidFill>
+              </a:rPr>
+              <a:t>gegen</a:t>
+            </a:r>
+            <a:endParaRPr lang="en-US" sz="2600" b="1" dirty="0">
+              <a:solidFill>
+                <a:srgbClr val="000000"/>
+              </a:solidFill>
+            </a:endParaRPr>
+          </a:p>
+        </p:txBody>
+      </p:sp>
+      <p:sp>
+        <p:nvSpPr>
+          <p:cNvPr id="6" name="Oval 3"/>
+          <p:cNvSpPr>
+            <a:spLocks noChangeArrowheads="1"/>
+          </p:cNvSpPr>
+          <p:nvPr/>
+        </p:nvSpPr>
+        <p:spPr bwMode="auto">
+          <a:xfrm>
+            <a:off x="4367212" y="5006975"/>
+            <a:ext cx="1321171" cy="1308100"/>
+          </a:xfrm>
+          <a:prstGeom prst="ellipse">
+            <a:avLst/>
+          </a:prstGeom>
+          <a:solidFill>
+            <a:srgbClr val="9CA8CB"/>
+          </a:solidFill>
+          <a:ln>
+            <a:noFill/>
+          </a:ln>
+          <a:effectLst/>
+          <a:extLst>
+            <a:ext uri="{91240B29-F687-4F45-9708-019B960494DF}">
+              <a14:hiddenLine xmlns:a14="http://schemas.microsoft.com/office/drawing/2010/main" w="9525">
+                <a:solidFill>
+                  <a:srgbClr val="000000"/>
+                </a:solidFill>
+                <a:round/>
+                <a:headEnd/>
+                <a:tailEnd/>
+              </a14:hiddenLine>
+            </a:ext>
+            <a:ext uri="{AF507438-7753-43E0-B8FC-AC1667EBCBE1}">
+              <a14:hiddenEffects xmlns:a14="http://schemas.microsoft.com/office/drawing/2010/main">
+                <a:effectLst>
+                  <a:outerShdw blurRad="63500" dist="38099" dir="2700000" algn="ctr" rotWithShape="0">
+                    <a:srgbClr val="000000">
+                      <a:alpha val="74998"/>
+                    </a:srgbClr>
+                  </a:outerShdw>
+                </a:effectLst>
+              </a14:hiddenEffects>
+            </a:ext>
+          </a:extLst>
+        </p:spPr>
+        <p:txBody>
+          <a:bodyPr wrap="none" lIns="90000" tIns="64404" rIns="90000" bIns="45000" anchor="ctr"/>
+          <a:lstStyle/>
+          <a:p>
+            <a:pPr algn="ctr">
+              <a:tabLst>
+                <a:tab pos="723900" algn="l"/>
+              </a:tabLst>
+            </a:pPr>
+            <a:r>
+              <a:rPr lang="de-CH" sz="2200" dirty="0" smtClean="0">
+                <a:solidFill>
+                  <a:srgbClr val="000000"/>
+                </a:solidFill>
+              </a:rPr>
+              <a:t>Mitspieler</a:t>
+            </a:r>
+            <a:endParaRPr lang="en-US" sz="2200" dirty="0">
+              <a:solidFill>
+                <a:srgbClr val="000000"/>
+              </a:solidFill>
+            </a:endParaRPr>
+          </a:p>
+        </p:txBody>
+      </p:sp>
+      <p:sp>
+        <p:nvSpPr>
+          <p:cNvPr id="7" name="Oval 4"/>
+          <p:cNvSpPr>
+            <a:spLocks noChangeArrowheads="1"/>
+          </p:cNvSpPr>
+          <p:nvPr/>
+        </p:nvSpPr>
+        <p:spPr bwMode="auto">
+          <a:xfrm>
+            <a:off x="4367213" y="2036762"/>
+            <a:ext cx="1321170" cy="1284287"/>
+          </a:xfrm>
+          <a:prstGeom prst="ellipse">
+            <a:avLst/>
+          </a:prstGeom>
+          <a:solidFill>
+            <a:srgbClr val="9CA8CB"/>
+          </a:solidFill>
+          <a:ln>
+            <a:noFill/>
+          </a:ln>
+          <a:effectLst/>
+          <a:extLst>
+            <a:ext uri="{91240B29-F687-4F45-9708-019B960494DF}">
+              <a14:hiddenLine xmlns:a14="http://schemas.microsoft.com/office/drawing/2010/main" w="9525">
+                <a:solidFill>
+                  <a:srgbClr val="000000"/>
+                </a:solidFill>
+                <a:round/>
+                <a:headEnd/>
+                <a:tailEnd/>
+              </a14:hiddenLine>
+            </a:ext>
+            <a:ext uri="{AF507438-7753-43E0-B8FC-AC1667EBCBE1}">
+              <a14:hiddenEffects xmlns:a14="http://schemas.microsoft.com/office/drawing/2010/main">
+                <a:effectLst>
+                  <a:outerShdw blurRad="63500" dist="38099" dir="2700000" algn="ctr" rotWithShape="0">
+                    <a:srgbClr val="000000">
+                      <a:alpha val="74998"/>
+                    </a:srgbClr>
+                  </a:outerShdw>
+                </a:effectLst>
+              </a14:hiddenEffects>
+            </a:ext>
+          </a:extLst>
+        </p:spPr>
+        <p:txBody>
+          <a:bodyPr wrap="none" lIns="90000" tIns="64404" rIns="90000" bIns="45000" anchor="ctr"/>
+          <a:lstStyle/>
+          <a:p>
+            <a:pPr algn="ctr">
+              <a:tabLst>
+                <a:tab pos="723900" algn="l"/>
+              </a:tabLst>
+            </a:pPr>
+            <a:r>
+              <a:rPr lang="en-US" sz="2200" dirty="0" smtClean="0">
+                <a:solidFill>
+                  <a:srgbClr val="000000"/>
+                </a:solidFill>
+              </a:rPr>
+              <a:t>PC</a:t>
+            </a:r>
+            <a:endParaRPr lang="en-US" sz="2200" dirty="0">
+              <a:solidFill>
+                <a:srgbClr val="000000"/>
+              </a:solidFill>
+            </a:endParaRPr>
+          </a:p>
+        </p:txBody>
+      </p:sp>
+      <p:sp>
+        <p:nvSpPr>
+          <p:cNvPr id="8" name="AutoShape 5"/>
+          <p:cNvSpPr>
+            <a:spLocks noChangeArrowheads="1"/>
+          </p:cNvSpPr>
+          <p:nvPr/>
+        </p:nvSpPr>
+        <p:spPr bwMode="auto">
+          <a:xfrm>
+            <a:off x="5972175" y="2123653"/>
+            <a:ext cx="3535363" cy="1117600"/>
+          </a:xfrm>
+          <a:prstGeom prst="roundRect">
+            <a:avLst>
+              <a:gd name="adj" fmla="val 8153"/>
+            </a:avLst>
+          </a:prstGeom>
+          <a:solidFill>
+            <a:srgbClr val="B2C2F5"/>
+          </a:solidFill>
+          <a:ln>
+            <a:noFill/>
+          </a:ln>
+          <a:effectLst/>
+          <a:extLst>
+            <a:ext uri="{91240B29-F687-4F45-9708-019B960494DF}">
+              <a14:hiddenLine xmlns:a14="http://schemas.microsoft.com/office/drawing/2010/main" w="9525">
+                <a:solidFill>
+                  <a:srgbClr val="000000"/>
+                </a:solidFill>
+                <a:round/>
+                <a:headEnd/>
+                <a:tailEnd/>
+              </a14:hiddenLine>
+            </a:ext>
+            <a:ext uri="{AF507438-7753-43E0-B8FC-AC1667EBCBE1}">
+              <a14:hiddenEffects xmlns:a14="http://schemas.microsoft.com/office/drawing/2010/main">
+                <a:effectLst>
+                  <a:outerShdw blurRad="63500" dist="38099" dir="2700000" algn="ctr" rotWithShape="0">
+                    <a:srgbClr val="000000">
+                      <a:alpha val="74998"/>
+                    </a:srgbClr>
+                  </a:outerShdw>
+                </a:effectLst>
+              </a14:hiddenEffects>
+            </a:ext>
+          </a:extLst>
+        </p:spPr>
+        <p:txBody>
+          <a:bodyPr lIns="360000" tIns="-18000" rIns="90000" bIns="-18000" anchor="ctr"/>
+          <a:lstStyle/>
+          <a:p>
+            <a:pPr>
+              <a:tabLst>
+                <a:tab pos="723900" algn="l"/>
+                <a:tab pos="1447800" algn="l"/>
+                <a:tab pos="2171700" algn="l"/>
+                <a:tab pos="2895600" algn="l"/>
+              </a:tabLst>
+            </a:pPr>
+            <a:r>
+              <a:rPr lang="en-US" dirty="0" err="1" smtClean="0">
+                <a:solidFill>
+                  <a:srgbClr val="000000"/>
+                </a:solidFill>
+                <a:cs typeface="Arial" charset="0"/>
+              </a:rPr>
+              <a:t>Künstliche</a:t>
+            </a:r>
+            <a:r>
+              <a:rPr lang="en-US" dirty="0" smtClean="0">
+                <a:solidFill>
+                  <a:srgbClr val="000000"/>
+                </a:solidFill>
+                <a:cs typeface="Arial" charset="0"/>
+              </a:rPr>
+              <a:t> </a:t>
+            </a:r>
+            <a:r>
+              <a:rPr lang="en-US" dirty="0" err="1" smtClean="0">
+                <a:solidFill>
+                  <a:srgbClr val="000000"/>
+                </a:solidFill>
+                <a:cs typeface="Arial" charset="0"/>
+              </a:rPr>
+              <a:t>Intelligenz</a:t>
+            </a:r>
+            <a:endParaRPr lang="en-US" dirty="0">
+              <a:solidFill>
+                <a:srgbClr val="000000"/>
+              </a:solidFill>
+              <a:cs typeface="Arial" charset="0"/>
+            </a:endParaRPr>
+          </a:p>
+        </p:txBody>
+      </p:sp>
+      <p:cxnSp>
+        <p:nvCxnSpPr>
+          <p:cNvPr id="9" name="AutoShape 6"/>
+          <p:cNvCxnSpPr>
+            <a:cxnSpLocks noChangeShapeType="1"/>
+            <a:stCxn id="5" idx="7"/>
+            <a:endCxn id="7" idx="2"/>
+          </p:cNvCxnSpPr>
+          <p:nvPr/>
+        </p:nvCxnSpPr>
+        <p:spPr bwMode="auto">
+          <a:xfrm flipV="1">
+            <a:off x="3410702" y="2678906"/>
+            <a:ext cx="956511" cy="889042"/>
+          </a:xfrm>
+          <a:prstGeom prst="straightConnector1">
+            <a:avLst/>
+          </a:prstGeom>
+          <a:noFill/>
+          <a:ln w="9525">
+            <a:solidFill>
+              <a:srgbClr val="000000"/>
+            </a:solidFill>
+            <a:round/>
+            <a:headEnd/>
+            <a:tailEnd type="triangle" w="med" len="med"/>
+          </a:ln>
+          <a:effectLst/>
+          <a:extLst>
+            <a:ext uri="{909E8E84-426E-40DD-AFC4-6F175D3DCCD1}">
+              <a14:hiddenFill xmlns:a14="http://schemas.microsoft.com/office/drawing/2010/main">
+                <a:noFill/>
+              </a14:hiddenFill>
+            </a:ext>
+            <a:ext uri="{AF507438-7753-43E0-B8FC-AC1667EBCBE1}">
+              <a14:hiddenEffects xmlns:a14="http://schemas.microsoft.com/office/drawing/2010/main">
+                <a:effectLst>
+                  <a:outerShdw blurRad="63500" dist="38099" dir="2700000" algn="ctr" rotWithShape="0">
+                    <a:srgbClr val="000000">
+                      <a:alpha val="74998"/>
+                    </a:srgbClr>
+                  </a:outerShdw>
+                </a:effectLst>
+              </a14:hiddenEffects>
+            </a:ext>
+          </a:extLst>
+        </p:spPr>
+      </p:cxnSp>
+      <p:cxnSp>
+        <p:nvCxnSpPr>
+          <p:cNvPr id="10" name="AutoShape 7"/>
+          <p:cNvCxnSpPr>
+            <a:cxnSpLocks noChangeShapeType="1"/>
+            <a:stCxn id="5" idx="5"/>
+            <a:endCxn id="6" idx="2"/>
+          </p:cNvCxnSpPr>
+          <p:nvPr/>
+        </p:nvCxnSpPr>
+        <p:spPr bwMode="auto">
+          <a:xfrm>
+            <a:off x="3410702" y="4760077"/>
+            <a:ext cx="956510" cy="900948"/>
+          </a:xfrm>
+          <a:prstGeom prst="straightConnector1">
+            <a:avLst/>
+          </a:prstGeom>
+          <a:noFill/>
+          <a:ln w="9525">
+            <a:solidFill>
+              <a:srgbClr val="000000"/>
+            </a:solidFill>
+            <a:round/>
+            <a:headEnd/>
+            <a:tailEnd type="triangle" w="med" len="med"/>
+          </a:ln>
+          <a:effectLst/>
+          <a:extLst>
+            <a:ext uri="{909E8E84-426E-40DD-AFC4-6F175D3DCCD1}">
+              <a14:hiddenFill xmlns:a14="http://schemas.microsoft.com/office/drawing/2010/main">
+                <a:noFill/>
+              </a14:hiddenFill>
+            </a:ext>
+            <a:ext uri="{AF507438-7753-43E0-B8FC-AC1667EBCBE1}">
+              <a14:hiddenEffects xmlns:a14="http://schemas.microsoft.com/office/drawing/2010/main">
+                <a:effectLst>
+                  <a:outerShdw blurRad="63500" dist="38099" dir="2700000" algn="ctr" rotWithShape="0">
+                    <a:srgbClr val="000000">
+                      <a:alpha val="74998"/>
+                    </a:srgbClr>
+                  </a:outerShdw>
+                </a:effectLst>
+              </a14:hiddenEffects>
+            </a:ext>
+          </a:extLst>
+        </p:spPr>
+      </p:cxnSp>
+      <p:sp>
+        <p:nvSpPr>
+          <p:cNvPr id="11" name="AutoShape 10"/>
+          <p:cNvSpPr>
+            <a:spLocks noChangeArrowheads="1"/>
+          </p:cNvSpPr>
+          <p:nvPr/>
+        </p:nvSpPr>
+        <p:spPr bwMode="auto">
+          <a:xfrm>
+            <a:off x="5972175" y="5116513"/>
+            <a:ext cx="3535363" cy="1117600"/>
+          </a:xfrm>
+          <a:prstGeom prst="roundRect">
+            <a:avLst>
+              <a:gd name="adj" fmla="val 8153"/>
+            </a:avLst>
+          </a:prstGeom>
+          <a:solidFill>
+            <a:srgbClr val="B2C2F5"/>
+          </a:solidFill>
+          <a:ln>
+            <a:noFill/>
+          </a:ln>
+          <a:effectLst/>
+          <a:extLst>
+            <a:ext uri="{91240B29-F687-4F45-9708-019B960494DF}">
+              <a14:hiddenLine xmlns:a14="http://schemas.microsoft.com/office/drawing/2010/main" w="9525">
+                <a:solidFill>
+                  <a:srgbClr val="000000"/>
+                </a:solidFill>
+                <a:round/>
+                <a:headEnd/>
+                <a:tailEnd/>
+              </a14:hiddenLine>
+            </a:ext>
+            <a:ext uri="{AF507438-7753-43E0-B8FC-AC1667EBCBE1}">
+              <a14:hiddenEffects xmlns:a14="http://schemas.microsoft.com/office/drawing/2010/main">
+                <a:effectLst>
+                  <a:outerShdw blurRad="63500" dist="38099" dir="2700000" algn="ctr" rotWithShape="0">
+                    <a:srgbClr val="000000">
+                      <a:alpha val="74998"/>
+                    </a:srgbClr>
+                  </a:outerShdw>
+                </a:effectLst>
+              </a14:hiddenEffects>
+            </a:ext>
+          </a:extLst>
+        </p:spPr>
+        <p:txBody>
+          <a:bodyPr lIns="360000" tIns="-18000" rIns="90000" bIns="-18000" anchor="ctr"/>
+          <a:lstStyle/>
+          <a:p>
+            <a:pPr>
+              <a:tabLst>
+                <a:tab pos="723900" algn="l"/>
+                <a:tab pos="1447800" algn="l"/>
+                <a:tab pos="2171700" algn="l"/>
+                <a:tab pos="2895600" algn="l"/>
+              </a:tabLst>
+            </a:pPr>
+            <a:r>
+              <a:rPr lang="en-US" dirty="0" err="1" smtClean="0">
+                <a:solidFill>
+                  <a:srgbClr val="000000"/>
+                </a:solidFill>
+                <a:cs typeface="Arial" charset="0"/>
+              </a:rPr>
+              <a:t>Spielt</a:t>
+            </a:r>
+            <a:r>
+              <a:rPr lang="en-US" dirty="0" smtClean="0">
+                <a:solidFill>
+                  <a:srgbClr val="000000"/>
+                </a:solidFill>
+                <a:cs typeface="Arial" charset="0"/>
+              </a:rPr>
+              <a:t> am </a:t>
+            </a:r>
+            <a:r>
+              <a:rPr lang="en-US" dirty="0" err="1" smtClean="0">
+                <a:solidFill>
+                  <a:srgbClr val="000000"/>
+                </a:solidFill>
+                <a:cs typeface="Arial" charset="0"/>
+              </a:rPr>
+              <a:t>gleichen</a:t>
+            </a:r>
+            <a:r>
+              <a:rPr lang="en-US" dirty="0" smtClean="0">
+                <a:solidFill>
+                  <a:srgbClr val="000000"/>
+                </a:solidFill>
+                <a:cs typeface="Arial" charset="0"/>
+              </a:rPr>
+              <a:t> PC</a:t>
+            </a:r>
+            <a:endParaRPr lang="en-US" dirty="0">
+              <a:solidFill>
+                <a:srgbClr val="000000"/>
+              </a:solidFill>
+              <a:cs typeface="Arial" charset="0"/>
+            </a:endParaRPr>
           </a:p>
         </p:txBody>
       </p:sp>
@@ -4912,6 +7012,669 @@
 </file>
 
 <file path=ppt/slides/slide3.xml><?xml version="1.0" encoding="utf-8"?>
+<p:sld xmlns:a="http://schemas.openxmlformats.org/drawingml/2006/main" xmlns:r="http://schemas.openxmlformats.org/officeDocument/2006/relationships" xmlns:p="http://schemas.openxmlformats.org/presentationml/2006/main">
+  <p:cSld>
+    <p:spTree>
+      <p:nvGrpSpPr>
+        <p:cNvPr id="1" name=""/>
+        <p:cNvGrpSpPr/>
+        <p:nvPr/>
+      </p:nvGrpSpPr>
+      <p:grpSpPr>
+        <a:xfrm>
+          <a:off x="0" y="0"/>
+          <a:ext cx="0" cy="0"/>
+          <a:chOff x="0" y="0"/>
+          <a:chExt cx="0" cy="0"/>
+        </a:xfrm>
+      </p:grpSpPr>
+      <p:sp>
+        <p:nvSpPr>
+          <p:cNvPr id="2" name="Title 1"/>
+          <p:cNvSpPr>
+            <a:spLocks noGrp="1"/>
+          </p:cNvSpPr>
+          <p:nvPr>
+            <p:ph type="title"/>
+          </p:nvPr>
+        </p:nvSpPr>
+        <p:spPr>
+          <a:xfrm>
+            <a:off x="1727944" y="301625"/>
+            <a:ext cx="7844681" cy="1260475"/>
+          </a:xfrm>
+        </p:spPr>
+        <p:txBody>
+          <a:bodyPr/>
+          <a:lstStyle/>
+          <a:p>
+            <a:r>
+              <a:rPr lang="de-CH" dirty="0" smtClean="0"/>
+              <a:t>Idee</a:t>
+            </a:r>
+            <a:endParaRPr lang="de-CH" dirty="0"/>
+          </a:p>
+        </p:txBody>
+      </p:sp>
+      <p:sp>
+        <p:nvSpPr>
+          <p:cNvPr id="16" name="Oval 1"/>
+          <p:cNvSpPr>
+            <a:spLocks noChangeArrowheads="1"/>
+          </p:cNvSpPr>
+          <p:nvPr/>
+        </p:nvSpPr>
+        <p:spPr bwMode="auto">
+          <a:xfrm>
+            <a:off x="4694976" y="2263360"/>
+            <a:ext cx="3816424" cy="3816424"/>
+          </a:xfrm>
+          <a:prstGeom prst="ellipse">
+            <a:avLst/>
+          </a:prstGeom>
+          <a:solidFill>
+            <a:srgbClr val="B2C2F5">
+              <a:alpha val="79999"/>
+            </a:srgbClr>
+          </a:solidFill>
+          <a:ln>
+            <a:noFill/>
+          </a:ln>
+          <a:effectLst/>
+          <a:extLst>
+            <a:ext uri="{91240B29-F687-4F45-9708-019B960494DF}">
+              <a14:hiddenLine xmlns:a14="http://schemas.microsoft.com/office/drawing/2010/main" w="9525">
+                <a:solidFill>
+                  <a:srgbClr val="000000"/>
+                </a:solidFill>
+                <a:round/>
+                <a:headEnd/>
+                <a:tailEnd/>
+              </a14:hiddenLine>
+            </a:ext>
+            <a:ext uri="{AF507438-7753-43E0-B8FC-AC1667EBCBE1}">
+              <a14:hiddenEffects xmlns:a14="http://schemas.microsoft.com/office/drawing/2010/main">
+                <a:effectLst>
+                  <a:outerShdw blurRad="63500" dist="38099" dir="2700000" algn="ctr" rotWithShape="0">
+                    <a:srgbClr val="000000">
+                      <a:alpha val="74998"/>
+                    </a:srgbClr>
+                  </a:outerShdw>
+                </a:effectLst>
+              </a14:hiddenEffects>
+            </a:ext>
+          </a:extLst>
+        </p:spPr>
+        <p:txBody>
+          <a:bodyPr lIns="90000" tIns="67932" rIns="90000" bIns="45000" anchor="ctr"/>
+          <a:lstStyle/>
+          <a:p>
+            <a:pPr algn="ctr">
+              <a:tabLst>
+                <a:tab pos="723900" algn="l"/>
+                <a:tab pos="1447800" algn="l"/>
+                <a:tab pos="2171700" algn="l"/>
+              </a:tabLst>
+            </a:pPr>
+            <a:r>
+              <a:rPr lang="en-US" sz="2600" b="1" dirty="0" smtClean="0">
+                <a:solidFill>
+                  <a:srgbClr val="000000"/>
+                </a:solidFill>
+              </a:rPr>
+              <a:t>        </a:t>
+            </a:r>
+            <a:r>
+              <a:rPr lang="en-US" sz="2800" dirty="0" smtClean="0">
+                <a:solidFill>
+                  <a:srgbClr val="000000"/>
+                </a:solidFill>
+              </a:rPr>
+              <a:t>Rex</a:t>
+            </a:r>
+            <a:endParaRPr lang="en-US" sz="2800" dirty="0">
+              <a:solidFill>
+                <a:srgbClr val="000000"/>
+              </a:solidFill>
+            </a:endParaRPr>
+          </a:p>
+        </p:txBody>
+      </p:sp>
+      <p:sp>
+        <p:nvSpPr>
+          <p:cNvPr id="17" name="AutoShape 2"/>
+          <p:cNvSpPr>
+            <a:spLocks noChangeArrowheads="1"/>
+          </p:cNvSpPr>
+          <p:nvPr/>
+        </p:nvSpPr>
+        <p:spPr bwMode="auto">
+          <a:xfrm>
+            <a:off x="8045127" y="6228109"/>
+            <a:ext cx="1963737" cy="904875"/>
+          </a:xfrm>
+          <a:prstGeom prst="roundRect">
+            <a:avLst>
+              <a:gd name="adj" fmla="val 11741"/>
+            </a:avLst>
+          </a:prstGeom>
+          <a:solidFill>
+            <a:srgbClr val="B2C2F5"/>
+          </a:solidFill>
+          <a:ln>
+            <a:noFill/>
+          </a:ln>
+          <a:effectLst/>
+          <a:extLst>
+            <a:ext uri="{91240B29-F687-4F45-9708-019B960494DF}">
+              <a14:hiddenLine xmlns:a14="http://schemas.microsoft.com/office/drawing/2010/main" w="9525">
+                <a:solidFill>
+                  <a:srgbClr val="000000"/>
+                </a:solidFill>
+                <a:round/>
+                <a:headEnd/>
+                <a:tailEnd/>
+              </a14:hiddenLine>
+            </a:ext>
+            <a:ext uri="{AF507438-7753-43E0-B8FC-AC1667EBCBE1}">
+              <a14:hiddenEffects xmlns:a14="http://schemas.microsoft.com/office/drawing/2010/main">
+                <a:effectLst>
+                  <a:outerShdw blurRad="63500" dist="38099" dir="2700000" algn="ctr" rotWithShape="0">
+                    <a:srgbClr val="000000">
+                      <a:alpha val="74998"/>
+                    </a:srgbClr>
+                  </a:outerShdw>
+                </a:effectLst>
+              </a14:hiddenEffects>
+            </a:ext>
+          </a:extLst>
+        </p:spPr>
+        <p:txBody>
+          <a:bodyPr lIns="90000" tIns="45000" rIns="90000" bIns="45000" anchor="ctr"/>
+          <a:lstStyle/>
+          <a:p>
+            <a:pPr algn="ctr">
+              <a:tabLst>
+                <a:tab pos="723900" algn="l"/>
+                <a:tab pos="1447800" algn="l"/>
+              </a:tabLst>
+            </a:pPr>
+            <a:r>
+              <a:rPr lang="en-US" dirty="0" err="1">
+                <a:solidFill>
+                  <a:srgbClr val="000000"/>
+                </a:solidFill>
+              </a:rPr>
+              <a:t>Lateinisch</a:t>
+            </a:r>
+            <a:r>
+              <a:rPr lang="en-US" dirty="0">
+                <a:solidFill>
+                  <a:srgbClr val="000000"/>
+                </a:solidFill>
+              </a:rPr>
+              <a:t> </a:t>
+            </a:r>
+          </a:p>
+          <a:p>
+            <a:pPr algn="ctr">
+              <a:tabLst>
+                <a:tab pos="723900" algn="l"/>
+                <a:tab pos="1447800" algn="l"/>
+              </a:tabLst>
+            </a:pPr>
+            <a:r>
+              <a:rPr lang="en-US" dirty="0" err="1">
+                <a:solidFill>
+                  <a:srgbClr val="000000"/>
+                </a:solidFill>
+              </a:rPr>
+              <a:t>für</a:t>
+            </a:r>
+            <a:r>
+              <a:rPr lang="en-US" dirty="0">
+                <a:solidFill>
+                  <a:srgbClr val="000000"/>
+                </a:solidFill>
+              </a:rPr>
+              <a:t> </a:t>
+            </a:r>
+            <a:r>
+              <a:rPr lang="en-US" dirty="0" smtClean="0"/>
+              <a:t>„</a:t>
+            </a:r>
+            <a:r>
+              <a:rPr lang="en-US" dirty="0" err="1" smtClean="0"/>
+              <a:t>König</a:t>
+            </a:r>
+            <a:r>
+              <a:rPr lang="en-US" dirty="0" smtClean="0"/>
+              <a:t>“</a:t>
+            </a:r>
+            <a:endParaRPr lang="en-US" dirty="0">
+              <a:solidFill>
+                <a:srgbClr val="000000"/>
+              </a:solidFill>
+            </a:endParaRPr>
+          </a:p>
+        </p:txBody>
+      </p:sp>
+      <p:sp>
+        <p:nvSpPr>
+          <p:cNvPr id="18" name="AutoShape 3"/>
+          <p:cNvSpPr>
+            <a:spLocks noChangeArrowheads="1"/>
+          </p:cNvSpPr>
+          <p:nvPr/>
+        </p:nvSpPr>
+        <p:spPr bwMode="auto">
+          <a:xfrm>
+            <a:off x="1780431" y="1835621"/>
+            <a:ext cx="1963737" cy="903288"/>
+          </a:xfrm>
+          <a:prstGeom prst="roundRect">
+            <a:avLst>
+              <a:gd name="adj" fmla="val 11741"/>
+            </a:avLst>
+          </a:prstGeom>
+          <a:solidFill>
+            <a:srgbClr val="B2C2F5"/>
+          </a:solidFill>
+          <a:ln>
+            <a:noFill/>
+          </a:ln>
+          <a:effectLst/>
+          <a:extLst>
+            <a:ext uri="{91240B29-F687-4F45-9708-019B960494DF}">
+              <a14:hiddenLine xmlns:a14="http://schemas.microsoft.com/office/drawing/2010/main" w="9525">
+                <a:solidFill>
+                  <a:srgbClr val="000000"/>
+                </a:solidFill>
+                <a:round/>
+                <a:headEnd/>
+                <a:tailEnd/>
+              </a14:hiddenLine>
+            </a:ext>
+            <a:ext uri="{AF507438-7753-43E0-B8FC-AC1667EBCBE1}">
+              <a14:hiddenEffects xmlns:a14="http://schemas.microsoft.com/office/drawing/2010/main">
+                <a:effectLst>
+                  <a:outerShdw blurRad="63500" dist="38099" dir="2700000" algn="ctr" rotWithShape="0">
+                    <a:srgbClr val="000000">
+                      <a:alpha val="74998"/>
+                    </a:srgbClr>
+                  </a:outerShdw>
+                </a:effectLst>
+              </a14:hiddenEffects>
+            </a:ext>
+          </a:extLst>
+        </p:spPr>
+        <p:txBody>
+          <a:bodyPr lIns="90000" tIns="45000" rIns="90000" bIns="45000" anchor="ctr"/>
+          <a:lstStyle/>
+          <a:p>
+            <a:pPr algn="ctr">
+              <a:tabLst>
+                <a:tab pos="723900" algn="l"/>
+                <a:tab pos="1447800" algn="l"/>
+              </a:tabLst>
+            </a:pPr>
+            <a:r>
+              <a:rPr lang="en-US" dirty="0" err="1" smtClean="0">
+                <a:solidFill>
+                  <a:srgbClr val="000000"/>
+                </a:solidFill>
+              </a:rPr>
+              <a:t>Lateinisch</a:t>
+            </a:r>
+            <a:r>
+              <a:rPr lang="en-US" dirty="0" smtClean="0">
+                <a:solidFill>
+                  <a:srgbClr val="000000"/>
+                </a:solidFill>
+              </a:rPr>
+              <a:t> </a:t>
+            </a:r>
+          </a:p>
+          <a:p>
+            <a:pPr algn="ctr">
+              <a:tabLst>
+                <a:tab pos="723900" algn="l"/>
+                <a:tab pos="1447800" algn="l"/>
+              </a:tabLst>
+            </a:pPr>
+            <a:r>
+              <a:rPr lang="en-US" dirty="0" err="1" smtClean="0">
+                <a:solidFill>
+                  <a:srgbClr val="000000"/>
+                </a:solidFill>
+              </a:rPr>
+              <a:t>für</a:t>
+            </a:r>
+            <a:r>
+              <a:rPr lang="en-US" dirty="0" smtClean="0">
+                <a:solidFill>
+                  <a:srgbClr val="000000"/>
+                </a:solidFill>
+              </a:rPr>
+              <a:t> </a:t>
+            </a:r>
+            <a:r>
+              <a:rPr lang="en-US" dirty="0"/>
+              <a:t>„</a:t>
+            </a:r>
+            <a:r>
+              <a:rPr lang="en-US" dirty="0" err="1"/>
+              <a:t>töten</a:t>
+            </a:r>
+            <a:r>
+              <a:rPr lang="en-US" dirty="0" smtClean="0"/>
+              <a:t>“</a:t>
+            </a:r>
+            <a:endParaRPr lang="en-US" dirty="0">
+              <a:solidFill>
+                <a:srgbClr val="000000"/>
+              </a:solidFill>
+            </a:endParaRPr>
+          </a:p>
+        </p:txBody>
+      </p:sp>
+      <p:sp>
+        <p:nvSpPr>
+          <p:cNvPr id="19" name="Oval 5"/>
+          <p:cNvSpPr>
+            <a:spLocks noChangeArrowheads="1"/>
+          </p:cNvSpPr>
+          <p:nvPr/>
+        </p:nvSpPr>
+        <p:spPr bwMode="auto">
+          <a:xfrm>
+            <a:off x="2753511" y="3208585"/>
+            <a:ext cx="3868490" cy="3816424"/>
+          </a:xfrm>
+          <a:prstGeom prst="ellipse">
+            <a:avLst/>
+          </a:prstGeom>
+          <a:solidFill>
+            <a:srgbClr val="9CA8CB">
+              <a:alpha val="79999"/>
+            </a:srgbClr>
+          </a:solidFill>
+          <a:ln>
+            <a:noFill/>
+          </a:ln>
+          <a:effectLst/>
+          <a:extLst>
+            <a:ext uri="{91240B29-F687-4F45-9708-019B960494DF}">
+              <a14:hiddenLine xmlns:a14="http://schemas.microsoft.com/office/drawing/2010/main" w="9525">
+                <a:solidFill>
+                  <a:srgbClr val="000000"/>
+                </a:solidFill>
+                <a:round/>
+                <a:headEnd/>
+                <a:tailEnd/>
+              </a14:hiddenLine>
+            </a:ext>
+            <a:ext uri="{AF507438-7753-43E0-B8FC-AC1667EBCBE1}">
+              <a14:hiddenEffects xmlns:a14="http://schemas.microsoft.com/office/drawing/2010/main">
+                <a:effectLst>
+                  <a:outerShdw blurRad="63500" dist="38099" dir="2700000" algn="ctr" rotWithShape="0">
+                    <a:srgbClr val="000000">
+                      <a:alpha val="74998"/>
+                    </a:srgbClr>
+                  </a:outerShdw>
+                </a:effectLst>
+              </a14:hiddenEffects>
+            </a:ext>
+          </a:extLst>
+        </p:spPr>
+        <p:txBody>
+          <a:bodyPr lIns="90000" tIns="67932" rIns="36000" bIns="45000" anchor="ctr"/>
+          <a:lstStyle/>
+          <a:p>
+            <a:pPr>
+              <a:tabLst>
+                <a:tab pos="723900" algn="l"/>
+                <a:tab pos="1447800" algn="l"/>
+                <a:tab pos="2171700" algn="l"/>
+              </a:tabLst>
+            </a:pPr>
+            <a:r>
+              <a:rPr lang="en-US" sz="2800" dirty="0" err="1"/>
+              <a:t>necāre</a:t>
+            </a:r>
+            <a:endParaRPr lang="en-US" sz="2600" b="1" dirty="0">
+              <a:solidFill>
+                <a:srgbClr val="000000"/>
+              </a:solidFill>
+            </a:endParaRPr>
+          </a:p>
+        </p:txBody>
+      </p:sp>
+      <p:sp>
+        <p:nvSpPr>
+          <p:cNvPr id="20" name="Freeform 8"/>
+          <p:cNvSpPr>
+            <a:spLocks noChangeArrowheads="1"/>
+          </p:cNvSpPr>
+          <p:nvPr/>
+        </p:nvSpPr>
+        <p:spPr bwMode="auto">
+          <a:xfrm>
+            <a:off x="7998666" y="6298978"/>
+            <a:ext cx="2154214" cy="726031"/>
+          </a:xfrm>
+          <a:prstGeom prst="borderCallout2">
+            <a:avLst>
+              <a:gd name="adj1" fmla="val 18750"/>
+              <a:gd name="adj2" fmla="val 2645"/>
+              <a:gd name="adj3" fmla="val 18750"/>
+              <a:gd name="adj4" fmla="val -16667"/>
+              <a:gd name="adj5" fmla="val -59046"/>
+              <a:gd name="adj6" fmla="val -36421"/>
+            </a:avLst>
+          </a:prstGeom>
+          <a:noFill/>
+          <a:ln w="9525">
+            <a:solidFill>
+              <a:srgbClr val="000000"/>
+            </a:solidFill>
+            <a:round/>
+            <a:headEnd/>
+            <a:tailEnd/>
+          </a:ln>
+          <a:effectLst/>
+          <a:extLst>
+            <a:ext uri="{909E8E84-426E-40DD-AFC4-6F175D3DCCD1}">
+              <a14:hiddenFill xmlns:a14="http://schemas.microsoft.com/office/drawing/2010/main">
+                <a:solidFill>
+                  <a:srgbClr val="FFFFFF"/>
+                </a:solidFill>
+              </a14:hiddenFill>
+            </a:ext>
+            <a:ext uri="{AF507438-7753-43E0-B8FC-AC1667EBCBE1}">
+              <a14:hiddenEffects xmlns:a14="http://schemas.microsoft.com/office/drawing/2010/main">
+                <a:effectLst>
+                  <a:outerShdw blurRad="63500" dist="38099" dir="2700000" algn="ctr" rotWithShape="0">
+                    <a:srgbClr val="000000">
+                      <a:alpha val="74998"/>
+                    </a:srgbClr>
+                  </a:outerShdw>
+                </a:effectLst>
+              </a14:hiddenEffects>
+            </a:ext>
+          </a:extLst>
+        </p:spPr>
+        <p:txBody>
+          <a:bodyPr/>
+          <a:lstStyle/>
+          <a:p>
+            <a:endParaRPr lang="de-DE"/>
+          </a:p>
+        </p:txBody>
+      </p:sp>
+      <p:sp>
+        <p:nvSpPr>
+          <p:cNvPr id="21" name="Freeform 9"/>
+          <p:cNvSpPr>
+            <a:spLocks noChangeArrowheads="1"/>
+          </p:cNvSpPr>
+          <p:nvPr/>
+        </p:nvSpPr>
+        <p:spPr bwMode="auto">
+          <a:xfrm>
+            <a:off x="3781841" y="2295709"/>
+            <a:ext cx="607241" cy="1189567"/>
+          </a:xfrm>
+          <a:custGeom>
+            <a:avLst/>
+            <a:gdLst>
+              <a:gd name="T0" fmla="*/ 11502 w 11503"/>
+              <a:gd name="T1" fmla="*/ 3212 h 3213"/>
+              <a:gd name="T2" fmla="*/ 9031 w 11503"/>
+              <a:gd name="T3" fmla="*/ 0 h 3213"/>
+              <a:gd name="T4" fmla="*/ 0 w 11503"/>
+              <a:gd name="T5" fmla="*/ 0 h 3213"/>
+              <a:gd name="connsiteX0" fmla="*/ 5013 w 5013"/>
+              <a:gd name="connsiteY0" fmla="*/ 9997 h 9997"/>
+              <a:gd name="connsiteX1" fmla="*/ 2865 w 5013"/>
+              <a:gd name="connsiteY1" fmla="*/ 0 h 9997"/>
+              <a:gd name="connsiteX2" fmla="*/ 0 w 5013"/>
+              <a:gd name="connsiteY2" fmla="*/ 0 h 9997"/>
+              <a:gd name="connsiteX0" fmla="*/ 8084 w 8084"/>
+              <a:gd name="connsiteY0" fmla="*/ 10282 h 10282"/>
+              <a:gd name="connsiteX1" fmla="*/ 5715 w 8084"/>
+              <a:gd name="connsiteY1" fmla="*/ 0 h 10282"/>
+              <a:gd name="connsiteX2" fmla="*/ 0 w 8084"/>
+              <a:gd name="connsiteY2" fmla="*/ 0 h 10282"/>
+              <a:gd name="connsiteX0" fmla="*/ 10000 w 10000"/>
+              <a:gd name="connsiteY0" fmla="*/ 10000 h 10000"/>
+              <a:gd name="connsiteX1" fmla="*/ 5174 w 10000"/>
+              <a:gd name="connsiteY1" fmla="*/ 137 h 10000"/>
+              <a:gd name="connsiteX2" fmla="*/ 0 w 10000"/>
+              <a:gd name="connsiteY2" fmla="*/ 0 h 10000"/>
+              <a:gd name="connsiteX0" fmla="*/ 10000 w 10000"/>
+              <a:gd name="connsiteY0" fmla="*/ 10000 h 10000"/>
+              <a:gd name="connsiteX1" fmla="*/ 5648 w 10000"/>
+              <a:gd name="connsiteY1" fmla="*/ 0 h 10000"/>
+              <a:gd name="connsiteX2" fmla="*/ 0 w 10000"/>
+              <a:gd name="connsiteY2" fmla="*/ 0 h 10000"/>
+              <a:gd name="connsiteX0" fmla="*/ 8815 w 8815"/>
+              <a:gd name="connsiteY0" fmla="*/ 10000 h 10000"/>
+              <a:gd name="connsiteX1" fmla="*/ 5648 w 8815"/>
+              <a:gd name="connsiteY1" fmla="*/ 0 h 10000"/>
+              <a:gd name="connsiteX2" fmla="*/ 0 w 8815"/>
+              <a:gd name="connsiteY2" fmla="*/ 0 h 10000"/>
+            </a:gdLst>
+            <a:ahLst/>
+            <a:cxnLst>
+              <a:cxn ang="0">
+                <a:pos x="connsiteX0" y="connsiteY0"/>
+              </a:cxn>
+              <a:cxn ang="0">
+                <a:pos x="connsiteX1" y="connsiteY1"/>
+              </a:cxn>
+              <a:cxn ang="0">
+                <a:pos x="connsiteX2" y="connsiteY2"/>
+              </a:cxn>
+            </a:cxnLst>
+            <a:rect l="l" t="t" r="r" b="b"/>
+            <a:pathLst>
+              <a:path w="8815" h="10000">
+                <a:moveTo>
+                  <a:pt x="8815" y="10000"/>
+                </a:moveTo>
+                <a:lnTo>
+                  <a:pt x="5648" y="0"/>
+                </a:lnTo>
+                <a:lnTo>
+                  <a:pt x="0" y="0"/>
+                </a:lnTo>
+              </a:path>
+            </a:pathLst>
+          </a:custGeom>
+          <a:noFill/>
+          <a:ln w="9525">
+            <a:solidFill>
+              <a:srgbClr val="000000"/>
+            </a:solidFill>
+            <a:round/>
+            <a:headEnd/>
+            <a:tailEnd/>
+          </a:ln>
+          <a:effectLst/>
+          <a:extLst>
+            <a:ext uri="{909E8E84-426E-40DD-AFC4-6F175D3DCCD1}">
+              <a14:hiddenFill xmlns:a14="http://schemas.microsoft.com/office/drawing/2010/main">
+                <a:solidFill>
+                  <a:srgbClr val="FFFFFF"/>
+                </a:solidFill>
+              </a14:hiddenFill>
+            </a:ext>
+            <a:ext uri="{AF507438-7753-43E0-B8FC-AC1667EBCBE1}">
+              <a14:hiddenEffects xmlns:a14="http://schemas.microsoft.com/office/drawing/2010/main">
+                <a:effectLst>
+                  <a:outerShdw blurRad="63500" dist="38099" dir="2700000" algn="ctr" rotWithShape="0">
+                    <a:srgbClr val="000000">
+                      <a:alpha val="74998"/>
+                    </a:srgbClr>
+                  </a:outerShdw>
+                </a:effectLst>
+              </a14:hiddenEffects>
+            </a:ext>
+          </a:extLst>
+        </p:spPr>
+        <p:txBody>
+          <a:bodyPr/>
+          <a:lstStyle/>
+          <a:p>
+            <a:endParaRPr lang="de-DE"/>
+          </a:p>
+        </p:txBody>
+      </p:sp>
+      <p:sp>
+        <p:nvSpPr>
+          <p:cNvPr id="22" name="Textfeld 21"/>
+          <p:cNvSpPr txBox="1"/>
+          <p:nvPr/>
+        </p:nvSpPr>
+        <p:spPr>
+          <a:xfrm>
+            <a:off x="4842338" y="4499917"/>
+            <a:ext cx="1965516" cy="521681"/>
+          </a:xfrm>
+          <a:prstGeom prst="rect">
+            <a:avLst/>
+          </a:prstGeom>
+          <a:noFill/>
+        </p:spPr>
+        <p:txBody>
+          <a:bodyPr wrap="square" rtlCol="0">
+            <a:spAutoFit/>
+          </a:bodyPr>
+          <a:lstStyle/>
+          <a:p>
+            <a:r>
+              <a:rPr lang="de-CH" sz="3000" b="1" dirty="0" err="1" smtClean="0"/>
+              <a:t>necaREx</a:t>
+            </a:r>
+            <a:endParaRPr lang="en-US" sz="3000" b="1" dirty="0"/>
+          </a:p>
+        </p:txBody>
+      </p:sp>
+    </p:spTree>
+    <p:extLst>
+      <p:ext uri="{BB962C8B-B14F-4D97-AF65-F5344CB8AC3E}">
+        <p14:creationId xmlns:p14="http://schemas.microsoft.com/office/powerpoint/2010/main" val="1323419767"/>
+      </p:ext>
+    </p:extLst>
+  </p:cSld>
+  <p:clrMapOvr>
+    <a:masterClrMapping/>
+  </p:clrMapOvr>
+</p:sld>
+</file>
+
+<file path=ppt/slides/slide4.xml><?xml version="1.0" encoding="utf-8"?>
 <p:sld xmlns:a="http://schemas.openxmlformats.org/drawingml/2006/main" xmlns:r="http://schemas.openxmlformats.org/officeDocument/2006/relationships" xmlns:p="http://schemas.openxmlformats.org/presentationml/2006/main">
   <p:cSld>
     <p:spTree>
@@ -5006,7 +7769,7 @@
 </p:sld>
 </file>
 
-<file path=ppt/slides/slide4.xml><?xml version="1.0" encoding="utf-8"?>
+<file path=ppt/slides/slide5.xml><?xml version="1.0" encoding="utf-8"?>
 <p:sld xmlns:a="http://schemas.openxmlformats.org/drawingml/2006/main" xmlns:r="http://schemas.openxmlformats.org/officeDocument/2006/relationships" xmlns:p="http://schemas.openxmlformats.org/presentationml/2006/main">
   <p:cSld>
     <p:spTree>
@@ -5092,7 +7855,7 @@
 </p:sld>
 </file>
 
-<file path=ppt/slides/slide5.xml><?xml version="1.0" encoding="utf-8"?>
+<file path=ppt/slides/slide6.xml><?xml version="1.0" encoding="utf-8"?>
 <p:sld xmlns:a="http://schemas.openxmlformats.org/drawingml/2006/main" xmlns:r="http://schemas.openxmlformats.org/officeDocument/2006/relationships" xmlns:p="http://schemas.openxmlformats.org/presentationml/2006/main">
   <p:cSld>
     <p:spTree>
@@ -5406,7 +8169,7 @@
 </p:sld>
 </file>
 
-<file path=ppt/slides/slide6.xml><?xml version="1.0" encoding="utf-8"?>
+<file path=ppt/slides/slide7.xml><?xml version="1.0" encoding="utf-8"?>
 <p:sld xmlns:a="http://schemas.openxmlformats.org/drawingml/2006/main" xmlns:r="http://schemas.openxmlformats.org/officeDocument/2006/relationships" xmlns:p="http://schemas.openxmlformats.org/presentationml/2006/main">
   <p:cSld>
     <p:spTree>
@@ -5546,7 +8309,7 @@
 </p:sld>
 </file>
 
-<file path=ppt/slides/slide7.xml><?xml version="1.0" encoding="utf-8"?>
+<file path=ppt/slides/slide8.xml><?xml version="1.0" encoding="utf-8"?>
 <p:sld xmlns:a="http://schemas.openxmlformats.org/drawingml/2006/main" xmlns:r="http://schemas.openxmlformats.org/officeDocument/2006/relationships" xmlns:p="http://schemas.openxmlformats.org/presentationml/2006/main">
   <p:cSld>
     <p:spTree>
@@ -7260,7 +10023,7 @@
 </p:sld>
 </file>
 
-<file path=ppt/slides/slide8.xml><?xml version="1.0" encoding="utf-8"?>
+<file path=ppt/slides/slide9.xml><?xml version="1.0" encoding="utf-8"?>
 <p:sld xmlns:a="http://schemas.openxmlformats.org/drawingml/2006/main" xmlns:r="http://schemas.openxmlformats.org/officeDocument/2006/relationships" xmlns:p="http://schemas.openxmlformats.org/presentationml/2006/main">
   <p:cSld>
     <p:spTree>
@@ -7501,92 +10264,6 @@
       </p:par>
     </p:tnLst>
   </p:timing>
-</p:sld>
-</file>
-
-<file path=ppt/slides/slide9.xml><?xml version="1.0" encoding="utf-8"?>
-<p:sld xmlns:a="http://schemas.openxmlformats.org/drawingml/2006/main" xmlns:r="http://schemas.openxmlformats.org/officeDocument/2006/relationships" xmlns:p="http://schemas.openxmlformats.org/presentationml/2006/main">
-  <p:cSld>
-    <p:spTree>
-      <p:nvGrpSpPr>
-        <p:cNvPr id="1" name=""/>
-        <p:cNvGrpSpPr/>
-        <p:nvPr/>
-      </p:nvGrpSpPr>
-      <p:grpSpPr>
-        <a:xfrm>
-          <a:off x="0" y="0"/>
-          <a:ext cx="0" cy="0"/>
-          <a:chOff x="0" y="0"/>
-          <a:chExt cx="0" cy="0"/>
-        </a:xfrm>
-      </p:grpSpPr>
-      <p:sp>
-        <p:nvSpPr>
-          <p:cNvPr id="2" name="Title 1"/>
-          <p:cNvSpPr>
-            <a:spLocks noGrp="1"/>
-          </p:cNvSpPr>
-          <p:nvPr>
-            <p:ph type="title"/>
-          </p:nvPr>
-        </p:nvSpPr>
-        <p:spPr>
-          <a:xfrm>
-            <a:off x="1727944" y="301625"/>
-            <a:ext cx="7844681" cy="1260475"/>
-          </a:xfrm>
-        </p:spPr>
-        <p:txBody>
-          <a:bodyPr/>
-          <a:lstStyle/>
-          <a:p>
-            <a:r>
-              <a:rPr lang="de-CH" dirty="0" smtClean="0"/>
-              <a:t>Wirtschaftlichkeit</a:t>
-            </a:r>
-            <a:endParaRPr lang="de-CH" dirty="0"/>
-          </a:p>
-        </p:txBody>
-      </p:sp>
-      <p:sp>
-        <p:nvSpPr>
-          <p:cNvPr id="3" name="Content Placeholder 2"/>
-          <p:cNvSpPr>
-            <a:spLocks noGrp="1"/>
-          </p:cNvSpPr>
-          <p:nvPr>
-            <p:ph idx="1"/>
-          </p:nvPr>
-        </p:nvSpPr>
-        <p:spPr>
-          <a:xfrm>
-            <a:off x="1727944" y="1768475"/>
-            <a:ext cx="7844681" cy="4987925"/>
-          </a:xfrm>
-        </p:spPr>
-        <p:txBody>
-          <a:bodyPr/>
-          <a:lstStyle/>
-          <a:p>
-            <a:pPr marL="457200" indent="-457200">
-              <a:buFont typeface="Arial" panose="020B0604020202020204" pitchFamily="34" charset="0"/>
-              <a:buChar char="•"/>
-            </a:pPr>
-            <a:endParaRPr lang="de-CH" dirty="0"/>
-          </a:p>
-        </p:txBody>
-      </p:sp>
-    </p:spTree>
-    <p:extLst>
-      <p:ext uri="{BB962C8B-B14F-4D97-AF65-F5344CB8AC3E}">
-        <p14:creationId xmlns:p14="http://schemas.microsoft.com/office/powerpoint/2010/main" val="303706923"/>
-      </p:ext>
-    </p:extLst>
-  </p:cSld>
-  <p:clrMapOvr>
-    <a:masterClrMapping/>
-  </p:clrMapOvr>
 </p:sld>
 </file>
 
@@ -7835,8 +10512,8 @@
         </a:ln>
         <a:effectLst/>
         <a:extLst>
-          <a:ext uri="{AF507438-7753-43e0-B8FC-AC1667EBCBE1}">
-            <a14:hiddenEffects xmlns="" xmlns:a14="http://schemas.microsoft.com/office/drawing/2010/main">
+          <a:ext uri="{AF507438-7753-43E0-B8FC-AC1667EBCBE1}">
+            <a14:hiddenEffects xmlns:a14="http://schemas.microsoft.com/office/drawing/2010/main">
               <a:effectLst>
                 <a:outerShdw blurRad="63500" dist="38099" dir="2700000" algn="ctr" rotWithShape="0">
                   <a:schemeClr val="bg2">
@@ -7911,8 +10588,8 @@
         </a:ln>
         <a:effectLst/>
         <a:extLst>
-          <a:ext uri="{AF507438-7753-43e0-B8FC-AC1667EBCBE1}">
-            <a14:hiddenEffects xmlns="" xmlns:a14="http://schemas.microsoft.com/office/drawing/2010/main">
+          <a:ext uri="{AF507438-7753-43E0-B8FC-AC1667EBCBE1}">
+            <a14:hiddenEffects xmlns:a14="http://schemas.microsoft.com/office/drawing/2010/main">
               <a:effectLst>
                 <a:outerShdw blurRad="63500" dist="38099" dir="2700000" algn="ctr" rotWithShape="0">
                   <a:schemeClr val="bg2">

--- a/Planung/projektskizze_nad.pptx
+++ b/Planung/projektskizze_nad.pptx
@@ -5,7 +5,7 @@
     <p:sldMasterId id="2147483648" r:id="rId1"/>
   </p:sldMasterIdLst>
   <p:notesMasterIdLst>
-    <p:notesMasterId r:id="rId13"/>
+    <p:notesMasterId r:id="rId14"/>
   </p:notesMasterIdLst>
   <p:sldIdLst>
     <p:sldId id="256" r:id="rId2"/>
@@ -13,12 +13,13 @@
     <p:sldId id="269" r:id="rId4"/>
     <p:sldId id="264" r:id="rId5"/>
     <p:sldId id="265" r:id="rId6"/>
-    <p:sldId id="257" r:id="rId7"/>
-    <p:sldId id="258" r:id="rId8"/>
-    <p:sldId id="259" r:id="rId9"/>
-    <p:sldId id="260" r:id="rId10"/>
-    <p:sldId id="266" r:id="rId11"/>
-    <p:sldId id="268" r:id="rId12"/>
+    <p:sldId id="271" r:id="rId7"/>
+    <p:sldId id="257" r:id="rId8"/>
+    <p:sldId id="258" r:id="rId9"/>
+    <p:sldId id="259" r:id="rId10"/>
+    <p:sldId id="260" r:id="rId11"/>
+    <p:sldId id="266" r:id="rId12"/>
+    <p:sldId id="268" r:id="rId13"/>
   </p:sldIdLst>
   <p:sldSz cx="10080625" cy="7559675"/>
   <p:notesSz cx="7559675" cy="10691813"/>
@@ -189,7 +190,7 @@
   </p:defaultTextStyle>
   <p:extLst>
     <p:ext uri="{EFAFB233-063F-42B5-8137-9DF3F51BA10A}">
-      <p15:sldGuideLst xmlns:p15="http://schemas.microsoft.com/office/powerpoint/2012/main" xmlns="">
+      <p15:sldGuideLst xmlns="" xmlns:p15="http://schemas.microsoft.com/office/powerpoint/2012/main">
         <p15:guide id="1" orient="horz" pos="2160">
           <p15:clr>
             <a:srgbClr val="A4A3A4"/>
@@ -203,7 +204,7 @@
       </p15:sldGuideLst>
     </p:ext>
     <p:ext uri="{2D200454-40CA-4A62-9FC3-DE9A4176ACB9}">
-      <p15:notesGuideLst xmlns:p15="http://schemas.microsoft.com/office/powerpoint/2012/main" xmlns="">
+      <p15:notesGuideLst xmlns="" xmlns:p15="http://schemas.microsoft.com/office/powerpoint/2012/main">
         <p15:guide id="1" orient="horz" pos="2880">
           <p15:clr>
             <a:srgbClr val="A4A3A4"/>
@@ -269,14 +270,14 @@
           </a:ln>
           <a:effectLst/>
           <a:extLst>
-            <a:ext uri="{909E8E84-426E-40DD-AFC4-6F175D3DCCD1}">
+            <a:ext uri="{909E8E84-426E-40dd-AFC4-6F175D3DCCD1}">
               <a14:hiddenFill xmlns:a14="http://schemas.microsoft.com/office/drawing/2010/main">
                 <a:solidFill>
                   <a:srgbClr val="FFFFFF"/>
                 </a:solidFill>
               </a14:hiddenFill>
             </a:ext>
-            <a:ext uri="{91240B29-F687-4F45-9708-019B960494DF}">
+            <a:ext uri="{91240B29-F687-4f45-9708-019B960494DF}">
               <a14:hiddenLine xmlns:a14="http://schemas.microsoft.com/office/drawing/2010/main" w="9525">
                 <a:solidFill>
                   <a:srgbClr val="808080"/>
@@ -286,7 +287,7 @@
                 <a:tailEnd/>
               </a14:hiddenLine>
             </a:ext>
-            <a:ext uri="{AF507438-7753-43E0-B8FC-AC1667EBCBE1}">
+            <a:ext uri="{AF507438-7753-43e0-B8FC-AC1667EBCBE1}">
               <a14:hiddenEffects xmlns:a14="http://schemas.microsoft.com/office/drawing/2010/main">
                 <a:effectLst>
                   <a:outerShdw blurRad="63500" dist="38099" dir="2700000" algn="ctr" rotWithShape="0">
@@ -298,7 +299,7 @@
               </a14:hiddenEffects>
             </a:ext>
             <a:ext uri="{FAA26D3D-D897-4be2-8F04-BA451C77F1D7}">
-              <ma14:placeholderFlag xmlns:ma14="http://schemas.microsoft.com/office/mac/drawingml/2011/main" xmlns="" val="1"/>
+              <ma14:placeholderFlag xmlns:ma14="http://schemas.microsoft.com/office/mac/drawingml/2011/main" val="1"/>
             </a:ext>
           </a:extLst>
         </p:spPr>
@@ -327,14 +328,14 @@
           </a:ln>
           <a:effectLst/>
           <a:extLst>
-            <a:ext uri="{909E8E84-426E-40DD-AFC4-6F175D3DCCD1}">
+            <a:ext uri="{909E8E84-426E-40dd-AFC4-6F175D3DCCD1}">
               <a14:hiddenFill xmlns:a14="http://schemas.microsoft.com/office/drawing/2010/main">
                 <a:solidFill>
                   <a:srgbClr val="FFFFFF"/>
                 </a:solidFill>
               </a14:hiddenFill>
             </a:ext>
-            <a:ext uri="{91240B29-F687-4F45-9708-019B960494DF}">
+            <a:ext uri="{91240B29-F687-4f45-9708-019B960494DF}">
               <a14:hiddenLine xmlns:a14="http://schemas.microsoft.com/office/drawing/2010/main" w="9525">
                 <a:solidFill>
                   <a:srgbClr val="808080"/>
@@ -344,7 +345,7 @@
                 <a:tailEnd/>
               </a14:hiddenLine>
             </a:ext>
-            <a:ext uri="{AF507438-7753-43E0-B8FC-AC1667EBCBE1}">
+            <a:ext uri="{AF507438-7753-43e0-B8FC-AC1667EBCBE1}">
               <a14:hiddenEffects xmlns:a14="http://schemas.microsoft.com/office/drawing/2010/main">
                 <a:effectLst>
                   <a:outerShdw blurRad="63500" dist="38099" dir="2700000" algn="ctr" rotWithShape="0">
@@ -356,7 +357,7 @@
               </a14:hiddenEffects>
             </a:ext>
             <a:ext uri="{FAA26D3D-D897-4be2-8F04-BA451C77F1D7}">
-              <ma14:placeholderFlag xmlns:ma14="http://schemas.microsoft.com/office/mac/drawingml/2011/main" xmlns="" val="1"/>
+              <ma14:placeholderFlag xmlns:ma14="http://schemas.microsoft.com/office/mac/drawingml/2011/main" val="1"/>
             </a:ext>
           </a:extLst>
         </p:spPr>
@@ -397,14 +398,14 @@
           </a:ln>
           <a:effectLst/>
           <a:extLst>
-            <a:ext uri="{909E8E84-426E-40DD-AFC4-6F175D3DCCD1}">
+            <a:ext uri="{909E8E84-426E-40dd-AFC4-6F175D3DCCD1}">
               <a14:hiddenFill xmlns:a14="http://schemas.microsoft.com/office/drawing/2010/main">
                 <a:solidFill>
                   <a:srgbClr val="FFFFFF"/>
                 </a:solidFill>
               </a14:hiddenFill>
             </a:ext>
-            <a:ext uri="{91240B29-F687-4F45-9708-019B960494DF}">
+            <a:ext uri="{91240B29-F687-4f45-9708-019B960494DF}">
               <a14:hiddenLine xmlns:a14="http://schemas.microsoft.com/office/drawing/2010/main" w="9525">
                 <a:solidFill>
                   <a:srgbClr val="808080"/>
@@ -414,7 +415,7 @@
                 <a:tailEnd/>
               </a14:hiddenLine>
             </a:ext>
-            <a:ext uri="{AF507438-7753-43E0-B8FC-AC1667EBCBE1}">
+            <a:ext uri="{AF507438-7753-43e0-B8FC-AC1667EBCBE1}">
               <a14:hiddenEffects xmlns:a14="http://schemas.microsoft.com/office/drawing/2010/main">
                 <a:effectLst>
                   <a:outerShdw blurRad="63500" dist="38099" dir="2700000" algn="ctr" rotWithShape="0">
@@ -426,7 +427,7 @@
               </a14:hiddenEffects>
             </a:ext>
             <a:ext uri="{FAA26D3D-D897-4be2-8F04-BA451C77F1D7}">
-              <ma14:placeholderFlag xmlns:ma14="http://schemas.microsoft.com/office/mac/drawingml/2011/main" xmlns="" val="1"/>
+              <ma14:placeholderFlag xmlns:ma14="http://schemas.microsoft.com/office/mac/drawingml/2011/main" val="1"/>
             </a:ext>
           </a:extLst>
         </p:spPr>
@@ -481,14 +482,14 @@
           </a:ln>
           <a:effectLst/>
           <a:extLst>
-            <a:ext uri="{909E8E84-426E-40DD-AFC4-6F175D3DCCD1}">
+            <a:ext uri="{909E8E84-426E-40dd-AFC4-6F175D3DCCD1}">
               <a14:hiddenFill xmlns:a14="http://schemas.microsoft.com/office/drawing/2010/main">
                 <a:solidFill>
                   <a:srgbClr val="FFFFFF"/>
                 </a:solidFill>
               </a14:hiddenFill>
             </a:ext>
-            <a:ext uri="{91240B29-F687-4F45-9708-019B960494DF}">
+            <a:ext uri="{91240B29-F687-4f45-9708-019B960494DF}">
               <a14:hiddenLine xmlns:a14="http://schemas.microsoft.com/office/drawing/2010/main" w="9525">
                 <a:solidFill>
                   <a:srgbClr val="808080"/>
@@ -498,7 +499,7 @@
                 <a:tailEnd/>
               </a14:hiddenLine>
             </a:ext>
-            <a:ext uri="{AF507438-7753-43E0-B8FC-AC1667EBCBE1}">
+            <a:ext uri="{AF507438-7753-43e0-B8FC-AC1667EBCBE1}">
               <a14:hiddenEffects xmlns:a14="http://schemas.microsoft.com/office/drawing/2010/main">
                 <a:effectLst>
                   <a:outerShdw blurRad="63500" dist="38099" dir="2700000" algn="ctr" rotWithShape="0">
@@ -510,7 +511,7 @@
               </a14:hiddenEffects>
             </a:ext>
             <a:ext uri="{FAA26D3D-D897-4be2-8F04-BA451C77F1D7}">
-              <ma14:placeholderFlag xmlns:ma14="http://schemas.microsoft.com/office/mac/drawingml/2011/main" xmlns="" val="1"/>
+              <ma14:placeholderFlag xmlns:ma14="http://schemas.microsoft.com/office/mac/drawingml/2011/main" val="1"/>
             </a:ext>
           </a:extLst>
         </p:spPr>
@@ -565,14 +566,14 @@
           </a:ln>
           <a:effectLst/>
           <a:extLst>
-            <a:ext uri="{909E8E84-426E-40DD-AFC4-6F175D3DCCD1}">
+            <a:ext uri="{909E8E84-426E-40dd-AFC4-6F175D3DCCD1}">
               <a14:hiddenFill xmlns:a14="http://schemas.microsoft.com/office/drawing/2010/main">
                 <a:solidFill>
                   <a:srgbClr val="FFFFFF"/>
                 </a:solidFill>
               </a14:hiddenFill>
             </a:ext>
-            <a:ext uri="{91240B29-F687-4F45-9708-019B960494DF}">
+            <a:ext uri="{91240B29-F687-4f45-9708-019B960494DF}">
               <a14:hiddenLine xmlns:a14="http://schemas.microsoft.com/office/drawing/2010/main" w="9525">
                 <a:solidFill>
                   <a:srgbClr val="808080"/>
@@ -582,7 +583,7 @@
                 <a:tailEnd/>
               </a14:hiddenLine>
             </a:ext>
-            <a:ext uri="{AF507438-7753-43E0-B8FC-AC1667EBCBE1}">
+            <a:ext uri="{AF507438-7753-43e0-B8FC-AC1667EBCBE1}">
               <a14:hiddenEffects xmlns:a14="http://schemas.microsoft.com/office/drawing/2010/main">
                 <a:effectLst>
                   <a:outerShdw blurRad="63500" dist="38099" dir="2700000" algn="ctr" rotWithShape="0">
@@ -594,7 +595,7 @@
               </a14:hiddenEffects>
             </a:ext>
             <a:ext uri="{FAA26D3D-D897-4be2-8F04-BA451C77F1D7}">
-              <ma14:placeholderFlag xmlns:ma14="http://schemas.microsoft.com/office/mac/drawingml/2011/main" xmlns="" val="1"/>
+              <ma14:placeholderFlag xmlns:ma14="http://schemas.microsoft.com/office/mac/drawingml/2011/main" val="1"/>
             </a:ext>
           </a:extLst>
         </p:spPr>
@@ -649,14 +650,14 @@
           </a:ln>
           <a:effectLst/>
           <a:extLst>
-            <a:ext uri="{909E8E84-426E-40DD-AFC4-6F175D3DCCD1}">
+            <a:ext uri="{909E8E84-426E-40dd-AFC4-6F175D3DCCD1}">
               <a14:hiddenFill xmlns:a14="http://schemas.microsoft.com/office/drawing/2010/main">
                 <a:solidFill>
                   <a:srgbClr val="FFFFFF"/>
                 </a:solidFill>
               </a14:hiddenFill>
             </a:ext>
-            <a:ext uri="{91240B29-F687-4F45-9708-019B960494DF}">
+            <a:ext uri="{91240B29-F687-4f45-9708-019B960494DF}">
               <a14:hiddenLine xmlns:a14="http://schemas.microsoft.com/office/drawing/2010/main" w="9525">
                 <a:solidFill>
                   <a:srgbClr val="808080"/>
@@ -666,7 +667,7 @@
                 <a:tailEnd/>
               </a14:hiddenLine>
             </a:ext>
-            <a:ext uri="{AF507438-7753-43E0-B8FC-AC1667EBCBE1}">
+            <a:ext uri="{AF507438-7753-43e0-B8FC-AC1667EBCBE1}">
               <a14:hiddenEffects xmlns:a14="http://schemas.microsoft.com/office/drawing/2010/main">
                 <a:effectLst>
                   <a:outerShdw blurRad="63500" dist="38099" dir="2700000" algn="ctr" rotWithShape="0">
@@ -678,7 +679,7 @@
               </a14:hiddenEffects>
             </a:ext>
             <a:ext uri="{FAA26D3D-D897-4be2-8F04-BA451C77F1D7}">
-              <ma14:placeholderFlag xmlns:ma14="http://schemas.microsoft.com/office/mac/drawingml/2011/main" xmlns="" val="1"/>
+              <ma14:placeholderFlag xmlns:ma14="http://schemas.microsoft.com/office/mac/drawingml/2011/main" val="1"/>
             </a:ext>
           </a:extLst>
         </p:spPr>
@@ -953,7 +954,7 @@
             <a:tailEnd/>
           </a:ln>
           <a:extLst>
-            <a:ext uri="{AF507438-7753-43E0-B8FC-AC1667EBCBE1}">
+            <a:ext uri="{AF507438-7753-43e0-B8FC-AC1667EBCBE1}">
               <a14:hiddenEffects xmlns:a14="http://schemas.microsoft.com/office/drawing/2010/main">
                 <a:effectLst>
                   <a:outerShdw blurRad="63500" dist="38099" dir="2700000" algn="ctr" rotWithShape="0">
@@ -988,14 +989,14 @@
           <a:noFill/>
           <a:ln/>
           <a:extLst>
-            <a:ext uri="{909E8E84-426E-40DD-AFC4-6F175D3DCCD1}">
+            <a:ext uri="{909E8E84-426E-40dd-AFC4-6F175D3DCCD1}">
               <a14:hiddenFill xmlns:a14="http://schemas.microsoft.com/office/drawing/2010/main">
                 <a:solidFill>
                   <a:srgbClr val="FFFFFF"/>
                 </a:solidFill>
               </a14:hiddenFill>
             </a:ext>
-            <a:ext uri="{91240B29-F687-4F45-9708-019B960494DF}">
+            <a:ext uri="{91240B29-F687-4f45-9708-019B960494DF}">
               <a14:hiddenLine xmlns:a14="http://schemas.microsoft.com/office/drawing/2010/main" w="9525">
                 <a:solidFill>
                   <a:srgbClr val="808080"/>
@@ -1005,7 +1006,7 @@
                 <a:tailEnd/>
               </a14:hiddenLine>
             </a:ext>
-            <a:ext uri="{AF507438-7753-43E0-B8FC-AC1667EBCBE1}">
+            <a:ext uri="{AF507438-7753-43e0-B8FC-AC1667EBCBE1}">
               <a14:hiddenEffects xmlns:a14="http://schemas.microsoft.com/office/drawing/2010/main">
                 <a:effectLst>
                   <a:outerShdw blurRad="63500" dist="38099" dir="2700000" algn="ctr" rotWithShape="0">
@@ -1084,7 +1085,7 @@
             <a:fld id="{511573D2-CE3B-B847-B193-A58F98F48F64}" type="slidenum">
               <a:rPr lang="en-US"/>
               <a:pPr/>
-              <a:t>11</a:t>
+              <a:t>12</a:t>
             </a:fld>
             <a:endParaRPr lang="en-US"/>
           </a:p>
@@ -1120,7 +1121,7 @@
             <a:tailEnd/>
           </a:ln>
           <a:extLst>
-            <a:ext uri="{AF507438-7753-43E0-B8FC-AC1667EBCBE1}">
+            <a:ext uri="{AF507438-7753-43e0-B8FC-AC1667EBCBE1}">
               <a14:hiddenEffects xmlns:a14="http://schemas.microsoft.com/office/drawing/2010/main">
                 <a:effectLst>
                   <a:outerShdw blurRad="63500" dist="38099" dir="2700000" algn="ctr" rotWithShape="0">
@@ -1155,14 +1156,14 @@
           <a:noFill/>
           <a:ln/>
           <a:extLst>
-            <a:ext uri="{909E8E84-426E-40DD-AFC4-6F175D3DCCD1}">
+            <a:ext uri="{909E8E84-426E-40dd-AFC4-6F175D3DCCD1}">
               <a14:hiddenFill xmlns:a14="http://schemas.microsoft.com/office/drawing/2010/main">
                 <a:solidFill>
                   <a:srgbClr val="FFFFFF"/>
                 </a:solidFill>
               </a14:hiddenFill>
             </a:ext>
-            <a:ext uri="{91240B29-F687-4F45-9708-019B960494DF}">
+            <a:ext uri="{91240B29-F687-4f45-9708-019B960494DF}">
               <a14:hiddenLine xmlns:a14="http://schemas.microsoft.com/office/drawing/2010/main" w="9525">
                 <a:solidFill>
                   <a:srgbClr val="808080"/>
@@ -1172,7 +1173,7 @@
                 <a:tailEnd/>
               </a14:hiddenLine>
             </a:ext>
-            <a:ext uri="{AF507438-7753-43E0-B8FC-AC1667EBCBE1}">
+            <a:ext uri="{AF507438-7753-43e0-B8FC-AC1667EBCBE1}">
               <a14:hiddenEffects xmlns:a14="http://schemas.microsoft.com/office/drawing/2010/main">
                 <a:effectLst>
                   <a:outerShdw blurRad="63500" dist="38099" dir="2700000" algn="ctr" rotWithShape="0">
@@ -3863,14 +3864,14 @@
           </a:ln>
           <a:effectLst/>
           <a:extLst>
-            <a:ext uri="{909E8E84-426E-40DD-AFC4-6F175D3DCCD1}">
+            <a:ext uri="{909E8E84-426E-40dd-AFC4-6F175D3DCCD1}">
               <a14:hiddenFill xmlns:a14="http://schemas.microsoft.com/office/drawing/2010/main">
                 <a:solidFill>
                   <a:srgbClr val="FFFFFF"/>
                 </a:solidFill>
               </a14:hiddenFill>
             </a:ext>
-            <a:ext uri="{91240B29-F687-4F45-9708-019B960494DF}">
+            <a:ext uri="{91240B29-F687-4f45-9708-019B960494DF}">
               <a14:hiddenLine xmlns:a14="http://schemas.microsoft.com/office/drawing/2010/main" w="9525">
                 <a:solidFill>
                   <a:srgbClr val="808080"/>
@@ -3880,7 +3881,7 @@
                 <a:tailEnd/>
               </a14:hiddenLine>
             </a:ext>
-            <a:ext uri="{AF507438-7753-43E0-B8FC-AC1667EBCBE1}">
+            <a:ext uri="{AF507438-7753-43e0-B8FC-AC1667EBCBE1}">
               <a14:hiddenEffects xmlns:a14="http://schemas.microsoft.com/office/drawing/2010/main">
                 <a:effectLst>
                   <a:outerShdw blurRad="63500" dist="38099" dir="2700000" algn="ctr" rotWithShape="0">
@@ -3892,7 +3893,7 @@
               </a14:hiddenEffects>
             </a:ext>
             <a:ext uri="{FAA26D3D-D897-4be2-8F04-BA451C77F1D7}">
-              <ma14:placeholderFlag xmlns:ma14="http://schemas.microsoft.com/office/mac/drawingml/2011/main" xmlns="" val="1"/>
+              <ma14:placeholderFlag xmlns:ma14="http://schemas.microsoft.com/office/mac/drawingml/2011/main" val="1"/>
             </a:ext>
           </a:extLst>
         </p:spPr>
@@ -3936,14 +3937,14 @@
           </a:ln>
           <a:effectLst/>
           <a:extLst>
-            <a:ext uri="{909E8E84-426E-40DD-AFC4-6F175D3DCCD1}">
+            <a:ext uri="{909E8E84-426E-40dd-AFC4-6F175D3DCCD1}">
               <a14:hiddenFill xmlns:a14="http://schemas.microsoft.com/office/drawing/2010/main">
                 <a:solidFill>
                   <a:srgbClr val="FFFFFF"/>
                 </a:solidFill>
               </a14:hiddenFill>
             </a:ext>
-            <a:ext uri="{91240B29-F687-4F45-9708-019B960494DF}">
+            <a:ext uri="{91240B29-F687-4f45-9708-019B960494DF}">
               <a14:hiddenLine xmlns:a14="http://schemas.microsoft.com/office/drawing/2010/main" w="9525">
                 <a:solidFill>
                   <a:srgbClr val="808080"/>
@@ -3953,7 +3954,7 @@
                 <a:tailEnd/>
               </a14:hiddenLine>
             </a:ext>
-            <a:ext uri="{AF507438-7753-43E0-B8FC-AC1667EBCBE1}">
+            <a:ext uri="{AF507438-7753-43e0-B8FC-AC1667EBCBE1}">
               <a14:hiddenEffects xmlns:a14="http://schemas.microsoft.com/office/drawing/2010/main">
                 <a:effectLst>
                   <a:outerShdw blurRad="63500" dist="38099" dir="2700000" algn="ctr" rotWithShape="0">
@@ -3965,7 +3966,7 @@
               </a14:hiddenEffects>
             </a:ext>
             <a:ext uri="{FAA26D3D-D897-4be2-8F04-BA451C77F1D7}">
-              <ma14:placeholderFlag xmlns:ma14="http://schemas.microsoft.com/office/mac/drawingml/2011/main" xmlns="" val="1"/>
+              <ma14:placeholderFlag xmlns:ma14="http://schemas.microsoft.com/office/mac/drawingml/2011/main" val="1"/>
             </a:ext>
           </a:extLst>
         </p:spPr>
@@ -4065,14 +4066,14 @@
           </a:ln>
           <a:effectLst/>
           <a:extLst>
-            <a:ext uri="{909E8E84-426E-40DD-AFC4-6F175D3DCCD1}">
+            <a:ext uri="{909E8E84-426E-40dd-AFC4-6F175D3DCCD1}">
               <a14:hiddenFill xmlns:a14="http://schemas.microsoft.com/office/drawing/2010/main">
                 <a:solidFill>
                   <a:srgbClr val="FFFFFF"/>
                 </a:solidFill>
               </a14:hiddenFill>
             </a:ext>
-            <a:ext uri="{91240B29-F687-4F45-9708-019B960494DF}">
+            <a:ext uri="{91240B29-F687-4f45-9708-019B960494DF}">
               <a14:hiddenLine xmlns:a14="http://schemas.microsoft.com/office/drawing/2010/main" w="9525">
                 <a:solidFill>
                   <a:srgbClr val="808080"/>
@@ -4082,7 +4083,7 @@
                 <a:tailEnd/>
               </a14:hiddenLine>
             </a:ext>
-            <a:ext uri="{AF507438-7753-43E0-B8FC-AC1667EBCBE1}">
+            <a:ext uri="{AF507438-7753-43e0-B8FC-AC1667EBCBE1}">
               <a14:hiddenEffects xmlns:a14="http://schemas.microsoft.com/office/drawing/2010/main">
                 <a:effectLst>
                   <a:outerShdw blurRad="63500" dist="38099" dir="2700000" algn="ctr" rotWithShape="0">
@@ -4094,7 +4095,7 @@
               </a14:hiddenEffects>
             </a:ext>
             <a:ext uri="{FAA26D3D-D897-4be2-8F04-BA451C77F1D7}">
-              <ma14:placeholderFlag xmlns:ma14="http://schemas.microsoft.com/office/mac/drawingml/2011/main" xmlns="" val="1"/>
+              <ma14:placeholderFlag xmlns:ma14="http://schemas.microsoft.com/office/mac/drawingml/2011/main" val="1"/>
             </a:ext>
           </a:extLst>
         </p:spPr>
@@ -4148,14 +4149,14 @@
           </a:ln>
           <a:effectLst/>
           <a:extLst>
-            <a:ext uri="{909E8E84-426E-40DD-AFC4-6F175D3DCCD1}">
+            <a:ext uri="{909E8E84-426E-40dd-AFC4-6F175D3DCCD1}">
               <a14:hiddenFill xmlns:a14="http://schemas.microsoft.com/office/drawing/2010/main">
                 <a:solidFill>
                   <a:srgbClr val="FFFFFF"/>
                 </a:solidFill>
               </a14:hiddenFill>
             </a:ext>
-            <a:ext uri="{91240B29-F687-4F45-9708-019B960494DF}">
+            <a:ext uri="{91240B29-F687-4f45-9708-019B960494DF}">
               <a14:hiddenLine xmlns:a14="http://schemas.microsoft.com/office/drawing/2010/main" w="9525">
                 <a:solidFill>
                   <a:srgbClr val="808080"/>
@@ -4165,7 +4166,7 @@
                 <a:tailEnd/>
               </a14:hiddenLine>
             </a:ext>
-            <a:ext uri="{AF507438-7753-43E0-B8FC-AC1667EBCBE1}">
+            <a:ext uri="{AF507438-7753-43e0-B8FC-AC1667EBCBE1}">
               <a14:hiddenEffects xmlns:a14="http://schemas.microsoft.com/office/drawing/2010/main">
                 <a:effectLst>
                   <a:outerShdw blurRad="63500" dist="38099" dir="2700000" algn="ctr" rotWithShape="0">
@@ -4177,7 +4178,7 @@
               </a14:hiddenEffects>
             </a:ext>
             <a:ext uri="{FAA26D3D-D897-4be2-8F04-BA451C77F1D7}">
-              <ma14:placeholderFlag xmlns:ma14="http://schemas.microsoft.com/office/mac/drawingml/2011/main" xmlns="" val="1"/>
+              <ma14:placeholderFlag xmlns:ma14="http://schemas.microsoft.com/office/mac/drawingml/2011/main" val="1"/>
             </a:ext>
           </a:extLst>
         </p:spPr>
@@ -4232,14 +4233,14 @@
           </a:ln>
           <a:effectLst/>
           <a:extLst>
-            <a:ext uri="{909E8E84-426E-40DD-AFC4-6F175D3DCCD1}">
+            <a:ext uri="{909E8E84-426E-40dd-AFC4-6F175D3DCCD1}">
               <a14:hiddenFill xmlns:a14="http://schemas.microsoft.com/office/drawing/2010/main">
                 <a:solidFill>
                   <a:srgbClr val="FFFFFF"/>
                 </a:solidFill>
               </a14:hiddenFill>
             </a:ext>
-            <a:ext uri="{91240B29-F687-4F45-9708-019B960494DF}">
+            <a:ext uri="{91240B29-F687-4f45-9708-019B960494DF}">
               <a14:hiddenLine xmlns:a14="http://schemas.microsoft.com/office/drawing/2010/main" w="9525">
                 <a:solidFill>
                   <a:srgbClr val="808080"/>
@@ -4249,7 +4250,7 @@
                 <a:tailEnd/>
               </a14:hiddenLine>
             </a:ext>
-            <a:ext uri="{AF507438-7753-43E0-B8FC-AC1667EBCBE1}">
+            <a:ext uri="{AF507438-7753-43e0-B8FC-AC1667EBCBE1}">
               <a14:hiddenEffects xmlns:a14="http://schemas.microsoft.com/office/drawing/2010/main">
                 <a:effectLst>
                   <a:outerShdw blurRad="63500" dist="38099" dir="2700000" algn="ctr" rotWithShape="0">
@@ -4261,7 +4262,7 @@
               </a14:hiddenEffects>
             </a:ext>
             <a:ext uri="{FAA26D3D-D897-4be2-8F04-BA451C77F1D7}">
-              <ma14:placeholderFlag xmlns:ma14="http://schemas.microsoft.com/office/mac/drawingml/2011/main" xmlns="" val="1"/>
+              <ma14:placeholderFlag xmlns:ma14="http://schemas.microsoft.com/office/mac/drawingml/2011/main" val="1"/>
             </a:ext>
           </a:extLst>
         </p:spPr>
@@ -4959,11 +4960,11 @@
   <p:clrMapOvr>
     <a:masterClrMapping/>
   </p:clrMapOvr>
-  <p:transition spd="med"/>
+  <p:transition xmlns:p14="http://schemas.microsoft.com/office/powerpoint/2010/main" spd="med"/>
   <p:timing>
     <p:tnLst>
       <p:par>
-        <p:cTn id="1" dur="indefinite" restart="never" nodeType="tmRoot">
+        <p:cTn xmlns:p14="http://schemas.microsoft.com/office/powerpoint/2010/main" id="1" dur="indefinite" restart="never" nodeType="tmRoot">
           <p:childTnLst>
             <p:seq concurrent="1" nextAc="seek">
               <p:cTn id="2" dur="0" nodeType="mainSeq"/>
@@ -5009,6 +5010,250 @@
       </p:grpSpPr>
       <p:sp>
         <p:nvSpPr>
+          <p:cNvPr id="2" name="Titel 1"/>
+          <p:cNvSpPr>
+            <a:spLocks noGrp="1"/>
+          </p:cNvSpPr>
+          <p:nvPr>
+            <p:ph type="title"/>
+          </p:nvPr>
+        </p:nvSpPr>
+        <p:spPr/>
+        <p:txBody>
+          <a:bodyPr/>
+          <a:lstStyle/>
+          <a:p>
+            <a:r>
+              <a:rPr lang="de-DE" dirty="0" smtClean="0"/>
+              <a:t>Kundennutzen</a:t>
+            </a:r>
+            <a:endParaRPr lang="de-DE" dirty="0"/>
+          </a:p>
+        </p:txBody>
+      </p:sp>
+      <p:sp>
+        <p:nvSpPr>
+          <p:cNvPr id="6" name="Textfeld 5"/>
+          <p:cNvSpPr txBox="1"/>
+          <p:nvPr/>
+        </p:nvSpPr>
+        <p:spPr>
+          <a:xfrm>
+            <a:off x="3044379" y="1907629"/>
+            <a:ext cx="5740349" cy="868392"/>
+          </a:xfrm>
+          <a:prstGeom prst="rect">
+            <a:avLst/>
+          </a:prstGeom>
+          <a:noFill/>
+        </p:spPr>
+        <p:txBody>
+          <a:bodyPr wrap="square" rtlCol="0">
+            <a:spAutoFit/>
+          </a:bodyPr>
+          <a:lstStyle/>
+          <a:p>
+            <a:pPr marL="285750" lvl="0" indent="-285750">
+              <a:buFontTx/>
+              <a:buChar char="-"/>
+            </a:pPr>
+            <a:r>
+              <a:rPr lang="de-DE" dirty="0"/>
+              <a:t>In Schachvereinen und Schachkursen kann „</a:t>
+            </a:r>
+            <a:r>
+              <a:rPr lang="de-DE" dirty="0" err="1"/>
+              <a:t>necaREx</a:t>
+            </a:r>
+            <a:r>
+              <a:rPr lang="de-DE" dirty="0"/>
+              <a:t>“ als effiziente Lernsoftware eingesetzt werden</a:t>
+            </a:r>
+            <a:r>
+              <a:rPr lang="de-DE" dirty="0" smtClean="0"/>
+              <a:t>.</a:t>
+            </a:r>
+            <a:endParaRPr lang="de-DE" dirty="0"/>
+          </a:p>
+        </p:txBody>
+      </p:sp>
+      <p:sp>
+        <p:nvSpPr>
+          <p:cNvPr id="5" name="Textfeld 4"/>
+          <p:cNvSpPr txBox="1"/>
+          <p:nvPr/>
+        </p:nvSpPr>
+        <p:spPr>
+          <a:xfrm>
+            <a:off x="3044379" y="2839437"/>
+            <a:ext cx="5740349" cy="610783"/>
+          </a:xfrm>
+          <a:prstGeom prst="rect">
+            <a:avLst/>
+          </a:prstGeom>
+          <a:noFill/>
+        </p:spPr>
+        <p:txBody>
+          <a:bodyPr wrap="square" rtlCol="0">
+            <a:spAutoFit/>
+          </a:bodyPr>
+          <a:lstStyle/>
+          <a:p>
+            <a:pPr marL="285750" indent="-285750">
+              <a:buFontTx/>
+              <a:buChar char="-"/>
+            </a:pPr>
+            <a:r>
+              <a:rPr lang="de-DE" dirty="0"/>
+              <a:t>Durch das schlichte und intuitive Design ist „</a:t>
+            </a:r>
+            <a:r>
+              <a:rPr lang="de-DE" dirty="0" err="1"/>
+              <a:t>necaREx</a:t>
+            </a:r>
+            <a:r>
+              <a:rPr lang="de-DE" dirty="0"/>
+              <a:t>“ einfach und schnell zu erlernen</a:t>
+            </a:r>
+            <a:r>
+              <a:rPr lang="de-DE" dirty="0" smtClean="0"/>
+              <a:t>.</a:t>
+            </a:r>
+            <a:endParaRPr lang="de-DE" dirty="0"/>
+          </a:p>
+        </p:txBody>
+      </p:sp>
+      <p:sp>
+        <p:nvSpPr>
+          <p:cNvPr id="8" name="Textfeld 7"/>
+          <p:cNvSpPr txBox="1"/>
+          <p:nvPr/>
+        </p:nvSpPr>
+        <p:spPr>
+          <a:xfrm>
+            <a:off x="3044379" y="3529094"/>
+            <a:ext cx="5740349" cy="1126001"/>
+          </a:xfrm>
+          <a:prstGeom prst="rect">
+            <a:avLst/>
+          </a:prstGeom>
+          <a:noFill/>
+        </p:spPr>
+        <p:txBody>
+          <a:bodyPr wrap="square" rtlCol="0">
+            <a:spAutoFit/>
+          </a:bodyPr>
+          <a:lstStyle/>
+          <a:p>
+            <a:pPr marL="285750" lvl="0" indent="-285750">
+              <a:buFontTx/>
+              <a:buChar char="-"/>
+            </a:pPr>
+            <a:r>
+              <a:rPr lang="de-DE" dirty="0"/>
+              <a:t>Da ein „</a:t>
+            </a:r>
+            <a:r>
+              <a:rPr lang="de-DE" dirty="0" err="1"/>
+              <a:t>necaREx</a:t>
+            </a:r>
+            <a:r>
+              <a:rPr lang="de-DE" dirty="0"/>
+              <a:t>“ Lizenzpaket für einen angemessenen Preis erworben werden kann und ein Paket fünf Lizenzen beinhaltet, stellt es eine kostengünstige Investition dar</a:t>
+            </a:r>
+            <a:r>
+              <a:rPr lang="de-DE" dirty="0" smtClean="0"/>
+              <a:t>.</a:t>
+            </a:r>
+            <a:endParaRPr lang="de-DE" dirty="0"/>
+          </a:p>
+        </p:txBody>
+      </p:sp>
+      <p:sp>
+        <p:nvSpPr>
+          <p:cNvPr id="9" name="Textfeld 8"/>
+          <p:cNvSpPr txBox="1"/>
+          <p:nvPr/>
+        </p:nvSpPr>
+        <p:spPr>
+          <a:xfrm>
+            <a:off x="3044379" y="4742068"/>
+            <a:ext cx="5740349" cy="868392"/>
+          </a:xfrm>
+          <a:prstGeom prst="rect">
+            <a:avLst/>
+          </a:prstGeom>
+          <a:noFill/>
+        </p:spPr>
+        <p:txBody>
+          <a:bodyPr wrap="square" rtlCol="0">
+            <a:spAutoFit/>
+          </a:bodyPr>
+          <a:lstStyle/>
+          <a:p>
+            <a:pPr marL="285750" indent="-285750">
+              <a:buFontTx/>
+              <a:buChar char="-"/>
+            </a:pPr>
+            <a:r>
+              <a:rPr lang="de-DE" dirty="0"/>
+              <a:t>Dank unserer übersichtlichen Benutzeroberfläche kann der Spieler zu jeder Zeit wichtige Spielinformationen entnehmen</a:t>
+            </a:r>
+            <a:r>
+              <a:rPr lang="de-DE" dirty="0" smtClean="0"/>
+              <a:t>.</a:t>
+            </a:r>
+            <a:endParaRPr lang="de-DE" dirty="0"/>
+          </a:p>
+        </p:txBody>
+      </p:sp>
+    </p:spTree>
+    <p:extLst>
+      <p:ext uri="{BB962C8B-B14F-4D97-AF65-F5344CB8AC3E}">
+        <p14:creationId xmlns:p14="http://schemas.microsoft.com/office/powerpoint/2010/main" val="537607213"/>
+      </p:ext>
+    </p:extLst>
+  </p:cSld>
+  <p:clrMapOvr>
+    <a:masterClrMapping/>
+  </p:clrMapOvr>
+  <mc:AlternateContent xmlns:mc="http://schemas.openxmlformats.org/markup-compatibility/2006" xmlns:p14="http://schemas.microsoft.com/office/powerpoint/2010/main">
+    <mc:Choice Requires="p14">
+      <p:transition spd="slow" p14:dur="2000"/>
+    </mc:Choice>
+    <mc:Fallback xmlns="">
+      <p:transition xmlns:p14="http://schemas.microsoft.com/office/powerpoint/2010/main" spd="slow"/>
+    </mc:Fallback>
+  </mc:AlternateContent>
+  <p:timing>
+    <p:tnLst>
+      <p:par>
+        <p:cTn xmlns:p14="http://schemas.microsoft.com/office/powerpoint/2010/main" id="1" dur="indefinite" restart="never" nodeType="tmRoot"/>
+      </p:par>
+    </p:tnLst>
+  </p:timing>
+</p:sld>
+</file>
+
+<file path=ppt/slides/slide11.xml><?xml version="1.0" encoding="utf-8"?>
+<p:sld xmlns:a="http://schemas.openxmlformats.org/drawingml/2006/main" xmlns:r="http://schemas.openxmlformats.org/officeDocument/2006/relationships" xmlns:p="http://schemas.openxmlformats.org/presentationml/2006/main">
+  <p:cSld>
+    <p:spTree>
+      <p:nvGrpSpPr>
+        <p:cNvPr id="1" name=""/>
+        <p:cNvGrpSpPr/>
+        <p:nvPr/>
+      </p:nvGrpSpPr>
+      <p:grpSpPr>
+        <a:xfrm>
+          <a:off x="0" y="0"/>
+          <a:ext cx="0" cy="0"/>
+          <a:chOff x="0" y="0"/>
+          <a:chExt cx="0" cy="0"/>
+        </a:xfrm>
+      </p:grpSpPr>
+      <p:sp>
+        <p:nvSpPr>
           <p:cNvPr id="2" name="Title 1"/>
           <p:cNvSpPr>
             <a:spLocks noGrp="1"/>
@@ -5061,7 +5306,7 @@
           </a:ln>
           <a:effectLst/>
           <a:extLst>
-            <a:ext uri="{91240B29-F687-4F45-9708-019B960494DF}">
+            <a:ext uri="{91240B29-F687-4f45-9708-019B960494DF}">
               <a14:hiddenLine xmlns:a14="http://schemas.microsoft.com/office/drawing/2010/main" w="9525">
                 <a:solidFill>
                   <a:srgbClr val="000000"/>
@@ -5071,7 +5316,7 @@
                 <a:tailEnd/>
               </a14:hiddenLine>
             </a:ext>
-            <a:ext uri="{AF507438-7753-43E0-B8FC-AC1667EBCBE1}">
+            <a:ext uri="{AF507438-7753-43e0-B8FC-AC1667EBCBE1}">
               <a14:hiddenEffects xmlns:a14="http://schemas.microsoft.com/office/drawing/2010/main">
                 <a:effectLst>
                   <a:outerShdw blurRad="63500" dist="38099" dir="2700000" algn="ctr" rotWithShape="0">
@@ -5144,7 +5389,7 @@
           </a:ln>
           <a:effectLst/>
           <a:extLst>
-            <a:ext uri="{91240B29-F687-4F45-9708-019B960494DF}">
+            <a:ext uri="{91240B29-F687-4f45-9708-019B960494DF}">
               <a14:hiddenLine xmlns:a14="http://schemas.microsoft.com/office/drawing/2010/main" w="9525">
                 <a:solidFill>
                   <a:srgbClr val="000000"/>
@@ -5154,7 +5399,7 @@
                 <a:tailEnd/>
               </a14:hiddenLine>
             </a:ext>
-            <a:ext uri="{AF507438-7753-43E0-B8FC-AC1667EBCBE1}">
+            <a:ext uri="{AF507438-7753-43e0-B8FC-AC1667EBCBE1}">
               <a14:hiddenEffects xmlns:a14="http://schemas.microsoft.com/office/drawing/2010/main">
                 <a:effectLst>
                   <a:outerShdw blurRad="63500" dist="38099" dir="2700000" algn="ctr" rotWithShape="0">
@@ -5255,14 +5500,14 @@
           </a:ln>
           <a:effectLst/>
           <a:extLst>
-            <a:ext uri="{909E8E84-426E-40DD-AFC4-6F175D3DCCD1}">
+            <a:ext uri="{909E8E84-426E-40dd-AFC4-6F175D3DCCD1}">
               <a14:hiddenFill xmlns:a14="http://schemas.microsoft.com/office/drawing/2010/main">
                 <a:solidFill>
                   <a:srgbClr val="FFFFFF"/>
                 </a:solidFill>
               </a14:hiddenFill>
             </a:ext>
-            <a:ext uri="{91240B29-F687-4F45-9708-019B960494DF}">
+            <a:ext uri="{91240B29-F687-4f45-9708-019B960494DF}">
               <a14:hiddenLine xmlns:a14="http://schemas.microsoft.com/office/drawing/2010/main" w="9525">
                 <a:solidFill>
                   <a:srgbClr val="000000"/>
@@ -5272,7 +5517,7 @@
                 <a:tailEnd/>
               </a14:hiddenLine>
             </a:ext>
-            <a:ext uri="{AF507438-7753-43E0-B8FC-AC1667EBCBE1}">
+            <a:ext uri="{AF507438-7753-43e0-B8FC-AC1667EBCBE1}">
               <a14:hiddenEffects xmlns:a14="http://schemas.microsoft.com/office/drawing/2010/main">
                 <a:effectLst>
                   <a:outerShdw blurRad="63500" dist="38099" dir="2700000" algn="ctr" rotWithShape="0">
@@ -5616,14 +5861,14 @@
           </a:ln>
           <a:effectLst/>
           <a:extLst>
-            <a:ext uri="{909E8E84-426E-40DD-AFC4-6F175D3DCCD1}">
+            <a:ext uri="{909E8E84-426E-40dd-AFC4-6F175D3DCCD1}">
               <a14:hiddenFill xmlns:a14="http://schemas.microsoft.com/office/drawing/2010/main">
                 <a:solidFill>
                   <a:srgbClr val="FFFFFF"/>
                 </a:solidFill>
               </a14:hiddenFill>
             </a:ext>
-            <a:ext uri="{91240B29-F687-4F45-9708-019B960494DF}">
+            <a:ext uri="{91240B29-F687-4f45-9708-019B960494DF}">
               <a14:hiddenLine xmlns:a14="http://schemas.microsoft.com/office/drawing/2010/main" w="9525">
                 <a:solidFill>
                   <a:srgbClr val="000000"/>
@@ -5633,7 +5878,7 @@
                 <a:tailEnd/>
               </a14:hiddenLine>
             </a:ext>
-            <a:ext uri="{AF507438-7753-43E0-B8FC-AC1667EBCBE1}">
+            <a:ext uri="{AF507438-7753-43e0-B8FC-AC1667EBCBE1}">
               <a14:hiddenEffects xmlns:a14="http://schemas.microsoft.com/office/drawing/2010/main">
                 <a:effectLst>
                   <a:outerShdw blurRad="63500" dist="38099" dir="2700000" algn="ctr" rotWithShape="0">
@@ -5946,10 +6191,17 @@
   <p:clrMapOvr>
     <a:masterClrMapping/>
   </p:clrMapOvr>
+  <p:timing>
+    <p:tnLst>
+      <p:par>
+        <p:cTn xmlns:p14="http://schemas.microsoft.com/office/powerpoint/2010/main" id="1" dur="indefinite" restart="never" nodeType="tmRoot"/>
+      </p:par>
+    </p:tnLst>
+  </p:timing>
 </p:sld>
 </file>
 
-<file path=ppt/slides/slide11.xml><?xml version="1.0" encoding="utf-8"?>
+<file path=ppt/slides/slide12.xml><?xml version="1.0" encoding="utf-8"?>
 <p:sld xmlns:a="http://schemas.openxmlformats.org/drawingml/2006/main" xmlns:r="http://schemas.openxmlformats.org/officeDocument/2006/relationships" xmlns:p="http://schemas.openxmlformats.org/presentationml/2006/main">
   <p:cSld>
     <p:bg>
@@ -6019,14 +6271,14 @@
           </a:ln>
           <a:effectLst/>
           <a:extLst>
-            <a:ext uri="{909E8E84-426E-40DD-AFC4-6F175D3DCCD1}">
+            <a:ext uri="{909E8E84-426E-40dd-AFC4-6F175D3DCCD1}">
               <a14:hiddenFill xmlns:a14="http://schemas.microsoft.com/office/drawing/2010/main">
                 <a:solidFill>
                   <a:srgbClr val="FFFFFF"/>
                 </a:solidFill>
               </a14:hiddenFill>
             </a:ext>
-            <a:ext uri="{91240B29-F687-4F45-9708-019B960494DF}">
+            <a:ext uri="{91240B29-F687-4f45-9708-019B960494DF}">
               <a14:hiddenLine xmlns:a14="http://schemas.microsoft.com/office/drawing/2010/main" w="9525">
                 <a:solidFill>
                   <a:srgbClr val="808080"/>
@@ -6036,7 +6288,7 @@
                 <a:tailEnd/>
               </a14:hiddenLine>
             </a:ext>
-            <a:ext uri="{AF507438-7753-43E0-B8FC-AC1667EBCBE1}">
+            <a:ext uri="{AF507438-7753-43e0-B8FC-AC1667EBCBE1}">
               <a14:hiddenEffects xmlns:a14="http://schemas.microsoft.com/office/drawing/2010/main">
                 <a:effectLst>
                   <a:outerShdw blurRad="63500" dist="38099" dir="2700000" algn="ctr" rotWithShape="0">
@@ -6383,11 +6635,11 @@
   <p:clrMapOvr>
     <a:masterClrMapping/>
   </p:clrMapOvr>
-  <p:transition spd="med"/>
+  <p:transition xmlns:p14="http://schemas.microsoft.com/office/powerpoint/2010/main" spd="med"/>
   <p:timing>
     <p:tnLst>
       <p:par>
-        <p:cTn id="1" dur="indefinite" restart="never" nodeType="tmRoot">
+        <p:cTn xmlns:p14="http://schemas.microsoft.com/office/powerpoint/2010/main" id="1" dur="indefinite" restart="never" nodeType="tmRoot">
           <p:childTnLst>
             <p:seq concurrent="1" nextAc="seek">
               <p:cTn id="2" dur="0" nodeType="mainSeq"/>
@@ -6483,7 +6735,7 @@
           </a:ln>
           <a:effectLst/>
           <a:extLst>
-            <a:ext uri="{91240B29-F687-4F45-9708-019B960494DF}">
+            <a:ext uri="{91240B29-F687-4f45-9708-019B960494DF}">
               <a14:hiddenLine xmlns:a14="http://schemas.microsoft.com/office/drawing/2010/main" w="9525">
                 <a:solidFill>
                   <a:srgbClr val="000000"/>
@@ -6493,7 +6745,7 @@
                 <a:tailEnd/>
               </a14:hiddenLine>
             </a:ext>
-            <a:ext uri="{AF507438-7753-43E0-B8FC-AC1667EBCBE1}">
+            <a:ext uri="{AF507438-7753-43e0-B8FC-AC1667EBCBE1}">
               <a14:hiddenEffects xmlns:a14="http://schemas.microsoft.com/office/drawing/2010/main">
                 <a:effectLst>
                   <a:outerShdw blurRad="63500" dist="38099" dir="2700000" algn="ctr" rotWithShape="0">
@@ -6579,7 +6831,7 @@
           </a:ln>
           <a:effectLst/>
           <a:extLst>
-            <a:ext uri="{91240B29-F687-4F45-9708-019B960494DF}">
+            <a:ext uri="{91240B29-F687-4f45-9708-019B960494DF}">
               <a14:hiddenLine xmlns:a14="http://schemas.microsoft.com/office/drawing/2010/main" w="9525">
                 <a:solidFill>
                   <a:srgbClr val="000000"/>
@@ -6589,7 +6841,7 @@
                 <a:tailEnd/>
               </a14:hiddenLine>
             </a:ext>
-            <a:ext uri="{AF507438-7753-43E0-B8FC-AC1667EBCBE1}">
+            <a:ext uri="{AF507438-7753-43e0-B8FC-AC1667EBCBE1}">
               <a14:hiddenEffects xmlns:a14="http://schemas.microsoft.com/office/drawing/2010/main">
                 <a:effectLst>
                   <a:outerShdw blurRad="63500" dist="38099" dir="2700000" algn="ctr" rotWithShape="0">
@@ -6651,7 +6903,7 @@
           </a:ln>
           <a:effectLst/>
           <a:extLst>
-            <a:ext uri="{91240B29-F687-4F45-9708-019B960494DF}">
+            <a:ext uri="{91240B29-F687-4f45-9708-019B960494DF}">
               <a14:hiddenLine xmlns:a14="http://schemas.microsoft.com/office/drawing/2010/main" w="9525">
                 <a:solidFill>
                   <a:srgbClr val="000000"/>
@@ -6661,7 +6913,7 @@
                 <a:tailEnd/>
               </a14:hiddenLine>
             </a:ext>
-            <a:ext uri="{AF507438-7753-43E0-B8FC-AC1667EBCBE1}">
+            <a:ext uri="{AF507438-7753-43e0-B8FC-AC1667EBCBE1}">
               <a14:hiddenEffects xmlns:a14="http://schemas.microsoft.com/office/drawing/2010/main">
                 <a:effectLst>
                   <a:outerShdw blurRad="63500" dist="38099" dir="2700000" algn="ctr" rotWithShape="0">
@@ -6725,7 +6977,7 @@
           </a:ln>
           <a:effectLst/>
           <a:extLst>
-            <a:ext uri="{91240B29-F687-4F45-9708-019B960494DF}">
+            <a:ext uri="{91240B29-F687-4f45-9708-019B960494DF}">
               <a14:hiddenLine xmlns:a14="http://schemas.microsoft.com/office/drawing/2010/main" w="9525">
                 <a:solidFill>
                   <a:srgbClr val="000000"/>
@@ -6735,7 +6987,7 @@
                 <a:tailEnd/>
               </a14:hiddenLine>
             </a:ext>
-            <a:ext uri="{AF507438-7753-43E0-B8FC-AC1667EBCBE1}">
+            <a:ext uri="{AF507438-7753-43e0-B8FC-AC1667EBCBE1}">
               <a14:hiddenEffects xmlns:a14="http://schemas.microsoft.com/office/drawing/2010/main">
                 <a:effectLst>
                   <a:outerShdw blurRad="63500" dist="38099" dir="2700000" algn="ctr" rotWithShape="0">
@@ -6825,12 +7077,12 @@
           </a:ln>
           <a:effectLst/>
           <a:extLst>
-            <a:ext uri="{909E8E84-426E-40DD-AFC4-6F175D3DCCD1}">
+            <a:ext uri="{909E8E84-426E-40dd-AFC4-6F175D3DCCD1}">
               <a14:hiddenFill xmlns:a14="http://schemas.microsoft.com/office/drawing/2010/main">
                 <a:noFill/>
               </a14:hiddenFill>
             </a:ext>
-            <a:ext uri="{AF507438-7753-43E0-B8FC-AC1667EBCBE1}">
+            <a:ext uri="{AF507438-7753-43e0-B8FC-AC1667EBCBE1}">
               <a14:hiddenEffects xmlns:a14="http://schemas.microsoft.com/office/drawing/2010/main">
                 <a:effectLst>
                   <a:outerShdw blurRad="63500" dist="38099" dir="2700000" algn="ctr" rotWithShape="0">
@@ -6873,12 +7125,12 @@
           </a:ln>
           <a:effectLst/>
           <a:extLst>
-            <a:ext uri="{909E8E84-426E-40DD-AFC4-6F175D3DCCD1}">
+            <a:ext uri="{909E8E84-426E-40dd-AFC4-6F175D3DCCD1}">
               <a14:hiddenFill xmlns:a14="http://schemas.microsoft.com/office/drawing/2010/main">
                 <a:noFill/>
               </a14:hiddenFill>
             </a:ext>
-            <a:ext uri="{AF507438-7753-43E0-B8FC-AC1667EBCBE1}">
+            <a:ext uri="{AF507438-7753-43e0-B8FC-AC1667EBCBE1}">
               <a14:hiddenEffects xmlns:a14="http://schemas.microsoft.com/office/drawing/2010/main">
                 <a:effectLst>
                   <a:outerShdw blurRad="63500" dist="38099" dir="2700000" algn="ctr" rotWithShape="0">
@@ -6918,7 +7170,7 @@
           </a:ln>
           <a:effectLst/>
           <a:extLst>
-            <a:ext uri="{91240B29-F687-4F45-9708-019B960494DF}">
+            <a:ext uri="{91240B29-F687-4f45-9708-019B960494DF}">
               <a14:hiddenLine xmlns:a14="http://schemas.microsoft.com/office/drawing/2010/main" w="9525">
                 <a:solidFill>
                   <a:srgbClr val="000000"/>
@@ -6928,7 +7180,7 @@
                 <a:tailEnd/>
               </a14:hiddenLine>
             </a:ext>
-            <a:ext uri="{AF507438-7753-43E0-B8FC-AC1667EBCBE1}">
+            <a:ext uri="{AF507438-7753-43e0-B8FC-AC1667EBCBE1}">
               <a14:hiddenEffects xmlns:a14="http://schemas.microsoft.com/office/drawing/2010/main">
                 <a:effectLst>
                   <a:outerShdw blurRad="63500" dist="38099" dir="2700000" algn="ctr" rotWithShape="0">
@@ -7008,6 +7260,13 @@
   <p:clrMapOvr>
     <a:masterClrMapping/>
   </p:clrMapOvr>
+  <p:timing>
+    <p:tnLst>
+      <p:par>
+        <p:cTn xmlns:p14="http://schemas.microsoft.com/office/powerpoint/2010/main" id="1" dur="indefinite" restart="never" nodeType="tmRoot"/>
+      </p:par>
+    </p:tnLst>
+  </p:timing>
 </p:sld>
 </file>
 
@@ -7082,7 +7341,7 @@
           </a:ln>
           <a:effectLst/>
           <a:extLst>
-            <a:ext uri="{91240B29-F687-4F45-9708-019B960494DF}">
+            <a:ext uri="{91240B29-F687-4f45-9708-019B960494DF}">
               <a14:hiddenLine xmlns:a14="http://schemas.microsoft.com/office/drawing/2010/main" w="9525">
                 <a:solidFill>
                   <a:srgbClr val="000000"/>
@@ -7092,7 +7351,7 @@
                 <a:tailEnd/>
               </a14:hiddenLine>
             </a:ext>
-            <a:ext uri="{AF507438-7753-43E0-B8FC-AC1667EBCBE1}">
+            <a:ext uri="{AF507438-7753-43e0-B8FC-AC1667EBCBE1}">
               <a14:hiddenEffects xmlns:a14="http://schemas.microsoft.com/office/drawing/2010/main">
                 <a:effectLst>
                   <a:outerShdw blurRad="63500" dist="38099" dir="2700000" algn="ctr" rotWithShape="0">
@@ -7166,7 +7425,7 @@
           </a:ln>
           <a:effectLst/>
           <a:extLst>
-            <a:ext uri="{91240B29-F687-4F45-9708-019B960494DF}">
+            <a:ext uri="{91240B29-F687-4f45-9708-019B960494DF}">
               <a14:hiddenLine xmlns:a14="http://schemas.microsoft.com/office/drawing/2010/main" w="9525">
                 <a:solidFill>
                   <a:srgbClr val="000000"/>
@@ -7176,7 +7435,7 @@
                 <a:tailEnd/>
               </a14:hiddenLine>
             </a:ext>
-            <a:ext uri="{AF507438-7753-43E0-B8FC-AC1667EBCBE1}">
+            <a:ext uri="{AF507438-7753-43e0-B8FC-AC1667EBCBE1}">
               <a14:hiddenEffects xmlns:a14="http://schemas.microsoft.com/office/drawing/2010/main">
                 <a:effectLst>
                   <a:outerShdw blurRad="63500" dist="38099" dir="2700000" algn="ctr" rotWithShape="0">
@@ -7285,7 +7544,7 @@
           </a:ln>
           <a:effectLst/>
           <a:extLst>
-            <a:ext uri="{91240B29-F687-4F45-9708-019B960494DF}">
+            <a:ext uri="{91240B29-F687-4f45-9708-019B960494DF}">
               <a14:hiddenLine xmlns:a14="http://schemas.microsoft.com/office/drawing/2010/main" w="9525">
                 <a:solidFill>
                   <a:srgbClr val="000000"/>
@@ -7295,7 +7554,7 @@
                 <a:tailEnd/>
               </a14:hiddenLine>
             </a:ext>
-            <a:ext uri="{AF507438-7753-43E0-B8FC-AC1667EBCBE1}">
+            <a:ext uri="{AF507438-7753-43e0-B8FC-AC1667EBCBE1}">
               <a14:hiddenEffects xmlns:a14="http://schemas.microsoft.com/office/drawing/2010/main">
                 <a:effectLst>
                   <a:outerShdw blurRad="63500" dist="38099" dir="2700000" algn="ctr" rotWithShape="0">
@@ -7404,7 +7663,7 @@
           </a:ln>
           <a:effectLst/>
           <a:extLst>
-            <a:ext uri="{91240B29-F687-4F45-9708-019B960494DF}">
+            <a:ext uri="{91240B29-F687-4f45-9708-019B960494DF}">
               <a14:hiddenLine xmlns:a14="http://schemas.microsoft.com/office/drawing/2010/main" w="9525">
                 <a:solidFill>
                   <a:srgbClr val="000000"/>
@@ -7414,7 +7673,7 @@
                 <a:tailEnd/>
               </a14:hiddenLine>
             </a:ext>
-            <a:ext uri="{AF507438-7753-43E0-B8FC-AC1667EBCBE1}">
+            <a:ext uri="{AF507438-7753-43e0-B8FC-AC1667EBCBE1}">
               <a14:hiddenEffects xmlns:a14="http://schemas.microsoft.com/office/drawing/2010/main">
                 <a:effectLst>
                   <a:outerShdw blurRad="63500" dist="38099" dir="2700000" algn="ctr" rotWithShape="0">
@@ -7484,14 +7743,14 @@
           </a:ln>
           <a:effectLst/>
           <a:extLst>
-            <a:ext uri="{909E8E84-426E-40DD-AFC4-6F175D3DCCD1}">
+            <a:ext uri="{909E8E84-426E-40dd-AFC4-6F175D3DCCD1}">
               <a14:hiddenFill xmlns:a14="http://schemas.microsoft.com/office/drawing/2010/main">
                 <a:solidFill>
                   <a:srgbClr val="FFFFFF"/>
                 </a:solidFill>
               </a14:hiddenFill>
             </a:ext>
-            <a:ext uri="{AF507438-7753-43E0-B8FC-AC1667EBCBE1}">
+            <a:ext uri="{AF507438-7753-43e0-B8FC-AC1667EBCBE1}">
               <a14:hiddenEffects xmlns:a14="http://schemas.microsoft.com/office/drawing/2010/main">
                 <a:effectLst>
                   <a:outerShdw blurRad="63500" dist="38099" dir="2700000" algn="ctr" rotWithShape="0">
@@ -7603,14 +7862,14 @@
           </a:ln>
           <a:effectLst/>
           <a:extLst>
-            <a:ext uri="{909E8E84-426E-40DD-AFC4-6F175D3DCCD1}">
+            <a:ext uri="{909E8E84-426E-40dd-AFC4-6F175D3DCCD1}">
               <a14:hiddenFill xmlns:a14="http://schemas.microsoft.com/office/drawing/2010/main">
                 <a:solidFill>
                   <a:srgbClr val="FFFFFF"/>
                 </a:solidFill>
               </a14:hiddenFill>
             </a:ext>
-            <a:ext uri="{AF507438-7753-43E0-B8FC-AC1667EBCBE1}">
+            <a:ext uri="{AF507438-7753-43e0-B8FC-AC1667EBCBE1}">
               <a14:hiddenEffects xmlns:a14="http://schemas.microsoft.com/office/drawing/2010/main">
                 <a:effectLst>
                   <a:outerShdw blurRad="63500" dist="38099" dir="2700000" algn="ctr" rotWithShape="0">
@@ -7671,6 +7930,13 @@
   <p:clrMapOvr>
     <a:masterClrMapping/>
   </p:clrMapOvr>
+  <p:timing>
+    <p:tnLst>
+      <p:par>
+        <p:cTn xmlns:p14="http://schemas.microsoft.com/office/powerpoint/2010/main" id="1" dur="indefinite" restart="never" nodeType="tmRoot"/>
+      </p:par>
+    </p:tnLst>
+  </p:timing>
 </p:sld>
 </file>
 
@@ -7766,6 +8032,13 @@
   <p:clrMapOvr>
     <a:masterClrMapping/>
   </p:clrMapOvr>
+  <p:timing>
+    <p:tnLst>
+      <p:par>
+        <p:cTn xmlns:p14="http://schemas.microsoft.com/office/powerpoint/2010/main" id="1" dur="indefinite" restart="never" nodeType="tmRoot"/>
+      </p:par>
+    </p:tnLst>
+  </p:timing>
 </p:sld>
 </file>
 
@@ -7838,6 +8111,48 @@
               <a:buFont typeface="Arial" panose="020B0604020202020204" pitchFamily="34" charset="0"/>
               <a:buChar char="•"/>
             </a:pPr>
+            <a:r>
+              <a:rPr lang="de-CH" dirty="0" smtClean="0"/>
+              <a:t>Anzeige von Statistiken</a:t>
+            </a:r>
+          </a:p>
+          <a:p>
+            <a:pPr marL="457200" indent="-457200">
+              <a:buFont typeface="Arial" panose="020B0604020202020204" pitchFamily="34" charset="0"/>
+              <a:buChar char="•"/>
+            </a:pPr>
+            <a:r>
+              <a:rPr lang="de-CH" dirty="0" err="1" smtClean="0"/>
+              <a:t>Usability</a:t>
+            </a:r>
+            <a:endParaRPr lang="de-CH" dirty="0" smtClean="0"/>
+          </a:p>
+          <a:p>
+            <a:pPr marL="457200" indent="-457200">
+              <a:buFont typeface="Arial" panose="020B0604020202020204" pitchFamily="34" charset="0"/>
+              <a:buChar char="•"/>
+            </a:pPr>
+            <a:r>
+              <a:rPr lang="de-CH" dirty="0" smtClean="0"/>
+              <a:t>Reaktionszeit des Programms unter 2 Sekunden</a:t>
+            </a:r>
+          </a:p>
+          <a:p>
+            <a:pPr marL="857250" lvl="1" indent="-457200">
+              <a:buFont typeface="Arial" panose="020B0604020202020204" pitchFamily="34" charset="0"/>
+              <a:buChar char="•"/>
+            </a:pPr>
+            <a:r>
+              <a:rPr lang="de-CH" dirty="0" smtClean="0"/>
+              <a:t>Computerspieler je nach künstlicher Intelligenz</a:t>
+            </a:r>
+            <a:endParaRPr lang="de-CH" dirty="0" smtClean="0"/>
+          </a:p>
+          <a:p>
+            <a:pPr marL="457200" indent="-457200">
+              <a:buFont typeface="Arial" panose="020B0604020202020204" pitchFamily="34" charset="0"/>
+              <a:buChar char="•"/>
+            </a:pPr>
             <a:endParaRPr lang="de-CH" dirty="0"/>
           </a:p>
         </p:txBody>
@@ -7852,6 +8167,13 @@
   <p:clrMapOvr>
     <a:masterClrMapping/>
   </p:clrMapOvr>
+  <p:timing>
+    <p:tnLst>
+      <p:par>
+        <p:cTn xmlns:p14="http://schemas.microsoft.com/office/powerpoint/2010/main" id="1" dur="indefinite" restart="never" nodeType="tmRoot"/>
+      </p:par>
+    </p:tnLst>
+  </p:timing>
 </p:sld>
 </file>
 
@@ -7874,7 +8196,7 @@
       </p:grpSpPr>
       <p:sp>
         <p:nvSpPr>
-          <p:cNvPr id="2" name="Titel 1"/>
+          <p:cNvPr id="2" name="Title 1"/>
           <p:cNvSpPr>
             <a:spLocks noGrp="1"/>
           </p:cNvSpPr>
@@ -7882,287 +8204,167 @@
             <p:ph type="title"/>
           </p:nvPr>
         </p:nvSpPr>
-        <p:spPr/>
+        <p:spPr>
+          <a:xfrm>
+            <a:off x="1727944" y="301625"/>
+            <a:ext cx="7844681" cy="1260475"/>
+          </a:xfrm>
+        </p:spPr>
         <p:txBody>
           <a:bodyPr/>
           <a:lstStyle/>
           <a:p>
             <a:r>
-              <a:rPr lang="de-DE" dirty="0" err="1" smtClean="0"/>
-              <a:t>Ressouren</a:t>
-            </a:r>
-            <a:endParaRPr lang="de-DE" dirty="0"/>
-          </a:p>
-        </p:txBody>
-      </p:sp>
-      <p:sp>
-        <p:nvSpPr>
-          <p:cNvPr id="6" name="Textfeld 5"/>
-          <p:cNvSpPr txBox="1"/>
-          <p:nvPr/>
+              <a:rPr lang="de-CH" dirty="0" smtClean="0"/>
+              <a:t>Mögliche Erweiterungen</a:t>
+            </a:r>
+            <a:endParaRPr lang="de-CH" dirty="0"/>
+          </a:p>
+        </p:txBody>
+      </p:sp>
+      <p:sp>
+        <p:nvSpPr>
+          <p:cNvPr id="3" name="Content Placeholder 2"/>
+          <p:cNvSpPr>
+            <a:spLocks noGrp="1"/>
+          </p:cNvSpPr>
+          <p:nvPr>
+            <p:ph idx="1"/>
+          </p:nvPr>
         </p:nvSpPr>
         <p:spPr>
           <a:xfrm>
-            <a:off x="3044379" y="1847079"/>
-            <a:ext cx="4941076" cy="353174"/>
+            <a:off x="1727944" y="1768475"/>
+            <a:ext cx="7844681" cy="4987925"/>
+          </a:xfrm>
+        </p:spPr>
+        <p:txBody>
+          <a:bodyPr/>
+          <a:lstStyle/>
+          <a:p>
+            <a:pPr marL="457200" indent="-457200">
+              <a:buFont typeface="Arial" panose="020B0604020202020204" pitchFamily="34" charset="0"/>
+              <a:buChar char="•"/>
+            </a:pPr>
+            <a:r>
+              <a:rPr lang="de-CH" dirty="0" smtClean="0"/>
+              <a:t>Schlagen en </a:t>
+            </a:r>
+            <a:r>
+              <a:rPr lang="de-CH" dirty="0" err="1" smtClean="0"/>
+              <a:t>passant</a:t>
+            </a:r>
+            <a:endParaRPr lang="de-CH" dirty="0" smtClean="0"/>
+          </a:p>
+          <a:p>
+            <a:pPr marL="457200" indent="-457200">
+              <a:buFont typeface="Arial" panose="020B0604020202020204" pitchFamily="34" charset="0"/>
+              <a:buChar char="•"/>
+            </a:pPr>
+            <a:r>
+              <a:rPr lang="de-CH" dirty="0" smtClean="0"/>
+              <a:t>Rochade</a:t>
+            </a:r>
+          </a:p>
+          <a:p>
+            <a:pPr marL="457200" indent="-457200">
+              <a:buFont typeface="Arial" panose="020B0604020202020204" pitchFamily="34" charset="0"/>
+              <a:buChar char="•"/>
+            </a:pPr>
+            <a:r>
+              <a:rPr lang="de-CH" dirty="0" smtClean="0"/>
+              <a:t>Umwandlung des Bauern</a:t>
+            </a:r>
+          </a:p>
+          <a:p>
+            <a:pPr marL="457200" indent="-457200">
+              <a:buFont typeface="Arial" panose="020B0604020202020204" pitchFamily="34" charset="0"/>
+              <a:buChar char="•"/>
+            </a:pPr>
+            <a:endParaRPr lang="de-CH" dirty="0" smtClean="0"/>
+          </a:p>
+          <a:p>
+            <a:pPr marL="457200" indent="-457200">
+              <a:buFont typeface="Arial" panose="020B0604020202020204" pitchFamily="34" charset="0"/>
+              <a:buChar char="•"/>
+            </a:pPr>
+            <a:endParaRPr lang="de-CH" dirty="0"/>
+          </a:p>
+          <a:p>
+            <a:pPr marL="0" indent="0"/>
+            <a:r>
+              <a:rPr lang="de-CH" b="1" dirty="0" smtClean="0"/>
+              <a:t>Technische Erweiterungen</a:t>
+            </a:r>
+          </a:p>
+          <a:p>
+            <a:pPr marL="457200" indent="-457200">
+              <a:buFont typeface="Arial"/>
+              <a:buChar char="•"/>
+            </a:pPr>
+            <a:r>
+              <a:rPr lang="de-CH" dirty="0" smtClean="0"/>
+              <a:t>Verschiedene Schwierigkeitsstufen</a:t>
+            </a:r>
+          </a:p>
+          <a:p>
+            <a:pPr marL="457200" indent="-457200">
+              <a:buFont typeface="Arial"/>
+              <a:buChar char="•"/>
+            </a:pPr>
+            <a:r>
+              <a:rPr lang="de-CH" dirty="0" smtClean="0"/>
+              <a:t>Spiel über Netzwerk</a:t>
+            </a:r>
+            <a:endParaRPr lang="de-CH" dirty="0" smtClean="0"/>
+          </a:p>
+          <a:p>
+            <a:pPr marL="457200" indent="-457200">
+              <a:buFont typeface="Arial" panose="020B0604020202020204" pitchFamily="34" charset="0"/>
+              <a:buChar char="•"/>
+            </a:pPr>
+            <a:endParaRPr lang="de-CH" dirty="0"/>
+          </a:p>
+        </p:txBody>
+      </p:sp>
+      <p:pic>
+        <p:nvPicPr>
+          <p:cNvPr id="8" name="Bild 7"/>
+          <p:cNvPicPr>
+            <a:picLocks noChangeAspect="1"/>
+          </p:cNvPicPr>
+          <p:nvPr/>
+        </p:nvPicPr>
+        <p:blipFill>
+          <a:blip r:embed="rId2"/>
+          <a:stretch>
+            <a:fillRect/>
+          </a:stretch>
+        </p:blipFill>
+        <p:spPr>
+          <a:xfrm>
+            <a:off x="6928521" y="1547590"/>
+            <a:ext cx="3080343" cy="3096344"/>
           </a:xfrm>
           <a:prstGeom prst="rect">
             <a:avLst/>
           </a:prstGeom>
-          <a:noFill/>
         </p:spPr>
-        <p:txBody>
-          <a:bodyPr wrap="none" rtlCol="0">
-            <a:spAutoFit/>
-          </a:bodyPr>
-          <a:lstStyle/>
-          <a:p>
-            <a:r>
-              <a:rPr lang="de-DE" dirty="0" smtClean="0"/>
-              <a:t>- Team bestehend aus 4 Informatikingenieuren</a:t>
-            </a:r>
-            <a:endParaRPr lang="de-DE" dirty="0"/>
-          </a:p>
-        </p:txBody>
-      </p:sp>
-      <p:sp>
-        <p:nvSpPr>
-          <p:cNvPr id="7" name="Textfeld 6"/>
-          <p:cNvSpPr txBox="1"/>
-          <p:nvPr/>
-        </p:nvSpPr>
-        <p:spPr>
-          <a:xfrm>
-            <a:off x="3051564" y="2202527"/>
-            <a:ext cx="1736924" cy="353174"/>
-          </a:xfrm>
-          <a:prstGeom prst="rect">
-            <a:avLst/>
-          </a:prstGeom>
-          <a:noFill/>
-        </p:spPr>
-        <p:txBody>
-          <a:bodyPr wrap="none" rtlCol="0">
-            <a:spAutoFit/>
-          </a:bodyPr>
-          <a:lstStyle/>
-          <a:p>
-            <a:r>
-              <a:rPr lang="de-DE" dirty="0" smtClean="0"/>
-              <a:t>- 1 Projektleiter</a:t>
-            </a:r>
-            <a:endParaRPr lang="de-DE" dirty="0"/>
-          </a:p>
-        </p:txBody>
-      </p:sp>
-      <p:sp>
-        <p:nvSpPr>
-          <p:cNvPr id="9" name="Textfeld 8"/>
-          <p:cNvSpPr txBox="1"/>
-          <p:nvPr/>
-        </p:nvSpPr>
-        <p:spPr>
-          <a:xfrm>
-            <a:off x="3051564" y="2562567"/>
-            <a:ext cx="1519053" cy="353174"/>
-          </a:xfrm>
-          <a:prstGeom prst="rect">
-            <a:avLst/>
-          </a:prstGeom>
-          <a:noFill/>
-        </p:spPr>
-        <p:txBody>
-          <a:bodyPr wrap="none" rtlCol="0">
-            <a:spAutoFit/>
-          </a:bodyPr>
-          <a:lstStyle/>
-          <a:p>
-            <a:r>
-              <a:rPr lang="de-DE" dirty="0" smtClean="0"/>
-              <a:t>- Fähigkeiten</a:t>
-            </a:r>
-          </a:p>
-        </p:txBody>
-      </p:sp>
-      <p:sp>
-        <p:nvSpPr>
-          <p:cNvPr id="10" name="Textfeld 9"/>
-          <p:cNvSpPr txBox="1"/>
-          <p:nvPr/>
-        </p:nvSpPr>
-        <p:spPr>
-          <a:xfrm>
-            <a:off x="4677027" y="2922607"/>
-            <a:ext cx="2326278" cy="353174"/>
-          </a:xfrm>
-          <a:prstGeom prst="rect">
-            <a:avLst/>
-          </a:prstGeom>
-          <a:noFill/>
-        </p:spPr>
-        <p:txBody>
-          <a:bodyPr wrap="none" rtlCol="0">
-            <a:spAutoFit/>
-          </a:bodyPr>
-          <a:lstStyle/>
-          <a:p>
-            <a:pPr marL="285750" indent="-285750">
-              <a:buFontTx/>
-              <a:buChar char="-"/>
-            </a:pPr>
-            <a:r>
-              <a:rPr lang="de-DE" dirty="0" smtClean="0"/>
-              <a:t>Systemarchitektur</a:t>
-            </a:r>
-          </a:p>
-        </p:txBody>
-      </p:sp>
-      <p:sp>
-        <p:nvSpPr>
-          <p:cNvPr id="11" name="Textfeld 10"/>
-          <p:cNvSpPr txBox="1"/>
-          <p:nvPr/>
-        </p:nvSpPr>
-        <p:spPr>
-          <a:xfrm>
-            <a:off x="4680272" y="3282647"/>
-            <a:ext cx="3942105" cy="353174"/>
-          </a:xfrm>
-          <a:prstGeom prst="rect">
-            <a:avLst/>
-          </a:prstGeom>
-          <a:noFill/>
-        </p:spPr>
-        <p:txBody>
-          <a:bodyPr wrap="none" rtlCol="0">
-            <a:spAutoFit/>
-          </a:bodyPr>
-          <a:lstStyle/>
-          <a:p>
-            <a:pPr marL="285750" indent="-285750">
-              <a:buFontTx/>
-              <a:buChar char="-"/>
-            </a:pPr>
-            <a:r>
-              <a:rPr lang="de-DE" dirty="0" smtClean="0"/>
-              <a:t>Objektorientierte Programmierung</a:t>
-            </a:r>
-          </a:p>
-        </p:txBody>
-      </p:sp>
-      <p:sp>
-        <p:nvSpPr>
-          <p:cNvPr id="12" name="Textfeld 11"/>
-          <p:cNvSpPr txBox="1"/>
-          <p:nvPr/>
-        </p:nvSpPr>
-        <p:spPr>
-          <a:xfrm>
-            <a:off x="4680272" y="3642687"/>
-            <a:ext cx="3057247" cy="353174"/>
-          </a:xfrm>
-          <a:prstGeom prst="rect">
-            <a:avLst/>
-          </a:prstGeom>
-          <a:noFill/>
-        </p:spPr>
-        <p:txBody>
-          <a:bodyPr wrap="none" rtlCol="0">
-            <a:spAutoFit/>
-          </a:bodyPr>
-          <a:lstStyle/>
-          <a:p>
-            <a:pPr marL="285750" indent="-285750">
-              <a:buFontTx/>
-              <a:buChar char="-"/>
-            </a:pPr>
-            <a:r>
-              <a:rPr lang="de-DE" dirty="0" smtClean="0"/>
-              <a:t>Objektorientiertes Design</a:t>
-            </a:r>
-          </a:p>
-        </p:txBody>
-      </p:sp>
-      <p:sp>
-        <p:nvSpPr>
-          <p:cNvPr id="13" name="Textfeld 12"/>
-          <p:cNvSpPr txBox="1"/>
-          <p:nvPr/>
-        </p:nvSpPr>
-        <p:spPr>
-          <a:xfrm>
-            <a:off x="3096096" y="4074735"/>
-            <a:ext cx="5047588" cy="353174"/>
-          </a:xfrm>
-          <a:prstGeom prst="rect">
-            <a:avLst/>
-          </a:prstGeom>
-          <a:noFill/>
-        </p:spPr>
-        <p:txBody>
-          <a:bodyPr wrap="none" rtlCol="0">
-            <a:spAutoFit/>
-          </a:bodyPr>
-          <a:lstStyle/>
-          <a:p>
-            <a:r>
-              <a:rPr lang="de-DE" dirty="0" smtClean="0"/>
-              <a:t>- Wissen zur Entwicklung von Spielen aneignen</a:t>
-            </a:r>
-          </a:p>
-        </p:txBody>
-      </p:sp>
-      <p:sp>
-        <p:nvSpPr>
-          <p:cNvPr id="14" name="Textfeld 13"/>
-          <p:cNvSpPr txBox="1"/>
-          <p:nvPr/>
-        </p:nvSpPr>
-        <p:spPr>
-          <a:xfrm>
-            <a:off x="3096096" y="4434775"/>
-            <a:ext cx="4701565" cy="353174"/>
-          </a:xfrm>
-          <a:prstGeom prst="rect">
-            <a:avLst/>
-          </a:prstGeom>
-          <a:noFill/>
-        </p:spPr>
-        <p:txBody>
-          <a:bodyPr wrap="none" rtlCol="0">
-            <a:spAutoFit/>
-          </a:bodyPr>
-          <a:lstStyle/>
-          <a:p>
-            <a:r>
-              <a:rPr lang="de-DE" dirty="0" smtClean="0"/>
-              <a:t>- Gesamtaufwand ca. 250 Personenstunden</a:t>
-            </a:r>
-          </a:p>
-        </p:txBody>
-      </p:sp>
+      </p:pic>
     </p:spTree>
     <p:extLst>
       <p:ext uri="{BB962C8B-B14F-4D97-AF65-F5344CB8AC3E}">
-        <p14:creationId xmlns:p14="http://schemas.microsoft.com/office/powerpoint/2010/main" val="2876731778"/>
+        <p14:creationId xmlns:p14="http://schemas.microsoft.com/office/powerpoint/2010/main" val="1682748979"/>
       </p:ext>
     </p:extLst>
   </p:cSld>
   <p:clrMapOvr>
     <a:masterClrMapping/>
   </p:clrMapOvr>
-  <mc:AlternateContent xmlns:mc="http://schemas.openxmlformats.org/markup-compatibility/2006" xmlns:p14="http://schemas.microsoft.com/office/powerpoint/2010/main">
-    <mc:Choice Requires="p14">
-      <p:transition spd="slow" p14:dur="2000"/>
-    </mc:Choice>
-    <mc:Fallback xmlns="">
-      <p:transition xmlns:p14="http://schemas.microsoft.com/office/powerpoint/2010/main" spd="slow"/>
-    </mc:Fallback>
-  </mc:AlternateContent>
   <p:timing>
     <p:tnLst>
       <p:par>
-        <p:cTn id="1" dur="indefinite" restart="never" nodeType="tmRoot"/>
+        <p:cTn xmlns:p14="http://schemas.microsoft.com/office/powerpoint/2010/main" id="1" dur="indefinite" restart="never" nodeType="tmRoot"/>
       </p:par>
     </p:tnLst>
   </p:timing>
@@ -8202,6 +8404,320 @@
           <a:lstStyle/>
           <a:p>
             <a:r>
+              <a:rPr lang="de-DE" dirty="0" err="1" smtClean="0"/>
+              <a:t>Ressouren</a:t>
+            </a:r>
+            <a:endParaRPr lang="de-DE" dirty="0"/>
+          </a:p>
+        </p:txBody>
+      </p:sp>
+      <p:sp>
+        <p:nvSpPr>
+          <p:cNvPr id="6" name="Textfeld 5"/>
+          <p:cNvSpPr txBox="1"/>
+          <p:nvPr/>
+        </p:nvSpPr>
+        <p:spPr>
+          <a:xfrm>
+            <a:off x="3044379" y="1847079"/>
+            <a:ext cx="4941076" cy="353174"/>
+          </a:xfrm>
+          <a:prstGeom prst="rect">
+            <a:avLst/>
+          </a:prstGeom>
+          <a:noFill/>
+        </p:spPr>
+        <p:txBody>
+          <a:bodyPr wrap="none" rtlCol="0">
+            <a:spAutoFit/>
+          </a:bodyPr>
+          <a:lstStyle/>
+          <a:p>
+            <a:r>
+              <a:rPr lang="de-DE" dirty="0" smtClean="0"/>
+              <a:t>- Team bestehend aus 4 Informatikingenieuren</a:t>
+            </a:r>
+            <a:endParaRPr lang="de-DE" dirty="0"/>
+          </a:p>
+        </p:txBody>
+      </p:sp>
+      <p:sp>
+        <p:nvSpPr>
+          <p:cNvPr id="7" name="Textfeld 6"/>
+          <p:cNvSpPr txBox="1"/>
+          <p:nvPr/>
+        </p:nvSpPr>
+        <p:spPr>
+          <a:xfrm>
+            <a:off x="3051564" y="2202527"/>
+            <a:ext cx="1736924" cy="353174"/>
+          </a:xfrm>
+          <a:prstGeom prst="rect">
+            <a:avLst/>
+          </a:prstGeom>
+          <a:noFill/>
+        </p:spPr>
+        <p:txBody>
+          <a:bodyPr wrap="none" rtlCol="0">
+            <a:spAutoFit/>
+          </a:bodyPr>
+          <a:lstStyle/>
+          <a:p>
+            <a:r>
+              <a:rPr lang="de-DE" dirty="0" smtClean="0"/>
+              <a:t>- 1 Projektleiter</a:t>
+            </a:r>
+            <a:endParaRPr lang="de-DE" dirty="0"/>
+          </a:p>
+        </p:txBody>
+      </p:sp>
+      <p:sp>
+        <p:nvSpPr>
+          <p:cNvPr id="9" name="Textfeld 8"/>
+          <p:cNvSpPr txBox="1"/>
+          <p:nvPr/>
+        </p:nvSpPr>
+        <p:spPr>
+          <a:xfrm>
+            <a:off x="3051564" y="2562567"/>
+            <a:ext cx="1519053" cy="353174"/>
+          </a:xfrm>
+          <a:prstGeom prst="rect">
+            <a:avLst/>
+          </a:prstGeom>
+          <a:noFill/>
+        </p:spPr>
+        <p:txBody>
+          <a:bodyPr wrap="none" rtlCol="0">
+            <a:spAutoFit/>
+          </a:bodyPr>
+          <a:lstStyle/>
+          <a:p>
+            <a:r>
+              <a:rPr lang="de-DE" dirty="0" smtClean="0"/>
+              <a:t>- Fähigkeiten</a:t>
+            </a:r>
+          </a:p>
+        </p:txBody>
+      </p:sp>
+      <p:sp>
+        <p:nvSpPr>
+          <p:cNvPr id="10" name="Textfeld 9"/>
+          <p:cNvSpPr txBox="1"/>
+          <p:nvPr/>
+        </p:nvSpPr>
+        <p:spPr>
+          <a:xfrm>
+            <a:off x="4677027" y="2922607"/>
+            <a:ext cx="2326278" cy="353174"/>
+          </a:xfrm>
+          <a:prstGeom prst="rect">
+            <a:avLst/>
+          </a:prstGeom>
+          <a:noFill/>
+        </p:spPr>
+        <p:txBody>
+          <a:bodyPr wrap="none" rtlCol="0">
+            <a:spAutoFit/>
+          </a:bodyPr>
+          <a:lstStyle/>
+          <a:p>
+            <a:pPr marL="285750" indent="-285750">
+              <a:buFontTx/>
+              <a:buChar char="-"/>
+            </a:pPr>
+            <a:r>
+              <a:rPr lang="de-DE" dirty="0" smtClean="0"/>
+              <a:t>Systemarchitektur</a:t>
+            </a:r>
+          </a:p>
+        </p:txBody>
+      </p:sp>
+      <p:sp>
+        <p:nvSpPr>
+          <p:cNvPr id="11" name="Textfeld 10"/>
+          <p:cNvSpPr txBox="1"/>
+          <p:nvPr/>
+        </p:nvSpPr>
+        <p:spPr>
+          <a:xfrm>
+            <a:off x="4680272" y="3282647"/>
+            <a:ext cx="3942105" cy="353174"/>
+          </a:xfrm>
+          <a:prstGeom prst="rect">
+            <a:avLst/>
+          </a:prstGeom>
+          <a:noFill/>
+        </p:spPr>
+        <p:txBody>
+          <a:bodyPr wrap="none" rtlCol="0">
+            <a:spAutoFit/>
+          </a:bodyPr>
+          <a:lstStyle/>
+          <a:p>
+            <a:pPr marL="285750" indent="-285750">
+              <a:buFontTx/>
+              <a:buChar char="-"/>
+            </a:pPr>
+            <a:r>
+              <a:rPr lang="de-DE" dirty="0" smtClean="0"/>
+              <a:t>Objektorientierte Programmierung</a:t>
+            </a:r>
+          </a:p>
+        </p:txBody>
+      </p:sp>
+      <p:sp>
+        <p:nvSpPr>
+          <p:cNvPr id="12" name="Textfeld 11"/>
+          <p:cNvSpPr txBox="1"/>
+          <p:nvPr/>
+        </p:nvSpPr>
+        <p:spPr>
+          <a:xfrm>
+            <a:off x="4680272" y="3642687"/>
+            <a:ext cx="3057247" cy="353174"/>
+          </a:xfrm>
+          <a:prstGeom prst="rect">
+            <a:avLst/>
+          </a:prstGeom>
+          <a:noFill/>
+        </p:spPr>
+        <p:txBody>
+          <a:bodyPr wrap="none" rtlCol="0">
+            <a:spAutoFit/>
+          </a:bodyPr>
+          <a:lstStyle/>
+          <a:p>
+            <a:pPr marL="285750" indent="-285750">
+              <a:buFontTx/>
+              <a:buChar char="-"/>
+            </a:pPr>
+            <a:r>
+              <a:rPr lang="de-DE" dirty="0" smtClean="0"/>
+              <a:t>Objektorientiertes Design</a:t>
+            </a:r>
+          </a:p>
+        </p:txBody>
+      </p:sp>
+      <p:sp>
+        <p:nvSpPr>
+          <p:cNvPr id="13" name="Textfeld 12"/>
+          <p:cNvSpPr txBox="1"/>
+          <p:nvPr/>
+        </p:nvSpPr>
+        <p:spPr>
+          <a:xfrm>
+            <a:off x="3096096" y="4074735"/>
+            <a:ext cx="5047588" cy="353174"/>
+          </a:xfrm>
+          <a:prstGeom prst="rect">
+            <a:avLst/>
+          </a:prstGeom>
+          <a:noFill/>
+        </p:spPr>
+        <p:txBody>
+          <a:bodyPr wrap="none" rtlCol="0">
+            <a:spAutoFit/>
+          </a:bodyPr>
+          <a:lstStyle/>
+          <a:p>
+            <a:r>
+              <a:rPr lang="de-DE" dirty="0" smtClean="0"/>
+              <a:t>- Wissen zur Entwicklung von Spielen aneignen</a:t>
+            </a:r>
+          </a:p>
+        </p:txBody>
+      </p:sp>
+      <p:sp>
+        <p:nvSpPr>
+          <p:cNvPr id="14" name="Textfeld 13"/>
+          <p:cNvSpPr txBox="1"/>
+          <p:nvPr/>
+        </p:nvSpPr>
+        <p:spPr>
+          <a:xfrm>
+            <a:off x="3096096" y="4434775"/>
+            <a:ext cx="4701565" cy="353174"/>
+          </a:xfrm>
+          <a:prstGeom prst="rect">
+            <a:avLst/>
+          </a:prstGeom>
+          <a:noFill/>
+        </p:spPr>
+        <p:txBody>
+          <a:bodyPr wrap="none" rtlCol="0">
+            <a:spAutoFit/>
+          </a:bodyPr>
+          <a:lstStyle/>
+          <a:p>
+            <a:r>
+              <a:rPr lang="de-DE" dirty="0" smtClean="0"/>
+              <a:t>- Gesamtaufwand ca. 250 Personenstunden</a:t>
+            </a:r>
+          </a:p>
+        </p:txBody>
+      </p:sp>
+    </p:spTree>
+    <p:extLst>
+      <p:ext uri="{BB962C8B-B14F-4D97-AF65-F5344CB8AC3E}">
+        <p14:creationId xmlns:p14="http://schemas.microsoft.com/office/powerpoint/2010/main" val="2876731778"/>
+      </p:ext>
+    </p:extLst>
+  </p:cSld>
+  <p:clrMapOvr>
+    <a:masterClrMapping/>
+  </p:clrMapOvr>
+  <mc:AlternateContent xmlns:mc="http://schemas.openxmlformats.org/markup-compatibility/2006" xmlns:p14="http://schemas.microsoft.com/office/powerpoint/2010/main">
+    <mc:Choice Requires="p14">
+      <p:transition spd="slow" p14:dur="2000"/>
+    </mc:Choice>
+    <mc:Fallback xmlns="">
+      <p:transition xmlns:p14="http://schemas.microsoft.com/office/powerpoint/2010/main" spd="slow"/>
+    </mc:Fallback>
+  </mc:AlternateContent>
+  <p:timing>
+    <p:tnLst>
+      <p:par>
+        <p:cTn xmlns:p14="http://schemas.microsoft.com/office/powerpoint/2010/main" id="1" dur="indefinite" restart="never" nodeType="tmRoot"/>
+      </p:par>
+    </p:tnLst>
+  </p:timing>
+</p:sld>
+</file>
+
+<file path=ppt/slides/slide8.xml><?xml version="1.0" encoding="utf-8"?>
+<p:sld xmlns:a="http://schemas.openxmlformats.org/drawingml/2006/main" xmlns:r="http://schemas.openxmlformats.org/officeDocument/2006/relationships" xmlns:p="http://schemas.openxmlformats.org/presentationml/2006/main">
+  <p:cSld>
+    <p:spTree>
+      <p:nvGrpSpPr>
+        <p:cNvPr id="1" name=""/>
+        <p:cNvGrpSpPr/>
+        <p:nvPr/>
+      </p:nvGrpSpPr>
+      <p:grpSpPr>
+        <a:xfrm>
+          <a:off x="0" y="0"/>
+          <a:ext cx="0" cy="0"/>
+          <a:chOff x="0" y="0"/>
+          <a:chExt cx="0" cy="0"/>
+        </a:xfrm>
+      </p:grpSpPr>
+      <p:sp>
+        <p:nvSpPr>
+          <p:cNvPr id="2" name="Titel 1"/>
+          <p:cNvSpPr>
+            <a:spLocks noGrp="1"/>
+          </p:cNvSpPr>
+          <p:nvPr>
+            <p:ph type="title"/>
+          </p:nvPr>
+        </p:nvSpPr>
+        <p:spPr/>
+        <p:txBody>
+          <a:bodyPr/>
+          <a:lstStyle/>
+          <a:p>
+            <a:r>
               <a:rPr lang="de-DE" dirty="0" smtClean="0"/>
               <a:t>Risiken</a:t>
             </a:r>
@@ -8302,14 +8818,14 @@
   <p:timing>
     <p:tnLst>
       <p:par>
-        <p:cTn id="1" dur="indefinite" restart="never" nodeType="tmRoot"/>
+        <p:cTn xmlns:p14="http://schemas.microsoft.com/office/powerpoint/2010/main" id="1" dur="indefinite" restart="never" nodeType="tmRoot"/>
       </p:par>
     </p:tnLst>
   </p:timing>
 </p:sld>
 </file>
 
-<file path=ppt/slides/slide8.xml><?xml version="1.0" encoding="utf-8"?>
+<file path=ppt/slides/slide9.xml><?xml version="1.0" encoding="utf-8"?>
 <p:sld xmlns:a="http://schemas.openxmlformats.org/drawingml/2006/main" xmlns:r="http://schemas.openxmlformats.org/officeDocument/2006/relationships" xmlns:p="http://schemas.openxmlformats.org/presentationml/2006/main">
   <p:cSld>
     <p:spTree>
@@ -10016,251 +10532,7 @@
   <p:timing>
     <p:tnLst>
       <p:par>
-        <p:cTn id="1" dur="indefinite" restart="never" nodeType="tmRoot"/>
-      </p:par>
-    </p:tnLst>
-  </p:timing>
-</p:sld>
-</file>
-
-<file path=ppt/slides/slide9.xml><?xml version="1.0" encoding="utf-8"?>
-<p:sld xmlns:a="http://schemas.openxmlformats.org/drawingml/2006/main" xmlns:r="http://schemas.openxmlformats.org/officeDocument/2006/relationships" xmlns:p="http://schemas.openxmlformats.org/presentationml/2006/main">
-  <p:cSld>
-    <p:spTree>
-      <p:nvGrpSpPr>
-        <p:cNvPr id="1" name=""/>
-        <p:cNvGrpSpPr/>
-        <p:nvPr/>
-      </p:nvGrpSpPr>
-      <p:grpSpPr>
-        <a:xfrm>
-          <a:off x="0" y="0"/>
-          <a:ext cx="0" cy="0"/>
-          <a:chOff x="0" y="0"/>
-          <a:chExt cx="0" cy="0"/>
-        </a:xfrm>
-      </p:grpSpPr>
-      <p:sp>
-        <p:nvSpPr>
-          <p:cNvPr id="2" name="Titel 1"/>
-          <p:cNvSpPr>
-            <a:spLocks noGrp="1"/>
-          </p:cNvSpPr>
-          <p:nvPr>
-            <p:ph type="title"/>
-          </p:nvPr>
-        </p:nvSpPr>
-        <p:spPr/>
-        <p:txBody>
-          <a:bodyPr/>
-          <a:lstStyle/>
-          <a:p>
-            <a:r>
-              <a:rPr lang="de-DE" dirty="0" smtClean="0"/>
-              <a:t>Kundennutzen</a:t>
-            </a:r>
-            <a:endParaRPr lang="de-DE" dirty="0"/>
-          </a:p>
-        </p:txBody>
-      </p:sp>
-      <p:sp>
-        <p:nvSpPr>
-          <p:cNvPr id="6" name="Textfeld 5"/>
-          <p:cNvSpPr txBox="1"/>
-          <p:nvPr/>
-        </p:nvSpPr>
-        <p:spPr>
-          <a:xfrm>
-            <a:off x="3044379" y="1907629"/>
-            <a:ext cx="5740349" cy="868392"/>
-          </a:xfrm>
-          <a:prstGeom prst="rect">
-            <a:avLst/>
-          </a:prstGeom>
-          <a:noFill/>
-        </p:spPr>
-        <p:txBody>
-          <a:bodyPr wrap="square" rtlCol="0">
-            <a:spAutoFit/>
-          </a:bodyPr>
-          <a:lstStyle/>
-          <a:p>
-            <a:pPr marL="285750" lvl="0" indent="-285750">
-              <a:buFontTx/>
-              <a:buChar char="-"/>
-            </a:pPr>
-            <a:r>
-              <a:rPr lang="de-DE" dirty="0"/>
-              <a:t>In Schachvereinen und Schachkursen kann „</a:t>
-            </a:r>
-            <a:r>
-              <a:rPr lang="de-DE" dirty="0" err="1"/>
-              <a:t>necaREx</a:t>
-            </a:r>
-            <a:r>
-              <a:rPr lang="de-DE" dirty="0"/>
-              <a:t>“ als effiziente Lernsoftware eingesetzt werden</a:t>
-            </a:r>
-            <a:r>
-              <a:rPr lang="de-DE" dirty="0" smtClean="0"/>
-              <a:t>.</a:t>
-            </a:r>
-            <a:endParaRPr lang="de-DE" dirty="0"/>
-          </a:p>
-        </p:txBody>
-      </p:sp>
-      <p:sp>
-        <p:nvSpPr>
-          <p:cNvPr id="5" name="Textfeld 4"/>
-          <p:cNvSpPr txBox="1"/>
-          <p:nvPr/>
-        </p:nvSpPr>
-        <p:spPr>
-          <a:xfrm>
-            <a:off x="3044379" y="2839437"/>
-            <a:ext cx="5740349" cy="610783"/>
-          </a:xfrm>
-          <a:prstGeom prst="rect">
-            <a:avLst/>
-          </a:prstGeom>
-          <a:noFill/>
-        </p:spPr>
-        <p:txBody>
-          <a:bodyPr wrap="square" rtlCol="0">
-            <a:spAutoFit/>
-          </a:bodyPr>
-          <a:lstStyle/>
-          <a:p>
-            <a:pPr marL="285750" indent="-285750">
-              <a:buFontTx/>
-              <a:buChar char="-"/>
-            </a:pPr>
-            <a:r>
-              <a:rPr lang="de-DE" dirty="0"/>
-              <a:t>Durch das schlichte und intuitive Design ist „</a:t>
-            </a:r>
-            <a:r>
-              <a:rPr lang="de-DE" dirty="0" err="1"/>
-              <a:t>necaREx</a:t>
-            </a:r>
-            <a:r>
-              <a:rPr lang="de-DE" dirty="0"/>
-              <a:t>“ einfach und schnell zu erlernen</a:t>
-            </a:r>
-            <a:r>
-              <a:rPr lang="de-DE" dirty="0" smtClean="0"/>
-              <a:t>.</a:t>
-            </a:r>
-            <a:endParaRPr lang="de-DE" dirty="0"/>
-          </a:p>
-        </p:txBody>
-      </p:sp>
-      <p:sp>
-        <p:nvSpPr>
-          <p:cNvPr id="8" name="Textfeld 7"/>
-          <p:cNvSpPr txBox="1"/>
-          <p:nvPr/>
-        </p:nvSpPr>
-        <p:spPr>
-          <a:xfrm>
-            <a:off x="3044379" y="3529094"/>
-            <a:ext cx="5740349" cy="1126001"/>
-          </a:xfrm>
-          <a:prstGeom prst="rect">
-            <a:avLst/>
-          </a:prstGeom>
-          <a:noFill/>
-        </p:spPr>
-        <p:txBody>
-          <a:bodyPr wrap="square" rtlCol="0">
-            <a:spAutoFit/>
-          </a:bodyPr>
-          <a:lstStyle/>
-          <a:p>
-            <a:pPr marL="285750" lvl="0" indent="-285750">
-              <a:buFontTx/>
-              <a:buChar char="-"/>
-            </a:pPr>
-            <a:r>
-              <a:rPr lang="de-DE" dirty="0"/>
-              <a:t>Da ein „</a:t>
-            </a:r>
-            <a:r>
-              <a:rPr lang="de-DE" dirty="0" err="1"/>
-              <a:t>necaREx</a:t>
-            </a:r>
-            <a:r>
-              <a:rPr lang="de-DE" dirty="0"/>
-              <a:t>“ Lizenzpaket für einen angemessenen Preis erworben werden kann und ein Paket fünf Lizenzen beinhaltet, stellt es eine kostengünstige Investition dar</a:t>
-            </a:r>
-            <a:r>
-              <a:rPr lang="de-DE" dirty="0" smtClean="0"/>
-              <a:t>.</a:t>
-            </a:r>
-            <a:endParaRPr lang="de-DE" dirty="0"/>
-          </a:p>
-        </p:txBody>
-      </p:sp>
-      <p:sp>
-        <p:nvSpPr>
-          <p:cNvPr id="9" name="Textfeld 8"/>
-          <p:cNvSpPr txBox="1"/>
-          <p:nvPr/>
-        </p:nvSpPr>
-        <p:spPr>
-          <a:xfrm>
-            <a:off x="3044379" y="4742068"/>
-            <a:ext cx="5740349" cy="868392"/>
-          </a:xfrm>
-          <a:prstGeom prst="rect">
-            <a:avLst/>
-          </a:prstGeom>
-          <a:noFill/>
-        </p:spPr>
-        <p:txBody>
-          <a:bodyPr wrap="square" rtlCol="0">
-            <a:spAutoFit/>
-          </a:bodyPr>
-          <a:lstStyle/>
-          <a:p>
-            <a:pPr marL="285750" indent="-285750">
-              <a:buFontTx/>
-              <a:buChar char="-"/>
-            </a:pPr>
-            <a:r>
-              <a:rPr lang="de-DE" dirty="0"/>
-              <a:t>Dank unserer übersichtlichen Benutzeroberfläche kann der Spieler zu jeder Zeit wichtige Spielinformationen entnehmen</a:t>
-            </a:r>
-            <a:r>
-              <a:rPr lang="de-DE" dirty="0" smtClean="0"/>
-              <a:t>.</a:t>
-            </a:r>
-            <a:endParaRPr lang="de-DE" dirty="0"/>
-          </a:p>
-        </p:txBody>
-      </p:sp>
-    </p:spTree>
-    <p:extLst>
-      <p:ext uri="{BB962C8B-B14F-4D97-AF65-F5344CB8AC3E}">
-        <p14:creationId xmlns:p14="http://schemas.microsoft.com/office/powerpoint/2010/main" val="537607213"/>
-      </p:ext>
-    </p:extLst>
-  </p:cSld>
-  <p:clrMapOvr>
-    <a:masterClrMapping/>
-  </p:clrMapOvr>
-  <mc:AlternateContent xmlns:mc="http://schemas.openxmlformats.org/markup-compatibility/2006" xmlns:p14="http://schemas.microsoft.com/office/powerpoint/2010/main">
-    <mc:Choice Requires="p14">
-      <p:transition spd="slow" p14:dur="2000"/>
-    </mc:Choice>
-    <mc:Fallback xmlns="">
-      <p:transition xmlns:p14="http://schemas.microsoft.com/office/powerpoint/2010/main" spd="slow"/>
-    </mc:Fallback>
-  </mc:AlternateContent>
-  <p:timing>
-    <p:tnLst>
-      <p:par>
-        <p:cTn id="1" dur="indefinite" restart="never" nodeType="tmRoot"/>
+        <p:cTn xmlns:p14="http://schemas.microsoft.com/office/powerpoint/2010/main" id="1" dur="indefinite" restart="never" nodeType="tmRoot"/>
       </p:par>
     </p:tnLst>
   </p:timing>
@@ -10512,7 +10784,7 @@
         </a:ln>
         <a:effectLst/>
         <a:extLst>
-          <a:ext uri="{AF507438-7753-43E0-B8FC-AC1667EBCBE1}">
+          <a:ext uri="{AF507438-7753-43e0-B8FC-AC1667EBCBE1}">
             <a14:hiddenEffects xmlns:a14="http://schemas.microsoft.com/office/drawing/2010/main">
               <a:effectLst>
                 <a:outerShdw blurRad="63500" dist="38099" dir="2700000" algn="ctr" rotWithShape="0">
@@ -10588,7 +10860,7 @@
         </a:ln>
         <a:effectLst/>
         <a:extLst>
-          <a:ext uri="{AF507438-7753-43E0-B8FC-AC1667EBCBE1}">
+          <a:ext uri="{AF507438-7753-43e0-B8FC-AC1667EBCBE1}">
             <a14:hiddenEffects xmlns:a14="http://schemas.microsoft.com/office/drawing/2010/main">
               <a:effectLst>
                 <a:outerShdw blurRad="63500" dist="38099" dir="2700000" algn="ctr" rotWithShape="0">

--- a/Planung/projektskizze_nad.pptx
+++ b/Planung/projektskizze_nad.pptx
@@ -190,7 +190,7 @@
   </p:defaultTextStyle>
   <p:extLst>
     <p:ext uri="{EFAFB233-063F-42B5-8137-9DF3F51BA10A}">
-      <p15:sldGuideLst xmlns="" xmlns:p15="http://schemas.microsoft.com/office/powerpoint/2012/main">
+      <p15:sldGuideLst xmlns:p15="http://schemas.microsoft.com/office/powerpoint/2012/main" xmlns="">
         <p15:guide id="1" orient="horz" pos="2160">
           <p15:clr>
             <a:srgbClr val="A4A3A4"/>
@@ -204,7 +204,7 @@
       </p15:sldGuideLst>
     </p:ext>
     <p:ext uri="{2D200454-40CA-4A62-9FC3-DE9A4176ACB9}">
-      <p15:notesGuideLst xmlns="" xmlns:p15="http://schemas.microsoft.com/office/powerpoint/2012/main">
+      <p15:notesGuideLst xmlns:p15="http://schemas.microsoft.com/office/powerpoint/2012/main" xmlns="">
         <p15:guide id="1" orient="horz" pos="2880">
           <p15:clr>
             <a:srgbClr val="A4A3A4"/>
@@ -270,14 +270,14 @@
           </a:ln>
           <a:effectLst/>
           <a:extLst>
-            <a:ext uri="{909E8E84-426E-40dd-AFC4-6F175D3DCCD1}">
+            <a:ext uri="{909E8E84-426E-40DD-AFC4-6F175D3DCCD1}">
               <a14:hiddenFill xmlns:a14="http://schemas.microsoft.com/office/drawing/2010/main">
                 <a:solidFill>
                   <a:srgbClr val="FFFFFF"/>
                 </a:solidFill>
               </a14:hiddenFill>
             </a:ext>
-            <a:ext uri="{91240B29-F687-4f45-9708-019B960494DF}">
+            <a:ext uri="{91240B29-F687-4F45-9708-019B960494DF}">
               <a14:hiddenLine xmlns:a14="http://schemas.microsoft.com/office/drawing/2010/main" w="9525">
                 <a:solidFill>
                   <a:srgbClr val="808080"/>
@@ -287,7 +287,7 @@
                 <a:tailEnd/>
               </a14:hiddenLine>
             </a:ext>
-            <a:ext uri="{AF507438-7753-43e0-B8FC-AC1667EBCBE1}">
+            <a:ext uri="{AF507438-7753-43E0-B8FC-AC1667EBCBE1}">
               <a14:hiddenEffects xmlns:a14="http://schemas.microsoft.com/office/drawing/2010/main">
                 <a:effectLst>
                   <a:outerShdw blurRad="63500" dist="38099" dir="2700000" algn="ctr" rotWithShape="0">
@@ -299,7 +299,7 @@
               </a14:hiddenEffects>
             </a:ext>
             <a:ext uri="{FAA26D3D-D897-4be2-8F04-BA451C77F1D7}">
-              <ma14:placeholderFlag xmlns:ma14="http://schemas.microsoft.com/office/mac/drawingml/2011/main" val="1"/>
+              <ma14:placeholderFlag xmlns:ma14="http://schemas.microsoft.com/office/mac/drawingml/2011/main" xmlns="" val="1"/>
             </a:ext>
           </a:extLst>
         </p:spPr>
@@ -328,14 +328,14 @@
           </a:ln>
           <a:effectLst/>
           <a:extLst>
-            <a:ext uri="{909E8E84-426E-40dd-AFC4-6F175D3DCCD1}">
+            <a:ext uri="{909E8E84-426E-40DD-AFC4-6F175D3DCCD1}">
               <a14:hiddenFill xmlns:a14="http://schemas.microsoft.com/office/drawing/2010/main">
                 <a:solidFill>
                   <a:srgbClr val="FFFFFF"/>
                 </a:solidFill>
               </a14:hiddenFill>
             </a:ext>
-            <a:ext uri="{91240B29-F687-4f45-9708-019B960494DF}">
+            <a:ext uri="{91240B29-F687-4F45-9708-019B960494DF}">
               <a14:hiddenLine xmlns:a14="http://schemas.microsoft.com/office/drawing/2010/main" w="9525">
                 <a:solidFill>
                   <a:srgbClr val="808080"/>
@@ -345,7 +345,7 @@
                 <a:tailEnd/>
               </a14:hiddenLine>
             </a:ext>
-            <a:ext uri="{AF507438-7753-43e0-B8FC-AC1667EBCBE1}">
+            <a:ext uri="{AF507438-7753-43E0-B8FC-AC1667EBCBE1}">
               <a14:hiddenEffects xmlns:a14="http://schemas.microsoft.com/office/drawing/2010/main">
                 <a:effectLst>
                   <a:outerShdw blurRad="63500" dist="38099" dir="2700000" algn="ctr" rotWithShape="0">
@@ -357,7 +357,7 @@
               </a14:hiddenEffects>
             </a:ext>
             <a:ext uri="{FAA26D3D-D897-4be2-8F04-BA451C77F1D7}">
-              <ma14:placeholderFlag xmlns:ma14="http://schemas.microsoft.com/office/mac/drawingml/2011/main" val="1"/>
+              <ma14:placeholderFlag xmlns:ma14="http://schemas.microsoft.com/office/mac/drawingml/2011/main" xmlns="" val="1"/>
             </a:ext>
           </a:extLst>
         </p:spPr>
@@ -398,14 +398,14 @@
           </a:ln>
           <a:effectLst/>
           <a:extLst>
-            <a:ext uri="{909E8E84-426E-40dd-AFC4-6F175D3DCCD1}">
+            <a:ext uri="{909E8E84-426E-40DD-AFC4-6F175D3DCCD1}">
               <a14:hiddenFill xmlns:a14="http://schemas.microsoft.com/office/drawing/2010/main">
                 <a:solidFill>
                   <a:srgbClr val="FFFFFF"/>
                 </a:solidFill>
               </a14:hiddenFill>
             </a:ext>
-            <a:ext uri="{91240B29-F687-4f45-9708-019B960494DF}">
+            <a:ext uri="{91240B29-F687-4F45-9708-019B960494DF}">
               <a14:hiddenLine xmlns:a14="http://schemas.microsoft.com/office/drawing/2010/main" w="9525">
                 <a:solidFill>
                   <a:srgbClr val="808080"/>
@@ -415,7 +415,7 @@
                 <a:tailEnd/>
               </a14:hiddenLine>
             </a:ext>
-            <a:ext uri="{AF507438-7753-43e0-B8FC-AC1667EBCBE1}">
+            <a:ext uri="{AF507438-7753-43E0-B8FC-AC1667EBCBE1}">
               <a14:hiddenEffects xmlns:a14="http://schemas.microsoft.com/office/drawing/2010/main">
                 <a:effectLst>
                   <a:outerShdw blurRad="63500" dist="38099" dir="2700000" algn="ctr" rotWithShape="0">
@@ -427,7 +427,7 @@
               </a14:hiddenEffects>
             </a:ext>
             <a:ext uri="{FAA26D3D-D897-4be2-8F04-BA451C77F1D7}">
-              <ma14:placeholderFlag xmlns:ma14="http://schemas.microsoft.com/office/mac/drawingml/2011/main" val="1"/>
+              <ma14:placeholderFlag xmlns:ma14="http://schemas.microsoft.com/office/mac/drawingml/2011/main" xmlns="" val="1"/>
             </a:ext>
           </a:extLst>
         </p:spPr>
@@ -482,14 +482,14 @@
           </a:ln>
           <a:effectLst/>
           <a:extLst>
-            <a:ext uri="{909E8E84-426E-40dd-AFC4-6F175D3DCCD1}">
+            <a:ext uri="{909E8E84-426E-40DD-AFC4-6F175D3DCCD1}">
               <a14:hiddenFill xmlns:a14="http://schemas.microsoft.com/office/drawing/2010/main">
                 <a:solidFill>
                   <a:srgbClr val="FFFFFF"/>
                 </a:solidFill>
               </a14:hiddenFill>
             </a:ext>
-            <a:ext uri="{91240B29-F687-4f45-9708-019B960494DF}">
+            <a:ext uri="{91240B29-F687-4F45-9708-019B960494DF}">
               <a14:hiddenLine xmlns:a14="http://schemas.microsoft.com/office/drawing/2010/main" w="9525">
                 <a:solidFill>
                   <a:srgbClr val="808080"/>
@@ -499,7 +499,7 @@
                 <a:tailEnd/>
               </a14:hiddenLine>
             </a:ext>
-            <a:ext uri="{AF507438-7753-43e0-B8FC-AC1667EBCBE1}">
+            <a:ext uri="{AF507438-7753-43E0-B8FC-AC1667EBCBE1}">
               <a14:hiddenEffects xmlns:a14="http://schemas.microsoft.com/office/drawing/2010/main">
                 <a:effectLst>
                   <a:outerShdw blurRad="63500" dist="38099" dir="2700000" algn="ctr" rotWithShape="0">
@@ -511,7 +511,7 @@
               </a14:hiddenEffects>
             </a:ext>
             <a:ext uri="{FAA26D3D-D897-4be2-8F04-BA451C77F1D7}">
-              <ma14:placeholderFlag xmlns:ma14="http://schemas.microsoft.com/office/mac/drawingml/2011/main" val="1"/>
+              <ma14:placeholderFlag xmlns:ma14="http://schemas.microsoft.com/office/mac/drawingml/2011/main" xmlns="" val="1"/>
             </a:ext>
           </a:extLst>
         </p:spPr>
@@ -566,14 +566,14 @@
           </a:ln>
           <a:effectLst/>
           <a:extLst>
-            <a:ext uri="{909E8E84-426E-40dd-AFC4-6F175D3DCCD1}">
+            <a:ext uri="{909E8E84-426E-40DD-AFC4-6F175D3DCCD1}">
               <a14:hiddenFill xmlns:a14="http://schemas.microsoft.com/office/drawing/2010/main">
                 <a:solidFill>
                   <a:srgbClr val="FFFFFF"/>
                 </a:solidFill>
               </a14:hiddenFill>
             </a:ext>
-            <a:ext uri="{91240B29-F687-4f45-9708-019B960494DF}">
+            <a:ext uri="{91240B29-F687-4F45-9708-019B960494DF}">
               <a14:hiddenLine xmlns:a14="http://schemas.microsoft.com/office/drawing/2010/main" w="9525">
                 <a:solidFill>
                   <a:srgbClr val="808080"/>
@@ -583,7 +583,7 @@
                 <a:tailEnd/>
               </a14:hiddenLine>
             </a:ext>
-            <a:ext uri="{AF507438-7753-43e0-B8FC-AC1667EBCBE1}">
+            <a:ext uri="{AF507438-7753-43E0-B8FC-AC1667EBCBE1}">
               <a14:hiddenEffects xmlns:a14="http://schemas.microsoft.com/office/drawing/2010/main">
                 <a:effectLst>
                   <a:outerShdw blurRad="63500" dist="38099" dir="2700000" algn="ctr" rotWithShape="0">
@@ -595,7 +595,7 @@
               </a14:hiddenEffects>
             </a:ext>
             <a:ext uri="{FAA26D3D-D897-4be2-8F04-BA451C77F1D7}">
-              <ma14:placeholderFlag xmlns:ma14="http://schemas.microsoft.com/office/mac/drawingml/2011/main" val="1"/>
+              <ma14:placeholderFlag xmlns:ma14="http://schemas.microsoft.com/office/mac/drawingml/2011/main" xmlns="" val="1"/>
             </a:ext>
           </a:extLst>
         </p:spPr>
@@ -650,14 +650,14 @@
           </a:ln>
           <a:effectLst/>
           <a:extLst>
-            <a:ext uri="{909E8E84-426E-40dd-AFC4-6F175D3DCCD1}">
+            <a:ext uri="{909E8E84-426E-40DD-AFC4-6F175D3DCCD1}">
               <a14:hiddenFill xmlns:a14="http://schemas.microsoft.com/office/drawing/2010/main">
                 <a:solidFill>
                   <a:srgbClr val="FFFFFF"/>
                 </a:solidFill>
               </a14:hiddenFill>
             </a:ext>
-            <a:ext uri="{91240B29-F687-4f45-9708-019B960494DF}">
+            <a:ext uri="{91240B29-F687-4F45-9708-019B960494DF}">
               <a14:hiddenLine xmlns:a14="http://schemas.microsoft.com/office/drawing/2010/main" w="9525">
                 <a:solidFill>
                   <a:srgbClr val="808080"/>
@@ -667,7 +667,7 @@
                 <a:tailEnd/>
               </a14:hiddenLine>
             </a:ext>
-            <a:ext uri="{AF507438-7753-43e0-B8FC-AC1667EBCBE1}">
+            <a:ext uri="{AF507438-7753-43E0-B8FC-AC1667EBCBE1}">
               <a14:hiddenEffects xmlns:a14="http://schemas.microsoft.com/office/drawing/2010/main">
                 <a:effectLst>
                   <a:outerShdw blurRad="63500" dist="38099" dir="2700000" algn="ctr" rotWithShape="0">
@@ -679,7 +679,7 @@
               </a14:hiddenEffects>
             </a:ext>
             <a:ext uri="{FAA26D3D-D897-4be2-8F04-BA451C77F1D7}">
-              <ma14:placeholderFlag xmlns:ma14="http://schemas.microsoft.com/office/mac/drawingml/2011/main" val="1"/>
+              <ma14:placeholderFlag xmlns:ma14="http://schemas.microsoft.com/office/mac/drawingml/2011/main" xmlns="" val="1"/>
             </a:ext>
           </a:extLst>
         </p:spPr>
@@ -954,7 +954,7 @@
             <a:tailEnd/>
           </a:ln>
           <a:extLst>
-            <a:ext uri="{AF507438-7753-43e0-B8FC-AC1667EBCBE1}">
+            <a:ext uri="{AF507438-7753-43E0-B8FC-AC1667EBCBE1}">
               <a14:hiddenEffects xmlns:a14="http://schemas.microsoft.com/office/drawing/2010/main">
                 <a:effectLst>
                   <a:outerShdw blurRad="63500" dist="38099" dir="2700000" algn="ctr" rotWithShape="0">
@@ -989,14 +989,14 @@
           <a:noFill/>
           <a:ln/>
           <a:extLst>
-            <a:ext uri="{909E8E84-426E-40dd-AFC4-6F175D3DCCD1}">
+            <a:ext uri="{909E8E84-426E-40DD-AFC4-6F175D3DCCD1}">
               <a14:hiddenFill xmlns:a14="http://schemas.microsoft.com/office/drawing/2010/main">
                 <a:solidFill>
                   <a:srgbClr val="FFFFFF"/>
                 </a:solidFill>
               </a14:hiddenFill>
             </a:ext>
-            <a:ext uri="{91240B29-F687-4f45-9708-019B960494DF}">
+            <a:ext uri="{91240B29-F687-4F45-9708-019B960494DF}">
               <a14:hiddenLine xmlns:a14="http://schemas.microsoft.com/office/drawing/2010/main" w="9525">
                 <a:solidFill>
                   <a:srgbClr val="808080"/>
@@ -1006,7 +1006,7 @@
                 <a:tailEnd/>
               </a14:hiddenLine>
             </a:ext>
-            <a:ext uri="{AF507438-7753-43e0-B8FC-AC1667EBCBE1}">
+            <a:ext uri="{AF507438-7753-43E0-B8FC-AC1667EBCBE1}">
               <a14:hiddenEffects xmlns:a14="http://schemas.microsoft.com/office/drawing/2010/main">
                 <a:effectLst>
                   <a:outerShdw blurRad="63500" dist="38099" dir="2700000" algn="ctr" rotWithShape="0">
@@ -1121,7 +1121,7 @@
             <a:tailEnd/>
           </a:ln>
           <a:extLst>
-            <a:ext uri="{AF507438-7753-43e0-B8FC-AC1667EBCBE1}">
+            <a:ext uri="{AF507438-7753-43E0-B8FC-AC1667EBCBE1}">
               <a14:hiddenEffects xmlns:a14="http://schemas.microsoft.com/office/drawing/2010/main">
                 <a:effectLst>
                   <a:outerShdw blurRad="63500" dist="38099" dir="2700000" algn="ctr" rotWithShape="0">
@@ -1156,14 +1156,14 @@
           <a:noFill/>
           <a:ln/>
           <a:extLst>
-            <a:ext uri="{909E8E84-426E-40dd-AFC4-6F175D3DCCD1}">
+            <a:ext uri="{909E8E84-426E-40DD-AFC4-6F175D3DCCD1}">
               <a14:hiddenFill xmlns:a14="http://schemas.microsoft.com/office/drawing/2010/main">
                 <a:solidFill>
                   <a:srgbClr val="FFFFFF"/>
                 </a:solidFill>
               </a14:hiddenFill>
             </a:ext>
-            <a:ext uri="{91240B29-F687-4f45-9708-019B960494DF}">
+            <a:ext uri="{91240B29-F687-4F45-9708-019B960494DF}">
               <a14:hiddenLine xmlns:a14="http://schemas.microsoft.com/office/drawing/2010/main" w="9525">
                 <a:solidFill>
                   <a:srgbClr val="808080"/>
@@ -1173,7 +1173,7 @@
                 <a:tailEnd/>
               </a14:hiddenLine>
             </a:ext>
-            <a:ext uri="{AF507438-7753-43e0-B8FC-AC1667EBCBE1}">
+            <a:ext uri="{AF507438-7753-43E0-B8FC-AC1667EBCBE1}">
               <a14:hiddenEffects xmlns:a14="http://schemas.microsoft.com/office/drawing/2010/main">
                 <a:effectLst>
                   <a:outerShdw blurRad="63500" dist="38099" dir="2700000" algn="ctr" rotWithShape="0">
@@ -3864,14 +3864,14 @@
           </a:ln>
           <a:effectLst/>
           <a:extLst>
-            <a:ext uri="{909E8E84-426E-40dd-AFC4-6F175D3DCCD1}">
+            <a:ext uri="{909E8E84-426E-40DD-AFC4-6F175D3DCCD1}">
               <a14:hiddenFill xmlns:a14="http://schemas.microsoft.com/office/drawing/2010/main">
                 <a:solidFill>
                   <a:srgbClr val="FFFFFF"/>
                 </a:solidFill>
               </a14:hiddenFill>
             </a:ext>
-            <a:ext uri="{91240B29-F687-4f45-9708-019B960494DF}">
+            <a:ext uri="{91240B29-F687-4F45-9708-019B960494DF}">
               <a14:hiddenLine xmlns:a14="http://schemas.microsoft.com/office/drawing/2010/main" w="9525">
                 <a:solidFill>
                   <a:srgbClr val="808080"/>
@@ -3881,7 +3881,7 @@
                 <a:tailEnd/>
               </a14:hiddenLine>
             </a:ext>
-            <a:ext uri="{AF507438-7753-43e0-B8FC-AC1667EBCBE1}">
+            <a:ext uri="{AF507438-7753-43E0-B8FC-AC1667EBCBE1}">
               <a14:hiddenEffects xmlns:a14="http://schemas.microsoft.com/office/drawing/2010/main">
                 <a:effectLst>
                   <a:outerShdw blurRad="63500" dist="38099" dir="2700000" algn="ctr" rotWithShape="0">
@@ -3893,7 +3893,7 @@
               </a14:hiddenEffects>
             </a:ext>
             <a:ext uri="{FAA26D3D-D897-4be2-8F04-BA451C77F1D7}">
-              <ma14:placeholderFlag xmlns:ma14="http://schemas.microsoft.com/office/mac/drawingml/2011/main" val="1"/>
+              <ma14:placeholderFlag xmlns:ma14="http://schemas.microsoft.com/office/mac/drawingml/2011/main" xmlns="" val="1"/>
             </a:ext>
           </a:extLst>
         </p:spPr>
@@ -3937,14 +3937,14 @@
           </a:ln>
           <a:effectLst/>
           <a:extLst>
-            <a:ext uri="{909E8E84-426E-40dd-AFC4-6F175D3DCCD1}">
+            <a:ext uri="{909E8E84-426E-40DD-AFC4-6F175D3DCCD1}">
               <a14:hiddenFill xmlns:a14="http://schemas.microsoft.com/office/drawing/2010/main">
                 <a:solidFill>
                   <a:srgbClr val="FFFFFF"/>
                 </a:solidFill>
               </a14:hiddenFill>
             </a:ext>
-            <a:ext uri="{91240B29-F687-4f45-9708-019B960494DF}">
+            <a:ext uri="{91240B29-F687-4F45-9708-019B960494DF}">
               <a14:hiddenLine xmlns:a14="http://schemas.microsoft.com/office/drawing/2010/main" w="9525">
                 <a:solidFill>
                   <a:srgbClr val="808080"/>
@@ -3954,7 +3954,7 @@
                 <a:tailEnd/>
               </a14:hiddenLine>
             </a:ext>
-            <a:ext uri="{AF507438-7753-43e0-B8FC-AC1667EBCBE1}">
+            <a:ext uri="{AF507438-7753-43E0-B8FC-AC1667EBCBE1}">
               <a14:hiddenEffects xmlns:a14="http://schemas.microsoft.com/office/drawing/2010/main">
                 <a:effectLst>
                   <a:outerShdw blurRad="63500" dist="38099" dir="2700000" algn="ctr" rotWithShape="0">
@@ -3966,7 +3966,7 @@
               </a14:hiddenEffects>
             </a:ext>
             <a:ext uri="{FAA26D3D-D897-4be2-8F04-BA451C77F1D7}">
-              <ma14:placeholderFlag xmlns:ma14="http://schemas.microsoft.com/office/mac/drawingml/2011/main" val="1"/>
+              <ma14:placeholderFlag xmlns:ma14="http://schemas.microsoft.com/office/mac/drawingml/2011/main" xmlns="" val="1"/>
             </a:ext>
           </a:extLst>
         </p:spPr>
@@ -4066,14 +4066,14 @@
           </a:ln>
           <a:effectLst/>
           <a:extLst>
-            <a:ext uri="{909E8E84-426E-40dd-AFC4-6F175D3DCCD1}">
+            <a:ext uri="{909E8E84-426E-40DD-AFC4-6F175D3DCCD1}">
               <a14:hiddenFill xmlns:a14="http://schemas.microsoft.com/office/drawing/2010/main">
                 <a:solidFill>
                   <a:srgbClr val="FFFFFF"/>
                 </a:solidFill>
               </a14:hiddenFill>
             </a:ext>
-            <a:ext uri="{91240B29-F687-4f45-9708-019B960494DF}">
+            <a:ext uri="{91240B29-F687-4F45-9708-019B960494DF}">
               <a14:hiddenLine xmlns:a14="http://schemas.microsoft.com/office/drawing/2010/main" w="9525">
                 <a:solidFill>
                   <a:srgbClr val="808080"/>
@@ -4083,7 +4083,7 @@
                 <a:tailEnd/>
               </a14:hiddenLine>
             </a:ext>
-            <a:ext uri="{AF507438-7753-43e0-B8FC-AC1667EBCBE1}">
+            <a:ext uri="{AF507438-7753-43E0-B8FC-AC1667EBCBE1}">
               <a14:hiddenEffects xmlns:a14="http://schemas.microsoft.com/office/drawing/2010/main">
                 <a:effectLst>
                   <a:outerShdw blurRad="63500" dist="38099" dir="2700000" algn="ctr" rotWithShape="0">
@@ -4095,7 +4095,7 @@
               </a14:hiddenEffects>
             </a:ext>
             <a:ext uri="{FAA26D3D-D897-4be2-8F04-BA451C77F1D7}">
-              <ma14:placeholderFlag xmlns:ma14="http://schemas.microsoft.com/office/mac/drawingml/2011/main" val="1"/>
+              <ma14:placeholderFlag xmlns:ma14="http://schemas.microsoft.com/office/mac/drawingml/2011/main" xmlns="" val="1"/>
             </a:ext>
           </a:extLst>
         </p:spPr>
@@ -4149,14 +4149,14 @@
           </a:ln>
           <a:effectLst/>
           <a:extLst>
-            <a:ext uri="{909E8E84-426E-40dd-AFC4-6F175D3DCCD1}">
+            <a:ext uri="{909E8E84-426E-40DD-AFC4-6F175D3DCCD1}">
               <a14:hiddenFill xmlns:a14="http://schemas.microsoft.com/office/drawing/2010/main">
                 <a:solidFill>
                   <a:srgbClr val="FFFFFF"/>
                 </a:solidFill>
               </a14:hiddenFill>
             </a:ext>
-            <a:ext uri="{91240B29-F687-4f45-9708-019B960494DF}">
+            <a:ext uri="{91240B29-F687-4F45-9708-019B960494DF}">
               <a14:hiddenLine xmlns:a14="http://schemas.microsoft.com/office/drawing/2010/main" w="9525">
                 <a:solidFill>
                   <a:srgbClr val="808080"/>
@@ -4166,7 +4166,7 @@
                 <a:tailEnd/>
               </a14:hiddenLine>
             </a:ext>
-            <a:ext uri="{AF507438-7753-43e0-B8FC-AC1667EBCBE1}">
+            <a:ext uri="{AF507438-7753-43E0-B8FC-AC1667EBCBE1}">
               <a14:hiddenEffects xmlns:a14="http://schemas.microsoft.com/office/drawing/2010/main">
                 <a:effectLst>
                   <a:outerShdw blurRad="63500" dist="38099" dir="2700000" algn="ctr" rotWithShape="0">
@@ -4178,7 +4178,7 @@
               </a14:hiddenEffects>
             </a:ext>
             <a:ext uri="{FAA26D3D-D897-4be2-8F04-BA451C77F1D7}">
-              <ma14:placeholderFlag xmlns:ma14="http://schemas.microsoft.com/office/mac/drawingml/2011/main" val="1"/>
+              <ma14:placeholderFlag xmlns:ma14="http://schemas.microsoft.com/office/mac/drawingml/2011/main" xmlns="" val="1"/>
             </a:ext>
           </a:extLst>
         </p:spPr>
@@ -4233,14 +4233,14 @@
           </a:ln>
           <a:effectLst/>
           <a:extLst>
-            <a:ext uri="{909E8E84-426E-40dd-AFC4-6F175D3DCCD1}">
+            <a:ext uri="{909E8E84-426E-40DD-AFC4-6F175D3DCCD1}">
               <a14:hiddenFill xmlns:a14="http://schemas.microsoft.com/office/drawing/2010/main">
                 <a:solidFill>
                   <a:srgbClr val="FFFFFF"/>
                 </a:solidFill>
               </a14:hiddenFill>
             </a:ext>
-            <a:ext uri="{91240B29-F687-4f45-9708-019B960494DF}">
+            <a:ext uri="{91240B29-F687-4F45-9708-019B960494DF}">
               <a14:hiddenLine xmlns:a14="http://schemas.microsoft.com/office/drawing/2010/main" w="9525">
                 <a:solidFill>
                   <a:srgbClr val="808080"/>
@@ -4250,7 +4250,7 @@
                 <a:tailEnd/>
               </a14:hiddenLine>
             </a:ext>
-            <a:ext uri="{AF507438-7753-43e0-B8FC-AC1667EBCBE1}">
+            <a:ext uri="{AF507438-7753-43E0-B8FC-AC1667EBCBE1}">
               <a14:hiddenEffects xmlns:a14="http://schemas.microsoft.com/office/drawing/2010/main">
                 <a:effectLst>
                   <a:outerShdw blurRad="63500" dist="38099" dir="2700000" algn="ctr" rotWithShape="0">
@@ -4262,7 +4262,7 @@
               </a14:hiddenEffects>
             </a:ext>
             <a:ext uri="{FAA26D3D-D897-4be2-8F04-BA451C77F1D7}">
-              <ma14:placeholderFlag xmlns:ma14="http://schemas.microsoft.com/office/mac/drawingml/2011/main" val="1"/>
+              <ma14:placeholderFlag xmlns:ma14="http://schemas.microsoft.com/office/mac/drawingml/2011/main" xmlns="" val="1"/>
             </a:ext>
           </a:extLst>
         </p:spPr>
@@ -4960,11 +4960,11 @@
   <p:clrMapOvr>
     <a:masterClrMapping/>
   </p:clrMapOvr>
-  <p:transition xmlns:p14="http://schemas.microsoft.com/office/powerpoint/2010/main" spd="med"/>
+  <p:transition spd="med"/>
   <p:timing>
     <p:tnLst>
       <p:par>
-        <p:cTn xmlns:p14="http://schemas.microsoft.com/office/powerpoint/2010/main" id="1" dur="indefinite" restart="never" nodeType="tmRoot">
+        <p:cTn id="1" dur="indefinite" restart="never" nodeType="tmRoot">
           <p:childTnLst>
             <p:seq concurrent="1" nextAc="seek">
               <p:cTn id="2" dur="0" nodeType="mainSeq"/>
@@ -5228,7 +5228,7 @@
   <p:timing>
     <p:tnLst>
       <p:par>
-        <p:cTn xmlns:p14="http://schemas.microsoft.com/office/powerpoint/2010/main" id="1" dur="indefinite" restart="never" nodeType="tmRoot"/>
+        <p:cTn id="1" dur="indefinite" restart="never" nodeType="tmRoot"/>
       </p:par>
     </p:tnLst>
   </p:timing>
@@ -5306,7 +5306,7 @@
           </a:ln>
           <a:effectLst/>
           <a:extLst>
-            <a:ext uri="{91240B29-F687-4f45-9708-019B960494DF}">
+            <a:ext uri="{91240B29-F687-4F45-9708-019B960494DF}">
               <a14:hiddenLine xmlns:a14="http://schemas.microsoft.com/office/drawing/2010/main" w="9525">
                 <a:solidFill>
                   <a:srgbClr val="000000"/>
@@ -5316,7 +5316,7 @@
                 <a:tailEnd/>
               </a14:hiddenLine>
             </a:ext>
-            <a:ext uri="{AF507438-7753-43e0-B8FC-AC1667EBCBE1}">
+            <a:ext uri="{AF507438-7753-43E0-B8FC-AC1667EBCBE1}">
               <a14:hiddenEffects xmlns:a14="http://schemas.microsoft.com/office/drawing/2010/main">
                 <a:effectLst>
                   <a:outerShdw blurRad="63500" dist="38099" dir="2700000" algn="ctr" rotWithShape="0">
@@ -5389,7 +5389,7 @@
           </a:ln>
           <a:effectLst/>
           <a:extLst>
-            <a:ext uri="{91240B29-F687-4f45-9708-019B960494DF}">
+            <a:ext uri="{91240B29-F687-4F45-9708-019B960494DF}">
               <a14:hiddenLine xmlns:a14="http://schemas.microsoft.com/office/drawing/2010/main" w="9525">
                 <a:solidFill>
                   <a:srgbClr val="000000"/>
@@ -5399,7 +5399,7 @@
                 <a:tailEnd/>
               </a14:hiddenLine>
             </a:ext>
-            <a:ext uri="{AF507438-7753-43e0-B8FC-AC1667EBCBE1}">
+            <a:ext uri="{AF507438-7753-43E0-B8FC-AC1667EBCBE1}">
               <a14:hiddenEffects xmlns:a14="http://schemas.microsoft.com/office/drawing/2010/main">
                 <a:effectLst>
                   <a:outerShdw blurRad="63500" dist="38099" dir="2700000" algn="ctr" rotWithShape="0">
@@ -5500,14 +5500,14 @@
           </a:ln>
           <a:effectLst/>
           <a:extLst>
-            <a:ext uri="{909E8E84-426E-40dd-AFC4-6F175D3DCCD1}">
+            <a:ext uri="{909E8E84-426E-40DD-AFC4-6F175D3DCCD1}">
               <a14:hiddenFill xmlns:a14="http://schemas.microsoft.com/office/drawing/2010/main">
                 <a:solidFill>
                   <a:srgbClr val="FFFFFF"/>
                 </a:solidFill>
               </a14:hiddenFill>
             </a:ext>
-            <a:ext uri="{91240B29-F687-4f45-9708-019B960494DF}">
+            <a:ext uri="{91240B29-F687-4F45-9708-019B960494DF}">
               <a14:hiddenLine xmlns:a14="http://schemas.microsoft.com/office/drawing/2010/main" w="9525">
                 <a:solidFill>
                   <a:srgbClr val="000000"/>
@@ -5517,7 +5517,7 @@
                 <a:tailEnd/>
               </a14:hiddenLine>
             </a:ext>
-            <a:ext uri="{AF507438-7753-43e0-B8FC-AC1667EBCBE1}">
+            <a:ext uri="{AF507438-7753-43E0-B8FC-AC1667EBCBE1}">
               <a14:hiddenEffects xmlns:a14="http://schemas.microsoft.com/office/drawing/2010/main">
                 <a:effectLst>
                   <a:outerShdw blurRad="63500" dist="38099" dir="2700000" algn="ctr" rotWithShape="0">
@@ -5861,14 +5861,14 @@
           </a:ln>
           <a:effectLst/>
           <a:extLst>
-            <a:ext uri="{909E8E84-426E-40dd-AFC4-6F175D3DCCD1}">
+            <a:ext uri="{909E8E84-426E-40DD-AFC4-6F175D3DCCD1}">
               <a14:hiddenFill xmlns:a14="http://schemas.microsoft.com/office/drawing/2010/main">
                 <a:solidFill>
                   <a:srgbClr val="FFFFFF"/>
                 </a:solidFill>
               </a14:hiddenFill>
             </a:ext>
-            <a:ext uri="{91240B29-F687-4f45-9708-019B960494DF}">
+            <a:ext uri="{91240B29-F687-4F45-9708-019B960494DF}">
               <a14:hiddenLine xmlns:a14="http://schemas.microsoft.com/office/drawing/2010/main" w="9525">
                 <a:solidFill>
                   <a:srgbClr val="000000"/>
@@ -5878,7 +5878,7 @@
                 <a:tailEnd/>
               </a14:hiddenLine>
             </a:ext>
-            <a:ext uri="{AF507438-7753-43e0-B8FC-AC1667EBCBE1}">
+            <a:ext uri="{AF507438-7753-43E0-B8FC-AC1667EBCBE1}">
               <a14:hiddenEffects xmlns:a14="http://schemas.microsoft.com/office/drawing/2010/main">
                 <a:effectLst>
                   <a:outerShdw blurRad="63500" dist="38099" dir="2700000" algn="ctr" rotWithShape="0">
@@ -6194,7 +6194,7 @@
   <p:timing>
     <p:tnLst>
       <p:par>
-        <p:cTn xmlns:p14="http://schemas.microsoft.com/office/powerpoint/2010/main" id="1" dur="indefinite" restart="never" nodeType="tmRoot"/>
+        <p:cTn id="1" dur="indefinite" restart="never" nodeType="tmRoot"/>
       </p:par>
     </p:tnLst>
   </p:timing>
@@ -6271,14 +6271,14 @@
           </a:ln>
           <a:effectLst/>
           <a:extLst>
-            <a:ext uri="{909E8E84-426E-40dd-AFC4-6F175D3DCCD1}">
+            <a:ext uri="{909E8E84-426E-40DD-AFC4-6F175D3DCCD1}">
               <a14:hiddenFill xmlns:a14="http://schemas.microsoft.com/office/drawing/2010/main">
                 <a:solidFill>
                   <a:srgbClr val="FFFFFF"/>
                 </a:solidFill>
               </a14:hiddenFill>
             </a:ext>
-            <a:ext uri="{91240B29-F687-4f45-9708-019B960494DF}">
+            <a:ext uri="{91240B29-F687-4F45-9708-019B960494DF}">
               <a14:hiddenLine xmlns:a14="http://schemas.microsoft.com/office/drawing/2010/main" w="9525">
                 <a:solidFill>
                   <a:srgbClr val="808080"/>
@@ -6288,7 +6288,7 @@
                 <a:tailEnd/>
               </a14:hiddenLine>
             </a:ext>
-            <a:ext uri="{AF507438-7753-43e0-B8FC-AC1667EBCBE1}">
+            <a:ext uri="{AF507438-7753-43E0-B8FC-AC1667EBCBE1}">
               <a14:hiddenEffects xmlns:a14="http://schemas.microsoft.com/office/drawing/2010/main">
                 <a:effectLst>
                   <a:outerShdw blurRad="63500" dist="38099" dir="2700000" algn="ctr" rotWithShape="0">
@@ -6635,11 +6635,11 @@
   <p:clrMapOvr>
     <a:masterClrMapping/>
   </p:clrMapOvr>
-  <p:transition xmlns:p14="http://schemas.microsoft.com/office/powerpoint/2010/main" spd="med"/>
+  <p:transition spd="med"/>
   <p:timing>
     <p:tnLst>
       <p:par>
-        <p:cTn xmlns:p14="http://schemas.microsoft.com/office/powerpoint/2010/main" id="1" dur="indefinite" restart="never" nodeType="tmRoot">
+        <p:cTn id="1" dur="indefinite" restart="never" nodeType="tmRoot">
           <p:childTnLst>
             <p:seq concurrent="1" nextAc="seek">
               <p:cTn id="2" dur="0" nodeType="mainSeq"/>
@@ -6735,7 +6735,7 @@
           </a:ln>
           <a:effectLst/>
           <a:extLst>
-            <a:ext uri="{91240B29-F687-4f45-9708-019B960494DF}">
+            <a:ext uri="{91240B29-F687-4F45-9708-019B960494DF}">
               <a14:hiddenLine xmlns:a14="http://schemas.microsoft.com/office/drawing/2010/main" w="9525">
                 <a:solidFill>
                   <a:srgbClr val="000000"/>
@@ -6745,7 +6745,7 @@
                 <a:tailEnd/>
               </a14:hiddenLine>
             </a:ext>
-            <a:ext uri="{AF507438-7753-43e0-B8FC-AC1667EBCBE1}">
+            <a:ext uri="{AF507438-7753-43E0-B8FC-AC1667EBCBE1}">
               <a14:hiddenEffects xmlns:a14="http://schemas.microsoft.com/office/drawing/2010/main">
                 <a:effectLst>
                   <a:outerShdw blurRad="63500" dist="38099" dir="2700000" algn="ctr" rotWithShape="0">
@@ -6831,7 +6831,7 @@
           </a:ln>
           <a:effectLst/>
           <a:extLst>
-            <a:ext uri="{91240B29-F687-4f45-9708-019B960494DF}">
+            <a:ext uri="{91240B29-F687-4F45-9708-019B960494DF}">
               <a14:hiddenLine xmlns:a14="http://schemas.microsoft.com/office/drawing/2010/main" w="9525">
                 <a:solidFill>
                   <a:srgbClr val="000000"/>
@@ -6841,7 +6841,7 @@
                 <a:tailEnd/>
               </a14:hiddenLine>
             </a:ext>
-            <a:ext uri="{AF507438-7753-43e0-B8FC-AC1667EBCBE1}">
+            <a:ext uri="{AF507438-7753-43E0-B8FC-AC1667EBCBE1}">
               <a14:hiddenEffects xmlns:a14="http://schemas.microsoft.com/office/drawing/2010/main">
                 <a:effectLst>
                   <a:outerShdw blurRad="63500" dist="38099" dir="2700000" algn="ctr" rotWithShape="0">
@@ -6903,7 +6903,7 @@
           </a:ln>
           <a:effectLst/>
           <a:extLst>
-            <a:ext uri="{91240B29-F687-4f45-9708-019B960494DF}">
+            <a:ext uri="{91240B29-F687-4F45-9708-019B960494DF}">
               <a14:hiddenLine xmlns:a14="http://schemas.microsoft.com/office/drawing/2010/main" w="9525">
                 <a:solidFill>
                   <a:srgbClr val="000000"/>
@@ -6913,7 +6913,7 @@
                 <a:tailEnd/>
               </a14:hiddenLine>
             </a:ext>
-            <a:ext uri="{AF507438-7753-43e0-B8FC-AC1667EBCBE1}">
+            <a:ext uri="{AF507438-7753-43E0-B8FC-AC1667EBCBE1}">
               <a14:hiddenEffects xmlns:a14="http://schemas.microsoft.com/office/drawing/2010/main">
                 <a:effectLst>
                   <a:outerShdw blurRad="63500" dist="38099" dir="2700000" algn="ctr" rotWithShape="0">
@@ -6977,7 +6977,7 @@
           </a:ln>
           <a:effectLst/>
           <a:extLst>
-            <a:ext uri="{91240B29-F687-4f45-9708-019B960494DF}">
+            <a:ext uri="{91240B29-F687-4F45-9708-019B960494DF}">
               <a14:hiddenLine xmlns:a14="http://schemas.microsoft.com/office/drawing/2010/main" w="9525">
                 <a:solidFill>
                   <a:srgbClr val="000000"/>
@@ -6987,7 +6987,7 @@
                 <a:tailEnd/>
               </a14:hiddenLine>
             </a:ext>
-            <a:ext uri="{AF507438-7753-43e0-B8FC-AC1667EBCBE1}">
+            <a:ext uri="{AF507438-7753-43E0-B8FC-AC1667EBCBE1}">
               <a14:hiddenEffects xmlns:a14="http://schemas.microsoft.com/office/drawing/2010/main">
                 <a:effectLst>
                   <a:outerShdw blurRad="63500" dist="38099" dir="2700000" algn="ctr" rotWithShape="0">
@@ -7077,12 +7077,12 @@
           </a:ln>
           <a:effectLst/>
           <a:extLst>
-            <a:ext uri="{909E8E84-426E-40dd-AFC4-6F175D3DCCD1}">
+            <a:ext uri="{909E8E84-426E-40DD-AFC4-6F175D3DCCD1}">
               <a14:hiddenFill xmlns:a14="http://schemas.microsoft.com/office/drawing/2010/main">
                 <a:noFill/>
               </a14:hiddenFill>
             </a:ext>
-            <a:ext uri="{AF507438-7753-43e0-B8FC-AC1667EBCBE1}">
+            <a:ext uri="{AF507438-7753-43E0-B8FC-AC1667EBCBE1}">
               <a14:hiddenEffects xmlns:a14="http://schemas.microsoft.com/office/drawing/2010/main">
                 <a:effectLst>
                   <a:outerShdw blurRad="63500" dist="38099" dir="2700000" algn="ctr" rotWithShape="0">
@@ -7125,12 +7125,12 @@
           </a:ln>
           <a:effectLst/>
           <a:extLst>
-            <a:ext uri="{909E8E84-426E-40dd-AFC4-6F175D3DCCD1}">
+            <a:ext uri="{909E8E84-426E-40DD-AFC4-6F175D3DCCD1}">
               <a14:hiddenFill xmlns:a14="http://schemas.microsoft.com/office/drawing/2010/main">
                 <a:noFill/>
               </a14:hiddenFill>
             </a:ext>
-            <a:ext uri="{AF507438-7753-43e0-B8FC-AC1667EBCBE1}">
+            <a:ext uri="{AF507438-7753-43E0-B8FC-AC1667EBCBE1}">
               <a14:hiddenEffects xmlns:a14="http://schemas.microsoft.com/office/drawing/2010/main">
                 <a:effectLst>
                   <a:outerShdw blurRad="63500" dist="38099" dir="2700000" algn="ctr" rotWithShape="0">
@@ -7170,7 +7170,7 @@
           </a:ln>
           <a:effectLst/>
           <a:extLst>
-            <a:ext uri="{91240B29-F687-4f45-9708-019B960494DF}">
+            <a:ext uri="{91240B29-F687-4F45-9708-019B960494DF}">
               <a14:hiddenLine xmlns:a14="http://schemas.microsoft.com/office/drawing/2010/main" w="9525">
                 <a:solidFill>
                   <a:srgbClr val="000000"/>
@@ -7180,7 +7180,7 @@
                 <a:tailEnd/>
               </a14:hiddenLine>
             </a:ext>
-            <a:ext uri="{AF507438-7753-43e0-B8FC-AC1667EBCBE1}">
+            <a:ext uri="{AF507438-7753-43E0-B8FC-AC1667EBCBE1}">
               <a14:hiddenEffects xmlns:a14="http://schemas.microsoft.com/office/drawing/2010/main">
                 <a:effectLst>
                   <a:outerShdw blurRad="63500" dist="38099" dir="2700000" algn="ctr" rotWithShape="0">
@@ -7263,7 +7263,7 @@
   <p:timing>
     <p:tnLst>
       <p:par>
-        <p:cTn xmlns:p14="http://schemas.microsoft.com/office/powerpoint/2010/main" id="1" dur="indefinite" restart="never" nodeType="tmRoot"/>
+        <p:cTn id="1" dur="indefinite" restart="never" nodeType="tmRoot"/>
       </p:par>
     </p:tnLst>
   </p:timing>
@@ -7341,7 +7341,7 @@
           </a:ln>
           <a:effectLst/>
           <a:extLst>
-            <a:ext uri="{91240B29-F687-4f45-9708-019B960494DF}">
+            <a:ext uri="{91240B29-F687-4F45-9708-019B960494DF}">
               <a14:hiddenLine xmlns:a14="http://schemas.microsoft.com/office/drawing/2010/main" w="9525">
                 <a:solidFill>
                   <a:srgbClr val="000000"/>
@@ -7351,7 +7351,7 @@
                 <a:tailEnd/>
               </a14:hiddenLine>
             </a:ext>
-            <a:ext uri="{AF507438-7753-43e0-B8FC-AC1667EBCBE1}">
+            <a:ext uri="{AF507438-7753-43E0-B8FC-AC1667EBCBE1}">
               <a14:hiddenEffects xmlns:a14="http://schemas.microsoft.com/office/drawing/2010/main">
                 <a:effectLst>
                   <a:outerShdw blurRad="63500" dist="38099" dir="2700000" algn="ctr" rotWithShape="0">
@@ -7425,7 +7425,7 @@
           </a:ln>
           <a:effectLst/>
           <a:extLst>
-            <a:ext uri="{91240B29-F687-4f45-9708-019B960494DF}">
+            <a:ext uri="{91240B29-F687-4F45-9708-019B960494DF}">
               <a14:hiddenLine xmlns:a14="http://schemas.microsoft.com/office/drawing/2010/main" w="9525">
                 <a:solidFill>
                   <a:srgbClr val="000000"/>
@@ -7435,7 +7435,7 @@
                 <a:tailEnd/>
               </a14:hiddenLine>
             </a:ext>
-            <a:ext uri="{AF507438-7753-43e0-B8FC-AC1667EBCBE1}">
+            <a:ext uri="{AF507438-7753-43E0-B8FC-AC1667EBCBE1}">
               <a14:hiddenEffects xmlns:a14="http://schemas.microsoft.com/office/drawing/2010/main">
                 <a:effectLst>
                   <a:outerShdw blurRad="63500" dist="38099" dir="2700000" algn="ctr" rotWithShape="0">
@@ -7528,7 +7528,7 @@
         </p:nvSpPr>
         <p:spPr bwMode="auto">
           <a:xfrm>
-            <a:off x="1780431" y="1835621"/>
+            <a:off x="1852439" y="1979637"/>
             <a:ext cx="1963737" cy="903288"/>
           </a:xfrm>
           <a:prstGeom prst="roundRect">
@@ -7544,7 +7544,7 @@
           </a:ln>
           <a:effectLst/>
           <a:extLst>
-            <a:ext uri="{91240B29-F687-4f45-9708-019B960494DF}">
+            <a:ext uri="{91240B29-F687-4F45-9708-019B960494DF}">
               <a14:hiddenLine xmlns:a14="http://schemas.microsoft.com/office/drawing/2010/main" w="9525">
                 <a:solidFill>
                   <a:srgbClr val="000000"/>
@@ -7554,7 +7554,7 @@
                 <a:tailEnd/>
               </a14:hiddenLine>
             </a:ext>
-            <a:ext uri="{AF507438-7753-43e0-B8FC-AC1667EBCBE1}">
+            <a:ext uri="{AF507438-7753-43E0-B8FC-AC1667EBCBE1}">
               <a14:hiddenEffects xmlns:a14="http://schemas.microsoft.com/office/drawing/2010/main">
                 <a:effectLst>
                   <a:outerShdw blurRad="63500" dist="38099" dir="2700000" algn="ctr" rotWithShape="0">
@@ -7663,7 +7663,7 @@
           </a:ln>
           <a:effectLst/>
           <a:extLst>
-            <a:ext uri="{91240B29-F687-4f45-9708-019B960494DF}">
+            <a:ext uri="{91240B29-F687-4F45-9708-019B960494DF}">
               <a14:hiddenLine xmlns:a14="http://schemas.microsoft.com/office/drawing/2010/main" w="9525">
                 <a:solidFill>
                   <a:srgbClr val="000000"/>
@@ -7673,7 +7673,7 @@
                 <a:tailEnd/>
               </a14:hiddenLine>
             </a:ext>
-            <a:ext uri="{AF507438-7753-43e0-B8FC-AC1667EBCBE1}">
+            <a:ext uri="{AF507438-7753-43E0-B8FC-AC1667EBCBE1}">
               <a14:hiddenEffects xmlns:a14="http://schemas.microsoft.com/office/drawing/2010/main">
                 <a:effectLst>
                   <a:outerShdw blurRad="63500" dist="38099" dir="2700000" algn="ctr" rotWithShape="0">
@@ -7711,68 +7711,6 @@
       </p:sp>
       <p:sp>
         <p:nvSpPr>
-          <p:cNvPr id="20" name="Freeform 8"/>
-          <p:cNvSpPr>
-            <a:spLocks noChangeArrowheads="1"/>
-          </p:cNvSpPr>
-          <p:nvPr/>
-        </p:nvSpPr>
-        <p:spPr bwMode="auto">
-          <a:xfrm>
-            <a:off x="7998666" y="6298978"/>
-            <a:ext cx="2154214" cy="726031"/>
-          </a:xfrm>
-          <a:prstGeom prst="borderCallout2">
-            <a:avLst>
-              <a:gd name="adj1" fmla="val 18750"/>
-              <a:gd name="adj2" fmla="val 2645"/>
-              <a:gd name="adj3" fmla="val 18750"/>
-              <a:gd name="adj4" fmla="val -16667"/>
-              <a:gd name="adj5" fmla="val -59046"/>
-              <a:gd name="adj6" fmla="val -36421"/>
-            </a:avLst>
-          </a:prstGeom>
-          <a:noFill/>
-          <a:ln w="9525">
-            <a:solidFill>
-              <a:srgbClr val="000000"/>
-            </a:solidFill>
-            <a:round/>
-            <a:headEnd/>
-            <a:tailEnd/>
-          </a:ln>
-          <a:effectLst/>
-          <a:extLst>
-            <a:ext uri="{909E8E84-426E-40dd-AFC4-6F175D3DCCD1}">
-              <a14:hiddenFill xmlns:a14="http://schemas.microsoft.com/office/drawing/2010/main">
-                <a:solidFill>
-                  <a:srgbClr val="FFFFFF"/>
-                </a:solidFill>
-              </a14:hiddenFill>
-            </a:ext>
-            <a:ext uri="{AF507438-7753-43e0-B8FC-AC1667EBCBE1}">
-              <a14:hiddenEffects xmlns:a14="http://schemas.microsoft.com/office/drawing/2010/main">
-                <a:effectLst>
-                  <a:outerShdw blurRad="63500" dist="38099" dir="2700000" algn="ctr" rotWithShape="0">
-                    <a:srgbClr val="000000">
-                      <a:alpha val="74998"/>
-                    </a:srgbClr>
-                  </a:outerShdw>
-                </a:effectLst>
-              </a14:hiddenEffects>
-            </a:ext>
-          </a:extLst>
-        </p:spPr>
-        <p:txBody>
-          <a:bodyPr/>
-          <a:lstStyle/>
-          <a:p>
-            <a:endParaRPr lang="de-DE"/>
-          </a:p>
-        </p:txBody>
-      </p:sp>
-      <p:sp>
-        <p:nvSpPr>
           <p:cNvPr id="21" name="Freeform 9"/>
           <p:cNvSpPr>
             <a:spLocks noChangeArrowheads="1"/>
@@ -7780,9 +7718,9 @@
           <p:nvPr/>
         </p:nvSpPr>
         <p:spPr bwMode="auto">
-          <a:xfrm>
-            <a:off x="3781841" y="2295709"/>
-            <a:ext cx="607241" cy="1189567"/>
+          <a:xfrm rot="10800000">
+            <a:off x="7332545" y="5724052"/>
+            <a:ext cx="607241" cy="973543"/>
           </a:xfrm>
           <a:custGeom>
             <a:avLst/>
@@ -7862,14 +7800,14 @@
           </a:ln>
           <a:effectLst/>
           <a:extLst>
-            <a:ext uri="{909E8E84-426E-40dd-AFC4-6F175D3DCCD1}">
+            <a:ext uri="{909E8E84-426E-40DD-AFC4-6F175D3DCCD1}">
               <a14:hiddenFill xmlns:a14="http://schemas.microsoft.com/office/drawing/2010/main">
                 <a:solidFill>
                   <a:srgbClr val="FFFFFF"/>
                 </a:solidFill>
               </a14:hiddenFill>
             </a:ext>
-            <a:ext uri="{AF507438-7753-43e0-B8FC-AC1667EBCBE1}">
+            <a:ext uri="{AF507438-7753-43E0-B8FC-AC1667EBCBE1}">
               <a14:hiddenEffects xmlns:a14="http://schemas.microsoft.com/office/drawing/2010/main">
                 <a:effectLst>
                   <a:outerShdw blurRad="63500" dist="38099" dir="2700000" algn="ctr" rotWithShape="0">
@@ -7917,6 +7855,125 @@
               <a:t>necaREx</a:t>
             </a:r>
             <a:endParaRPr lang="en-US" sz="3000" b="1" dirty="0"/>
+          </a:p>
+        </p:txBody>
+      </p:sp>
+      <p:sp>
+        <p:nvSpPr>
+          <p:cNvPr id="10" name="Freeform 9"/>
+          <p:cNvSpPr>
+            <a:spLocks noChangeArrowheads="1"/>
+          </p:cNvSpPr>
+          <p:nvPr/>
+        </p:nvSpPr>
+        <p:spPr bwMode="auto">
+          <a:xfrm>
+            <a:off x="3934241" y="2448110"/>
+            <a:ext cx="607241" cy="1043696"/>
+          </a:xfrm>
+          <a:custGeom>
+            <a:avLst/>
+            <a:gdLst>
+              <a:gd name="T0" fmla="*/ 11502 w 11503"/>
+              <a:gd name="T1" fmla="*/ 3212 h 3213"/>
+              <a:gd name="T2" fmla="*/ 9031 w 11503"/>
+              <a:gd name="T3" fmla="*/ 0 h 3213"/>
+              <a:gd name="T4" fmla="*/ 0 w 11503"/>
+              <a:gd name="T5" fmla="*/ 0 h 3213"/>
+              <a:gd name="connsiteX0" fmla="*/ 5013 w 5013"/>
+              <a:gd name="connsiteY0" fmla="*/ 9997 h 9997"/>
+              <a:gd name="connsiteX1" fmla="*/ 2865 w 5013"/>
+              <a:gd name="connsiteY1" fmla="*/ 0 h 9997"/>
+              <a:gd name="connsiteX2" fmla="*/ 0 w 5013"/>
+              <a:gd name="connsiteY2" fmla="*/ 0 h 9997"/>
+              <a:gd name="connsiteX0" fmla="*/ 8084 w 8084"/>
+              <a:gd name="connsiteY0" fmla="*/ 10282 h 10282"/>
+              <a:gd name="connsiteX1" fmla="*/ 5715 w 8084"/>
+              <a:gd name="connsiteY1" fmla="*/ 0 h 10282"/>
+              <a:gd name="connsiteX2" fmla="*/ 0 w 8084"/>
+              <a:gd name="connsiteY2" fmla="*/ 0 h 10282"/>
+              <a:gd name="connsiteX0" fmla="*/ 10000 w 10000"/>
+              <a:gd name="connsiteY0" fmla="*/ 10000 h 10000"/>
+              <a:gd name="connsiteX1" fmla="*/ 5174 w 10000"/>
+              <a:gd name="connsiteY1" fmla="*/ 137 h 10000"/>
+              <a:gd name="connsiteX2" fmla="*/ 0 w 10000"/>
+              <a:gd name="connsiteY2" fmla="*/ 0 h 10000"/>
+              <a:gd name="connsiteX0" fmla="*/ 10000 w 10000"/>
+              <a:gd name="connsiteY0" fmla="*/ 10000 h 10000"/>
+              <a:gd name="connsiteX1" fmla="*/ 5648 w 10000"/>
+              <a:gd name="connsiteY1" fmla="*/ 0 h 10000"/>
+              <a:gd name="connsiteX2" fmla="*/ 0 w 10000"/>
+              <a:gd name="connsiteY2" fmla="*/ 0 h 10000"/>
+              <a:gd name="connsiteX0" fmla="*/ 8815 w 8815"/>
+              <a:gd name="connsiteY0" fmla="*/ 10000 h 10000"/>
+              <a:gd name="connsiteX1" fmla="*/ 5648 w 8815"/>
+              <a:gd name="connsiteY1" fmla="*/ 0 h 10000"/>
+              <a:gd name="connsiteX2" fmla="*/ 0 w 8815"/>
+              <a:gd name="connsiteY2" fmla="*/ 0 h 10000"/>
+            </a:gdLst>
+            <a:ahLst/>
+            <a:cxnLst>
+              <a:cxn ang="0">
+                <a:pos x="connsiteX0" y="connsiteY0"/>
+              </a:cxn>
+              <a:cxn ang="0">
+                <a:pos x="connsiteX1" y="connsiteY1"/>
+              </a:cxn>
+              <a:cxn ang="0">
+                <a:pos x="connsiteX2" y="connsiteY2"/>
+              </a:cxn>
+            </a:cxnLst>
+            <a:rect l="l" t="t" r="r" b="b"/>
+            <a:pathLst>
+              <a:path w="8815" h="10000">
+                <a:moveTo>
+                  <a:pt x="8815" y="10000"/>
+                </a:moveTo>
+                <a:lnTo>
+                  <a:pt x="5648" y="0"/>
+                </a:lnTo>
+                <a:lnTo>
+                  <a:pt x="0" y="0"/>
+                </a:lnTo>
+              </a:path>
+            </a:pathLst>
+          </a:custGeom>
+          <a:noFill/>
+          <a:ln w="9525">
+            <a:solidFill>
+              <a:srgbClr val="000000"/>
+            </a:solidFill>
+            <a:round/>
+            <a:headEnd/>
+            <a:tailEnd/>
+          </a:ln>
+          <a:effectLst/>
+          <a:extLst>
+            <a:ext uri="{909E8E84-426E-40DD-AFC4-6F175D3DCCD1}">
+              <a14:hiddenFill xmlns:a14="http://schemas.microsoft.com/office/drawing/2010/main">
+                <a:solidFill>
+                  <a:srgbClr val="FFFFFF"/>
+                </a:solidFill>
+              </a14:hiddenFill>
+            </a:ext>
+            <a:ext uri="{AF507438-7753-43E0-B8FC-AC1667EBCBE1}">
+              <a14:hiddenEffects xmlns:a14="http://schemas.microsoft.com/office/drawing/2010/main">
+                <a:effectLst>
+                  <a:outerShdw blurRad="63500" dist="38099" dir="2700000" algn="ctr" rotWithShape="0">
+                    <a:srgbClr val="000000">
+                      <a:alpha val="74998"/>
+                    </a:srgbClr>
+                  </a:outerShdw>
+                </a:effectLst>
+              </a14:hiddenEffects>
+            </a:ext>
+          </a:extLst>
+        </p:spPr>
+        <p:txBody>
+          <a:bodyPr/>
+          <a:lstStyle/>
+          <a:p>
+            <a:endParaRPr lang="de-DE"/>
           </a:p>
         </p:txBody>
       </p:sp>
@@ -7933,7 +7990,7 @@
   <p:timing>
     <p:tnLst>
       <p:par>
-        <p:cTn xmlns:p14="http://schemas.microsoft.com/office/powerpoint/2010/main" id="1" dur="indefinite" restart="never" nodeType="tmRoot"/>
+        <p:cTn id="1" dur="indefinite" restart="never" nodeType="tmRoot"/>
       </p:par>
     </p:tnLst>
   </p:timing>
@@ -8035,7 +8092,7 @@
   <p:timing>
     <p:tnLst>
       <p:par>
-        <p:cTn xmlns:p14="http://schemas.microsoft.com/office/powerpoint/2010/main" id="1" dur="indefinite" restart="never" nodeType="tmRoot"/>
+        <p:cTn id="1" dur="indefinite" restart="never" nodeType="tmRoot"/>
       </p:par>
     </p:tnLst>
   </p:timing>
@@ -8146,7 +8203,6 @@
               <a:rPr lang="de-CH" dirty="0" smtClean="0"/>
               <a:t>Computerspieler je nach künstlicher Intelligenz</a:t>
             </a:r>
-            <a:endParaRPr lang="de-CH" dirty="0" smtClean="0"/>
           </a:p>
           <a:p>
             <a:pPr marL="457200" indent="-457200">
@@ -8170,7 +8226,7 @@
   <p:timing>
     <p:tnLst>
       <p:par>
-        <p:cTn xmlns:p14="http://schemas.microsoft.com/office/powerpoint/2010/main" id="1" dur="indefinite" restart="never" nodeType="tmRoot"/>
+        <p:cTn id="1" dur="indefinite" restart="never" nodeType="tmRoot"/>
       </p:par>
     </p:tnLst>
   </p:timing>
@@ -8316,7 +8372,6 @@
               <a:rPr lang="de-CH" dirty="0" smtClean="0"/>
               <a:t>Spiel über Netzwerk</a:t>
             </a:r>
-            <a:endParaRPr lang="de-CH" dirty="0" smtClean="0"/>
           </a:p>
           <a:p>
             <a:pPr marL="457200" indent="-457200">
@@ -8364,7 +8419,7 @@
   <p:timing>
     <p:tnLst>
       <p:par>
-        <p:cTn xmlns:p14="http://schemas.microsoft.com/office/powerpoint/2010/main" id="1" dur="indefinite" restart="never" nodeType="tmRoot"/>
+        <p:cTn id="1" dur="indefinite" restart="never" nodeType="tmRoot"/>
       </p:par>
     </p:tnLst>
   </p:timing>
@@ -8678,7 +8733,7 @@
   <p:timing>
     <p:tnLst>
       <p:par>
-        <p:cTn xmlns:p14="http://schemas.microsoft.com/office/powerpoint/2010/main" id="1" dur="indefinite" restart="never" nodeType="tmRoot"/>
+        <p:cTn id="1" dur="indefinite" restart="never" nodeType="tmRoot"/>
       </p:par>
     </p:tnLst>
   </p:timing>
@@ -8818,7 +8873,7 @@
   <p:timing>
     <p:tnLst>
       <p:par>
-        <p:cTn xmlns:p14="http://schemas.microsoft.com/office/powerpoint/2010/main" id="1" dur="indefinite" restart="never" nodeType="tmRoot"/>
+        <p:cTn id="1" dur="indefinite" restart="never" nodeType="tmRoot"/>
       </p:par>
     </p:tnLst>
   </p:timing>
@@ -10532,7 +10587,7 @@
   <p:timing>
     <p:tnLst>
       <p:par>
-        <p:cTn xmlns:p14="http://schemas.microsoft.com/office/powerpoint/2010/main" id="1" dur="indefinite" restart="never" nodeType="tmRoot"/>
+        <p:cTn id="1" dur="indefinite" restart="never" nodeType="tmRoot"/>
       </p:par>
     </p:tnLst>
   </p:timing>
@@ -10784,7 +10839,7 @@
         </a:ln>
         <a:effectLst/>
         <a:extLst>
-          <a:ext uri="{AF507438-7753-43e0-B8FC-AC1667EBCBE1}">
+          <a:ext uri="{AF507438-7753-43E0-B8FC-AC1667EBCBE1}">
             <a14:hiddenEffects xmlns:a14="http://schemas.microsoft.com/office/drawing/2010/main">
               <a:effectLst>
                 <a:outerShdw blurRad="63500" dist="38099" dir="2700000" algn="ctr" rotWithShape="0">
@@ -10860,7 +10915,7 @@
         </a:ln>
         <a:effectLst/>
         <a:extLst>
-          <a:ext uri="{AF507438-7753-43e0-B8FC-AC1667EBCBE1}">
+          <a:ext uri="{AF507438-7753-43E0-B8FC-AC1667EBCBE1}">
             <a14:hiddenEffects xmlns:a14="http://schemas.microsoft.com/office/drawing/2010/main">
               <a:effectLst>
                 <a:outerShdw blurRad="63500" dist="38099" dir="2700000" algn="ctr" rotWithShape="0">

--- a/Planung/projektskizze_nad.pptx
+++ b/Planung/projektskizze_nad.pptx
@@ -5,7 +5,7 @@
     <p:sldMasterId id="2147483648" r:id="rId1"/>
   </p:sldMasterIdLst>
   <p:notesMasterIdLst>
-    <p:notesMasterId r:id="rId14"/>
+    <p:notesMasterId r:id="rId15"/>
   </p:notesMasterIdLst>
   <p:sldIdLst>
     <p:sldId id="256" r:id="rId2"/>
@@ -18,8 +18,9 @@
     <p:sldId id="258" r:id="rId9"/>
     <p:sldId id="259" r:id="rId10"/>
     <p:sldId id="260" r:id="rId11"/>
-    <p:sldId id="266" r:id="rId12"/>
-    <p:sldId id="268" r:id="rId13"/>
+    <p:sldId id="272" r:id="rId12"/>
+    <p:sldId id="266" r:id="rId13"/>
+    <p:sldId id="268" r:id="rId14"/>
   </p:sldIdLst>
   <p:sldSz cx="10080625" cy="7559675"/>
   <p:notesSz cx="7559675" cy="10691813"/>
@@ -190,7 +191,7 @@
   </p:defaultTextStyle>
   <p:extLst>
     <p:ext uri="{EFAFB233-063F-42B5-8137-9DF3F51BA10A}">
-      <p15:sldGuideLst xmlns:p15="http://schemas.microsoft.com/office/powerpoint/2012/main" xmlns="">
+      <p15:sldGuideLst xmlns="" xmlns:p15="http://schemas.microsoft.com/office/powerpoint/2012/main">
         <p15:guide id="1" orient="horz" pos="2160">
           <p15:clr>
             <a:srgbClr val="A4A3A4"/>
@@ -204,7 +205,7 @@
       </p15:sldGuideLst>
     </p:ext>
     <p:ext uri="{2D200454-40CA-4A62-9FC3-DE9A4176ACB9}">
-      <p15:notesGuideLst xmlns:p15="http://schemas.microsoft.com/office/powerpoint/2012/main" xmlns="">
+      <p15:notesGuideLst xmlns="" xmlns:p15="http://schemas.microsoft.com/office/powerpoint/2012/main">
         <p15:guide id="1" orient="horz" pos="2880">
           <p15:clr>
             <a:srgbClr val="A4A3A4"/>
@@ -270,14 +271,14 @@
           </a:ln>
           <a:effectLst/>
           <a:extLst>
-            <a:ext uri="{909E8E84-426E-40DD-AFC4-6F175D3DCCD1}">
+            <a:ext uri="{909E8E84-426E-40dd-AFC4-6F175D3DCCD1}">
               <a14:hiddenFill xmlns:a14="http://schemas.microsoft.com/office/drawing/2010/main">
                 <a:solidFill>
                   <a:srgbClr val="FFFFFF"/>
                 </a:solidFill>
               </a14:hiddenFill>
             </a:ext>
-            <a:ext uri="{91240B29-F687-4F45-9708-019B960494DF}">
+            <a:ext uri="{91240B29-F687-4f45-9708-019B960494DF}">
               <a14:hiddenLine xmlns:a14="http://schemas.microsoft.com/office/drawing/2010/main" w="9525">
                 <a:solidFill>
                   <a:srgbClr val="808080"/>
@@ -287,7 +288,7 @@
                 <a:tailEnd/>
               </a14:hiddenLine>
             </a:ext>
-            <a:ext uri="{AF507438-7753-43E0-B8FC-AC1667EBCBE1}">
+            <a:ext uri="{AF507438-7753-43e0-B8FC-AC1667EBCBE1}">
               <a14:hiddenEffects xmlns:a14="http://schemas.microsoft.com/office/drawing/2010/main">
                 <a:effectLst>
                   <a:outerShdw blurRad="63500" dist="38099" dir="2700000" algn="ctr" rotWithShape="0">
@@ -299,7 +300,7 @@
               </a14:hiddenEffects>
             </a:ext>
             <a:ext uri="{FAA26D3D-D897-4be2-8F04-BA451C77F1D7}">
-              <ma14:placeholderFlag xmlns:ma14="http://schemas.microsoft.com/office/mac/drawingml/2011/main" xmlns="" val="1"/>
+              <ma14:placeholderFlag xmlns:ma14="http://schemas.microsoft.com/office/mac/drawingml/2011/main" val="1"/>
             </a:ext>
           </a:extLst>
         </p:spPr>
@@ -328,14 +329,14 @@
           </a:ln>
           <a:effectLst/>
           <a:extLst>
-            <a:ext uri="{909E8E84-426E-40DD-AFC4-6F175D3DCCD1}">
+            <a:ext uri="{909E8E84-426E-40dd-AFC4-6F175D3DCCD1}">
               <a14:hiddenFill xmlns:a14="http://schemas.microsoft.com/office/drawing/2010/main">
                 <a:solidFill>
                   <a:srgbClr val="FFFFFF"/>
                 </a:solidFill>
               </a14:hiddenFill>
             </a:ext>
-            <a:ext uri="{91240B29-F687-4F45-9708-019B960494DF}">
+            <a:ext uri="{91240B29-F687-4f45-9708-019B960494DF}">
               <a14:hiddenLine xmlns:a14="http://schemas.microsoft.com/office/drawing/2010/main" w="9525">
                 <a:solidFill>
                   <a:srgbClr val="808080"/>
@@ -345,7 +346,7 @@
                 <a:tailEnd/>
               </a14:hiddenLine>
             </a:ext>
-            <a:ext uri="{AF507438-7753-43E0-B8FC-AC1667EBCBE1}">
+            <a:ext uri="{AF507438-7753-43e0-B8FC-AC1667EBCBE1}">
               <a14:hiddenEffects xmlns:a14="http://schemas.microsoft.com/office/drawing/2010/main">
                 <a:effectLst>
                   <a:outerShdw blurRad="63500" dist="38099" dir="2700000" algn="ctr" rotWithShape="0">
@@ -357,7 +358,7 @@
               </a14:hiddenEffects>
             </a:ext>
             <a:ext uri="{FAA26D3D-D897-4be2-8F04-BA451C77F1D7}">
-              <ma14:placeholderFlag xmlns:ma14="http://schemas.microsoft.com/office/mac/drawingml/2011/main" xmlns="" val="1"/>
+              <ma14:placeholderFlag xmlns:ma14="http://schemas.microsoft.com/office/mac/drawingml/2011/main" val="1"/>
             </a:ext>
           </a:extLst>
         </p:spPr>
@@ -398,14 +399,14 @@
           </a:ln>
           <a:effectLst/>
           <a:extLst>
-            <a:ext uri="{909E8E84-426E-40DD-AFC4-6F175D3DCCD1}">
+            <a:ext uri="{909E8E84-426E-40dd-AFC4-6F175D3DCCD1}">
               <a14:hiddenFill xmlns:a14="http://schemas.microsoft.com/office/drawing/2010/main">
                 <a:solidFill>
                   <a:srgbClr val="FFFFFF"/>
                 </a:solidFill>
               </a14:hiddenFill>
             </a:ext>
-            <a:ext uri="{91240B29-F687-4F45-9708-019B960494DF}">
+            <a:ext uri="{91240B29-F687-4f45-9708-019B960494DF}">
               <a14:hiddenLine xmlns:a14="http://schemas.microsoft.com/office/drawing/2010/main" w="9525">
                 <a:solidFill>
                   <a:srgbClr val="808080"/>
@@ -415,7 +416,7 @@
                 <a:tailEnd/>
               </a14:hiddenLine>
             </a:ext>
-            <a:ext uri="{AF507438-7753-43E0-B8FC-AC1667EBCBE1}">
+            <a:ext uri="{AF507438-7753-43e0-B8FC-AC1667EBCBE1}">
               <a14:hiddenEffects xmlns:a14="http://schemas.microsoft.com/office/drawing/2010/main">
                 <a:effectLst>
                   <a:outerShdw blurRad="63500" dist="38099" dir="2700000" algn="ctr" rotWithShape="0">
@@ -427,7 +428,7 @@
               </a14:hiddenEffects>
             </a:ext>
             <a:ext uri="{FAA26D3D-D897-4be2-8F04-BA451C77F1D7}">
-              <ma14:placeholderFlag xmlns:ma14="http://schemas.microsoft.com/office/mac/drawingml/2011/main" xmlns="" val="1"/>
+              <ma14:placeholderFlag xmlns:ma14="http://schemas.microsoft.com/office/mac/drawingml/2011/main" val="1"/>
             </a:ext>
           </a:extLst>
         </p:spPr>
@@ -482,14 +483,14 @@
           </a:ln>
           <a:effectLst/>
           <a:extLst>
-            <a:ext uri="{909E8E84-426E-40DD-AFC4-6F175D3DCCD1}">
+            <a:ext uri="{909E8E84-426E-40dd-AFC4-6F175D3DCCD1}">
               <a14:hiddenFill xmlns:a14="http://schemas.microsoft.com/office/drawing/2010/main">
                 <a:solidFill>
                   <a:srgbClr val="FFFFFF"/>
                 </a:solidFill>
               </a14:hiddenFill>
             </a:ext>
-            <a:ext uri="{91240B29-F687-4F45-9708-019B960494DF}">
+            <a:ext uri="{91240B29-F687-4f45-9708-019B960494DF}">
               <a14:hiddenLine xmlns:a14="http://schemas.microsoft.com/office/drawing/2010/main" w="9525">
                 <a:solidFill>
                   <a:srgbClr val="808080"/>
@@ -499,7 +500,7 @@
                 <a:tailEnd/>
               </a14:hiddenLine>
             </a:ext>
-            <a:ext uri="{AF507438-7753-43E0-B8FC-AC1667EBCBE1}">
+            <a:ext uri="{AF507438-7753-43e0-B8FC-AC1667EBCBE1}">
               <a14:hiddenEffects xmlns:a14="http://schemas.microsoft.com/office/drawing/2010/main">
                 <a:effectLst>
                   <a:outerShdw blurRad="63500" dist="38099" dir="2700000" algn="ctr" rotWithShape="0">
@@ -511,7 +512,7 @@
               </a14:hiddenEffects>
             </a:ext>
             <a:ext uri="{FAA26D3D-D897-4be2-8F04-BA451C77F1D7}">
-              <ma14:placeholderFlag xmlns:ma14="http://schemas.microsoft.com/office/mac/drawingml/2011/main" xmlns="" val="1"/>
+              <ma14:placeholderFlag xmlns:ma14="http://schemas.microsoft.com/office/mac/drawingml/2011/main" val="1"/>
             </a:ext>
           </a:extLst>
         </p:spPr>
@@ -566,14 +567,14 @@
           </a:ln>
           <a:effectLst/>
           <a:extLst>
-            <a:ext uri="{909E8E84-426E-40DD-AFC4-6F175D3DCCD1}">
+            <a:ext uri="{909E8E84-426E-40dd-AFC4-6F175D3DCCD1}">
               <a14:hiddenFill xmlns:a14="http://schemas.microsoft.com/office/drawing/2010/main">
                 <a:solidFill>
                   <a:srgbClr val="FFFFFF"/>
                 </a:solidFill>
               </a14:hiddenFill>
             </a:ext>
-            <a:ext uri="{91240B29-F687-4F45-9708-019B960494DF}">
+            <a:ext uri="{91240B29-F687-4f45-9708-019B960494DF}">
               <a14:hiddenLine xmlns:a14="http://schemas.microsoft.com/office/drawing/2010/main" w="9525">
                 <a:solidFill>
                   <a:srgbClr val="808080"/>
@@ -583,7 +584,7 @@
                 <a:tailEnd/>
               </a14:hiddenLine>
             </a:ext>
-            <a:ext uri="{AF507438-7753-43E0-B8FC-AC1667EBCBE1}">
+            <a:ext uri="{AF507438-7753-43e0-B8FC-AC1667EBCBE1}">
               <a14:hiddenEffects xmlns:a14="http://schemas.microsoft.com/office/drawing/2010/main">
                 <a:effectLst>
                   <a:outerShdw blurRad="63500" dist="38099" dir="2700000" algn="ctr" rotWithShape="0">
@@ -595,7 +596,7 @@
               </a14:hiddenEffects>
             </a:ext>
             <a:ext uri="{FAA26D3D-D897-4be2-8F04-BA451C77F1D7}">
-              <ma14:placeholderFlag xmlns:ma14="http://schemas.microsoft.com/office/mac/drawingml/2011/main" xmlns="" val="1"/>
+              <ma14:placeholderFlag xmlns:ma14="http://schemas.microsoft.com/office/mac/drawingml/2011/main" val="1"/>
             </a:ext>
           </a:extLst>
         </p:spPr>
@@ -650,14 +651,14 @@
           </a:ln>
           <a:effectLst/>
           <a:extLst>
-            <a:ext uri="{909E8E84-426E-40DD-AFC4-6F175D3DCCD1}">
+            <a:ext uri="{909E8E84-426E-40dd-AFC4-6F175D3DCCD1}">
               <a14:hiddenFill xmlns:a14="http://schemas.microsoft.com/office/drawing/2010/main">
                 <a:solidFill>
                   <a:srgbClr val="FFFFFF"/>
                 </a:solidFill>
               </a14:hiddenFill>
             </a:ext>
-            <a:ext uri="{91240B29-F687-4F45-9708-019B960494DF}">
+            <a:ext uri="{91240B29-F687-4f45-9708-019B960494DF}">
               <a14:hiddenLine xmlns:a14="http://schemas.microsoft.com/office/drawing/2010/main" w="9525">
                 <a:solidFill>
                   <a:srgbClr val="808080"/>
@@ -667,7 +668,7 @@
                 <a:tailEnd/>
               </a14:hiddenLine>
             </a:ext>
-            <a:ext uri="{AF507438-7753-43E0-B8FC-AC1667EBCBE1}">
+            <a:ext uri="{AF507438-7753-43e0-B8FC-AC1667EBCBE1}">
               <a14:hiddenEffects xmlns:a14="http://schemas.microsoft.com/office/drawing/2010/main">
                 <a:effectLst>
                   <a:outerShdw blurRad="63500" dist="38099" dir="2700000" algn="ctr" rotWithShape="0">
@@ -679,7 +680,7 @@
               </a14:hiddenEffects>
             </a:ext>
             <a:ext uri="{FAA26D3D-D897-4be2-8F04-BA451C77F1D7}">
-              <ma14:placeholderFlag xmlns:ma14="http://schemas.microsoft.com/office/mac/drawingml/2011/main" xmlns="" val="1"/>
+              <ma14:placeholderFlag xmlns:ma14="http://schemas.microsoft.com/office/mac/drawingml/2011/main" val="1"/>
             </a:ext>
           </a:extLst>
         </p:spPr>
@@ -954,7 +955,7 @@
             <a:tailEnd/>
           </a:ln>
           <a:extLst>
-            <a:ext uri="{AF507438-7753-43E0-B8FC-AC1667EBCBE1}">
+            <a:ext uri="{AF507438-7753-43e0-B8FC-AC1667EBCBE1}">
               <a14:hiddenEffects xmlns:a14="http://schemas.microsoft.com/office/drawing/2010/main">
                 <a:effectLst>
                   <a:outerShdw blurRad="63500" dist="38099" dir="2700000" algn="ctr" rotWithShape="0">
@@ -989,14 +990,14 @@
           <a:noFill/>
           <a:ln/>
           <a:extLst>
-            <a:ext uri="{909E8E84-426E-40DD-AFC4-6F175D3DCCD1}">
+            <a:ext uri="{909E8E84-426E-40dd-AFC4-6F175D3DCCD1}">
               <a14:hiddenFill xmlns:a14="http://schemas.microsoft.com/office/drawing/2010/main">
                 <a:solidFill>
                   <a:srgbClr val="FFFFFF"/>
                 </a:solidFill>
               </a14:hiddenFill>
             </a:ext>
-            <a:ext uri="{91240B29-F687-4F45-9708-019B960494DF}">
+            <a:ext uri="{91240B29-F687-4f45-9708-019B960494DF}">
               <a14:hiddenLine xmlns:a14="http://schemas.microsoft.com/office/drawing/2010/main" w="9525">
                 <a:solidFill>
                   <a:srgbClr val="808080"/>
@@ -1006,7 +1007,7 @@
                 <a:tailEnd/>
               </a14:hiddenLine>
             </a:ext>
-            <a:ext uri="{AF507438-7753-43E0-B8FC-AC1667EBCBE1}">
+            <a:ext uri="{AF507438-7753-43e0-B8FC-AC1667EBCBE1}">
               <a14:hiddenEffects xmlns:a14="http://schemas.microsoft.com/office/drawing/2010/main">
                 <a:effectLst>
                   <a:outerShdw blurRad="63500" dist="38099" dir="2700000" algn="ctr" rotWithShape="0">
@@ -1082,10 +1083,10 @@
           <a:bodyPr/>
           <a:lstStyle/>
           <a:p>
-            <a:fld id="{511573D2-CE3B-B847-B193-A58F98F48F64}" type="slidenum">
+            <a:fld id="{F6E91E6C-1F4A-4B43-89A2-5415E6396D0E}" type="slidenum">
               <a:rPr lang="en-US"/>
               <a:pPr/>
-              <a:t>12</a:t>
+              <a:t>11</a:t>
             </a:fld>
             <a:endParaRPr lang="en-US"/>
           </a:p>
@@ -1093,7 +1094,7 @@
       </p:sp>
       <p:sp>
         <p:nvSpPr>
-          <p:cNvPr id="14337" name="Text Box 1"/>
+          <p:cNvPr id="20481" name="Text Box 1"/>
           <p:cNvSpPr txBox="1">
             <a:spLocks noGrp="1" noRot="1" noChangeAspect="1" noChangeArrowheads="1"/>
           </p:cNvSpPr>
@@ -1121,7 +1122,7 @@
             <a:tailEnd/>
           </a:ln>
           <a:extLst>
-            <a:ext uri="{AF507438-7753-43E0-B8FC-AC1667EBCBE1}">
+            <a:ext uri="{AF507438-7753-43e0-B8FC-AC1667EBCBE1}">
               <a14:hiddenEffects xmlns:a14="http://schemas.microsoft.com/office/drawing/2010/main">
                 <a:effectLst>
                   <a:outerShdw blurRad="63500" dist="38099" dir="2700000" algn="ctr" rotWithShape="0">
@@ -1137,7 +1138,7 @@
       </p:sp>
       <p:sp>
         <p:nvSpPr>
-          <p:cNvPr id="14338" name="Text Box 2"/>
+          <p:cNvPr id="20482" name="Text Box 2"/>
           <p:cNvSpPr txBox="1">
             <a:spLocks noGrp="1" noChangeArrowheads="1"/>
           </p:cNvSpPr>
@@ -1156,14 +1157,14 @@
           <a:noFill/>
           <a:ln/>
           <a:extLst>
-            <a:ext uri="{909E8E84-426E-40DD-AFC4-6F175D3DCCD1}">
+            <a:ext uri="{909E8E84-426E-40dd-AFC4-6F175D3DCCD1}">
               <a14:hiddenFill xmlns:a14="http://schemas.microsoft.com/office/drawing/2010/main">
                 <a:solidFill>
                   <a:srgbClr val="FFFFFF"/>
                 </a:solidFill>
               </a14:hiddenFill>
             </a:ext>
-            <a:ext uri="{91240B29-F687-4F45-9708-019B960494DF}">
+            <a:ext uri="{91240B29-F687-4f45-9708-019B960494DF}">
               <a14:hiddenLine xmlns:a14="http://schemas.microsoft.com/office/drawing/2010/main" w="9525">
                 <a:solidFill>
                   <a:srgbClr val="808080"/>
@@ -1173,7 +1174,169 @@
                 <a:tailEnd/>
               </a14:hiddenLine>
             </a:ext>
-            <a:ext uri="{AF507438-7753-43E0-B8FC-AC1667EBCBE1}">
+            <a:ext uri="{AF507438-7753-43e0-B8FC-AC1667EBCBE1}">
+              <a14:hiddenEffects xmlns:a14="http://schemas.microsoft.com/office/drawing/2010/main">
+                <a:effectLst>
+                  <a:outerShdw blurRad="63500" dist="38099" dir="2700000" algn="ctr" rotWithShape="0">
+                    <a:srgbClr val="000000">
+                      <a:alpha val="74998"/>
+                    </a:srgbClr>
+                  </a:outerShdw>
+                </a:effectLst>
+              </a14:hiddenEffects>
+            </a:ext>
+          </a:extLst>
+        </p:spPr>
+        <p:txBody>
+          <a:bodyPr wrap="none" anchor="ctr"/>
+          <a:lstStyle/>
+          <a:p>
+            <a:endParaRPr lang="de-DE"/>
+          </a:p>
+        </p:txBody>
+      </p:sp>
+    </p:spTree>
+  </p:cSld>
+  <p:clrMapOvr>
+    <a:masterClrMapping/>
+  </p:clrMapOvr>
+</p:notes>
+</file>
+
+<file path=ppt/notesSlides/notesSlide3.xml><?xml version="1.0" encoding="utf-8"?>
+<p:notes xmlns:a="http://schemas.openxmlformats.org/drawingml/2006/main" xmlns:r="http://schemas.openxmlformats.org/officeDocument/2006/relationships" xmlns:p="http://schemas.openxmlformats.org/presentationml/2006/main">
+  <p:cSld>
+    <p:bg>
+      <p:bgPr>
+        <a:solidFill>
+          <a:srgbClr val="FFFFFF"/>
+        </a:solidFill>
+        <a:effectLst/>
+      </p:bgPr>
+    </p:bg>
+    <p:spTree>
+      <p:nvGrpSpPr>
+        <p:cNvPr id="1" name=""/>
+        <p:cNvGrpSpPr/>
+        <p:nvPr/>
+      </p:nvGrpSpPr>
+      <p:grpSpPr>
+        <a:xfrm>
+          <a:off x="0" y="0"/>
+          <a:ext cx="0" cy="0"/>
+          <a:chOff x="0" y="0"/>
+          <a:chExt cx="0" cy="0"/>
+        </a:xfrm>
+      </p:grpSpPr>
+      <p:sp>
+        <p:nvSpPr>
+          <p:cNvPr id="7" name="Rectangle 6"/>
+          <p:cNvSpPr>
+            <a:spLocks noGrp="1" noChangeArrowheads="1"/>
+          </p:cNvSpPr>
+          <p:nvPr>
+            <p:ph type="sldNum"/>
+          </p:nvPr>
+        </p:nvSpPr>
+        <p:spPr>
+          <a:ln/>
+        </p:spPr>
+        <p:txBody>
+          <a:bodyPr/>
+          <a:lstStyle/>
+          <a:p>
+            <a:fld id="{511573D2-CE3B-B847-B193-A58F98F48F64}" type="slidenum">
+              <a:rPr lang="en-US"/>
+              <a:pPr/>
+              <a:t>13</a:t>
+            </a:fld>
+            <a:endParaRPr lang="en-US"/>
+          </a:p>
+        </p:txBody>
+      </p:sp>
+      <p:sp>
+        <p:nvSpPr>
+          <p:cNvPr id="14337" name="Text Box 1"/>
+          <p:cNvSpPr txBox="1">
+            <a:spLocks noGrp="1" noRot="1" noChangeAspect="1" noChangeArrowheads="1"/>
+          </p:cNvSpPr>
+          <p:nvPr>
+            <p:ph type="sldImg"/>
+          </p:nvPr>
+        </p:nvSpPr>
+        <p:spPr bwMode="auto">
+          <a:xfrm>
+            <a:off x="1106488" y="812800"/>
+            <a:ext cx="5345112" cy="4008438"/>
+          </a:xfrm>
+          <a:prstGeom prst="rect">
+            <a:avLst/>
+          </a:prstGeom>
+          <a:solidFill>
+            <a:srgbClr val="FFFFFF"/>
+          </a:solidFill>
+          <a:ln>
+            <a:solidFill>
+              <a:srgbClr val="000000"/>
+            </a:solidFill>
+            <a:miter lim="800000"/>
+            <a:headEnd/>
+            <a:tailEnd/>
+          </a:ln>
+          <a:extLst>
+            <a:ext uri="{AF507438-7753-43e0-B8FC-AC1667EBCBE1}">
+              <a14:hiddenEffects xmlns:a14="http://schemas.microsoft.com/office/drawing/2010/main">
+                <a:effectLst>
+                  <a:outerShdw blurRad="63500" dist="38099" dir="2700000" algn="ctr" rotWithShape="0">
+                    <a:srgbClr val="000000">
+                      <a:alpha val="74998"/>
+                    </a:srgbClr>
+                  </a:outerShdw>
+                </a:effectLst>
+              </a14:hiddenEffects>
+            </a:ext>
+          </a:extLst>
+        </p:spPr>
+      </p:sp>
+      <p:sp>
+        <p:nvSpPr>
+          <p:cNvPr id="14338" name="Text Box 2"/>
+          <p:cNvSpPr txBox="1">
+            <a:spLocks noGrp="1" noChangeArrowheads="1"/>
+          </p:cNvSpPr>
+          <p:nvPr>
+            <p:ph type="body" idx="1"/>
+          </p:nvPr>
+        </p:nvSpPr>
+        <p:spPr bwMode="auto">
+          <a:xfrm>
+            <a:off x="755650" y="5078413"/>
+            <a:ext cx="6048375" cy="4811712"/>
+          </a:xfrm>
+          <a:prstGeom prst="rect">
+            <a:avLst/>
+          </a:prstGeom>
+          <a:noFill/>
+          <a:ln/>
+          <a:extLst>
+            <a:ext uri="{909E8E84-426E-40dd-AFC4-6F175D3DCCD1}">
+              <a14:hiddenFill xmlns:a14="http://schemas.microsoft.com/office/drawing/2010/main">
+                <a:solidFill>
+                  <a:srgbClr val="FFFFFF"/>
+                </a:solidFill>
+              </a14:hiddenFill>
+            </a:ext>
+            <a:ext uri="{91240B29-F687-4f45-9708-019B960494DF}">
+              <a14:hiddenLine xmlns:a14="http://schemas.microsoft.com/office/drawing/2010/main" w="9525">
+                <a:solidFill>
+                  <a:srgbClr val="808080"/>
+                </a:solidFill>
+                <a:round/>
+                <a:headEnd/>
+                <a:tailEnd/>
+              </a14:hiddenLine>
+            </a:ext>
+            <a:ext uri="{AF507438-7753-43e0-B8FC-AC1667EBCBE1}">
               <a14:hiddenEffects xmlns:a14="http://schemas.microsoft.com/office/drawing/2010/main">
                 <a:effectLst>
                   <a:outerShdw blurRad="63500" dist="38099" dir="2700000" algn="ctr" rotWithShape="0">
@@ -3864,14 +4027,14 @@
           </a:ln>
           <a:effectLst/>
           <a:extLst>
-            <a:ext uri="{909E8E84-426E-40DD-AFC4-6F175D3DCCD1}">
+            <a:ext uri="{909E8E84-426E-40dd-AFC4-6F175D3DCCD1}">
               <a14:hiddenFill xmlns:a14="http://schemas.microsoft.com/office/drawing/2010/main">
                 <a:solidFill>
                   <a:srgbClr val="FFFFFF"/>
                 </a:solidFill>
               </a14:hiddenFill>
             </a:ext>
-            <a:ext uri="{91240B29-F687-4F45-9708-019B960494DF}">
+            <a:ext uri="{91240B29-F687-4f45-9708-019B960494DF}">
               <a14:hiddenLine xmlns:a14="http://schemas.microsoft.com/office/drawing/2010/main" w="9525">
                 <a:solidFill>
                   <a:srgbClr val="808080"/>
@@ -3881,7 +4044,7 @@
                 <a:tailEnd/>
               </a14:hiddenLine>
             </a:ext>
-            <a:ext uri="{AF507438-7753-43E0-B8FC-AC1667EBCBE1}">
+            <a:ext uri="{AF507438-7753-43e0-B8FC-AC1667EBCBE1}">
               <a14:hiddenEffects xmlns:a14="http://schemas.microsoft.com/office/drawing/2010/main">
                 <a:effectLst>
                   <a:outerShdw blurRad="63500" dist="38099" dir="2700000" algn="ctr" rotWithShape="0">
@@ -3893,7 +4056,7 @@
               </a14:hiddenEffects>
             </a:ext>
             <a:ext uri="{FAA26D3D-D897-4be2-8F04-BA451C77F1D7}">
-              <ma14:placeholderFlag xmlns:ma14="http://schemas.microsoft.com/office/mac/drawingml/2011/main" xmlns="" val="1"/>
+              <ma14:placeholderFlag xmlns:ma14="http://schemas.microsoft.com/office/mac/drawingml/2011/main" val="1"/>
             </a:ext>
           </a:extLst>
         </p:spPr>
@@ -3937,14 +4100,14 @@
           </a:ln>
           <a:effectLst/>
           <a:extLst>
-            <a:ext uri="{909E8E84-426E-40DD-AFC4-6F175D3DCCD1}">
+            <a:ext uri="{909E8E84-426E-40dd-AFC4-6F175D3DCCD1}">
               <a14:hiddenFill xmlns:a14="http://schemas.microsoft.com/office/drawing/2010/main">
                 <a:solidFill>
                   <a:srgbClr val="FFFFFF"/>
                 </a:solidFill>
               </a14:hiddenFill>
             </a:ext>
-            <a:ext uri="{91240B29-F687-4F45-9708-019B960494DF}">
+            <a:ext uri="{91240B29-F687-4f45-9708-019B960494DF}">
               <a14:hiddenLine xmlns:a14="http://schemas.microsoft.com/office/drawing/2010/main" w="9525">
                 <a:solidFill>
                   <a:srgbClr val="808080"/>
@@ -3954,7 +4117,7 @@
                 <a:tailEnd/>
               </a14:hiddenLine>
             </a:ext>
-            <a:ext uri="{AF507438-7753-43E0-B8FC-AC1667EBCBE1}">
+            <a:ext uri="{AF507438-7753-43e0-B8FC-AC1667EBCBE1}">
               <a14:hiddenEffects xmlns:a14="http://schemas.microsoft.com/office/drawing/2010/main">
                 <a:effectLst>
                   <a:outerShdw blurRad="63500" dist="38099" dir="2700000" algn="ctr" rotWithShape="0">
@@ -3966,7 +4129,7 @@
               </a14:hiddenEffects>
             </a:ext>
             <a:ext uri="{FAA26D3D-D897-4be2-8F04-BA451C77F1D7}">
-              <ma14:placeholderFlag xmlns:ma14="http://schemas.microsoft.com/office/mac/drawingml/2011/main" xmlns="" val="1"/>
+              <ma14:placeholderFlag xmlns:ma14="http://schemas.microsoft.com/office/mac/drawingml/2011/main" val="1"/>
             </a:ext>
           </a:extLst>
         </p:spPr>
@@ -4066,14 +4229,14 @@
           </a:ln>
           <a:effectLst/>
           <a:extLst>
-            <a:ext uri="{909E8E84-426E-40DD-AFC4-6F175D3DCCD1}">
+            <a:ext uri="{909E8E84-426E-40dd-AFC4-6F175D3DCCD1}">
               <a14:hiddenFill xmlns:a14="http://schemas.microsoft.com/office/drawing/2010/main">
                 <a:solidFill>
                   <a:srgbClr val="FFFFFF"/>
                 </a:solidFill>
               </a14:hiddenFill>
             </a:ext>
-            <a:ext uri="{91240B29-F687-4F45-9708-019B960494DF}">
+            <a:ext uri="{91240B29-F687-4f45-9708-019B960494DF}">
               <a14:hiddenLine xmlns:a14="http://schemas.microsoft.com/office/drawing/2010/main" w="9525">
                 <a:solidFill>
                   <a:srgbClr val="808080"/>
@@ -4083,7 +4246,7 @@
                 <a:tailEnd/>
               </a14:hiddenLine>
             </a:ext>
-            <a:ext uri="{AF507438-7753-43E0-B8FC-AC1667EBCBE1}">
+            <a:ext uri="{AF507438-7753-43e0-B8FC-AC1667EBCBE1}">
               <a14:hiddenEffects xmlns:a14="http://schemas.microsoft.com/office/drawing/2010/main">
                 <a:effectLst>
                   <a:outerShdw blurRad="63500" dist="38099" dir="2700000" algn="ctr" rotWithShape="0">
@@ -4095,7 +4258,7 @@
               </a14:hiddenEffects>
             </a:ext>
             <a:ext uri="{FAA26D3D-D897-4be2-8F04-BA451C77F1D7}">
-              <ma14:placeholderFlag xmlns:ma14="http://schemas.microsoft.com/office/mac/drawingml/2011/main" xmlns="" val="1"/>
+              <ma14:placeholderFlag xmlns:ma14="http://schemas.microsoft.com/office/mac/drawingml/2011/main" val="1"/>
             </a:ext>
           </a:extLst>
         </p:spPr>
@@ -4149,14 +4312,14 @@
           </a:ln>
           <a:effectLst/>
           <a:extLst>
-            <a:ext uri="{909E8E84-426E-40DD-AFC4-6F175D3DCCD1}">
+            <a:ext uri="{909E8E84-426E-40dd-AFC4-6F175D3DCCD1}">
               <a14:hiddenFill xmlns:a14="http://schemas.microsoft.com/office/drawing/2010/main">
                 <a:solidFill>
                   <a:srgbClr val="FFFFFF"/>
                 </a:solidFill>
               </a14:hiddenFill>
             </a:ext>
-            <a:ext uri="{91240B29-F687-4F45-9708-019B960494DF}">
+            <a:ext uri="{91240B29-F687-4f45-9708-019B960494DF}">
               <a14:hiddenLine xmlns:a14="http://schemas.microsoft.com/office/drawing/2010/main" w="9525">
                 <a:solidFill>
                   <a:srgbClr val="808080"/>
@@ -4166,7 +4329,7 @@
                 <a:tailEnd/>
               </a14:hiddenLine>
             </a:ext>
-            <a:ext uri="{AF507438-7753-43E0-B8FC-AC1667EBCBE1}">
+            <a:ext uri="{AF507438-7753-43e0-B8FC-AC1667EBCBE1}">
               <a14:hiddenEffects xmlns:a14="http://schemas.microsoft.com/office/drawing/2010/main">
                 <a:effectLst>
                   <a:outerShdw blurRad="63500" dist="38099" dir="2700000" algn="ctr" rotWithShape="0">
@@ -4178,7 +4341,7 @@
               </a14:hiddenEffects>
             </a:ext>
             <a:ext uri="{FAA26D3D-D897-4be2-8F04-BA451C77F1D7}">
-              <ma14:placeholderFlag xmlns:ma14="http://schemas.microsoft.com/office/mac/drawingml/2011/main" xmlns="" val="1"/>
+              <ma14:placeholderFlag xmlns:ma14="http://schemas.microsoft.com/office/mac/drawingml/2011/main" val="1"/>
             </a:ext>
           </a:extLst>
         </p:spPr>
@@ -4233,14 +4396,14 @@
           </a:ln>
           <a:effectLst/>
           <a:extLst>
-            <a:ext uri="{909E8E84-426E-40DD-AFC4-6F175D3DCCD1}">
+            <a:ext uri="{909E8E84-426E-40dd-AFC4-6F175D3DCCD1}">
               <a14:hiddenFill xmlns:a14="http://schemas.microsoft.com/office/drawing/2010/main">
                 <a:solidFill>
                   <a:srgbClr val="FFFFFF"/>
                 </a:solidFill>
               </a14:hiddenFill>
             </a:ext>
-            <a:ext uri="{91240B29-F687-4F45-9708-019B960494DF}">
+            <a:ext uri="{91240B29-F687-4f45-9708-019B960494DF}">
               <a14:hiddenLine xmlns:a14="http://schemas.microsoft.com/office/drawing/2010/main" w="9525">
                 <a:solidFill>
                   <a:srgbClr val="808080"/>
@@ -4250,7 +4413,7 @@
                 <a:tailEnd/>
               </a14:hiddenLine>
             </a:ext>
-            <a:ext uri="{AF507438-7753-43E0-B8FC-AC1667EBCBE1}">
+            <a:ext uri="{AF507438-7753-43e0-B8FC-AC1667EBCBE1}">
               <a14:hiddenEffects xmlns:a14="http://schemas.microsoft.com/office/drawing/2010/main">
                 <a:effectLst>
                   <a:outerShdw blurRad="63500" dist="38099" dir="2700000" algn="ctr" rotWithShape="0">
@@ -4262,7 +4425,7 @@
               </a14:hiddenEffects>
             </a:ext>
             <a:ext uri="{FAA26D3D-D897-4be2-8F04-BA451C77F1D7}">
-              <ma14:placeholderFlag xmlns:ma14="http://schemas.microsoft.com/office/mac/drawingml/2011/main" xmlns="" val="1"/>
+              <ma14:placeholderFlag xmlns:ma14="http://schemas.microsoft.com/office/mac/drawingml/2011/main" val="1"/>
             </a:ext>
           </a:extLst>
         </p:spPr>
@@ -4960,11 +5123,11 @@
   <p:clrMapOvr>
     <a:masterClrMapping/>
   </p:clrMapOvr>
-  <p:transition spd="med"/>
+  <p:transition xmlns:p14="http://schemas.microsoft.com/office/powerpoint/2010/main" spd="med"/>
   <p:timing>
     <p:tnLst>
       <p:par>
-        <p:cTn id="1" dur="indefinite" restart="never" nodeType="tmRoot">
+        <p:cTn xmlns:p14="http://schemas.microsoft.com/office/powerpoint/2010/main" id="1" dur="indefinite" restart="never" nodeType="tmRoot">
           <p:childTnLst>
             <p:seq concurrent="1" nextAc="seek">
               <p:cTn id="2" dur="0" nodeType="mainSeq"/>
@@ -5228,7 +5391,7 @@
   <p:timing>
     <p:tnLst>
       <p:par>
-        <p:cTn id="1" dur="indefinite" restart="never" nodeType="tmRoot"/>
+        <p:cTn xmlns:p14="http://schemas.microsoft.com/office/powerpoint/2010/main" id="1" dur="indefinite" restart="never" nodeType="tmRoot"/>
       </p:par>
     </p:tnLst>
   </p:timing>
@@ -5254,6 +5417,1502 @@
       </p:grpSpPr>
       <p:sp>
         <p:nvSpPr>
+          <p:cNvPr id="9217" name="AutoShape 1"/>
+          <p:cNvSpPr>
+            <a:spLocks noChangeArrowheads="1"/>
+          </p:cNvSpPr>
+          <p:nvPr/>
+        </p:nvSpPr>
+        <p:spPr bwMode="auto">
+          <a:xfrm>
+            <a:off x="3249613" y="2095822"/>
+            <a:ext cx="1517650" cy="1323975"/>
+          </a:xfrm>
+          <a:prstGeom prst="hexagon">
+            <a:avLst>
+              <a:gd name="adj" fmla="val 28657"/>
+              <a:gd name="vf" fmla="val 115470"/>
+            </a:avLst>
+          </a:prstGeom>
+          <a:solidFill>
+            <a:srgbClr val="B2C2F5">
+              <a:alpha val="79999"/>
+            </a:srgbClr>
+          </a:solidFill>
+          <a:ln>
+            <a:noFill/>
+          </a:ln>
+          <a:effectLst/>
+          <a:extLst>
+            <a:ext uri="{91240B29-F687-4f45-9708-019B960494DF}">
+              <a14:hiddenLine xmlns:a14="http://schemas.microsoft.com/office/drawing/2010/main" w="9525">
+                <a:solidFill>
+                  <a:srgbClr val="000000"/>
+                </a:solidFill>
+                <a:round/>
+                <a:headEnd/>
+                <a:tailEnd/>
+              </a14:hiddenLine>
+            </a:ext>
+            <a:ext uri="{AF507438-7753-43e0-B8FC-AC1667EBCBE1}">
+              <a14:hiddenEffects xmlns:a14="http://schemas.microsoft.com/office/drawing/2010/main">
+                <a:effectLst>
+                  <a:outerShdw blurRad="63500" dist="38099" dir="2700000" algn="ctr" rotWithShape="0">
+                    <a:srgbClr val="000000">
+                      <a:alpha val="74998"/>
+                    </a:srgbClr>
+                  </a:outerShdw>
+                </a:effectLst>
+              </a14:hiddenEffects>
+            </a:ext>
+          </a:extLst>
+        </p:spPr>
+        <p:txBody>
+          <a:bodyPr wrap="none" lIns="90000" tIns="64404" rIns="90000" bIns="45000" anchor="ctr"/>
+          <a:lstStyle/>
+          <a:p>
+            <a:pPr algn="ctr">
+              <a:tabLst>
+                <a:tab pos="723900" algn="l"/>
+                <a:tab pos="1447800" algn="l"/>
+              </a:tabLst>
+            </a:pPr>
+            <a:r>
+              <a:rPr lang="en-US" sz="2200" dirty="0" err="1">
+                <a:solidFill>
+                  <a:srgbClr val="000000"/>
+                </a:solidFill>
+              </a:rPr>
+              <a:t>e</a:t>
+            </a:r>
+            <a:r>
+              <a:rPr lang="en-US" sz="2200" dirty="0" err="1" smtClean="0">
+                <a:solidFill>
+                  <a:srgbClr val="000000"/>
+                </a:solidFill>
+              </a:rPr>
+              <a:t>ffiziente</a:t>
+            </a:r>
+            <a:endParaRPr lang="en-US" sz="2200" dirty="0" smtClean="0">
+              <a:solidFill>
+                <a:srgbClr val="000000"/>
+              </a:solidFill>
+            </a:endParaRPr>
+          </a:p>
+          <a:p>
+            <a:pPr algn="ctr">
+              <a:tabLst>
+                <a:tab pos="723900" algn="l"/>
+                <a:tab pos="1447800" algn="l"/>
+              </a:tabLst>
+            </a:pPr>
+            <a:r>
+              <a:rPr lang="en-US" sz="2200" dirty="0" err="1" smtClean="0">
+                <a:solidFill>
+                  <a:srgbClr val="000000"/>
+                </a:solidFill>
+              </a:rPr>
+              <a:t>Lern</a:t>
+            </a:r>
+            <a:r>
+              <a:rPr lang="en-US" sz="2200" dirty="0" smtClean="0">
+                <a:solidFill>
+                  <a:srgbClr val="000000"/>
+                </a:solidFill>
+              </a:rPr>
+              <a:t>-</a:t>
+            </a:r>
+          </a:p>
+          <a:p>
+            <a:pPr algn="ctr">
+              <a:tabLst>
+                <a:tab pos="723900" algn="l"/>
+                <a:tab pos="1447800" algn="l"/>
+              </a:tabLst>
+            </a:pPr>
+            <a:r>
+              <a:rPr lang="en-US" sz="2200" dirty="0" smtClean="0">
+                <a:solidFill>
+                  <a:srgbClr val="000000"/>
+                </a:solidFill>
+              </a:rPr>
+              <a:t>software</a:t>
+            </a:r>
+          </a:p>
+        </p:txBody>
+      </p:sp>
+      <p:sp>
+        <p:nvSpPr>
+          <p:cNvPr id="9218" name="AutoShape 2"/>
+          <p:cNvSpPr>
+            <a:spLocks noChangeArrowheads="1"/>
+          </p:cNvSpPr>
+          <p:nvPr/>
+        </p:nvSpPr>
+        <p:spPr bwMode="auto">
+          <a:xfrm>
+            <a:off x="2025650" y="2768600"/>
+            <a:ext cx="1517650" cy="1323975"/>
+          </a:xfrm>
+          <a:prstGeom prst="hexagon">
+            <a:avLst>
+              <a:gd name="adj" fmla="val 28657"/>
+              <a:gd name="vf" fmla="val 115470"/>
+            </a:avLst>
+          </a:prstGeom>
+          <a:solidFill>
+            <a:srgbClr val="B2C2F5">
+              <a:alpha val="79999"/>
+            </a:srgbClr>
+          </a:solidFill>
+          <a:ln>
+            <a:noFill/>
+          </a:ln>
+          <a:effectLst/>
+          <a:extLst>
+            <a:ext uri="{91240B29-F687-4f45-9708-019B960494DF}">
+              <a14:hiddenLine xmlns:a14="http://schemas.microsoft.com/office/drawing/2010/main" w="9525">
+                <a:solidFill>
+                  <a:srgbClr val="000000"/>
+                </a:solidFill>
+                <a:round/>
+                <a:headEnd/>
+                <a:tailEnd/>
+              </a14:hiddenLine>
+            </a:ext>
+            <a:ext uri="{AF507438-7753-43e0-B8FC-AC1667EBCBE1}">
+              <a14:hiddenEffects xmlns:a14="http://schemas.microsoft.com/office/drawing/2010/main">
+                <a:effectLst>
+                  <a:outerShdw blurRad="63500" dist="38099" dir="2700000" algn="ctr" rotWithShape="0">
+                    <a:srgbClr val="000000">
+                      <a:alpha val="74998"/>
+                    </a:srgbClr>
+                  </a:outerShdw>
+                </a:effectLst>
+              </a14:hiddenEffects>
+            </a:ext>
+          </a:extLst>
+        </p:spPr>
+        <p:txBody>
+          <a:bodyPr wrap="none" lIns="90000" tIns="64404" rIns="90000" bIns="45000" anchor="ctr"/>
+          <a:lstStyle/>
+          <a:p>
+            <a:pPr algn="ctr">
+              <a:tabLst>
+                <a:tab pos="723900" algn="l"/>
+                <a:tab pos="1447800" algn="l"/>
+              </a:tabLst>
+            </a:pPr>
+            <a:r>
+              <a:rPr lang="en-US" sz="2200" dirty="0" err="1" smtClean="0">
+                <a:solidFill>
+                  <a:srgbClr val="000000"/>
+                </a:solidFill>
+                <a:cs typeface="方正宋体" charset="0"/>
+              </a:rPr>
+              <a:t>intuitives</a:t>
+            </a:r>
+            <a:endParaRPr lang="en-US" sz="2200" dirty="0" smtClean="0">
+              <a:solidFill>
+                <a:srgbClr val="000000"/>
+              </a:solidFill>
+              <a:cs typeface="方正宋体" charset="0"/>
+            </a:endParaRPr>
+          </a:p>
+          <a:p>
+            <a:pPr algn="ctr">
+              <a:tabLst>
+                <a:tab pos="723900" algn="l"/>
+                <a:tab pos="1447800" algn="l"/>
+              </a:tabLst>
+            </a:pPr>
+            <a:r>
+              <a:rPr lang="en-US" sz="2200" dirty="0" smtClean="0">
+                <a:solidFill>
+                  <a:srgbClr val="000000"/>
+                </a:solidFill>
+                <a:cs typeface="方正宋体" charset="0"/>
+              </a:rPr>
+              <a:t>Design</a:t>
+            </a:r>
+            <a:endParaRPr lang="en-US" sz="2200" dirty="0">
+              <a:solidFill>
+                <a:srgbClr val="000000"/>
+              </a:solidFill>
+              <a:cs typeface="方正宋体" charset="0"/>
+            </a:endParaRPr>
+          </a:p>
+        </p:txBody>
+      </p:sp>
+      <p:sp>
+        <p:nvSpPr>
+          <p:cNvPr id="9219" name="AutoShape 3"/>
+          <p:cNvSpPr>
+            <a:spLocks noChangeArrowheads="1"/>
+          </p:cNvSpPr>
+          <p:nvPr/>
+        </p:nvSpPr>
+        <p:spPr bwMode="auto">
+          <a:xfrm>
+            <a:off x="2025650" y="4171950"/>
+            <a:ext cx="1517650" cy="1323975"/>
+          </a:xfrm>
+          <a:prstGeom prst="hexagon">
+            <a:avLst>
+              <a:gd name="adj" fmla="val 28657"/>
+              <a:gd name="vf" fmla="val 115470"/>
+            </a:avLst>
+          </a:prstGeom>
+          <a:solidFill>
+            <a:srgbClr val="B2C2F5">
+              <a:alpha val="79999"/>
+            </a:srgbClr>
+          </a:solidFill>
+          <a:ln>
+            <a:noFill/>
+          </a:ln>
+          <a:effectLst/>
+          <a:extLst>
+            <a:ext uri="{91240B29-F687-4f45-9708-019B960494DF}">
+              <a14:hiddenLine xmlns:a14="http://schemas.microsoft.com/office/drawing/2010/main" w="9525">
+                <a:solidFill>
+                  <a:srgbClr val="000000"/>
+                </a:solidFill>
+                <a:round/>
+                <a:headEnd/>
+                <a:tailEnd/>
+              </a14:hiddenLine>
+            </a:ext>
+            <a:ext uri="{AF507438-7753-43e0-B8FC-AC1667EBCBE1}">
+              <a14:hiddenEffects xmlns:a14="http://schemas.microsoft.com/office/drawing/2010/main">
+                <a:effectLst>
+                  <a:outerShdw blurRad="63500" dist="38099" dir="2700000" algn="ctr" rotWithShape="0">
+                    <a:srgbClr val="000000">
+                      <a:alpha val="74998"/>
+                    </a:srgbClr>
+                  </a:outerShdw>
+                </a:effectLst>
+              </a14:hiddenEffects>
+            </a:ext>
+          </a:extLst>
+        </p:spPr>
+        <p:txBody>
+          <a:bodyPr wrap="none" lIns="90000" tIns="64404" rIns="90000" bIns="45000" anchor="ctr"/>
+          <a:lstStyle/>
+          <a:p>
+            <a:pPr algn="ctr">
+              <a:tabLst>
+                <a:tab pos="723900" algn="l"/>
+                <a:tab pos="1447800" algn="l"/>
+              </a:tabLst>
+            </a:pPr>
+            <a:r>
+              <a:rPr lang="en-US" sz="2200" dirty="0" err="1">
+                <a:solidFill>
+                  <a:srgbClr val="000000"/>
+                </a:solidFill>
+                <a:cs typeface="方正宋体" charset="0"/>
+              </a:rPr>
+              <a:t>ü</a:t>
+            </a:r>
+            <a:r>
+              <a:rPr lang="en-US" sz="2200" dirty="0" err="1" smtClean="0">
+                <a:solidFill>
+                  <a:srgbClr val="000000"/>
+                </a:solidFill>
+                <a:cs typeface="方正宋体" charset="0"/>
+              </a:rPr>
+              <a:t>bersicht</a:t>
+            </a:r>
+            <a:r>
+              <a:rPr lang="en-US" sz="2200" dirty="0" smtClean="0">
+                <a:solidFill>
+                  <a:srgbClr val="000000"/>
+                </a:solidFill>
+                <a:cs typeface="方正宋体" charset="0"/>
+              </a:rPr>
+              <a:t>-</a:t>
+            </a:r>
+          </a:p>
+          <a:p>
+            <a:pPr algn="ctr">
+              <a:tabLst>
+                <a:tab pos="723900" algn="l"/>
+                <a:tab pos="1447800" algn="l"/>
+              </a:tabLst>
+            </a:pPr>
+            <a:r>
+              <a:rPr lang="en-US" sz="2200" dirty="0" smtClean="0">
+                <a:solidFill>
+                  <a:srgbClr val="000000"/>
+                </a:solidFill>
+                <a:cs typeface="方正宋体" charset="0"/>
+              </a:rPr>
+              <a:t>lich</a:t>
+            </a:r>
+            <a:endParaRPr lang="en-US" sz="2200" dirty="0">
+              <a:solidFill>
+                <a:srgbClr val="000000"/>
+              </a:solidFill>
+              <a:cs typeface="方正宋体" charset="0"/>
+            </a:endParaRPr>
+          </a:p>
+        </p:txBody>
+      </p:sp>
+      <p:sp>
+        <p:nvSpPr>
+          <p:cNvPr id="9220" name="AutoShape 4"/>
+          <p:cNvSpPr>
+            <a:spLocks noChangeArrowheads="1"/>
+          </p:cNvSpPr>
+          <p:nvPr/>
+        </p:nvSpPr>
+        <p:spPr bwMode="auto">
+          <a:xfrm>
+            <a:off x="4473575" y="2768600"/>
+            <a:ext cx="1517650" cy="1323975"/>
+          </a:xfrm>
+          <a:prstGeom prst="hexagon">
+            <a:avLst>
+              <a:gd name="adj" fmla="val 28657"/>
+              <a:gd name="vf" fmla="val 115470"/>
+            </a:avLst>
+          </a:prstGeom>
+          <a:solidFill>
+            <a:srgbClr val="B2C2F5">
+              <a:alpha val="79999"/>
+            </a:srgbClr>
+          </a:solidFill>
+          <a:ln>
+            <a:noFill/>
+          </a:ln>
+          <a:effectLst/>
+          <a:extLst>
+            <a:ext uri="{91240B29-F687-4f45-9708-019B960494DF}">
+              <a14:hiddenLine xmlns:a14="http://schemas.microsoft.com/office/drawing/2010/main" w="9525">
+                <a:solidFill>
+                  <a:srgbClr val="000000"/>
+                </a:solidFill>
+                <a:round/>
+                <a:headEnd/>
+                <a:tailEnd/>
+              </a14:hiddenLine>
+            </a:ext>
+            <a:ext uri="{AF507438-7753-43e0-B8FC-AC1667EBCBE1}">
+              <a14:hiddenEffects xmlns:a14="http://schemas.microsoft.com/office/drawing/2010/main">
+                <a:effectLst>
+                  <a:outerShdw blurRad="63500" dist="38099" dir="2700000" algn="ctr" rotWithShape="0">
+                    <a:srgbClr val="000000">
+                      <a:alpha val="74998"/>
+                    </a:srgbClr>
+                  </a:outerShdw>
+                </a:effectLst>
+              </a14:hiddenEffects>
+            </a:ext>
+          </a:extLst>
+        </p:spPr>
+        <p:txBody>
+          <a:bodyPr wrap="none" lIns="90000" tIns="64404" rIns="90000" bIns="45000" anchor="ctr"/>
+          <a:lstStyle/>
+          <a:p>
+            <a:pPr algn="ctr">
+              <a:tabLst>
+                <a:tab pos="723900" algn="l"/>
+                <a:tab pos="1447800" algn="l"/>
+              </a:tabLst>
+            </a:pPr>
+            <a:r>
+              <a:rPr lang="en-US" sz="2200" dirty="0" err="1">
+                <a:solidFill>
+                  <a:srgbClr val="000000"/>
+                </a:solidFill>
+                <a:cs typeface="方正宋体" charset="0"/>
+              </a:rPr>
+              <a:t>einfach</a:t>
+            </a:r>
+            <a:endParaRPr lang="en-US" sz="2200" dirty="0">
+              <a:solidFill>
+                <a:srgbClr val="000000"/>
+              </a:solidFill>
+              <a:cs typeface="方正宋体" charset="0"/>
+            </a:endParaRPr>
+          </a:p>
+          <a:p>
+            <a:pPr algn="ctr">
+              <a:tabLst>
+                <a:tab pos="723900" algn="l"/>
+                <a:tab pos="1447800" algn="l"/>
+              </a:tabLst>
+            </a:pPr>
+            <a:r>
+              <a:rPr lang="en-US" sz="2200" dirty="0" err="1">
+                <a:solidFill>
+                  <a:srgbClr val="000000"/>
+                </a:solidFill>
+                <a:cs typeface="方正宋体" charset="0"/>
+              </a:rPr>
+              <a:t>zu</a:t>
+            </a:r>
+            <a:endParaRPr lang="en-US" sz="2200" dirty="0">
+              <a:solidFill>
+                <a:srgbClr val="000000"/>
+              </a:solidFill>
+              <a:cs typeface="方正宋体" charset="0"/>
+            </a:endParaRPr>
+          </a:p>
+          <a:p>
+            <a:pPr algn="ctr">
+              <a:tabLst>
+                <a:tab pos="723900" algn="l"/>
+                <a:tab pos="1447800" algn="l"/>
+              </a:tabLst>
+            </a:pPr>
+            <a:r>
+              <a:rPr lang="en-US" sz="2200" dirty="0" err="1">
+                <a:solidFill>
+                  <a:srgbClr val="000000"/>
+                </a:solidFill>
+                <a:cs typeface="方正宋体" charset="0"/>
+              </a:rPr>
+              <a:t>erlernen</a:t>
+            </a:r>
+            <a:endParaRPr lang="en-US" sz="2200" dirty="0">
+              <a:solidFill>
+                <a:srgbClr val="000000"/>
+              </a:solidFill>
+              <a:cs typeface="方正宋体" charset="0"/>
+            </a:endParaRPr>
+          </a:p>
+        </p:txBody>
+      </p:sp>
+      <p:sp>
+        <p:nvSpPr>
+          <p:cNvPr id="9221" name="AutoShape 5"/>
+          <p:cNvSpPr>
+            <a:spLocks noChangeArrowheads="1"/>
+          </p:cNvSpPr>
+          <p:nvPr/>
+        </p:nvSpPr>
+        <p:spPr bwMode="auto">
+          <a:xfrm>
+            <a:off x="3249613" y="3487738"/>
+            <a:ext cx="1517650" cy="1323975"/>
+          </a:xfrm>
+          <a:prstGeom prst="hexagon">
+            <a:avLst>
+              <a:gd name="adj" fmla="val 28657"/>
+              <a:gd name="vf" fmla="val 115470"/>
+            </a:avLst>
+          </a:prstGeom>
+          <a:solidFill>
+            <a:srgbClr val="B2C2F5">
+              <a:alpha val="79999"/>
+            </a:srgbClr>
+          </a:solidFill>
+          <a:ln>
+            <a:noFill/>
+          </a:ln>
+          <a:effectLst/>
+          <a:extLst>
+            <a:ext uri="{91240B29-F687-4f45-9708-019B960494DF}">
+              <a14:hiddenLine xmlns:a14="http://schemas.microsoft.com/office/drawing/2010/main" w="9525">
+                <a:solidFill>
+                  <a:srgbClr val="000000"/>
+                </a:solidFill>
+                <a:round/>
+                <a:headEnd/>
+                <a:tailEnd/>
+              </a14:hiddenLine>
+            </a:ext>
+            <a:ext uri="{AF507438-7753-43e0-B8FC-AC1667EBCBE1}">
+              <a14:hiddenEffects xmlns:a14="http://schemas.microsoft.com/office/drawing/2010/main">
+                <a:effectLst>
+                  <a:outerShdw blurRad="63500" dist="38099" dir="2700000" algn="ctr" rotWithShape="0">
+                    <a:srgbClr val="000000">
+                      <a:alpha val="74998"/>
+                    </a:srgbClr>
+                  </a:outerShdw>
+                </a:effectLst>
+              </a14:hiddenEffects>
+            </a:ext>
+          </a:extLst>
+        </p:spPr>
+        <p:txBody>
+          <a:bodyPr wrap="none" lIns="90000" tIns="64404" rIns="90000" bIns="45000" anchor="ctr"/>
+          <a:lstStyle/>
+          <a:p>
+            <a:pPr algn="ctr">
+              <a:tabLst>
+                <a:tab pos="723900" algn="l"/>
+                <a:tab pos="1447800" algn="l"/>
+              </a:tabLst>
+            </a:pPr>
+            <a:r>
+              <a:rPr lang="en-US" sz="2200" dirty="0" err="1">
+                <a:solidFill>
+                  <a:srgbClr val="000000"/>
+                </a:solidFill>
+              </a:rPr>
+              <a:t>k</a:t>
+            </a:r>
+            <a:r>
+              <a:rPr lang="en-US" sz="2200" dirty="0" err="1" smtClean="0">
+                <a:solidFill>
+                  <a:srgbClr val="000000"/>
+                </a:solidFill>
+              </a:rPr>
+              <a:t>osten</a:t>
+            </a:r>
+            <a:r>
+              <a:rPr lang="en-US" sz="2200" dirty="0" smtClean="0">
+                <a:solidFill>
+                  <a:srgbClr val="000000"/>
+                </a:solidFill>
+              </a:rPr>
+              <a:t>-</a:t>
+            </a:r>
+          </a:p>
+          <a:p>
+            <a:pPr algn="ctr">
+              <a:tabLst>
+                <a:tab pos="723900" algn="l"/>
+                <a:tab pos="1447800" algn="l"/>
+              </a:tabLst>
+            </a:pPr>
+            <a:r>
+              <a:rPr lang="en-US" sz="2200" dirty="0" err="1" smtClean="0">
+                <a:solidFill>
+                  <a:srgbClr val="000000"/>
+                </a:solidFill>
+              </a:rPr>
+              <a:t>günstig</a:t>
+            </a:r>
+            <a:endParaRPr lang="en-US" sz="2200" dirty="0">
+              <a:solidFill>
+                <a:srgbClr val="000000"/>
+              </a:solidFill>
+            </a:endParaRPr>
+          </a:p>
+        </p:txBody>
+      </p:sp>
+      <p:sp>
+        <p:nvSpPr>
+          <p:cNvPr id="9222" name="AutoShape 6"/>
+          <p:cNvSpPr>
+            <a:spLocks noChangeArrowheads="1"/>
+          </p:cNvSpPr>
+          <p:nvPr/>
+        </p:nvSpPr>
+        <p:spPr bwMode="auto">
+          <a:xfrm>
+            <a:off x="3249613" y="4892675"/>
+            <a:ext cx="1517650" cy="1323975"/>
+          </a:xfrm>
+          <a:prstGeom prst="hexagon">
+            <a:avLst>
+              <a:gd name="adj" fmla="val 28657"/>
+              <a:gd name="vf" fmla="val 115470"/>
+            </a:avLst>
+          </a:prstGeom>
+          <a:solidFill>
+            <a:srgbClr val="B2C2F5">
+              <a:alpha val="79999"/>
+            </a:srgbClr>
+          </a:solidFill>
+          <a:ln>
+            <a:noFill/>
+          </a:ln>
+          <a:effectLst/>
+          <a:extLst>
+            <a:ext uri="{91240B29-F687-4f45-9708-019B960494DF}">
+              <a14:hiddenLine xmlns:a14="http://schemas.microsoft.com/office/drawing/2010/main" w="9525">
+                <a:solidFill>
+                  <a:srgbClr val="000000"/>
+                </a:solidFill>
+                <a:round/>
+                <a:headEnd/>
+                <a:tailEnd/>
+              </a14:hiddenLine>
+            </a:ext>
+            <a:ext uri="{AF507438-7753-43e0-B8FC-AC1667EBCBE1}">
+              <a14:hiddenEffects xmlns:a14="http://schemas.microsoft.com/office/drawing/2010/main">
+                <a:effectLst>
+                  <a:outerShdw blurRad="63500" dist="38099" dir="2700000" algn="ctr" rotWithShape="0">
+                    <a:srgbClr val="000000">
+                      <a:alpha val="74998"/>
+                    </a:srgbClr>
+                  </a:outerShdw>
+                </a:effectLst>
+              </a14:hiddenEffects>
+            </a:ext>
+          </a:extLst>
+        </p:spPr>
+        <p:txBody>
+          <a:bodyPr wrap="none" lIns="90000" tIns="64404" rIns="90000" bIns="45000" anchor="ctr"/>
+          <a:lstStyle/>
+          <a:p>
+            <a:pPr algn="ctr">
+              <a:tabLst>
+                <a:tab pos="723900" algn="l"/>
+                <a:tab pos="1447800" algn="l"/>
+              </a:tabLst>
+            </a:pPr>
+            <a:r>
+              <a:rPr lang="en-US" sz="2200" dirty="0">
+                <a:solidFill>
+                  <a:srgbClr val="000000"/>
+                </a:solidFill>
+              </a:rPr>
+              <a:t>Text</a:t>
+            </a:r>
+          </a:p>
+        </p:txBody>
+      </p:sp>
+      <p:sp>
+        <p:nvSpPr>
+          <p:cNvPr id="9223" name="AutoShape 7"/>
+          <p:cNvSpPr>
+            <a:spLocks noChangeArrowheads="1"/>
+          </p:cNvSpPr>
+          <p:nvPr/>
+        </p:nvSpPr>
+        <p:spPr bwMode="auto">
+          <a:xfrm>
+            <a:off x="4471988" y="4171950"/>
+            <a:ext cx="1517650" cy="1323975"/>
+          </a:xfrm>
+          <a:prstGeom prst="hexagon">
+            <a:avLst>
+              <a:gd name="adj" fmla="val 28657"/>
+              <a:gd name="vf" fmla="val 115470"/>
+            </a:avLst>
+          </a:prstGeom>
+          <a:noFill/>
+          <a:ln w="9525">
+            <a:solidFill>
+              <a:srgbClr val="B2C2F5"/>
+            </a:solidFill>
+            <a:round/>
+            <a:headEnd/>
+            <a:tailEnd/>
+          </a:ln>
+          <a:effectLst/>
+          <a:extLst>
+            <a:ext uri="{909E8E84-426E-40dd-AFC4-6F175D3DCCD1}">
+              <a14:hiddenFill xmlns:a14="http://schemas.microsoft.com/office/drawing/2010/main">
+                <a:solidFill>
+                  <a:srgbClr val="FFFFFF"/>
+                </a:solidFill>
+              </a14:hiddenFill>
+            </a:ext>
+            <a:ext uri="{AF507438-7753-43e0-B8FC-AC1667EBCBE1}">
+              <a14:hiddenEffects xmlns:a14="http://schemas.microsoft.com/office/drawing/2010/main">
+                <a:effectLst>
+                  <a:outerShdw blurRad="63500" dist="38099" dir="2700000" algn="ctr" rotWithShape="0">
+                    <a:srgbClr val="000000">
+                      <a:alpha val="74998"/>
+                    </a:srgbClr>
+                  </a:outerShdw>
+                </a:effectLst>
+              </a14:hiddenEffects>
+            </a:ext>
+          </a:extLst>
+        </p:spPr>
+        <p:txBody>
+          <a:bodyPr wrap="none" lIns="90000" tIns="60876" rIns="90000" bIns="45000" anchor="ctr"/>
+          <a:lstStyle/>
+          <a:p>
+            <a:pPr algn="ctr">
+              <a:tabLst>
+                <a:tab pos="723900" algn="l"/>
+                <a:tab pos="1447800" algn="l"/>
+              </a:tabLst>
+            </a:pPr>
+            <a:r>
+              <a:rPr lang="en-US">
+                <a:solidFill>
+                  <a:srgbClr val="000000"/>
+                </a:solidFill>
+              </a:rPr>
+              <a:t> </a:t>
+            </a:r>
+          </a:p>
+        </p:txBody>
+      </p:sp>
+      <p:sp>
+        <p:nvSpPr>
+          <p:cNvPr id="9224" name="AutoShape 8"/>
+          <p:cNvSpPr>
+            <a:spLocks noChangeArrowheads="1"/>
+          </p:cNvSpPr>
+          <p:nvPr/>
+        </p:nvSpPr>
+        <p:spPr bwMode="auto">
+          <a:xfrm>
+            <a:off x="7037388" y="3702050"/>
+            <a:ext cx="2600325" cy="2216150"/>
+          </a:xfrm>
+          <a:prstGeom prst="hexagon">
+            <a:avLst>
+              <a:gd name="adj" fmla="val 29334"/>
+              <a:gd name="vf" fmla="val 115470"/>
+            </a:avLst>
+          </a:prstGeom>
+          <a:solidFill>
+            <a:srgbClr val="7985A9"/>
+          </a:solidFill>
+          <a:ln>
+            <a:noFill/>
+          </a:ln>
+          <a:effectLst/>
+          <a:extLst>
+            <a:ext uri="{91240B29-F687-4f45-9708-019B960494DF}">
+              <a14:hiddenLine xmlns:a14="http://schemas.microsoft.com/office/drawing/2010/main" w="9525">
+                <a:solidFill>
+                  <a:srgbClr val="000000"/>
+                </a:solidFill>
+                <a:round/>
+                <a:headEnd/>
+                <a:tailEnd/>
+              </a14:hiddenLine>
+            </a:ext>
+            <a:ext uri="{AF507438-7753-43e0-B8FC-AC1667EBCBE1}">
+              <a14:hiddenEffects xmlns:a14="http://schemas.microsoft.com/office/drawing/2010/main">
+                <a:effectLst>
+                  <a:outerShdw blurRad="63500" dist="38099" dir="2700000" algn="ctr" rotWithShape="0">
+                    <a:srgbClr val="000000">
+                      <a:alpha val="74998"/>
+                    </a:srgbClr>
+                  </a:outerShdw>
+                </a:effectLst>
+              </a14:hiddenEffects>
+            </a:ext>
+          </a:extLst>
+        </p:spPr>
+        <p:txBody>
+          <a:bodyPr wrap="none" lIns="90000" tIns="67932" rIns="90000" bIns="45000" anchor="ctr"/>
+          <a:lstStyle/>
+          <a:p>
+            <a:pPr algn="ctr">
+              <a:tabLst>
+                <a:tab pos="723900" algn="l"/>
+                <a:tab pos="1447800" algn="l"/>
+                <a:tab pos="2171700" algn="l"/>
+              </a:tabLst>
+            </a:pPr>
+            <a:r>
+              <a:rPr lang="en-US" sz="2600" b="1" dirty="0" err="1" smtClean="0">
+                <a:solidFill>
+                  <a:srgbClr val="000000"/>
+                </a:solidFill>
+              </a:rPr>
+              <a:t>Wettbewerbs</a:t>
+            </a:r>
+            <a:r>
+              <a:rPr lang="en-US" sz="2600" b="1" dirty="0" smtClean="0">
+                <a:solidFill>
+                  <a:srgbClr val="000000"/>
+                </a:solidFill>
+              </a:rPr>
+              <a:t>-</a:t>
+            </a:r>
+          </a:p>
+          <a:p>
+            <a:pPr algn="ctr">
+              <a:tabLst>
+                <a:tab pos="723900" algn="l"/>
+                <a:tab pos="1447800" algn="l"/>
+                <a:tab pos="2171700" algn="l"/>
+              </a:tabLst>
+            </a:pPr>
+            <a:r>
+              <a:rPr lang="en-US" sz="2600" b="1" dirty="0" err="1">
+                <a:solidFill>
+                  <a:srgbClr val="000000"/>
+                </a:solidFill>
+              </a:rPr>
+              <a:t>v</a:t>
+            </a:r>
+            <a:r>
+              <a:rPr lang="en-US" sz="2600" b="1" dirty="0" err="1" smtClean="0">
+                <a:solidFill>
+                  <a:srgbClr val="000000"/>
+                </a:solidFill>
+              </a:rPr>
+              <a:t>orteil</a:t>
+            </a:r>
+            <a:endParaRPr lang="en-US" sz="2600" b="1" dirty="0">
+              <a:solidFill>
+                <a:srgbClr val="000000"/>
+              </a:solidFill>
+            </a:endParaRPr>
+          </a:p>
+        </p:txBody>
+      </p:sp>
+      <p:cxnSp>
+        <p:nvCxnSpPr>
+          <p:cNvPr id="9225" name="AutoShape 9"/>
+          <p:cNvCxnSpPr>
+            <a:cxnSpLocks noChangeShapeType="1"/>
+            <a:stCxn id="9223" idx="4"/>
+            <a:endCxn id="9224" idx="1"/>
+          </p:cNvCxnSpPr>
+          <p:nvPr/>
+        </p:nvCxnSpPr>
+        <p:spPr bwMode="auto">
+          <a:xfrm flipV="1">
+            <a:off x="5219700" y="4810125"/>
+            <a:ext cx="1819275" cy="11113"/>
+          </a:xfrm>
+          <a:prstGeom prst="straightConnector1">
+            <a:avLst/>
+          </a:prstGeom>
+          <a:noFill/>
+          <a:ln w="9525">
+            <a:solidFill>
+              <a:srgbClr val="000000"/>
+            </a:solidFill>
+            <a:round/>
+            <a:headEnd/>
+            <a:tailEnd type="triangle" w="med" len="med"/>
+          </a:ln>
+          <a:effectLst/>
+          <a:extLst>
+            <a:ext uri="{909E8E84-426E-40dd-AFC4-6F175D3DCCD1}">
+              <a14:hiddenFill xmlns:a14="http://schemas.microsoft.com/office/drawing/2010/main">
+                <a:noFill/>
+              </a14:hiddenFill>
+            </a:ext>
+            <a:ext uri="{AF507438-7753-43e0-B8FC-AC1667EBCBE1}">
+              <a14:hiddenEffects xmlns:a14="http://schemas.microsoft.com/office/drawing/2010/main">
+                <a:effectLst>
+                  <a:outerShdw blurRad="63500" dist="38099" dir="2700000" algn="ctr" rotWithShape="0">
+                    <a:srgbClr val="000000">
+                      <a:alpha val="74998"/>
+                    </a:srgbClr>
+                  </a:outerShdw>
+                </a:effectLst>
+              </a14:hiddenEffects>
+            </a:ext>
+          </a:extLst>
+        </p:spPr>
+      </p:cxnSp>
+      <p:sp>
+        <p:nvSpPr>
+          <p:cNvPr id="9226" name="Text Box 10"/>
+          <p:cNvSpPr txBox="1">
+            <a:spLocks noChangeArrowheads="1"/>
+          </p:cNvSpPr>
+          <p:nvPr/>
+        </p:nvSpPr>
+        <p:spPr bwMode="auto">
+          <a:xfrm>
+            <a:off x="2339975" y="252413"/>
+            <a:ext cx="7235825" cy="1104900"/>
+          </a:xfrm>
+          <a:prstGeom prst="rect">
+            <a:avLst/>
+          </a:prstGeom>
+          <a:noFill/>
+          <a:ln>
+            <a:noFill/>
+          </a:ln>
+          <a:effectLst/>
+          <a:extLst>
+            <a:ext uri="{909E8E84-426E-40dd-AFC4-6F175D3DCCD1}">
+              <a14:hiddenFill xmlns:a14="http://schemas.microsoft.com/office/drawing/2010/main">
+                <a:solidFill>
+                  <a:srgbClr val="FFFFFF"/>
+                </a:solidFill>
+              </a14:hiddenFill>
+            </a:ext>
+            <a:ext uri="{91240B29-F687-4f45-9708-019B960494DF}">
+              <a14:hiddenLine xmlns:a14="http://schemas.microsoft.com/office/drawing/2010/main" w="9525">
+                <a:solidFill>
+                  <a:srgbClr val="000000"/>
+                </a:solidFill>
+                <a:round/>
+                <a:headEnd/>
+                <a:tailEnd/>
+              </a14:hiddenLine>
+            </a:ext>
+            <a:ext uri="{AF507438-7753-43e0-B8FC-AC1667EBCBE1}">
+              <a14:hiddenEffects xmlns:a14="http://schemas.microsoft.com/office/drawing/2010/main">
+                <a:effectLst>
+                  <a:outerShdw blurRad="63500" dist="38099" dir="2700000" algn="ctr" rotWithShape="0">
+                    <a:srgbClr val="000000">
+                      <a:alpha val="74998"/>
+                    </a:srgbClr>
+                  </a:outerShdw>
+                </a:effectLst>
+              </a14:hiddenEffects>
+            </a:ext>
+          </a:extLst>
+        </p:spPr>
+        <p:txBody>
+          <a:bodyPr lIns="90000" tIns="45000" rIns="90000" bIns="45000"/>
+          <a:lstStyle>
+            <a:lvl1pPr>
+              <a:tabLst>
+                <a:tab pos="723900" algn="l"/>
+                <a:tab pos="1447800" algn="l"/>
+                <a:tab pos="2171700" algn="l"/>
+                <a:tab pos="2895600" algn="l"/>
+                <a:tab pos="3619500" algn="l"/>
+                <a:tab pos="4343400" algn="l"/>
+                <a:tab pos="5067300" algn="l"/>
+                <a:tab pos="5791200" algn="l"/>
+                <a:tab pos="6515100" algn="l"/>
+              </a:tabLst>
+              <a:defRPr>
+                <a:solidFill>
+                  <a:srgbClr val="000000"/>
+                </a:solidFill>
+                <a:latin typeface="Arial" charset="0"/>
+                <a:ea typeface="宋体" charset="0"/>
+                <a:cs typeface="宋体" charset="0"/>
+              </a:defRPr>
+            </a:lvl1pPr>
+            <a:lvl2pPr>
+              <a:tabLst>
+                <a:tab pos="723900" algn="l"/>
+                <a:tab pos="1447800" algn="l"/>
+                <a:tab pos="2171700" algn="l"/>
+                <a:tab pos="2895600" algn="l"/>
+                <a:tab pos="3619500" algn="l"/>
+                <a:tab pos="4343400" algn="l"/>
+                <a:tab pos="5067300" algn="l"/>
+                <a:tab pos="5791200" algn="l"/>
+                <a:tab pos="6515100" algn="l"/>
+              </a:tabLst>
+              <a:defRPr>
+                <a:solidFill>
+                  <a:srgbClr val="000000"/>
+                </a:solidFill>
+                <a:latin typeface="Arial" charset="0"/>
+                <a:ea typeface="宋体" charset="0"/>
+                <a:cs typeface="宋体" charset="0"/>
+              </a:defRPr>
+            </a:lvl2pPr>
+            <a:lvl3pPr>
+              <a:tabLst>
+                <a:tab pos="723900" algn="l"/>
+                <a:tab pos="1447800" algn="l"/>
+                <a:tab pos="2171700" algn="l"/>
+                <a:tab pos="2895600" algn="l"/>
+                <a:tab pos="3619500" algn="l"/>
+                <a:tab pos="4343400" algn="l"/>
+                <a:tab pos="5067300" algn="l"/>
+                <a:tab pos="5791200" algn="l"/>
+                <a:tab pos="6515100" algn="l"/>
+              </a:tabLst>
+              <a:defRPr>
+                <a:solidFill>
+                  <a:srgbClr val="000000"/>
+                </a:solidFill>
+                <a:latin typeface="Arial" charset="0"/>
+                <a:ea typeface="宋体" charset="0"/>
+                <a:cs typeface="宋体" charset="0"/>
+              </a:defRPr>
+            </a:lvl3pPr>
+            <a:lvl4pPr>
+              <a:tabLst>
+                <a:tab pos="723900" algn="l"/>
+                <a:tab pos="1447800" algn="l"/>
+                <a:tab pos="2171700" algn="l"/>
+                <a:tab pos="2895600" algn="l"/>
+                <a:tab pos="3619500" algn="l"/>
+                <a:tab pos="4343400" algn="l"/>
+                <a:tab pos="5067300" algn="l"/>
+                <a:tab pos="5791200" algn="l"/>
+                <a:tab pos="6515100" algn="l"/>
+              </a:tabLst>
+              <a:defRPr>
+                <a:solidFill>
+                  <a:srgbClr val="000000"/>
+                </a:solidFill>
+                <a:latin typeface="Arial" charset="0"/>
+                <a:ea typeface="宋体" charset="0"/>
+                <a:cs typeface="宋体" charset="0"/>
+              </a:defRPr>
+            </a:lvl4pPr>
+            <a:lvl5pPr>
+              <a:tabLst>
+                <a:tab pos="723900" algn="l"/>
+                <a:tab pos="1447800" algn="l"/>
+                <a:tab pos="2171700" algn="l"/>
+                <a:tab pos="2895600" algn="l"/>
+                <a:tab pos="3619500" algn="l"/>
+                <a:tab pos="4343400" algn="l"/>
+                <a:tab pos="5067300" algn="l"/>
+                <a:tab pos="5791200" algn="l"/>
+                <a:tab pos="6515100" algn="l"/>
+              </a:tabLst>
+              <a:defRPr>
+                <a:solidFill>
+                  <a:srgbClr val="000000"/>
+                </a:solidFill>
+                <a:latin typeface="Arial" charset="0"/>
+                <a:ea typeface="宋体" charset="0"/>
+                <a:cs typeface="宋体" charset="0"/>
+              </a:defRPr>
+            </a:lvl5pPr>
+            <a:lvl6pPr marL="2514600" indent="-228600" defTabSz="449263" fontAlgn="base" hangingPunct="0">
+              <a:lnSpc>
+                <a:spcPct val="93000"/>
+              </a:lnSpc>
+              <a:spcBef>
+                <a:spcPct val="0"/>
+              </a:spcBef>
+              <a:spcAft>
+                <a:spcPct val="0"/>
+              </a:spcAft>
+              <a:buClr>
+                <a:srgbClr val="000000"/>
+              </a:buClr>
+              <a:buSzPct val="100000"/>
+              <a:buFont typeface="Times New Roman" charset="0"/>
+              <a:tabLst>
+                <a:tab pos="723900" algn="l"/>
+                <a:tab pos="1447800" algn="l"/>
+                <a:tab pos="2171700" algn="l"/>
+                <a:tab pos="2895600" algn="l"/>
+                <a:tab pos="3619500" algn="l"/>
+                <a:tab pos="4343400" algn="l"/>
+                <a:tab pos="5067300" algn="l"/>
+                <a:tab pos="5791200" algn="l"/>
+                <a:tab pos="6515100" algn="l"/>
+              </a:tabLst>
+              <a:defRPr>
+                <a:solidFill>
+                  <a:srgbClr val="000000"/>
+                </a:solidFill>
+                <a:latin typeface="Arial" charset="0"/>
+                <a:ea typeface="宋体" charset="0"/>
+                <a:cs typeface="宋体" charset="0"/>
+              </a:defRPr>
+            </a:lvl6pPr>
+            <a:lvl7pPr marL="2971800" indent="-228600" defTabSz="449263" fontAlgn="base" hangingPunct="0">
+              <a:lnSpc>
+                <a:spcPct val="93000"/>
+              </a:lnSpc>
+              <a:spcBef>
+                <a:spcPct val="0"/>
+              </a:spcBef>
+              <a:spcAft>
+                <a:spcPct val="0"/>
+              </a:spcAft>
+              <a:buClr>
+                <a:srgbClr val="000000"/>
+              </a:buClr>
+              <a:buSzPct val="100000"/>
+              <a:buFont typeface="Times New Roman" charset="0"/>
+              <a:tabLst>
+                <a:tab pos="723900" algn="l"/>
+                <a:tab pos="1447800" algn="l"/>
+                <a:tab pos="2171700" algn="l"/>
+                <a:tab pos="2895600" algn="l"/>
+                <a:tab pos="3619500" algn="l"/>
+                <a:tab pos="4343400" algn="l"/>
+                <a:tab pos="5067300" algn="l"/>
+                <a:tab pos="5791200" algn="l"/>
+                <a:tab pos="6515100" algn="l"/>
+              </a:tabLst>
+              <a:defRPr>
+                <a:solidFill>
+                  <a:srgbClr val="000000"/>
+                </a:solidFill>
+                <a:latin typeface="Arial" charset="0"/>
+                <a:ea typeface="宋体" charset="0"/>
+                <a:cs typeface="宋体" charset="0"/>
+              </a:defRPr>
+            </a:lvl7pPr>
+            <a:lvl8pPr marL="3429000" indent="-228600" defTabSz="449263" fontAlgn="base" hangingPunct="0">
+              <a:lnSpc>
+                <a:spcPct val="93000"/>
+              </a:lnSpc>
+              <a:spcBef>
+                <a:spcPct val="0"/>
+              </a:spcBef>
+              <a:spcAft>
+                <a:spcPct val="0"/>
+              </a:spcAft>
+              <a:buClr>
+                <a:srgbClr val="000000"/>
+              </a:buClr>
+              <a:buSzPct val="100000"/>
+              <a:buFont typeface="Times New Roman" charset="0"/>
+              <a:tabLst>
+                <a:tab pos="723900" algn="l"/>
+                <a:tab pos="1447800" algn="l"/>
+                <a:tab pos="2171700" algn="l"/>
+                <a:tab pos="2895600" algn="l"/>
+                <a:tab pos="3619500" algn="l"/>
+                <a:tab pos="4343400" algn="l"/>
+                <a:tab pos="5067300" algn="l"/>
+                <a:tab pos="5791200" algn="l"/>
+                <a:tab pos="6515100" algn="l"/>
+              </a:tabLst>
+              <a:defRPr>
+                <a:solidFill>
+                  <a:srgbClr val="000000"/>
+                </a:solidFill>
+                <a:latin typeface="Arial" charset="0"/>
+                <a:ea typeface="宋体" charset="0"/>
+                <a:cs typeface="宋体" charset="0"/>
+              </a:defRPr>
+            </a:lvl8pPr>
+            <a:lvl9pPr marL="3886200" indent="-228600" defTabSz="449263" fontAlgn="base" hangingPunct="0">
+              <a:lnSpc>
+                <a:spcPct val="93000"/>
+              </a:lnSpc>
+              <a:spcBef>
+                <a:spcPct val="0"/>
+              </a:spcBef>
+              <a:spcAft>
+                <a:spcPct val="0"/>
+              </a:spcAft>
+              <a:buClr>
+                <a:srgbClr val="000000"/>
+              </a:buClr>
+              <a:buSzPct val="100000"/>
+              <a:buFont typeface="Times New Roman" charset="0"/>
+              <a:tabLst>
+                <a:tab pos="723900" algn="l"/>
+                <a:tab pos="1447800" algn="l"/>
+                <a:tab pos="2171700" algn="l"/>
+                <a:tab pos="2895600" algn="l"/>
+                <a:tab pos="3619500" algn="l"/>
+                <a:tab pos="4343400" algn="l"/>
+                <a:tab pos="5067300" algn="l"/>
+                <a:tab pos="5791200" algn="l"/>
+                <a:tab pos="6515100" algn="l"/>
+              </a:tabLst>
+              <a:defRPr>
+                <a:solidFill>
+                  <a:srgbClr val="000000"/>
+                </a:solidFill>
+                <a:latin typeface="Arial" charset="0"/>
+                <a:ea typeface="宋体" charset="0"/>
+                <a:cs typeface="宋体" charset="0"/>
+              </a:defRPr>
+            </a:lvl9pPr>
+          </a:lstStyle>
+          <a:p>
+            <a:pPr>
+              <a:lnSpc>
+                <a:spcPct val="118000"/>
+              </a:lnSpc>
+            </a:pPr>
+            <a:r>
+              <a:rPr lang="en-US" sz="3600" dirty="0" err="1" smtClean="0">
+                <a:latin typeface="Arial Black" charset="0"/>
+              </a:rPr>
+              <a:t>Kundennutzen</a:t>
+            </a:r>
+            <a:endParaRPr lang="en-US" sz="2600" dirty="0">
+              <a:solidFill>
+                <a:srgbClr val="647ED0"/>
+              </a:solidFill>
+            </a:endParaRPr>
+          </a:p>
+        </p:txBody>
+      </p:sp>
+    </p:spTree>
+    <p:extLst>
+      <p:ext uri="{BB962C8B-B14F-4D97-AF65-F5344CB8AC3E}">
+        <p14:creationId xmlns:p14="http://schemas.microsoft.com/office/powerpoint/2010/main" val="3400019863"/>
+      </p:ext>
+    </p:extLst>
+  </p:cSld>
+  <p:clrMapOvr>
+    <a:masterClrMapping/>
+  </p:clrMapOvr>
+  <p:transition xmlns:p14="http://schemas.microsoft.com/office/powerpoint/2010/main" spd="med"/>
+  <p:timing>
+    <p:tnLst>
+      <p:par>
+        <p:cTn xmlns:p14="http://schemas.microsoft.com/office/powerpoint/2010/main" id="1" dur="indefinite" restart="never" nodeType="tmRoot">
+          <p:childTnLst>
+            <p:seq concurrent="1" nextAc="seek">
+              <p:cTn id="2" dur="indefinite" nodeType="mainSeq">
+                <p:childTnLst>
+                  <p:par>
+                    <p:cTn id="3" fill="hold">
+                      <p:stCondLst>
+                        <p:cond delay="indefinite"/>
+                      </p:stCondLst>
+                      <p:childTnLst>
+                        <p:par>
+                          <p:cTn id="4" fill="hold">
+                            <p:stCondLst>
+                              <p:cond delay="0"/>
+                            </p:stCondLst>
+                            <p:childTnLst>
+                              <p:par>
+                                <p:cTn id="5" presetID="1" presetClass="entr" presetSubtype="0" fill="hold" grpId="0" nodeType="clickEffect">
+                                  <p:stCondLst>
+                                    <p:cond delay="0"/>
+                                  </p:stCondLst>
+                                  <p:childTnLst>
+                                    <p:set>
+                                      <p:cBhvr>
+                                        <p:cTn id="6" dur="1" fill="hold">
+                                          <p:stCondLst>
+                                            <p:cond delay="0"/>
+                                          </p:stCondLst>
+                                        </p:cTn>
+                                        <p:tgtEl>
+                                          <p:spTgt spid="9217"/>
+                                        </p:tgtEl>
+                                        <p:attrNameLst>
+                                          <p:attrName>style.visibility</p:attrName>
+                                        </p:attrNameLst>
+                                      </p:cBhvr>
+                                      <p:to>
+                                        <p:strVal val="visible"/>
+                                      </p:to>
+                                    </p:set>
+                                  </p:childTnLst>
+                                </p:cTn>
+                              </p:par>
+                            </p:childTnLst>
+                          </p:cTn>
+                        </p:par>
+                      </p:childTnLst>
+                    </p:cTn>
+                  </p:par>
+                  <p:par>
+                    <p:cTn id="7" fill="hold">
+                      <p:stCondLst>
+                        <p:cond delay="indefinite"/>
+                      </p:stCondLst>
+                      <p:childTnLst>
+                        <p:par>
+                          <p:cTn id="8" fill="hold">
+                            <p:stCondLst>
+                              <p:cond delay="0"/>
+                            </p:stCondLst>
+                            <p:childTnLst>
+                              <p:par>
+                                <p:cTn id="9" presetID="1" presetClass="entr" presetSubtype="0" fill="hold" grpId="0" nodeType="clickEffect">
+                                  <p:stCondLst>
+                                    <p:cond delay="0"/>
+                                  </p:stCondLst>
+                                  <p:childTnLst>
+                                    <p:set>
+                                      <p:cBhvr>
+                                        <p:cTn id="10" dur="1" fill="hold">
+                                          <p:stCondLst>
+                                            <p:cond delay="0"/>
+                                          </p:stCondLst>
+                                        </p:cTn>
+                                        <p:tgtEl>
+                                          <p:spTgt spid="9218"/>
+                                        </p:tgtEl>
+                                        <p:attrNameLst>
+                                          <p:attrName>style.visibility</p:attrName>
+                                        </p:attrNameLst>
+                                      </p:cBhvr>
+                                      <p:to>
+                                        <p:strVal val="visible"/>
+                                      </p:to>
+                                    </p:set>
+                                  </p:childTnLst>
+                                </p:cTn>
+                              </p:par>
+                            </p:childTnLst>
+                          </p:cTn>
+                        </p:par>
+                      </p:childTnLst>
+                    </p:cTn>
+                  </p:par>
+                  <p:par>
+                    <p:cTn id="11" fill="hold">
+                      <p:stCondLst>
+                        <p:cond delay="indefinite"/>
+                      </p:stCondLst>
+                      <p:childTnLst>
+                        <p:par>
+                          <p:cTn id="12" fill="hold">
+                            <p:stCondLst>
+                              <p:cond delay="0"/>
+                            </p:stCondLst>
+                            <p:childTnLst>
+                              <p:par>
+                                <p:cTn id="13" presetID="1" presetClass="entr" presetSubtype="0" fill="hold" grpId="0" nodeType="clickEffect">
+                                  <p:stCondLst>
+                                    <p:cond delay="0"/>
+                                  </p:stCondLst>
+                                  <p:childTnLst>
+                                    <p:set>
+                                      <p:cBhvr>
+                                        <p:cTn id="14" dur="1" fill="hold">
+                                          <p:stCondLst>
+                                            <p:cond delay="0"/>
+                                          </p:stCondLst>
+                                        </p:cTn>
+                                        <p:tgtEl>
+                                          <p:spTgt spid="9220"/>
+                                        </p:tgtEl>
+                                        <p:attrNameLst>
+                                          <p:attrName>style.visibility</p:attrName>
+                                        </p:attrNameLst>
+                                      </p:cBhvr>
+                                      <p:to>
+                                        <p:strVal val="visible"/>
+                                      </p:to>
+                                    </p:set>
+                                  </p:childTnLst>
+                                </p:cTn>
+                              </p:par>
+                            </p:childTnLst>
+                          </p:cTn>
+                        </p:par>
+                      </p:childTnLst>
+                    </p:cTn>
+                  </p:par>
+                  <p:par>
+                    <p:cTn id="15" fill="hold">
+                      <p:stCondLst>
+                        <p:cond delay="indefinite"/>
+                      </p:stCondLst>
+                      <p:childTnLst>
+                        <p:par>
+                          <p:cTn id="16" fill="hold">
+                            <p:stCondLst>
+                              <p:cond delay="0"/>
+                            </p:stCondLst>
+                            <p:childTnLst>
+                              <p:par>
+                                <p:cTn id="17" presetID="1" presetClass="entr" presetSubtype="0" fill="hold" grpId="0" nodeType="clickEffect">
+                                  <p:stCondLst>
+                                    <p:cond delay="0"/>
+                                  </p:stCondLst>
+                                  <p:childTnLst>
+                                    <p:set>
+                                      <p:cBhvr>
+                                        <p:cTn id="18" dur="1" fill="hold">
+                                          <p:stCondLst>
+                                            <p:cond delay="0"/>
+                                          </p:stCondLst>
+                                        </p:cTn>
+                                        <p:tgtEl>
+                                          <p:spTgt spid="9221"/>
+                                        </p:tgtEl>
+                                        <p:attrNameLst>
+                                          <p:attrName>style.visibility</p:attrName>
+                                        </p:attrNameLst>
+                                      </p:cBhvr>
+                                      <p:to>
+                                        <p:strVal val="visible"/>
+                                      </p:to>
+                                    </p:set>
+                                  </p:childTnLst>
+                                </p:cTn>
+                              </p:par>
+                            </p:childTnLst>
+                          </p:cTn>
+                        </p:par>
+                      </p:childTnLst>
+                    </p:cTn>
+                  </p:par>
+                  <p:par>
+                    <p:cTn id="19" fill="hold">
+                      <p:stCondLst>
+                        <p:cond delay="indefinite"/>
+                      </p:stCondLst>
+                      <p:childTnLst>
+                        <p:par>
+                          <p:cTn id="20" fill="hold">
+                            <p:stCondLst>
+                              <p:cond delay="0"/>
+                            </p:stCondLst>
+                            <p:childTnLst>
+                              <p:par>
+                                <p:cTn id="21" presetID="1" presetClass="entr" presetSubtype="0" fill="hold" grpId="0" nodeType="clickEffect">
+                                  <p:stCondLst>
+                                    <p:cond delay="0"/>
+                                  </p:stCondLst>
+                                  <p:childTnLst>
+                                    <p:set>
+                                      <p:cBhvr>
+                                        <p:cTn id="22" dur="1" fill="hold">
+                                          <p:stCondLst>
+                                            <p:cond delay="0"/>
+                                          </p:stCondLst>
+                                        </p:cTn>
+                                        <p:tgtEl>
+                                          <p:spTgt spid="9219"/>
+                                        </p:tgtEl>
+                                        <p:attrNameLst>
+                                          <p:attrName>style.visibility</p:attrName>
+                                        </p:attrNameLst>
+                                      </p:cBhvr>
+                                      <p:to>
+                                        <p:strVal val="visible"/>
+                                      </p:to>
+                                    </p:set>
+                                  </p:childTnLst>
+                                </p:cTn>
+                              </p:par>
+                            </p:childTnLst>
+                          </p:cTn>
+                        </p:par>
+                      </p:childTnLst>
+                    </p:cTn>
+                  </p:par>
+                </p:childTnLst>
+              </p:cTn>
+              <p:prevCondLst>
+                <p:cond evt="onPrev" delay="0">
+                  <p:tgtEl>
+                    <p:sldTgt/>
+                  </p:tgtEl>
+                </p:cond>
+              </p:prevCondLst>
+              <p:nextCondLst>
+                <p:cond evt="onNext" delay="0">
+                  <p:tgtEl>
+                    <p:sldTgt/>
+                  </p:tgtEl>
+                </p:cond>
+              </p:nextCondLst>
+            </p:seq>
+          </p:childTnLst>
+        </p:cTn>
+      </p:par>
+    </p:tnLst>
+    <p:bldLst>
+      <p:bldP spid="9217" grpId="0" animBg="1"/>
+      <p:bldP spid="9218" grpId="0" animBg="1"/>
+      <p:bldP spid="9219" grpId="0" animBg="1"/>
+      <p:bldP spid="9220" grpId="0" animBg="1"/>
+      <p:bldP spid="9221" grpId="0" animBg="1"/>
+    </p:bldLst>
+  </p:timing>
+</p:sld>
+</file>
+
+<file path=ppt/slides/slide12.xml><?xml version="1.0" encoding="utf-8"?>
+<p:sld xmlns:a="http://schemas.openxmlformats.org/drawingml/2006/main" xmlns:r="http://schemas.openxmlformats.org/officeDocument/2006/relationships" xmlns:p="http://schemas.openxmlformats.org/presentationml/2006/main">
+  <p:cSld>
+    <p:spTree>
+      <p:nvGrpSpPr>
+        <p:cNvPr id="1" name=""/>
+        <p:cNvGrpSpPr/>
+        <p:nvPr/>
+      </p:nvGrpSpPr>
+      <p:grpSpPr>
+        <a:xfrm>
+          <a:off x="0" y="0"/>
+          <a:ext cx="0" cy="0"/>
+          <a:chOff x="0" y="0"/>
+          <a:chExt cx="0" cy="0"/>
+        </a:xfrm>
+      </p:grpSpPr>
+      <p:sp>
+        <p:nvSpPr>
           <p:cNvPr id="2" name="Title 1"/>
           <p:cNvSpPr>
             <a:spLocks noGrp="1"/>
@@ -5306,7 +6965,7 @@
           </a:ln>
           <a:effectLst/>
           <a:extLst>
-            <a:ext uri="{91240B29-F687-4F45-9708-019B960494DF}">
+            <a:ext uri="{91240B29-F687-4f45-9708-019B960494DF}">
               <a14:hiddenLine xmlns:a14="http://schemas.microsoft.com/office/drawing/2010/main" w="9525">
                 <a:solidFill>
                   <a:srgbClr val="000000"/>
@@ -5316,7 +6975,7 @@
                 <a:tailEnd/>
               </a14:hiddenLine>
             </a:ext>
-            <a:ext uri="{AF507438-7753-43E0-B8FC-AC1667EBCBE1}">
+            <a:ext uri="{AF507438-7753-43e0-B8FC-AC1667EBCBE1}">
               <a14:hiddenEffects xmlns:a14="http://schemas.microsoft.com/office/drawing/2010/main">
                 <a:effectLst>
                   <a:outerShdw blurRad="63500" dist="38099" dir="2700000" algn="ctr" rotWithShape="0">
@@ -5389,7 +7048,7 @@
           </a:ln>
           <a:effectLst/>
           <a:extLst>
-            <a:ext uri="{91240B29-F687-4F45-9708-019B960494DF}">
+            <a:ext uri="{91240B29-F687-4f45-9708-019B960494DF}">
               <a14:hiddenLine xmlns:a14="http://schemas.microsoft.com/office/drawing/2010/main" w="9525">
                 <a:solidFill>
                   <a:srgbClr val="000000"/>
@@ -5399,7 +7058,7 @@
                 <a:tailEnd/>
               </a14:hiddenLine>
             </a:ext>
-            <a:ext uri="{AF507438-7753-43E0-B8FC-AC1667EBCBE1}">
+            <a:ext uri="{AF507438-7753-43e0-B8FC-AC1667EBCBE1}">
               <a14:hiddenEffects xmlns:a14="http://schemas.microsoft.com/office/drawing/2010/main">
                 <a:effectLst>
                   <a:outerShdw blurRad="63500" dist="38099" dir="2700000" algn="ctr" rotWithShape="0">
@@ -5500,14 +7159,14 @@
           </a:ln>
           <a:effectLst/>
           <a:extLst>
-            <a:ext uri="{909E8E84-426E-40DD-AFC4-6F175D3DCCD1}">
+            <a:ext uri="{909E8E84-426E-40dd-AFC4-6F175D3DCCD1}">
               <a14:hiddenFill xmlns:a14="http://schemas.microsoft.com/office/drawing/2010/main">
                 <a:solidFill>
                   <a:srgbClr val="FFFFFF"/>
                 </a:solidFill>
               </a14:hiddenFill>
             </a:ext>
-            <a:ext uri="{91240B29-F687-4F45-9708-019B960494DF}">
+            <a:ext uri="{91240B29-F687-4f45-9708-019B960494DF}">
               <a14:hiddenLine xmlns:a14="http://schemas.microsoft.com/office/drawing/2010/main" w="9525">
                 <a:solidFill>
                   <a:srgbClr val="000000"/>
@@ -5517,7 +7176,7 @@
                 <a:tailEnd/>
               </a14:hiddenLine>
             </a:ext>
-            <a:ext uri="{AF507438-7753-43E0-B8FC-AC1667EBCBE1}">
+            <a:ext uri="{AF507438-7753-43e0-B8FC-AC1667EBCBE1}">
               <a14:hiddenEffects xmlns:a14="http://schemas.microsoft.com/office/drawing/2010/main">
                 <a:effectLst>
                   <a:outerShdw blurRad="63500" dist="38099" dir="2700000" algn="ctr" rotWithShape="0">
@@ -5861,14 +7520,14 @@
           </a:ln>
           <a:effectLst/>
           <a:extLst>
-            <a:ext uri="{909E8E84-426E-40DD-AFC4-6F175D3DCCD1}">
+            <a:ext uri="{909E8E84-426E-40dd-AFC4-6F175D3DCCD1}">
               <a14:hiddenFill xmlns:a14="http://schemas.microsoft.com/office/drawing/2010/main">
                 <a:solidFill>
                   <a:srgbClr val="FFFFFF"/>
                 </a:solidFill>
               </a14:hiddenFill>
             </a:ext>
-            <a:ext uri="{91240B29-F687-4F45-9708-019B960494DF}">
+            <a:ext uri="{91240B29-F687-4f45-9708-019B960494DF}">
               <a14:hiddenLine xmlns:a14="http://schemas.microsoft.com/office/drawing/2010/main" w="9525">
                 <a:solidFill>
                   <a:srgbClr val="000000"/>
@@ -5878,7 +7537,7 @@
                 <a:tailEnd/>
               </a14:hiddenLine>
             </a:ext>
-            <a:ext uri="{AF507438-7753-43E0-B8FC-AC1667EBCBE1}">
+            <a:ext uri="{AF507438-7753-43e0-B8FC-AC1667EBCBE1}">
               <a14:hiddenEffects xmlns:a14="http://schemas.microsoft.com/office/drawing/2010/main">
                 <a:effectLst>
                   <a:outerShdw blurRad="63500" dist="38099" dir="2700000" algn="ctr" rotWithShape="0">
@@ -6194,14 +7853,14 @@
   <p:timing>
     <p:tnLst>
       <p:par>
-        <p:cTn id="1" dur="indefinite" restart="never" nodeType="tmRoot"/>
+        <p:cTn xmlns:p14="http://schemas.microsoft.com/office/powerpoint/2010/main" id="1" dur="indefinite" restart="never" nodeType="tmRoot"/>
       </p:par>
     </p:tnLst>
   </p:timing>
 </p:sld>
 </file>
 
-<file path=ppt/slides/slide12.xml><?xml version="1.0" encoding="utf-8"?>
+<file path=ppt/slides/slide13.xml><?xml version="1.0" encoding="utf-8"?>
 <p:sld xmlns:a="http://schemas.openxmlformats.org/drawingml/2006/main" xmlns:r="http://schemas.openxmlformats.org/officeDocument/2006/relationships" xmlns:p="http://schemas.openxmlformats.org/presentationml/2006/main">
   <p:cSld>
     <p:bg>
@@ -6271,14 +7930,14 @@
           </a:ln>
           <a:effectLst/>
           <a:extLst>
-            <a:ext uri="{909E8E84-426E-40DD-AFC4-6F175D3DCCD1}">
+            <a:ext uri="{909E8E84-426E-40dd-AFC4-6F175D3DCCD1}">
               <a14:hiddenFill xmlns:a14="http://schemas.microsoft.com/office/drawing/2010/main">
                 <a:solidFill>
                   <a:srgbClr val="FFFFFF"/>
                 </a:solidFill>
               </a14:hiddenFill>
             </a:ext>
-            <a:ext uri="{91240B29-F687-4F45-9708-019B960494DF}">
+            <a:ext uri="{91240B29-F687-4f45-9708-019B960494DF}">
               <a14:hiddenLine xmlns:a14="http://schemas.microsoft.com/office/drawing/2010/main" w="9525">
                 <a:solidFill>
                   <a:srgbClr val="808080"/>
@@ -6288,7 +7947,7 @@
                 <a:tailEnd/>
               </a14:hiddenLine>
             </a:ext>
-            <a:ext uri="{AF507438-7753-43E0-B8FC-AC1667EBCBE1}">
+            <a:ext uri="{AF507438-7753-43e0-B8FC-AC1667EBCBE1}">
               <a14:hiddenEffects xmlns:a14="http://schemas.microsoft.com/office/drawing/2010/main">
                 <a:effectLst>
                   <a:outerShdw blurRad="63500" dist="38099" dir="2700000" algn="ctr" rotWithShape="0">
@@ -6635,11 +8294,11 @@
   <p:clrMapOvr>
     <a:masterClrMapping/>
   </p:clrMapOvr>
-  <p:transition spd="med"/>
+  <p:transition xmlns:p14="http://schemas.microsoft.com/office/powerpoint/2010/main" spd="med"/>
   <p:timing>
     <p:tnLst>
       <p:par>
-        <p:cTn id="1" dur="indefinite" restart="never" nodeType="tmRoot">
+        <p:cTn xmlns:p14="http://schemas.microsoft.com/office/powerpoint/2010/main" id="1" dur="indefinite" restart="never" nodeType="tmRoot">
           <p:childTnLst>
             <p:seq concurrent="1" nextAc="seek">
               <p:cTn id="2" dur="0" nodeType="mainSeq"/>
@@ -6735,7 +8394,7 @@
           </a:ln>
           <a:effectLst/>
           <a:extLst>
-            <a:ext uri="{91240B29-F687-4F45-9708-019B960494DF}">
+            <a:ext uri="{91240B29-F687-4f45-9708-019B960494DF}">
               <a14:hiddenLine xmlns:a14="http://schemas.microsoft.com/office/drawing/2010/main" w="9525">
                 <a:solidFill>
                   <a:srgbClr val="000000"/>
@@ -6745,7 +8404,7 @@
                 <a:tailEnd/>
               </a14:hiddenLine>
             </a:ext>
-            <a:ext uri="{AF507438-7753-43E0-B8FC-AC1667EBCBE1}">
+            <a:ext uri="{AF507438-7753-43e0-B8FC-AC1667EBCBE1}">
               <a14:hiddenEffects xmlns:a14="http://schemas.microsoft.com/office/drawing/2010/main">
                 <a:effectLst>
                   <a:outerShdw blurRad="63500" dist="38099" dir="2700000" algn="ctr" rotWithShape="0">
@@ -6831,7 +8490,7 @@
           </a:ln>
           <a:effectLst/>
           <a:extLst>
-            <a:ext uri="{91240B29-F687-4F45-9708-019B960494DF}">
+            <a:ext uri="{91240B29-F687-4f45-9708-019B960494DF}">
               <a14:hiddenLine xmlns:a14="http://schemas.microsoft.com/office/drawing/2010/main" w="9525">
                 <a:solidFill>
                   <a:srgbClr val="000000"/>
@@ -6841,7 +8500,7 @@
                 <a:tailEnd/>
               </a14:hiddenLine>
             </a:ext>
-            <a:ext uri="{AF507438-7753-43E0-B8FC-AC1667EBCBE1}">
+            <a:ext uri="{AF507438-7753-43e0-B8FC-AC1667EBCBE1}">
               <a14:hiddenEffects xmlns:a14="http://schemas.microsoft.com/office/drawing/2010/main">
                 <a:effectLst>
                   <a:outerShdw blurRad="63500" dist="38099" dir="2700000" algn="ctr" rotWithShape="0">
@@ -6903,7 +8562,7 @@
           </a:ln>
           <a:effectLst/>
           <a:extLst>
-            <a:ext uri="{91240B29-F687-4F45-9708-019B960494DF}">
+            <a:ext uri="{91240B29-F687-4f45-9708-019B960494DF}">
               <a14:hiddenLine xmlns:a14="http://schemas.microsoft.com/office/drawing/2010/main" w="9525">
                 <a:solidFill>
                   <a:srgbClr val="000000"/>
@@ -6913,7 +8572,7 @@
                 <a:tailEnd/>
               </a14:hiddenLine>
             </a:ext>
-            <a:ext uri="{AF507438-7753-43E0-B8FC-AC1667EBCBE1}">
+            <a:ext uri="{AF507438-7753-43e0-B8FC-AC1667EBCBE1}">
               <a14:hiddenEffects xmlns:a14="http://schemas.microsoft.com/office/drawing/2010/main">
                 <a:effectLst>
                   <a:outerShdw blurRad="63500" dist="38099" dir="2700000" algn="ctr" rotWithShape="0">
@@ -6977,7 +8636,7 @@
           </a:ln>
           <a:effectLst/>
           <a:extLst>
-            <a:ext uri="{91240B29-F687-4F45-9708-019B960494DF}">
+            <a:ext uri="{91240B29-F687-4f45-9708-019B960494DF}">
               <a14:hiddenLine xmlns:a14="http://schemas.microsoft.com/office/drawing/2010/main" w="9525">
                 <a:solidFill>
                   <a:srgbClr val="000000"/>
@@ -6987,7 +8646,7 @@
                 <a:tailEnd/>
               </a14:hiddenLine>
             </a:ext>
-            <a:ext uri="{AF507438-7753-43E0-B8FC-AC1667EBCBE1}">
+            <a:ext uri="{AF507438-7753-43e0-B8FC-AC1667EBCBE1}">
               <a14:hiddenEffects xmlns:a14="http://schemas.microsoft.com/office/drawing/2010/main">
                 <a:effectLst>
                   <a:outerShdw blurRad="63500" dist="38099" dir="2700000" algn="ctr" rotWithShape="0">
@@ -7077,12 +8736,12 @@
           </a:ln>
           <a:effectLst/>
           <a:extLst>
-            <a:ext uri="{909E8E84-426E-40DD-AFC4-6F175D3DCCD1}">
+            <a:ext uri="{909E8E84-426E-40dd-AFC4-6F175D3DCCD1}">
               <a14:hiddenFill xmlns:a14="http://schemas.microsoft.com/office/drawing/2010/main">
                 <a:noFill/>
               </a14:hiddenFill>
             </a:ext>
-            <a:ext uri="{AF507438-7753-43E0-B8FC-AC1667EBCBE1}">
+            <a:ext uri="{AF507438-7753-43e0-B8FC-AC1667EBCBE1}">
               <a14:hiddenEffects xmlns:a14="http://schemas.microsoft.com/office/drawing/2010/main">
                 <a:effectLst>
                   <a:outerShdw blurRad="63500" dist="38099" dir="2700000" algn="ctr" rotWithShape="0">
@@ -7125,12 +8784,12 @@
           </a:ln>
           <a:effectLst/>
           <a:extLst>
-            <a:ext uri="{909E8E84-426E-40DD-AFC4-6F175D3DCCD1}">
+            <a:ext uri="{909E8E84-426E-40dd-AFC4-6F175D3DCCD1}">
               <a14:hiddenFill xmlns:a14="http://schemas.microsoft.com/office/drawing/2010/main">
                 <a:noFill/>
               </a14:hiddenFill>
             </a:ext>
-            <a:ext uri="{AF507438-7753-43E0-B8FC-AC1667EBCBE1}">
+            <a:ext uri="{AF507438-7753-43e0-B8FC-AC1667EBCBE1}">
               <a14:hiddenEffects xmlns:a14="http://schemas.microsoft.com/office/drawing/2010/main">
                 <a:effectLst>
                   <a:outerShdw blurRad="63500" dist="38099" dir="2700000" algn="ctr" rotWithShape="0">
@@ -7170,7 +8829,7 @@
           </a:ln>
           <a:effectLst/>
           <a:extLst>
-            <a:ext uri="{91240B29-F687-4F45-9708-019B960494DF}">
+            <a:ext uri="{91240B29-F687-4f45-9708-019B960494DF}">
               <a14:hiddenLine xmlns:a14="http://schemas.microsoft.com/office/drawing/2010/main" w="9525">
                 <a:solidFill>
                   <a:srgbClr val="000000"/>
@@ -7180,7 +8839,7 @@
                 <a:tailEnd/>
               </a14:hiddenLine>
             </a:ext>
-            <a:ext uri="{AF507438-7753-43E0-B8FC-AC1667EBCBE1}">
+            <a:ext uri="{AF507438-7753-43e0-B8FC-AC1667EBCBE1}">
               <a14:hiddenEffects xmlns:a14="http://schemas.microsoft.com/office/drawing/2010/main">
                 <a:effectLst>
                   <a:outerShdw blurRad="63500" dist="38099" dir="2700000" algn="ctr" rotWithShape="0">
@@ -7263,7 +8922,7 @@
   <p:timing>
     <p:tnLst>
       <p:par>
-        <p:cTn id="1" dur="indefinite" restart="never" nodeType="tmRoot"/>
+        <p:cTn xmlns:p14="http://schemas.microsoft.com/office/powerpoint/2010/main" id="1" dur="indefinite" restart="never" nodeType="tmRoot"/>
       </p:par>
     </p:tnLst>
   </p:timing>
@@ -7341,7 +9000,7 @@
           </a:ln>
           <a:effectLst/>
           <a:extLst>
-            <a:ext uri="{91240B29-F687-4F45-9708-019B960494DF}">
+            <a:ext uri="{91240B29-F687-4f45-9708-019B960494DF}">
               <a14:hiddenLine xmlns:a14="http://schemas.microsoft.com/office/drawing/2010/main" w="9525">
                 <a:solidFill>
                   <a:srgbClr val="000000"/>
@@ -7351,7 +9010,7 @@
                 <a:tailEnd/>
               </a14:hiddenLine>
             </a:ext>
-            <a:ext uri="{AF507438-7753-43E0-B8FC-AC1667EBCBE1}">
+            <a:ext uri="{AF507438-7753-43e0-B8FC-AC1667EBCBE1}">
               <a14:hiddenEffects xmlns:a14="http://schemas.microsoft.com/office/drawing/2010/main">
                 <a:effectLst>
                   <a:outerShdw blurRad="63500" dist="38099" dir="2700000" algn="ctr" rotWithShape="0">
@@ -7425,7 +9084,7 @@
           </a:ln>
           <a:effectLst/>
           <a:extLst>
-            <a:ext uri="{91240B29-F687-4F45-9708-019B960494DF}">
+            <a:ext uri="{91240B29-F687-4f45-9708-019B960494DF}">
               <a14:hiddenLine xmlns:a14="http://schemas.microsoft.com/office/drawing/2010/main" w="9525">
                 <a:solidFill>
                   <a:srgbClr val="000000"/>
@@ -7435,7 +9094,7 @@
                 <a:tailEnd/>
               </a14:hiddenLine>
             </a:ext>
-            <a:ext uri="{AF507438-7753-43E0-B8FC-AC1667EBCBE1}">
+            <a:ext uri="{AF507438-7753-43e0-B8FC-AC1667EBCBE1}">
               <a14:hiddenEffects xmlns:a14="http://schemas.microsoft.com/office/drawing/2010/main">
                 <a:effectLst>
                   <a:outerShdw blurRad="63500" dist="38099" dir="2700000" algn="ctr" rotWithShape="0">
@@ -7544,7 +9203,7 @@
           </a:ln>
           <a:effectLst/>
           <a:extLst>
-            <a:ext uri="{91240B29-F687-4F45-9708-019B960494DF}">
+            <a:ext uri="{91240B29-F687-4f45-9708-019B960494DF}">
               <a14:hiddenLine xmlns:a14="http://schemas.microsoft.com/office/drawing/2010/main" w="9525">
                 <a:solidFill>
                   <a:srgbClr val="000000"/>
@@ -7554,7 +9213,7 @@
                 <a:tailEnd/>
               </a14:hiddenLine>
             </a:ext>
-            <a:ext uri="{AF507438-7753-43E0-B8FC-AC1667EBCBE1}">
+            <a:ext uri="{AF507438-7753-43e0-B8FC-AC1667EBCBE1}">
               <a14:hiddenEffects xmlns:a14="http://schemas.microsoft.com/office/drawing/2010/main">
                 <a:effectLst>
                   <a:outerShdw blurRad="63500" dist="38099" dir="2700000" algn="ctr" rotWithShape="0">
@@ -7663,7 +9322,7 @@
           </a:ln>
           <a:effectLst/>
           <a:extLst>
-            <a:ext uri="{91240B29-F687-4F45-9708-019B960494DF}">
+            <a:ext uri="{91240B29-F687-4f45-9708-019B960494DF}">
               <a14:hiddenLine xmlns:a14="http://schemas.microsoft.com/office/drawing/2010/main" w="9525">
                 <a:solidFill>
                   <a:srgbClr val="000000"/>
@@ -7673,7 +9332,7 @@
                 <a:tailEnd/>
               </a14:hiddenLine>
             </a:ext>
-            <a:ext uri="{AF507438-7753-43E0-B8FC-AC1667EBCBE1}">
+            <a:ext uri="{AF507438-7753-43e0-B8FC-AC1667EBCBE1}">
               <a14:hiddenEffects xmlns:a14="http://schemas.microsoft.com/office/drawing/2010/main">
                 <a:effectLst>
                   <a:outerShdw blurRad="63500" dist="38099" dir="2700000" algn="ctr" rotWithShape="0">
@@ -7800,14 +9459,14 @@
           </a:ln>
           <a:effectLst/>
           <a:extLst>
-            <a:ext uri="{909E8E84-426E-40DD-AFC4-6F175D3DCCD1}">
+            <a:ext uri="{909E8E84-426E-40dd-AFC4-6F175D3DCCD1}">
               <a14:hiddenFill xmlns:a14="http://schemas.microsoft.com/office/drawing/2010/main">
                 <a:solidFill>
                   <a:srgbClr val="FFFFFF"/>
                 </a:solidFill>
               </a14:hiddenFill>
             </a:ext>
-            <a:ext uri="{AF507438-7753-43E0-B8FC-AC1667EBCBE1}">
+            <a:ext uri="{AF507438-7753-43e0-B8FC-AC1667EBCBE1}">
               <a14:hiddenEffects xmlns:a14="http://schemas.microsoft.com/office/drawing/2010/main">
                 <a:effectLst>
                   <a:outerShdw blurRad="63500" dist="38099" dir="2700000" algn="ctr" rotWithShape="0">
@@ -7949,14 +9608,14 @@
           </a:ln>
           <a:effectLst/>
           <a:extLst>
-            <a:ext uri="{909E8E84-426E-40DD-AFC4-6F175D3DCCD1}">
+            <a:ext uri="{909E8E84-426E-40dd-AFC4-6F175D3DCCD1}">
               <a14:hiddenFill xmlns:a14="http://schemas.microsoft.com/office/drawing/2010/main">
                 <a:solidFill>
                   <a:srgbClr val="FFFFFF"/>
                 </a:solidFill>
               </a14:hiddenFill>
             </a:ext>
-            <a:ext uri="{AF507438-7753-43E0-B8FC-AC1667EBCBE1}">
+            <a:ext uri="{AF507438-7753-43e0-B8FC-AC1667EBCBE1}">
               <a14:hiddenEffects xmlns:a14="http://schemas.microsoft.com/office/drawing/2010/main">
                 <a:effectLst>
                   <a:outerShdw blurRad="63500" dist="38099" dir="2700000" algn="ctr" rotWithShape="0">
@@ -7990,7 +9649,7 @@
   <p:timing>
     <p:tnLst>
       <p:par>
-        <p:cTn id="1" dur="indefinite" restart="never" nodeType="tmRoot"/>
+        <p:cTn xmlns:p14="http://schemas.microsoft.com/office/powerpoint/2010/main" id="1" dur="indefinite" restart="never" nodeType="tmRoot"/>
       </p:par>
     </p:tnLst>
   </p:timing>
@@ -8092,7 +9751,7 @@
   <p:timing>
     <p:tnLst>
       <p:par>
-        <p:cTn id="1" dur="indefinite" restart="never" nodeType="tmRoot"/>
+        <p:cTn xmlns:p14="http://schemas.microsoft.com/office/powerpoint/2010/main" id="1" dur="indefinite" restart="never" nodeType="tmRoot"/>
       </p:par>
     </p:tnLst>
   </p:timing>
@@ -8226,7 +9885,7 @@
   <p:timing>
     <p:tnLst>
       <p:par>
-        <p:cTn id="1" dur="indefinite" restart="never" nodeType="tmRoot"/>
+        <p:cTn xmlns:p14="http://schemas.microsoft.com/office/powerpoint/2010/main" id="1" dur="indefinite" restart="never" nodeType="tmRoot"/>
       </p:par>
     </p:tnLst>
   </p:timing>
@@ -8419,7 +10078,7 @@
   <p:timing>
     <p:tnLst>
       <p:par>
-        <p:cTn id="1" dur="indefinite" restart="never" nodeType="tmRoot"/>
+        <p:cTn xmlns:p14="http://schemas.microsoft.com/office/powerpoint/2010/main" id="1" dur="indefinite" restart="never" nodeType="tmRoot"/>
       </p:par>
     </p:tnLst>
   </p:timing>
@@ -8733,7 +10392,7 @@
   <p:timing>
     <p:tnLst>
       <p:par>
-        <p:cTn id="1" dur="indefinite" restart="never" nodeType="tmRoot"/>
+        <p:cTn xmlns:p14="http://schemas.microsoft.com/office/powerpoint/2010/main" id="1" dur="indefinite" restart="never" nodeType="tmRoot"/>
       </p:par>
     </p:tnLst>
   </p:timing>
@@ -8873,7 +10532,7 @@
   <p:timing>
     <p:tnLst>
       <p:par>
-        <p:cTn id="1" dur="indefinite" restart="never" nodeType="tmRoot"/>
+        <p:cTn xmlns:p14="http://schemas.microsoft.com/office/powerpoint/2010/main" id="1" dur="indefinite" restart="never" nodeType="tmRoot"/>
       </p:par>
     </p:tnLst>
   </p:timing>
@@ -10587,7 +12246,7 @@
   <p:timing>
     <p:tnLst>
       <p:par>
-        <p:cTn id="1" dur="indefinite" restart="never" nodeType="tmRoot"/>
+        <p:cTn xmlns:p14="http://schemas.microsoft.com/office/powerpoint/2010/main" id="1" dur="indefinite" restart="never" nodeType="tmRoot"/>
       </p:par>
     </p:tnLst>
   </p:timing>
@@ -10839,7 +12498,7 @@
         </a:ln>
         <a:effectLst/>
         <a:extLst>
-          <a:ext uri="{AF507438-7753-43E0-B8FC-AC1667EBCBE1}">
+          <a:ext uri="{AF507438-7753-43e0-B8FC-AC1667EBCBE1}">
             <a14:hiddenEffects xmlns:a14="http://schemas.microsoft.com/office/drawing/2010/main">
               <a:effectLst>
                 <a:outerShdw blurRad="63500" dist="38099" dir="2700000" algn="ctr" rotWithShape="0">
@@ -10915,7 +12574,7 @@
         </a:ln>
         <a:effectLst/>
         <a:extLst>
-          <a:ext uri="{AF507438-7753-43E0-B8FC-AC1667EBCBE1}">
+          <a:ext uri="{AF507438-7753-43e0-B8FC-AC1667EBCBE1}">
             <a14:hiddenEffects xmlns:a14="http://schemas.microsoft.com/office/drawing/2010/main">
               <a:effectLst>
                 <a:outerShdw blurRad="63500" dist="38099" dir="2700000" algn="ctr" rotWithShape="0">

--- a/Planung/projektskizze_nad.pptx
+++ b/Planung/projektskizze_nad.pptx
@@ -191,7 +191,7 @@
   </p:defaultTextStyle>
   <p:extLst>
     <p:ext uri="{EFAFB233-063F-42B5-8137-9DF3F51BA10A}">
-      <p15:sldGuideLst xmlns="" xmlns:p15="http://schemas.microsoft.com/office/powerpoint/2012/main">
+      <p15:sldGuideLst xmlns:p15="http://schemas.microsoft.com/office/powerpoint/2012/main" xmlns="">
         <p15:guide id="1" orient="horz" pos="2160">
           <p15:clr>
             <a:srgbClr val="A4A3A4"/>
@@ -205,7 +205,7 @@
       </p15:sldGuideLst>
     </p:ext>
     <p:ext uri="{2D200454-40CA-4A62-9FC3-DE9A4176ACB9}">
-      <p15:notesGuideLst xmlns="" xmlns:p15="http://schemas.microsoft.com/office/powerpoint/2012/main">
+      <p15:notesGuideLst xmlns:p15="http://schemas.microsoft.com/office/powerpoint/2012/main" xmlns="">
         <p15:guide id="1" orient="horz" pos="2880">
           <p15:clr>
             <a:srgbClr val="A4A3A4"/>
@@ -5370,6 +5370,40 @@
           </a:p>
         </p:txBody>
       </p:sp>
+      <p:sp>
+        <p:nvSpPr>
+          <p:cNvPr id="7" name="Textfeld 6"/>
+          <p:cNvSpPr txBox="1"/>
+          <p:nvPr/>
+        </p:nvSpPr>
+        <p:spPr>
+          <a:xfrm>
+            <a:off x="3044379" y="5647749"/>
+            <a:ext cx="5740349" cy="353174"/>
+          </a:xfrm>
+          <a:prstGeom prst="rect">
+            <a:avLst/>
+          </a:prstGeom>
+          <a:noFill/>
+        </p:spPr>
+        <p:txBody>
+          <a:bodyPr wrap="square" rtlCol="0">
+            <a:spAutoFit/>
+          </a:bodyPr>
+          <a:lstStyle/>
+          <a:p>
+            <a:pPr marL="285750" indent="-285750">
+              <a:buFontTx/>
+              <a:buChar char="-"/>
+            </a:pPr>
+            <a:r>
+              <a:rPr lang="de-DE" dirty="0" smtClean="0"/>
+              <a:t>Durch den Modularen Aufbau einfach zu erweitern</a:t>
+            </a:r>
+            <a:endParaRPr lang="de-DE" dirty="0"/>
+          </a:p>
+        </p:txBody>
+      </p:sp>
     </p:spTree>
     <p:extLst>
       <p:ext uri="{BB962C8B-B14F-4D97-AF65-F5344CB8AC3E}">
@@ -6058,13 +6092,18 @@
               </a:tabLst>
             </a:pPr>
             <a:r>
-              <a:rPr lang="en-US" sz="2200" dirty="0">
+              <a:rPr lang="en-US" sz="2200" dirty="0" err="1" smtClean="0">
                 <a:solidFill>
                   <a:srgbClr val="000000"/>
                 </a:solidFill>
               </a:rPr>
-              <a:t>Text</a:t>
-            </a:r>
+              <a:t>erweiterbar</a:t>
+            </a:r>
+            <a:endParaRPr lang="en-US" sz="2200" dirty="0">
+              <a:solidFill>
+                <a:srgbClr val="000000"/>
+              </a:solidFill>
+            </a:endParaRPr>
           </a:p>
         </p:txBody>
       </p:sp>
@@ -6862,6 +6901,150 @@
                       </p:childTnLst>
                     </p:cTn>
                   </p:par>
+                  <p:par>
+                    <p:cTn id="23" fill="hold">
+                      <p:stCondLst>
+                        <p:cond delay="indefinite"/>
+                      </p:stCondLst>
+                      <p:childTnLst>
+                        <p:par>
+                          <p:cTn id="24" fill="hold">
+                            <p:stCondLst>
+                              <p:cond delay="0"/>
+                            </p:stCondLst>
+                            <p:childTnLst>
+                              <p:par>
+                                <p:cTn id="25" presetID="1" presetClass="entr" presetSubtype="0" fill="hold" grpId="0" nodeType="clickEffect">
+                                  <p:stCondLst>
+                                    <p:cond delay="0"/>
+                                  </p:stCondLst>
+                                  <p:childTnLst>
+                                    <p:set>
+                                      <p:cBhvr>
+                                        <p:cTn id="26" dur="1" fill="hold">
+                                          <p:stCondLst>
+                                            <p:cond delay="0"/>
+                                          </p:stCondLst>
+                                        </p:cTn>
+                                        <p:tgtEl>
+                                          <p:spTgt spid="9222"/>
+                                        </p:tgtEl>
+                                        <p:attrNameLst>
+                                          <p:attrName>style.visibility</p:attrName>
+                                        </p:attrNameLst>
+                                      </p:cBhvr>
+                                      <p:to>
+                                        <p:strVal val="visible"/>
+                                      </p:to>
+                                    </p:set>
+                                  </p:childTnLst>
+                                </p:cTn>
+                              </p:par>
+                            </p:childTnLst>
+                          </p:cTn>
+                        </p:par>
+                      </p:childTnLst>
+                    </p:cTn>
+                  </p:par>
+                  <p:par>
+                    <p:cTn id="27" fill="hold">
+                      <p:stCondLst>
+                        <p:cond delay="indefinite"/>
+                      </p:stCondLst>
+                      <p:childTnLst>
+                        <p:par>
+                          <p:cTn id="28" fill="hold">
+                            <p:stCondLst>
+                              <p:cond delay="0"/>
+                            </p:stCondLst>
+                            <p:childTnLst>
+                              <p:par>
+                                <p:cTn id="29" presetID="1" presetClass="entr" presetSubtype="0" fill="hold" grpId="0" nodeType="clickEffect">
+                                  <p:stCondLst>
+                                    <p:cond delay="0"/>
+                                  </p:stCondLst>
+                                  <p:childTnLst>
+                                    <p:set>
+                                      <p:cBhvr>
+                                        <p:cTn id="30" dur="1" fill="hold">
+                                          <p:stCondLst>
+                                            <p:cond delay="0"/>
+                                          </p:stCondLst>
+                                        </p:cTn>
+                                        <p:tgtEl>
+                                          <p:spTgt spid="9223"/>
+                                        </p:tgtEl>
+                                        <p:attrNameLst>
+                                          <p:attrName>style.visibility</p:attrName>
+                                        </p:attrNameLst>
+                                      </p:cBhvr>
+                                      <p:to>
+                                        <p:strVal val="visible"/>
+                                      </p:to>
+                                    </p:set>
+                                  </p:childTnLst>
+                                </p:cTn>
+                              </p:par>
+                              <p:par>
+                                <p:cTn id="31" presetID="1" presetClass="entr" presetSubtype="0" fill="hold" nodeType="withEffect">
+                                  <p:stCondLst>
+                                    <p:cond delay="0"/>
+                                  </p:stCondLst>
+                                  <p:childTnLst>
+                                    <p:set>
+                                      <p:cBhvr>
+                                        <p:cTn id="32" dur="1" fill="hold">
+                                          <p:stCondLst>
+                                            <p:cond delay="0"/>
+                                          </p:stCondLst>
+                                        </p:cTn>
+                                        <p:tgtEl>
+                                          <p:spTgt spid="9225"/>
+                                        </p:tgtEl>
+                                        <p:attrNameLst>
+                                          <p:attrName>style.visibility</p:attrName>
+                                        </p:attrNameLst>
+                                      </p:cBhvr>
+                                      <p:to>
+                                        <p:strVal val="visible"/>
+                                      </p:to>
+                                    </p:set>
+                                  </p:childTnLst>
+                                </p:cTn>
+                              </p:par>
+                              <p:par>
+                                <p:cTn id="33" presetID="1" presetClass="entr" presetSubtype="0" fill="hold" grpId="0" nodeType="withEffect">
+                                  <p:stCondLst>
+                                    <p:cond delay="0"/>
+                                  </p:stCondLst>
+                                  <p:childTnLst>
+                                    <p:set>
+                                      <p:cBhvr>
+                                        <p:cTn id="34" dur="1" fill="hold">
+                                          <p:stCondLst>
+                                            <p:cond delay="0"/>
+                                          </p:stCondLst>
+                                        </p:cTn>
+                                        <p:tgtEl>
+                                          <p:spTgt spid="9224"/>
+                                        </p:tgtEl>
+                                        <p:attrNameLst>
+                                          <p:attrName>style.visibility</p:attrName>
+                                        </p:attrNameLst>
+                                      </p:cBhvr>
+                                      <p:to>
+                                        <p:strVal val="visible"/>
+                                      </p:to>
+                                    </p:set>
+                                  </p:childTnLst>
+                                </p:cTn>
+                              </p:par>
+                            </p:childTnLst>
+                          </p:cTn>
+                        </p:par>
+                      </p:childTnLst>
+                    </p:cTn>
+                  </p:par>
                 </p:childTnLst>
               </p:cTn>
               <p:prevCondLst>
@@ -6889,6 +7072,9 @@
       <p:bldP spid="9219" grpId="0" animBg="1"/>
       <p:bldP spid="9220" grpId="0" animBg="1"/>
       <p:bldP spid="9221" grpId="0" animBg="1"/>
+      <p:bldP spid="9222" grpId="0" animBg="1"/>
+      <p:bldP spid="9223" grpId="0" animBg="1"/>
+      <p:bldP spid="9224" grpId="0" animBg="1"/>
     </p:bldLst>
   </p:timing>
 </p:sld>

--- a/Planung/projektskizze_nad.pptx
+++ b/Planung/projektskizze_nad.pptx
@@ -191,7 +191,7 @@
   </p:defaultTextStyle>
   <p:extLst>
     <p:ext uri="{EFAFB233-063F-42B5-8137-9DF3F51BA10A}">
-      <p15:sldGuideLst xmlns:p15="http://schemas.microsoft.com/office/powerpoint/2012/main" xmlns="">
+      <p15:sldGuideLst xmlns="" xmlns:p15="http://schemas.microsoft.com/office/powerpoint/2012/main">
         <p15:guide id="1" orient="horz" pos="2160">
           <p15:clr>
             <a:srgbClr val="A4A3A4"/>
@@ -205,7 +205,7 @@
       </p15:sldGuideLst>
     </p:ext>
     <p:ext uri="{2D200454-40CA-4A62-9FC3-DE9A4176ACB9}">
-      <p15:notesGuideLst xmlns:p15="http://schemas.microsoft.com/office/powerpoint/2012/main" xmlns="">
+      <p15:notesGuideLst xmlns="" xmlns:p15="http://schemas.microsoft.com/office/powerpoint/2012/main">
         <p15:guide id="1" orient="horz" pos="2880">
           <p15:clr>
             <a:srgbClr val="A4A3A4"/>
@@ -271,14 +271,14 @@
           </a:ln>
           <a:effectLst/>
           <a:extLst>
-            <a:ext uri="{909E8E84-426E-40dd-AFC4-6F175D3DCCD1}">
+            <a:ext uri="{909E8E84-426E-40DD-AFC4-6F175D3DCCD1}">
               <a14:hiddenFill xmlns:a14="http://schemas.microsoft.com/office/drawing/2010/main">
                 <a:solidFill>
                   <a:srgbClr val="FFFFFF"/>
                 </a:solidFill>
               </a14:hiddenFill>
             </a:ext>
-            <a:ext uri="{91240B29-F687-4f45-9708-019B960494DF}">
+            <a:ext uri="{91240B29-F687-4F45-9708-019B960494DF}">
               <a14:hiddenLine xmlns:a14="http://schemas.microsoft.com/office/drawing/2010/main" w="9525">
                 <a:solidFill>
                   <a:srgbClr val="808080"/>
@@ -288,7 +288,7 @@
                 <a:tailEnd/>
               </a14:hiddenLine>
             </a:ext>
-            <a:ext uri="{AF507438-7753-43e0-B8FC-AC1667EBCBE1}">
+            <a:ext uri="{AF507438-7753-43E0-B8FC-AC1667EBCBE1}">
               <a14:hiddenEffects xmlns:a14="http://schemas.microsoft.com/office/drawing/2010/main">
                 <a:effectLst>
                   <a:outerShdw blurRad="63500" dist="38099" dir="2700000" algn="ctr" rotWithShape="0">
@@ -300,7 +300,7 @@
               </a14:hiddenEffects>
             </a:ext>
             <a:ext uri="{FAA26D3D-D897-4be2-8F04-BA451C77F1D7}">
-              <ma14:placeholderFlag xmlns:ma14="http://schemas.microsoft.com/office/mac/drawingml/2011/main" val="1"/>
+              <ma14:placeholderFlag xmlns:ma14="http://schemas.microsoft.com/office/mac/drawingml/2011/main" xmlns="" val="1"/>
             </a:ext>
           </a:extLst>
         </p:spPr>
@@ -329,14 +329,14 @@
           </a:ln>
           <a:effectLst/>
           <a:extLst>
-            <a:ext uri="{909E8E84-426E-40dd-AFC4-6F175D3DCCD1}">
+            <a:ext uri="{909E8E84-426E-40DD-AFC4-6F175D3DCCD1}">
               <a14:hiddenFill xmlns:a14="http://schemas.microsoft.com/office/drawing/2010/main">
                 <a:solidFill>
                   <a:srgbClr val="FFFFFF"/>
                 </a:solidFill>
               </a14:hiddenFill>
             </a:ext>
-            <a:ext uri="{91240B29-F687-4f45-9708-019B960494DF}">
+            <a:ext uri="{91240B29-F687-4F45-9708-019B960494DF}">
               <a14:hiddenLine xmlns:a14="http://schemas.microsoft.com/office/drawing/2010/main" w="9525">
                 <a:solidFill>
                   <a:srgbClr val="808080"/>
@@ -346,7 +346,7 @@
                 <a:tailEnd/>
               </a14:hiddenLine>
             </a:ext>
-            <a:ext uri="{AF507438-7753-43e0-B8FC-AC1667EBCBE1}">
+            <a:ext uri="{AF507438-7753-43E0-B8FC-AC1667EBCBE1}">
               <a14:hiddenEffects xmlns:a14="http://schemas.microsoft.com/office/drawing/2010/main">
                 <a:effectLst>
                   <a:outerShdw blurRad="63500" dist="38099" dir="2700000" algn="ctr" rotWithShape="0">
@@ -358,7 +358,7 @@
               </a14:hiddenEffects>
             </a:ext>
             <a:ext uri="{FAA26D3D-D897-4be2-8F04-BA451C77F1D7}">
-              <ma14:placeholderFlag xmlns:ma14="http://schemas.microsoft.com/office/mac/drawingml/2011/main" val="1"/>
+              <ma14:placeholderFlag xmlns:ma14="http://schemas.microsoft.com/office/mac/drawingml/2011/main" xmlns="" val="1"/>
             </a:ext>
           </a:extLst>
         </p:spPr>
@@ -399,14 +399,14 @@
           </a:ln>
           <a:effectLst/>
           <a:extLst>
-            <a:ext uri="{909E8E84-426E-40dd-AFC4-6F175D3DCCD1}">
+            <a:ext uri="{909E8E84-426E-40DD-AFC4-6F175D3DCCD1}">
               <a14:hiddenFill xmlns:a14="http://schemas.microsoft.com/office/drawing/2010/main">
                 <a:solidFill>
                   <a:srgbClr val="FFFFFF"/>
                 </a:solidFill>
               </a14:hiddenFill>
             </a:ext>
-            <a:ext uri="{91240B29-F687-4f45-9708-019B960494DF}">
+            <a:ext uri="{91240B29-F687-4F45-9708-019B960494DF}">
               <a14:hiddenLine xmlns:a14="http://schemas.microsoft.com/office/drawing/2010/main" w="9525">
                 <a:solidFill>
                   <a:srgbClr val="808080"/>
@@ -416,7 +416,7 @@
                 <a:tailEnd/>
               </a14:hiddenLine>
             </a:ext>
-            <a:ext uri="{AF507438-7753-43e0-B8FC-AC1667EBCBE1}">
+            <a:ext uri="{AF507438-7753-43E0-B8FC-AC1667EBCBE1}">
               <a14:hiddenEffects xmlns:a14="http://schemas.microsoft.com/office/drawing/2010/main">
                 <a:effectLst>
                   <a:outerShdw blurRad="63500" dist="38099" dir="2700000" algn="ctr" rotWithShape="0">
@@ -428,7 +428,7 @@
               </a14:hiddenEffects>
             </a:ext>
             <a:ext uri="{FAA26D3D-D897-4be2-8F04-BA451C77F1D7}">
-              <ma14:placeholderFlag xmlns:ma14="http://schemas.microsoft.com/office/mac/drawingml/2011/main" val="1"/>
+              <ma14:placeholderFlag xmlns:ma14="http://schemas.microsoft.com/office/mac/drawingml/2011/main" xmlns="" val="1"/>
             </a:ext>
           </a:extLst>
         </p:spPr>
@@ -483,14 +483,14 @@
           </a:ln>
           <a:effectLst/>
           <a:extLst>
-            <a:ext uri="{909E8E84-426E-40dd-AFC4-6F175D3DCCD1}">
+            <a:ext uri="{909E8E84-426E-40DD-AFC4-6F175D3DCCD1}">
               <a14:hiddenFill xmlns:a14="http://schemas.microsoft.com/office/drawing/2010/main">
                 <a:solidFill>
                   <a:srgbClr val="FFFFFF"/>
                 </a:solidFill>
               </a14:hiddenFill>
             </a:ext>
-            <a:ext uri="{91240B29-F687-4f45-9708-019B960494DF}">
+            <a:ext uri="{91240B29-F687-4F45-9708-019B960494DF}">
               <a14:hiddenLine xmlns:a14="http://schemas.microsoft.com/office/drawing/2010/main" w="9525">
                 <a:solidFill>
                   <a:srgbClr val="808080"/>
@@ -500,7 +500,7 @@
                 <a:tailEnd/>
               </a14:hiddenLine>
             </a:ext>
-            <a:ext uri="{AF507438-7753-43e0-B8FC-AC1667EBCBE1}">
+            <a:ext uri="{AF507438-7753-43E0-B8FC-AC1667EBCBE1}">
               <a14:hiddenEffects xmlns:a14="http://schemas.microsoft.com/office/drawing/2010/main">
                 <a:effectLst>
                   <a:outerShdw blurRad="63500" dist="38099" dir="2700000" algn="ctr" rotWithShape="0">
@@ -512,7 +512,7 @@
               </a14:hiddenEffects>
             </a:ext>
             <a:ext uri="{FAA26D3D-D897-4be2-8F04-BA451C77F1D7}">
-              <ma14:placeholderFlag xmlns:ma14="http://schemas.microsoft.com/office/mac/drawingml/2011/main" val="1"/>
+              <ma14:placeholderFlag xmlns:ma14="http://schemas.microsoft.com/office/mac/drawingml/2011/main" xmlns="" val="1"/>
             </a:ext>
           </a:extLst>
         </p:spPr>
@@ -567,14 +567,14 @@
           </a:ln>
           <a:effectLst/>
           <a:extLst>
-            <a:ext uri="{909E8E84-426E-40dd-AFC4-6F175D3DCCD1}">
+            <a:ext uri="{909E8E84-426E-40DD-AFC4-6F175D3DCCD1}">
               <a14:hiddenFill xmlns:a14="http://schemas.microsoft.com/office/drawing/2010/main">
                 <a:solidFill>
                   <a:srgbClr val="FFFFFF"/>
                 </a:solidFill>
               </a14:hiddenFill>
             </a:ext>
-            <a:ext uri="{91240B29-F687-4f45-9708-019B960494DF}">
+            <a:ext uri="{91240B29-F687-4F45-9708-019B960494DF}">
               <a14:hiddenLine xmlns:a14="http://schemas.microsoft.com/office/drawing/2010/main" w="9525">
                 <a:solidFill>
                   <a:srgbClr val="808080"/>
@@ -584,7 +584,7 @@
                 <a:tailEnd/>
               </a14:hiddenLine>
             </a:ext>
-            <a:ext uri="{AF507438-7753-43e0-B8FC-AC1667EBCBE1}">
+            <a:ext uri="{AF507438-7753-43E0-B8FC-AC1667EBCBE1}">
               <a14:hiddenEffects xmlns:a14="http://schemas.microsoft.com/office/drawing/2010/main">
                 <a:effectLst>
                   <a:outerShdw blurRad="63500" dist="38099" dir="2700000" algn="ctr" rotWithShape="0">
@@ -596,7 +596,7 @@
               </a14:hiddenEffects>
             </a:ext>
             <a:ext uri="{FAA26D3D-D897-4be2-8F04-BA451C77F1D7}">
-              <ma14:placeholderFlag xmlns:ma14="http://schemas.microsoft.com/office/mac/drawingml/2011/main" val="1"/>
+              <ma14:placeholderFlag xmlns:ma14="http://schemas.microsoft.com/office/mac/drawingml/2011/main" xmlns="" val="1"/>
             </a:ext>
           </a:extLst>
         </p:spPr>
@@ -651,14 +651,14 @@
           </a:ln>
           <a:effectLst/>
           <a:extLst>
-            <a:ext uri="{909E8E84-426E-40dd-AFC4-6F175D3DCCD1}">
+            <a:ext uri="{909E8E84-426E-40DD-AFC4-6F175D3DCCD1}">
               <a14:hiddenFill xmlns:a14="http://schemas.microsoft.com/office/drawing/2010/main">
                 <a:solidFill>
                   <a:srgbClr val="FFFFFF"/>
                 </a:solidFill>
               </a14:hiddenFill>
             </a:ext>
-            <a:ext uri="{91240B29-F687-4f45-9708-019B960494DF}">
+            <a:ext uri="{91240B29-F687-4F45-9708-019B960494DF}">
               <a14:hiddenLine xmlns:a14="http://schemas.microsoft.com/office/drawing/2010/main" w="9525">
                 <a:solidFill>
                   <a:srgbClr val="808080"/>
@@ -668,7 +668,7 @@
                 <a:tailEnd/>
               </a14:hiddenLine>
             </a:ext>
-            <a:ext uri="{AF507438-7753-43e0-B8FC-AC1667EBCBE1}">
+            <a:ext uri="{AF507438-7753-43E0-B8FC-AC1667EBCBE1}">
               <a14:hiddenEffects xmlns:a14="http://schemas.microsoft.com/office/drawing/2010/main">
                 <a:effectLst>
                   <a:outerShdw blurRad="63500" dist="38099" dir="2700000" algn="ctr" rotWithShape="0">
@@ -680,7 +680,7 @@
               </a14:hiddenEffects>
             </a:ext>
             <a:ext uri="{FAA26D3D-D897-4be2-8F04-BA451C77F1D7}">
-              <ma14:placeholderFlag xmlns:ma14="http://schemas.microsoft.com/office/mac/drawingml/2011/main" val="1"/>
+              <ma14:placeholderFlag xmlns:ma14="http://schemas.microsoft.com/office/mac/drawingml/2011/main" xmlns="" val="1"/>
             </a:ext>
           </a:extLst>
         </p:spPr>
@@ -955,7 +955,7 @@
             <a:tailEnd/>
           </a:ln>
           <a:extLst>
-            <a:ext uri="{AF507438-7753-43e0-B8FC-AC1667EBCBE1}">
+            <a:ext uri="{AF507438-7753-43E0-B8FC-AC1667EBCBE1}">
               <a14:hiddenEffects xmlns:a14="http://schemas.microsoft.com/office/drawing/2010/main">
                 <a:effectLst>
                   <a:outerShdw blurRad="63500" dist="38099" dir="2700000" algn="ctr" rotWithShape="0">
@@ -990,14 +990,14 @@
           <a:noFill/>
           <a:ln/>
           <a:extLst>
-            <a:ext uri="{909E8E84-426E-40dd-AFC4-6F175D3DCCD1}">
+            <a:ext uri="{909E8E84-426E-40DD-AFC4-6F175D3DCCD1}">
               <a14:hiddenFill xmlns:a14="http://schemas.microsoft.com/office/drawing/2010/main">
                 <a:solidFill>
                   <a:srgbClr val="FFFFFF"/>
                 </a:solidFill>
               </a14:hiddenFill>
             </a:ext>
-            <a:ext uri="{91240B29-F687-4f45-9708-019B960494DF}">
+            <a:ext uri="{91240B29-F687-4F45-9708-019B960494DF}">
               <a14:hiddenLine xmlns:a14="http://schemas.microsoft.com/office/drawing/2010/main" w="9525">
                 <a:solidFill>
                   <a:srgbClr val="808080"/>
@@ -1007,7 +1007,7 @@
                 <a:tailEnd/>
               </a14:hiddenLine>
             </a:ext>
-            <a:ext uri="{AF507438-7753-43e0-B8FC-AC1667EBCBE1}">
+            <a:ext uri="{AF507438-7753-43E0-B8FC-AC1667EBCBE1}">
               <a14:hiddenEffects xmlns:a14="http://schemas.microsoft.com/office/drawing/2010/main">
                 <a:effectLst>
                   <a:outerShdw blurRad="63500" dist="38099" dir="2700000" algn="ctr" rotWithShape="0">
@@ -1122,7 +1122,7 @@
             <a:tailEnd/>
           </a:ln>
           <a:extLst>
-            <a:ext uri="{AF507438-7753-43e0-B8FC-AC1667EBCBE1}">
+            <a:ext uri="{AF507438-7753-43E0-B8FC-AC1667EBCBE1}">
               <a14:hiddenEffects xmlns:a14="http://schemas.microsoft.com/office/drawing/2010/main">
                 <a:effectLst>
                   <a:outerShdw blurRad="63500" dist="38099" dir="2700000" algn="ctr" rotWithShape="0">
@@ -1157,14 +1157,14 @@
           <a:noFill/>
           <a:ln/>
           <a:extLst>
-            <a:ext uri="{909E8E84-426E-40dd-AFC4-6F175D3DCCD1}">
+            <a:ext uri="{909E8E84-426E-40DD-AFC4-6F175D3DCCD1}">
               <a14:hiddenFill xmlns:a14="http://schemas.microsoft.com/office/drawing/2010/main">
                 <a:solidFill>
                   <a:srgbClr val="FFFFFF"/>
                 </a:solidFill>
               </a14:hiddenFill>
             </a:ext>
-            <a:ext uri="{91240B29-F687-4f45-9708-019B960494DF}">
+            <a:ext uri="{91240B29-F687-4F45-9708-019B960494DF}">
               <a14:hiddenLine xmlns:a14="http://schemas.microsoft.com/office/drawing/2010/main" w="9525">
                 <a:solidFill>
                   <a:srgbClr val="808080"/>
@@ -1174,7 +1174,7 @@
                 <a:tailEnd/>
               </a14:hiddenLine>
             </a:ext>
-            <a:ext uri="{AF507438-7753-43e0-B8FC-AC1667EBCBE1}">
+            <a:ext uri="{AF507438-7753-43E0-B8FC-AC1667EBCBE1}">
               <a14:hiddenEffects xmlns:a14="http://schemas.microsoft.com/office/drawing/2010/main">
                 <a:effectLst>
                   <a:outerShdw blurRad="63500" dist="38099" dir="2700000" algn="ctr" rotWithShape="0">
@@ -1284,7 +1284,7 @@
             <a:tailEnd/>
           </a:ln>
           <a:extLst>
-            <a:ext uri="{AF507438-7753-43e0-B8FC-AC1667EBCBE1}">
+            <a:ext uri="{AF507438-7753-43E0-B8FC-AC1667EBCBE1}">
               <a14:hiddenEffects xmlns:a14="http://schemas.microsoft.com/office/drawing/2010/main">
                 <a:effectLst>
                   <a:outerShdw blurRad="63500" dist="38099" dir="2700000" algn="ctr" rotWithShape="0">
@@ -1319,14 +1319,14 @@
           <a:noFill/>
           <a:ln/>
           <a:extLst>
-            <a:ext uri="{909E8E84-426E-40dd-AFC4-6F175D3DCCD1}">
+            <a:ext uri="{909E8E84-426E-40DD-AFC4-6F175D3DCCD1}">
               <a14:hiddenFill xmlns:a14="http://schemas.microsoft.com/office/drawing/2010/main">
                 <a:solidFill>
                   <a:srgbClr val="FFFFFF"/>
                 </a:solidFill>
               </a14:hiddenFill>
             </a:ext>
-            <a:ext uri="{91240B29-F687-4f45-9708-019B960494DF}">
+            <a:ext uri="{91240B29-F687-4F45-9708-019B960494DF}">
               <a14:hiddenLine xmlns:a14="http://schemas.microsoft.com/office/drawing/2010/main" w="9525">
                 <a:solidFill>
                   <a:srgbClr val="808080"/>
@@ -1336,7 +1336,7 @@
                 <a:tailEnd/>
               </a14:hiddenLine>
             </a:ext>
-            <a:ext uri="{AF507438-7753-43e0-B8FC-AC1667EBCBE1}">
+            <a:ext uri="{AF507438-7753-43E0-B8FC-AC1667EBCBE1}">
               <a14:hiddenEffects xmlns:a14="http://schemas.microsoft.com/office/drawing/2010/main">
                 <a:effectLst>
                   <a:outerShdw blurRad="63500" dist="38099" dir="2700000" algn="ctr" rotWithShape="0">
@@ -4027,14 +4027,14 @@
           </a:ln>
           <a:effectLst/>
           <a:extLst>
-            <a:ext uri="{909E8E84-426E-40dd-AFC4-6F175D3DCCD1}">
+            <a:ext uri="{909E8E84-426E-40DD-AFC4-6F175D3DCCD1}">
               <a14:hiddenFill xmlns:a14="http://schemas.microsoft.com/office/drawing/2010/main">
                 <a:solidFill>
                   <a:srgbClr val="FFFFFF"/>
                 </a:solidFill>
               </a14:hiddenFill>
             </a:ext>
-            <a:ext uri="{91240B29-F687-4f45-9708-019B960494DF}">
+            <a:ext uri="{91240B29-F687-4F45-9708-019B960494DF}">
               <a14:hiddenLine xmlns:a14="http://schemas.microsoft.com/office/drawing/2010/main" w="9525">
                 <a:solidFill>
                   <a:srgbClr val="808080"/>
@@ -4044,7 +4044,7 @@
                 <a:tailEnd/>
               </a14:hiddenLine>
             </a:ext>
-            <a:ext uri="{AF507438-7753-43e0-B8FC-AC1667EBCBE1}">
+            <a:ext uri="{AF507438-7753-43E0-B8FC-AC1667EBCBE1}">
               <a14:hiddenEffects xmlns:a14="http://schemas.microsoft.com/office/drawing/2010/main">
                 <a:effectLst>
                   <a:outerShdw blurRad="63500" dist="38099" dir="2700000" algn="ctr" rotWithShape="0">
@@ -4056,7 +4056,7 @@
               </a14:hiddenEffects>
             </a:ext>
             <a:ext uri="{FAA26D3D-D897-4be2-8F04-BA451C77F1D7}">
-              <ma14:placeholderFlag xmlns:ma14="http://schemas.microsoft.com/office/mac/drawingml/2011/main" val="1"/>
+              <ma14:placeholderFlag xmlns:ma14="http://schemas.microsoft.com/office/mac/drawingml/2011/main" xmlns="" val="1"/>
             </a:ext>
           </a:extLst>
         </p:spPr>
@@ -4100,14 +4100,14 @@
           </a:ln>
           <a:effectLst/>
           <a:extLst>
-            <a:ext uri="{909E8E84-426E-40dd-AFC4-6F175D3DCCD1}">
+            <a:ext uri="{909E8E84-426E-40DD-AFC4-6F175D3DCCD1}">
               <a14:hiddenFill xmlns:a14="http://schemas.microsoft.com/office/drawing/2010/main">
                 <a:solidFill>
                   <a:srgbClr val="FFFFFF"/>
                 </a:solidFill>
               </a14:hiddenFill>
             </a:ext>
-            <a:ext uri="{91240B29-F687-4f45-9708-019B960494DF}">
+            <a:ext uri="{91240B29-F687-4F45-9708-019B960494DF}">
               <a14:hiddenLine xmlns:a14="http://schemas.microsoft.com/office/drawing/2010/main" w="9525">
                 <a:solidFill>
                   <a:srgbClr val="808080"/>
@@ -4117,7 +4117,7 @@
                 <a:tailEnd/>
               </a14:hiddenLine>
             </a:ext>
-            <a:ext uri="{AF507438-7753-43e0-B8FC-AC1667EBCBE1}">
+            <a:ext uri="{AF507438-7753-43E0-B8FC-AC1667EBCBE1}">
               <a14:hiddenEffects xmlns:a14="http://schemas.microsoft.com/office/drawing/2010/main">
                 <a:effectLst>
                   <a:outerShdw blurRad="63500" dist="38099" dir="2700000" algn="ctr" rotWithShape="0">
@@ -4129,7 +4129,7 @@
               </a14:hiddenEffects>
             </a:ext>
             <a:ext uri="{FAA26D3D-D897-4be2-8F04-BA451C77F1D7}">
-              <ma14:placeholderFlag xmlns:ma14="http://schemas.microsoft.com/office/mac/drawingml/2011/main" val="1"/>
+              <ma14:placeholderFlag xmlns:ma14="http://schemas.microsoft.com/office/mac/drawingml/2011/main" xmlns="" val="1"/>
             </a:ext>
           </a:extLst>
         </p:spPr>
@@ -4229,14 +4229,14 @@
           </a:ln>
           <a:effectLst/>
           <a:extLst>
-            <a:ext uri="{909E8E84-426E-40dd-AFC4-6F175D3DCCD1}">
+            <a:ext uri="{909E8E84-426E-40DD-AFC4-6F175D3DCCD1}">
               <a14:hiddenFill xmlns:a14="http://schemas.microsoft.com/office/drawing/2010/main">
                 <a:solidFill>
                   <a:srgbClr val="FFFFFF"/>
                 </a:solidFill>
               </a14:hiddenFill>
             </a:ext>
-            <a:ext uri="{91240B29-F687-4f45-9708-019B960494DF}">
+            <a:ext uri="{91240B29-F687-4F45-9708-019B960494DF}">
               <a14:hiddenLine xmlns:a14="http://schemas.microsoft.com/office/drawing/2010/main" w="9525">
                 <a:solidFill>
                   <a:srgbClr val="808080"/>
@@ -4246,7 +4246,7 @@
                 <a:tailEnd/>
               </a14:hiddenLine>
             </a:ext>
-            <a:ext uri="{AF507438-7753-43e0-B8FC-AC1667EBCBE1}">
+            <a:ext uri="{AF507438-7753-43E0-B8FC-AC1667EBCBE1}">
               <a14:hiddenEffects xmlns:a14="http://schemas.microsoft.com/office/drawing/2010/main">
                 <a:effectLst>
                   <a:outerShdw blurRad="63500" dist="38099" dir="2700000" algn="ctr" rotWithShape="0">
@@ -4258,7 +4258,7 @@
               </a14:hiddenEffects>
             </a:ext>
             <a:ext uri="{FAA26D3D-D897-4be2-8F04-BA451C77F1D7}">
-              <ma14:placeholderFlag xmlns:ma14="http://schemas.microsoft.com/office/mac/drawingml/2011/main" val="1"/>
+              <ma14:placeholderFlag xmlns:ma14="http://schemas.microsoft.com/office/mac/drawingml/2011/main" xmlns="" val="1"/>
             </a:ext>
           </a:extLst>
         </p:spPr>
@@ -4312,14 +4312,14 @@
           </a:ln>
           <a:effectLst/>
           <a:extLst>
-            <a:ext uri="{909E8E84-426E-40dd-AFC4-6F175D3DCCD1}">
+            <a:ext uri="{909E8E84-426E-40DD-AFC4-6F175D3DCCD1}">
               <a14:hiddenFill xmlns:a14="http://schemas.microsoft.com/office/drawing/2010/main">
                 <a:solidFill>
                   <a:srgbClr val="FFFFFF"/>
                 </a:solidFill>
               </a14:hiddenFill>
             </a:ext>
-            <a:ext uri="{91240B29-F687-4f45-9708-019B960494DF}">
+            <a:ext uri="{91240B29-F687-4F45-9708-019B960494DF}">
               <a14:hiddenLine xmlns:a14="http://schemas.microsoft.com/office/drawing/2010/main" w="9525">
                 <a:solidFill>
                   <a:srgbClr val="808080"/>
@@ -4329,7 +4329,7 @@
                 <a:tailEnd/>
               </a14:hiddenLine>
             </a:ext>
-            <a:ext uri="{AF507438-7753-43e0-B8FC-AC1667EBCBE1}">
+            <a:ext uri="{AF507438-7753-43E0-B8FC-AC1667EBCBE1}">
               <a14:hiddenEffects xmlns:a14="http://schemas.microsoft.com/office/drawing/2010/main">
                 <a:effectLst>
                   <a:outerShdw blurRad="63500" dist="38099" dir="2700000" algn="ctr" rotWithShape="0">
@@ -4341,7 +4341,7 @@
               </a14:hiddenEffects>
             </a:ext>
             <a:ext uri="{FAA26D3D-D897-4be2-8F04-BA451C77F1D7}">
-              <ma14:placeholderFlag xmlns:ma14="http://schemas.microsoft.com/office/mac/drawingml/2011/main" val="1"/>
+              <ma14:placeholderFlag xmlns:ma14="http://schemas.microsoft.com/office/mac/drawingml/2011/main" xmlns="" val="1"/>
             </a:ext>
           </a:extLst>
         </p:spPr>
@@ -4396,14 +4396,14 @@
           </a:ln>
           <a:effectLst/>
           <a:extLst>
-            <a:ext uri="{909E8E84-426E-40dd-AFC4-6F175D3DCCD1}">
+            <a:ext uri="{909E8E84-426E-40DD-AFC4-6F175D3DCCD1}">
               <a14:hiddenFill xmlns:a14="http://schemas.microsoft.com/office/drawing/2010/main">
                 <a:solidFill>
                   <a:srgbClr val="FFFFFF"/>
                 </a:solidFill>
               </a14:hiddenFill>
             </a:ext>
-            <a:ext uri="{91240B29-F687-4f45-9708-019B960494DF}">
+            <a:ext uri="{91240B29-F687-4F45-9708-019B960494DF}">
               <a14:hiddenLine xmlns:a14="http://schemas.microsoft.com/office/drawing/2010/main" w="9525">
                 <a:solidFill>
                   <a:srgbClr val="808080"/>
@@ -4413,7 +4413,7 @@
                 <a:tailEnd/>
               </a14:hiddenLine>
             </a:ext>
-            <a:ext uri="{AF507438-7753-43e0-B8FC-AC1667EBCBE1}">
+            <a:ext uri="{AF507438-7753-43E0-B8FC-AC1667EBCBE1}">
               <a14:hiddenEffects xmlns:a14="http://schemas.microsoft.com/office/drawing/2010/main">
                 <a:effectLst>
                   <a:outerShdw blurRad="63500" dist="38099" dir="2700000" algn="ctr" rotWithShape="0">
@@ -4425,7 +4425,7 @@
               </a14:hiddenEffects>
             </a:ext>
             <a:ext uri="{FAA26D3D-D897-4be2-8F04-BA451C77F1D7}">
-              <ma14:placeholderFlag xmlns:ma14="http://schemas.microsoft.com/office/mac/drawingml/2011/main" val="1"/>
+              <ma14:placeholderFlag xmlns:ma14="http://schemas.microsoft.com/office/mac/drawingml/2011/main" xmlns="" val="1"/>
             </a:ext>
           </a:extLst>
         </p:spPr>
@@ -5123,11 +5123,11 @@
   <p:clrMapOvr>
     <a:masterClrMapping/>
   </p:clrMapOvr>
-  <p:transition xmlns:p14="http://schemas.microsoft.com/office/powerpoint/2010/main" spd="med"/>
+  <p:transition spd="med"/>
   <p:timing>
     <p:tnLst>
       <p:par>
-        <p:cTn xmlns:p14="http://schemas.microsoft.com/office/powerpoint/2010/main" id="1" dur="indefinite" restart="never" nodeType="tmRoot">
+        <p:cTn id="1" dur="indefinite" restart="never" nodeType="tmRoot">
           <p:childTnLst>
             <p:seq concurrent="1" nextAc="seek">
               <p:cTn id="2" dur="0" nodeType="mainSeq"/>
@@ -5425,7 +5425,7 @@
   <p:timing>
     <p:tnLst>
       <p:par>
-        <p:cTn xmlns:p14="http://schemas.microsoft.com/office/powerpoint/2010/main" id="1" dur="indefinite" restart="never" nodeType="tmRoot"/>
+        <p:cTn id="1" dur="indefinite" restart="never" nodeType="tmRoot"/>
       </p:par>
     </p:tnLst>
   </p:timing>
@@ -5478,7 +5478,7 @@
           </a:ln>
           <a:effectLst/>
           <a:extLst>
-            <a:ext uri="{91240B29-F687-4f45-9708-019B960494DF}">
+            <a:ext uri="{91240B29-F687-4F45-9708-019B960494DF}">
               <a14:hiddenLine xmlns:a14="http://schemas.microsoft.com/office/drawing/2010/main" w="9525">
                 <a:solidFill>
                   <a:srgbClr val="000000"/>
@@ -5488,7 +5488,7 @@
                 <a:tailEnd/>
               </a14:hiddenLine>
             </a:ext>
-            <a:ext uri="{AF507438-7753-43e0-B8FC-AC1667EBCBE1}">
+            <a:ext uri="{AF507438-7753-43E0-B8FC-AC1667EBCBE1}">
               <a14:hiddenEffects xmlns:a14="http://schemas.microsoft.com/office/drawing/2010/main">
                 <a:effectLst>
                   <a:outerShdw blurRad="63500" dist="38099" dir="2700000" algn="ctr" rotWithShape="0">
@@ -5604,7 +5604,7 @@
           </a:ln>
           <a:effectLst/>
           <a:extLst>
-            <a:ext uri="{91240B29-F687-4f45-9708-019B960494DF}">
+            <a:ext uri="{91240B29-F687-4F45-9708-019B960494DF}">
               <a14:hiddenLine xmlns:a14="http://schemas.microsoft.com/office/drawing/2010/main" w="9525">
                 <a:solidFill>
                   <a:srgbClr val="000000"/>
@@ -5614,7 +5614,7 @@
                 <a:tailEnd/>
               </a14:hiddenLine>
             </a:ext>
-            <a:ext uri="{AF507438-7753-43e0-B8FC-AC1667EBCBE1}">
+            <a:ext uri="{AF507438-7753-43E0-B8FC-AC1667EBCBE1}">
               <a14:hiddenEffects xmlns:a14="http://schemas.microsoft.com/office/drawing/2010/main">
                 <a:effectLst>
                   <a:outerShdw blurRad="63500" dist="38099" dir="2700000" algn="ctr" rotWithShape="0">
@@ -5707,7 +5707,7 @@
           </a:ln>
           <a:effectLst/>
           <a:extLst>
-            <a:ext uri="{91240B29-F687-4f45-9708-019B960494DF}">
+            <a:ext uri="{91240B29-F687-4F45-9708-019B960494DF}">
               <a14:hiddenLine xmlns:a14="http://schemas.microsoft.com/office/drawing/2010/main" w="9525">
                 <a:solidFill>
                   <a:srgbClr val="000000"/>
@@ -5717,7 +5717,7 @@
                 <a:tailEnd/>
               </a14:hiddenLine>
             </a:ext>
-            <a:ext uri="{AF507438-7753-43e0-B8FC-AC1667EBCBE1}">
+            <a:ext uri="{AF507438-7753-43E0-B8FC-AC1667EBCBE1}">
               <a14:hiddenEffects xmlns:a14="http://schemas.microsoft.com/office/drawing/2010/main">
                 <a:effectLst>
                   <a:outerShdw blurRad="63500" dist="38099" dir="2700000" algn="ctr" rotWithShape="0">
@@ -5822,7 +5822,7 @@
           </a:ln>
           <a:effectLst/>
           <a:extLst>
-            <a:ext uri="{91240B29-F687-4f45-9708-019B960494DF}">
+            <a:ext uri="{91240B29-F687-4F45-9708-019B960494DF}">
               <a14:hiddenLine xmlns:a14="http://schemas.microsoft.com/office/drawing/2010/main" w="9525">
                 <a:solidFill>
                   <a:srgbClr val="000000"/>
@@ -5832,7 +5832,7 @@
                 <a:tailEnd/>
               </a14:hiddenLine>
             </a:ext>
-            <a:ext uri="{AF507438-7753-43e0-B8FC-AC1667EBCBE1}">
+            <a:ext uri="{AF507438-7753-43E0-B8FC-AC1667EBCBE1}">
               <a14:hiddenEffects xmlns:a14="http://schemas.microsoft.com/office/drawing/2010/main">
                 <a:effectLst>
                   <a:outerShdw blurRad="63500" dist="38099" dir="2700000" algn="ctr" rotWithShape="0">
@@ -5948,7 +5948,7 @@
           </a:ln>
           <a:effectLst/>
           <a:extLst>
-            <a:ext uri="{91240B29-F687-4f45-9708-019B960494DF}">
+            <a:ext uri="{91240B29-F687-4F45-9708-019B960494DF}">
               <a14:hiddenLine xmlns:a14="http://schemas.microsoft.com/office/drawing/2010/main" w="9525">
                 <a:solidFill>
                   <a:srgbClr val="000000"/>
@@ -5958,7 +5958,7 @@
                 <a:tailEnd/>
               </a14:hiddenLine>
             </a:ext>
-            <a:ext uri="{AF507438-7753-43e0-B8FC-AC1667EBCBE1}">
+            <a:ext uri="{AF507438-7753-43E0-B8FC-AC1667EBCBE1}">
               <a14:hiddenEffects xmlns:a14="http://schemas.microsoft.com/office/drawing/2010/main">
                 <a:effectLst>
                   <a:outerShdw blurRad="63500" dist="38099" dir="2700000" algn="ctr" rotWithShape="0">
@@ -6058,7 +6058,7 @@
           </a:ln>
           <a:effectLst/>
           <a:extLst>
-            <a:ext uri="{91240B29-F687-4f45-9708-019B960494DF}">
+            <a:ext uri="{91240B29-F687-4F45-9708-019B960494DF}">
               <a14:hiddenLine xmlns:a14="http://schemas.microsoft.com/office/drawing/2010/main" w="9525">
                 <a:solidFill>
                   <a:srgbClr val="000000"/>
@@ -6068,7 +6068,7 @@
                 <a:tailEnd/>
               </a14:hiddenLine>
             </a:ext>
-            <a:ext uri="{AF507438-7753-43e0-B8FC-AC1667EBCBE1}">
+            <a:ext uri="{AF507438-7753-43E0-B8FC-AC1667EBCBE1}">
               <a14:hiddenEffects xmlns:a14="http://schemas.microsoft.com/office/drawing/2010/main">
                 <a:effectLst>
                   <a:outerShdw blurRad="63500" dist="38099" dir="2700000" algn="ctr" rotWithShape="0">
@@ -6137,14 +6137,14 @@
           </a:ln>
           <a:effectLst/>
           <a:extLst>
-            <a:ext uri="{909E8E84-426E-40dd-AFC4-6F175D3DCCD1}">
+            <a:ext uri="{909E8E84-426E-40DD-AFC4-6F175D3DCCD1}">
               <a14:hiddenFill xmlns:a14="http://schemas.microsoft.com/office/drawing/2010/main">
                 <a:solidFill>
                   <a:srgbClr val="FFFFFF"/>
                 </a:solidFill>
               </a14:hiddenFill>
             </a:ext>
-            <a:ext uri="{AF507438-7753-43e0-B8FC-AC1667EBCBE1}">
+            <a:ext uri="{AF507438-7753-43E0-B8FC-AC1667EBCBE1}">
               <a14:hiddenEffects xmlns:a14="http://schemas.microsoft.com/office/drawing/2010/main">
                 <a:effectLst>
                   <a:outerShdw blurRad="63500" dist="38099" dir="2700000" algn="ctr" rotWithShape="0">
@@ -6205,7 +6205,7 @@
           </a:ln>
           <a:effectLst/>
           <a:extLst>
-            <a:ext uri="{91240B29-F687-4f45-9708-019B960494DF}">
+            <a:ext uri="{91240B29-F687-4F45-9708-019B960494DF}">
               <a14:hiddenLine xmlns:a14="http://schemas.microsoft.com/office/drawing/2010/main" w="9525">
                 <a:solidFill>
                   <a:srgbClr val="000000"/>
@@ -6215,7 +6215,7 @@
                 <a:tailEnd/>
               </a14:hiddenLine>
             </a:ext>
-            <a:ext uri="{AF507438-7753-43e0-B8FC-AC1667EBCBE1}">
+            <a:ext uri="{AF507438-7753-43E0-B8FC-AC1667EBCBE1}">
               <a14:hiddenEffects xmlns:a14="http://schemas.microsoft.com/office/drawing/2010/main">
                 <a:effectLst>
                   <a:outerShdw blurRad="63500" dist="38099" dir="2700000" algn="ctr" rotWithShape="0">
@@ -6317,12 +6317,12 @@
           </a:ln>
           <a:effectLst/>
           <a:extLst>
-            <a:ext uri="{909E8E84-426E-40dd-AFC4-6F175D3DCCD1}">
+            <a:ext uri="{909E8E84-426E-40DD-AFC4-6F175D3DCCD1}">
               <a14:hiddenFill xmlns:a14="http://schemas.microsoft.com/office/drawing/2010/main">
                 <a:noFill/>
               </a14:hiddenFill>
             </a:ext>
-            <a:ext uri="{AF507438-7753-43e0-B8FC-AC1667EBCBE1}">
+            <a:ext uri="{AF507438-7753-43E0-B8FC-AC1667EBCBE1}">
               <a14:hiddenEffects xmlns:a14="http://schemas.microsoft.com/office/drawing/2010/main">
                 <a:effectLst>
                   <a:outerShdw blurRad="63500" dist="38099" dir="2700000" algn="ctr" rotWithShape="0">
@@ -6358,14 +6358,14 @@
           </a:ln>
           <a:effectLst/>
           <a:extLst>
-            <a:ext uri="{909E8E84-426E-40dd-AFC4-6F175D3DCCD1}">
+            <a:ext uri="{909E8E84-426E-40DD-AFC4-6F175D3DCCD1}">
               <a14:hiddenFill xmlns:a14="http://schemas.microsoft.com/office/drawing/2010/main">
                 <a:solidFill>
                   <a:srgbClr val="FFFFFF"/>
                 </a:solidFill>
               </a14:hiddenFill>
             </a:ext>
-            <a:ext uri="{91240B29-F687-4f45-9708-019B960494DF}">
+            <a:ext uri="{91240B29-F687-4F45-9708-019B960494DF}">
               <a14:hiddenLine xmlns:a14="http://schemas.microsoft.com/office/drawing/2010/main" w="9525">
                 <a:solidFill>
                   <a:srgbClr val="000000"/>
@@ -6375,7 +6375,7 @@
                 <a:tailEnd/>
               </a14:hiddenLine>
             </a:ext>
-            <a:ext uri="{AF507438-7753-43e0-B8FC-AC1667EBCBE1}">
+            <a:ext uri="{AF507438-7753-43E0-B8FC-AC1667EBCBE1}">
               <a14:hiddenEffects xmlns:a14="http://schemas.microsoft.com/office/drawing/2010/main">
                 <a:effectLst>
                   <a:outerShdw blurRad="63500" dist="38099" dir="2700000" algn="ctr" rotWithShape="0">
@@ -6667,11 +6667,11 @@
   <p:clrMapOvr>
     <a:masterClrMapping/>
   </p:clrMapOvr>
-  <p:transition xmlns:p14="http://schemas.microsoft.com/office/powerpoint/2010/main" spd="med"/>
+  <p:transition spd="med"/>
   <p:timing>
     <p:tnLst>
       <p:par>
-        <p:cTn xmlns:p14="http://schemas.microsoft.com/office/powerpoint/2010/main" id="1" dur="indefinite" restart="never" nodeType="tmRoot">
+        <p:cTn id="1" dur="indefinite" restart="never" nodeType="tmRoot">
           <p:childTnLst>
             <p:seq concurrent="1" nextAc="seek">
               <p:cTn id="2" dur="indefinite" nodeType="mainSeq">
@@ -6715,33 +6715,15 @@
                                   </p:childTnLst>
                                 </p:cTn>
                               </p:par>
-                            </p:childTnLst>
-                          </p:cTn>
-                        </p:par>
-                      </p:childTnLst>
-                    </p:cTn>
-                  </p:par>
-                  <p:par>
-                    <p:cTn id="7" fill="hold">
-                      <p:stCondLst>
-                        <p:cond delay="indefinite"/>
-                      </p:stCondLst>
-                      <p:childTnLst>
-                        <p:par>
-                          <p:cTn id="8" fill="hold">
-                            <p:stCondLst>
-                              <p:cond delay="0"/>
-                            </p:stCondLst>
-                            <p:childTnLst>
                               <p:par>
-                                <p:cTn id="9" presetID="1" presetClass="entr" presetSubtype="0" fill="hold" grpId="0" nodeType="clickEffect">
+                                <p:cTn id="7" presetID="1" presetClass="entr" presetSubtype="0" fill="hold" grpId="0" nodeType="withEffect">
                                   <p:stCondLst>
                                     <p:cond delay="0"/>
                                   </p:stCondLst>
                                   <p:childTnLst>
                                     <p:set>
                                       <p:cBhvr>
-                                        <p:cTn id="10" dur="1" fill="hold">
+                                        <p:cTn id="8" dur="1" fill="hold">
                                           <p:stCondLst>
                                             <p:cond delay="0"/>
                                           </p:stCondLst>
@@ -6760,33 +6742,42 @@
                                   </p:childTnLst>
                                 </p:cTn>
                               </p:par>
-                            </p:childTnLst>
-                          </p:cTn>
-                        </p:par>
-                      </p:childTnLst>
-                    </p:cTn>
-                  </p:par>
-                  <p:par>
-                    <p:cTn id="11" fill="hold">
-                      <p:stCondLst>
-                        <p:cond delay="indefinite"/>
-                      </p:stCondLst>
-                      <p:childTnLst>
-                        <p:par>
-                          <p:cTn id="12" fill="hold">
-                            <p:stCondLst>
-                              <p:cond delay="0"/>
-                            </p:stCondLst>
-                            <p:childTnLst>
                               <p:par>
-                                <p:cTn id="13" presetID="1" presetClass="entr" presetSubtype="0" fill="hold" grpId="0" nodeType="clickEffect">
+                                <p:cTn id="9" presetID="1" presetClass="entr" presetSubtype="0" fill="hold" grpId="0" nodeType="withEffect">
                                   <p:stCondLst>
                                     <p:cond delay="0"/>
                                   </p:stCondLst>
                                   <p:childTnLst>
                                     <p:set>
                                       <p:cBhvr>
-                                        <p:cTn id="14" dur="1" fill="hold">
+                                        <p:cTn id="10" dur="1" fill="hold">
+                                          <p:stCondLst>
+                                            <p:cond delay="0"/>
+                                          </p:stCondLst>
+                                        </p:cTn>
+                                        <p:tgtEl>
+                                          <p:spTgt spid="9219"/>
+                                        </p:tgtEl>
+                                        <p:attrNameLst>
+                                          <p:attrName>style.visibility</p:attrName>
+                                        </p:attrNameLst>
+                                      </p:cBhvr>
+                                      <p:to>
+                                        <p:strVal val="visible"/>
+                                      </p:to>
+                                    </p:set>
+                                  </p:childTnLst>
+                                </p:cTn>
+                              </p:par>
+                              <p:par>
+                                <p:cTn id="11" presetID="1" presetClass="entr" presetSubtype="0" fill="hold" grpId="0" nodeType="withEffect">
+                                  <p:stCondLst>
+                                    <p:cond delay="0"/>
+                                  </p:stCondLst>
+                                  <p:childTnLst>
+                                    <p:set>
+                                      <p:cBhvr>
+                                        <p:cTn id="12" dur="1" fill="hold">
                                           <p:stCondLst>
                                             <p:cond delay="0"/>
                                           </p:stCondLst>
@@ -6805,26 +6796,62 @@
                                   </p:childTnLst>
                                 </p:cTn>
                               </p:par>
-                            </p:childTnLst>
-                          </p:cTn>
-                        </p:par>
-                      </p:childTnLst>
-                    </p:cTn>
-                  </p:par>
-                  <p:par>
-                    <p:cTn id="15" fill="hold">
-                      <p:stCondLst>
-                        <p:cond delay="indefinite"/>
-                      </p:stCondLst>
-                      <p:childTnLst>
-                        <p:par>
-                          <p:cTn id="16" fill="hold">
-                            <p:stCondLst>
-                              <p:cond delay="0"/>
-                            </p:stCondLst>
-                            <p:childTnLst>
                               <p:par>
-                                <p:cTn id="17" presetID="1" presetClass="entr" presetSubtype="0" fill="hold" grpId="0" nodeType="clickEffect">
+                                <p:cTn id="13" presetID="1" presetClass="entr" presetSubtype="0" fill="hold" grpId="0" nodeType="withEffect">
+                                  <p:stCondLst>
+                                    <p:cond delay="0"/>
+                                  </p:stCondLst>
+                                  <p:childTnLst>
+                                    <p:set>
+                                      <p:cBhvr>
+                                        <p:cTn id="14" dur="1" fill="hold">
+                                          <p:stCondLst>
+                                            <p:cond delay="0"/>
+                                          </p:stCondLst>
+                                        </p:cTn>
+                                        <p:tgtEl>
+                                          <p:spTgt spid="9221"/>
+                                        </p:tgtEl>
+                                        <p:attrNameLst>
+                                          <p:attrName>style.visibility</p:attrName>
+                                        </p:attrNameLst>
+                                      </p:cBhvr>
+                                      <p:to>
+                                        <p:strVal val="visible"/>
+                                      </p:to>
+                                    </p:set>
+                                  </p:childTnLst>
+                                </p:cTn>
+                              </p:par>
+                              <p:par>
+                                <p:cTn id="15" presetID="1" presetClass="entr" presetSubtype="0" fill="hold" grpId="0" nodeType="withEffect">
+                                  <p:stCondLst>
+                                    <p:cond delay="0"/>
+                                  </p:stCondLst>
+                                  <p:childTnLst>
+                                    <p:set>
+                                      <p:cBhvr>
+                                        <p:cTn id="16" dur="1" fill="hold">
+                                          <p:stCondLst>
+                                            <p:cond delay="0"/>
+                                          </p:stCondLst>
+                                        </p:cTn>
+                                        <p:tgtEl>
+                                          <p:spTgt spid="9222"/>
+                                        </p:tgtEl>
+                                        <p:attrNameLst>
+                                          <p:attrName>style.visibility</p:attrName>
+                                        </p:attrNameLst>
+                                      </p:cBhvr>
+                                      <p:to>
+                                        <p:strVal val="visible"/>
+                                      </p:to>
+                                    </p:set>
+                                  </p:childTnLst>
+                                </p:cTn>
+                              </p:par>
+                              <p:par>
+                                <p:cTn id="17" presetID="1" presetClass="entr" presetSubtype="0" fill="hold" grpId="0" nodeType="withEffect">
                                   <p:stCondLst>
                                     <p:cond delay="0"/>
                                   </p:stCondLst>
@@ -6837,7 +6864,7 @@
                                           </p:stCondLst>
                                         </p:cTn>
                                         <p:tgtEl>
-                                          <p:spTgt spid="9221"/>
+                                          <p:spTgt spid="9223"/>
                                         </p:tgtEl>
                                         <p:attrNameLst>
                                           <p:attrName>style.visibility</p:attrName>
@@ -6882,97 +6909,7 @@
                                           </p:stCondLst>
                                         </p:cTn>
                                         <p:tgtEl>
-                                          <p:spTgt spid="9219"/>
-                                        </p:tgtEl>
-                                        <p:attrNameLst>
-                                          <p:attrName>style.visibility</p:attrName>
-                                        </p:attrNameLst>
-                                      </p:cBhvr>
-                                      <p:to>
-                                        <p:strVal val="visible"/>
-                                      </p:to>
-                                    </p:set>
-                                  </p:childTnLst>
-                                </p:cTn>
-                              </p:par>
-                            </p:childTnLst>
-                          </p:cTn>
-                        </p:par>
-                      </p:childTnLst>
-                    </p:cTn>
-                  </p:par>
-                  <p:par>
-                    <p:cTn id="23" fill="hold">
-                      <p:stCondLst>
-                        <p:cond delay="indefinite"/>
-                      </p:stCondLst>
-                      <p:childTnLst>
-                        <p:par>
-                          <p:cTn id="24" fill="hold">
-                            <p:stCondLst>
-                              <p:cond delay="0"/>
-                            </p:stCondLst>
-                            <p:childTnLst>
-                              <p:par>
-                                <p:cTn id="25" presetID="1" presetClass="entr" presetSubtype="0" fill="hold" grpId="0" nodeType="clickEffect">
-                                  <p:stCondLst>
-                                    <p:cond delay="0"/>
-                                  </p:stCondLst>
-                                  <p:childTnLst>
-                                    <p:set>
-                                      <p:cBhvr>
-                                        <p:cTn id="26" dur="1" fill="hold">
-                                          <p:stCondLst>
-                                            <p:cond delay="0"/>
-                                          </p:stCondLst>
-                                        </p:cTn>
-                                        <p:tgtEl>
-                                          <p:spTgt spid="9222"/>
-                                        </p:tgtEl>
-                                        <p:attrNameLst>
-                                          <p:attrName>style.visibility</p:attrName>
-                                        </p:attrNameLst>
-                                      </p:cBhvr>
-                                      <p:to>
-                                        <p:strVal val="visible"/>
-                                      </p:to>
-                                    </p:set>
-                                  </p:childTnLst>
-                                </p:cTn>
-                              </p:par>
-                            </p:childTnLst>
-                          </p:cTn>
-                        </p:par>
-                      </p:childTnLst>
-                    </p:cTn>
-                  </p:par>
-                  <p:par>
-                    <p:cTn id="27" fill="hold">
-                      <p:stCondLst>
-                        <p:cond delay="indefinite"/>
-                      </p:stCondLst>
-                      <p:childTnLst>
-                        <p:par>
-                          <p:cTn id="28" fill="hold">
-                            <p:stCondLst>
-                              <p:cond delay="0"/>
-                            </p:stCondLst>
-                            <p:childTnLst>
-                              <p:par>
-                                <p:cTn id="29" presetID="1" presetClass="entr" presetSubtype="0" fill="hold" grpId="0" nodeType="clickEffect">
-                                  <p:stCondLst>
-                                    <p:cond delay="0"/>
-                                  </p:stCondLst>
-                                  <p:childTnLst>
-                                    <p:set>
-                                      <p:cBhvr>
-                                        <p:cTn id="30" dur="1" fill="hold">
-                                          <p:stCondLst>
-                                            <p:cond delay="0"/>
-                                          </p:stCondLst>
-                                        </p:cTn>
-                                        <p:tgtEl>
-                                          <p:spTgt spid="9223"/>
+                                          <p:spTgt spid="9224"/>
                                         </p:tgtEl>
                                         <p:attrNameLst>
                                           <p:attrName>style.visibility</p:attrName>
@@ -6986,47 +6923,20 @@
                                 </p:cTn>
                               </p:par>
                               <p:par>
-                                <p:cTn id="31" presetID="1" presetClass="entr" presetSubtype="0" fill="hold" nodeType="withEffect">
+                                <p:cTn id="23" presetID="1" presetClass="entr" presetSubtype="0" fill="hold" nodeType="withEffect">
                                   <p:stCondLst>
                                     <p:cond delay="0"/>
                                   </p:stCondLst>
                                   <p:childTnLst>
                                     <p:set>
                                       <p:cBhvr>
-                                        <p:cTn id="32" dur="1" fill="hold">
+                                        <p:cTn id="24" dur="1" fill="hold">
                                           <p:stCondLst>
                                             <p:cond delay="0"/>
                                           </p:stCondLst>
                                         </p:cTn>
                                         <p:tgtEl>
                                           <p:spTgt spid="9225"/>
-                                        </p:tgtEl>
-                                        <p:attrNameLst>
-                                          <p:attrName>style.visibility</p:attrName>
-                                        </p:attrNameLst>
-                                      </p:cBhvr>
-                                      <p:to>
-                                        <p:strVal val="visible"/>
-                                      </p:to>
-                                    </p:set>
-                                  </p:childTnLst>
-                                </p:cTn>
-                              </p:par>
-                              <p:par>
-                                <p:cTn id="33" presetID="1" presetClass="entr" presetSubtype="0" fill="hold" grpId="0" nodeType="withEffect">
-                                  <p:stCondLst>
-                                    <p:cond delay="0"/>
-                                  </p:stCondLst>
-                                  <p:childTnLst>
-                                    <p:set>
-                                      <p:cBhvr>
-                                        <p:cTn id="34" dur="1" fill="hold">
-                                          <p:stCondLst>
-                                            <p:cond delay="0"/>
-                                          </p:stCondLst>
-                                        </p:cTn>
-                                        <p:tgtEl>
-                                          <p:spTgt spid="9224"/>
                                         </p:tgtEl>
                                         <p:attrNameLst>
                                           <p:attrName>style.visibility</p:attrName>
@@ -7151,7 +7061,7 @@
           </a:ln>
           <a:effectLst/>
           <a:extLst>
-            <a:ext uri="{91240B29-F687-4f45-9708-019B960494DF}">
+            <a:ext uri="{91240B29-F687-4F45-9708-019B960494DF}">
               <a14:hiddenLine xmlns:a14="http://schemas.microsoft.com/office/drawing/2010/main" w="9525">
                 <a:solidFill>
                   <a:srgbClr val="000000"/>
@@ -7161,7 +7071,7 @@
                 <a:tailEnd/>
               </a14:hiddenLine>
             </a:ext>
-            <a:ext uri="{AF507438-7753-43e0-B8FC-AC1667EBCBE1}">
+            <a:ext uri="{AF507438-7753-43E0-B8FC-AC1667EBCBE1}">
               <a14:hiddenEffects xmlns:a14="http://schemas.microsoft.com/office/drawing/2010/main">
                 <a:effectLst>
                   <a:outerShdw blurRad="63500" dist="38099" dir="2700000" algn="ctr" rotWithShape="0">
@@ -7234,7 +7144,7 @@
           </a:ln>
           <a:effectLst/>
           <a:extLst>
-            <a:ext uri="{91240B29-F687-4f45-9708-019B960494DF}">
+            <a:ext uri="{91240B29-F687-4F45-9708-019B960494DF}">
               <a14:hiddenLine xmlns:a14="http://schemas.microsoft.com/office/drawing/2010/main" w="9525">
                 <a:solidFill>
                   <a:srgbClr val="000000"/>
@@ -7244,7 +7154,7 @@
                 <a:tailEnd/>
               </a14:hiddenLine>
             </a:ext>
-            <a:ext uri="{AF507438-7753-43e0-B8FC-AC1667EBCBE1}">
+            <a:ext uri="{AF507438-7753-43E0-B8FC-AC1667EBCBE1}">
               <a14:hiddenEffects xmlns:a14="http://schemas.microsoft.com/office/drawing/2010/main">
                 <a:effectLst>
                   <a:outerShdw blurRad="63500" dist="38099" dir="2700000" algn="ctr" rotWithShape="0">
@@ -7345,14 +7255,14 @@
           </a:ln>
           <a:effectLst/>
           <a:extLst>
-            <a:ext uri="{909E8E84-426E-40dd-AFC4-6F175D3DCCD1}">
+            <a:ext uri="{909E8E84-426E-40DD-AFC4-6F175D3DCCD1}">
               <a14:hiddenFill xmlns:a14="http://schemas.microsoft.com/office/drawing/2010/main">
                 <a:solidFill>
                   <a:srgbClr val="FFFFFF"/>
                 </a:solidFill>
               </a14:hiddenFill>
             </a:ext>
-            <a:ext uri="{91240B29-F687-4f45-9708-019B960494DF}">
+            <a:ext uri="{91240B29-F687-4F45-9708-019B960494DF}">
               <a14:hiddenLine xmlns:a14="http://schemas.microsoft.com/office/drawing/2010/main" w="9525">
                 <a:solidFill>
                   <a:srgbClr val="000000"/>
@@ -7362,7 +7272,7 @@
                 <a:tailEnd/>
               </a14:hiddenLine>
             </a:ext>
-            <a:ext uri="{AF507438-7753-43e0-B8FC-AC1667EBCBE1}">
+            <a:ext uri="{AF507438-7753-43E0-B8FC-AC1667EBCBE1}">
               <a14:hiddenEffects xmlns:a14="http://schemas.microsoft.com/office/drawing/2010/main">
                 <a:effectLst>
                   <a:outerShdw blurRad="63500" dist="38099" dir="2700000" algn="ctr" rotWithShape="0">
@@ -7706,14 +7616,14 @@
           </a:ln>
           <a:effectLst/>
           <a:extLst>
-            <a:ext uri="{909E8E84-426E-40dd-AFC4-6F175D3DCCD1}">
+            <a:ext uri="{909E8E84-426E-40DD-AFC4-6F175D3DCCD1}">
               <a14:hiddenFill xmlns:a14="http://schemas.microsoft.com/office/drawing/2010/main">
                 <a:solidFill>
                   <a:srgbClr val="FFFFFF"/>
                 </a:solidFill>
               </a14:hiddenFill>
             </a:ext>
-            <a:ext uri="{91240B29-F687-4f45-9708-019B960494DF}">
+            <a:ext uri="{91240B29-F687-4F45-9708-019B960494DF}">
               <a14:hiddenLine xmlns:a14="http://schemas.microsoft.com/office/drawing/2010/main" w="9525">
                 <a:solidFill>
                   <a:srgbClr val="000000"/>
@@ -7723,7 +7633,7 @@
                 <a:tailEnd/>
               </a14:hiddenLine>
             </a:ext>
-            <a:ext uri="{AF507438-7753-43e0-B8FC-AC1667EBCBE1}">
+            <a:ext uri="{AF507438-7753-43E0-B8FC-AC1667EBCBE1}">
               <a14:hiddenEffects xmlns:a14="http://schemas.microsoft.com/office/drawing/2010/main">
                 <a:effectLst>
                   <a:outerShdw blurRad="63500" dist="38099" dir="2700000" algn="ctr" rotWithShape="0">
@@ -8039,7 +7949,7 @@
   <p:timing>
     <p:tnLst>
       <p:par>
-        <p:cTn xmlns:p14="http://schemas.microsoft.com/office/powerpoint/2010/main" id="1" dur="indefinite" restart="never" nodeType="tmRoot"/>
+        <p:cTn id="1" dur="indefinite" restart="never" nodeType="tmRoot"/>
       </p:par>
     </p:tnLst>
   </p:timing>
@@ -8116,14 +8026,14 @@
           </a:ln>
           <a:effectLst/>
           <a:extLst>
-            <a:ext uri="{909E8E84-426E-40dd-AFC4-6F175D3DCCD1}">
+            <a:ext uri="{909E8E84-426E-40DD-AFC4-6F175D3DCCD1}">
               <a14:hiddenFill xmlns:a14="http://schemas.microsoft.com/office/drawing/2010/main">
                 <a:solidFill>
                   <a:srgbClr val="FFFFFF"/>
                 </a:solidFill>
               </a14:hiddenFill>
             </a:ext>
-            <a:ext uri="{91240B29-F687-4f45-9708-019B960494DF}">
+            <a:ext uri="{91240B29-F687-4F45-9708-019B960494DF}">
               <a14:hiddenLine xmlns:a14="http://schemas.microsoft.com/office/drawing/2010/main" w="9525">
                 <a:solidFill>
                   <a:srgbClr val="808080"/>
@@ -8133,7 +8043,7 @@
                 <a:tailEnd/>
               </a14:hiddenLine>
             </a:ext>
-            <a:ext uri="{AF507438-7753-43e0-B8FC-AC1667EBCBE1}">
+            <a:ext uri="{AF507438-7753-43E0-B8FC-AC1667EBCBE1}">
               <a14:hiddenEffects xmlns:a14="http://schemas.microsoft.com/office/drawing/2010/main">
                 <a:effectLst>
                   <a:outerShdw blurRad="63500" dist="38099" dir="2700000" algn="ctr" rotWithShape="0">
@@ -8480,11 +8390,11 @@
   <p:clrMapOvr>
     <a:masterClrMapping/>
   </p:clrMapOvr>
-  <p:transition xmlns:p14="http://schemas.microsoft.com/office/powerpoint/2010/main" spd="med"/>
+  <p:transition spd="med"/>
   <p:timing>
     <p:tnLst>
       <p:par>
-        <p:cTn xmlns:p14="http://schemas.microsoft.com/office/powerpoint/2010/main" id="1" dur="indefinite" restart="never" nodeType="tmRoot">
+        <p:cTn id="1" dur="indefinite" restart="never" nodeType="tmRoot">
           <p:childTnLst>
             <p:seq concurrent="1" nextAc="seek">
               <p:cTn id="2" dur="0" nodeType="mainSeq"/>
@@ -8580,7 +8490,7 @@
           </a:ln>
           <a:effectLst/>
           <a:extLst>
-            <a:ext uri="{91240B29-F687-4f45-9708-019B960494DF}">
+            <a:ext uri="{91240B29-F687-4F45-9708-019B960494DF}">
               <a14:hiddenLine xmlns:a14="http://schemas.microsoft.com/office/drawing/2010/main" w="9525">
                 <a:solidFill>
                   <a:srgbClr val="000000"/>
@@ -8590,7 +8500,7 @@
                 <a:tailEnd/>
               </a14:hiddenLine>
             </a:ext>
-            <a:ext uri="{AF507438-7753-43e0-B8FC-AC1667EBCBE1}">
+            <a:ext uri="{AF507438-7753-43E0-B8FC-AC1667EBCBE1}">
               <a14:hiddenEffects xmlns:a14="http://schemas.microsoft.com/office/drawing/2010/main">
                 <a:effectLst>
                   <a:outerShdw blurRad="63500" dist="38099" dir="2700000" algn="ctr" rotWithShape="0">
@@ -8676,7 +8586,7 @@
           </a:ln>
           <a:effectLst/>
           <a:extLst>
-            <a:ext uri="{91240B29-F687-4f45-9708-019B960494DF}">
+            <a:ext uri="{91240B29-F687-4F45-9708-019B960494DF}">
               <a14:hiddenLine xmlns:a14="http://schemas.microsoft.com/office/drawing/2010/main" w="9525">
                 <a:solidFill>
                   <a:srgbClr val="000000"/>
@@ -8686,7 +8596,7 @@
                 <a:tailEnd/>
               </a14:hiddenLine>
             </a:ext>
-            <a:ext uri="{AF507438-7753-43e0-B8FC-AC1667EBCBE1}">
+            <a:ext uri="{AF507438-7753-43E0-B8FC-AC1667EBCBE1}">
               <a14:hiddenEffects xmlns:a14="http://schemas.microsoft.com/office/drawing/2010/main">
                 <a:effectLst>
                   <a:outerShdw blurRad="63500" dist="38099" dir="2700000" algn="ctr" rotWithShape="0">
@@ -8748,7 +8658,7 @@
           </a:ln>
           <a:effectLst/>
           <a:extLst>
-            <a:ext uri="{91240B29-F687-4f45-9708-019B960494DF}">
+            <a:ext uri="{91240B29-F687-4F45-9708-019B960494DF}">
               <a14:hiddenLine xmlns:a14="http://schemas.microsoft.com/office/drawing/2010/main" w="9525">
                 <a:solidFill>
                   <a:srgbClr val="000000"/>
@@ -8758,7 +8668,7 @@
                 <a:tailEnd/>
               </a14:hiddenLine>
             </a:ext>
-            <a:ext uri="{AF507438-7753-43e0-B8FC-AC1667EBCBE1}">
+            <a:ext uri="{AF507438-7753-43E0-B8FC-AC1667EBCBE1}">
               <a14:hiddenEffects xmlns:a14="http://schemas.microsoft.com/office/drawing/2010/main">
                 <a:effectLst>
                   <a:outerShdw blurRad="63500" dist="38099" dir="2700000" algn="ctr" rotWithShape="0">
@@ -8822,7 +8732,7 @@
           </a:ln>
           <a:effectLst/>
           <a:extLst>
-            <a:ext uri="{91240B29-F687-4f45-9708-019B960494DF}">
+            <a:ext uri="{91240B29-F687-4F45-9708-019B960494DF}">
               <a14:hiddenLine xmlns:a14="http://schemas.microsoft.com/office/drawing/2010/main" w="9525">
                 <a:solidFill>
                   <a:srgbClr val="000000"/>
@@ -8832,7 +8742,7 @@
                 <a:tailEnd/>
               </a14:hiddenLine>
             </a:ext>
-            <a:ext uri="{AF507438-7753-43e0-B8FC-AC1667EBCBE1}">
+            <a:ext uri="{AF507438-7753-43E0-B8FC-AC1667EBCBE1}">
               <a14:hiddenEffects xmlns:a14="http://schemas.microsoft.com/office/drawing/2010/main">
                 <a:effectLst>
                   <a:outerShdw blurRad="63500" dist="38099" dir="2700000" algn="ctr" rotWithShape="0">
@@ -8922,12 +8832,12 @@
           </a:ln>
           <a:effectLst/>
           <a:extLst>
-            <a:ext uri="{909E8E84-426E-40dd-AFC4-6F175D3DCCD1}">
+            <a:ext uri="{909E8E84-426E-40DD-AFC4-6F175D3DCCD1}">
               <a14:hiddenFill xmlns:a14="http://schemas.microsoft.com/office/drawing/2010/main">
                 <a:noFill/>
               </a14:hiddenFill>
             </a:ext>
-            <a:ext uri="{AF507438-7753-43e0-B8FC-AC1667EBCBE1}">
+            <a:ext uri="{AF507438-7753-43E0-B8FC-AC1667EBCBE1}">
               <a14:hiddenEffects xmlns:a14="http://schemas.microsoft.com/office/drawing/2010/main">
                 <a:effectLst>
                   <a:outerShdw blurRad="63500" dist="38099" dir="2700000" algn="ctr" rotWithShape="0">
@@ -8970,12 +8880,12 @@
           </a:ln>
           <a:effectLst/>
           <a:extLst>
-            <a:ext uri="{909E8E84-426E-40dd-AFC4-6F175D3DCCD1}">
+            <a:ext uri="{909E8E84-426E-40DD-AFC4-6F175D3DCCD1}">
               <a14:hiddenFill xmlns:a14="http://schemas.microsoft.com/office/drawing/2010/main">
                 <a:noFill/>
               </a14:hiddenFill>
             </a:ext>
-            <a:ext uri="{AF507438-7753-43e0-B8FC-AC1667EBCBE1}">
+            <a:ext uri="{AF507438-7753-43E0-B8FC-AC1667EBCBE1}">
               <a14:hiddenEffects xmlns:a14="http://schemas.microsoft.com/office/drawing/2010/main">
                 <a:effectLst>
                   <a:outerShdw blurRad="63500" dist="38099" dir="2700000" algn="ctr" rotWithShape="0">
@@ -9015,7 +8925,7 @@
           </a:ln>
           <a:effectLst/>
           <a:extLst>
-            <a:ext uri="{91240B29-F687-4f45-9708-019B960494DF}">
+            <a:ext uri="{91240B29-F687-4F45-9708-019B960494DF}">
               <a14:hiddenLine xmlns:a14="http://schemas.microsoft.com/office/drawing/2010/main" w="9525">
                 <a:solidFill>
                   <a:srgbClr val="000000"/>
@@ -9025,7 +8935,7 @@
                 <a:tailEnd/>
               </a14:hiddenLine>
             </a:ext>
-            <a:ext uri="{AF507438-7753-43e0-B8FC-AC1667EBCBE1}">
+            <a:ext uri="{AF507438-7753-43E0-B8FC-AC1667EBCBE1}">
               <a14:hiddenEffects xmlns:a14="http://schemas.microsoft.com/office/drawing/2010/main">
                 <a:effectLst>
                   <a:outerShdw blurRad="63500" dist="38099" dir="2700000" algn="ctr" rotWithShape="0">
@@ -9108,7 +9018,7 @@
   <p:timing>
     <p:tnLst>
       <p:par>
-        <p:cTn xmlns:p14="http://schemas.microsoft.com/office/powerpoint/2010/main" id="1" dur="indefinite" restart="never" nodeType="tmRoot"/>
+        <p:cTn id="1" dur="indefinite" restart="never" nodeType="tmRoot"/>
       </p:par>
     </p:tnLst>
   </p:timing>
@@ -9186,7 +9096,7 @@
           </a:ln>
           <a:effectLst/>
           <a:extLst>
-            <a:ext uri="{91240B29-F687-4f45-9708-019B960494DF}">
+            <a:ext uri="{91240B29-F687-4F45-9708-019B960494DF}">
               <a14:hiddenLine xmlns:a14="http://schemas.microsoft.com/office/drawing/2010/main" w="9525">
                 <a:solidFill>
                   <a:srgbClr val="000000"/>
@@ -9196,7 +9106,7 @@
                 <a:tailEnd/>
               </a14:hiddenLine>
             </a:ext>
-            <a:ext uri="{AF507438-7753-43e0-B8FC-AC1667EBCBE1}">
+            <a:ext uri="{AF507438-7753-43E0-B8FC-AC1667EBCBE1}">
               <a14:hiddenEffects xmlns:a14="http://schemas.microsoft.com/office/drawing/2010/main">
                 <a:effectLst>
                   <a:outerShdw blurRad="63500" dist="38099" dir="2700000" algn="ctr" rotWithShape="0">
@@ -9270,7 +9180,7 @@
           </a:ln>
           <a:effectLst/>
           <a:extLst>
-            <a:ext uri="{91240B29-F687-4f45-9708-019B960494DF}">
+            <a:ext uri="{91240B29-F687-4F45-9708-019B960494DF}">
               <a14:hiddenLine xmlns:a14="http://schemas.microsoft.com/office/drawing/2010/main" w="9525">
                 <a:solidFill>
                   <a:srgbClr val="000000"/>
@@ -9280,7 +9190,7 @@
                 <a:tailEnd/>
               </a14:hiddenLine>
             </a:ext>
-            <a:ext uri="{AF507438-7753-43e0-B8FC-AC1667EBCBE1}">
+            <a:ext uri="{AF507438-7753-43E0-B8FC-AC1667EBCBE1}">
               <a14:hiddenEffects xmlns:a14="http://schemas.microsoft.com/office/drawing/2010/main">
                 <a:effectLst>
                   <a:outerShdw blurRad="63500" dist="38099" dir="2700000" algn="ctr" rotWithShape="0">
@@ -9389,7 +9299,7 @@
           </a:ln>
           <a:effectLst/>
           <a:extLst>
-            <a:ext uri="{91240B29-F687-4f45-9708-019B960494DF}">
+            <a:ext uri="{91240B29-F687-4F45-9708-019B960494DF}">
               <a14:hiddenLine xmlns:a14="http://schemas.microsoft.com/office/drawing/2010/main" w="9525">
                 <a:solidFill>
                   <a:srgbClr val="000000"/>
@@ -9399,7 +9309,7 @@
                 <a:tailEnd/>
               </a14:hiddenLine>
             </a:ext>
-            <a:ext uri="{AF507438-7753-43e0-B8FC-AC1667EBCBE1}">
+            <a:ext uri="{AF507438-7753-43E0-B8FC-AC1667EBCBE1}">
               <a14:hiddenEffects xmlns:a14="http://schemas.microsoft.com/office/drawing/2010/main">
                 <a:effectLst>
                   <a:outerShdw blurRad="63500" dist="38099" dir="2700000" algn="ctr" rotWithShape="0">
@@ -9508,7 +9418,7 @@
           </a:ln>
           <a:effectLst/>
           <a:extLst>
-            <a:ext uri="{91240B29-F687-4f45-9708-019B960494DF}">
+            <a:ext uri="{91240B29-F687-4F45-9708-019B960494DF}">
               <a14:hiddenLine xmlns:a14="http://schemas.microsoft.com/office/drawing/2010/main" w="9525">
                 <a:solidFill>
                   <a:srgbClr val="000000"/>
@@ -9518,7 +9428,7 @@
                 <a:tailEnd/>
               </a14:hiddenLine>
             </a:ext>
-            <a:ext uri="{AF507438-7753-43e0-B8FC-AC1667EBCBE1}">
+            <a:ext uri="{AF507438-7753-43E0-B8FC-AC1667EBCBE1}">
               <a14:hiddenEffects xmlns:a14="http://schemas.microsoft.com/office/drawing/2010/main">
                 <a:effectLst>
                   <a:outerShdw blurRad="63500" dist="38099" dir="2700000" algn="ctr" rotWithShape="0">
@@ -9645,14 +9555,14 @@
           </a:ln>
           <a:effectLst/>
           <a:extLst>
-            <a:ext uri="{909E8E84-426E-40dd-AFC4-6F175D3DCCD1}">
+            <a:ext uri="{909E8E84-426E-40DD-AFC4-6F175D3DCCD1}">
               <a14:hiddenFill xmlns:a14="http://schemas.microsoft.com/office/drawing/2010/main">
                 <a:solidFill>
                   <a:srgbClr val="FFFFFF"/>
                 </a:solidFill>
               </a14:hiddenFill>
             </a:ext>
-            <a:ext uri="{AF507438-7753-43e0-B8FC-AC1667EBCBE1}">
+            <a:ext uri="{AF507438-7753-43E0-B8FC-AC1667EBCBE1}">
               <a14:hiddenEffects xmlns:a14="http://schemas.microsoft.com/office/drawing/2010/main">
                 <a:effectLst>
                   <a:outerShdw blurRad="63500" dist="38099" dir="2700000" algn="ctr" rotWithShape="0">
@@ -9794,14 +9704,14 @@
           </a:ln>
           <a:effectLst/>
           <a:extLst>
-            <a:ext uri="{909E8E84-426E-40dd-AFC4-6F175D3DCCD1}">
+            <a:ext uri="{909E8E84-426E-40DD-AFC4-6F175D3DCCD1}">
               <a14:hiddenFill xmlns:a14="http://schemas.microsoft.com/office/drawing/2010/main">
                 <a:solidFill>
                   <a:srgbClr val="FFFFFF"/>
                 </a:solidFill>
               </a14:hiddenFill>
             </a:ext>
-            <a:ext uri="{AF507438-7753-43e0-B8FC-AC1667EBCBE1}">
+            <a:ext uri="{AF507438-7753-43E0-B8FC-AC1667EBCBE1}">
               <a14:hiddenEffects xmlns:a14="http://schemas.microsoft.com/office/drawing/2010/main">
                 <a:effectLst>
                   <a:outerShdw blurRad="63500" dist="38099" dir="2700000" algn="ctr" rotWithShape="0">
@@ -9835,9 +9745,284 @@
   <p:timing>
     <p:tnLst>
       <p:par>
-        <p:cTn xmlns:p14="http://schemas.microsoft.com/office/powerpoint/2010/main" id="1" dur="indefinite" restart="never" nodeType="tmRoot"/>
+        <p:cTn id="1" dur="indefinite" restart="never" nodeType="tmRoot">
+          <p:childTnLst>
+            <p:seq concurrent="1" nextAc="seek">
+              <p:cTn id="2" dur="indefinite" nodeType="mainSeq">
+                <p:childTnLst>
+                  <p:par>
+                    <p:cTn id="3" fill="hold">
+                      <p:stCondLst>
+                        <p:cond delay="indefinite"/>
+                      </p:stCondLst>
+                      <p:childTnLst>
+                        <p:par>
+                          <p:cTn id="4" fill="hold">
+                            <p:stCondLst>
+                              <p:cond delay="0"/>
+                            </p:stCondLst>
+                            <p:childTnLst>
+                              <p:par>
+                                <p:cTn id="5" presetID="1" presetClass="entr" presetSubtype="0" fill="hold" grpId="0" nodeType="clickEffect">
+                                  <p:stCondLst>
+                                    <p:cond delay="0"/>
+                                  </p:stCondLst>
+                                  <p:childTnLst>
+                                    <p:set>
+                                      <p:cBhvr>
+                                        <p:cTn id="6" dur="1" fill="hold">
+                                          <p:stCondLst>
+                                            <p:cond delay="0"/>
+                                          </p:stCondLst>
+                                        </p:cTn>
+                                        <p:tgtEl>
+                                          <p:spTgt spid="18"/>
+                                        </p:tgtEl>
+                                        <p:attrNameLst>
+                                          <p:attrName>style.visibility</p:attrName>
+                                        </p:attrNameLst>
+                                      </p:cBhvr>
+                                      <p:to>
+                                        <p:strVal val="visible"/>
+                                      </p:to>
+                                    </p:set>
+                                  </p:childTnLst>
+                                </p:cTn>
+                              </p:par>
+                              <p:par>
+                                <p:cTn id="7" presetID="1" presetClass="entr" presetSubtype="0" fill="hold" grpId="0" nodeType="withEffect">
+                                  <p:stCondLst>
+                                    <p:cond delay="0"/>
+                                  </p:stCondLst>
+                                  <p:childTnLst>
+                                    <p:set>
+                                      <p:cBhvr>
+                                        <p:cTn id="8" dur="1" fill="hold">
+                                          <p:stCondLst>
+                                            <p:cond delay="0"/>
+                                          </p:stCondLst>
+                                        </p:cTn>
+                                        <p:tgtEl>
+                                          <p:spTgt spid="19"/>
+                                        </p:tgtEl>
+                                        <p:attrNameLst>
+                                          <p:attrName>style.visibility</p:attrName>
+                                        </p:attrNameLst>
+                                      </p:cBhvr>
+                                      <p:to>
+                                        <p:strVal val="visible"/>
+                                      </p:to>
+                                    </p:set>
+                                  </p:childTnLst>
+                                </p:cTn>
+                              </p:par>
+                              <p:par>
+                                <p:cTn id="9" presetID="1" presetClass="entr" presetSubtype="0" fill="hold" grpId="0" nodeType="withEffect">
+                                  <p:stCondLst>
+                                    <p:cond delay="0"/>
+                                  </p:stCondLst>
+                                  <p:childTnLst>
+                                    <p:set>
+                                      <p:cBhvr>
+                                        <p:cTn id="10" dur="1" fill="hold">
+                                          <p:stCondLst>
+                                            <p:cond delay="0"/>
+                                          </p:stCondLst>
+                                        </p:cTn>
+                                        <p:tgtEl>
+                                          <p:spTgt spid="10"/>
+                                        </p:tgtEl>
+                                        <p:attrNameLst>
+                                          <p:attrName>style.visibility</p:attrName>
+                                        </p:attrNameLst>
+                                      </p:cBhvr>
+                                      <p:to>
+                                        <p:strVal val="visible"/>
+                                      </p:to>
+                                    </p:set>
+                                  </p:childTnLst>
+                                </p:cTn>
+                              </p:par>
+                            </p:childTnLst>
+                          </p:cTn>
+                        </p:par>
+                      </p:childTnLst>
+                    </p:cTn>
+                  </p:par>
+                  <p:par>
+                    <p:cTn id="11" fill="hold">
+                      <p:stCondLst>
+                        <p:cond delay="indefinite"/>
+                      </p:stCondLst>
+                      <p:childTnLst>
+                        <p:par>
+                          <p:cTn id="12" fill="hold">
+                            <p:stCondLst>
+                              <p:cond delay="0"/>
+                            </p:stCondLst>
+                            <p:childTnLst>
+                              <p:par>
+                                <p:cTn id="13" presetID="1" presetClass="entr" presetSubtype="0" fill="hold" grpId="0" nodeType="clickEffect">
+                                  <p:stCondLst>
+                                    <p:cond delay="0"/>
+                                  </p:stCondLst>
+                                  <p:childTnLst>
+                                    <p:set>
+                                      <p:cBhvr>
+                                        <p:cTn id="14" dur="1" fill="hold">
+                                          <p:stCondLst>
+                                            <p:cond delay="0"/>
+                                          </p:stCondLst>
+                                        </p:cTn>
+                                        <p:tgtEl>
+                                          <p:spTgt spid="16"/>
+                                        </p:tgtEl>
+                                        <p:attrNameLst>
+                                          <p:attrName>style.visibility</p:attrName>
+                                        </p:attrNameLst>
+                                      </p:cBhvr>
+                                      <p:to>
+                                        <p:strVal val="visible"/>
+                                      </p:to>
+                                    </p:set>
+                                  </p:childTnLst>
+                                </p:cTn>
+                              </p:par>
+                              <p:par>
+                                <p:cTn id="15" presetID="1" presetClass="entr" presetSubtype="0" fill="hold" grpId="0" nodeType="withEffect">
+                                  <p:stCondLst>
+                                    <p:cond delay="0"/>
+                                  </p:stCondLst>
+                                  <p:childTnLst>
+                                    <p:set>
+                                      <p:cBhvr>
+                                        <p:cTn id="16" dur="1" fill="hold">
+                                          <p:stCondLst>
+                                            <p:cond delay="0"/>
+                                          </p:stCondLst>
+                                        </p:cTn>
+                                        <p:tgtEl>
+                                          <p:spTgt spid="17"/>
+                                        </p:tgtEl>
+                                        <p:attrNameLst>
+                                          <p:attrName>style.visibility</p:attrName>
+                                        </p:attrNameLst>
+                                      </p:cBhvr>
+                                      <p:to>
+                                        <p:strVal val="visible"/>
+                                      </p:to>
+                                    </p:set>
+                                  </p:childTnLst>
+                                </p:cTn>
+                              </p:par>
+                              <p:par>
+                                <p:cTn id="17" presetID="1" presetClass="entr" presetSubtype="0" fill="hold" grpId="0" nodeType="withEffect">
+                                  <p:stCondLst>
+                                    <p:cond delay="0"/>
+                                  </p:stCondLst>
+                                  <p:childTnLst>
+                                    <p:set>
+                                      <p:cBhvr>
+                                        <p:cTn id="18" dur="1" fill="hold">
+                                          <p:stCondLst>
+                                            <p:cond delay="0"/>
+                                          </p:stCondLst>
+                                        </p:cTn>
+                                        <p:tgtEl>
+                                          <p:spTgt spid="21"/>
+                                        </p:tgtEl>
+                                        <p:attrNameLst>
+                                          <p:attrName>style.visibility</p:attrName>
+                                        </p:attrNameLst>
+                                      </p:cBhvr>
+                                      <p:to>
+                                        <p:strVal val="visible"/>
+                                      </p:to>
+                                    </p:set>
+                                  </p:childTnLst>
+                                </p:cTn>
+                              </p:par>
+                            </p:childTnLst>
+                          </p:cTn>
+                        </p:par>
+                      </p:childTnLst>
+                    </p:cTn>
+                  </p:par>
+                  <p:par>
+                    <p:cTn id="19" fill="hold">
+                      <p:stCondLst>
+                        <p:cond delay="indefinite"/>
+                      </p:stCondLst>
+                      <p:childTnLst>
+                        <p:par>
+                          <p:cTn id="20" fill="hold">
+                            <p:stCondLst>
+                              <p:cond delay="0"/>
+                            </p:stCondLst>
+                            <p:childTnLst>
+                              <p:par>
+                                <p:cTn id="21" presetID="1" presetClass="entr" presetSubtype="0" fill="hold" grpId="0" nodeType="clickEffect">
+                                  <p:stCondLst>
+                                    <p:cond delay="0"/>
+                                  </p:stCondLst>
+                                  <p:childTnLst>
+                                    <p:set>
+                                      <p:cBhvr>
+                                        <p:cTn id="22" dur="1" fill="hold">
+                                          <p:stCondLst>
+                                            <p:cond delay="0"/>
+                                          </p:stCondLst>
+                                        </p:cTn>
+                                        <p:tgtEl>
+                                          <p:spTgt spid="22"/>
+                                        </p:tgtEl>
+                                        <p:attrNameLst>
+                                          <p:attrName>style.visibility</p:attrName>
+                                        </p:attrNameLst>
+                                      </p:cBhvr>
+                                      <p:to>
+                                        <p:strVal val="visible"/>
+                                      </p:to>
+                                    </p:set>
+                                  </p:childTnLst>
+                                </p:cTn>
+                              </p:par>
+                            </p:childTnLst>
+                          </p:cTn>
+                        </p:par>
+                      </p:childTnLst>
+                    </p:cTn>
+                  </p:par>
+                </p:childTnLst>
+              </p:cTn>
+              <p:prevCondLst>
+                <p:cond evt="onPrev" delay="0">
+                  <p:tgtEl>
+                    <p:sldTgt/>
+                  </p:tgtEl>
+                </p:cond>
+              </p:prevCondLst>
+              <p:nextCondLst>
+                <p:cond evt="onNext" delay="0">
+                  <p:tgtEl>
+                    <p:sldTgt/>
+                  </p:tgtEl>
+                </p:cond>
+              </p:nextCondLst>
+            </p:seq>
+          </p:childTnLst>
+        </p:cTn>
       </p:par>
     </p:tnLst>
+    <p:bldLst>
+      <p:bldP spid="16" grpId="0" animBg="1"/>
+      <p:bldP spid="17" grpId="0" animBg="1"/>
+      <p:bldP spid="18" grpId="0" animBg="1"/>
+      <p:bldP spid="19" grpId="0" animBg="1"/>
+      <p:bldP spid="21" grpId="0" animBg="1"/>
+      <p:bldP spid="22" grpId="0"/>
+      <p:bldP spid="10" grpId="0" animBg="1"/>
+    </p:bldLst>
   </p:timing>
 </p:sld>
 </file>
@@ -9937,7 +10122,7 @@
   <p:timing>
     <p:tnLst>
       <p:par>
-        <p:cTn xmlns:p14="http://schemas.microsoft.com/office/powerpoint/2010/main" id="1" dur="indefinite" restart="never" nodeType="tmRoot"/>
+        <p:cTn id="1" dur="indefinite" restart="never" nodeType="tmRoot"/>
       </p:par>
     </p:tnLst>
   </p:timing>
@@ -10071,7 +10256,7 @@
   <p:timing>
     <p:tnLst>
       <p:par>
-        <p:cTn xmlns:p14="http://schemas.microsoft.com/office/powerpoint/2010/main" id="1" dur="indefinite" restart="never" nodeType="tmRoot"/>
+        <p:cTn id="1" dur="indefinite" restart="never" nodeType="tmRoot"/>
       </p:par>
     </p:tnLst>
   </p:timing>
@@ -10264,7 +10449,7 @@
   <p:timing>
     <p:tnLst>
       <p:par>
-        <p:cTn xmlns:p14="http://schemas.microsoft.com/office/powerpoint/2010/main" id="1" dur="indefinite" restart="never" nodeType="tmRoot"/>
+        <p:cTn id="1" dur="indefinite" restart="never" nodeType="tmRoot"/>
       </p:par>
     </p:tnLst>
   </p:timing>
@@ -10578,7 +10763,7 @@
   <p:timing>
     <p:tnLst>
       <p:par>
-        <p:cTn xmlns:p14="http://schemas.microsoft.com/office/powerpoint/2010/main" id="1" dur="indefinite" restart="never" nodeType="tmRoot"/>
+        <p:cTn id="1" dur="indefinite" restart="never" nodeType="tmRoot"/>
       </p:par>
     </p:tnLst>
   </p:timing>
@@ -10718,7 +10903,7 @@
   <p:timing>
     <p:tnLst>
       <p:par>
-        <p:cTn xmlns:p14="http://schemas.microsoft.com/office/powerpoint/2010/main" id="1" dur="indefinite" restart="never" nodeType="tmRoot"/>
+        <p:cTn id="1" dur="indefinite" restart="never" nodeType="tmRoot"/>
       </p:par>
     </p:tnLst>
   </p:timing>
@@ -12432,7 +12617,7 @@
   <p:timing>
     <p:tnLst>
       <p:par>
-        <p:cTn xmlns:p14="http://schemas.microsoft.com/office/powerpoint/2010/main" id="1" dur="indefinite" restart="never" nodeType="tmRoot"/>
+        <p:cTn id="1" dur="indefinite" restart="never" nodeType="tmRoot"/>
       </p:par>
     </p:tnLst>
   </p:timing>
@@ -12684,7 +12869,7 @@
         </a:ln>
         <a:effectLst/>
         <a:extLst>
-          <a:ext uri="{AF507438-7753-43e0-B8FC-AC1667EBCBE1}">
+          <a:ext uri="{AF507438-7753-43E0-B8FC-AC1667EBCBE1}">
             <a14:hiddenEffects xmlns:a14="http://schemas.microsoft.com/office/drawing/2010/main">
               <a:effectLst>
                 <a:outerShdw blurRad="63500" dist="38099" dir="2700000" algn="ctr" rotWithShape="0">
@@ -12760,7 +12945,7 @@
         </a:ln>
         <a:effectLst/>
         <a:extLst>
-          <a:ext uri="{AF507438-7753-43e0-B8FC-AC1667EBCBE1}">
+          <a:ext uri="{AF507438-7753-43E0-B8FC-AC1667EBCBE1}">
             <a14:hiddenEffects xmlns:a14="http://schemas.microsoft.com/office/drawing/2010/main">
               <a:effectLst>
                 <a:outerShdw blurRad="63500" dist="38099" dir="2700000" algn="ctr" rotWithShape="0">

--- a/Planung/projektskizze_nad.pptx
+++ b/Planung/projektskizze_nad.pptx
@@ -5,7 +5,7 @@
     <p:sldMasterId id="2147483648" r:id="rId1"/>
   </p:sldMasterIdLst>
   <p:notesMasterIdLst>
-    <p:notesMasterId r:id="rId15"/>
+    <p:notesMasterId r:id="rId14"/>
   </p:notesMasterIdLst>
   <p:sldIdLst>
     <p:sldId id="256" r:id="rId2"/>
@@ -14,13 +14,12 @@
     <p:sldId id="264" r:id="rId5"/>
     <p:sldId id="265" r:id="rId6"/>
     <p:sldId id="271" r:id="rId7"/>
-    <p:sldId id="257" r:id="rId8"/>
+    <p:sldId id="273" r:id="rId8"/>
     <p:sldId id="258" r:id="rId9"/>
     <p:sldId id="259" r:id="rId10"/>
-    <p:sldId id="260" r:id="rId11"/>
-    <p:sldId id="272" r:id="rId12"/>
-    <p:sldId id="266" r:id="rId13"/>
-    <p:sldId id="268" r:id="rId14"/>
+    <p:sldId id="272" r:id="rId11"/>
+    <p:sldId id="266" r:id="rId12"/>
+    <p:sldId id="268" r:id="rId13"/>
   </p:sldIdLst>
   <p:sldSz cx="10080625" cy="7559675"/>
   <p:notesSz cx="7559675" cy="10691813"/>
@@ -191,7 +190,7 @@
   </p:defaultTextStyle>
   <p:extLst>
     <p:ext uri="{EFAFB233-063F-42B5-8137-9DF3F51BA10A}">
-      <p15:sldGuideLst xmlns="" xmlns:p15="http://schemas.microsoft.com/office/powerpoint/2012/main">
+      <p15:sldGuideLst xmlns:p15="http://schemas.microsoft.com/office/powerpoint/2012/main" xmlns="">
         <p15:guide id="1" orient="horz" pos="2160">
           <p15:clr>
             <a:srgbClr val="A4A3A4"/>
@@ -205,7 +204,7 @@
       </p15:sldGuideLst>
     </p:ext>
     <p:ext uri="{2D200454-40CA-4A62-9FC3-DE9A4176ACB9}">
-      <p15:notesGuideLst xmlns="" xmlns:p15="http://schemas.microsoft.com/office/powerpoint/2012/main">
+      <p15:notesGuideLst xmlns:p15="http://schemas.microsoft.com/office/powerpoint/2012/main" xmlns="">
         <p15:guide id="1" orient="horz" pos="2880">
           <p15:clr>
             <a:srgbClr val="A4A3A4"/>
@@ -271,14 +270,14 @@
           </a:ln>
           <a:effectLst/>
           <a:extLst>
-            <a:ext uri="{909E8E84-426E-40DD-AFC4-6F175D3DCCD1}">
+            <a:ext uri="{909E8E84-426E-40dd-AFC4-6F175D3DCCD1}">
               <a14:hiddenFill xmlns:a14="http://schemas.microsoft.com/office/drawing/2010/main">
                 <a:solidFill>
                   <a:srgbClr val="FFFFFF"/>
                 </a:solidFill>
               </a14:hiddenFill>
             </a:ext>
-            <a:ext uri="{91240B29-F687-4F45-9708-019B960494DF}">
+            <a:ext uri="{91240B29-F687-4f45-9708-019B960494DF}">
               <a14:hiddenLine xmlns:a14="http://schemas.microsoft.com/office/drawing/2010/main" w="9525">
                 <a:solidFill>
                   <a:srgbClr val="808080"/>
@@ -288,7 +287,7 @@
                 <a:tailEnd/>
               </a14:hiddenLine>
             </a:ext>
-            <a:ext uri="{AF507438-7753-43E0-B8FC-AC1667EBCBE1}">
+            <a:ext uri="{AF507438-7753-43e0-B8FC-AC1667EBCBE1}">
               <a14:hiddenEffects xmlns:a14="http://schemas.microsoft.com/office/drawing/2010/main">
                 <a:effectLst>
                   <a:outerShdw blurRad="63500" dist="38099" dir="2700000" algn="ctr" rotWithShape="0">
@@ -300,7 +299,7 @@
               </a14:hiddenEffects>
             </a:ext>
             <a:ext uri="{FAA26D3D-D897-4be2-8F04-BA451C77F1D7}">
-              <ma14:placeholderFlag xmlns:ma14="http://schemas.microsoft.com/office/mac/drawingml/2011/main" xmlns="" val="1"/>
+              <ma14:placeholderFlag xmlns:ma14="http://schemas.microsoft.com/office/mac/drawingml/2011/main" val="1"/>
             </a:ext>
           </a:extLst>
         </p:spPr>
@@ -329,14 +328,14 @@
           </a:ln>
           <a:effectLst/>
           <a:extLst>
-            <a:ext uri="{909E8E84-426E-40DD-AFC4-6F175D3DCCD1}">
+            <a:ext uri="{909E8E84-426E-40dd-AFC4-6F175D3DCCD1}">
               <a14:hiddenFill xmlns:a14="http://schemas.microsoft.com/office/drawing/2010/main">
                 <a:solidFill>
                   <a:srgbClr val="FFFFFF"/>
                 </a:solidFill>
               </a14:hiddenFill>
             </a:ext>
-            <a:ext uri="{91240B29-F687-4F45-9708-019B960494DF}">
+            <a:ext uri="{91240B29-F687-4f45-9708-019B960494DF}">
               <a14:hiddenLine xmlns:a14="http://schemas.microsoft.com/office/drawing/2010/main" w="9525">
                 <a:solidFill>
                   <a:srgbClr val="808080"/>
@@ -346,7 +345,7 @@
                 <a:tailEnd/>
               </a14:hiddenLine>
             </a:ext>
-            <a:ext uri="{AF507438-7753-43E0-B8FC-AC1667EBCBE1}">
+            <a:ext uri="{AF507438-7753-43e0-B8FC-AC1667EBCBE1}">
               <a14:hiddenEffects xmlns:a14="http://schemas.microsoft.com/office/drawing/2010/main">
                 <a:effectLst>
                   <a:outerShdw blurRad="63500" dist="38099" dir="2700000" algn="ctr" rotWithShape="0">
@@ -358,7 +357,7 @@
               </a14:hiddenEffects>
             </a:ext>
             <a:ext uri="{FAA26D3D-D897-4be2-8F04-BA451C77F1D7}">
-              <ma14:placeholderFlag xmlns:ma14="http://schemas.microsoft.com/office/mac/drawingml/2011/main" xmlns="" val="1"/>
+              <ma14:placeholderFlag xmlns:ma14="http://schemas.microsoft.com/office/mac/drawingml/2011/main" val="1"/>
             </a:ext>
           </a:extLst>
         </p:spPr>
@@ -399,14 +398,14 @@
           </a:ln>
           <a:effectLst/>
           <a:extLst>
-            <a:ext uri="{909E8E84-426E-40DD-AFC4-6F175D3DCCD1}">
+            <a:ext uri="{909E8E84-426E-40dd-AFC4-6F175D3DCCD1}">
               <a14:hiddenFill xmlns:a14="http://schemas.microsoft.com/office/drawing/2010/main">
                 <a:solidFill>
                   <a:srgbClr val="FFFFFF"/>
                 </a:solidFill>
               </a14:hiddenFill>
             </a:ext>
-            <a:ext uri="{91240B29-F687-4F45-9708-019B960494DF}">
+            <a:ext uri="{91240B29-F687-4f45-9708-019B960494DF}">
               <a14:hiddenLine xmlns:a14="http://schemas.microsoft.com/office/drawing/2010/main" w="9525">
                 <a:solidFill>
                   <a:srgbClr val="808080"/>
@@ -416,7 +415,7 @@
                 <a:tailEnd/>
               </a14:hiddenLine>
             </a:ext>
-            <a:ext uri="{AF507438-7753-43E0-B8FC-AC1667EBCBE1}">
+            <a:ext uri="{AF507438-7753-43e0-B8FC-AC1667EBCBE1}">
               <a14:hiddenEffects xmlns:a14="http://schemas.microsoft.com/office/drawing/2010/main">
                 <a:effectLst>
                   <a:outerShdw blurRad="63500" dist="38099" dir="2700000" algn="ctr" rotWithShape="0">
@@ -428,7 +427,7 @@
               </a14:hiddenEffects>
             </a:ext>
             <a:ext uri="{FAA26D3D-D897-4be2-8F04-BA451C77F1D7}">
-              <ma14:placeholderFlag xmlns:ma14="http://schemas.microsoft.com/office/mac/drawingml/2011/main" xmlns="" val="1"/>
+              <ma14:placeholderFlag xmlns:ma14="http://schemas.microsoft.com/office/mac/drawingml/2011/main" val="1"/>
             </a:ext>
           </a:extLst>
         </p:spPr>
@@ -483,14 +482,14 @@
           </a:ln>
           <a:effectLst/>
           <a:extLst>
-            <a:ext uri="{909E8E84-426E-40DD-AFC4-6F175D3DCCD1}">
+            <a:ext uri="{909E8E84-426E-40dd-AFC4-6F175D3DCCD1}">
               <a14:hiddenFill xmlns:a14="http://schemas.microsoft.com/office/drawing/2010/main">
                 <a:solidFill>
                   <a:srgbClr val="FFFFFF"/>
                 </a:solidFill>
               </a14:hiddenFill>
             </a:ext>
-            <a:ext uri="{91240B29-F687-4F45-9708-019B960494DF}">
+            <a:ext uri="{91240B29-F687-4f45-9708-019B960494DF}">
               <a14:hiddenLine xmlns:a14="http://schemas.microsoft.com/office/drawing/2010/main" w="9525">
                 <a:solidFill>
                   <a:srgbClr val="808080"/>
@@ -500,7 +499,7 @@
                 <a:tailEnd/>
               </a14:hiddenLine>
             </a:ext>
-            <a:ext uri="{AF507438-7753-43E0-B8FC-AC1667EBCBE1}">
+            <a:ext uri="{AF507438-7753-43e0-B8FC-AC1667EBCBE1}">
               <a14:hiddenEffects xmlns:a14="http://schemas.microsoft.com/office/drawing/2010/main">
                 <a:effectLst>
                   <a:outerShdw blurRad="63500" dist="38099" dir="2700000" algn="ctr" rotWithShape="0">
@@ -512,7 +511,7 @@
               </a14:hiddenEffects>
             </a:ext>
             <a:ext uri="{FAA26D3D-D897-4be2-8F04-BA451C77F1D7}">
-              <ma14:placeholderFlag xmlns:ma14="http://schemas.microsoft.com/office/mac/drawingml/2011/main" xmlns="" val="1"/>
+              <ma14:placeholderFlag xmlns:ma14="http://schemas.microsoft.com/office/mac/drawingml/2011/main" val="1"/>
             </a:ext>
           </a:extLst>
         </p:spPr>
@@ -567,14 +566,14 @@
           </a:ln>
           <a:effectLst/>
           <a:extLst>
-            <a:ext uri="{909E8E84-426E-40DD-AFC4-6F175D3DCCD1}">
+            <a:ext uri="{909E8E84-426E-40dd-AFC4-6F175D3DCCD1}">
               <a14:hiddenFill xmlns:a14="http://schemas.microsoft.com/office/drawing/2010/main">
                 <a:solidFill>
                   <a:srgbClr val="FFFFFF"/>
                 </a:solidFill>
               </a14:hiddenFill>
             </a:ext>
-            <a:ext uri="{91240B29-F687-4F45-9708-019B960494DF}">
+            <a:ext uri="{91240B29-F687-4f45-9708-019B960494DF}">
               <a14:hiddenLine xmlns:a14="http://schemas.microsoft.com/office/drawing/2010/main" w="9525">
                 <a:solidFill>
                   <a:srgbClr val="808080"/>
@@ -584,7 +583,7 @@
                 <a:tailEnd/>
               </a14:hiddenLine>
             </a:ext>
-            <a:ext uri="{AF507438-7753-43E0-B8FC-AC1667EBCBE1}">
+            <a:ext uri="{AF507438-7753-43e0-B8FC-AC1667EBCBE1}">
               <a14:hiddenEffects xmlns:a14="http://schemas.microsoft.com/office/drawing/2010/main">
                 <a:effectLst>
                   <a:outerShdw blurRad="63500" dist="38099" dir="2700000" algn="ctr" rotWithShape="0">
@@ -596,7 +595,7 @@
               </a14:hiddenEffects>
             </a:ext>
             <a:ext uri="{FAA26D3D-D897-4be2-8F04-BA451C77F1D7}">
-              <ma14:placeholderFlag xmlns:ma14="http://schemas.microsoft.com/office/mac/drawingml/2011/main" xmlns="" val="1"/>
+              <ma14:placeholderFlag xmlns:ma14="http://schemas.microsoft.com/office/mac/drawingml/2011/main" val="1"/>
             </a:ext>
           </a:extLst>
         </p:spPr>
@@ -651,14 +650,14 @@
           </a:ln>
           <a:effectLst/>
           <a:extLst>
-            <a:ext uri="{909E8E84-426E-40DD-AFC4-6F175D3DCCD1}">
+            <a:ext uri="{909E8E84-426E-40dd-AFC4-6F175D3DCCD1}">
               <a14:hiddenFill xmlns:a14="http://schemas.microsoft.com/office/drawing/2010/main">
                 <a:solidFill>
                   <a:srgbClr val="FFFFFF"/>
                 </a:solidFill>
               </a14:hiddenFill>
             </a:ext>
-            <a:ext uri="{91240B29-F687-4F45-9708-019B960494DF}">
+            <a:ext uri="{91240B29-F687-4f45-9708-019B960494DF}">
               <a14:hiddenLine xmlns:a14="http://schemas.microsoft.com/office/drawing/2010/main" w="9525">
                 <a:solidFill>
                   <a:srgbClr val="808080"/>
@@ -668,7 +667,7 @@
                 <a:tailEnd/>
               </a14:hiddenLine>
             </a:ext>
-            <a:ext uri="{AF507438-7753-43E0-B8FC-AC1667EBCBE1}">
+            <a:ext uri="{AF507438-7753-43e0-B8FC-AC1667EBCBE1}">
               <a14:hiddenEffects xmlns:a14="http://schemas.microsoft.com/office/drawing/2010/main">
                 <a:effectLst>
                   <a:outerShdw blurRad="63500" dist="38099" dir="2700000" algn="ctr" rotWithShape="0">
@@ -680,7 +679,7 @@
               </a14:hiddenEffects>
             </a:ext>
             <a:ext uri="{FAA26D3D-D897-4be2-8F04-BA451C77F1D7}">
-              <ma14:placeholderFlag xmlns:ma14="http://schemas.microsoft.com/office/mac/drawingml/2011/main" xmlns="" val="1"/>
+              <ma14:placeholderFlag xmlns:ma14="http://schemas.microsoft.com/office/mac/drawingml/2011/main" val="1"/>
             </a:ext>
           </a:extLst>
         </p:spPr>
@@ -955,7 +954,7 @@
             <a:tailEnd/>
           </a:ln>
           <a:extLst>
-            <a:ext uri="{AF507438-7753-43E0-B8FC-AC1667EBCBE1}">
+            <a:ext uri="{AF507438-7753-43e0-B8FC-AC1667EBCBE1}">
               <a14:hiddenEffects xmlns:a14="http://schemas.microsoft.com/office/drawing/2010/main">
                 <a:effectLst>
                   <a:outerShdw blurRad="63500" dist="38099" dir="2700000" algn="ctr" rotWithShape="0">
@@ -990,14 +989,14 @@
           <a:noFill/>
           <a:ln/>
           <a:extLst>
-            <a:ext uri="{909E8E84-426E-40DD-AFC4-6F175D3DCCD1}">
+            <a:ext uri="{909E8E84-426E-40dd-AFC4-6F175D3DCCD1}">
               <a14:hiddenFill xmlns:a14="http://schemas.microsoft.com/office/drawing/2010/main">
                 <a:solidFill>
                   <a:srgbClr val="FFFFFF"/>
                 </a:solidFill>
               </a14:hiddenFill>
             </a:ext>
-            <a:ext uri="{91240B29-F687-4F45-9708-019B960494DF}">
+            <a:ext uri="{91240B29-F687-4f45-9708-019B960494DF}">
               <a14:hiddenLine xmlns:a14="http://schemas.microsoft.com/office/drawing/2010/main" w="9525">
                 <a:solidFill>
                   <a:srgbClr val="808080"/>
@@ -1007,7 +1006,7 @@
                 <a:tailEnd/>
               </a14:hiddenLine>
             </a:ext>
-            <a:ext uri="{AF507438-7753-43E0-B8FC-AC1667EBCBE1}">
+            <a:ext uri="{AF507438-7753-43e0-B8FC-AC1667EBCBE1}">
               <a14:hiddenEffects xmlns:a14="http://schemas.microsoft.com/office/drawing/2010/main">
                 <a:effectLst>
                   <a:outerShdw blurRad="63500" dist="38099" dir="2700000" algn="ctr" rotWithShape="0">
@@ -1086,7 +1085,7 @@
             <a:fld id="{F6E91E6C-1F4A-4B43-89A2-5415E6396D0E}" type="slidenum">
               <a:rPr lang="en-US"/>
               <a:pPr/>
-              <a:t>11</a:t>
+              <a:t>10</a:t>
             </a:fld>
             <a:endParaRPr lang="en-US"/>
           </a:p>
@@ -1122,7 +1121,7 @@
             <a:tailEnd/>
           </a:ln>
           <a:extLst>
-            <a:ext uri="{AF507438-7753-43E0-B8FC-AC1667EBCBE1}">
+            <a:ext uri="{AF507438-7753-43e0-B8FC-AC1667EBCBE1}">
               <a14:hiddenEffects xmlns:a14="http://schemas.microsoft.com/office/drawing/2010/main">
                 <a:effectLst>
                   <a:outerShdw blurRad="63500" dist="38099" dir="2700000" algn="ctr" rotWithShape="0">
@@ -1157,14 +1156,14 @@
           <a:noFill/>
           <a:ln/>
           <a:extLst>
-            <a:ext uri="{909E8E84-426E-40DD-AFC4-6F175D3DCCD1}">
+            <a:ext uri="{909E8E84-426E-40dd-AFC4-6F175D3DCCD1}">
               <a14:hiddenFill xmlns:a14="http://schemas.microsoft.com/office/drawing/2010/main">
                 <a:solidFill>
                   <a:srgbClr val="FFFFFF"/>
                 </a:solidFill>
               </a14:hiddenFill>
             </a:ext>
-            <a:ext uri="{91240B29-F687-4F45-9708-019B960494DF}">
+            <a:ext uri="{91240B29-F687-4f45-9708-019B960494DF}">
               <a14:hiddenLine xmlns:a14="http://schemas.microsoft.com/office/drawing/2010/main" w="9525">
                 <a:solidFill>
                   <a:srgbClr val="808080"/>
@@ -1174,7 +1173,7 @@
                 <a:tailEnd/>
               </a14:hiddenLine>
             </a:ext>
-            <a:ext uri="{AF507438-7753-43E0-B8FC-AC1667EBCBE1}">
+            <a:ext uri="{AF507438-7753-43e0-B8FC-AC1667EBCBE1}">
               <a14:hiddenEffects xmlns:a14="http://schemas.microsoft.com/office/drawing/2010/main">
                 <a:effectLst>
                   <a:outerShdw blurRad="63500" dist="38099" dir="2700000" algn="ctr" rotWithShape="0">
@@ -1248,7 +1247,7 @@
             <a:fld id="{511573D2-CE3B-B847-B193-A58F98F48F64}" type="slidenum">
               <a:rPr lang="en-US"/>
               <a:pPr/>
-              <a:t>13</a:t>
+              <a:t>12</a:t>
             </a:fld>
             <a:endParaRPr lang="en-US"/>
           </a:p>
@@ -1284,7 +1283,7 @@
             <a:tailEnd/>
           </a:ln>
           <a:extLst>
-            <a:ext uri="{AF507438-7753-43E0-B8FC-AC1667EBCBE1}">
+            <a:ext uri="{AF507438-7753-43e0-B8FC-AC1667EBCBE1}">
               <a14:hiddenEffects xmlns:a14="http://schemas.microsoft.com/office/drawing/2010/main">
                 <a:effectLst>
                   <a:outerShdw blurRad="63500" dist="38099" dir="2700000" algn="ctr" rotWithShape="0">
@@ -1319,14 +1318,14 @@
           <a:noFill/>
           <a:ln/>
           <a:extLst>
-            <a:ext uri="{909E8E84-426E-40DD-AFC4-6F175D3DCCD1}">
+            <a:ext uri="{909E8E84-426E-40dd-AFC4-6F175D3DCCD1}">
               <a14:hiddenFill xmlns:a14="http://schemas.microsoft.com/office/drawing/2010/main">
                 <a:solidFill>
                   <a:srgbClr val="FFFFFF"/>
                 </a:solidFill>
               </a14:hiddenFill>
             </a:ext>
-            <a:ext uri="{91240B29-F687-4F45-9708-019B960494DF}">
+            <a:ext uri="{91240B29-F687-4f45-9708-019B960494DF}">
               <a14:hiddenLine xmlns:a14="http://schemas.microsoft.com/office/drawing/2010/main" w="9525">
                 <a:solidFill>
                   <a:srgbClr val="808080"/>
@@ -1336,7 +1335,7 @@
                 <a:tailEnd/>
               </a14:hiddenLine>
             </a:ext>
-            <a:ext uri="{AF507438-7753-43E0-B8FC-AC1667EBCBE1}">
+            <a:ext uri="{AF507438-7753-43e0-B8FC-AC1667EBCBE1}">
               <a14:hiddenEffects xmlns:a14="http://schemas.microsoft.com/office/drawing/2010/main">
                 <a:effectLst>
                   <a:outerShdw blurRad="63500" dist="38099" dir="2700000" algn="ctr" rotWithShape="0">
@@ -4027,14 +4026,14 @@
           </a:ln>
           <a:effectLst/>
           <a:extLst>
-            <a:ext uri="{909E8E84-426E-40DD-AFC4-6F175D3DCCD1}">
+            <a:ext uri="{909E8E84-426E-40dd-AFC4-6F175D3DCCD1}">
               <a14:hiddenFill xmlns:a14="http://schemas.microsoft.com/office/drawing/2010/main">
                 <a:solidFill>
                   <a:srgbClr val="FFFFFF"/>
                 </a:solidFill>
               </a14:hiddenFill>
             </a:ext>
-            <a:ext uri="{91240B29-F687-4F45-9708-019B960494DF}">
+            <a:ext uri="{91240B29-F687-4f45-9708-019B960494DF}">
               <a14:hiddenLine xmlns:a14="http://schemas.microsoft.com/office/drawing/2010/main" w="9525">
                 <a:solidFill>
                   <a:srgbClr val="808080"/>
@@ -4044,7 +4043,7 @@
                 <a:tailEnd/>
               </a14:hiddenLine>
             </a:ext>
-            <a:ext uri="{AF507438-7753-43E0-B8FC-AC1667EBCBE1}">
+            <a:ext uri="{AF507438-7753-43e0-B8FC-AC1667EBCBE1}">
               <a14:hiddenEffects xmlns:a14="http://schemas.microsoft.com/office/drawing/2010/main">
                 <a:effectLst>
                   <a:outerShdw blurRad="63500" dist="38099" dir="2700000" algn="ctr" rotWithShape="0">
@@ -4056,7 +4055,7 @@
               </a14:hiddenEffects>
             </a:ext>
             <a:ext uri="{FAA26D3D-D897-4be2-8F04-BA451C77F1D7}">
-              <ma14:placeholderFlag xmlns:ma14="http://schemas.microsoft.com/office/mac/drawingml/2011/main" xmlns="" val="1"/>
+              <ma14:placeholderFlag xmlns:ma14="http://schemas.microsoft.com/office/mac/drawingml/2011/main" val="1"/>
             </a:ext>
           </a:extLst>
         </p:spPr>
@@ -4100,14 +4099,14 @@
           </a:ln>
           <a:effectLst/>
           <a:extLst>
-            <a:ext uri="{909E8E84-426E-40DD-AFC4-6F175D3DCCD1}">
+            <a:ext uri="{909E8E84-426E-40dd-AFC4-6F175D3DCCD1}">
               <a14:hiddenFill xmlns:a14="http://schemas.microsoft.com/office/drawing/2010/main">
                 <a:solidFill>
                   <a:srgbClr val="FFFFFF"/>
                 </a:solidFill>
               </a14:hiddenFill>
             </a:ext>
-            <a:ext uri="{91240B29-F687-4F45-9708-019B960494DF}">
+            <a:ext uri="{91240B29-F687-4f45-9708-019B960494DF}">
               <a14:hiddenLine xmlns:a14="http://schemas.microsoft.com/office/drawing/2010/main" w="9525">
                 <a:solidFill>
                   <a:srgbClr val="808080"/>
@@ -4117,7 +4116,7 @@
                 <a:tailEnd/>
               </a14:hiddenLine>
             </a:ext>
-            <a:ext uri="{AF507438-7753-43E0-B8FC-AC1667EBCBE1}">
+            <a:ext uri="{AF507438-7753-43e0-B8FC-AC1667EBCBE1}">
               <a14:hiddenEffects xmlns:a14="http://schemas.microsoft.com/office/drawing/2010/main">
                 <a:effectLst>
                   <a:outerShdw blurRad="63500" dist="38099" dir="2700000" algn="ctr" rotWithShape="0">
@@ -4129,7 +4128,7 @@
               </a14:hiddenEffects>
             </a:ext>
             <a:ext uri="{FAA26D3D-D897-4be2-8F04-BA451C77F1D7}">
-              <ma14:placeholderFlag xmlns:ma14="http://schemas.microsoft.com/office/mac/drawingml/2011/main" xmlns="" val="1"/>
+              <ma14:placeholderFlag xmlns:ma14="http://schemas.microsoft.com/office/mac/drawingml/2011/main" val="1"/>
             </a:ext>
           </a:extLst>
         </p:spPr>
@@ -4229,14 +4228,14 @@
           </a:ln>
           <a:effectLst/>
           <a:extLst>
-            <a:ext uri="{909E8E84-426E-40DD-AFC4-6F175D3DCCD1}">
+            <a:ext uri="{909E8E84-426E-40dd-AFC4-6F175D3DCCD1}">
               <a14:hiddenFill xmlns:a14="http://schemas.microsoft.com/office/drawing/2010/main">
                 <a:solidFill>
                   <a:srgbClr val="FFFFFF"/>
                 </a:solidFill>
               </a14:hiddenFill>
             </a:ext>
-            <a:ext uri="{91240B29-F687-4F45-9708-019B960494DF}">
+            <a:ext uri="{91240B29-F687-4f45-9708-019B960494DF}">
               <a14:hiddenLine xmlns:a14="http://schemas.microsoft.com/office/drawing/2010/main" w="9525">
                 <a:solidFill>
                   <a:srgbClr val="808080"/>
@@ -4246,7 +4245,7 @@
                 <a:tailEnd/>
               </a14:hiddenLine>
             </a:ext>
-            <a:ext uri="{AF507438-7753-43E0-B8FC-AC1667EBCBE1}">
+            <a:ext uri="{AF507438-7753-43e0-B8FC-AC1667EBCBE1}">
               <a14:hiddenEffects xmlns:a14="http://schemas.microsoft.com/office/drawing/2010/main">
                 <a:effectLst>
                   <a:outerShdw blurRad="63500" dist="38099" dir="2700000" algn="ctr" rotWithShape="0">
@@ -4258,7 +4257,7 @@
               </a14:hiddenEffects>
             </a:ext>
             <a:ext uri="{FAA26D3D-D897-4be2-8F04-BA451C77F1D7}">
-              <ma14:placeholderFlag xmlns:ma14="http://schemas.microsoft.com/office/mac/drawingml/2011/main" xmlns="" val="1"/>
+              <ma14:placeholderFlag xmlns:ma14="http://schemas.microsoft.com/office/mac/drawingml/2011/main" val="1"/>
             </a:ext>
           </a:extLst>
         </p:spPr>
@@ -4312,14 +4311,14 @@
           </a:ln>
           <a:effectLst/>
           <a:extLst>
-            <a:ext uri="{909E8E84-426E-40DD-AFC4-6F175D3DCCD1}">
+            <a:ext uri="{909E8E84-426E-40dd-AFC4-6F175D3DCCD1}">
               <a14:hiddenFill xmlns:a14="http://schemas.microsoft.com/office/drawing/2010/main">
                 <a:solidFill>
                   <a:srgbClr val="FFFFFF"/>
                 </a:solidFill>
               </a14:hiddenFill>
             </a:ext>
-            <a:ext uri="{91240B29-F687-4F45-9708-019B960494DF}">
+            <a:ext uri="{91240B29-F687-4f45-9708-019B960494DF}">
               <a14:hiddenLine xmlns:a14="http://schemas.microsoft.com/office/drawing/2010/main" w="9525">
                 <a:solidFill>
                   <a:srgbClr val="808080"/>
@@ -4329,7 +4328,7 @@
                 <a:tailEnd/>
               </a14:hiddenLine>
             </a:ext>
-            <a:ext uri="{AF507438-7753-43E0-B8FC-AC1667EBCBE1}">
+            <a:ext uri="{AF507438-7753-43e0-B8FC-AC1667EBCBE1}">
               <a14:hiddenEffects xmlns:a14="http://schemas.microsoft.com/office/drawing/2010/main">
                 <a:effectLst>
                   <a:outerShdw blurRad="63500" dist="38099" dir="2700000" algn="ctr" rotWithShape="0">
@@ -4341,7 +4340,7 @@
               </a14:hiddenEffects>
             </a:ext>
             <a:ext uri="{FAA26D3D-D897-4be2-8F04-BA451C77F1D7}">
-              <ma14:placeholderFlag xmlns:ma14="http://schemas.microsoft.com/office/mac/drawingml/2011/main" xmlns="" val="1"/>
+              <ma14:placeholderFlag xmlns:ma14="http://schemas.microsoft.com/office/mac/drawingml/2011/main" val="1"/>
             </a:ext>
           </a:extLst>
         </p:spPr>
@@ -4396,14 +4395,14 @@
           </a:ln>
           <a:effectLst/>
           <a:extLst>
-            <a:ext uri="{909E8E84-426E-40DD-AFC4-6F175D3DCCD1}">
+            <a:ext uri="{909E8E84-426E-40dd-AFC4-6F175D3DCCD1}">
               <a14:hiddenFill xmlns:a14="http://schemas.microsoft.com/office/drawing/2010/main">
                 <a:solidFill>
                   <a:srgbClr val="FFFFFF"/>
                 </a:solidFill>
               </a14:hiddenFill>
             </a:ext>
-            <a:ext uri="{91240B29-F687-4F45-9708-019B960494DF}">
+            <a:ext uri="{91240B29-F687-4f45-9708-019B960494DF}">
               <a14:hiddenLine xmlns:a14="http://schemas.microsoft.com/office/drawing/2010/main" w="9525">
                 <a:solidFill>
                   <a:srgbClr val="808080"/>
@@ -4413,7 +4412,7 @@
                 <a:tailEnd/>
               </a14:hiddenLine>
             </a:ext>
-            <a:ext uri="{AF507438-7753-43E0-B8FC-AC1667EBCBE1}">
+            <a:ext uri="{AF507438-7753-43e0-B8FC-AC1667EBCBE1}">
               <a14:hiddenEffects xmlns:a14="http://schemas.microsoft.com/office/drawing/2010/main">
                 <a:effectLst>
                   <a:outerShdw blurRad="63500" dist="38099" dir="2700000" algn="ctr" rotWithShape="0">
@@ -4425,7 +4424,7 @@
               </a14:hiddenEffects>
             </a:ext>
             <a:ext uri="{FAA26D3D-D897-4be2-8F04-BA451C77F1D7}">
-              <ma14:placeholderFlag xmlns:ma14="http://schemas.microsoft.com/office/mac/drawingml/2011/main" xmlns="" val="1"/>
+              <ma14:placeholderFlag xmlns:ma14="http://schemas.microsoft.com/office/mac/drawingml/2011/main" val="1"/>
             </a:ext>
           </a:extLst>
         </p:spPr>
@@ -5123,11 +5122,11 @@
   <p:clrMapOvr>
     <a:masterClrMapping/>
   </p:clrMapOvr>
-  <p:transition spd="med"/>
+  <p:transition xmlns:p14="http://schemas.microsoft.com/office/powerpoint/2010/main" spd="med"/>
   <p:timing>
     <p:tnLst>
       <p:par>
-        <p:cTn id="1" dur="indefinite" restart="never" nodeType="tmRoot">
+        <p:cTn xmlns:p14="http://schemas.microsoft.com/office/powerpoint/2010/main" id="1" dur="indefinite" restart="never" nodeType="tmRoot">
           <p:childTnLst>
             <p:seq concurrent="1" nextAc="seek">
               <p:cTn id="2" dur="0" nodeType="mainSeq"/>
@@ -5173,284 +5172,6 @@
       </p:grpSpPr>
       <p:sp>
         <p:nvSpPr>
-          <p:cNvPr id="2" name="Titel 1"/>
-          <p:cNvSpPr>
-            <a:spLocks noGrp="1"/>
-          </p:cNvSpPr>
-          <p:nvPr>
-            <p:ph type="title"/>
-          </p:nvPr>
-        </p:nvSpPr>
-        <p:spPr/>
-        <p:txBody>
-          <a:bodyPr/>
-          <a:lstStyle/>
-          <a:p>
-            <a:r>
-              <a:rPr lang="de-DE" dirty="0" smtClean="0"/>
-              <a:t>Kundennutzen</a:t>
-            </a:r>
-            <a:endParaRPr lang="de-DE" dirty="0"/>
-          </a:p>
-        </p:txBody>
-      </p:sp>
-      <p:sp>
-        <p:nvSpPr>
-          <p:cNvPr id="6" name="Textfeld 5"/>
-          <p:cNvSpPr txBox="1"/>
-          <p:nvPr/>
-        </p:nvSpPr>
-        <p:spPr>
-          <a:xfrm>
-            <a:off x="3044379" y="1907629"/>
-            <a:ext cx="5740349" cy="868392"/>
-          </a:xfrm>
-          <a:prstGeom prst="rect">
-            <a:avLst/>
-          </a:prstGeom>
-          <a:noFill/>
-        </p:spPr>
-        <p:txBody>
-          <a:bodyPr wrap="square" rtlCol="0">
-            <a:spAutoFit/>
-          </a:bodyPr>
-          <a:lstStyle/>
-          <a:p>
-            <a:pPr marL="285750" lvl="0" indent="-285750">
-              <a:buFontTx/>
-              <a:buChar char="-"/>
-            </a:pPr>
-            <a:r>
-              <a:rPr lang="de-DE" dirty="0"/>
-              <a:t>In Schachvereinen und Schachkursen kann „</a:t>
-            </a:r>
-            <a:r>
-              <a:rPr lang="de-DE" dirty="0" err="1"/>
-              <a:t>necaREx</a:t>
-            </a:r>
-            <a:r>
-              <a:rPr lang="de-DE" dirty="0"/>
-              <a:t>“ als effiziente Lernsoftware eingesetzt werden</a:t>
-            </a:r>
-            <a:r>
-              <a:rPr lang="de-DE" dirty="0" smtClean="0"/>
-              <a:t>.</a:t>
-            </a:r>
-            <a:endParaRPr lang="de-DE" dirty="0"/>
-          </a:p>
-        </p:txBody>
-      </p:sp>
-      <p:sp>
-        <p:nvSpPr>
-          <p:cNvPr id="5" name="Textfeld 4"/>
-          <p:cNvSpPr txBox="1"/>
-          <p:nvPr/>
-        </p:nvSpPr>
-        <p:spPr>
-          <a:xfrm>
-            <a:off x="3044379" y="2839437"/>
-            <a:ext cx="5740349" cy="610783"/>
-          </a:xfrm>
-          <a:prstGeom prst="rect">
-            <a:avLst/>
-          </a:prstGeom>
-          <a:noFill/>
-        </p:spPr>
-        <p:txBody>
-          <a:bodyPr wrap="square" rtlCol="0">
-            <a:spAutoFit/>
-          </a:bodyPr>
-          <a:lstStyle/>
-          <a:p>
-            <a:pPr marL="285750" indent="-285750">
-              <a:buFontTx/>
-              <a:buChar char="-"/>
-            </a:pPr>
-            <a:r>
-              <a:rPr lang="de-DE" dirty="0"/>
-              <a:t>Durch das schlichte und intuitive Design ist „</a:t>
-            </a:r>
-            <a:r>
-              <a:rPr lang="de-DE" dirty="0" err="1"/>
-              <a:t>necaREx</a:t>
-            </a:r>
-            <a:r>
-              <a:rPr lang="de-DE" dirty="0"/>
-              <a:t>“ einfach und schnell zu erlernen</a:t>
-            </a:r>
-            <a:r>
-              <a:rPr lang="de-DE" dirty="0" smtClean="0"/>
-              <a:t>.</a:t>
-            </a:r>
-            <a:endParaRPr lang="de-DE" dirty="0"/>
-          </a:p>
-        </p:txBody>
-      </p:sp>
-      <p:sp>
-        <p:nvSpPr>
-          <p:cNvPr id="8" name="Textfeld 7"/>
-          <p:cNvSpPr txBox="1"/>
-          <p:nvPr/>
-        </p:nvSpPr>
-        <p:spPr>
-          <a:xfrm>
-            <a:off x="3044379" y="3529094"/>
-            <a:ext cx="5740349" cy="1126001"/>
-          </a:xfrm>
-          <a:prstGeom prst="rect">
-            <a:avLst/>
-          </a:prstGeom>
-          <a:noFill/>
-        </p:spPr>
-        <p:txBody>
-          <a:bodyPr wrap="square" rtlCol="0">
-            <a:spAutoFit/>
-          </a:bodyPr>
-          <a:lstStyle/>
-          <a:p>
-            <a:pPr marL="285750" lvl="0" indent="-285750">
-              <a:buFontTx/>
-              <a:buChar char="-"/>
-            </a:pPr>
-            <a:r>
-              <a:rPr lang="de-DE" dirty="0"/>
-              <a:t>Da ein „</a:t>
-            </a:r>
-            <a:r>
-              <a:rPr lang="de-DE" dirty="0" err="1"/>
-              <a:t>necaREx</a:t>
-            </a:r>
-            <a:r>
-              <a:rPr lang="de-DE" dirty="0"/>
-              <a:t>“ Lizenzpaket für einen angemessenen Preis erworben werden kann und ein Paket fünf Lizenzen beinhaltet, stellt es eine kostengünstige Investition dar</a:t>
-            </a:r>
-            <a:r>
-              <a:rPr lang="de-DE" dirty="0" smtClean="0"/>
-              <a:t>.</a:t>
-            </a:r>
-            <a:endParaRPr lang="de-DE" dirty="0"/>
-          </a:p>
-        </p:txBody>
-      </p:sp>
-      <p:sp>
-        <p:nvSpPr>
-          <p:cNvPr id="9" name="Textfeld 8"/>
-          <p:cNvSpPr txBox="1"/>
-          <p:nvPr/>
-        </p:nvSpPr>
-        <p:spPr>
-          <a:xfrm>
-            <a:off x="3044379" y="4742068"/>
-            <a:ext cx="5740349" cy="868392"/>
-          </a:xfrm>
-          <a:prstGeom prst="rect">
-            <a:avLst/>
-          </a:prstGeom>
-          <a:noFill/>
-        </p:spPr>
-        <p:txBody>
-          <a:bodyPr wrap="square" rtlCol="0">
-            <a:spAutoFit/>
-          </a:bodyPr>
-          <a:lstStyle/>
-          <a:p>
-            <a:pPr marL="285750" indent="-285750">
-              <a:buFontTx/>
-              <a:buChar char="-"/>
-            </a:pPr>
-            <a:r>
-              <a:rPr lang="de-DE" dirty="0"/>
-              <a:t>Dank unserer übersichtlichen Benutzeroberfläche kann der Spieler zu jeder Zeit wichtige Spielinformationen entnehmen</a:t>
-            </a:r>
-            <a:r>
-              <a:rPr lang="de-DE" dirty="0" smtClean="0"/>
-              <a:t>.</a:t>
-            </a:r>
-            <a:endParaRPr lang="de-DE" dirty="0"/>
-          </a:p>
-        </p:txBody>
-      </p:sp>
-      <p:sp>
-        <p:nvSpPr>
-          <p:cNvPr id="7" name="Textfeld 6"/>
-          <p:cNvSpPr txBox="1"/>
-          <p:nvPr/>
-        </p:nvSpPr>
-        <p:spPr>
-          <a:xfrm>
-            <a:off x="3044379" y="5647749"/>
-            <a:ext cx="5740349" cy="353174"/>
-          </a:xfrm>
-          <a:prstGeom prst="rect">
-            <a:avLst/>
-          </a:prstGeom>
-          <a:noFill/>
-        </p:spPr>
-        <p:txBody>
-          <a:bodyPr wrap="square" rtlCol="0">
-            <a:spAutoFit/>
-          </a:bodyPr>
-          <a:lstStyle/>
-          <a:p>
-            <a:pPr marL="285750" indent="-285750">
-              <a:buFontTx/>
-              <a:buChar char="-"/>
-            </a:pPr>
-            <a:r>
-              <a:rPr lang="de-DE" dirty="0" smtClean="0"/>
-              <a:t>Durch den Modularen Aufbau einfach zu erweitern</a:t>
-            </a:r>
-            <a:endParaRPr lang="de-DE" dirty="0"/>
-          </a:p>
-        </p:txBody>
-      </p:sp>
-    </p:spTree>
-    <p:extLst>
-      <p:ext uri="{BB962C8B-B14F-4D97-AF65-F5344CB8AC3E}">
-        <p14:creationId xmlns:p14="http://schemas.microsoft.com/office/powerpoint/2010/main" val="537607213"/>
-      </p:ext>
-    </p:extLst>
-  </p:cSld>
-  <p:clrMapOvr>
-    <a:masterClrMapping/>
-  </p:clrMapOvr>
-  <mc:AlternateContent xmlns:mc="http://schemas.openxmlformats.org/markup-compatibility/2006" xmlns:p14="http://schemas.microsoft.com/office/powerpoint/2010/main">
-    <mc:Choice Requires="p14">
-      <p:transition spd="slow" p14:dur="2000"/>
-    </mc:Choice>
-    <mc:Fallback xmlns="">
-      <p:transition xmlns:p14="http://schemas.microsoft.com/office/powerpoint/2010/main" spd="slow"/>
-    </mc:Fallback>
-  </mc:AlternateContent>
-  <p:timing>
-    <p:tnLst>
-      <p:par>
-        <p:cTn id="1" dur="indefinite" restart="never" nodeType="tmRoot"/>
-      </p:par>
-    </p:tnLst>
-  </p:timing>
-</p:sld>
-</file>
-
-<file path=ppt/slides/slide11.xml><?xml version="1.0" encoding="utf-8"?>
-<p:sld xmlns:a="http://schemas.openxmlformats.org/drawingml/2006/main" xmlns:r="http://schemas.openxmlformats.org/officeDocument/2006/relationships" xmlns:p="http://schemas.openxmlformats.org/presentationml/2006/main">
-  <p:cSld>
-    <p:spTree>
-      <p:nvGrpSpPr>
-        <p:cNvPr id="1" name=""/>
-        <p:cNvGrpSpPr/>
-        <p:nvPr/>
-      </p:nvGrpSpPr>
-      <p:grpSpPr>
-        <a:xfrm>
-          <a:off x="0" y="0"/>
-          <a:ext cx="0" cy="0"/>
-          <a:chOff x="0" y="0"/>
-          <a:chExt cx="0" cy="0"/>
-        </a:xfrm>
-      </p:grpSpPr>
-      <p:sp>
-        <p:nvSpPr>
           <p:cNvPr id="9217" name="AutoShape 1"/>
           <p:cNvSpPr>
             <a:spLocks noChangeArrowheads="1"/>
@@ -5478,7 +5199,7 @@
           </a:ln>
           <a:effectLst/>
           <a:extLst>
-            <a:ext uri="{91240B29-F687-4F45-9708-019B960494DF}">
+            <a:ext uri="{91240B29-F687-4f45-9708-019B960494DF}">
               <a14:hiddenLine xmlns:a14="http://schemas.microsoft.com/office/drawing/2010/main" w="9525">
                 <a:solidFill>
                   <a:srgbClr val="000000"/>
@@ -5488,7 +5209,7 @@
                 <a:tailEnd/>
               </a14:hiddenLine>
             </a:ext>
-            <a:ext uri="{AF507438-7753-43E0-B8FC-AC1667EBCBE1}">
+            <a:ext uri="{AF507438-7753-43e0-B8FC-AC1667EBCBE1}">
               <a14:hiddenEffects xmlns:a14="http://schemas.microsoft.com/office/drawing/2010/main">
                 <a:effectLst>
                   <a:outerShdw blurRad="63500" dist="38099" dir="2700000" algn="ctr" rotWithShape="0">
@@ -5604,7 +5325,7 @@
           </a:ln>
           <a:effectLst/>
           <a:extLst>
-            <a:ext uri="{91240B29-F687-4F45-9708-019B960494DF}">
+            <a:ext uri="{91240B29-F687-4f45-9708-019B960494DF}">
               <a14:hiddenLine xmlns:a14="http://schemas.microsoft.com/office/drawing/2010/main" w="9525">
                 <a:solidFill>
                   <a:srgbClr val="000000"/>
@@ -5614,7 +5335,7 @@
                 <a:tailEnd/>
               </a14:hiddenLine>
             </a:ext>
-            <a:ext uri="{AF507438-7753-43E0-B8FC-AC1667EBCBE1}">
+            <a:ext uri="{AF507438-7753-43e0-B8FC-AC1667EBCBE1}">
               <a14:hiddenEffects xmlns:a14="http://schemas.microsoft.com/office/drawing/2010/main">
                 <a:effectLst>
                   <a:outerShdw blurRad="63500" dist="38099" dir="2700000" algn="ctr" rotWithShape="0">
@@ -5707,7 +5428,7 @@
           </a:ln>
           <a:effectLst/>
           <a:extLst>
-            <a:ext uri="{91240B29-F687-4F45-9708-019B960494DF}">
+            <a:ext uri="{91240B29-F687-4f45-9708-019B960494DF}">
               <a14:hiddenLine xmlns:a14="http://schemas.microsoft.com/office/drawing/2010/main" w="9525">
                 <a:solidFill>
                   <a:srgbClr val="000000"/>
@@ -5717,7 +5438,7 @@
                 <a:tailEnd/>
               </a14:hiddenLine>
             </a:ext>
-            <a:ext uri="{AF507438-7753-43E0-B8FC-AC1667EBCBE1}">
+            <a:ext uri="{AF507438-7753-43e0-B8FC-AC1667EBCBE1}">
               <a14:hiddenEffects xmlns:a14="http://schemas.microsoft.com/office/drawing/2010/main">
                 <a:effectLst>
                   <a:outerShdw blurRad="63500" dist="38099" dir="2700000" algn="ctr" rotWithShape="0">
@@ -5822,7 +5543,7 @@
           </a:ln>
           <a:effectLst/>
           <a:extLst>
-            <a:ext uri="{91240B29-F687-4F45-9708-019B960494DF}">
+            <a:ext uri="{91240B29-F687-4f45-9708-019B960494DF}">
               <a14:hiddenLine xmlns:a14="http://schemas.microsoft.com/office/drawing/2010/main" w="9525">
                 <a:solidFill>
                   <a:srgbClr val="000000"/>
@@ -5832,7 +5553,7 @@
                 <a:tailEnd/>
               </a14:hiddenLine>
             </a:ext>
-            <a:ext uri="{AF507438-7753-43E0-B8FC-AC1667EBCBE1}">
+            <a:ext uri="{AF507438-7753-43e0-B8FC-AC1667EBCBE1}">
               <a14:hiddenEffects xmlns:a14="http://schemas.microsoft.com/office/drawing/2010/main">
                 <a:effectLst>
                   <a:outerShdw blurRad="63500" dist="38099" dir="2700000" algn="ctr" rotWithShape="0">
@@ -5948,7 +5669,7 @@
           </a:ln>
           <a:effectLst/>
           <a:extLst>
-            <a:ext uri="{91240B29-F687-4F45-9708-019B960494DF}">
+            <a:ext uri="{91240B29-F687-4f45-9708-019B960494DF}">
               <a14:hiddenLine xmlns:a14="http://schemas.microsoft.com/office/drawing/2010/main" w="9525">
                 <a:solidFill>
                   <a:srgbClr val="000000"/>
@@ -5958,7 +5679,7 @@
                 <a:tailEnd/>
               </a14:hiddenLine>
             </a:ext>
-            <a:ext uri="{AF507438-7753-43E0-B8FC-AC1667EBCBE1}">
+            <a:ext uri="{AF507438-7753-43e0-B8FC-AC1667EBCBE1}">
               <a14:hiddenEffects xmlns:a14="http://schemas.microsoft.com/office/drawing/2010/main">
                 <a:effectLst>
                   <a:outerShdw blurRad="63500" dist="38099" dir="2700000" algn="ctr" rotWithShape="0">
@@ -6058,7 +5779,7 @@
           </a:ln>
           <a:effectLst/>
           <a:extLst>
-            <a:ext uri="{91240B29-F687-4F45-9708-019B960494DF}">
+            <a:ext uri="{91240B29-F687-4f45-9708-019B960494DF}">
               <a14:hiddenLine xmlns:a14="http://schemas.microsoft.com/office/drawing/2010/main" w="9525">
                 <a:solidFill>
                   <a:srgbClr val="000000"/>
@@ -6068,7 +5789,7 @@
                 <a:tailEnd/>
               </a14:hiddenLine>
             </a:ext>
-            <a:ext uri="{AF507438-7753-43E0-B8FC-AC1667EBCBE1}">
+            <a:ext uri="{AF507438-7753-43e0-B8FC-AC1667EBCBE1}">
               <a14:hiddenEffects xmlns:a14="http://schemas.microsoft.com/office/drawing/2010/main">
                 <a:effectLst>
                   <a:outerShdw blurRad="63500" dist="38099" dir="2700000" algn="ctr" rotWithShape="0">
@@ -6137,14 +5858,14 @@
           </a:ln>
           <a:effectLst/>
           <a:extLst>
-            <a:ext uri="{909E8E84-426E-40DD-AFC4-6F175D3DCCD1}">
+            <a:ext uri="{909E8E84-426E-40dd-AFC4-6F175D3DCCD1}">
               <a14:hiddenFill xmlns:a14="http://schemas.microsoft.com/office/drawing/2010/main">
                 <a:solidFill>
                   <a:srgbClr val="FFFFFF"/>
                 </a:solidFill>
               </a14:hiddenFill>
             </a:ext>
-            <a:ext uri="{AF507438-7753-43E0-B8FC-AC1667EBCBE1}">
+            <a:ext uri="{AF507438-7753-43e0-B8FC-AC1667EBCBE1}">
               <a14:hiddenEffects xmlns:a14="http://schemas.microsoft.com/office/drawing/2010/main">
                 <a:effectLst>
                   <a:outerShdw blurRad="63500" dist="38099" dir="2700000" algn="ctr" rotWithShape="0">
@@ -6205,7 +5926,7 @@
           </a:ln>
           <a:effectLst/>
           <a:extLst>
-            <a:ext uri="{91240B29-F687-4F45-9708-019B960494DF}">
+            <a:ext uri="{91240B29-F687-4f45-9708-019B960494DF}">
               <a14:hiddenLine xmlns:a14="http://schemas.microsoft.com/office/drawing/2010/main" w="9525">
                 <a:solidFill>
                   <a:srgbClr val="000000"/>
@@ -6215,7 +5936,7 @@
                 <a:tailEnd/>
               </a14:hiddenLine>
             </a:ext>
-            <a:ext uri="{AF507438-7753-43E0-B8FC-AC1667EBCBE1}">
+            <a:ext uri="{AF507438-7753-43e0-B8FC-AC1667EBCBE1}">
               <a14:hiddenEffects xmlns:a14="http://schemas.microsoft.com/office/drawing/2010/main">
                 <a:effectLst>
                   <a:outerShdw blurRad="63500" dist="38099" dir="2700000" algn="ctr" rotWithShape="0">
@@ -6317,12 +6038,12 @@
           </a:ln>
           <a:effectLst/>
           <a:extLst>
-            <a:ext uri="{909E8E84-426E-40DD-AFC4-6F175D3DCCD1}">
+            <a:ext uri="{909E8E84-426E-40dd-AFC4-6F175D3DCCD1}">
               <a14:hiddenFill xmlns:a14="http://schemas.microsoft.com/office/drawing/2010/main">
                 <a:noFill/>
               </a14:hiddenFill>
             </a:ext>
-            <a:ext uri="{AF507438-7753-43E0-B8FC-AC1667EBCBE1}">
+            <a:ext uri="{AF507438-7753-43e0-B8FC-AC1667EBCBE1}">
               <a14:hiddenEffects xmlns:a14="http://schemas.microsoft.com/office/drawing/2010/main">
                 <a:effectLst>
                   <a:outerShdw blurRad="63500" dist="38099" dir="2700000" algn="ctr" rotWithShape="0">
@@ -6338,165 +6059,25 @@
       </p:cxnSp>
       <p:sp>
         <p:nvSpPr>
-          <p:cNvPr id="9226" name="Text Box 10"/>
+          <p:cNvPr id="12" name="Titel 1"/>
           <p:cNvSpPr txBox="1">
-            <a:spLocks noChangeArrowheads="1"/>
+            <a:spLocks/>
           </p:cNvSpPr>
           <p:nvPr/>
         </p:nvSpPr>
-        <p:spPr bwMode="auto">
+        <p:spPr>
           <a:xfrm>
-            <a:off x="2339975" y="252413"/>
-            <a:ext cx="7235825" cy="1104900"/>
+            <a:off x="503238" y="539477"/>
+            <a:ext cx="9069387" cy="1022623"/>
           </a:xfrm>
           <a:prstGeom prst="rect">
             <a:avLst/>
           </a:prstGeom>
-          <a:noFill/>
-          <a:ln>
-            <a:noFill/>
-          </a:ln>
-          <a:effectLst/>
-          <a:extLst>
-            <a:ext uri="{909E8E84-426E-40DD-AFC4-6F175D3DCCD1}">
-              <a14:hiddenFill xmlns:a14="http://schemas.microsoft.com/office/drawing/2010/main">
-                <a:solidFill>
-                  <a:srgbClr val="FFFFFF"/>
-                </a:solidFill>
-              </a14:hiddenFill>
-            </a:ext>
-            <a:ext uri="{91240B29-F687-4F45-9708-019B960494DF}">
-              <a14:hiddenLine xmlns:a14="http://schemas.microsoft.com/office/drawing/2010/main" w="9525">
-                <a:solidFill>
-                  <a:srgbClr val="000000"/>
-                </a:solidFill>
-                <a:round/>
-                <a:headEnd/>
-                <a:tailEnd/>
-              </a14:hiddenLine>
-            </a:ext>
-            <a:ext uri="{AF507438-7753-43E0-B8FC-AC1667EBCBE1}">
-              <a14:hiddenEffects xmlns:a14="http://schemas.microsoft.com/office/drawing/2010/main">
-                <a:effectLst>
-                  <a:outerShdw blurRad="63500" dist="38099" dir="2700000" algn="ctr" rotWithShape="0">
-                    <a:srgbClr val="000000">
-                      <a:alpha val="74998"/>
-                    </a:srgbClr>
-                  </a:outerShdw>
-                </a:effectLst>
-              </a14:hiddenEffects>
-            </a:ext>
-          </a:extLst>
         </p:spPr>
         <p:txBody>
-          <a:bodyPr lIns="90000" tIns="45000" rIns="90000" bIns="45000"/>
+          <a:bodyPr/>
           <a:lstStyle>
-            <a:lvl1pPr>
-              <a:tabLst>
-                <a:tab pos="723900" algn="l"/>
-                <a:tab pos="1447800" algn="l"/>
-                <a:tab pos="2171700" algn="l"/>
-                <a:tab pos="2895600" algn="l"/>
-                <a:tab pos="3619500" algn="l"/>
-                <a:tab pos="4343400" algn="l"/>
-                <a:tab pos="5067300" algn="l"/>
-                <a:tab pos="5791200" algn="l"/>
-                <a:tab pos="6515100" algn="l"/>
-              </a:tabLst>
-              <a:defRPr>
-                <a:solidFill>
-                  <a:srgbClr val="000000"/>
-                </a:solidFill>
-                <a:latin typeface="Arial" charset="0"/>
-                <a:ea typeface="宋体" charset="0"/>
-                <a:cs typeface="宋体" charset="0"/>
-              </a:defRPr>
-            </a:lvl1pPr>
-            <a:lvl2pPr>
-              <a:tabLst>
-                <a:tab pos="723900" algn="l"/>
-                <a:tab pos="1447800" algn="l"/>
-                <a:tab pos="2171700" algn="l"/>
-                <a:tab pos="2895600" algn="l"/>
-                <a:tab pos="3619500" algn="l"/>
-                <a:tab pos="4343400" algn="l"/>
-                <a:tab pos="5067300" algn="l"/>
-                <a:tab pos="5791200" algn="l"/>
-                <a:tab pos="6515100" algn="l"/>
-              </a:tabLst>
-              <a:defRPr>
-                <a:solidFill>
-                  <a:srgbClr val="000000"/>
-                </a:solidFill>
-                <a:latin typeface="Arial" charset="0"/>
-                <a:ea typeface="宋体" charset="0"/>
-                <a:cs typeface="宋体" charset="0"/>
-              </a:defRPr>
-            </a:lvl2pPr>
-            <a:lvl3pPr>
-              <a:tabLst>
-                <a:tab pos="723900" algn="l"/>
-                <a:tab pos="1447800" algn="l"/>
-                <a:tab pos="2171700" algn="l"/>
-                <a:tab pos="2895600" algn="l"/>
-                <a:tab pos="3619500" algn="l"/>
-                <a:tab pos="4343400" algn="l"/>
-                <a:tab pos="5067300" algn="l"/>
-                <a:tab pos="5791200" algn="l"/>
-                <a:tab pos="6515100" algn="l"/>
-              </a:tabLst>
-              <a:defRPr>
-                <a:solidFill>
-                  <a:srgbClr val="000000"/>
-                </a:solidFill>
-                <a:latin typeface="Arial" charset="0"/>
-                <a:ea typeface="宋体" charset="0"/>
-                <a:cs typeface="宋体" charset="0"/>
-              </a:defRPr>
-            </a:lvl3pPr>
-            <a:lvl4pPr>
-              <a:tabLst>
-                <a:tab pos="723900" algn="l"/>
-                <a:tab pos="1447800" algn="l"/>
-                <a:tab pos="2171700" algn="l"/>
-                <a:tab pos="2895600" algn="l"/>
-                <a:tab pos="3619500" algn="l"/>
-                <a:tab pos="4343400" algn="l"/>
-                <a:tab pos="5067300" algn="l"/>
-                <a:tab pos="5791200" algn="l"/>
-                <a:tab pos="6515100" algn="l"/>
-              </a:tabLst>
-              <a:defRPr>
-                <a:solidFill>
-                  <a:srgbClr val="000000"/>
-                </a:solidFill>
-                <a:latin typeface="Arial" charset="0"/>
-                <a:ea typeface="宋体" charset="0"/>
-                <a:cs typeface="宋体" charset="0"/>
-              </a:defRPr>
-            </a:lvl4pPr>
-            <a:lvl5pPr>
-              <a:tabLst>
-                <a:tab pos="723900" algn="l"/>
-                <a:tab pos="1447800" algn="l"/>
-                <a:tab pos="2171700" algn="l"/>
-                <a:tab pos="2895600" algn="l"/>
-                <a:tab pos="3619500" algn="l"/>
-                <a:tab pos="4343400" algn="l"/>
-                <a:tab pos="5067300" algn="l"/>
-                <a:tab pos="5791200" algn="l"/>
-                <a:tab pos="6515100" algn="l"/>
-              </a:tabLst>
-              <a:defRPr>
-                <a:solidFill>
-                  <a:srgbClr val="000000"/>
-                </a:solidFill>
-                <a:latin typeface="Arial" charset="0"/>
-                <a:ea typeface="宋体" charset="0"/>
-                <a:cs typeface="宋体" charset="0"/>
-              </a:defRPr>
-            </a:lvl5pPr>
-            <a:lvl6pPr marL="2514600" indent="-228600" defTabSz="449263" fontAlgn="base" hangingPunct="0">
+            <a:lvl1pPr algn="ctr" defTabSz="449263" rtl="0" fontAlgn="base" hangingPunct="0">
               <a:lnSpc>
                 <a:spcPct val="93000"/>
               </a:lnSpc>
@@ -6511,27 +6092,16 @@
               </a:buClr>
               <a:buSzPct val="100000"/>
               <a:buFont typeface="Times New Roman" charset="0"/>
-              <a:tabLst>
-                <a:tab pos="723900" algn="l"/>
-                <a:tab pos="1447800" algn="l"/>
-                <a:tab pos="2171700" algn="l"/>
-                <a:tab pos="2895600" algn="l"/>
-                <a:tab pos="3619500" algn="l"/>
-                <a:tab pos="4343400" algn="l"/>
-                <a:tab pos="5067300" algn="l"/>
-                <a:tab pos="5791200" algn="l"/>
-                <a:tab pos="6515100" algn="l"/>
-              </a:tabLst>
-              <a:defRPr>
+              <a:defRPr sz="4400">
                 <a:solidFill>
                   <a:srgbClr val="000000"/>
                 </a:solidFill>
-                <a:latin typeface="Arial" charset="0"/>
-                <a:ea typeface="宋体" charset="0"/>
-                <a:cs typeface="宋体" charset="0"/>
+                <a:latin typeface="+mj-lt"/>
+                <a:ea typeface="+mj-ea"/>
+                <a:cs typeface="+mj-cs"/>
               </a:defRPr>
-            </a:lvl6pPr>
-            <a:lvl7pPr marL="2971800" indent="-228600" defTabSz="449263" fontAlgn="base" hangingPunct="0">
+            </a:lvl1pPr>
+            <a:lvl2pPr marL="742950" indent="-285750" algn="ctr" defTabSz="449263" rtl="0" fontAlgn="base" hangingPunct="0">
               <a:lnSpc>
                 <a:spcPct val="93000"/>
               </a:lnSpc>
@@ -6546,18 +6116,7 @@
               </a:buClr>
               <a:buSzPct val="100000"/>
               <a:buFont typeface="Times New Roman" charset="0"/>
-              <a:tabLst>
-                <a:tab pos="723900" algn="l"/>
-                <a:tab pos="1447800" algn="l"/>
-                <a:tab pos="2171700" algn="l"/>
-                <a:tab pos="2895600" algn="l"/>
-                <a:tab pos="3619500" algn="l"/>
-                <a:tab pos="4343400" algn="l"/>
-                <a:tab pos="5067300" algn="l"/>
-                <a:tab pos="5791200" algn="l"/>
-                <a:tab pos="6515100" algn="l"/>
-              </a:tabLst>
-              <a:defRPr>
+              <a:defRPr sz="4400">
                 <a:solidFill>
                   <a:srgbClr val="000000"/>
                 </a:solidFill>
@@ -6565,8 +6124,8 @@
                 <a:ea typeface="宋体" charset="0"/>
                 <a:cs typeface="宋体" charset="0"/>
               </a:defRPr>
-            </a:lvl7pPr>
-            <a:lvl8pPr marL="3429000" indent="-228600" defTabSz="449263" fontAlgn="base" hangingPunct="0">
+            </a:lvl2pPr>
+            <a:lvl3pPr marL="1143000" indent="-228600" algn="ctr" defTabSz="449263" rtl="0" fontAlgn="base" hangingPunct="0">
               <a:lnSpc>
                 <a:spcPct val="93000"/>
               </a:lnSpc>
@@ -6581,18 +6140,7 @@
               </a:buClr>
               <a:buSzPct val="100000"/>
               <a:buFont typeface="Times New Roman" charset="0"/>
-              <a:tabLst>
-                <a:tab pos="723900" algn="l"/>
-                <a:tab pos="1447800" algn="l"/>
-                <a:tab pos="2171700" algn="l"/>
-                <a:tab pos="2895600" algn="l"/>
-                <a:tab pos="3619500" algn="l"/>
-                <a:tab pos="4343400" algn="l"/>
-                <a:tab pos="5067300" algn="l"/>
-                <a:tab pos="5791200" algn="l"/>
-                <a:tab pos="6515100" algn="l"/>
-              </a:tabLst>
-              <a:defRPr>
+              <a:defRPr sz="4400">
                 <a:solidFill>
                   <a:srgbClr val="000000"/>
                 </a:solidFill>
@@ -6600,8 +6148,8 @@
                 <a:ea typeface="宋体" charset="0"/>
                 <a:cs typeface="宋体" charset="0"/>
               </a:defRPr>
-            </a:lvl8pPr>
-            <a:lvl9pPr marL="3886200" indent="-228600" defTabSz="449263" fontAlgn="base" hangingPunct="0">
+            </a:lvl3pPr>
+            <a:lvl4pPr marL="1600200" indent="-228600" algn="ctr" defTabSz="449263" rtl="0" fontAlgn="base" hangingPunct="0">
               <a:lnSpc>
                 <a:spcPct val="93000"/>
               </a:lnSpc>
@@ -6616,18 +6164,127 @@
               </a:buClr>
               <a:buSzPct val="100000"/>
               <a:buFont typeface="Times New Roman" charset="0"/>
-              <a:tabLst>
-                <a:tab pos="723900" algn="l"/>
-                <a:tab pos="1447800" algn="l"/>
-                <a:tab pos="2171700" algn="l"/>
-                <a:tab pos="2895600" algn="l"/>
-                <a:tab pos="3619500" algn="l"/>
-                <a:tab pos="4343400" algn="l"/>
-                <a:tab pos="5067300" algn="l"/>
-                <a:tab pos="5791200" algn="l"/>
-                <a:tab pos="6515100" algn="l"/>
-              </a:tabLst>
-              <a:defRPr>
+              <a:defRPr sz="4400">
+                <a:solidFill>
+                  <a:srgbClr val="000000"/>
+                </a:solidFill>
+                <a:latin typeface="Arial" charset="0"/>
+                <a:ea typeface="宋体" charset="0"/>
+                <a:cs typeface="宋体" charset="0"/>
+              </a:defRPr>
+            </a:lvl4pPr>
+            <a:lvl5pPr marL="2057400" indent="-228600" algn="ctr" defTabSz="449263" rtl="0" fontAlgn="base" hangingPunct="0">
+              <a:lnSpc>
+                <a:spcPct val="93000"/>
+              </a:lnSpc>
+              <a:spcBef>
+                <a:spcPct val="0"/>
+              </a:spcBef>
+              <a:spcAft>
+                <a:spcPct val="0"/>
+              </a:spcAft>
+              <a:buClr>
+                <a:srgbClr val="000000"/>
+              </a:buClr>
+              <a:buSzPct val="100000"/>
+              <a:buFont typeface="Times New Roman" charset="0"/>
+              <a:defRPr sz="4400">
+                <a:solidFill>
+                  <a:srgbClr val="000000"/>
+                </a:solidFill>
+                <a:latin typeface="Arial" charset="0"/>
+                <a:ea typeface="宋体" charset="0"/>
+                <a:cs typeface="宋体" charset="0"/>
+              </a:defRPr>
+            </a:lvl5pPr>
+            <a:lvl6pPr marL="2514600" indent="-228600" algn="ctr" defTabSz="449263" rtl="0" fontAlgn="base" hangingPunct="0">
+              <a:lnSpc>
+                <a:spcPct val="93000"/>
+              </a:lnSpc>
+              <a:spcBef>
+                <a:spcPct val="0"/>
+              </a:spcBef>
+              <a:spcAft>
+                <a:spcPct val="0"/>
+              </a:spcAft>
+              <a:buClr>
+                <a:srgbClr val="000000"/>
+              </a:buClr>
+              <a:buSzPct val="100000"/>
+              <a:buFont typeface="Times New Roman" charset="0"/>
+              <a:defRPr sz="4400">
+                <a:solidFill>
+                  <a:srgbClr val="000000"/>
+                </a:solidFill>
+                <a:latin typeface="Arial" charset="0"/>
+                <a:ea typeface="宋体" charset="0"/>
+                <a:cs typeface="宋体" charset="0"/>
+              </a:defRPr>
+            </a:lvl6pPr>
+            <a:lvl7pPr marL="2971800" indent="-228600" algn="ctr" defTabSz="449263" rtl="0" fontAlgn="base" hangingPunct="0">
+              <a:lnSpc>
+                <a:spcPct val="93000"/>
+              </a:lnSpc>
+              <a:spcBef>
+                <a:spcPct val="0"/>
+              </a:spcBef>
+              <a:spcAft>
+                <a:spcPct val="0"/>
+              </a:spcAft>
+              <a:buClr>
+                <a:srgbClr val="000000"/>
+              </a:buClr>
+              <a:buSzPct val="100000"/>
+              <a:buFont typeface="Times New Roman" charset="0"/>
+              <a:defRPr sz="4400">
+                <a:solidFill>
+                  <a:srgbClr val="000000"/>
+                </a:solidFill>
+                <a:latin typeface="Arial" charset="0"/>
+                <a:ea typeface="宋体" charset="0"/>
+                <a:cs typeface="宋体" charset="0"/>
+              </a:defRPr>
+            </a:lvl7pPr>
+            <a:lvl8pPr marL="3429000" indent="-228600" algn="ctr" defTabSz="449263" rtl="0" fontAlgn="base" hangingPunct="0">
+              <a:lnSpc>
+                <a:spcPct val="93000"/>
+              </a:lnSpc>
+              <a:spcBef>
+                <a:spcPct val="0"/>
+              </a:spcBef>
+              <a:spcAft>
+                <a:spcPct val="0"/>
+              </a:spcAft>
+              <a:buClr>
+                <a:srgbClr val="000000"/>
+              </a:buClr>
+              <a:buSzPct val="100000"/>
+              <a:buFont typeface="Times New Roman" charset="0"/>
+              <a:defRPr sz="4400">
+                <a:solidFill>
+                  <a:srgbClr val="000000"/>
+                </a:solidFill>
+                <a:latin typeface="Arial" charset="0"/>
+                <a:ea typeface="宋体" charset="0"/>
+                <a:cs typeface="宋体" charset="0"/>
+              </a:defRPr>
+            </a:lvl8pPr>
+            <a:lvl9pPr marL="3886200" indent="-228600" algn="ctr" defTabSz="449263" rtl="0" fontAlgn="base" hangingPunct="0">
+              <a:lnSpc>
+                <a:spcPct val="93000"/>
+              </a:lnSpc>
+              <a:spcBef>
+                <a:spcPct val="0"/>
+              </a:spcBef>
+              <a:spcAft>
+                <a:spcPct val="0"/>
+              </a:spcAft>
+              <a:buClr>
+                <a:srgbClr val="000000"/>
+              </a:buClr>
+              <a:buSzPct val="100000"/>
+              <a:buFont typeface="Times New Roman" charset="0"/>
+              <a:defRPr sz="4400">
                 <a:solidFill>
                   <a:srgbClr val="000000"/>
                 </a:solidFill>
@@ -6638,22 +6295,11 @@
             </a:lvl9pPr>
           </a:lstStyle>
           <a:p>
-            <a:pPr>
-              <a:lnSpc>
-                <a:spcPct val="118000"/>
-              </a:lnSpc>
-            </a:pPr>
-            <a:r>
-              <a:rPr lang="en-US" sz="3600" dirty="0" err="1" smtClean="0">
-                <a:latin typeface="Arial Black" charset="0"/>
-              </a:rPr>
+            <a:r>
+              <a:rPr lang="de-DE" dirty="0" smtClean="0"/>
               <a:t>Kundennutzen</a:t>
             </a:r>
-            <a:endParaRPr lang="en-US" sz="2600" dirty="0">
-              <a:solidFill>
-                <a:srgbClr val="647ED0"/>
-              </a:solidFill>
-            </a:endParaRPr>
+            <a:endParaRPr lang="de-DE" dirty="0"/>
           </a:p>
         </p:txBody>
       </p:sp>
@@ -6667,11 +6313,11 @@
   <p:clrMapOvr>
     <a:masterClrMapping/>
   </p:clrMapOvr>
-  <p:transition spd="med"/>
+  <p:transition xmlns:p14="http://schemas.microsoft.com/office/powerpoint/2010/main" spd="med"/>
   <p:timing>
     <p:tnLst>
       <p:par>
-        <p:cTn id="1" dur="indefinite" restart="never" nodeType="tmRoot">
+        <p:cTn xmlns:p14="http://schemas.microsoft.com/office/powerpoint/2010/main" id="1" dur="indefinite" restart="never" nodeType="tmRoot">
           <p:childTnLst>
             <p:seq concurrent="1" nextAc="seek">
               <p:cTn id="2" dur="indefinite" nodeType="mainSeq">
@@ -6702,213 +6348,6 @@
                                           </p:stCondLst>
                                         </p:cTn>
                                         <p:tgtEl>
-                                          <p:spTgt spid="9217"/>
-                                        </p:tgtEl>
-                                        <p:attrNameLst>
-                                          <p:attrName>style.visibility</p:attrName>
-                                        </p:attrNameLst>
-                                      </p:cBhvr>
-                                      <p:to>
-                                        <p:strVal val="visible"/>
-                                      </p:to>
-                                    </p:set>
-                                  </p:childTnLst>
-                                </p:cTn>
-                              </p:par>
-                              <p:par>
-                                <p:cTn id="7" presetID="1" presetClass="entr" presetSubtype="0" fill="hold" grpId="0" nodeType="withEffect">
-                                  <p:stCondLst>
-                                    <p:cond delay="0"/>
-                                  </p:stCondLst>
-                                  <p:childTnLst>
-                                    <p:set>
-                                      <p:cBhvr>
-                                        <p:cTn id="8" dur="1" fill="hold">
-                                          <p:stCondLst>
-                                            <p:cond delay="0"/>
-                                          </p:stCondLst>
-                                        </p:cTn>
-                                        <p:tgtEl>
-                                          <p:spTgt spid="9218"/>
-                                        </p:tgtEl>
-                                        <p:attrNameLst>
-                                          <p:attrName>style.visibility</p:attrName>
-                                        </p:attrNameLst>
-                                      </p:cBhvr>
-                                      <p:to>
-                                        <p:strVal val="visible"/>
-                                      </p:to>
-                                    </p:set>
-                                  </p:childTnLst>
-                                </p:cTn>
-                              </p:par>
-                              <p:par>
-                                <p:cTn id="9" presetID="1" presetClass="entr" presetSubtype="0" fill="hold" grpId="0" nodeType="withEffect">
-                                  <p:stCondLst>
-                                    <p:cond delay="0"/>
-                                  </p:stCondLst>
-                                  <p:childTnLst>
-                                    <p:set>
-                                      <p:cBhvr>
-                                        <p:cTn id="10" dur="1" fill="hold">
-                                          <p:stCondLst>
-                                            <p:cond delay="0"/>
-                                          </p:stCondLst>
-                                        </p:cTn>
-                                        <p:tgtEl>
-                                          <p:spTgt spid="9219"/>
-                                        </p:tgtEl>
-                                        <p:attrNameLst>
-                                          <p:attrName>style.visibility</p:attrName>
-                                        </p:attrNameLst>
-                                      </p:cBhvr>
-                                      <p:to>
-                                        <p:strVal val="visible"/>
-                                      </p:to>
-                                    </p:set>
-                                  </p:childTnLst>
-                                </p:cTn>
-                              </p:par>
-                              <p:par>
-                                <p:cTn id="11" presetID="1" presetClass="entr" presetSubtype="0" fill="hold" grpId="0" nodeType="withEffect">
-                                  <p:stCondLst>
-                                    <p:cond delay="0"/>
-                                  </p:stCondLst>
-                                  <p:childTnLst>
-                                    <p:set>
-                                      <p:cBhvr>
-                                        <p:cTn id="12" dur="1" fill="hold">
-                                          <p:stCondLst>
-                                            <p:cond delay="0"/>
-                                          </p:stCondLst>
-                                        </p:cTn>
-                                        <p:tgtEl>
-                                          <p:spTgt spid="9220"/>
-                                        </p:tgtEl>
-                                        <p:attrNameLst>
-                                          <p:attrName>style.visibility</p:attrName>
-                                        </p:attrNameLst>
-                                      </p:cBhvr>
-                                      <p:to>
-                                        <p:strVal val="visible"/>
-                                      </p:to>
-                                    </p:set>
-                                  </p:childTnLst>
-                                </p:cTn>
-                              </p:par>
-                              <p:par>
-                                <p:cTn id="13" presetID="1" presetClass="entr" presetSubtype="0" fill="hold" grpId="0" nodeType="withEffect">
-                                  <p:stCondLst>
-                                    <p:cond delay="0"/>
-                                  </p:stCondLst>
-                                  <p:childTnLst>
-                                    <p:set>
-                                      <p:cBhvr>
-                                        <p:cTn id="14" dur="1" fill="hold">
-                                          <p:stCondLst>
-                                            <p:cond delay="0"/>
-                                          </p:stCondLst>
-                                        </p:cTn>
-                                        <p:tgtEl>
-                                          <p:spTgt spid="9221"/>
-                                        </p:tgtEl>
-                                        <p:attrNameLst>
-                                          <p:attrName>style.visibility</p:attrName>
-                                        </p:attrNameLst>
-                                      </p:cBhvr>
-                                      <p:to>
-                                        <p:strVal val="visible"/>
-                                      </p:to>
-                                    </p:set>
-                                  </p:childTnLst>
-                                </p:cTn>
-                              </p:par>
-                              <p:par>
-                                <p:cTn id="15" presetID="1" presetClass="entr" presetSubtype="0" fill="hold" grpId="0" nodeType="withEffect">
-                                  <p:stCondLst>
-                                    <p:cond delay="0"/>
-                                  </p:stCondLst>
-                                  <p:childTnLst>
-                                    <p:set>
-                                      <p:cBhvr>
-                                        <p:cTn id="16" dur="1" fill="hold">
-                                          <p:stCondLst>
-                                            <p:cond delay="0"/>
-                                          </p:stCondLst>
-                                        </p:cTn>
-                                        <p:tgtEl>
-                                          <p:spTgt spid="9222"/>
-                                        </p:tgtEl>
-                                        <p:attrNameLst>
-                                          <p:attrName>style.visibility</p:attrName>
-                                        </p:attrNameLst>
-                                      </p:cBhvr>
-                                      <p:to>
-                                        <p:strVal val="visible"/>
-                                      </p:to>
-                                    </p:set>
-                                  </p:childTnLst>
-                                </p:cTn>
-                              </p:par>
-                              <p:par>
-                                <p:cTn id="17" presetID="1" presetClass="entr" presetSubtype="0" fill="hold" grpId="0" nodeType="withEffect">
-                                  <p:stCondLst>
-                                    <p:cond delay="0"/>
-                                  </p:stCondLst>
-                                  <p:childTnLst>
-                                    <p:set>
-                                      <p:cBhvr>
-                                        <p:cTn id="18" dur="1" fill="hold">
-                                          <p:stCondLst>
-                                            <p:cond delay="0"/>
-                                          </p:stCondLst>
-                                        </p:cTn>
-                                        <p:tgtEl>
-                                          <p:spTgt spid="9223"/>
-                                        </p:tgtEl>
-                                        <p:attrNameLst>
-                                          <p:attrName>style.visibility</p:attrName>
-                                        </p:attrNameLst>
-                                      </p:cBhvr>
-                                      <p:to>
-                                        <p:strVal val="visible"/>
-                                      </p:to>
-                                    </p:set>
-                                  </p:childTnLst>
-                                </p:cTn>
-                              </p:par>
-                            </p:childTnLst>
-                          </p:cTn>
-                        </p:par>
-                      </p:childTnLst>
-                    </p:cTn>
-                  </p:par>
-                  <p:par>
-                    <p:cTn id="19" fill="hold">
-                      <p:stCondLst>
-                        <p:cond delay="indefinite"/>
-                      </p:stCondLst>
-                      <p:childTnLst>
-                        <p:par>
-                          <p:cTn id="20" fill="hold">
-                            <p:stCondLst>
-                              <p:cond delay="0"/>
-                            </p:stCondLst>
-                            <p:childTnLst>
-                              <p:par>
-                                <p:cTn id="21" presetID="1" presetClass="entr" presetSubtype="0" fill="hold" grpId="0" nodeType="clickEffect">
-                                  <p:stCondLst>
-                                    <p:cond delay="0"/>
-                                  </p:stCondLst>
-                                  <p:childTnLst>
-                                    <p:set>
-                                      <p:cBhvr>
-                                        <p:cTn id="22" dur="1" fill="hold">
-                                          <p:stCondLst>
-                                            <p:cond delay="0"/>
-                                          </p:stCondLst>
-                                        </p:cTn>
-                                        <p:tgtEl>
                                           <p:spTgt spid="9224"/>
                                         </p:tgtEl>
                                         <p:attrNameLst>
@@ -6923,14 +6362,14 @@
                                 </p:cTn>
                               </p:par>
                               <p:par>
-                                <p:cTn id="23" presetID="1" presetClass="entr" presetSubtype="0" fill="hold" nodeType="withEffect">
+                                <p:cTn id="7" presetID="1" presetClass="entr" presetSubtype="0" fill="hold" nodeType="withEffect">
                                   <p:stCondLst>
                                     <p:cond delay="0"/>
                                   </p:stCondLst>
                                   <p:childTnLst>
                                     <p:set>
                                       <p:cBhvr>
-                                        <p:cTn id="24" dur="1" fill="hold">
+                                        <p:cTn id="8" dur="1" fill="hold">
                                           <p:stCondLst>
                                             <p:cond delay="0"/>
                                           </p:stCondLst>
@@ -6977,20 +6416,13 @@
       </p:par>
     </p:tnLst>
     <p:bldLst>
-      <p:bldP spid="9217" grpId="0" animBg="1"/>
-      <p:bldP spid="9218" grpId="0" animBg="1"/>
-      <p:bldP spid="9219" grpId="0" animBg="1"/>
-      <p:bldP spid="9220" grpId="0" animBg="1"/>
-      <p:bldP spid="9221" grpId="0" animBg="1"/>
-      <p:bldP spid="9222" grpId="0" animBg="1"/>
-      <p:bldP spid="9223" grpId="0" animBg="1"/>
       <p:bldP spid="9224" grpId="0" animBg="1"/>
     </p:bldLst>
   </p:timing>
 </p:sld>
 </file>
 
-<file path=ppt/slides/slide12.xml><?xml version="1.0" encoding="utf-8"?>
+<file path=ppt/slides/slide11.xml><?xml version="1.0" encoding="utf-8"?>
 <p:sld xmlns:a="http://schemas.openxmlformats.org/drawingml/2006/main" xmlns:r="http://schemas.openxmlformats.org/officeDocument/2006/relationships" xmlns:p="http://schemas.openxmlformats.org/presentationml/2006/main">
   <p:cSld>
     <p:spTree>
@@ -7061,7 +6493,7 @@
           </a:ln>
           <a:effectLst/>
           <a:extLst>
-            <a:ext uri="{91240B29-F687-4F45-9708-019B960494DF}">
+            <a:ext uri="{91240B29-F687-4f45-9708-019B960494DF}">
               <a14:hiddenLine xmlns:a14="http://schemas.microsoft.com/office/drawing/2010/main" w="9525">
                 <a:solidFill>
                   <a:srgbClr val="000000"/>
@@ -7071,7 +6503,7 @@
                 <a:tailEnd/>
               </a14:hiddenLine>
             </a:ext>
-            <a:ext uri="{AF507438-7753-43E0-B8FC-AC1667EBCBE1}">
+            <a:ext uri="{AF507438-7753-43e0-B8FC-AC1667EBCBE1}">
               <a14:hiddenEffects xmlns:a14="http://schemas.microsoft.com/office/drawing/2010/main">
                 <a:effectLst>
                   <a:outerShdw blurRad="63500" dist="38099" dir="2700000" algn="ctr" rotWithShape="0">
@@ -7144,7 +6576,7 @@
           </a:ln>
           <a:effectLst/>
           <a:extLst>
-            <a:ext uri="{91240B29-F687-4F45-9708-019B960494DF}">
+            <a:ext uri="{91240B29-F687-4f45-9708-019B960494DF}">
               <a14:hiddenLine xmlns:a14="http://schemas.microsoft.com/office/drawing/2010/main" w="9525">
                 <a:solidFill>
                   <a:srgbClr val="000000"/>
@@ -7154,7 +6586,7 @@
                 <a:tailEnd/>
               </a14:hiddenLine>
             </a:ext>
-            <a:ext uri="{AF507438-7753-43E0-B8FC-AC1667EBCBE1}">
+            <a:ext uri="{AF507438-7753-43e0-B8FC-AC1667EBCBE1}">
               <a14:hiddenEffects xmlns:a14="http://schemas.microsoft.com/office/drawing/2010/main">
                 <a:effectLst>
                   <a:outerShdw blurRad="63500" dist="38099" dir="2700000" algn="ctr" rotWithShape="0">
@@ -7255,14 +6687,14 @@
           </a:ln>
           <a:effectLst/>
           <a:extLst>
-            <a:ext uri="{909E8E84-426E-40DD-AFC4-6F175D3DCCD1}">
+            <a:ext uri="{909E8E84-426E-40dd-AFC4-6F175D3DCCD1}">
               <a14:hiddenFill xmlns:a14="http://schemas.microsoft.com/office/drawing/2010/main">
                 <a:solidFill>
                   <a:srgbClr val="FFFFFF"/>
                 </a:solidFill>
               </a14:hiddenFill>
             </a:ext>
-            <a:ext uri="{91240B29-F687-4F45-9708-019B960494DF}">
+            <a:ext uri="{91240B29-F687-4f45-9708-019B960494DF}">
               <a14:hiddenLine xmlns:a14="http://schemas.microsoft.com/office/drawing/2010/main" w="9525">
                 <a:solidFill>
                   <a:srgbClr val="000000"/>
@@ -7272,7 +6704,7 @@
                 <a:tailEnd/>
               </a14:hiddenLine>
             </a:ext>
-            <a:ext uri="{AF507438-7753-43E0-B8FC-AC1667EBCBE1}">
+            <a:ext uri="{AF507438-7753-43e0-B8FC-AC1667EBCBE1}">
               <a14:hiddenEffects xmlns:a14="http://schemas.microsoft.com/office/drawing/2010/main">
                 <a:effectLst>
                   <a:outerShdw blurRad="63500" dist="38099" dir="2700000" algn="ctr" rotWithShape="0">
@@ -7616,14 +7048,14 @@
           </a:ln>
           <a:effectLst/>
           <a:extLst>
-            <a:ext uri="{909E8E84-426E-40DD-AFC4-6F175D3DCCD1}">
+            <a:ext uri="{909E8E84-426E-40dd-AFC4-6F175D3DCCD1}">
               <a14:hiddenFill xmlns:a14="http://schemas.microsoft.com/office/drawing/2010/main">
                 <a:solidFill>
                   <a:srgbClr val="FFFFFF"/>
                 </a:solidFill>
               </a14:hiddenFill>
             </a:ext>
-            <a:ext uri="{91240B29-F687-4F45-9708-019B960494DF}">
+            <a:ext uri="{91240B29-F687-4f45-9708-019B960494DF}">
               <a14:hiddenLine xmlns:a14="http://schemas.microsoft.com/office/drawing/2010/main" w="9525">
                 <a:solidFill>
                   <a:srgbClr val="000000"/>
@@ -7633,7 +7065,7 @@
                 <a:tailEnd/>
               </a14:hiddenLine>
             </a:ext>
-            <a:ext uri="{AF507438-7753-43E0-B8FC-AC1667EBCBE1}">
+            <a:ext uri="{AF507438-7753-43e0-B8FC-AC1667EBCBE1}">
               <a14:hiddenEffects xmlns:a14="http://schemas.microsoft.com/office/drawing/2010/main">
                 <a:effectLst>
                   <a:outerShdw blurRad="63500" dist="38099" dir="2700000" algn="ctr" rotWithShape="0">
@@ -7949,14 +7381,14 @@
   <p:timing>
     <p:tnLst>
       <p:par>
-        <p:cTn id="1" dur="indefinite" restart="never" nodeType="tmRoot"/>
+        <p:cTn xmlns:p14="http://schemas.microsoft.com/office/powerpoint/2010/main" id="1" dur="indefinite" restart="never" nodeType="tmRoot"/>
       </p:par>
     </p:tnLst>
   </p:timing>
 </p:sld>
 </file>
 
-<file path=ppt/slides/slide13.xml><?xml version="1.0" encoding="utf-8"?>
+<file path=ppt/slides/slide12.xml><?xml version="1.0" encoding="utf-8"?>
 <p:sld xmlns:a="http://schemas.openxmlformats.org/drawingml/2006/main" xmlns:r="http://schemas.openxmlformats.org/officeDocument/2006/relationships" xmlns:p="http://schemas.openxmlformats.org/presentationml/2006/main">
   <p:cSld>
     <p:bg>
@@ -8026,14 +7458,14 @@
           </a:ln>
           <a:effectLst/>
           <a:extLst>
-            <a:ext uri="{909E8E84-426E-40DD-AFC4-6F175D3DCCD1}">
+            <a:ext uri="{909E8E84-426E-40dd-AFC4-6F175D3DCCD1}">
               <a14:hiddenFill xmlns:a14="http://schemas.microsoft.com/office/drawing/2010/main">
                 <a:solidFill>
                   <a:srgbClr val="FFFFFF"/>
                 </a:solidFill>
               </a14:hiddenFill>
             </a:ext>
-            <a:ext uri="{91240B29-F687-4F45-9708-019B960494DF}">
+            <a:ext uri="{91240B29-F687-4f45-9708-019B960494DF}">
               <a14:hiddenLine xmlns:a14="http://schemas.microsoft.com/office/drawing/2010/main" w="9525">
                 <a:solidFill>
                   <a:srgbClr val="808080"/>
@@ -8043,7 +7475,7 @@
                 <a:tailEnd/>
               </a14:hiddenLine>
             </a:ext>
-            <a:ext uri="{AF507438-7753-43E0-B8FC-AC1667EBCBE1}">
+            <a:ext uri="{AF507438-7753-43e0-B8FC-AC1667EBCBE1}">
               <a14:hiddenEffects xmlns:a14="http://schemas.microsoft.com/office/drawing/2010/main">
                 <a:effectLst>
                   <a:outerShdw blurRad="63500" dist="38099" dir="2700000" algn="ctr" rotWithShape="0">
@@ -8390,11 +7822,11 @@
   <p:clrMapOvr>
     <a:masterClrMapping/>
   </p:clrMapOvr>
-  <p:transition spd="med"/>
+  <p:transition xmlns:p14="http://schemas.microsoft.com/office/powerpoint/2010/main" spd="med"/>
   <p:timing>
     <p:tnLst>
       <p:par>
-        <p:cTn id="1" dur="indefinite" restart="never" nodeType="tmRoot">
+        <p:cTn xmlns:p14="http://schemas.microsoft.com/office/powerpoint/2010/main" id="1" dur="indefinite" restart="never" nodeType="tmRoot">
           <p:childTnLst>
             <p:seq concurrent="1" nextAc="seek">
               <p:cTn id="2" dur="0" nodeType="mainSeq"/>
@@ -8490,7 +7922,7 @@
           </a:ln>
           <a:effectLst/>
           <a:extLst>
-            <a:ext uri="{91240B29-F687-4F45-9708-019B960494DF}">
+            <a:ext uri="{91240B29-F687-4f45-9708-019B960494DF}">
               <a14:hiddenLine xmlns:a14="http://schemas.microsoft.com/office/drawing/2010/main" w="9525">
                 <a:solidFill>
                   <a:srgbClr val="000000"/>
@@ -8500,7 +7932,7 @@
                 <a:tailEnd/>
               </a14:hiddenLine>
             </a:ext>
-            <a:ext uri="{AF507438-7753-43E0-B8FC-AC1667EBCBE1}">
+            <a:ext uri="{AF507438-7753-43e0-B8FC-AC1667EBCBE1}">
               <a14:hiddenEffects xmlns:a14="http://schemas.microsoft.com/office/drawing/2010/main">
                 <a:effectLst>
                   <a:outerShdw blurRad="63500" dist="38099" dir="2700000" algn="ctr" rotWithShape="0">
@@ -8586,7 +8018,7 @@
           </a:ln>
           <a:effectLst/>
           <a:extLst>
-            <a:ext uri="{91240B29-F687-4F45-9708-019B960494DF}">
+            <a:ext uri="{91240B29-F687-4f45-9708-019B960494DF}">
               <a14:hiddenLine xmlns:a14="http://schemas.microsoft.com/office/drawing/2010/main" w="9525">
                 <a:solidFill>
                   <a:srgbClr val="000000"/>
@@ -8596,7 +8028,7 @@
                 <a:tailEnd/>
               </a14:hiddenLine>
             </a:ext>
-            <a:ext uri="{AF507438-7753-43E0-B8FC-AC1667EBCBE1}">
+            <a:ext uri="{AF507438-7753-43e0-B8FC-AC1667EBCBE1}">
               <a14:hiddenEffects xmlns:a14="http://schemas.microsoft.com/office/drawing/2010/main">
                 <a:effectLst>
                   <a:outerShdw blurRad="63500" dist="38099" dir="2700000" algn="ctr" rotWithShape="0">
@@ -8658,7 +8090,7 @@
           </a:ln>
           <a:effectLst/>
           <a:extLst>
-            <a:ext uri="{91240B29-F687-4F45-9708-019B960494DF}">
+            <a:ext uri="{91240B29-F687-4f45-9708-019B960494DF}">
               <a14:hiddenLine xmlns:a14="http://schemas.microsoft.com/office/drawing/2010/main" w="9525">
                 <a:solidFill>
                   <a:srgbClr val="000000"/>
@@ -8668,7 +8100,7 @@
                 <a:tailEnd/>
               </a14:hiddenLine>
             </a:ext>
-            <a:ext uri="{AF507438-7753-43E0-B8FC-AC1667EBCBE1}">
+            <a:ext uri="{AF507438-7753-43e0-B8FC-AC1667EBCBE1}">
               <a14:hiddenEffects xmlns:a14="http://schemas.microsoft.com/office/drawing/2010/main">
                 <a:effectLst>
                   <a:outerShdw blurRad="63500" dist="38099" dir="2700000" algn="ctr" rotWithShape="0">
@@ -8732,7 +8164,7 @@
           </a:ln>
           <a:effectLst/>
           <a:extLst>
-            <a:ext uri="{91240B29-F687-4F45-9708-019B960494DF}">
+            <a:ext uri="{91240B29-F687-4f45-9708-019B960494DF}">
               <a14:hiddenLine xmlns:a14="http://schemas.microsoft.com/office/drawing/2010/main" w="9525">
                 <a:solidFill>
                   <a:srgbClr val="000000"/>
@@ -8742,7 +8174,7 @@
                 <a:tailEnd/>
               </a14:hiddenLine>
             </a:ext>
-            <a:ext uri="{AF507438-7753-43E0-B8FC-AC1667EBCBE1}">
+            <a:ext uri="{AF507438-7753-43e0-B8FC-AC1667EBCBE1}">
               <a14:hiddenEffects xmlns:a14="http://schemas.microsoft.com/office/drawing/2010/main">
                 <a:effectLst>
                   <a:outerShdw blurRad="63500" dist="38099" dir="2700000" algn="ctr" rotWithShape="0">
@@ -8832,12 +8264,12 @@
           </a:ln>
           <a:effectLst/>
           <a:extLst>
-            <a:ext uri="{909E8E84-426E-40DD-AFC4-6F175D3DCCD1}">
+            <a:ext uri="{909E8E84-426E-40dd-AFC4-6F175D3DCCD1}">
               <a14:hiddenFill xmlns:a14="http://schemas.microsoft.com/office/drawing/2010/main">
                 <a:noFill/>
               </a14:hiddenFill>
             </a:ext>
-            <a:ext uri="{AF507438-7753-43E0-B8FC-AC1667EBCBE1}">
+            <a:ext uri="{AF507438-7753-43e0-B8FC-AC1667EBCBE1}">
               <a14:hiddenEffects xmlns:a14="http://schemas.microsoft.com/office/drawing/2010/main">
                 <a:effectLst>
                   <a:outerShdw blurRad="63500" dist="38099" dir="2700000" algn="ctr" rotWithShape="0">
@@ -8880,12 +8312,12 @@
           </a:ln>
           <a:effectLst/>
           <a:extLst>
-            <a:ext uri="{909E8E84-426E-40DD-AFC4-6F175D3DCCD1}">
+            <a:ext uri="{909E8E84-426E-40dd-AFC4-6F175D3DCCD1}">
               <a14:hiddenFill xmlns:a14="http://schemas.microsoft.com/office/drawing/2010/main">
                 <a:noFill/>
               </a14:hiddenFill>
             </a:ext>
-            <a:ext uri="{AF507438-7753-43E0-B8FC-AC1667EBCBE1}">
+            <a:ext uri="{AF507438-7753-43e0-B8FC-AC1667EBCBE1}">
               <a14:hiddenEffects xmlns:a14="http://schemas.microsoft.com/office/drawing/2010/main">
                 <a:effectLst>
                   <a:outerShdw blurRad="63500" dist="38099" dir="2700000" algn="ctr" rotWithShape="0">
@@ -8925,7 +8357,7 @@
           </a:ln>
           <a:effectLst/>
           <a:extLst>
-            <a:ext uri="{91240B29-F687-4F45-9708-019B960494DF}">
+            <a:ext uri="{91240B29-F687-4f45-9708-019B960494DF}">
               <a14:hiddenLine xmlns:a14="http://schemas.microsoft.com/office/drawing/2010/main" w="9525">
                 <a:solidFill>
                   <a:srgbClr val="000000"/>
@@ -8935,7 +8367,7 @@
                 <a:tailEnd/>
               </a14:hiddenLine>
             </a:ext>
-            <a:ext uri="{AF507438-7753-43E0-B8FC-AC1667EBCBE1}">
+            <a:ext uri="{AF507438-7753-43e0-B8FC-AC1667EBCBE1}">
               <a14:hiddenEffects xmlns:a14="http://schemas.microsoft.com/office/drawing/2010/main">
                 <a:effectLst>
                   <a:outerShdw blurRad="63500" dist="38099" dir="2700000" algn="ctr" rotWithShape="0">
@@ -9018,7 +8450,7 @@
   <p:timing>
     <p:tnLst>
       <p:par>
-        <p:cTn id="1" dur="indefinite" restart="never" nodeType="tmRoot"/>
+        <p:cTn xmlns:p14="http://schemas.microsoft.com/office/powerpoint/2010/main" id="1" dur="indefinite" restart="never" nodeType="tmRoot"/>
       </p:par>
     </p:tnLst>
   </p:timing>
@@ -9096,7 +8528,7 @@
           </a:ln>
           <a:effectLst/>
           <a:extLst>
-            <a:ext uri="{91240B29-F687-4F45-9708-019B960494DF}">
+            <a:ext uri="{91240B29-F687-4f45-9708-019B960494DF}">
               <a14:hiddenLine xmlns:a14="http://schemas.microsoft.com/office/drawing/2010/main" w="9525">
                 <a:solidFill>
                   <a:srgbClr val="000000"/>
@@ -9106,7 +8538,7 @@
                 <a:tailEnd/>
               </a14:hiddenLine>
             </a:ext>
-            <a:ext uri="{AF507438-7753-43E0-B8FC-AC1667EBCBE1}">
+            <a:ext uri="{AF507438-7753-43e0-B8FC-AC1667EBCBE1}">
               <a14:hiddenEffects xmlns:a14="http://schemas.microsoft.com/office/drawing/2010/main">
                 <a:effectLst>
                   <a:outerShdw blurRad="63500" dist="38099" dir="2700000" algn="ctr" rotWithShape="0">
@@ -9180,7 +8612,7 @@
           </a:ln>
           <a:effectLst/>
           <a:extLst>
-            <a:ext uri="{91240B29-F687-4F45-9708-019B960494DF}">
+            <a:ext uri="{91240B29-F687-4f45-9708-019B960494DF}">
               <a14:hiddenLine xmlns:a14="http://schemas.microsoft.com/office/drawing/2010/main" w="9525">
                 <a:solidFill>
                   <a:srgbClr val="000000"/>
@@ -9190,7 +8622,7 @@
                 <a:tailEnd/>
               </a14:hiddenLine>
             </a:ext>
-            <a:ext uri="{AF507438-7753-43E0-B8FC-AC1667EBCBE1}">
+            <a:ext uri="{AF507438-7753-43e0-B8FC-AC1667EBCBE1}">
               <a14:hiddenEffects xmlns:a14="http://schemas.microsoft.com/office/drawing/2010/main">
                 <a:effectLst>
                   <a:outerShdw blurRad="63500" dist="38099" dir="2700000" algn="ctr" rotWithShape="0">
@@ -9299,7 +8731,7 @@
           </a:ln>
           <a:effectLst/>
           <a:extLst>
-            <a:ext uri="{91240B29-F687-4F45-9708-019B960494DF}">
+            <a:ext uri="{91240B29-F687-4f45-9708-019B960494DF}">
               <a14:hiddenLine xmlns:a14="http://schemas.microsoft.com/office/drawing/2010/main" w="9525">
                 <a:solidFill>
                   <a:srgbClr val="000000"/>
@@ -9309,7 +8741,7 @@
                 <a:tailEnd/>
               </a14:hiddenLine>
             </a:ext>
-            <a:ext uri="{AF507438-7753-43E0-B8FC-AC1667EBCBE1}">
+            <a:ext uri="{AF507438-7753-43e0-B8FC-AC1667EBCBE1}">
               <a14:hiddenEffects xmlns:a14="http://schemas.microsoft.com/office/drawing/2010/main">
                 <a:effectLst>
                   <a:outerShdw blurRad="63500" dist="38099" dir="2700000" algn="ctr" rotWithShape="0">
@@ -9418,7 +8850,7 @@
           </a:ln>
           <a:effectLst/>
           <a:extLst>
-            <a:ext uri="{91240B29-F687-4F45-9708-019B960494DF}">
+            <a:ext uri="{91240B29-F687-4f45-9708-019B960494DF}">
               <a14:hiddenLine xmlns:a14="http://schemas.microsoft.com/office/drawing/2010/main" w="9525">
                 <a:solidFill>
                   <a:srgbClr val="000000"/>
@@ -9428,7 +8860,7 @@
                 <a:tailEnd/>
               </a14:hiddenLine>
             </a:ext>
-            <a:ext uri="{AF507438-7753-43E0-B8FC-AC1667EBCBE1}">
+            <a:ext uri="{AF507438-7753-43e0-B8FC-AC1667EBCBE1}">
               <a14:hiddenEffects xmlns:a14="http://schemas.microsoft.com/office/drawing/2010/main">
                 <a:effectLst>
                   <a:outerShdw blurRad="63500" dist="38099" dir="2700000" algn="ctr" rotWithShape="0">
@@ -9555,14 +8987,14 @@
           </a:ln>
           <a:effectLst/>
           <a:extLst>
-            <a:ext uri="{909E8E84-426E-40DD-AFC4-6F175D3DCCD1}">
+            <a:ext uri="{909E8E84-426E-40dd-AFC4-6F175D3DCCD1}">
               <a14:hiddenFill xmlns:a14="http://schemas.microsoft.com/office/drawing/2010/main">
                 <a:solidFill>
                   <a:srgbClr val="FFFFFF"/>
                 </a:solidFill>
               </a14:hiddenFill>
             </a:ext>
-            <a:ext uri="{AF507438-7753-43E0-B8FC-AC1667EBCBE1}">
+            <a:ext uri="{AF507438-7753-43e0-B8FC-AC1667EBCBE1}">
               <a14:hiddenEffects xmlns:a14="http://schemas.microsoft.com/office/drawing/2010/main">
                 <a:effectLst>
                   <a:outerShdw blurRad="63500" dist="38099" dir="2700000" algn="ctr" rotWithShape="0">
@@ -9704,14 +9136,14 @@
           </a:ln>
           <a:effectLst/>
           <a:extLst>
-            <a:ext uri="{909E8E84-426E-40DD-AFC4-6F175D3DCCD1}">
+            <a:ext uri="{909E8E84-426E-40dd-AFC4-6F175D3DCCD1}">
               <a14:hiddenFill xmlns:a14="http://schemas.microsoft.com/office/drawing/2010/main">
                 <a:solidFill>
                   <a:srgbClr val="FFFFFF"/>
                 </a:solidFill>
               </a14:hiddenFill>
             </a:ext>
-            <a:ext uri="{AF507438-7753-43E0-B8FC-AC1667EBCBE1}">
+            <a:ext uri="{AF507438-7753-43e0-B8FC-AC1667EBCBE1}">
               <a14:hiddenEffects xmlns:a14="http://schemas.microsoft.com/office/drawing/2010/main">
                 <a:effectLst>
                   <a:outerShdw blurRad="63500" dist="38099" dir="2700000" algn="ctr" rotWithShape="0">
@@ -9745,7 +9177,7 @@
   <p:timing>
     <p:tnLst>
       <p:par>
-        <p:cTn id="1" dur="indefinite" restart="never" nodeType="tmRoot">
+        <p:cTn xmlns:p14="http://schemas.microsoft.com/office/powerpoint/2010/main" id="1" dur="indefinite" restart="never" nodeType="tmRoot">
           <p:childTnLst>
             <p:seq concurrent="1" nextAc="seek">
               <p:cTn id="2" dur="indefinite" nodeType="mainSeq">
@@ -9875,105 +9307,6 @@
                                           </p:stCondLst>
                                         </p:cTn>
                                         <p:tgtEl>
-                                          <p:spTgt spid="16"/>
-                                        </p:tgtEl>
-                                        <p:attrNameLst>
-                                          <p:attrName>style.visibility</p:attrName>
-                                        </p:attrNameLst>
-                                      </p:cBhvr>
-                                      <p:to>
-                                        <p:strVal val="visible"/>
-                                      </p:to>
-                                    </p:set>
-                                  </p:childTnLst>
-                                </p:cTn>
-                              </p:par>
-                              <p:par>
-                                <p:cTn id="15" presetID="1" presetClass="entr" presetSubtype="0" fill="hold" grpId="0" nodeType="withEffect">
-                                  <p:stCondLst>
-                                    <p:cond delay="0"/>
-                                  </p:stCondLst>
-                                  <p:childTnLst>
-                                    <p:set>
-                                      <p:cBhvr>
-                                        <p:cTn id="16" dur="1" fill="hold">
-                                          <p:stCondLst>
-                                            <p:cond delay="0"/>
-                                          </p:stCondLst>
-                                        </p:cTn>
-                                        <p:tgtEl>
-                                          <p:spTgt spid="17"/>
-                                        </p:tgtEl>
-                                        <p:attrNameLst>
-                                          <p:attrName>style.visibility</p:attrName>
-                                        </p:attrNameLst>
-                                      </p:cBhvr>
-                                      <p:to>
-                                        <p:strVal val="visible"/>
-                                      </p:to>
-                                    </p:set>
-                                  </p:childTnLst>
-                                </p:cTn>
-                              </p:par>
-                              <p:par>
-                                <p:cTn id="17" presetID="1" presetClass="entr" presetSubtype="0" fill="hold" grpId="0" nodeType="withEffect">
-                                  <p:stCondLst>
-                                    <p:cond delay="0"/>
-                                  </p:stCondLst>
-                                  <p:childTnLst>
-                                    <p:set>
-                                      <p:cBhvr>
-                                        <p:cTn id="18" dur="1" fill="hold">
-                                          <p:stCondLst>
-                                            <p:cond delay="0"/>
-                                          </p:stCondLst>
-                                        </p:cTn>
-                                        <p:tgtEl>
-                                          <p:spTgt spid="21"/>
-                                        </p:tgtEl>
-                                        <p:attrNameLst>
-                                          <p:attrName>style.visibility</p:attrName>
-                                        </p:attrNameLst>
-                                      </p:cBhvr>
-                                      <p:to>
-                                        <p:strVal val="visible"/>
-                                      </p:to>
-                                    </p:set>
-                                  </p:childTnLst>
-                                </p:cTn>
-                              </p:par>
-                            </p:childTnLst>
-                          </p:cTn>
-                        </p:par>
-                      </p:childTnLst>
-                    </p:cTn>
-                  </p:par>
-                  <p:par>
-                    <p:cTn id="19" fill="hold">
-                      <p:stCondLst>
-                        <p:cond delay="indefinite"/>
-                      </p:stCondLst>
-                      <p:childTnLst>
-                        <p:par>
-                          <p:cTn id="20" fill="hold">
-                            <p:stCondLst>
-                              <p:cond delay="0"/>
-                            </p:stCondLst>
-                            <p:childTnLst>
-                              <p:par>
-                                <p:cTn id="21" presetID="1" presetClass="entr" presetSubtype="0" fill="hold" grpId="0" nodeType="clickEffect">
-                                  <p:stCondLst>
-                                    <p:cond delay="0"/>
-                                  </p:stCondLst>
-                                  <p:childTnLst>
-                                    <p:set>
-                                      <p:cBhvr>
-                                        <p:cTn id="22" dur="1" fill="hold">
-                                          <p:stCondLst>
-                                            <p:cond delay="0"/>
-                                          </p:stCondLst>
-                                        </p:cTn>
-                                        <p:tgtEl>
                                           <p:spTgt spid="22"/>
                                         </p:tgtEl>
                                         <p:attrNameLst>
@@ -10015,11 +9348,8 @@
       </p:par>
     </p:tnLst>
     <p:bldLst>
-      <p:bldP spid="16" grpId="0" animBg="1"/>
-      <p:bldP spid="17" grpId="0" animBg="1"/>
       <p:bldP spid="18" grpId="0" animBg="1"/>
       <p:bldP spid="19" grpId="0" animBg="1"/>
-      <p:bldP spid="21" grpId="0" animBg="1"/>
       <p:bldP spid="22" grpId="0"/>
       <p:bldP spid="10" grpId="0" animBg="1"/>
     </p:bldLst>
@@ -10122,7 +9452,7 @@
   <p:timing>
     <p:tnLst>
       <p:par>
-        <p:cTn id="1" dur="indefinite" restart="never" nodeType="tmRoot"/>
+        <p:cTn xmlns:p14="http://schemas.microsoft.com/office/powerpoint/2010/main" id="1" dur="indefinite" restart="never" nodeType="tmRoot"/>
       </p:par>
     </p:tnLst>
   </p:timing>
@@ -10256,7 +9586,7 @@
   <p:timing>
     <p:tnLst>
       <p:par>
-        <p:cTn id="1" dur="indefinite" restart="never" nodeType="tmRoot"/>
+        <p:cTn xmlns:p14="http://schemas.microsoft.com/office/powerpoint/2010/main" id="1" dur="indefinite" restart="never" nodeType="tmRoot"/>
       </p:par>
     </p:tnLst>
   </p:timing>
@@ -10449,7 +9779,7 @@
   <p:timing>
     <p:tnLst>
       <p:par>
-        <p:cTn id="1" dur="indefinite" restart="never" nodeType="tmRoot"/>
+        <p:cTn xmlns:p14="http://schemas.microsoft.com/office/powerpoint/2010/main" id="1" dur="indefinite" restart="never" nodeType="tmRoot"/>
       </p:par>
     </p:tnLst>
   </p:timing>
@@ -10475,7 +9805,7 @@
       </p:grpSpPr>
       <p:sp>
         <p:nvSpPr>
-          <p:cNvPr id="2" name="Titel 1"/>
+          <p:cNvPr id="2" name="Title 1"/>
           <p:cNvSpPr>
             <a:spLocks noGrp="1"/>
           </p:cNvSpPr>
@@ -10483,287 +9813,195 @@
             <p:ph type="title"/>
           </p:nvPr>
         </p:nvSpPr>
-        <p:spPr/>
+        <p:spPr>
+          <a:xfrm>
+            <a:off x="1727944" y="301625"/>
+            <a:ext cx="7844681" cy="1260475"/>
+          </a:xfrm>
+        </p:spPr>
         <p:txBody>
           <a:bodyPr/>
           <a:lstStyle/>
           <a:p>
             <a:r>
-              <a:rPr lang="de-DE" dirty="0" err="1" smtClean="0"/>
-              <a:t>Ressouren</a:t>
-            </a:r>
-            <a:endParaRPr lang="de-DE" dirty="0"/>
+              <a:rPr lang="de-DE" dirty="0"/>
+              <a:t>Ressourcen</a:t>
+            </a:r>
+            <a:endParaRPr lang="de-CH" dirty="0"/>
           </a:p>
         </p:txBody>
       </p:sp>
       <p:sp>
         <p:nvSpPr>
-          <p:cNvPr id="6" name="Textfeld 5"/>
-          <p:cNvSpPr txBox="1"/>
-          <p:nvPr/>
+          <p:cNvPr id="3" name="Content Placeholder 2"/>
+          <p:cNvSpPr>
+            <a:spLocks noGrp="1"/>
+          </p:cNvSpPr>
+          <p:nvPr>
+            <p:ph idx="1"/>
+          </p:nvPr>
         </p:nvSpPr>
         <p:spPr>
           <a:xfrm>
-            <a:off x="3044379" y="1847079"/>
-            <a:ext cx="4941076" cy="353174"/>
+            <a:off x="1727944" y="1768475"/>
+            <a:ext cx="7844681" cy="5539754"/>
           </a:xfrm>
-          <a:prstGeom prst="rect">
-            <a:avLst/>
-          </a:prstGeom>
-          <a:noFill/>
         </p:spPr>
         <p:txBody>
-          <a:bodyPr wrap="none" rtlCol="0">
-            <a:spAutoFit/>
-          </a:bodyPr>
+          <a:bodyPr/>
           <a:lstStyle/>
           <a:p>
-            <a:r>
-              <a:rPr lang="de-DE" dirty="0" smtClean="0"/>
-              <a:t>- Team bestehend aus 4 Informatikingenieuren</a:t>
-            </a:r>
-            <a:endParaRPr lang="de-DE" dirty="0"/>
-          </a:p>
-        </p:txBody>
-      </p:sp>
-      <p:sp>
-        <p:nvSpPr>
-          <p:cNvPr id="7" name="Textfeld 6"/>
-          <p:cNvSpPr txBox="1"/>
-          <p:nvPr/>
-        </p:nvSpPr>
-        <p:spPr>
-          <a:xfrm>
-            <a:off x="3051564" y="2202527"/>
-            <a:ext cx="1736924" cy="353174"/>
-          </a:xfrm>
-          <a:prstGeom prst="rect">
-            <a:avLst/>
-          </a:prstGeom>
-          <a:noFill/>
-        </p:spPr>
-        <p:txBody>
-          <a:bodyPr wrap="none" rtlCol="0">
-            <a:spAutoFit/>
-          </a:bodyPr>
-          <a:lstStyle/>
-          <a:p>
-            <a:r>
-              <a:rPr lang="de-DE" dirty="0" smtClean="0"/>
-              <a:t>- 1 Projektleiter</a:t>
-            </a:r>
-            <a:endParaRPr lang="de-DE" dirty="0"/>
-          </a:p>
-        </p:txBody>
-      </p:sp>
-      <p:sp>
-        <p:nvSpPr>
-          <p:cNvPr id="9" name="Textfeld 8"/>
-          <p:cNvSpPr txBox="1"/>
-          <p:nvPr/>
-        </p:nvSpPr>
-        <p:spPr>
-          <a:xfrm>
-            <a:off x="3051564" y="2562567"/>
-            <a:ext cx="1519053" cy="353174"/>
-          </a:xfrm>
-          <a:prstGeom prst="rect">
-            <a:avLst/>
-          </a:prstGeom>
-          <a:noFill/>
-        </p:spPr>
-        <p:txBody>
-          <a:bodyPr wrap="none" rtlCol="0">
-            <a:spAutoFit/>
-          </a:bodyPr>
-          <a:lstStyle/>
-          <a:p>
-            <a:r>
-              <a:rPr lang="de-DE" dirty="0" smtClean="0"/>
-              <a:t>- Fähigkeiten</a:t>
-            </a:r>
-          </a:p>
-        </p:txBody>
-      </p:sp>
-      <p:sp>
-        <p:nvSpPr>
-          <p:cNvPr id="10" name="Textfeld 9"/>
-          <p:cNvSpPr txBox="1"/>
-          <p:nvPr/>
-        </p:nvSpPr>
-        <p:spPr>
-          <a:xfrm>
-            <a:off x="4677027" y="2922607"/>
-            <a:ext cx="2326278" cy="353174"/>
-          </a:xfrm>
-          <a:prstGeom prst="rect">
-            <a:avLst/>
-          </a:prstGeom>
-          <a:noFill/>
-        </p:spPr>
-        <p:txBody>
-          <a:bodyPr wrap="none" rtlCol="0">
-            <a:spAutoFit/>
-          </a:bodyPr>
-          <a:lstStyle/>
-          <a:p>
-            <a:pPr marL="285750" indent="-285750">
-              <a:buFontTx/>
-              <a:buChar char="-"/>
+            <a:pPr marL="457200" indent="-457200">
+              <a:buFont typeface="Arial" panose="020B0604020202020204" pitchFamily="34" charset="0"/>
+              <a:buChar char="•"/>
+            </a:pPr>
+            <a:r>
+              <a:rPr lang="de-DE" sz="3000" dirty="0"/>
+              <a:t>Team bestehend aus 4 </a:t>
+            </a:r>
+            <a:r>
+              <a:rPr lang="de-DE" sz="3000" dirty="0" smtClean="0"/>
+              <a:t>Informatikingenieuren</a:t>
+            </a:r>
+            <a:endParaRPr lang="de-CH" sz="3000" dirty="0" smtClean="0"/>
+          </a:p>
+          <a:p>
+            <a:pPr marL="457200" indent="-457200">
+              <a:buFont typeface="Arial" panose="020B0604020202020204" pitchFamily="34" charset="0"/>
+              <a:buChar char="•"/>
+            </a:pPr>
+            <a:r>
+              <a:rPr lang="de-DE" sz="3000" dirty="0"/>
+              <a:t>1 Projektleiter</a:t>
+            </a:r>
+            <a:endParaRPr lang="de-CH" sz="3000" dirty="0" smtClean="0"/>
+          </a:p>
+          <a:p>
+            <a:pPr marL="457200" indent="-457200">
+              <a:buFont typeface="Arial" panose="020B0604020202020204" pitchFamily="34" charset="0"/>
+              <a:buChar char="•"/>
+            </a:pPr>
+            <a:r>
+              <a:rPr lang="de-DE" sz="3000" dirty="0" smtClean="0"/>
+              <a:t>Fähigkeiten</a:t>
+            </a:r>
+          </a:p>
+          <a:p>
+            <a:pPr marL="857250" lvl="1" indent="-457200">
+              <a:buFont typeface="Arial" panose="020B0604020202020204" pitchFamily="34" charset="0"/>
+              <a:buChar char="•"/>
             </a:pPr>
             <a:r>
               <a:rPr lang="de-DE" dirty="0" smtClean="0"/>
               <a:t>Systemarchitektur</a:t>
             </a:r>
           </a:p>
-        </p:txBody>
-      </p:sp>
-      <p:sp>
-        <p:nvSpPr>
-          <p:cNvPr id="11" name="Textfeld 10"/>
-          <p:cNvSpPr txBox="1"/>
-          <p:nvPr/>
-        </p:nvSpPr>
-        <p:spPr>
-          <a:xfrm>
-            <a:off x="4680272" y="3282647"/>
-            <a:ext cx="3942105" cy="353174"/>
-          </a:xfrm>
-          <a:prstGeom prst="rect">
-            <a:avLst/>
-          </a:prstGeom>
-          <a:noFill/>
-        </p:spPr>
-        <p:txBody>
-          <a:bodyPr wrap="none" rtlCol="0">
-            <a:spAutoFit/>
-          </a:bodyPr>
-          <a:lstStyle/>
-          <a:p>
-            <a:pPr marL="285750" indent="-285750">
-              <a:buFontTx/>
-              <a:buChar char="-"/>
+          <a:p>
+            <a:pPr marL="857250" lvl="1" indent="-457200">
+              <a:buFont typeface="Arial" panose="020B0604020202020204" pitchFamily="34" charset="0"/>
+              <a:buChar char="•"/>
             </a:pPr>
             <a:r>
+              <a:rPr lang="de-DE" dirty="0"/>
+              <a:t>Objektorientierte Programmierung</a:t>
+            </a:r>
+          </a:p>
+          <a:p>
+            <a:pPr marL="857250" lvl="1" indent="-457200">
+              <a:buFont typeface="Arial" panose="020B0604020202020204" pitchFamily="34" charset="0"/>
+              <a:buChar char="•"/>
+            </a:pPr>
+            <a:r>
+              <a:rPr lang="de-DE" dirty="0"/>
+              <a:t>Objektorientiertes </a:t>
+            </a:r>
+            <a:r>
               <a:rPr lang="de-DE" dirty="0" smtClean="0"/>
-              <a:t>Objektorientierte Programmierung</a:t>
-            </a:r>
-          </a:p>
-        </p:txBody>
-      </p:sp>
-      <p:sp>
-        <p:nvSpPr>
-          <p:cNvPr id="12" name="Textfeld 11"/>
-          <p:cNvSpPr txBox="1"/>
-          <p:nvPr/>
-        </p:nvSpPr>
-        <p:spPr>
-          <a:xfrm>
-            <a:off x="4680272" y="3642687"/>
-            <a:ext cx="3057247" cy="353174"/>
-          </a:xfrm>
-          <a:prstGeom prst="rect">
-            <a:avLst/>
-          </a:prstGeom>
-          <a:noFill/>
-        </p:spPr>
-        <p:txBody>
-          <a:bodyPr wrap="none" rtlCol="0">
-            <a:spAutoFit/>
-          </a:bodyPr>
-          <a:lstStyle/>
-          <a:p>
-            <a:pPr marL="285750" indent="-285750">
-              <a:buFontTx/>
-              <a:buChar char="-"/>
+              <a:t>Design</a:t>
+            </a:r>
+          </a:p>
+          <a:p>
+            <a:pPr marL="457200" indent="-457200">
+              <a:buFont typeface="Arial" panose="020B0604020202020204" pitchFamily="34" charset="0"/>
+              <a:buChar char="•"/>
             </a:pPr>
             <a:r>
-              <a:rPr lang="de-DE" dirty="0" smtClean="0"/>
-              <a:t>Objektorientiertes Design</a:t>
-            </a:r>
-          </a:p>
-        </p:txBody>
-      </p:sp>
-      <p:sp>
-        <p:nvSpPr>
-          <p:cNvPr id="13" name="Textfeld 12"/>
-          <p:cNvSpPr txBox="1"/>
-          <p:nvPr/>
-        </p:nvSpPr>
-        <p:spPr>
-          <a:xfrm>
-            <a:off x="3096096" y="4074735"/>
-            <a:ext cx="5047588" cy="353174"/>
-          </a:xfrm>
-          <a:prstGeom prst="rect">
-            <a:avLst/>
-          </a:prstGeom>
-          <a:noFill/>
-        </p:spPr>
-        <p:txBody>
-          <a:bodyPr wrap="none" rtlCol="0">
-            <a:spAutoFit/>
-          </a:bodyPr>
-          <a:lstStyle/>
-          <a:p>
-            <a:r>
-              <a:rPr lang="de-DE" dirty="0" smtClean="0"/>
-              <a:t>- Wissen zur Entwicklung von Spielen aneignen</a:t>
-            </a:r>
-          </a:p>
-        </p:txBody>
-      </p:sp>
-      <p:sp>
-        <p:nvSpPr>
-          <p:cNvPr id="14" name="Textfeld 13"/>
-          <p:cNvSpPr txBox="1"/>
-          <p:nvPr/>
-        </p:nvSpPr>
-        <p:spPr>
-          <a:xfrm>
-            <a:off x="3096096" y="4434775"/>
-            <a:ext cx="4701565" cy="353174"/>
-          </a:xfrm>
-          <a:prstGeom prst="rect">
-            <a:avLst/>
-          </a:prstGeom>
-          <a:noFill/>
-        </p:spPr>
-        <p:txBody>
-          <a:bodyPr wrap="none" rtlCol="0">
-            <a:spAutoFit/>
-          </a:bodyPr>
-          <a:lstStyle/>
-          <a:p>
-            <a:r>
-              <a:rPr lang="de-DE" dirty="0" smtClean="0"/>
-              <a:t>- Gesamtaufwand ca. 250 Personenstunden</a:t>
-            </a:r>
+              <a:rPr lang="de-DE" sz="3000" dirty="0"/>
+              <a:t>Wissen zur Entwicklung von Spielen </a:t>
+            </a:r>
+            <a:r>
+              <a:rPr lang="de-DE" sz="3000" dirty="0" smtClean="0"/>
+              <a:t>aneignen</a:t>
+            </a:r>
+          </a:p>
+          <a:p>
+            <a:pPr marL="457200" indent="-457200">
+              <a:buFont typeface="Arial" panose="020B0604020202020204" pitchFamily="34" charset="0"/>
+              <a:buChar char="•"/>
+            </a:pPr>
+            <a:r>
+              <a:rPr lang="de-DE" sz="2800" dirty="0"/>
+              <a:t>Gesamtaufwand ca. 250 Personenstunden</a:t>
+            </a:r>
+          </a:p>
+          <a:p>
+            <a:pPr marL="457200" indent="-457200">
+              <a:buFont typeface="Arial" panose="020B0604020202020204" pitchFamily="34" charset="0"/>
+              <a:buChar char="•"/>
+            </a:pPr>
+            <a:endParaRPr lang="de-DE" sz="3000" dirty="0" smtClean="0"/>
+          </a:p>
+          <a:p>
+            <a:pPr marL="457200" indent="-457200">
+              <a:buFont typeface="Arial" panose="020B0604020202020204" pitchFamily="34" charset="0"/>
+              <a:buChar char="•"/>
+            </a:pPr>
+            <a:endParaRPr lang="de-DE" sz="3000" dirty="0"/>
+          </a:p>
+          <a:p>
+            <a:pPr marL="457200" indent="-457200">
+              <a:buFont typeface="Arial" panose="020B0604020202020204" pitchFamily="34" charset="0"/>
+              <a:buChar char="•"/>
+            </a:pPr>
+            <a:endParaRPr lang="de-DE" sz="3000" dirty="0" smtClean="0"/>
+          </a:p>
+          <a:p>
+            <a:pPr marL="857250" lvl="1" indent="-457200">
+              <a:buFont typeface="Arial" panose="020B0604020202020204" pitchFamily="34" charset="0"/>
+              <a:buChar char="•"/>
+            </a:pPr>
+            <a:endParaRPr lang="de-DE" sz="3000" dirty="0"/>
+          </a:p>
+          <a:p>
+            <a:pPr marL="857250" lvl="1" indent="-457200">
+              <a:buFont typeface="Arial" panose="020B0604020202020204" pitchFamily="34" charset="0"/>
+              <a:buChar char="•"/>
+            </a:pPr>
+            <a:endParaRPr lang="de-CH" sz="3000" dirty="0" smtClean="0"/>
+          </a:p>
+          <a:p>
+            <a:pPr marL="457200" indent="-457200">
+              <a:buFont typeface="Arial" panose="020B0604020202020204" pitchFamily="34" charset="0"/>
+              <a:buChar char="•"/>
+            </a:pPr>
+            <a:endParaRPr lang="de-CH" sz="3000" dirty="0"/>
           </a:p>
         </p:txBody>
       </p:sp>
     </p:spTree>
     <p:extLst>
       <p:ext uri="{BB962C8B-B14F-4D97-AF65-F5344CB8AC3E}">
-        <p14:creationId xmlns:p14="http://schemas.microsoft.com/office/powerpoint/2010/main" val="2876731778"/>
+        <p14:creationId xmlns:p14="http://schemas.microsoft.com/office/powerpoint/2010/main" val="1105869915"/>
       </p:ext>
     </p:extLst>
   </p:cSld>
   <p:clrMapOvr>
     <a:masterClrMapping/>
   </p:clrMapOvr>
-  <mc:AlternateContent xmlns:mc="http://schemas.openxmlformats.org/markup-compatibility/2006" xmlns:p14="http://schemas.microsoft.com/office/powerpoint/2010/main">
-    <mc:Choice Requires="p14">
-      <p:transition spd="slow" p14:dur="2000"/>
-    </mc:Choice>
-    <mc:Fallback xmlns="">
-      <p:transition xmlns:p14="http://schemas.microsoft.com/office/powerpoint/2010/main" spd="slow"/>
-    </mc:Fallback>
-  </mc:AlternateContent>
   <p:timing>
     <p:tnLst>
       <p:par>
-        <p:cTn id="1" dur="indefinite" restart="never" nodeType="tmRoot"/>
+        <p:cTn xmlns:p14="http://schemas.microsoft.com/office/powerpoint/2010/main" id="1" dur="indefinite" restart="never" nodeType="tmRoot"/>
       </p:par>
     </p:tnLst>
   </p:timing>
@@ -10812,73 +10050,293 @@
       </p:sp>
       <p:sp>
         <p:nvSpPr>
-          <p:cNvPr id="6" name="Textfeld 5"/>
-          <p:cNvSpPr txBox="1"/>
+          <p:cNvPr id="5" name="Content Placeholder 2"/>
+          <p:cNvSpPr txBox="1">
+            <a:spLocks/>
+          </p:cNvSpPr>
           <p:nvPr/>
         </p:nvSpPr>
         <p:spPr>
           <a:xfrm>
-            <a:off x="3044379" y="1847079"/>
-            <a:ext cx="5098534" cy="353174"/>
+            <a:off x="1727944" y="1768475"/>
+            <a:ext cx="7844681" cy="5539754"/>
           </a:xfrm>
           <a:prstGeom prst="rect">
             <a:avLst/>
           </a:prstGeom>
-          <a:noFill/>
         </p:spPr>
         <p:txBody>
-          <a:bodyPr wrap="none" rtlCol="0">
-            <a:spAutoFit/>
-          </a:bodyPr>
-          <a:lstStyle/>
-          <a:p>
-            <a:pPr lvl="0"/>
-            <a:r>
-              <a:rPr lang="de-DE" dirty="0" smtClean="0"/>
-              <a:t>- </a:t>
-            </a:r>
-            <a:r>
-              <a:rPr lang="de-DE" dirty="0"/>
-              <a:t>Fehlende Erfahrung in Game-Programmierung</a:t>
-            </a:r>
-          </a:p>
-        </p:txBody>
-      </p:sp>
-      <p:sp>
-        <p:nvSpPr>
-          <p:cNvPr id="7" name="Textfeld 6"/>
-          <p:cNvSpPr txBox="1"/>
-          <p:nvPr/>
-        </p:nvSpPr>
-        <p:spPr>
-          <a:xfrm>
-            <a:off x="3051564" y="2202527"/>
-            <a:ext cx="5688915" cy="353174"/>
-          </a:xfrm>
-          <a:prstGeom prst="rect">
-            <a:avLst/>
-          </a:prstGeom>
-          <a:noFill/>
-        </p:spPr>
-        <p:txBody>
-          <a:bodyPr wrap="none" rtlCol="0">
-            <a:spAutoFit/>
-          </a:bodyPr>
-          <a:lstStyle/>
-          <a:p>
-            <a:pPr lvl="0"/>
-            <a:r>
-              <a:rPr lang="de-DE" dirty="0" smtClean="0"/>
-              <a:t>- </a:t>
-            </a:r>
-            <a:r>
-              <a:rPr lang="de-DE" dirty="0" err="1"/>
-              <a:t>Grosser</a:t>
-            </a:r>
-            <a:r>
-              <a:rPr lang="de-DE" dirty="0"/>
-              <a:t> Umfang für die zur Verfügung stehende Zeit</a:t>
-            </a:r>
+          <a:bodyPr/>
+          <a:lstStyle>
+            <a:lvl1pPr marL="342900" indent="-342900" algn="l" defTabSz="449263" rtl="0" fontAlgn="base" hangingPunct="0">
+              <a:lnSpc>
+                <a:spcPct val="93000"/>
+              </a:lnSpc>
+              <a:spcBef>
+                <a:spcPct val="0"/>
+              </a:spcBef>
+              <a:spcAft>
+                <a:spcPts val="1425"/>
+              </a:spcAft>
+              <a:buClr>
+                <a:srgbClr val="000000"/>
+              </a:buClr>
+              <a:buSzPct val="100000"/>
+              <a:buFont typeface="Times New Roman" charset="0"/>
+              <a:defRPr sz="3200">
+                <a:solidFill>
+                  <a:srgbClr val="000000"/>
+                </a:solidFill>
+                <a:latin typeface="+mn-lt"/>
+                <a:ea typeface="+mn-ea"/>
+                <a:cs typeface="+mn-cs"/>
+              </a:defRPr>
+            </a:lvl1pPr>
+            <a:lvl2pPr marL="742950" indent="-285750" algn="l" defTabSz="449263" rtl="0" fontAlgn="base" hangingPunct="0">
+              <a:lnSpc>
+                <a:spcPct val="93000"/>
+              </a:lnSpc>
+              <a:spcBef>
+                <a:spcPct val="0"/>
+              </a:spcBef>
+              <a:spcAft>
+                <a:spcPts val="1138"/>
+              </a:spcAft>
+              <a:buClr>
+                <a:srgbClr val="000000"/>
+              </a:buClr>
+              <a:buSzPct val="100000"/>
+              <a:buFont typeface="Times New Roman" charset="0"/>
+              <a:defRPr sz="2800">
+                <a:solidFill>
+                  <a:srgbClr val="000000"/>
+                </a:solidFill>
+                <a:latin typeface="+mn-lt"/>
+                <a:ea typeface="+mn-ea"/>
+                <a:cs typeface="+mn-cs"/>
+              </a:defRPr>
+            </a:lvl2pPr>
+            <a:lvl3pPr marL="1143000" indent="-228600" algn="l" defTabSz="449263" rtl="0" fontAlgn="base" hangingPunct="0">
+              <a:lnSpc>
+                <a:spcPct val="93000"/>
+              </a:lnSpc>
+              <a:spcBef>
+                <a:spcPct val="0"/>
+              </a:spcBef>
+              <a:spcAft>
+                <a:spcPts val="850"/>
+              </a:spcAft>
+              <a:buClr>
+                <a:srgbClr val="000000"/>
+              </a:buClr>
+              <a:buSzPct val="100000"/>
+              <a:buFont typeface="Times New Roman" charset="0"/>
+              <a:defRPr sz="2400">
+                <a:solidFill>
+                  <a:srgbClr val="000000"/>
+                </a:solidFill>
+                <a:latin typeface="+mn-lt"/>
+                <a:ea typeface="+mn-ea"/>
+                <a:cs typeface="+mn-cs"/>
+              </a:defRPr>
+            </a:lvl3pPr>
+            <a:lvl4pPr marL="1600200" indent="-228600" algn="l" defTabSz="449263" rtl="0" fontAlgn="base" hangingPunct="0">
+              <a:lnSpc>
+                <a:spcPct val="93000"/>
+              </a:lnSpc>
+              <a:spcBef>
+                <a:spcPct val="0"/>
+              </a:spcBef>
+              <a:spcAft>
+                <a:spcPts val="575"/>
+              </a:spcAft>
+              <a:buClr>
+                <a:srgbClr val="000000"/>
+              </a:buClr>
+              <a:buSzPct val="100000"/>
+              <a:buFont typeface="Times New Roman" charset="0"/>
+              <a:defRPr sz="2000">
+                <a:solidFill>
+                  <a:srgbClr val="000000"/>
+                </a:solidFill>
+                <a:latin typeface="+mn-lt"/>
+                <a:ea typeface="+mn-ea"/>
+                <a:cs typeface="+mn-cs"/>
+              </a:defRPr>
+            </a:lvl4pPr>
+            <a:lvl5pPr marL="2057400" indent="-228600" algn="l" defTabSz="449263" rtl="0" fontAlgn="base" hangingPunct="0">
+              <a:lnSpc>
+                <a:spcPct val="93000"/>
+              </a:lnSpc>
+              <a:spcBef>
+                <a:spcPct val="0"/>
+              </a:spcBef>
+              <a:spcAft>
+                <a:spcPts val="288"/>
+              </a:spcAft>
+              <a:buClr>
+                <a:srgbClr val="000000"/>
+              </a:buClr>
+              <a:buSzPct val="100000"/>
+              <a:buFont typeface="Times New Roman" charset="0"/>
+              <a:defRPr sz="2000">
+                <a:solidFill>
+                  <a:srgbClr val="000000"/>
+                </a:solidFill>
+                <a:latin typeface="+mn-lt"/>
+                <a:ea typeface="+mn-ea"/>
+                <a:cs typeface="+mn-cs"/>
+              </a:defRPr>
+            </a:lvl5pPr>
+            <a:lvl6pPr marL="2514600" indent="-228600" algn="l" defTabSz="449263" rtl="0" fontAlgn="base" hangingPunct="0">
+              <a:lnSpc>
+                <a:spcPct val="93000"/>
+              </a:lnSpc>
+              <a:spcBef>
+                <a:spcPct val="0"/>
+              </a:spcBef>
+              <a:spcAft>
+                <a:spcPts val="288"/>
+              </a:spcAft>
+              <a:buClr>
+                <a:srgbClr val="000000"/>
+              </a:buClr>
+              <a:buSzPct val="100000"/>
+              <a:buFont typeface="Times New Roman" charset="0"/>
+              <a:defRPr sz="2000">
+                <a:solidFill>
+                  <a:srgbClr val="000000"/>
+                </a:solidFill>
+                <a:latin typeface="+mn-lt"/>
+                <a:ea typeface="+mn-ea"/>
+                <a:cs typeface="+mn-cs"/>
+              </a:defRPr>
+            </a:lvl6pPr>
+            <a:lvl7pPr marL="2971800" indent="-228600" algn="l" defTabSz="449263" rtl="0" fontAlgn="base" hangingPunct="0">
+              <a:lnSpc>
+                <a:spcPct val="93000"/>
+              </a:lnSpc>
+              <a:spcBef>
+                <a:spcPct val="0"/>
+              </a:spcBef>
+              <a:spcAft>
+                <a:spcPts val="288"/>
+              </a:spcAft>
+              <a:buClr>
+                <a:srgbClr val="000000"/>
+              </a:buClr>
+              <a:buSzPct val="100000"/>
+              <a:buFont typeface="Times New Roman" charset="0"/>
+              <a:defRPr sz="2000">
+                <a:solidFill>
+                  <a:srgbClr val="000000"/>
+                </a:solidFill>
+                <a:latin typeface="+mn-lt"/>
+                <a:ea typeface="+mn-ea"/>
+                <a:cs typeface="+mn-cs"/>
+              </a:defRPr>
+            </a:lvl7pPr>
+            <a:lvl8pPr marL="3429000" indent="-228600" algn="l" defTabSz="449263" rtl="0" fontAlgn="base" hangingPunct="0">
+              <a:lnSpc>
+                <a:spcPct val="93000"/>
+              </a:lnSpc>
+              <a:spcBef>
+                <a:spcPct val="0"/>
+              </a:spcBef>
+              <a:spcAft>
+                <a:spcPts val="288"/>
+              </a:spcAft>
+              <a:buClr>
+                <a:srgbClr val="000000"/>
+              </a:buClr>
+              <a:buSzPct val="100000"/>
+              <a:buFont typeface="Times New Roman" charset="0"/>
+              <a:defRPr sz="2000">
+                <a:solidFill>
+                  <a:srgbClr val="000000"/>
+                </a:solidFill>
+                <a:latin typeface="+mn-lt"/>
+                <a:ea typeface="+mn-ea"/>
+                <a:cs typeface="+mn-cs"/>
+              </a:defRPr>
+            </a:lvl8pPr>
+            <a:lvl9pPr marL="3886200" indent="-228600" algn="l" defTabSz="449263" rtl="0" fontAlgn="base" hangingPunct="0">
+              <a:lnSpc>
+                <a:spcPct val="93000"/>
+              </a:lnSpc>
+              <a:spcBef>
+                <a:spcPct val="0"/>
+              </a:spcBef>
+              <a:spcAft>
+                <a:spcPts val="288"/>
+              </a:spcAft>
+              <a:buClr>
+                <a:srgbClr val="000000"/>
+              </a:buClr>
+              <a:buSzPct val="100000"/>
+              <a:buFont typeface="Times New Roman" charset="0"/>
+              <a:defRPr sz="2000">
+                <a:solidFill>
+                  <a:srgbClr val="000000"/>
+                </a:solidFill>
+                <a:latin typeface="+mn-lt"/>
+                <a:ea typeface="+mn-ea"/>
+                <a:cs typeface="+mn-cs"/>
+              </a:defRPr>
+            </a:lvl9pPr>
+          </a:lstStyle>
+          <a:p>
+            <a:pPr marL="457200" indent="-457200">
+              <a:buFont typeface="Arial" panose="020B0604020202020204" pitchFamily="34" charset="0"/>
+              <a:buChar char="•"/>
+            </a:pPr>
+            <a:r>
+              <a:rPr lang="de-CH" sz="3000" dirty="0" smtClean="0"/>
+              <a:t>Fehlende Erfahrung in der Game-Programmierung</a:t>
+            </a:r>
+          </a:p>
+          <a:p>
+            <a:pPr marL="457200" lvl="0" indent="-457200">
+              <a:buFont typeface="Arial" panose="020B0604020202020204" pitchFamily="34" charset="0"/>
+              <a:buChar char="•"/>
+            </a:pPr>
+            <a:r>
+              <a:rPr lang="de-DE" sz="3000" dirty="0" smtClean="0"/>
+              <a:t>Systemvoraussetzungen nicht gegeben</a:t>
+            </a:r>
+            <a:endParaRPr lang="de-DE" sz="3000" dirty="0"/>
+          </a:p>
+          <a:p>
+            <a:pPr marL="0" indent="0"/>
+            <a:endParaRPr lang="de-DE" sz="3000" dirty="0" smtClean="0"/>
+          </a:p>
+          <a:p>
+            <a:pPr marL="457200" indent="-457200">
+              <a:buFont typeface="Arial" panose="020B0604020202020204" pitchFamily="34" charset="0"/>
+              <a:buChar char="•"/>
+            </a:pPr>
+            <a:endParaRPr lang="de-DE" sz="3000" dirty="0" smtClean="0"/>
+          </a:p>
+          <a:p>
+            <a:pPr marL="857250" lvl="1" indent="-457200">
+              <a:buFont typeface="Arial" panose="020B0604020202020204" pitchFamily="34" charset="0"/>
+              <a:buChar char="•"/>
+            </a:pPr>
+            <a:endParaRPr lang="de-DE" sz="3000" dirty="0" smtClean="0"/>
+          </a:p>
+          <a:p>
+            <a:pPr marL="857250" lvl="1" indent="-457200">
+              <a:buFont typeface="Arial" panose="020B0604020202020204" pitchFamily="34" charset="0"/>
+              <a:buChar char="•"/>
+            </a:pPr>
+            <a:endParaRPr lang="de-CH" sz="3000" dirty="0" smtClean="0"/>
+          </a:p>
+          <a:p>
+            <a:pPr marL="457200" indent="-457200">
+              <a:buFont typeface="Arial" panose="020B0604020202020204" pitchFamily="34" charset="0"/>
+              <a:buChar char="•"/>
+            </a:pPr>
+            <a:endParaRPr lang="de-CH" sz="3000" dirty="0"/>
           </a:p>
         </p:txBody>
       </p:sp>
@@ -10903,7 +10361,7 @@
   <p:timing>
     <p:tnLst>
       <p:par>
-        <p:cTn id="1" dur="indefinite" restart="never" nodeType="tmRoot"/>
+        <p:cTn xmlns:p14="http://schemas.microsoft.com/office/powerpoint/2010/main" id="1" dur="indefinite" restart="never" nodeType="tmRoot"/>
       </p:par>
     </p:tnLst>
   </p:timing>
@@ -10950,68 +10408,6 @@
           </a:p>
         </p:txBody>
       </p:sp>
-      <p:sp>
-        <p:nvSpPr>
-          <p:cNvPr id="6" name="Textfeld 5"/>
-          <p:cNvSpPr txBox="1"/>
-          <p:nvPr/>
-        </p:nvSpPr>
-        <p:spPr>
-          <a:xfrm>
-            <a:off x="3044379" y="1847079"/>
-            <a:ext cx="4286112" cy="353174"/>
-          </a:xfrm>
-          <a:prstGeom prst="rect">
-            <a:avLst/>
-          </a:prstGeom>
-          <a:noFill/>
-        </p:spPr>
-        <p:txBody>
-          <a:bodyPr wrap="none" rtlCol="0">
-            <a:spAutoFit/>
-          </a:bodyPr>
-          <a:lstStyle/>
-          <a:p>
-            <a:pPr lvl="0"/>
-            <a:r>
-              <a:rPr lang="de-DE" dirty="0" smtClean="0"/>
-              <a:t>- Gesamtdauer des Projekts 14 Wochen</a:t>
-            </a:r>
-            <a:endParaRPr lang="de-DE" dirty="0"/>
-          </a:p>
-        </p:txBody>
-      </p:sp>
-      <p:sp>
-        <p:nvSpPr>
-          <p:cNvPr id="7" name="Textfeld 6"/>
-          <p:cNvSpPr txBox="1"/>
-          <p:nvPr/>
-        </p:nvSpPr>
-        <p:spPr>
-          <a:xfrm>
-            <a:off x="3051564" y="2202527"/>
-            <a:ext cx="3657634" cy="353174"/>
-          </a:xfrm>
-          <a:prstGeom prst="rect">
-            <a:avLst/>
-          </a:prstGeom>
-          <a:noFill/>
-        </p:spPr>
-        <p:txBody>
-          <a:bodyPr wrap="none" rtlCol="0">
-            <a:spAutoFit/>
-          </a:bodyPr>
-          <a:lstStyle/>
-          <a:p>
-            <a:pPr lvl="0"/>
-            <a:r>
-              <a:rPr lang="de-DE" dirty="0" smtClean="0"/>
-              <a:t>- Iterationsdauer von einer Woche</a:t>
-            </a:r>
-            <a:endParaRPr lang="de-DE" dirty="0"/>
-          </a:p>
-        </p:txBody>
-      </p:sp>
       <p:graphicFrame>
         <p:nvGraphicFramePr>
           <p:cNvPr id="3" name="Table 2"/>
@@ -11021,14 +10417,14 @@
           <p:nvPr>
             <p:extLst>
               <p:ext uri="{D42A27DB-BD31-4B8C-83A1-F6EECF244321}">
-                <p14:modId xmlns:p14="http://schemas.microsoft.com/office/powerpoint/2010/main" val="436540243"/>
+                <p14:modId xmlns:p14="http://schemas.microsoft.com/office/powerpoint/2010/main" val="3624303684"/>
               </p:ext>
             </p:extLst>
           </p:nvPr>
         </p:nvGraphicFramePr>
         <p:xfrm>
-          <a:off x="2520032" y="2699717"/>
-          <a:ext cx="6879072" cy="4608511"/>
+          <a:off x="2159993" y="1691604"/>
+          <a:ext cx="7488831" cy="5616622"/>
         </p:xfrm>
         <a:graphic>
           <a:graphicData uri="http://schemas.openxmlformats.org/drawingml/2006/table">
@@ -11037,12 +10433,12 @@
                 <a:tableStyleId>{D27102A9-8310-4765-A935-A1911B00CA55}</a:tableStyleId>
               </a:tblPr>
               <a:tblGrid>
-                <a:gridCol w="1037273"/>
-                <a:gridCol w="1045461"/>
-                <a:gridCol w="1277330"/>
-                <a:gridCol w="3519008"/>
+                <a:gridCol w="1224135"/>
+                <a:gridCol w="1043212"/>
+                <a:gridCol w="1390552"/>
+                <a:gridCol w="3830932"/>
               </a:tblGrid>
-              <a:tr h="393518">
+              <a:tr h="479601">
                 <a:tc>
                   <a:txBody>
                     <a:bodyPr/>
@@ -11054,12 +10450,12 @@
                         </a:spcAft>
                       </a:pPr>
                       <a:r>
-                        <a:rPr lang="de-DE" sz="1100" dirty="0">
+                        <a:rPr lang="de-DE" sz="1300" dirty="0">
                           <a:effectLst/>
                         </a:rPr>
                         <a:t>Phase</a:t>
                       </a:r>
-                      <a:endParaRPr lang="de-CH" sz="1200" dirty="0">
+                      <a:endParaRPr lang="de-CH" sz="1300" dirty="0">
                         <a:solidFill>
                           <a:srgbClr val="365F91"/>
                         </a:solidFill>
@@ -11077,18 +10473,18 @@
                     <a:bodyPr/>
                     <a:lstStyle/>
                     <a:p>
-                      <a:pPr indent="327660" algn="l">
+                      <a:pPr indent="0" algn="l">
                         <a:spcAft>
                           <a:spcPts val="0"/>
                         </a:spcAft>
                       </a:pPr>
                       <a:r>
-                        <a:rPr lang="de-DE" sz="1100" dirty="0">
+                        <a:rPr lang="de-DE" sz="1300" dirty="0" smtClean="0">
                           <a:effectLst/>
                         </a:rPr>
                         <a:t>Iteration</a:t>
                       </a:r>
-                      <a:endParaRPr lang="de-CH" sz="1200" dirty="0">
+                      <a:endParaRPr lang="de-CH" sz="1300" dirty="0">
                         <a:solidFill>
                           <a:srgbClr val="365F91"/>
                         </a:solidFill>
@@ -11106,18 +10502,18 @@
                     <a:bodyPr/>
                     <a:lstStyle/>
                     <a:p>
-                      <a:pPr indent="327660" algn="l">
+                      <a:pPr indent="0" algn="l">
                         <a:spcAft>
                           <a:spcPts val="0"/>
                         </a:spcAft>
                       </a:pPr>
                       <a:r>
-                        <a:rPr lang="de-DE" sz="1100" dirty="0">
+                        <a:rPr lang="de-DE" sz="1300" dirty="0">
                           <a:effectLst/>
                         </a:rPr>
                         <a:t>Meilenstein</a:t>
                       </a:r>
-                      <a:endParaRPr lang="de-CH" sz="1200" dirty="0">
+                      <a:endParaRPr lang="de-CH" sz="1300" dirty="0">
                         <a:solidFill>
                           <a:srgbClr val="365F91"/>
                         </a:solidFill>
@@ -11141,12 +10537,12 @@
                         </a:spcAft>
                       </a:pPr>
                       <a:r>
-                        <a:rPr lang="de-DE" sz="1100" dirty="0">
+                        <a:rPr lang="de-DE" sz="1300" dirty="0">
                           <a:effectLst/>
                         </a:rPr>
                         <a:t>Ziel</a:t>
                       </a:r>
-                      <a:endParaRPr lang="de-CH" sz="1200" dirty="0">
+                      <a:endParaRPr lang="de-CH" sz="1300" dirty="0">
                         <a:solidFill>
                           <a:srgbClr val="365F91"/>
                         </a:solidFill>
@@ -11160,7 +10556,7 @@
                   <a:tcPr marL="68580" marR="68580" marT="0" marB="0"/>
                 </a:tc>
               </a:tr>
-              <a:tr h="351249">
+              <a:tr h="428084">
                 <a:tc>
                   <a:txBody>
                     <a:bodyPr/>
@@ -11172,12 +10568,12 @@
                         </a:spcAft>
                       </a:pPr>
                       <a:r>
-                        <a:rPr lang="de-DE" sz="1100">
+                        <a:rPr lang="de-DE" sz="1300">
                           <a:effectLst/>
                         </a:rPr>
                         <a:t>Inception</a:t>
                       </a:r>
-                      <a:endParaRPr lang="de-CH" sz="1200">
+                      <a:endParaRPr lang="de-CH" sz="1300">
                         <a:solidFill>
                           <a:srgbClr val="365F91"/>
                         </a:solidFill>
@@ -11201,12 +10597,12 @@
                         </a:spcAft>
                       </a:pPr>
                       <a:r>
-                        <a:rPr lang="de-DE" sz="1100">
+                        <a:rPr lang="de-DE" sz="1300" dirty="0">
                           <a:effectLst/>
                         </a:rPr>
                         <a:t>1</a:t>
                       </a:r>
-                      <a:endParaRPr lang="de-CH" sz="1200">
+                      <a:endParaRPr lang="de-CH" sz="1300" dirty="0">
                         <a:solidFill>
                           <a:srgbClr val="365F91"/>
                         </a:solidFill>
@@ -11230,12 +10626,12 @@
                         </a:spcAft>
                       </a:pPr>
                       <a:r>
-                        <a:rPr lang="de-DE" sz="1100">
+                        <a:rPr lang="de-DE" sz="1300">
                           <a:effectLst/>
                         </a:rPr>
                         <a:t> </a:t>
                       </a:r>
-                      <a:endParaRPr lang="de-CH" sz="1200">
+                      <a:endParaRPr lang="de-CH" sz="1300">
                         <a:solidFill>
                           <a:srgbClr val="365F91"/>
                         </a:solidFill>
@@ -11259,12 +10655,12 @@
                         </a:spcAft>
                       </a:pPr>
                       <a:r>
-                        <a:rPr lang="de-DE" sz="1100">
+                        <a:rPr lang="de-DE" sz="1300">
                           <a:effectLst/>
                         </a:rPr>
                         <a:t>Gruppenbildung, Themeneruierung, Wahl des PL</a:t>
                       </a:r>
-                      <a:endParaRPr lang="de-CH" sz="1200">
+                      <a:endParaRPr lang="de-CH" sz="1300">
                         <a:solidFill>
                           <a:srgbClr val="365F91"/>
                         </a:solidFill>
@@ -11278,7 +10674,7 @@
                   <a:tcPr marL="68580" marR="68580" marT="0" marB="0"/>
                 </a:tc>
               </a:tr>
-              <a:tr h="351249">
+              <a:tr h="428084">
                 <a:tc>
                   <a:txBody>
                     <a:bodyPr/>
@@ -11290,12 +10686,12 @@
                         </a:spcAft>
                       </a:pPr>
                       <a:r>
-                        <a:rPr lang="de-DE" sz="1100">
+                        <a:rPr lang="de-DE" sz="1300">
                           <a:effectLst/>
                         </a:rPr>
                         <a:t> </a:t>
                       </a:r>
-                      <a:endParaRPr lang="de-CH" sz="1200">
+                      <a:endParaRPr lang="de-CH" sz="1300">
                         <a:solidFill>
                           <a:srgbClr val="365F91"/>
                         </a:solidFill>
@@ -11319,12 +10715,12 @@
                         </a:spcAft>
                       </a:pPr>
                       <a:r>
-                        <a:rPr lang="de-DE" sz="1100">
+                        <a:rPr lang="de-DE" sz="1300">
                           <a:effectLst/>
                         </a:rPr>
                         <a:t>2</a:t>
                       </a:r>
-                      <a:endParaRPr lang="de-CH" sz="1200">
+                      <a:endParaRPr lang="de-CH" sz="1300">
                         <a:solidFill>
                           <a:srgbClr val="365F91"/>
                         </a:solidFill>
@@ -11348,12 +10744,12 @@
                         </a:spcAft>
                       </a:pPr>
                       <a:r>
-                        <a:rPr lang="de-DE" sz="1100">
+                        <a:rPr lang="de-DE" sz="1300" dirty="0" smtClean="0">
                           <a:effectLst/>
                         </a:rPr>
-                        <a:t>01.10.2012</a:t>
+                        <a:t>02.10.2012</a:t>
                       </a:r>
-                      <a:endParaRPr lang="de-CH" sz="1200">
+                      <a:endParaRPr lang="de-CH" sz="1300" dirty="0">
                         <a:solidFill>
                           <a:srgbClr val="365F91"/>
                         </a:solidFill>
@@ -11377,12 +10773,12 @@
                         </a:spcAft>
                       </a:pPr>
                       <a:r>
-                        <a:rPr lang="de-DE" sz="1100">
+                        <a:rPr lang="de-DE" sz="1300">
                           <a:effectLst/>
                         </a:rPr>
                         <a:t>Projektskizze erstellt,  Präsentation erstellt</a:t>
                       </a:r>
-                      <a:endParaRPr lang="de-CH" sz="1200">
+                      <a:endParaRPr lang="de-CH" sz="1300">
                         <a:solidFill>
                           <a:srgbClr val="365F91"/>
                         </a:solidFill>
@@ -11396,7 +10792,7 @@
                   <a:tcPr marL="68580" marR="68580" marT="0" marB="0"/>
                 </a:tc>
               </a:tr>
-              <a:tr h="526874">
+              <a:tr h="642128">
                 <a:tc>
                   <a:txBody>
                     <a:bodyPr/>
@@ -11408,12 +10804,12 @@
                         </a:spcAft>
                       </a:pPr>
                       <a:r>
-                        <a:rPr lang="de-DE" sz="1100">
+                        <a:rPr lang="de-DE" sz="1300">
                           <a:effectLst/>
                         </a:rPr>
                         <a:t>Elaboration</a:t>
                       </a:r>
-                      <a:endParaRPr lang="de-CH" sz="1200">
+                      <a:endParaRPr lang="de-CH" sz="1300">
                         <a:solidFill>
                           <a:srgbClr val="365F91"/>
                         </a:solidFill>
@@ -11437,12 +10833,12 @@
                         </a:spcAft>
                       </a:pPr>
                       <a:r>
-                        <a:rPr lang="de-DE" sz="1100">
+                        <a:rPr lang="de-DE" sz="1300" dirty="0">
                           <a:effectLst/>
                         </a:rPr>
                         <a:t>3</a:t>
                       </a:r>
-                      <a:endParaRPr lang="de-CH" sz="1200">
+                      <a:endParaRPr lang="de-CH" sz="1300" dirty="0">
                         <a:solidFill>
                           <a:srgbClr val="365F91"/>
                         </a:solidFill>
@@ -11466,12 +10862,12 @@
                         </a:spcAft>
                       </a:pPr>
                       <a:r>
-                        <a:rPr lang="de-DE" sz="1100">
+                        <a:rPr lang="de-DE" sz="1300">
                           <a:effectLst/>
                         </a:rPr>
                         <a:t> </a:t>
                       </a:r>
-                      <a:endParaRPr lang="de-CH" sz="1200">
+                      <a:endParaRPr lang="de-CH" sz="1300">
                         <a:solidFill>
                           <a:srgbClr val="365F91"/>
                         </a:solidFill>
@@ -11495,12 +10891,12 @@
                         </a:spcAft>
                       </a:pPr>
                       <a:r>
-                        <a:rPr lang="de-DE" sz="1100">
+                        <a:rPr lang="de-DE" sz="1300">
                           <a:effectLst/>
                         </a:rPr>
                         <a:t>50 % der Anwendungsfälle detailliert ausformuliert, Rest identifiziert und priorisiert</a:t>
                       </a:r>
-                      <a:endParaRPr lang="de-CH" sz="1200">
+                      <a:endParaRPr lang="de-CH" sz="1300">
                         <a:solidFill>
                           <a:srgbClr val="365F91"/>
                         </a:solidFill>
@@ -11514,7 +10910,7 @@
                   <a:tcPr marL="68580" marR="68580" marT="0" marB="0"/>
                 </a:tc>
               </a:tr>
-              <a:tr h="878124">
+              <a:tr h="1070214">
                 <a:tc>
                   <a:txBody>
                     <a:bodyPr/>
@@ -11526,12 +10922,12 @@
                         </a:spcAft>
                       </a:pPr>
                       <a:r>
-                        <a:rPr lang="de-DE" sz="1100">
+                        <a:rPr lang="de-DE" sz="1300">
                           <a:effectLst/>
                         </a:rPr>
                         <a:t> </a:t>
                       </a:r>
-                      <a:endParaRPr lang="de-CH" sz="1200">
+                      <a:endParaRPr lang="de-CH" sz="1300">
                         <a:solidFill>
                           <a:srgbClr val="365F91"/>
                         </a:solidFill>
@@ -11555,12 +10951,12 @@
                         </a:spcAft>
                       </a:pPr>
                       <a:r>
-                        <a:rPr lang="de-DE" sz="1100">
+                        <a:rPr lang="de-DE" sz="1300">
                           <a:effectLst/>
                         </a:rPr>
                         <a:t>4</a:t>
                       </a:r>
-                      <a:endParaRPr lang="de-CH" sz="1200">
+                      <a:endParaRPr lang="de-CH" sz="1300">
                         <a:solidFill>
                           <a:srgbClr val="365F91"/>
                         </a:solidFill>
@@ -11584,12 +10980,12 @@
                         </a:spcAft>
                       </a:pPr>
                       <a:r>
-                        <a:rPr lang="de-DE" sz="1100">
+                        <a:rPr lang="de-DE" sz="1300">
                           <a:effectLst/>
                         </a:rPr>
                         <a:t> </a:t>
                       </a:r>
-                      <a:endParaRPr lang="de-CH" sz="1200">
+                      <a:endParaRPr lang="de-CH" sz="1300">
                         <a:solidFill>
                           <a:srgbClr val="365F91"/>
                         </a:solidFill>
@@ -11613,12 +11009,12 @@
                         </a:spcAft>
                       </a:pPr>
                       <a:r>
-                        <a:rPr lang="de-DE" sz="1100">
+                        <a:rPr lang="de-DE" sz="1300">
                           <a:effectLst/>
                         </a:rPr>
                         <a:t>80 % der Anwendungsfälle detailliert ausformuliert, eine erste Architektur wurde erstellt,</a:t>
                       </a:r>
-                      <a:endParaRPr lang="de-CH" sz="1200">
+                      <a:endParaRPr lang="de-CH" sz="1300">
                         <a:effectLst/>
                       </a:endParaRPr>
                     </a:p>
@@ -11629,12 +11025,12 @@
                         </a:spcAft>
                       </a:pPr>
                       <a:r>
-                        <a:rPr lang="de-DE" sz="1100">
+                        <a:rPr lang="de-DE" sz="1300">
                           <a:effectLst/>
                         </a:rPr>
                         <a:t>Zusätzliche Spezifikationen definiert, Anwendungsfalldiagramm erstellt</a:t>
                       </a:r>
-                      <a:endParaRPr lang="de-CH" sz="1200">
+                      <a:endParaRPr lang="de-CH" sz="1300">
                         <a:solidFill>
                           <a:srgbClr val="365F91"/>
                         </a:solidFill>
@@ -11648,7 +11044,7 @@
                   <a:tcPr marL="68580" marR="68580" marT="0" marB="0"/>
                 </a:tc>
               </a:tr>
-              <a:tr h="526874">
+              <a:tr h="642128">
                 <a:tc>
                   <a:txBody>
                     <a:bodyPr/>
@@ -11660,12 +11056,12 @@
                         </a:spcAft>
                       </a:pPr>
                       <a:r>
-                        <a:rPr lang="de-DE" sz="1100">
+                        <a:rPr lang="de-DE" sz="1300">
                           <a:effectLst/>
                         </a:rPr>
                         <a:t> </a:t>
                       </a:r>
-                      <a:endParaRPr lang="de-CH" sz="1200">
+                      <a:endParaRPr lang="de-CH" sz="1300">
                         <a:solidFill>
                           <a:srgbClr val="365F91"/>
                         </a:solidFill>
@@ -11689,12 +11085,12 @@
                         </a:spcAft>
                       </a:pPr>
                       <a:r>
-                        <a:rPr lang="de-DE" sz="1100">
+                        <a:rPr lang="de-DE" sz="1300">
                           <a:effectLst/>
                         </a:rPr>
                         <a:t>5</a:t>
                       </a:r>
-                      <a:endParaRPr lang="de-CH" sz="1200">
+                      <a:endParaRPr lang="de-CH" sz="1300">
                         <a:solidFill>
                           <a:srgbClr val="365F91"/>
                         </a:solidFill>
@@ -11718,12 +11114,12 @@
                         </a:spcAft>
                       </a:pPr>
                       <a:r>
-                        <a:rPr lang="de-DE" sz="1100">
+                        <a:rPr lang="de-DE" sz="1300">
                           <a:effectLst/>
                         </a:rPr>
                         <a:t>23.10.2012</a:t>
                       </a:r>
-                      <a:endParaRPr lang="de-CH" sz="1200">
+                      <a:endParaRPr lang="de-CH" sz="1300">
                         <a:solidFill>
                           <a:srgbClr val="365F91"/>
                         </a:solidFill>
@@ -11747,12 +11143,12 @@
                         </a:spcAft>
                       </a:pPr>
                       <a:r>
-                        <a:rPr lang="de-DE" sz="1100">
+                        <a:rPr lang="de-DE" sz="1300" dirty="0">
                           <a:effectLst/>
                         </a:rPr>
                         <a:t>System-Sequenzdiagramm und Systemverträge Domänenmodell und Glossar erstellt</a:t>
                       </a:r>
-                      <a:endParaRPr lang="de-CH" sz="1200">
+                      <a:endParaRPr lang="de-CH" sz="1300" dirty="0">
                         <a:solidFill>
                           <a:srgbClr val="365F91"/>
                         </a:solidFill>
@@ -11766,7 +11162,7 @@
                   <a:tcPr marL="68580" marR="68580" marT="0" marB="0"/>
                 </a:tc>
               </a:tr>
-              <a:tr h="351249">
+              <a:tr h="428084">
                 <a:tc>
                   <a:txBody>
                     <a:bodyPr/>
@@ -11778,12 +11174,12 @@
                         </a:spcAft>
                       </a:pPr>
                       <a:r>
-                        <a:rPr lang="de-DE" sz="1100">
+                        <a:rPr lang="de-DE" sz="1300">
                           <a:effectLst/>
                         </a:rPr>
                         <a:t>Construction</a:t>
                       </a:r>
-                      <a:endParaRPr lang="de-CH" sz="1200">
+                      <a:endParaRPr lang="de-CH" sz="1300">
                         <a:solidFill>
                           <a:srgbClr val="365F91"/>
                         </a:solidFill>
@@ -11807,12 +11203,12 @@
                         </a:spcAft>
                       </a:pPr>
                       <a:r>
-                        <a:rPr lang="de-DE" sz="1100">
+                        <a:rPr lang="de-DE" sz="1300">
                           <a:effectLst/>
                         </a:rPr>
                         <a:t>6</a:t>
                       </a:r>
-                      <a:endParaRPr lang="de-CH" sz="1200">
+                      <a:endParaRPr lang="de-CH" sz="1300">
                         <a:solidFill>
                           <a:srgbClr val="365F91"/>
                         </a:solidFill>
@@ -11836,12 +11232,12 @@
                         </a:spcAft>
                       </a:pPr>
                       <a:r>
-                        <a:rPr lang="de-DE" sz="1100">
+                        <a:rPr lang="de-DE" sz="1300">
                           <a:effectLst/>
                         </a:rPr>
                         <a:t> </a:t>
                       </a:r>
-                      <a:endParaRPr lang="de-CH" sz="1200">
+                      <a:endParaRPr lang="de-CH" sz="1300">
                         <a:solidFill>
                           <a:srgbClr val="365F91"/>
                         </a:solidFill>
@@ -11865,12 +11261,12 @@
                         </a:spcAft>
                       </a:pPr>
                       <a:r>
-                        <a:rPr lang="de-DE" sz="1100">
+                        <a:rPr lang="de-DE" sz="1300">
                           <a:effectLst/>
                         </a:rPr>
                         <a:t>20 % der UCs realisiert und getestet, UI Prototyp</a:t>
                       </a:r>
-                      <a:endParaRPr lang="de-CH" sz="1200">
+                      <a:endParaRPr lang="de-CH" sz="1300">
                         <a:solidFill>
                           <a:srgbClr val="365F91"/>
                         </a:solidFill>
@@ -11884,7 +11280,7 @@
                   <a:tcPr marL="68580" marR="68580" marT="0" marB="0"/>
                 </a:tc>
               </a:tr>
-              <a:tr h="175625">
+              <a:tr h="214043">
                 <a:tc>
                   <a:txBody>
                     <a:bodyPr/>
@@ -11896,12 +11292,12 @@
                         </a:spcAft>
                       </a:pPr>
                       <a:r>
-                        <a:rPr lang="de-DE" sz="1100">
+                        <a:rPr lang="de-DE" sz="1300">
                           <a:effectLst/>
                         </a:rPr>
                         <a:t> </a:t>
                       </a:r>
-                      <a:endParaRPr lang="de-CH" sz="1200">
+                      <a:endParaRPr lang="de-CH" sz="1300">
                         <a:solidFill>
                           <a:srgbClr val="365F91"/>
                         </a:solidFill>
@@ -11925,12 +11321,12 @@
                         </a:spcAft>
                       </a:pPr>
                       <a:r>
-                        <a:rPr lang="de-DE" sz="1100">
+                        <a:rPr lang="de-DE" sz="1300">
                           <a:effectLst/>
                         </a:rPr>
                         <a:t>7</a:t>
                       </a:r>
-                      <a:endParaRPr lang="de-CH" sz="1200">
+                      <a:endParaRPr lang="de-CH" sz="1300">
                         <a:solidFill>
                           <a:srgbClr val="365F91"/>
                         </a:solidFill>
@@ -11954,12 +11350,12 @@
                         </a:spcAft>
                       </a:pPr>
                       <a:r>
-                        <a:rPr lang="de-DE" sz="1100">
+                        <a:rPr lang="de-DE" sz="1300">
                           <a:effectLst/>
                         </a:rPr>
                         <a:t> </a:t>
                       </a:r>
-                      <a:endParaRPr lang="de-CH" sz="1200">
+                      <a:endParaRPr lang="de-CH" sz="1300">
                         <a:solidFill>
                           <a:srgbClr val="365F91"/>
                         </a:solidFill>
@@ -11983,12 +11379,12 @@
                         </a:spcAft>
                       </a:pPr>
                       <a:r>
-                        <a:rPr lang="de-DE" sz="1100">
+                        <a:rPr lang="de-DE" sz="1300">
                           <a:effectLst/>
                         </a:rPr>
                         <a:t>40 % der UCs realisiert und getestet</a:t>
                       </a:r>
-                      <a:endParaRPr lang="de-CH" sz="1200">
+                      <a:endParaRPr lang="de-CH" sz="1300">
                         <a:solidFill>
                           <a:srgbClr val="365F91"/>
                         </a:solidFill>
@@ -12002,7 +11398,7 @@
                   <a:tcPr marL="68580" marR="68580" marT="0" marB="0"/>
                 </a:tc>
               </a:tr>
-              <a:tr h="175625">
+              <a:tr h="214043">
                 <a:tc>
                   <a:txBody>
                     <a:bodyPr/>
@@ -12014,12 +11410,12 @@
                         </a:spcAft>
                       </a:pPr>
                       <a:r>
-                        <a:rPr lang="de-DE" sz="1100">
+                        <a:rPr lang="de-DE" sz="1300">
                           <a:effectLst/>
                         </a:rPr>
                         <a:t> </a:t>
                       </a:r>
-                      <a:endParaRPr lang="de-CH" sz="1200">
+                      <a:endParaRPr lang="de-CH" sz="1300">
                         <a:solidFill>
                           <a:srgbClr val="365F91"/>
                         </a:solidFill>
@@ -12043,12 +11439,12 @@
                         </a:spcAft>
                       </a:pPr>
                       <a:r>
-                        <a:rPr lang="de-DE" sz="1100">
+                        <a:rPr lang="de-DE" sz="1300">
                           <a:effectLst/>
                         </a:rPr>
                         <a:t>8</a:t>
                       </a:r>
-                      <a:endParaRPr lang="de-CH" sz="1200">
+                      <a:endParaRPr lang="de-CH" sz="1300">
                         <a:solidFill>
                           <a:srgbClr val="365F91"/>
                         </a:solidFill>
@@ -12072,12 +11468,12 @@
                         </a:spcAft>
                       </a:pPr>
                       <a:r>
-                        <a:rPr lang="de-DE" sz="1100">
+                        <a:rPr lang="de-DE" sz="1300">
                           <a:effectLst/>
                         </a:rPr>
                         <a:t>13.11.2012</a:t>
                       </a:r>
-                      <a:endParaRPr lang="de-CH" sz="1200">
+                      <a:endParaRPr lang="de-CH" sz="1300">
                         <a:solidFill>
                           <a:srgbClr val="365F91"/>
                         </a:solidFill>
@@ -12101,12 +11497,12 @@
                         </a:spcAft>
                       </a:pPr>
                       <a:r>
-                        <a:rPr lang="de-DE" sz="1100">
+                        <a:rPr lang="de-DE" sz="1300">
                           <a:effectLst/>
                         </a:rPr>
                         <a:t>70 % der UCs realisiert und getestet</a:t>
                       </a:r>
-                      <a:endParaRPr lang="de-CH" sz="1200">
+                      <a:endParaRPr lang="de-CH" sz="1300">
                         <a:solidFill>
                           <a:srgbClr val="365F91"/>
                         </a:solidFill>
@@ -12120,7 +11516,7 @@
                   <a:tcPr marL="68580" marR="68580" marT="0" marB="0"/>
                 </a:tc>
               </a:tr>
-              <a:tr h="175625">
+              <a:tr h="214043">
                 <a:tc>
                   <a:txBody>
                     <a:bodyPr/>
@@ -12132,12 +11528,12 @@
                         </a:spcAft>
                       </a:pPr>
                       <a:r>
-                        <a:rPr lang="de-DE" sz="1100">
+                        <a:rPr lang="de-DE" sz="1300">
                           <a:effectLst/>
                         </a:rPr>
                         <a:t> </a:t>
                       </a:r>
-                      <a:endParaRPr lang="de-CH" sz="1200">
+                      <a:endParaRPr lang="de-CH" sz="1300">
                         <a:solidFill>
                           <a:srgbClr val="365F91"/>
                         </a:solidFill>
@@ -12161,12 +11557,12 @@
                         </a:spcAft>
                       </a:pPr>
                       <a:r>
-                        <a:rPr lang="de-DE" sz="1100">
+                        <a:rPr lang="de-DE" sz="1300">
                           <a:effectLst/>
                         </a:rPr>
                         <a:t>9</a:t>
                       </a:r>
-                      <a:endParaRPr lang="de-CH" sz="1200">
+                      <a:endParaRPr lang="de-CH" sz="1300">
                         <a:solidFill>
                           <a:srgbClr val="365F91"/>
                         </a:solidFill>
@@ -12190,12 +11586,12 @@
                         </a:spcAft>
                       </a:pPr>
                       <a:r>
-                        <a:rPr lang="de-DE" sz="1100">
+                        <a:rPr lang="de-DE" sz="1300">
                           <a:effectLst/>
                         </a:rPr>
                         <a:t> </a:t>
                       </a:r>
-                      <a:endParaRPr lang="de-CH" sz="1200">
+                      <a:endParaRPr lang="de-CH" sz="1300">
                         <a:solidFill>
                           <a:srgbClr val="365F91"/>
                         </a:solidFill>
@@ -12219,12 +11615,12 @@
                         </a:spcAft>
                       </a:pPr>
                       <a:r>
-                        <a:rPr lang="de-DE" sz="1100">
+                        <a:rPr lang="de-DE" sz="1300">
                           <a:effectLst/>
                         </a:rPr>
                         <a:t>85 % der UCs realisiert und getestet</a:t>
                       </a:r>
-                      <a:endParaRPr lang="de-CH" sz="1200">
+                      <a:endParaRPr lang="de-CH" sz="1300">
                         <a:solidFill>
                           <a:srgbClr val="365F91"/>
                         </a:solidFill>
@@ -12238,7 +11634,7 @@
                   <a:tcPr marL="68580" marR="68580" marT="0" marB="0"/>
                 </a:tc>
               </a:tr>
-              <a:tr h="351249">
+              <a:tr h="428084">
                 <a:tc>
                   <a:txBody>
                     <a:bodyPr/>
@@ -12250,12 +11646,12 @@
                         </a:spcAft>
                       </a:pPr>
                       <a:r>
-                        <a:rPr lang="de-DE" sz="1100">
+                        <a:rPr lang="de-DE" sz="1300">
                           <a:effectLst/>
                         </a:rPr>
                         <a:t> </a:t>
                       </a:r>
-                      <a:endParaRPr lang="de-CH" sz="1200">
+                      <a:endParaRPr lang="de-CH" sz="1300">
                         <a:solidFill>
                           <a:srgbClr val="365F91"/>
                         </a:solidFill>
@@ -12279,12 +11675,12 @@
                         </a:spcAft>
                       </a:pPr>
                       <a:r>
-                        <a:rPr lang="de-DE" sz="1100">
+                        <a:rPr lang="de-DE" sz="1300">
                           <a:effectLst/>
                         </a:rPr>
                         <a:t>10</a:t>
                       </a:r>
-                      <a:endParaRPr lang="de-CH" sz="1200">
+                      <a:endParaRPr lang="de-CH" sz="1300">
                         <a:solidFill>
                           <a:srgbClr val="365F91"/>
                         </a:solidFill>
@@ -12308,12 +11704,12 @@
                         </a:spcAft>
                       </a:pPr>
                       <a:r>
-                        <a:rPr lang="de-DE" sz="1100">
+                        <a:rPr lang="de-DE" sz="1300" dirty="0">
                           <a:effectLst/>
                         </a:rPr>
                         <a:t> </a:t>
                       </a:r>
-                      <a:endParaRPr lang="de-CH" sz="1200">
+                      <a:endParaRPr lang="de-CH" sz="1300" dirty="0">
                         <a:solidFill>
                           <a:srgbClr val="365F91"/>
                         </a:solidFill>
@@ -12337,12 +11733,12 @@
                         </a:spcAft>
                       </a:pPr>
                       <a:r>
-                        <a:rPr lang="de-DE" sz="1100">
+                        <a:rPr lang="de-DE" sz="1300">
                           <a:effectLst/>
                         </a:rPr>
                         <a:t>100 % der UCs realisiert und getestet, UI fertig</a:t>
                       </a:r>
-                      <a:endParaRPr lang="de-CH" sz="1200">
+                      <a:endParaRPr lang="de-CH" sz="1300">
                         <a:solidFill>
                           <a:srgbClr val="365F91"/>
                         </a:solidFill>
@@ -12356,7 +11752,7 @@
                   <a:tcPr marL="68580" marR="68580" marT="0" marB="0"/>
                 </a:tc>
               </a:tr>
-              <a:tr h="175625">
+              <a:tr h="214043">
                 <a:tc>
                   <a:txBody>
                     <a:bodyPr/>
@@ -12368,12 +11764,12 @@
                         </a:spcAft>
                       </a:pPr>
                       <a:r>
-                        <a:rPr lang="de-DE" sz="1100">
+                        <a:rPr lang="de-DE" sz="1300">
                           <a:effectLst/>
                         </a:rPr>
                         <a:t>Transition</a:t>
                       </a:r>
-                      <a:endParaRPr lang="de-CH" sz="1200">
+                      <a:endParaRPr lang="de-CH" sz="1300">
                         <a:solidFill>
                           <a:srgbClr val="365F91"/>
                         </a:solidFill>
@@ -12397,12 +11793,12 @@
                         </a:spcAft>
                       </a:pPr>
                       <a:r>
-                        <a:rPr lang="de-DE" sz="1100">
+                        <a:rPr lang="de-DE" sz="1300">
                           <a:effectLst/>
                         </a:rPr>
                         <a:t>11</a:t>
                       </a:r>
-                      <a:endParaRPr lang="de-CH" sz="1200">
+                      <a:endParaRPr lang="de-CH" sz="1300">
                         <a:solidFill>
                           <a:srgbClr val="365F91"/>
                         </a:solidFill>
@@ -12426,12 +11822,12 @@
                         </a:spcAft>
                       </a:pPr>
                       <a:r>
-                        <a:rPr lang="de-DE" sz="1100">
+                        <a:rPr lang="de-DE" sz="1300" dirty="0">
                           <a:effectLst/>
                         </a:rPr>
                         <a:t> </a:t>
                       </a:r>
-                      <a:endParaRPr lang="de-CH" sz="1200">
+                      <a:endParaRPr lang="de-CH" sz="1300" dirty="0">
                         <a:solidFill>
                           <a:srgbClr val="365F91"/>
                         </a:solidFill>
@@ -12455,12 +11851,12 @@
                         </a:spcAft>
                       </a:pPr>
                       <a:r>
-                        <a:rPr lang="de-DE" sz="1100">
+                        <a:rPr lang="de-DE" sz="1300">
                           <a:effectLst/>
                         </a:rPr>
                         <a:t>Systemtest und Dokumentation </a:t>
                       </a:r>
-                      <a:endParaRPr lang="de-CH" sz="1200">
+                      <a:endParaRPr lang="de-CH" sz="1300">
                         <a:solidFill>
                           <a:srgbClr val="365F91"/>
                         </a:solidFill>
@@ -12474,7 +11870,7 @@
                   <a:tcPr marL="68580" marR="68580" marT="0" marB="0"/>
                 </a:tc>
               </a:tr>
-              <a:tr h="175625">
+              <a:tr h="214043">
                 <a:tc>
                   <a:txBody>
                     <a:bodyPr/>
@@ -12486,12 +11882,12 @@
                         </a:spcAft>
                       </a:pPr>
                       <a:r>
-                        <a:rPr lang="de-DE" sz="1100">
+                        <a:rPr lang="de-DE" sz="1300">
                           <a:effectLst/>
                         </a:rPr>
                         <a:t> </a:t>
                       </a:r>
-                      <a:endParaRPr lang="de-CH" sz="1200">
+                      <a:endParaRPr lang="de-CH" sz="1300">
                         <a:solidFill>
                           <a:srgbClr val="365F91"/>
                         </a:solidFill>
@@ -12515,12 +11911,12 @@
                         </a:spcAft>
                       </a:pPr>
                       <a:r>
-                        <a:rPr lang="de-DE" sz="1100">
+                        <a:rPr lang="de-DE" sz="1300">
                           <a:effectLst/>
                         </a:rPr>
                         <a:t>12</a:t>
                       </a:r>
-                      <a:endParaRPr lang="de-CH" sz="1200">
+                      <a:endParaRPr lang="de-CH" sz="1300">
                         <a:solidFill>
                           <a:srgbClr val="365F91"/>
                         </a:solidFill>
@@ -12544,12 +11940,12 @@
                         </a:spcAft>
                       </a:pPr>
                       <a:r>
-                        <a:rPr lang="de-DE" sz="1100">
+                        <a:rPr lang="de-DE" sz="1300" dirty="0" smtClean="0">
                           <a:effectLst/>
                         </a:rPr>
-                        <a:t>11.12.12</a:t>
+                        <a:t>11.12.2012</a:t>
                       </a:r>
-                      <a:endParaRPr lang="de-CH" sz="1200">
+                      <a:endParaRPr lang="de-CH" sz="1300" dirty="0">
                         <a:solidFill>
                           <a:srgbClr val="365F91"/>
                         </a:solidFill>
@@ -12573,12 +11969,12 @@
                         </a:spcAft>
                       </a:pPr>
                       <a:r>
-                        <a:rPr lang="de-DE" sz="1100" dirty="0">
+                        <a:rPr lang="de-DE" sz="1300" dirty="0">
                           <a:effectLst/>
                         </a:rPr>
                         <a:t>Schlusspräsentation</a:t>
                       </a:r>
-                      <a:endParaRPr lang="de-CH" sz="1200" dirty="0">
+                      <a:endParaRPr lang="de-CH" sz="1300" dirty="0">
                         <a:solidFill>
                           <a:srgbClr val="365F91"/>
                         </a:solidFill>
@@ -12617,7 +12013,7 @@
   <p:timing>
     <p:tnLst>
       <p:par>
-        <p:cTn id="1" dur="indefinite" restart="never" nodeType="tmRoot"/>
+        <p:cTn xmlns:p14="http://schemas.microsoft.com/office/powerpoint/2010/main" id="1" dur="indefinite" restart="never" nodeType="tmRoot"/>
       </p:par>
     </p:tnLst>
   </p:timing>
@@ -12869,7 +12265,7 @@
         </a:ln>
         <a:effectLst/>
         <a:extLst>
-          <a:ext uri="{AF507438-7753-43E0-B8FC-AC1667EBCBE1}">
+          <a:ext uri="{AF507438-7753-43e0-B8FC-AC1667EBCBE1}">
             <a14:hiddenEffects xmlns:a14="http://schemas.microsoft.com/office/drawing/2010/main">
               <a:effectLst>
                 <a:outerShdw blurRad="63500" dist="38099" dir="2700000" algn="ctr" rotWithShape="0">
@@ -12945,7 +12341,7 @@
         </a:ln>
         <a:effectLst/>
         <a:extLst>
-          <a:ext uri="{AF507438-7753-43E0-B8FC-AC1667EBCBE1}">
+          <a:ext uri="{AF507438-7753-43e0-B8FC-AC1667EBCBE1}">
             <a14:hiddenEffects xmlns:a14="http://schemas.microsoft.com/office/drawing/2010/main">
               <a:effectLst>
                 <a:outerShdw blurRad="63500" dist="38099" dir="2700000" algn="ctr" rotWithShape="0">
